--- a/docs/diagrams/UiComponentClassDiagram.pptx
+++ b/docs/diagrams/UiComponentClassDiagram.pptx
@@ -208,7 +208,7 @@
           <a:p>
             <a:fld id="{F5CC4B3F-88C1-4FFA-B1B6-F41C21DC6924}" type="datetimeFigureOut">
               <a:rPr lang="en-US" smtClean="0"/>
-              <a:t>12/15/2018</a:t>
+              <a:t>2/27/2019</a:t>
             </a:fld>
             <a:endParaRPr lang="en-US"/>
           </a:p>
@@ -654,7 +654,7 @@
           <a:p>
             <a:fld id="{78C97017-6FC3-485B-9764-EAC9E56C1D49}" type="datetimeFigureOut">
               <a:rPr lang="en-US" smtClean="0"/>
-              <a:t>12/15/2018</a:t>
+              <a:t>2/27/2019</a:t>
             </a:fld>
             <a:endParaRPr lang="en-US"/>
           </a:p>
@@ -822,7 +822,7 @@
           <a:p>
             <a:fld id="{78C97017-6FC3-485B-9764-EAC9E56C1D49}" type="datetimeFigureOut">
               <a:rPr lang="en-US" smtClean="0"/>
-              <a:t>12/15/2018</a:t>
+              <a:t>2/27/2019</a:t>
             </a:fld>
             <a:endParaRPr lang="en-US"/>
           </a:p>
@@ -1000,7 +1000,7 @@
           <a:p>
             <a:fld id="{78C97017-6FC3-485B-9764-EAC9E56C1D49}" type="datetimeFigureOut">
               <a:rPr lang="en-US" smtClean="0"/>
-              <a:t>12/15/2018</a:t>
+              <a:t>2/27/2019</a:t>
             </a:fld>
             <a:endParaRPr lang="en-US"/>
           </a:p>
@@ -1168,7 +1168,7 @@
           <a:p>
             <a:fld id="{78C97017-6FC3-485B-9764-EAC9E56C1D49}" type="datetimeFigureOut">
               <a:rPr lang="en-US" smtClean="0"/>
-              <a:t>12/15/2018</a:t>
+              <a:t>2/27/2019</a:t>
             </a:fld>
             <a:endParaRPr lang="en-US"/>
           </a:p>
@@ -1413,7 +1413,7 @@
           <a:p>
             <a:fld id="{78C97017-6FC3-485B-9764-EAC9E56C1D49}" type="datetimeFigureOut">
               <a:rPr lang="en-US" smtClean="0"/>
-              <a:t>12/15/2018</a:t>
+              <a:t>2/27/2019</a:t>
             </a:fld>
             <a:endParaRPr lang="en-US"/>
           </a:p>
@@ -1698,7 +1698,7 @@
           <a:p>
             <a:fld id="{78C97017-6FC3-485B-9764-EAC9E56C1D49}" type="datetimeFigureOut">
               <a:rPr lang="en-US" smtClean="0"/>
-              <a:t>12/15/2018</a:t>
+              <a:t>2/27/2019</a:t>
             </a:fld>
             <a:endParaRPr lang="en-US"/>
           </a:p>
@@ -2117,7 +2117,7 @@
           <a:p>
             <a:fld id="{78C97017-6FC3-485B-9764-EAC9E56C1D49}" type="datetimeFigureOut">
               <a:rPr lang="en-US" smtClean="0"/>
-              <a:t>12/15/2018</a:t>
+              <a:t>2/27/2019</a:t>
             </a:fld>
             <a:endParaRPr lang="en-US"/>
           </a:p>
@@ -2234,7 +2234,7 @@
           <a:p>
             <a:fld id="{78C97017-6FC3-485B-9764-EAC9E56C1D49}" type="datetimeFigureOut">
               <a:rPr lang="en-US" smtClean="0"/>
-              <a:t>12/15/2018</a:t>
+              <a:t>2/27/2019</a:t>
             </a:fld>
             <a:endParaRPr lang="en-US"/>
           </a:p>
@@ -2329,7 +2329,7 @@
           <a:p>
             <a:fld id="{78C97017-6FC3-485B-9764-EAC9E56C1D49}" type="datetimeFigureOut">
               <a:rPr lang="en-US" smtClean="0"/>
-              <a:t>12/15/2018</a:t>
+              <a:t>2/27/2019</a:t>
             </a:fld>
             <a:endParaRPr lang="en-US"/>
           </a:p>
@@ -2604,7 +2604,7 @@
           <a:p>
             <a:fld id="{78C97017-6FC3-485B-9764-EAC9E56C1D49}" type="datetimeFigureOut">
               <a:rPr lang="en-US" smtClean="0"/>
-              <a:t>12/15/2018</a:t>
+              <a:t>2/27/2019</a:t>
             </a:fld>
             <a:endParaRPr lang="en-US"/>
           </a:p>
@@ -2856,7 +2856,7 @@
           <a:p>
             <a:fld id="{78C97017-6FC3-485B-9764-EAC9E56C1D49}" type="datetimeFigureOut">
               <a:rPr lang="en-US" smtClean="0"/>
-              <a:t>12/15/2018</a:t>
+              <a:t>2/27/2019</a:t>
             </a:fld>
             <a:endParaRPr lang="en-US"/>
           </a:p>
@@ -3067,7 +3067,7 @@
           <a:p>
             <a:fld id="{78C97017-6FC3-485B-9764-EAC9E56C1D49}" type="datetimeFigureOut">
               <a:rPr lang="en-US" smtClean="0"/>
-              <a:t>12/15/2018</a:t>
+              <a:t>2/27/2019</a:t>
             </a:fld>
             <a:endParaRPr lang="en-US"/>
           </a:p>
@@ -3450,8 +3450,8 @@
         </p:nvSpPr>
         <p:spPr>
           <a:xfrm>
-            <a:off x="1217465" y="1447800"/>
-            <a:ext cx="4917083" cy="3962400"/>
+            <a:off x="1524000" y="685800"/>
+            <a:ext cx="5200755" cy="5105401"/>
           </a:xfrm>
           <a:prstGeom prst="roundRect">
             <a:avLst>
@@ -3512,7 +3512,7 @@
         </p:nvSpPr>
         <p:spPr>
           <a:xfrm>
-            <a:off x="2095948" y="2341220"/>
+            <a:off x="2402483" y="1579221"/>
             <a:ext cx="1093635" cy="346760"/>
           </a:xfrm>
           <a:prstGeom prst="rect">
@@ -3545,7 +3545,7 @@
           <a:p>
             <a:pPr algn="ctr"/>
             <a:r>
-              <a:rPr lang="en-US" sz="1050" b="1" dirty="0" err="1">
+              <a:rPr lang="en-US" sz="1050" b="1" dirty="0">
                 <a:solidFill>
                   <a:schemeClr val="accent3">
                     <a:lumMod val="75000"/>
@@ -3572,7 +3572,7 @@
         </p:nvSpPr>
         <p:spPr>
           <a:xfrm>
-            <a:off x="2592528" y="2971800"/>
+            <a:off x="2899063" y="2209801"/>
             <a:ext cx="1093635" cy="236841"/>
           </a:xfrm>
           <a:prstGeom prst="rect">
@@ -3605,7 +3605,7 @@
           <a:p>
             <a:pPr algn="ctr"/>
             <a:r>
-              <a:rPr lang="en-US" sz="1050" b="1" dirty="0" err="1">
+              <a:rPr lang="en-US" sz="1050" b="1" dirty="0">
                 <a:solidFill>
                   <a:schemeClr val="accent3">
                     <a:lumMod val="75000"/>
@@ -3632,7 +3632,7 @@
         </p:nvSpPr>
         <p:spPr>
           <a:xfrm>
-            <a:off x="2092842" y="1770924"/>
+            <a:off x="2399377" y="1008925"/>
             <a:ext cx="1093635" cy="346760"/>
           </a:xfrm>
           <a:prstGeom prst="rect">
@@ -3668,7 +3668,7 @@
           <a:p>
             <a:pPr algn="ctr"/>
             <a:r>
-              <a:rPr lang="en-US" sz="1050" dirty="0" err="1">
+              <a:rPr lang="en-US" sz="1050" dirty="0">
                 <a:solidFill>
                   <a:schemeClr val="bg1"/>
                 </a:solidFill>
@@ -3694,7 +3694,7 @@
         </p:nvCxnSpPr>
         <p:spPr>
           <a:xfrm rot="16200000" flipH="1">
-            <a:off x="2529445" y="2227899"/>
+            <a:off x="2835980" y="1465900"/>
             <a:ext cx="223536" cy="3106"/>
           </a:xfrm>
           <a:prstGeom prst="bentConnector3">
@@ -3734,7 +3734,7 @@
         </p:nvSpPr>
         <p:spPr>
           <a:xfrm rot="10800000" flipV="1">
-            <a:off x="5394717" y="2110477"/>
+            <a:off x="5701252" y="1348478"/>
             <a:ext cx="270504" cy="175523"/>
           </a:xfrm>
           <a:prstGeom prst="triangle">
@@ -3782,7 +3782,7 @@
         </p:nvCxnSpPr>
         <p:spPr>
           <a:xfrm flipV="1">
-            <a:off x="644735" y="2991937"/>
+            <a:off x="951270" y="2229938"/>
             <a:ext cx="684904" cy="1"/>
           </a:xfrm>
           <a:prstGeom prst="bentConnector3">
@@ -3825,8 +3825,8 @@
         </p:nvSpPr>
         <p:spPr>
           <a:xfrm rot="16200000">
-            <a:off x="5703829" y="2464877"/>
-            <a:ext cx="2362201" cy="328045"/>
+            <a:off x="6031474" y="1681767"/>
+            <a:ext cx="2319981" cy="328045"/>
           </a:xfrm>
           <a:prstGeom prst="roundRect">
             <a:avLst/>
@@ -3885,7 +3885,7 @@
         </p:nvSpPr>
         <p:spPr>
           <a:xfrm>
-            <a:off x="2592528" y="3649359"/>
+            <a:off x="2899063" y="2887360"/>
             <a:ext cx="1093635" cy="236841"/>
           </a:xfrm>
           <a:prstGeom prst="rect">
@@ -3918,7 +3918,7 @@
           <a:p>
             <a:pPr algn="ctr"/>
             <a:r>
-              <a:rPr lang="en-US" sz="1050" b="1" dirty="0" err="1">
+              <a:rPr lang="en-US" sz="1050" b="1" dirty="0">
                 <a:solidFill>
                   <a:schemeClr val="accent3">
                     <a:lumMod val="75000"/>
@@ -3945,7 +3945,7 @@
         </p:nvSpPr>
         <p:spPr>
           <a:xfrm>
-            <a:off x="2592527" y="4563759"/>
+            <a:off x="2899062" y="4999719"/>
             <a:ext cx="1093635" cy="236841"/>
           </a:xfrm>
           <a:prstGeom prst="rect">
@@ -3978,7 +3978,7 @@
           <a:p>
             <a:pPr algn="ctr"/>
             <a:r>
-              <a:rPr lang="en-US" sz="1050" b="1" dirty="0" err="1">
+              <a:rPr lang="en-US" sz="1050" b="1" dirty="0">
                 <a:solidFill>
                   <a:schemeClr val="accent3">
                     <a:lumMod val="75000"/>
@@ -4005,7 +4005,7 @@
         </p:nvSpPr>
         <p:spPr>
           <a:xfrm>
-            <a:off x="2592526" y="3991960"/>
+            <a:off x="2899061" y="3915762"/>
             <a:ext cx="1093635" cy="236841"/>
           </a:xfrm>
           <a:prstGeom prst="rect">
@@ -4038,14 +4038,14 @@
           <a:p>
             <a:pPr algn="ctr"/>
             <a:r>
-              <a:rPr lang="en-US" sz="1050" b="1" dirty="0" err="1">
+              <a:rPr lang="en-US" sz="1050" b="1" dirty="0">
                 <a:solidFill>
                   <a:schemeClr val="accent3">
                     <a:lumMod val="75000"/>
                   </a:schemeClr>
                 </a:solidFill>
               </a:rPr>
-              <a:t>PersonListPanel</a:t>
+              <a:t>ListPanel</a:t>
             </a:r>
             <a:endParaRPr lang="en-SG" sz="1050" b="1" dirty="0">
               <a:solidFill>
@@ -4059,14 +4059,14 @@
       </p:sp>
       <p:sp>
         <p:nvSpPr>
-          <p:cNvPr id="37" name="Rectangle 11"/>
+          <p:cNvPr id="38" name="Rectangle 11"/>
           <p:cNvSpPr/>
           <p:nvPr/>
         </p:nvSpPr>
         <p:spPr>
           <a:xfrm>
-            <a:off x="3839323" y="4228801"/>
-            <a:ext cx="1040906" cy="236841"/>
+            <a:off x="2899063" y="5401960"/>
+            <a:ext cx="1093635" cy="236841"/>
           </a:xfrm>
           <a:prstGeom prst="rect">
             <a:avLst/>
@@ -4098,14 +4098,14 @@
           <a:p>
             <a:pPr algn="ctr"/>
             <a:r>
-              <a:rPr lang="en-US" sz="1050" b="1" dirty="0" err="1">
+              <a:rPr lang="en-US" sz="1050" b="1" dirty="0">
                 <a:solidFill>
                   <a:schemeClr val="accent3">
                     <a:lumMod val="75000"/>
                   </a:schemeClr>
                 </a:solidFill>
               </a:rPr>
-              <a:t>PersonCard</a:t>
+              <a:t>HelpWindow</a:t>
             </a:r>
             <a:endParaRPr lang="en-SG" sz="1050" b="1" dirty="0">
               <a:solidFill>
@@ -4119,73 +4119,13 @@
       </p:sp>
       <p:sp>
         <p:nvSpPr>
-          <p:cNvPr id="38" name="Rectangle 11"/>
-          <p:cNvSpPr/>
-          <p:nvPr/>
-        </p:nvSpPr>
-        <p:spPr>
-          <a:xfrm>
-            <a:off x="2592528" y="4966000"/>
-            <a:ext cx="1093635" cy="236841"/>
-          </a:xfrm>
-          <a:prstGeom prst="rect">
-            <a:avLst/>
-          </a:prstGeom>
-          <a:ln w="19050">
-            <a:solidFill>
-              <a:schemeClr val="accent3"/>
-            </a:solidFill>
-          </a:ln>
-          <a:effectLst/>
-        </p:spPr>
-        <p:style>
-          <a:lnRef idx="1">
-            <a:schemeClr val="accent3"/>
-          </a:lnRef>
-          <a:fillRef idx="2">
-            <a:schemeClr val="accent3"/>
-          </a:fillRef>
-          <a:effectRef idx="1">
-            <a:schemeClr val="accent3"/>
-          </a:effectRef>
-          <a:fontRef idx="minor">
-            <a:schemeClr val="dk1"/>
-          </a:fontRef>
-        </p:style>
-        <p:txBody>
-          <a:bodyPr rtlCol="0" anchor="ctr"/>
-          <a:lstStyle/>
-          <a:p>
-            <a:pPr algn="ctr"/>
-            <a:r>
-              <a:rPr lang="en-US" sz="1050" b="1" dirty="0" err="1">
-                <a:solidFill>
-                  <a:schemeClr val="accent3">
-                    <a:lumMod val="75000"/>
-                  </a:schemeClr>
-                </a:solidFill>
-              </a:rPr>
-              <a:t>HelpWindow</a:t>
-            </a:r>
-            <a:endParaRPr lang="en-SG" sz="1050" b="1" dirty="0">
-              <a:solidFill>
-                <a:schemeClr val="accent3">
-                  <a:lumMod val="75000"/>
-                </a:schemeClr>
-              </a:solidFill>
-            </a:endParaRPr>
-          </a:p>
-        </p:txBody>
-      </p:sp>
-      <p:sp>
-        <p:nvSpPr>
           <p:cNvPr id="39" name="Flowchart: Decision 38"/>
           <p:cNvSpPr/>
           <p:nvPr/>
         </p:nvSpPr>
         <p:spPr>
           <a:xfrm>
-            <a:off x="2324548" y="2706452"/>
+            <a:off x="2631083" y="1944453"/>
             <a:ext cx="183156" cy="161573"/>
           </a:xfrm>
           <a:prstGeom prst="flowChartDecision">
@@ -4236,7 +4176,7 @@
         </p:nvCxnSpPr>
         <p:spPr>
           <a:xfrm rot="16200000" flipH="1">
-            <a:off x="2393229" y="2890922"/>
+            <a:off x="2699764" y="2128923"/>
             <a:ext cx="222196" cy="176402"/>
           </a:xfrm>
           <a:prstGeom prst="bentConnector2">
@@ -4274,7 +4214,7 @@
         </p:nvSpPr>
         <p:spPr>
           <a:xfrm>
-            <a:off x="2590799" y="3304308"/>
+            <a:off x="2897334" y="2542309"/>
             <a:ext cx="1095361" cy="236841"/>
           </a:xfrm>
           <a:prstGeom prst="rect">
@@ -4307,7 +4247,7 @@
           <a:p>
             <a:pPr algn="ctr"/>
             <a:r>
-              <a:rPr lang="en-US" sz="1050" b="1" dirty="0" err="1">
+              <a:rPr lang="en-US" sz="1050" b="1" dirty="0">
                 <a:solidFill>
                   <a:schemeClr val="accent3">
                     <a:lumMod val="75000"/>
@@ -4337,7 +4277,7 @@
         </p:nvCxnSpPr>
         <p:spPr>
           <a:xfrm rot="16200000" flipH="1">
-            <a:off x="2054450" y="3229701"/>
+            <a:off x="2360985" y="2467702"/>
             <a:ext cx="899755" cy="176402"/>
           </a:xfrm>
           <a:prstGeom prst="bentConnector2">
@@ -4378,8 +4318,8 @@
         </p:nvCxnSpPr>
         <p:spPr>
           <a:xfrm rot="16200000" flipH="1">
-            <a:off x="1883148" y="3401003"/>
-            <a:ext cx="1242356" cy="176400"/>
+            <a:off x="1846783" y="2981904"/>
+            <a:ext cx="1928157" cy="176400"/>
           </a:xfrm>
           <a:prstGeom prst="bentConnector2">
             <a:avLst/>
@@ -4419,8 +4359,8 @@
         </p:nvCxnSpPr>
         <p:spPr>
           <a:xfrm rot="16200000" flipH="1">
-            <a:off x="1597249" y="3686901"/>
-            <a:ext cx="1814155" cy="176401"/>
+            <a:off x="1304804" y="3523882"/>
+            <a:ext cx="3012114" cy="176401"/>
           </a:xfrm>
           <a:prstGeom prst="bentConnector2">
             <a:avLst/>
@@ -4453,14 +4393,15 @@
         <p:nvCxnSpPr>
           <p:cNvPr id="53" name="Elbow Connector 63"/>
           <p:cNvCxnSpPr>
+            <a:cxnSpLocks/>
             <a:endCxn id="38" idx="1"/>
           </p:cNvCxnSpPr>
           <p:nvPr/>
         </p:nvCxnSpPr>
         <p:spPr>
           <a:xfrm rot="16200000" flipH="1">
-            <a:off x="1184119" y="3676012"/>
-            <a:ext cx="2396440" cy="420377"/>
+            <a:off x="909661" y="3530979"/>
+            <a:ext cx="3594398" cy="384406"/>
           </a:xfrm>
           <a:prstGeom prst="bentConnector2">
             <a:avLst/>
@@ -4497,7 +4438,7 @@
         </p:nvSpPr>
         <p:spPr>
           <a:xfrm>
-            <a:off x="5143948" y="1770924"/>
+            <a:off x="5450483" y="1008925"/>
             <a:ext cx="772043" cy="346760"/>
           </a:xfrm>
           <a:prstGeom prst="rect">
@@ -4549,7 +4490,7 @@
               </a:rPr>
             </a:br>
             <a:r>
-              <a:rPr lang="en-US" sz="1050" b="1" dirty="0" err="1">
+              <a:rPr lang="en-US" sz="1050" b="1" dirty="0">
                 <a:solidFill>
                   <a:schemeClr val="accent3">
                     <a:lumMod val="75000"/>
@@ -4579,7 +4520,7 @@
         </p:nvCxnSpPr>
         <p:spPr>
           <a:xfrm flipV="1">
-            <a:off x="3686160" y="2286000"/>
+            <a:off x="3992695" y="1524001"/>
             <a:ext cx="1843809" cy="1136729"/>
           </a:xfrm>
           <a:prstGeom prst="bentConnector2">
@@ -4613,15 +4554,16 @@
         <p:nvCxnSpPr>
           <p:cNvPr id="77" name="Elbow Connector 63"/>
           <p:cNvCxnSpPr>
+            <a:cxnSpLocks/>
             <a:stCxn id="16" idx="3"/>
-            <a:endCxn id="37" idx="3"/>
+            <a:endCxn id="52" idx="3"/>
           </p:cNvCxnSpPr>
           <p:nvPr/>
         </p:nvCxnSpPr>
         <p:spPr>
           <a:xfrm rot="5400000">
-            <a:off x="4174488" y="2991741"/>
-            <a:ext cx="2061222" cy="649740"/>
+            <a:off x="4261847" y="2679880"/>
+            <a:ext cx="2730536" cy="418779"/>
           </a:xfrm>
           <a:prstGeom prst="bentConnector2">
             <a:avLst/>
@@ -4661,7 +4603,7 @@
         </p:nvCxnSpPr>
         <p:spPr>
           <a:xfrm rot="5400000">
-            <a:off x="3867176" y="2104987"/>
+            <a:off x="4173711" y="1342988"/>
             <a:ext cx="1481780" cy="1843806"/>
           </a:xfrm>
           <a:prstGeom prst="bentConnector2">
@@ -4702,7 +4644,7 @@
         </p:nvCxnSpPr>
         <p:spPr>
           <a:xfrm flipV="1">
-            <a:off x="3189583" y="2286000"/>
+            <a:off x="3496118" y="1524001"/>
             <a:ext cx="2340386" cy="228600"/>
           </a:xfrm>
           <a:prstGeom prst="bentConnector2">
@@ -4736,14 +4678,14 @@
         <p:nvCxnSpPr>
           <p:cNvPr id="91" name="Elbow Connector 63"/>
           <p:cNvCxnSpPr>
-            <a:stCxn id="16" idx="3"/>
+            <a:cxnSpLocks/>
             <a:endCxn id="35" idx="3"/>
           </p:cNvCxnSpPr>
           <p:nvPr/>
         </p:nvCxnSpPr>
         <p:spPr>
           <a:xfrm rot="5400000">
-            <a:off x="3409976" y="2562187"/>
+            <a:off x="3716511" y="2998147"/>
             <a:ext cx="2396180" cy="1843807"/>
           </a:xfrm>
           <a:prstGeom prst="bentConnector2">
@@ -4777,14 +4719,14 @@
         <p:nvCxnSpPr>
           <p:cNvPr id="94" name="Elbow Connector 63"/>
           <p:cNvCxnSpPr>
-            <a:stCxn id="16" idx="3"/>
+            <a:cxnSpLocks/>
             <a:endCxn id="38" idx="3"/>
           </p:cNvCxnSpPr>
           <p:nvPr/>
         </p:nvCxnSpPr>
         <p:spPr>
           <a:xfrm rot="5400000">
-            <a:off x="3208856" y="2763307"/>
+            <a:off x="3515391" y="3199267"/>
             <a:ext cx="2798421" cy="1843806"/>
           </a:xfrm>
           <a:prstGeom prst="bentConnector2">
@@ -4824,7 +4766,7 @@
         </p:nvCxnSpPr>
         <p:spPr>
           <a:xfrm rot="5400000" flipH="1" flipV="1">
-            <a:off x="4594921" y="-355061"/>
+            <a:off x="4901456" y="-1117060"/>
             <a:ext cx="170724" cy="4081246"/>
           </a:xfrm>
           <a:prstGeom prst="bentConnector2">
@@ -4863,8 +4805,8 @@
         </p:nvSpPr>
         <p:spPr>
           <a:xfrm rot="16200000">
-            <a:off x="6213739" y="4560376"/>
-            <a:ext cx="1371599" cy="328045"/>
+            <a:off x="5870143" y="4291246"/>
+            <a:ext cx="2671863" cy="328045"/>
           </a:xfrm>
           <a:prstGeom prst="roundRect">
             <a:avLst/>
@@ -4923,7 +4865,7 @@
         </p:nvSpPr>
         <p:spPr>
           <a:xfrm rot="16200000">
-            <a:off x="956202" y="2861202"/>
+            <a:off x="1262737" y="2099203"/>
             <a:ext cx="1093635" cy="346760"/>
           </a:xfrm>
           <a:prstGeom prst="rect">
@@ -4970,7 +4912,7 @@
           <a:p>
             <a:pPr algn="ctr"/>
             <a:r>
-              <a:rPr lang="en-US" sz="1050" dirty="0" err="1">
+              <a:rPr lang="en-US" sz="1050" dirty="0">
                 <a:solidFill>
                   <a:schemeClr val="bg1"/>
                 </a:solidFill>
@@ -4993,7 +4935,7 @@
         </p:nvSpPr>
         <p:spPr>
           <a:xfrm flipV="1">
-            <a:off x="1367767" y="2286001"/>
+            <a:off x="1674302" y="1524002"/>
             <a:ext cx="270504" cy="175523"/>
           </a:xfrm>
           <a:prstGeom prst="triangle">
@@ -5044,7 +4986,7 @@
         </p:nvCxnSpPr>
         <p:spPr>
           <a:xfrm rot="10800000" flipV="1">
-            <a:off x="1503020" y="1944303"/>
+            <a:off x="1809555" y="1182304"/>
             <a:ext cx="589823" cy="341697"/>
           </a:xfrm>
           <a:prstGeom prst="bentConnector2">
@@ -5086,7 +5028,7 @@
         </p:nvCxnSpPr>
         <p:spPr>
           <a:xfrm rot="16200000" flipH="1">
-            <a:off x="2226110" y="3058040"/>
+            <a:off x="2532645" y="2296041"/>
             <a:ext cx="554704" cy="174673"/>
           </a:xfrm>
           <a:prstGeom prst="bentConnector2">
@@ -5127,7 +5069,7 @@
         </p:nvCxnSpPr>
         <p:spPr>
           <a:xfrm rot="5400000">
-            <a:off x="4205956" y="1766207"/>
+            <a:off x="4512491" y="1004208"/>
             <a:ext cx="804221" cy="1843806"/>
           </a:xfrm>
           <a:prstGeom prst="bentConnector2">
@@ -5161,15 +5103,15 @@
         <p:nvCxnSpPr>
           <p:cNvPr id="137" name="Elbow Connector 136"/>
           <p:cNvCxnSpPr>
+            <a:cxnSpLocks/>
             <a:stCxn id="36" idx="2"/>
-            <a:endCxn id="37" idx="1"/>
           </p:cNvCxnSpPr>
           <p:nvPr/>
         </p:nvCxnSpPr>
         <p:spPr>
           <a:xfrm rot="16200000" flipH="1">
-            <a:off x="3430123" y="3938021"/>
-            <a:ext cx="118421" cy="699979"/>
+            <a:off x="3749643" y="3848839"/>
+            <a:ext cx="90996" cy="698524"/>
           </a:xfrm>
           <a:prstGeom prst="bentConnector2">
             <a:avLst/>
@@ -5209,8 +5151,8 @@
         </p:nvCxnSpPr>
         <p:spPr>
           <a:xfrm rot="5400000">
-            <a:off x="3695875" y="2276286"/>
-            <a:ext cx="1824381" cy="1843808"/>
+            <a:off x="3659509" y="1857188"/>
+            <a:ext cx="2510182" cy="1843808"/>
           </a:xfrm>
           <a:prstGeom prst="bentConnector2">
             <a:avLst/>
@@ -5247,7 +5189,7 @@
         </p:nvSpPr>
         <p:spPr>
           <a:xfrm>
-            <a:off x="5422048" y="2339335"/>
+            <a:off x="5728583" y="1577336"/>
             <a:ext cx="229325" cy="166560"/>
           </a:xfrm>
           <a:prstGeom prst="rect">
@@ -5300,7 +5242,7 @@
         </p:nvSpPr>
         <p:spPr>
           <a:xfrm>
-            <a:off x="3186477" y="2405681"/>
+            <a:off x="3493012" y="1643682"/>
             <a:ext cx="3537529" cy="45719"/>
           </a:xfrm>
           <a:custGeom>
@@ -5382,7 +5324,7 @@
         </p:nvSpPr>
         <p:spPr>
           <a:xfrm>
-            <a:off x="5431573" y="4488138"/>
+            <a:off x="5738108" y="3726139"/>
             <a:ext cx="229325" cy="160062"/>
           </a:xfrm>
           <a:prstGeom prst="rect">
@@ -5435,7 +5377,7 @@
         </p:nvSpPr>
         <p:spPr>
           <a:xfrm flipV="1">
-            <a:off x="4114799" y="4472708"/>
+            <a:off x="4421334" y="4396510"/>
             <a:ext cx="2642195" cy="101600"/>
           </a:xfrm>
           <a:custGeom>
@@ -5509,6 +5451,819 @@
           </a:p>
         </p:txBody>
       </p:sp>
+      <p:sp>
+        <p:nvSpPr>
+          <p:cNvPr id="42" name="Rectangle 11">
+            <a:extLst>
+              <a:ext uri="{FF2B5EF4-FFF2-40B4-BE49-F238E27FC236}">
+                <a16:creationId xmlns:a16="http://schemas.microsoft.com/office/drawing/2014/main" id="{93275EE9-C2B9-422D-9421-63CBC62A18E4}"/>
+              </a:ext>
+            </a:extLst>
+          </p:cNvPr>
+          <p:cNvSpPr/>
+          <p:nvPr/>
+        </p:nvSpPr>
+        <p:spPr>
+          <a:xfrm>
+            <a:off x="4145858" y="3119337"/>
+            <a:ext cx="1274954" cy="230829"/>
+          </a:xfrm>
+          <a:prstGeom prst="rect">
+            <a:avLst/>
+          </a:prstGeom>
+          <a:ln w="19050">
+            <a:solidFill>
+              <a:schemeClr val="accent3"/>
+            </a:solidFill>
+          </a:ln>
+          <a:effectLst/>
+        </p:spPr>
+        <p:style>
+          <a:lnRef idx="1">
+            <a:schemeClr val="accent3"/>
+          </a:lnRef>
+          <a:fillRef idx="2">
+            <a:schemeClr val="accent3"/>
+          </a:fillRef>
+          <a:effectRef idx="1">
+            <a:schemeClr val="accent3"/>
+          </a:effectRef>
+          <a:fontRef idx="minor">
+            <a:schemeClr val="dk1"/>
+          </a:fontRef>
+        </p:style>
+        <p:txBody>
+          <a:bodyPr rtlCol="0" anchor="ctr"/>
+          <a:lstStyle/>
+          <a:p>
+            <a:pPr algn="ctr"/>
+            <a:r>
+              <a:rPr lang="en-US" sz="1050" b="1" dirty="0">
+                <a:solidFill>
+                  <a:schemeClr val="accent3">
+                    <a:lumMod val="75000"/>
+                  </a:schemeClr>
+                </a:solidFill>
+              </a:rPr>
+              <a:t>TableCard</a:t>
+            </a:r>
+            <a:endParaRPr lang="en-SG" sz="1050" b="1" dirty="0">
+              <a:solidFill>
+                <a:schemeClr val="accent3">
+                  <a:lumMod val="75000"/>
+                </a:schemeClr>
+              </a:solidFill>
+            </a:endParaRPr>
+          </a:p>
+        </p:txBody>
+      </p:sp>
+      <p:sp>
+        <p:nvSpPr>
+          <p:cNvPr id="45" name="Freeform 117">
+            <a:extLst>
+              <a:ext uri="{FF2B5EF4-FFF2-40B4-BE49-F238E27FC236}">
+                <a16:creationId xmlns:a16="http://schemas.microsoft.com/office/drawing/2014/main" id="{07A19E23-C4A7-4A7D-9549-AE5EB1EB8940}"/>
+              </a:ext>
+            </a:extLst>
+          </p:cNvPr>
+          <p:cNvSpPr/>
+          <p:nvPr/>
+        </p:nvSpPr>
+        <p:spPr>
+          <a:xfrm flipV="1">
+            <a:off x="4421334" y="3363244"/>
+            <a:ext cx="2642195" cy="101600"/>
+          </a:xfrm>
+          <a:custGeom>
+            <a:avLst/>
+            <a:gdLst>
+              <a:gd name="connsiteX0" fmla="*/ 0 w 3048000"/>
+              <a:gd name="connsiteY0" fmla="*/ 203200 h 203200"/>
+              <a:gd name="connsiteX1" fmla="*/ 221673 w 3048000"/>
+              <a:gd name="connsiteY1" fmla="*/ 0 h 203200"/>
+              <a:gd name="connsiteX2" fmla="*/ 3048000 w 3048000"/>
+              <a:gd name="connsiteY2" fmla="*/ 0 h 203200"/>
+            </a:gdLst>
+            <a:ahLst/>
+            <a:cxnLst>
+              <a:cxn ang="0">
+                <a:pos x="connsiteX0" y="connsiteY0"/>
+              </a:cxn>
+              <a:cxn ang="0">
+                <a:pos x="connsiteX1" y="connsiteY1"/>
+              </a:cxn>
+              <a:cxn ang="0">
+                <a:pos x="connsiteX2" y="connsiteY2"/>
+              </a:cxn>
+            </a:cxnLst>
+            <a:rect l="l" t="t" r="r" b="b"/>
+            <a:pathLst>
+              <a:path w="3048000" h="203200">
+                <a:moveTo>
+                  <a:pt x="0" y="203200"/>
+                </a:moveTo>
+                <a:lnTo>
+                  <a:pt x="221673" y="0"/>
+                </a:lnTo>
+                <a:lnTo>
+                  <a:pt x="3048000" y="0"/>
+                </a:lnTo>
+              </a:path>
+            </a:pathLst>
+          </a:custGeom>
+          <a:noFill/>
+          <a:ln w="19050">
+            <a:solidFill>
+              <a:schemeClr val="accent3"/>
+            </a:solidFill>
+            <a:prstDash val="sysDot"/>
+            <a:headEnd type="none" w="med" len="med"/>
+            <a:tailEnd type="arrow" w="med" len="med"/>
+          </a:ln>
+          <a:effectLst/>
+        </p:spPr>
+        <p:style>
+          <a:lnRef idx="1">
+            <a:schemeClr val="accent2"/>
+          </a:lnRef>
+          <a:fillRef idx="2">
+            <a:schemeClr val="accent2"/>
+          </a:fillRef>
+          <a:effectRef idx="1">
+            <a:schemeClr val="accent2"/>
+          </a:effectRef>
+          <a:fontRef idx="minor">
+            <a:schemeClr val="dk1"/>
+          </a:fontRef>
+        </p:style>
+        <p:txBody>
+          <a:bodyPr rtlCol="0" anchor="ctr"/>
+          <a:lstStyle/>
+          <a:p>
+            <a:pPr algn="ctr"/>
+            <a:endParaRPr lang="en-SG"/>
+          </a:p>
+        </p:txBody>
+      </p:sp>
+      <p:sp>
+        <p:nvSpPr>
+          <p:cNvPr id="46" name="Rectangle 11">
+            <a:extLst>
+              <a:ext uri="{FF2B5EF4-FFF2-40B4-BE49-F238E27FC236}">
+                <a16:creationId xmlns:a16="http://schemas.microsoft.com/office/drawing/2014/main" id="{CF41DF3E-BFEE-446C-AD0E-7A6DA7A36889}"/>
+              </a:ext>
+            </a:extLst>
+          </p:cNvPr>
+          <p:cNvSpPr/>
+          <p:nvPr/>
+        </p:nvSpPr>
+        <p:spPr>
+          <a:xfrm>
+            <a:off x="4145857" y="3543087"/>
+            <a:ext cx="1274955" cy="230829"/>
+          </a:xfrm>
+          <a:prstGeom prst="rect">
+            <a:avLst/>
+          </a:prstGeom>
+          <a:ln w="19050">
+            <a:solidFill>
+              <a:schemeClr val="accent3"/>
+            </a:solidFill>
+          </a:ln>
+          <a:effectLst/>
+        </p:spPr>
+        <p:style>
+          <a:lnRef idx="1">
+            <a:schemeClr val="accent3"/>
+          </a:lnRef>
+          <a:fillRef idx="2">
+            <a:schemeClr val="accent3"/>
+          </a:fillRef>
+          <a:effectRef idx="1">
+            <a:schemeClr val="accent3"/>
+          </a:effectRef>
+          <a:fontRef idx="minor">
+            <a:schemeClr val="dk1"/>
+          </a:fontRef>
+        </p:style>
+        <p:txBody>
+          <a:bodyPr rtlCol="0" anchor="ctr"/>
+          <a:lstStyle/>
+          <a:p>
+            <a:pPr algn="ctr"/>
+            <a:r>
+              <a:rPr lang="en-US" sz="1050" b="1" dirty="0" err="1">
+                <a:solidFill>
+                  <a:schemeClr val="accent3">
+                    <a:lumMod val="75000"/>
+                  </a:schemeClr>
+                </a:solidFill>
+              </a:rPr>
+              <a:t>StatsCard</a:t>
+            </a:r>
+            <a:endParaRPr lang="en-SG" sz="1050" b="1" dirty="0">
+              <a:solidFill>
+                <a:schemeClr val="accent3">
+                  <a:lumMod val="75000"/>
+                </a:schemeClr>
+              </a:solidFill>
+            </a:endParaRPr>
+          </a:p>
+        </p:txBody>
+      </p:sp>
+      <p:sp>
+        <p:nvSpPr>
+          <p:cNvPr id="48" name="Freeform 117">
+            <a:extLst>
+              <a:ext uri="{FF2B5EF4-FFF2-40B4-BE49-F238E27FC236}">
+                <a16:creationId xmlns:a16="http://schemas.microsoft.com/office/drawing/2014/main" id="{A5F759FE-52CA-423A-A4E8-77CB6F4F5A5B}"/>
+              </a:ext>
+            </a:extLst>
+          </p:cNvPr>
+          <p:cNvSpPr/>
+          <p:nvPr/>
+        </p:nvSpPr>
+        <p:spPr>
+          <a:xfrm flipV="1">
+            <a:off x="4421334" y="3786994"/>
+            <a:ext cx="2642195" cy="101600"/>
+          </a:xfrm>
+          <a:custGeom>
+            <a:avLst/>
+            <a:gdLst>
+              <a:gd name="connsiteX0" fmla="*/ 0 w 3048000"/>
+              <a:gd name="connsiteY0" fmla="*/ 203200 h 203200"/>
+              <a:gd name="connsiteX1" fmla="*/ 221673 w 3048000"/>
+              <a:gd name="connsiteY1" fmla="*/ 0 h 203200"/>
+              <a:gd name="connsiteX2" fmla="*/ 3048000 w 3048000"/>
+              <a:gd name="connsiteY2" fmla="*/ 0 h 203200"/>
+            </a:gdLst>
+            <a:ahLst/>
+            <a:cxnLst>
+              <a:cxn ang="0">
+                <a:pos x="connsiteX0" y="connsiteY0"/>
+              </a:cxn>
+              <a:cxn ang="0">
+                <a:pos x="connsiteX1" y="connsiteY1"/>
+              </a:cxn>
+              <a:cxn ang="0">
+                <a:pos x="connsiteX2" y="connsiteY2"/>
+              </a:cxn>
+            </a:cxnLst>
+            <a:rect l="l" t="t" r="r" b="b"/>
+            <a:pathLst>
+              <a:path w="3048000" h="203200">
+                <a:moveTo>
+                  <a:pt x="0" y="203200"/>
+                </a:moveTo>
+                <a:lnTo>
+                  <a:pt x="221673" y="0"/>
+                </a:lnTo>
+                <a:lnTo>
+                  <a:pt x="3048000" y="0"/>
+                </a:lnTo>
+              </a:path>
+            </a:pathLst>
+          </a:custGeom>
+          <a:noFill/>
+          <a:ln w="19050">
+            <a:solidFill>
+              <a:schemeClr val="accent3"/>
+            </a:solidFill>
+            <a:prstDash val="sysDot"/>
+            <a:headEnd type="none" w="med" len="med"/>
+            <a:tailEnd type="arrow" w="med" len="med"/>
+          </a:ln>
+          <a:effectLst/>
+        </p:spPr>
+        <p:style>
+          <a:lnRef idx="1">
+            <a:schemeClr val="accent2"/>
+          </a:lnRef>
+          <a:fillRef idx="2">
+            <a:schemeClr val="accent2"/>
+          </a:fillRef>
+          <a:effectRef idx="1">
+            <a:schemeClr val="accent2"/>
+          </a:effectRef>
+          <a:fontRef idx="minor">
+            <a:schemeClr val="dk1"/>
+          </a:fontRef>
+        </p:style>
+        <p:txBody>
+          <a:bodyPr rtlCol="0" anchor="ctr"/>
+          <a:lstStyle/>
+          <a:p>
+            <a:pPr algn="ctr"/>
+            <a:endParaRPr lang="en-SG"/>
+          </a:p>
+        </p:txBody>
+      </p:sp>
+      <p:cxnSp>
+        <p:nvCxnSpPr>
+          <p:cNvPr id="49" name="Elbow Connector 63">
+            <a:extLst>
+              <a:ext uri="{FF2B5EF4-FFF2-40B4-BE49-F238E27FC236}">
+                <a16:creationId xmlns:a16="http://schemas.microsoft.com/office/drawing/2014/main" id="{D729A16D-6DF1-4745-81BF-08712270C5A9}"/>
+              </a:ext>
+            </a:extLst>
+          </p:cNvPr>
+          <p:cNvCxnSpPr>
+            <a:cxnSpLocks/>
+            <a:stCxn id="16" idx="3"/>
+            <a:endCxn id="42" idx="3"/>
+          </p:cNvCxnSpPr>
+          <p:nvPr/>
+        </p:nvCxnSpPr>
+        <p:spPr>
+          <a:xfrm rot="5400000">
+            <a:off x="4773283" y="2171530"/>
+            <a:ext cx="1710751" cy="415692"/>
+          </a:xfrm>
+          <a:prstGeom prst="bentConnector2">
+            <a:avLst/>
+          </a:prstGeom>
+          <a:ln w="6350">
+            <a:solidFill>
+              <a:schemeClr val="accent3"/>
+            </a:solidFill>
+            <a:headEnd type="none" w="med" len="med"/>
+            <a:tailEnd type="none" w="med" len="med"/>
+          </a:ln>
+          <a:effectLst/>
+        </p:spPr>
+        <p:style>
+          <a:lnRef idx="1">
+            <a:schemeClr val="accent2"/>
+          </a:lnRef>
+          <a:fillRef idx="2">
+            <a:schemeClr val="accent2"/>
+          </a:fillRef>
+          <a:effectRef idx="1">
+            <a:schemeClr val="accent2"/>
+          </a:effectRef>
+          <a:fontRef idx="minor">
+            <a:schemeClr val="dk1"/>
+          </a:fontRef>
+        </p:style>
+      </p:cxnSp>
+      <p:sp>
+        <p:nvSpPr>
+          <p:cNvPr id="51" name="Rectangle 11">
+            <a:extLst>
+              <a:ext uri="{FF2B5EF4-FFF2-40B4-BE49-F238E27FC236}">
+                <a16:creationId xmlns:a16="http://schemas.microsoft.com/office/drawing/2014/main" id="{55C6CD0E-EF3E-488F-BC5C-7DD4EAD4C902}"/>
+              </a:ext>
+            </a:extLst>
+          </p:cNvPr>
+          <p:cNvSpPr/>
+          <p:nvPr/>
+        </p:nvSpPr>
+        <p:spPr>
+          <a:xfrm>
+            <a:off x="4149751" y="4589073"/>
+            <a:ext cx="1274955" cy="230829"/>
+          </a:xfrm>
+          <a:prstGeom prst="rect">
+            <a:avLst/>
+          </a:prstGeom>
+          <a:ln w="19050">
+            <a:solidFill>
+              <a:schemeClr val="accent3"/>
+            </a:solidFill>
+          </a:ln>
+          <a:effectLst/>
+        </p:spPr>
+        <p:style>
+          <a:lnRef idx="1">
+            <a:schemeClr val="accent3"/>
+          </a:lnRef>
+          <a:fillRef idx="2">
+            <a:schemeClr val="accent3"/>
+          </a:fillRef>
+          <a:effectRef idx="1">
+            <a:schemeClr val="accent3"/>
+          </a:effectRef>
+          <a:fontRef idx="minor">
+            <a:schemeClr val="dk1"/>
+          </a:fontRef>
+        </p:style>
+        <p:txBody>
+          <a:bodyPr rtlCol="0" anchor="ctr"/>
+          <a:lstStyle/>
+          <a:p>
+            <a:pPr algn="ctr"/>
+            <a:r>
+              <a:rPr lang="en-US" sz="1050" b="1" dirty="0">
+                <a:solidFill>
+                  <a:schemeClr val="accent3">
+                    <a:lumMod val="75000"/>
+                  </a:schemeClr>
+                </a:solidFill>
+              </a:rPr>
+              <a:t>MenuCard</a:t>
+            </a:r>
+            <a:endParaRPr lang="en-SG" sz="1050" b="1" dirty="0">
+              <a:solidFill>
+                <a:schemeClr val="accent3">
+                  <a:lumMod val="75000"/>
+                </a:schemeClr>
+              </a:solidFill>
+            </a:endParaRPr>
+          </a:p>
+        </p:txBody>
+      </p:sp>
+      <p:sp>
+        <p:nvSpPr>
+          <p:cNvPr id="52" name="Rectangle 11">
+            <a:extLst>
+              <a:ext uri="{FF2B5EF4-FFF2-40B4-BE49-F238E27FC236}">
+                <a16:creationId xmlns:a16="http://schemas.microsoft.com/office/drawing/2014/main" id="{8DEC7023-A1BB-441D-896A-AA4D0F2A9C58}"/>
+              </a:ext>
+            </a:extLst>
+          </p:cNvPr>
+          <p:cNvSpPr/>
+          <p:nvPr/>
+        </p:nvSpPr>
+        <p:spPr>
+          <a:xfrm>
+            <a:off x="4142770" y="4139122"/>
+            <a:ext cx="1274955" cy="230829"/>
+          </a:xfrm>
+          <a:prstGeom prst="rect">
+            <a:avLst/>
+          </a:prstGeom>
+          <a:ln w="19050">
+            <a:solidFill>
+              <a:schemeClr val="accent3"/>
+            </a:solidFill>
+          </a:ln>
+          <a:effectLst/>
+        </p:spPr>
+        <p:style>
+          <a:lnRef idx="1">
+            <a:schemeClr val="accent3"/>
+          </a:lnRef>
+          <a:fillRef idx="2">
+            <a:schemeClr val="accent3"/>
+          </a:fillRef>
+          <a:effectRef idx="1">
+            <a:schemeClr val="accent3"/>
+          </a:effectRef>
+          <a:fontRef idx="minor">
+            <a:schemeClr val="dk1"/>
+          </a:fontRef>
+        </p:style>
+        <p:txBody>
+          <a:bodyPr rtlCol="0" anchor="ctr"/>
+          <a:lstStyle/>
+          <a:p>
+            <a:pPr algn="ctr"/>
+            <a:r>
+              <a:rPr lang="en-US" sz="1050" b="1" dirty="0">
+                <a:solidFill>
+                  <a:schemeClr val="accent3">
+                    <a:lumMod val="75000"/>
+                  </a:schemeClr>
+                </a:solidFill>
+              </a:rPr>
+              <a:t>OrderCard</a:t>
+            </a:r>
+            <a:endParaRPr lang="en-SG" sz="1050" b="1" dirty="0">
+              <a:solidFill>
+                <a:schemeClr val="accent3">
+                  <a:lumMod val="75000"/>
+                </a:schemeClr>
+              </a:solidFill>
+            </a:endParaRPr>
+          </a:p>
+        </p:txBody>
+      </p:sp>
+      <p:cxnSp>
+        <p:nvCxnSpPr>
+          <p:cNvPr id="54" name="Elbow Connector 136">
+            <a:extLst>
+              <a:ext uri="{FF2B5EF4-FFF2-40B4-BE49-F238E27FC236}">
+                <a16:creationId xmlns:a16="http://schemas.microsoft.com/office/drawing/2014/main" id="{5A1C362D-D0D2-4BE7-8125-B31F0A7D7C40}"/>
+              </a:ext>
+            </a:extLst>
+          </p:cNvPr>
+          <p:cNvCxnSpPr>
+            <a:cxnSpLocks/>
+            <a:stCxn id="34" idx="2"/>
+          </p:cNvCxnSpPr>
+          <p:nvPr/>
+        </p:nvCxnSpPr>
+        <p:spPr>
+          <a:xfrm rot="16200000" flipH="1">
+            <a:off x="3738210" y="2831871"/>
+            <a:ext cx="112230" cy="696889"/>
+          </a:xfrm>
+          <a:prstGeom prst="bentConnector2">
+            <a:avLst/>
+          </a:prstGeom>
+          <a:ln w="19050">
+            <a:solidFill>
+              <a:schemeClr val="accent3"/>
+            </a:solidFill>
+            <a:headEnd type="none" w="med" len="med"/>
+            <a:tailEnd type="arrow" w="med" len="med"/>
+          </a:ln>
+          <a:effectLst/>
+        </p:spPr>
+        <p:style>
+          <a:lnRef idx="1">
+            <a:schemeClr val="accent2"/>
+          </a:lnRef>
+          <a:fillRef idx="2">
+            <a:schemeClr val="accent2"/>
+          </a:fillRef>
+          <a:effectRef idx="1">
+            <a:schemeClr val="accent2"/>
+          </a:effectRef>
+          <a:fontRef idx="minor">
+            <a:schemeClr val="dk1"/>
+          </a:fontRef>
+        </p:style>
+      </p:cxnSp>
+      <p:cxnSp>
+        <p:nvCxnSpPr>
+          <p:cNvPr id="55" name="Elbow Connector 136">
+            <a:extLst>
+              <a:ext uri="{FF2B5EF4-FFF2-40B4-BE49-F238E27FC236}">
+                <a16:creationId xmlns:a16="http://schemas.microsoft.com/office/drawing/2014/main" id="{125553B7-4DAF-44A8-B43F-E765662E772E}"/>
+              </a:ext>
+            </a:extLst>
+          </p:cNvPr>
+          <p:cNvCxnSpPr>
+            <a:cxnSpLocks/>
+            <a:stCxn id="34" idx="2"/>
+          </p:cNvCxnSpPr>
+          <p:nvPr/>
+        </p:nvCxnSpPr>
+        <p:spPr>
+          <a:xfrm rot="16200000" flipH="1">
+            <a:off x="3526834" y="3043248"/>
+            <a:ext cx="545476" cy="707382"/>
+          </a:xfrm>
+          <a:prstGeom prst="bentConnector2">
+            <a:avLst/>
+          </a:prstGeom>
+          <a:ln w="19050">
+            <a:solidFill>
+              <a:schemeClr val="accent3"/>
+            </a:solidFill>
+            <a:headEnd type="none" w="med" len="med"/>
+            <a:tailEnd type="arrow" w="med" len="med"/>
+          </a:ln>
+          <a:effectLst/>
+        </p:spPr>
+        <p:style>
+          <a:lnRef idx="1">
+            <a:schemeClr val="accent2"/>
+          </a:lnRef>
+          <a:fillRef idx="2">
+            <a:schemeClr val="accent2"/>
+          </a:fillRef>
+          <a:effectRef idx="1">
+            <a:schemeClr val="accent2"/>
+          </a:effectRef>
+          <a:fontRef idx="minor">
+            <a:schemeClr val="dk1"/>
+          </a:fontRef>
+        </p:style>
+      </p:cxnSp>
+      <p:cxnSp>
+        <p:nvCxnSpPr>
+          <p:cNvPr id="56" name="Elbow Connector 136">
+            <a:extLst>
+              <a:ext uri="{FF2B5EF4-FFF2-40B4-BE49-F238E27FC236}">
+                <a16:creationId xmlns:a16="http://schemas.microsoft.com/office/drawing/2014/main" id="{172C5460-9344-46BB-B3E6-5C357372E854}"/>
+              </a:ext>
+            </a:extLst>
+          </p:cNvPr>
+          <p:cNvCxnSpPr>
+            <a:cxnSpLocks/>
+            <a:stCxn id="36" idx="2"/>
+          </p:cNvCxnSpPr>
+          <p:nvPr/>
+        </p:nvCxnSpPr>
+        <p:spPr>
+          <a:xfrm rot="16200000" flipH="1">
+            <a:off x="3525485" y="4072997"/>
+            <a:ext cx="545474" cy="704686"/>
+          </a:xfrm>
+          <a:prstGeom prst="bentConnector2">
+            <a:avLst/>
+          </a:prstGeom>
+          <a:ln w="19050">
+            <a:solidFill>
+              <a:schemeClr val="accent3"/>
+            </a:solidFill>
+            <a:headEnd type="none" w="med" len="med"/>
+            <a:tailEnd type="arrow" w="med" len="med"/>
+          </a:ln>
+          <a:effectLst/>
+        </p:spPr>
+        <p:style>
+          <a:lnRef idx="1">
+            <a:schemeClr val="accent2"/>
+          </a:lnRef>
+          <a:fillRef idx="2">
+            <a:schemeClr val="accent2"/>
+          </a:fillRef>
+          <a:effectRef idx="1">
+            <a:schemeClr val="accent2"/>
+          </a:effectRef>
+          <a:fontRef idx="minor">
+            <a:schemeClr val="dk1"/>
+          </a:fontRef>
+        </p:style>
+      </p:cxnSp>
+      <p:cxnSp>
+        <p:nvCxnSpPr>
+          <p:cNvPr id="59" name="Elbow Connector 63">
+            <a:extLst>
+              <a:ext uri="{FF2B5EF4-FFF2-40B4-BE49-F238E27FC236}">
+                <a16:creationId xmlns:a16="http://schemas.microsoft.com/office/drawing/2014/main" id="{A4E57D68-2F40-4A50-A623-C5C83666B367}"/>
+              </a:ext>
+            </a:extLst>
+          </p:cNvPr>
+          <p:cNvCxnSpPr>
+            <a:cxnSpLocks/>
+            <a:stCxn id="16" idx="3"/>
+            <a:endCxn id="46" idx="3"/>
+          </p:cNvCxnSpPr>
+          <p:nvPr/>
+        </p:nvCxnSpPr>
+        <p:spPr>
+          <a:xfrm rot="5400000">
+            <a:off x="4561408" y="2383405"/>
+            <a:ext cx="2134501" cy="415692"/>
+          </a:xfrm>
+          <a:prstGeom prst="bentConnector2">
+            <a:avLst/>
+          </a:prstGeom>
+          <a:ln w="6350">
+            <a:solidFill>
+              <a:schemeClr val="accent3"/>
+            </a:solidFill>
+            <a:headEnd type="none" w="med" len="med"/>
+            <a:tailEnd type="none" w="med" len="med"/>
+          </a:ln>
+          <a:effectLst/>
+        </p:spPr>
+        <p:style>
+          <a:lnRef idx="1">
+            <a:schemeClr val="accent2"/>
+          </a:lnRef>
+          <a:fillRef idx="2">
+            <a:schemeClr val="accent2"/>
+          </a:fillRef>
+          <a:effectRef idx="1">
+            <a:schemeClr val="accent2"/>
+          </a:effectRef>
+          <a:fontRef idx="minor">
+            <a:schemeClr val="dk1"/>
+          </a:fontRef>
+        </p:style>
+      </p:cxnSp>
+      <p:sp>
+        <p:nvSpPr>
+          <p:cNvPr id="70" name="Freeform 117">
+            <a:extLst>
+              <a:ext uri="{FF2B5EF4-FFF2-40B4-BE49-F238E27FC236}">
+                <a16:creationId xmlns:a16="http://schemas.microsoft.com/office/drawing/2014/main" id="{9219A4AD-9F36-4897-B46C-B8CC38C338E8}"/>
+              </a:ext>
+            </a:extLst>
+          </p:cNvPr>
+          <p:cNvSpPr/>
+          <p:nvPr/>
+        </p:nvSpPr>
+        <p:spPr>
+          <a:xfrm flipV="1">
+            <a:off x="4421334" y="4819902"/>
+            <a:ext cx="2642195" cy="101600"/>
+          </a:xfrm>
+          <a:custGeom>
+            <a:avLst/>
+            <a:gdLst>
+              <a:gd name="connsiteX0" fmla="*/ 0 w 3048000"/>
+              <a:gd name="connsiteY0" fmla="*/ 203200 h 203200"/>
+              <a:gd name="connsiteX1" fmla="*/ 221673 w 3048000"/>
+              <a:gd name="connsiteY1" fmla="*/ 0 h 203200"/>
+              <a:gd name="connsiteX2" fmla="*/ 3048000 w 3048000"/>
+              <a:gd name="connsiteY2" fmla="*/ 0 h 203200"/>
+            </a:gdLst>
+            <a:ahLst/>
+            <a:cxnLst>
+              <a:cxn ang="0">
+                <a:pos x="connsiteX0" y="connsiteY0"/>
+              </a:cxn>
+              <a:cxn ang="0">
+                <a:pos x="connsiteX1" y="connsiteY1"/>
+              </a:cxn>
+              <a:cxn ang="0">
+                <a:pos x="connsiteX2" y="connsiteY2"/>
+              </a:cxn>
+            </a:cxnLst>
+            <a:rect l="l" t="t" r="r" b="b"/>
+            <a:pathLst>
+              <a:path w="3048000" h="203200">
+                <a:moveTo>
+                  <a:pt x="0" y="203200"/>
+                </a:moveTo>
+                <a:lnTo>
+                  <a:pt x="221673" y="0"/>
+                </a:lnTo>
+                <a:lnTo>
+                  <a:pt x="3048000" y="0"/>
+                </a:lnTo>
+              </a:path>
+            </a:pathLst>
+          </a:custGeom>
+          <a:noFill/>
+          <a:ln w="19050">
+            <a:solidFill>
+              <a:schemeClr val="accent3"/>
+            </a:solidFill>
+            <a:prstDash val="sysDot"/>
+            <a:headEnd type="none" w="med" len="med"/>
+            <a:tailEnd type="arrow" w="med" len="med"/>
+          </a:ln>
+          <a:effectLst/>
+        </p:spPr>
+        <p:style>
+          <a:lnRef idx="1">
+            <a:schemeClr val="accent2"/>
+          </a:lnRef>
+          <a:fillRef idx="2">
+            <a:schemeClr val="accent2"/>
+          </a:fillRef>
+          <a:effectRef idx="1">
+            <a:schemeClr val="accent2"/>
+          </a:effectRef>
+          <a:fontRef idx="minor">
+            <a:schemeClr val="dk1"/>
+          </a:fontRef>
+        </p:style>
+        <p:txBody>
+          <a:bodyPr rtlCol="0" anchor="ctr"/>
+          <a:lstStyle/>
+          <a:p>
+            <a:pPr algn="ctr"/>
+            <a:endParaRPr lang="en-SG"/>
+          </a:p>
+        </p:txBody>
+      </p:sp>
+      <p:cxnSp>
+        <p:nvCxnSpPr>
+          <p:cNvPr id="83" name="Elbow Connector 63">
+            <a:extLst>
+              <a:ext uri="{FF2B5EF4-FFF2-40B4-BE49-F238E27FC236}">
+                <a16:creationId xmlns:a16="http://schemas.microsoft.com/office/drawing/2014/main" id="{A415BA0D-3B6A-42AD-B798-04580504534D}"/>
+              </a:ext>
+            </a:extLst>
+          </p:cNvPr>
+          <p:cNvCxnSpPr>
+            <a:cxnSpLocks/>
+            <a:stCxn id="16" idx="3"/>
+            <a:endCxn id="51" idx="3"/>
+          </p:cNvCxnSpPr>
+          <p:nvPr/>
+        </p:nvCxnSpPr>
+        <p:spPr>
+          <a:xfrm rot="5400000">
+            <a:off x="4040362" y="2908345"/>
+            <a:ext cx="3180487" cy="411798"/>
+          </a:xfrm>
+          <a:prstGeom prst="bentConnector2">
+            <a:avLst/>
+          </a:prstGeom>
+          <a:ln w="6350">
+            <a:solidFill>
+              <a:schemeClr val="accent3"/>
+            </a:solidFill>
+            <a:headEnd type="none" w="med" len="med"/>
+            <a:tailEnd type="none" w="med" len="med"/>
+          </a:ln>
+          <a:effectLst/>
+        </p:spPr>
+        <p:style>
+          <a:lnRef idx="1">
+            <a:schemeClr val="accent2"/>
+          </a:lnRef>
+          <a:fillRef idx="2">
+            <a:schemeClr val="accent2"/>
+          </a:fillRef>
+          <a:effectRef idx="1">
+            <a:schemeClr val="accent2"/>
+          </a:effectRef>
+          <a:fontRef idx="minor">
+            <a:schemeClr val="dk1"/>
+          </a:fontRef>
+        </p:style>
+      </p:cxnSp>
     </p:spTree>
     <p:extLst>
       <p:ext uri="{BB962C8B-B14F-4D97-AF65-F5344CB8AC3E}">

--- a/docs/diagrams/UiComponentClassDiagram.pptx
+++ b/docs/diagrams/UiComponentClassDiagram.pptx
@@ -208,7 +208,7 @@
           <a:p>
             <a:fld id="{F5CC4B3F-88C1-4FFA-B1B6-F41C21DC6924}" type="datetimeFigureOut">
               <a:rPr lang="en-US" smtClean="0"/>
-              <a:t>12/15/2018</a:t>
+              <a:t>3/4/2019</a:t>
             </a:fld>
             <a:endParaRPr lang="en-US"/>
           </a:p>
@@ -654,7 +654,7 @@
           <a:p>
             <a:fld id="{78C97017-6FC3-485B-9764-EAC9E56C1D49}" type="datetimeFigureOut">
               <a:rPr lang="en-US" smtClean="0"/>
-              <a:t>12/15/2018</a:t>
+              <a:t>3/4/2019</a:t>
             </a:fld>
             <a:endParaRPr lang="en-US"/>
           </a:p>
@@ -822,7 +822,7 @@
           <a:p>
             <a:fld id="{78C97017-6FC3-485B-9764-EAC9E56C1D49}" type="datetimeFigureOut">
               <a:rPr lang="en-US" smtClean="0"/>
-              <a:t>12/15/2018</a:t>
+              <a:t>3/4/2019</a:t>
             </a:fld>
             <a:endParaRPr lang="en-US"/>
           </a:p>
@@ -1000,7 +1000,7 @@
           <a:p>
             <a:fld id="{78C97017-6FC3-485B-9764-EAC9E56C1D49}" type="datetimeFigureOut">
               <a:rPr lang="en-US" smtClean="0"/>
-              <a:t>12/15/2018</a:t>
+              <a:t>3/4/2019</a:t>
             </a:fld>
             <a:endParaRPr lang="en-US"/>
           </a:p>
@@ -1168,7 +1168,7 @@
           <a:p>
             <a:fld id="{78C97017-6FC3-485B-9764-EAC9E56C1D49}" type="datetimeFigureOut">
               <a:rPr lang="en-US" smtClean="0"/>
-              <a:t>12/15/2018</a:t>
+              <a:t>3/4/2019</a:t>
             </a:fld>
             <a:endParaRPr lang="en-US"/>
           </a:p>
@@ -1413,7 +1413,7 @@
           <a:p>
             <a:fld id="{78C97017-6FC3-485B-9764-EAC9E56C1D49}" type="datetimeFigureOut">
               <a:rPr lang="en-US" smtClean="0"/>
-              <a:t>12/15/2018</a:t>
+              <a:t>3/4/2019</a:t>
             </a:fld>
             <a:endParaRPr lang="en-US"/>
           </a:p>
@@ -1698,7 +1698,7 @@
           <a:p>
             <a:fld id="{78C97017-6FC3-485B-9764-EAC9E56C1D49}" type="datetimeFigureOut">
               <a:rPr lang="en-US" smtClean="0"/>
-              <a:t>12/15/2018</a:t>
+              <a:t>3/4/2019</a:t>
             </a:fld>
             <a:endParaRPr lang="en-US"/>
           </a:p>
@@ -2117,7 +2117,7 @@
           <a:p>
             <a:fld id="{78C97017-6FC3-485B-9764-EAC9E56C1D49}" type="datetimeFigureOut">
               <a:rPr lang="en-US" smtClean="0"/>
-              <a:t>12/15/2018</a:t>
+              <a:t>3/4/2019</a:t>
             </a:fld>
             <a:endParaRPr lang="en-US"/>
           </a:p>
@@ -2234,7 +2234,7 @@
           <a:p>
             <a:fld id="{78C97017-6FC3-485B-9764-EAC9E56C1D49}" type="datetimeFigureOut">
               <a:rPr lang="en-US" smtClean="0"/>
-              <a:t>12/15/2018</a:t>
+              <a:t>3/4/2019</a:t>
             </a:fld>
             <a:endParaRPr lang="en-US"/>
           </a:p>
@@ -2329,7 +2329,7 @@
           <a:p>
             <a:fld id="{78C97017-6FC3-485B-9764-EAC9E56C1D49}" type="datetimeFigureOut">
               <a:rPr lang="en-US" smtClean="0"/>
-              <a:t>12/15/2018</a:t>
+              <a:t>3/4/2019</a:t>
             </a:fld>
             <a:endParaRPr lang="en-US"/>
           </a:p>
@@ -2604,7 +2604,7 @@
           <a:p>
             <a:fld id="{78C97017-6FC3-485B-9764-EAC9E56C1D49}" type="datetimeFigureOut">
               <a:rPr lang="en-US" smtClean="0"/>
-              <a:t>12/15/2018</a:t>
+              <a:t>3/4/2019</a:t>
             </a:fld>
             <a:endParaRPr lang="en-US"/>
           </a:p>
@@ -2856,7 +2856,7 @@
           <a:p>
             <a:fld id="{78C97017-6FC3-485B-9764-EAC9E56C1D49}" type="datetimeFigureOut">
               <a:rPr lang="en-US" smtClean="0"/>
-              <a:t>12/15/2018</a:t>
+              <a:t>3/4/2019</a:t>
             </a:fld>
             <a:endParaRPr lang="en-US"/>
           </a:p>
@@ -3067,7 +3067,7 @@
           <a:p>
             <a:fld id="{78C97017-6FC3-485B-9764-EAC9E56C1D49}" type="datetimeFigureOut">
               <a:rPr lang="en-US" smtClean="0"/>
-              <a:t>12/15/2018</a:t>
+              <a:t>3/4/2019</a:t>
             </a:fld>
             <a:endParaRPr lang="en-US"/>
           </a:p>
@@ -4045,7 +4045,7 @@
                   </a:schemeClr>
                 </a:solidFill>
               </a:rPr>
-              <a:t>PersonListPanel</a:t>
+              <a:t>BookListPanel</a:t>
             </a:r>
             <a:endParaRPr lang="en-SG" sz="1050" b="1" dirty="0">
               <a:solidFill>
@@ -4105,7 +4105,7 @@
                   </a:schemeClr>
                 </a:solidFill>
               </a:rPr>
-              <a:t>PersonCard</a:t>
+              <a:t>BookCard</a:t>
             </a:r>
             <a:endParaRPr lang="en-SG" sz="1050" b="1" dirty="0">
               <a:solidFill>

--- a/docs/diagrams/UiComponentClassDiagram.pptx
+++ b/docs/diagrams/UiComponentClassDiagram.pptx
@@ -208,7 +208,7 @@
           <a:p>
             <a:fld id="{F5CC4B3F-88C1-4FFA-B1B6-F41C21DC6924}" type="datetimeFigureOut">
               <a:rPr lang="en-US" smtClean="0"/>
-              <a:t>2/27/2019</a:t>
+              <a:t>3/5/2019</a:t>
             </a:fld>
             <a:endParaRPr lang="en-US"/>
           </a:p>
@@ -475,6 +475,90 @@
 </p:notesMaster>
 </file>
 
+<file path=ppt/notesSlides/notesSlide1.xml><?xml version="1.0" encoding="utf-8"?>
+<p:notes xmlns:a="http://schemas.openxmlformats.org/drawingml/2006/main" xmlns:r="http://schemas.openxmlformats.org/officeDocument/2006/relationships" xmlns:p="http://schemas.openxmlformats.org/presentationml/2006/main">
+  <p:cSld>
+    <p:spTree>
+      <p:nvGrpSpPr>
+        <p:cNvPr id="1" name=""/>
+        <p:cNvGrpSpPr/>
+        <p:nvPr/>
+      </p:nvGrpSpPr>
+      <p:grpSpPr>
+        <a:xfrm>
+          <a:off x="0" y="0"/>
+          <a:ext cx="0" cy="0"/>
+          <a:chOff x="0" y="0"/>
+          <a:chExt cx="0" cy="0"/>
+        </a:xfrm>
+      </p:grpSpPr>
+      <p:sp>
+        <p:nvSpPr>
+          <p:cNvPr id="2" name="Slide Image Placeholder 1"/>
+          <p:cNvSpPr>
+            <a:spLocks noGrp="1" noRot="1" noChangeAspect="1"/>
+          </p:cNvSpPr>
+          <p:nvPr>
+            <p:ph type="sldImg"/>
+          </p:nvPr>
+        </p:nvSpPr>
+        <p:spPr/>
+      </p:sp>
+      <p:sp>
+        <p:nvSpPr>
+          <p:cNvPr id="3" name="Notes Placeholder 2"/>
+          <p:cNvSpPr>
+            <a:spLocks noGrp="1"/>
+          </p:cNvSpPr>
+          <p:nvPr>
+            <p:ph type="body" idx="1"/>
+          </p:nvPr>
+        </p:nvSpPr>
+        <p:spPr/>
+        <p:txBody>
+          <a:bodyPr/>
+          <a:lstStyle/>
+          <a:p>
+            <a:endParaRPr lang="en-GB" dirty="0"/>
+          </a:p>
+        </p:txBody>
+      </p:sp>
+      <p:sp>
+        <p:nvSpPr>
+          <p:cNvPr id="4" name="Slide Number Placeholder 3"/>
+          <p:cNvSpPr>
+            <a:spLocks noGrp="1"/>
+          </p:cNvSpPr>
+          <p:nvPr>
+            <p:ph type="sldNum" sz="quarter" idx="5"/>
+          </p:nvPr>
+        </p:nvSpPr>
+        <p:spPr/>
+        <p:txBody>
+          <a:bodyPr/>
+          <a:lstStyle/>
+          <a:p>
+            <a:fld id="{5A7AB025-77E3-4BD1-A2FD-B3183DBA47A3}" type="slidenum">
+              <a:rPr lang="en-US" smtClean="0"/>
+              <a:t>1</a:t>
+            </a:fld>
+            <a:endParaRPr lang="en-US"/>
+          </a:p>
+        </p:txBody>
+      </p:sp>
+    </p:spTree>
+    <p:extLst>
+      <p:ext uri="{BB962C8B-B14F-4D97-AF65-F5344CB8AC3E}">
+        <p14:creationId xmlns:p14="http://schemas.microsoft.com/office/powerpoint/2010/main" val="3569439305"/>
+      </p:ext>
+    </p:extLst>
+  </p:cSld>
+  <p:clrMapOvr>
+    <a:masterClrMapping/>
+  </p:clrMapOvr>
+</p:notes>
+</file>
+
 <file path=ppt/slideLayouts/slideLayout1.xml><?xml version="1.0" encoding="utf-8"?>
 <p:sldLayout xmlns:a="http://schemas.openxmlformats.org/drawingml/2006/main" xmlns:r="http://schemas.openxmlformats.org/officeDocument/2006/relationships" xmlns:p="http://schemas.openxmlformats.org/presentationml/2006/main" type="title" preserve="1">
   <p:cSld name="Title Slide">
@@ -654,7 +738,7 @@
           <a:p>
             <a:fld id="{78C97017-6FC3-485B-9764-EAC9E56C1D49}" type="datetimeFigureOut">
               <a:rPr lang="en-US" smtClean="0"/>
-              <a:t>2/27/2019</a:t>
+              <a:t>3/5/2019</a:t>
             </a:fld>
             <a:endParaRPr lang="en-US"/>
           </a:p>
@@ -822,7 +906,7 @@
           <a:p>
             <a:fld id="{78C97017-6FC3-485B-9764-EAC9E56C1D49}" type="datetimeFigureOut">
               <a:rPr lang="en-US" smtClean="0"/>
-              <a:t>2/27/2019</a:t>
+              <a:t>3/5/2019</a:t>
             </a:fld>
             <a:endParaRPr lang="en-US"/>
           </a:p>
@@ -1000,7 +1084,7 @@
           <a:p>
             <a:fld id="{78C97017-6FC3-485B-9764-EAC9E56C1D49}" type="datetimeFigureOut">
               <a:rPr lang="en-US" smtClean="0"/>
-              <a:t>2/27/2019</a:t>
+              <a:t>3/5/2019</a:t>
             </a:fld>
             <a:endParaRPr lang="en-US"/>
           </a:p>
@@ -1168,7 +1252,7 @@
           <a:p>
             <a:fld id="{78C97017-6FC3-485B-9764-EAC9E56C1D49}" type="datetimeFigureOut">
               <a:rPr lang="en-US" smtClean="0"/>
-              <a:t>2/27/2019</a:t>
+              <a:t>3/5/2019</a:t>
             </a:fld>
             <a:endParaRPr lang="en-US"/>
           </a:p>
@@ -1413,7 +1497,7 @@
           <a:p>
             <a:fld id="{78C97017-6FC3-485B-9764-EAC9E56C1D49}" type="datetimeFigureOut">
               <a:rPr lang="en-US" smtClean="0"/>
-              <a:t>2/27/2019</a:t>
+              <a:t>3/5/2019</a:t>
             </a:fld>
             <a:endParaRPr lang="en-US"/>
           </a:p>
@@ -1698,7 +1782,7 @@
           <a:p>
             <a:fld id="{78C97017-6FC3-485B-9764-EAC9E56C1D49}" type="datetimeFigureOut">
               <a:rPr lang="en-US" smtClean="0"/>
-              <a:t>2/27/2019</a:t>
+              <a:t>3/5/2019</a:t>
             </a:fld>
             <a:endParaRPr lang="en-US"/>
           </a:p>
@@ -2117,7 +2201,7 @@
           <a:p>
             <a:fld id="{78C97017-6FC3-485B-9764-EAC9E56C1D49}" type="datetimeFigureOut">
               <a:rPr lang="en-US" smtClean="0"/>
-              <a:t>2/27/2019</a:t>
+              <a:t>3/5/2019</a:t>
             </a:fld>
             <a:endParaRPr lang="en-US"/>
           </a:p>
@@ -2234,7 +2318,7 @@
           <a:p>
             <a:fld id="{78C97017-6FC3-485B-9764-EAC9E56C1D49}" type="datetimeFigureOut">
               <a:rPr lang="en-US" smtClean="0"/>
-              <a:t>2/27/2019</a:t>
+              <a:t>3/5/2019</a:t>
             </a:fld>
             <a:endParaRPr lang="en-US"/>
           </a:p>
@@ -2329,7 +2413,7 @@
           <a:p>
             <a:fld id="{78C97017-6FC3-485B-9764-EAC9E56C1D49}" type="datetimeFigureOut">
               <a:rPr lang="en-US" smtClean="0"/>
-              <a:t>2/27/2019</a:t>
+              <a:t>3/5/2019</a:t>
             </a:fld>
             <a:endParaRPr lang="en-US"/>
           </a:p>
@@ -2604,7 +2688,7 @@
           <a:p>
             <a:fld id="{78C97017-6FC3-485B-9764-EAC9E56C1D49}" type="datetimeFigureOut">
               <a:rPr lang="en-US" smtClean="0"/>
-              <a:t>2/27/2019</a:t>
+              <a:t>3/5/2019</a:t>
             </a:fld>
             <a:endParaRPr lang="en-US"/>
           </a:p>
@@ -2856,7 +2940,7 @@
           <a:p>
             <a:fld id="{78C97017-6FC3-485B-9764-EAC9E56C1D49}" type="datetimeFigureOut">
               <a:rPr lang="en-US" smtClean="0"/>
-              <a:t>2/27/2019</a:t>
+              <a:t>3/5/2019</a:t>
             </a:fld>
             <a:endParaRPr lang="en-US"/>
           </a:p>
@@ -3067,7 +3151,7 @@
           <a:p>
             <a:fld id="{78C97017-6FC3-485B-9764-EAC9E56C1D49}" type="datetimeFigureOut">
               <a:rPr lang="en-US" smtClean="0"/>
-              <a:t>2/27/2019</a:t>
+              <a:t>3/5/2019</a:t>
             </a:fld>
             <a:endParaRPr lang="en-US"/>
           </a:p>
@@ -3573,7 +3657,7 @@
         <p:spPr>
           <a:xfrm>
             <a:off x="2899063" y="2209801"/>
-            <a:ext cx="1093635" cy="236841"/>
+            <a:ext cx="1252769" cy="236841"/>
           </a:xfrm>
           <a:prstGeom prst="rect">
             <a:avLst/>
@@ -3886,7 +3970,7 @@
         <p:spPr>
           <a:xfrm>
             <a:off x="2899063" y="2887360"/>
-            <a:ext cx="1093635" cy="236841"/>
+            <a:ext cx="1266077" cy="236841"/>
           </a:xfrm>
           <a:prstGeom prst="rect">
             <a:avLst/>
@@ -3918,14 +4002,14 @@
           <a:p>
             <a:pPr algn="ctr"/>
             <a:r>
-              <a:rPr lang="en-US" sz="1050" b="1" dirty="0">
+              <a:rPr lang="en-US" sz="1050" b="1" dirty="0" err="1">
                 <a:solidFill>
                   <a:schemeClr val="accent3">
                     <a:lumMod val="75000"/>
                   </a:schemeClr>
                 </a:solidFill>
               </a:rPr>
-              <a:t>BrowserPanel</a:t>
+              <a:t>TableBrowserPanel</a:t>
             </a:r>
             <a:endParaRPr lang="en-SG" sz="1050" b="1" dirty="0">
               <a:solidFill>
@@ -3946,7 +4030,7 @@
         <p:spPr>
           <a:xfrm>
             <a:off x="2899062" y="4999719"/>
-            <a:ext cx="1093635" cy="236841"/>
+            <a:ext cx="1274955" cy="236841"/>
           </a:xfrm>
           <a:prstGeom prst="rect">
             <a:avLst/>
@@ -4006,7 +4090,7 @@
         <p:spPr>
           <a:xfrm>
             <a:off x="2899061" y="3915762"/>
-            <a:ext cx="1093635" cy="236841"/>
+            <a:ext cx="1264463" cy="236841"/>
           </a:xfrm>
           <a:prstGeom prst="rect">
             <a:avLst/>
@@ -4038,14 +4122,14 @@
           <a:p>
             <a:pPr algn="ctr"/>
             <a:r>
-              <a:rPr lang="en-US" sz="1050" b="1" dirty="0">
+              <a:rPr lang="en-US" sz="1050" b="1" dirty="0" err="1">
                 <a:solidFill>
                   <a:schemeClr val="accent3">
                     <a:lumMod val="75000"/>
                   </a:schemeClr>
                 </a:solidFill>
               </a:rPr>
-              <a:t>ListPanel</a:t>
+              <a:t>OrderItemListPanel</a:t>
             </a:r>
             <a:endParaRPr lang="en-SG" sz="1050" b="1" dirty="0">
               <a:solidFill>
@@ -4066,7 +4150,7 @@
         <p:spPr>
           <a:xfrm>
             <a:off x="2899063" y="5401960"/>
-            <a:ext cx="1093635" cy="236841"/>
+            <a:ext cx="1274954" cy="236841"/>
           </a:xfrm>
           <a:prstGeom prst="rect">
             <a:avLst/>
@@ -4169,6 +4253,7 @@
         <p:nvCxnSpPr>
           <p:cNvPr id="40" name="Elbow Connector 63"/>
           <p:cNvCxnSpPr>
+            <a:cxnSpLocks/>
             <a:stCxn id="39" idx="2"/>
             <a:endCxn id="3" idx="1"/>
           </p:cNvCxnSpPr>
@@ -4215,7 +4300,7 @@
         <p:spPr>
           <a:xfrm>
             <a:off x="2897334" y="2542309"/>
-            <a:ext cx="1095361" cy="236841"/>
+            <a:ext cx="1261208" cy="236841"/>
           </a:xfrm>
           <a:prstGeom prst="rect">
             <a:avLst/>
@@ -4270,6 +4355,7 @@
         <p:nvCxnSpPr>
           <p:cNvPr id="44" name="Elbow Connector 63"/>
           <p:cNvCxnSpPr>
+            <a:cxnSpLocks/>
             <a:stCxn id="39" idx="2"/>
             <a:endCxn id="34" idx="1"/>
           </p:cNvCxnSpPr>
@@ -4311,6 +4397,7 @@
         <p:nvCxnSpPr>
           <p:cNvPr id="47" name="Elbow Connector 63"/>
           <p:cNvCxnSpPr>
+            <a:cxnSpLocks/>
             <a:stCxn id="39" idx="2"/>
             <a:endCxn id="36" idx="1"/>
           </p:cNvCxnSpPr>
@@ -4352,6 +4439,7 @@
         <p:nvCxnSpPr>
           <p:cNvPr id="50" name="Elbow Connector 63"/>
           <p:cNvCxnSpPr>
+            <a:cxnSpLocks/>
             <a:stCxn id="39" idx="2"/>
             <a:endCxn id="35" idx="1"/>
           </p:cNvCxnSpPr>
@@ -4513,6 +4601,7 @@
         <p:nvCxnSpPr>
           <p:cNvPr id="74" name="Elbow Connector 63"/>
           <p:cNvCxnSpPr>
+            <a:cxnSpLocks/>
             <a:stCxn id="43" idx="3"/>
             <a:endCxn id="16" idx="3"/>
           </p:cNvCxnSpPr>
@@ -4520,8 +4609,8 @@
         </p:nvCxnSpPr>
         <p:spPr>
           <a:xfrm flipV="1">
-            <a:off x="3992695" y="1524001"/>
-            <a:ext cx="1843809" cy="1136729"/>
+            <a:off x="4158542" y="1524001"/>
+            <a:ext cx="1677962" cy="1136729"/>
           </a:xfrm>
           <a:prstGeom prst="bentConnector2">
             <a:avLst/>
@@ -4562,8 +4651,8 @@
         </p:nvCxnSpPr>
         <p:spPr>
           <a:xfrm rot="5400000">
-            <a:off x="4261847" y="2679880"/>
-            <a:ext cx="2730536" cy="418779"/>
+            <a:off x="4330794" y="2748827"/>
+            <a:ext cx="2730536" cy="280885"/>
           </a:xfrm>
           <a:prstGeom prst="bentConnector2">
             <a:avLst/>
@@ -4596,6 +4685,7 @@
         <p:nvCxnSpPr>
           <p:cNvPr id="82" name="Elbow Connector 63"/>
           <p:cNvCxnSpPr>
+            <a:cxnSpLocks/>
             <a:stCxn id="16" idx="3"/>
             <a:endCxn id="34" idx="3"/>
           </p:cNvCxnSpPr>
@@ -4603,8 +4693,8 @@
         </p:nvCxnSpPr>
         <p:spPr>
           <a:xfrm rot="5400000">
-            <a:off x="4173711" y="1342988"/>
-            <a:ext cx="1481780" cy="1843806"/>
+            <a:off x="4259932" y="1429209"/>
+            <a:ext cx="1481780" cy="1671364"/>
           </a:xfrm>
           <a:prstGeom prst="bentConnector2">
             <a:avLst/>
@@ -4685,8 +4775,8 @@
         </p:nvCxnSpPr>
         <p:spPr>
           <a:xfrm rot="5400000">
-            <a:off x="3716511" y="2998147"/>
-            <a:ext cx="2396180" cy="1843807"/>
+            <a:off x="3807172" y="3088806"/>
+            <a:ext cx="2396180" cy="1662489"/>
           </a:xfrm>
           <a:prstGeom prst="bentConnector2">
             <a:avLst/>
@@ -4726,8 +4816,8 @@
         </p:nvCxnSpPr>
         <p:spPr>
           <a:xfrm rot="5400000">
-            <a:off x="3515391" y="3199267"/>
-            <a:ext cx="2798421" cy="1843806"/>
+            <a:off x="3606050" y="3289926"/>
+            <a:ext cx="2798422" cy="1662488"/>
           </a:xfrm>
           <a:prstGeom prst="bentConnector2">
             <a:avLst/>
@@ -5021,6 +5111,7 @@
         <p:nvCxnSpPr>
           <p:cNvPr id="131" name="Elbow Connector 130"/>
           <p:cNvCxnSpPr>
+            <a:cxnSpLocks/>
             <a:stCxn id="39" idx="2"/>
             <a:endCxn id="43" idx="1"/>
           </p:cNvCxnSpPr>
@@ -5062,6 +5153,7 @@
         <p:nvCxnSpPr>
           <p:cNvPr id="132" name="Elbow Connector 63"/>
           <p:cNvCxnSpPr>
+            <a:cxnSpLocks/>
             <a:stCxn id="16" idx="3"/>
             <a:endCxn id="3" idx="3"/>
           </p:cNvCxnSpPr>
@@ -5069,8 +5161,8 @@
         </p:nvCxnSpPr>
         <p:spPr>
           <a:xfrm rot="5400000">
-            <a:off x="4512491" y="1004208"/>
-            <a:ext cx="804221" cy="1843806"/>
+            <a:off x="4592058" y="1083775"/>
+            <a:ext cx="804221" cy="1684672"/>
           </a:xfrm>
           <a:prstGeom prst="bentConnector2">
             <a:avLst/>
@@ -5105,13 +5197,14 @@
           <p:cNvCxnSpPr>
             <a:cxnSpLocks/>
             <a:stCxn id="36" idx="2"/>
+            <a:endCxn id="52" idx="1"/>
           </p:cNvCxnSpPr>
           <p:nvPr/>
         </p:nvCxnSpPr>
         <p:spPr>
           <a:xfrm rot="16200000" flipH="1">
-            <a:off x="3749643" y="3848839"/>
-            <a:ext cx="90996" cy="698524"/>
+            <a:off x="3855011" y="3828884"/>
+            <a:ext cx="101934" cy="749371"/>
           </a:xfrm>
           <a:prstGeom prst="bentConnector2">
             <a:avLst/>
@@ -5144,6 +5237,7 @@
         <p:nvCxnSpPr>
           <p:cNvPr id="140" name="Elbow Connector 63"/>
           <p:cNvCxnSpPr>
+            <a:cxnSpLocks/>
             <a:stCxn id="16" idx="3"/>
             <a:endCxn id="36" idx="3"/>
           </p:cNvCxnSpPr>
@@ -5151,8 +5245,8 @@
         </p:nvCxnSpPr>
         <p:spPr>
           <a:xfrm rot="5400000">
-            <a:off x="3659509" y="1857188"/>
-            <a:ext cx="2510182" cy="1843808"/>
+            <a:off x="3744923" y="1942602"/>
+            <a:ext cx="2510182" cy="1672980"/>
           </a:xfrm>
           <a:prstGeom prst="bentConnector2">
             <a:avLst/>
@@ -5465,7 +5559,7 @@
         </p:nvSpPr>
         <p:spPr>
           <a:xfrm>
-            <a:off x="4145858" y="3119337"/>
+            <a:off x="4283752" y="3119337"/>
             <a:ext cx="1274954" cy="230829"/>
           </a:xfrm>
           <a:prstGeom prst="rect">
@@ -5619,7 +5713,7 @@
         </p:nvSpPr>
         <p:spPr>
           <a:xfrm>
-            <a:off x="4145857" y="3543087"/>
+            <a:off x="4283752" y="3561235"/>
             <a:ext cx="1274955" cy="230829"/>
           </a:xfrm>
           <a:prstGeom prst="rect">
@@ -5652,7 +5746,7 @@
           <a:p>
             <a:pPr algn="ctr"/>
             <a:r>
-              <a:rPr lang="en-US" sz="1050" b="1" dirty="0" err="1">
+              <a:rPr lang="en-US" sz="1050" b="1">
                 <a:solidFill>
                   <a:schemeClr val="accent3">
                     <a:lumMod val="75000"/>
@@ -5777,8 +5871,8 @@
         </p:nvCxnSpPr>
         <p:spPr>
           <a:xfrm rot="5400000">
-            <a:off x="4773283" y="2171530"/>
-            <a:ext cx="1710751" cy="415692"/>
+            <a:off x="4842230" y="2240477"/>
+            <a:ext cx="1710751" cy="277798"/>
           </a:xfrm>
           <a:prstGeom prst="bentConnector2">
             <a:avLst/>
@@ -5821,7 +5915,7 @@
         </p:nvSpPr>
         <p:spPr>
           <a:xfrm>
-            <a:off x="4149751" y="4589073"/>
+            <a:off x="4287645" y="4589073"/>
             <a:ext cx="1274955" cy="230829"/>
           </a:xfrm>
           <a:prstGeom prst="rect">
@@ -5854,14 +5948,14 @@
           <a:p>
             <a:pPr algn="ctr"/>
             <a:r>
-              <a:rPr lang="en-US" sz="1050" b="1" dirty="0">
+              <a:rPr lang="en-US" sz="1050" b="1" dirty="0" err="1">
                 <a:solidFill>
                   <a:schemeClr val="accent3">
                     <a:lumMod val="75000"/>
                   </a:schemeClr>
                 </a:solidFill>
               </a:rPr>
-              <a:t>MenuCard</a:t>
+              <a:t>MenuItemListCard</a:t>
             </a:r>
             <a:endParaRPr lang="en-SG" sz="1050" b="1" dirty="0">
               <a:solidFill>
@@ -5887,7 +5981,7 @@
         </p:nvSpPr>
         <p:spPr>
           <a:xfrm>
-            <a:off x="4142770" y="4139122"/>
+            <a:off x="4280664" y="4139122"/>
             <a:ext cx="1274955" cy="230829"/>
           </a:xfrm>
           <a:prstGeom prst="rect">
@@ -5920,14 +6014,14 @@
           <a:p>
             <a:pPr algn="ctr"/>
             <a:r>
-              <a:rPr lang="en-US" sz="1050" b="1" dirty="0">
+              <a:rPr lang="en-US" sz="1050" b="1" dirty="0" err="1">
                 <a:solidFill>
                   <a:schemeClr val="accent3">
                     <a:lumMod val="75000"/>
                   </a:schemeClr>
                 </a:solidFill>
               </a:rPr>
-              <a:t>OrderCard</a:t>
+              <a:t>OrderItemListCard</a:t>
             </a:r>
             <a:endParaRPr lang="en-SG" sz="1050" b="1" dirty="0">
               <a:solidFill>
@@ -5951,13 +6045,14 @@
           <p:cNvCxnSpPr>
             <a:cxnSpLocks/>
             <a:stCxn id="34" idx="2"/>
+            <a:endCxn id="42" idx="1"/>
           </p:cNvCxnSpPr>
           <p:nvPr/>
         </p:nvCxnSpPr>
         <p:spPr>
           <a:xfrm rot="16200000" flipH="1">
-            <a:off x="3738210" y="2831871"/>
-            <a:ext cx="112230" cy="696889"/>
+            <a:off x="3852652" y="2803651"/>
+            <a:ext cx="110551" cy="751650"/>
           </a:xfrm>
           <a:prstGeom prst="bentConnector2">
             <a:avLst/>
@@ -5997,14 +6092,15 @@
           </p:cNvPr>
           <p:cNvCxnSpPr>
             <a:cxnSpLocks/>
-            <a:stCxn id="34" idx="2"/>
+            <a:stCxn id="85" idx="2"/>
+            <a:endCxn id="46" idx="1"/>
           </p:cNvCxnSpPr>
           <p:nvPr/>
         </p:nvCxnSpPr>
         <p:spPr>
           <a:xfrm rot="16200000" flipH="1">
-            <a:off x="3526834" y="3043248"/>
-            <a:ext cx="545476" cy="707382"/>
+            <a:off x="3858411" y="3251308"/>
+            <a:ext cx="107907" cy="742775"/>
           </a:xfrm>
           <a:prstGeom prst="bentConnector2">
             <a:avLst/>
@@ -6044,14 +6140,15 @@
           </p:cNvPr>
           <p:cNvCxnSpPr>
             <a:cxnSpLocks/>
-            <a:stCxn id="36" idx="2"/>
+            <a:stCxn id="57" idx="2"/>
+            <a:endCxn id="51" idx="1"/>
           </p:cNvCxnSpPr>
           <p:nvPr/>
         </p:nvCxnSpPr>
         <p:spPr>
           <a:xfrm rot="16200000" flipH="1">
-            <a:off x="3525485" y="4072997"/>
-            <a:ext cx="545474" cy="704686"/>
+            <a:off x="3853856" y="4270699"/>
+            <a:ext cx="118964" cy="748614"/>
           </a:xfrm>
           <a:prstGeom prst="bentConnector2">
             <a:avLst/>
@@ -6098,8 +6195,8 @@
         </p:nvCxnSpPr>
         <p:spPr>
           <a:xfrm rot="5400000">
-            <a:off x="4561408" y="2383405"/>
-            <a:ext cx="2134501" cy="415692"/>
+            <a:off x="4621282" y="2461427"/>
+            <a:ext cx="2152649" cy="277797"/>
           </a:xfrm>
           <a:prstGeom prst="bentConnector2">
             <a:avLst/>
@@ -6234,8 +6331,8 @@
         </p:nvCxnSpPr>
         <p:spPr>
           <a:xfrm rot="5400000">
-            <a:off x="4040362" y="2908345"/>
-            <a:ext cx="3180487" cy="411798"/>
+            <a:off x="4109309" y="2977292"/>
+            <a:ext cx="3180487" cy="273904"/>
           </a:xfrm>
           <a:prstGeom prst="bentConnector2">
             <a:avLst/>
@@ -6246,6 +6343,234 @@
             </a:solidFill>
             <a:headEnd type="none" w="med" len="med"/>
             <a:tailEnd type="none" w="med" len="med"/>
+          </a:ln>
+          <a:effectLst/>
+        </p:spPr>
+        <p:style>
+          <a:lnRef idx="1">
+            <a:schemeClr val="accent2"/>
+          </a:lnRef>
+          <a:fillRef idx="2">
+            <a:schemeClr val="accent2"/>
+          </a:fillRef>
+          <a:effectRef idx="1">
+            <a:schemeClr val="accent2"/>
+          </a:effectRef>
+          <a:fontRef idx="minor">
+            <a:schemeClr val="dk1"/>
+          </a:fontRef>
+        </p:style>
+      </p:cxnSp>
+      <p:sp>
+        <p:nvSpPr>
+          <p:cNvPr id="57" name="Rectangle 11">
+            <a:extLst>
+              <a:ext uri="{FF2B5EF4-FFF2-40B4-BE49-F238E27FC236}">
+                <a16:creationId xmlns:a16="http://schemas.microsoft.com/office/drawing/2014/main" id="{7C771CC9-4ADE-4720-A0A8-7B2F37E0F687}"/>
+              </a:ext>
+            </a:extLst>
+          </p:cNvPr>
+          <p:cNvSpPr/>
+          <p:nvPr/>
+        </p:nvSpPr>
+        <p:spPr>
+          <a:xfrm>
+            <a:off x="2904044" y="4348683"/>
+            <a:ext cx="1269973" cy="236841"/>
+          </a:xfrm>
+          <a:prstGeom prst="rect">
+            <a:avLst/>
+          </a:prstGeom>
+          <a:ln w="19050">
+            <a:solidFill>
+              <a:schemeClr val="accent3"/>
+            </a:solidFill>
+          </a:ln>
+          <a:effectLst/>
+        </p:spPr>
+        <p:style>
+          <a:lnRef idx="1">
+            <a:schemeClr val="accent3"/>
+          </a:lnRef>
+          <a:fillRef idx="2">
+            <a:schemeClr val="accent3"/>
+          </a:fillRef>
+          <a:effectRef idx="1">
+            <a:schemeClr val="accent3"/>
+          </a:effectRef>
+          <a:fontRef idx="minor">
+            <a:schemeClr val="dk1"/>
+          </a:fontRef>
+        </p:style>
+        <p:txBody>
+          <a:bodyPr rtlCol="0" anchor="ctr"/>
+          <a:lstStyle/>
+          <a:p>
+            <a:pPr algn="ctr"/>
+            <a:r>
+              <a:rPr lang="en-US" sz="1050" b="1" dirty="0" err="1">
+                <a:solidFill>
+                  <a:schemeClr val="accent3">
+                    <a:lumMod val="75000"/>
+                  </a:schemeClr>
+                </a:solidFill>
+              </a:rPr>
+              <a:t>MenuListPanel</a:t>
+            </a:r>
+            <a:endParaRPr lang="en-SG" sz="1050" b="1" dirty="0">
+              <a:solidFill>
+                <a:schemeClr val="accent3">
+                  <a:lumMod val="75000"/>
+                </a:schemeClr>
+              </a:solidFill>
+            </a:endParaRPr>
+          </a:p>
+        </p:txBody>
+      </p:sp>
+      <p:cxnSp>
+        <p:nvCxnSpPr>
+          <p:cNvPr id="58" name="Elbow Connector 63">
+            <a:extLst>
+              <a:ext uri="{FF2B5EF4-FFF2-40B4-BE49-F238E27FC236}">
+                <a16:creationId xmlns:a16="http://schemas.microsoft.com/office/drawing/2014/main" id="{B68EFAD5-3CFD-4058-847C-84EE3C3F8822}"/>
+              </a:ext>
+            </a:extLst>
+          </p:cNvPr>
+          <p:cNvCxnSpPr>
+            <a:cxnSpLocks/>
+            <a:stCxn id="39" idx="2"/>
+            <a:endCxn id="57" idx="1"/>
+          </p:cNvCxnSpPr>
+          <p:nvPr/>
+        </p:nvCxnSpPr>
+        <p:spPr>
+          <a:xfrm rot="16200000" flipH="1">
+            <a:off x="1632813" y="3195873"/>
+            <a:ext cx="2361078" cy="181383"/>
+          </a:xfrm>
+          <a:prstGeom prst="bentConnector2">
+            <a:avLst/>
+          </a:prstGeom>
+          <a:ln w="19050">
+            <a:solidFill>
+              <a:schemeClr val="accent3"/>
+            </a:solidFill>
+            <a:headEnd type="none" w="med" len="med"/>
+            <a:tailEnd type="arrow" w="med" len="med"/>
+          </a:ln>
+          <a:effectLst/>
+        </p:spPr>
+        <p:style>
+          <a:lnRef idx="1">
+            <a:schemeClr val="accent2"/>
+          </a:lnRef>
+          <a:fillRef idx="2">
+            <a:schemeClr val="accent2"/>
+          </a:fillRef>
+          <a:effectRef idx="1">
+            <a:schemeClr val="accent2"/>
+          </a:effectRef>
+          <a:fontRef idx="minor">
+            <a:schemeClr val="dk1"/>
+          </a:fontRef>
+        </p:style>
+      </p:cxnSp>
+      <p:sp>
+        <p:nvSpPr>
+          <p:cNvPr id="85" name="Rectangle 11">
+            <a:extLst>
+              <a:ext uri="{FF2B5EF4-FFF2-40B4-BE49-F238E27FC236}">
+                <a16:creationId xmlns:a16="http://schemas.microsoft.com/office/drawing/2014/main" id="{C3EDF5F5-0B9A-4EC0-BFD0-5772AB173BAE}"/>
+              </a:ext>
+            </a:extLst>
+          </p:cNvPr>
+          <p:cNvSpPr/>
+          <p:nvPr/>
+        </p:nvSpPr>
+        <p:spPr>
+          <a:xfrm>
+            <a:off x="2907938" y="3331902"/>
+            <a:ext cx="1266077" cy="236841"/>
+          </a:xfrm>
+          <a:prstGeom prst="rect">
+            <a:avLst/>
+          </a:prstGeom>
+          <a:ln w="19050">
+            <a:solidFill>
+              <a:schemeClr val="accent3"/>
+            </a:solidFill>
+          </a:ln>
+          <a:effectLst/>
+        </p:spPr>
+        <p:style>
+          <a:lnRef idx="1">
+            <a:schemeClr val="accent3"/>
+          </a:lnRef>
+          <a:fillRef idx="2">
+            <a:schemeClr val="accent3"/>
+          </a:fillRef>
+          <a:effectRef idx="1">
+            <a:schemeClr val="accent3"/>
+          </a:effectRef>
+          <a:fontRef idx="minor">
+            <a:schemeClr val="dk1"/>
+          </a:fontRef>
+        </p:style>
+        <p:txBody>
+          <a:bodyPr rtlCol="0" anchor="ctr"/>
+          <a:lstStyle/>
+          <a:p>
+            <a:pPr algn="ctr"/>
+            <a:r>
+              <a:rPr lang="en-US" sz="1050" b="1" dirty="0" err="1">
+                <a:solidFill>
+                  <a:schemeClr val="accent3">
+                    <a:lumMod val="75000"/>
+                  </a:schemeClr>
+                </a:solidFill>
+              </a:rPr>
+              <a:t>StatsBrowserPanel</a:t>
+            </a:r>
+            <a:endParaRPr lang="en-SG" sz="1050" b="1" dirty="0">
+              <a:solidFill>
+                <a:schemeClr val="accent3">
+                  <a:lumMod val="75000"/>
+                </a:schemeClr>
+              </a:solidFill>
+            </a:endParaRPr>
+          </a:p>
+        </p:txBody>
+      </p:sp>
+      <p:cxnSp>
+        <p:nvCxnSpPr>
+          <p:cNvPr id="92" name="Elbow Connector 63">
+            <a:extLst>
+              <a:ext uri="{FF2B5EF4-FFF2-40B4-BE49-F238E27FC236}">
+                <a16:creationId xmlns:a16="http://schemas.microsoft.com/office/drawing/2014/main" id="{18D81F03-E483-46FA-B8C6-7780BD6E5D61}"/>
+              </a:ext>
+            </a:extLst>
+          </p:cNvPr>
+          <p:cNvCxnSpPr>
+            <a:cxnSpLocks/>
+            <a:stCxn id="39" idx="2"/>
+            <a:endCxn id="85" idx="1"/>
+          </p:cNvCxnSpPr>
+          <p:nvPr/>
+        </p:nvCxnSpPr>
+        <p:spPr>
+          <a:xfrm rot="16200000" flipH="1">
+            <a:off x="2143151" y="2685535"/>
+            <a:ext cx="1344297" cy="185277"/>
+          </a:xfrm>
+          <a:prstGeom prst="bentConnector2">
+            <a:avLst/>
+          </a:prstGeom>
+          <a:ln w="19050">
+            <a:solidFill>
+              <a:schemeClr val="accent3"/>
+            </a:solidFill>
+            <a:headEnd type="none" w="med" len="med"/>
+            <a:tailEnd type="arrow" w="med" len="med"/>
           </a:ln>
           <a:effectLst/>
         </p:spPr>

--- a/docs/diagrams/UiComponentClassDiagram.pptx
+++ b/docs/diagrams/UiComponentClassDiagram.pptx
@@ -208,7 +208,7 @@
           <a:p>
             <a:fld id="{F5CC4B3F-88C1-4FFA-B1B6-F41C21DC6924}" type="datetimeFigureOut">
               <a:rPr lang="en-US" smtClean="0"/>
-              <a:t>12/15/2018</a:t>
+              <a:t>3/10/19</a:t>
             </a:fld>
             <a:endParaRPr lang="en-US"/>
           </a:p>
@@ -654,7 +654,7 @@
           <a:p>
             <a:fld id="{78C97017-6FC3-485B-9764-EAC9E56C1D49}" type="datetimeFigureOut">
               <a:rPr lang="en-US" smtClean="0"/>
-              <a:t>12/15/2018</a:t>
+              <a:t>3/10/19</a:t>
             </a:fld>
             <a:endParaRPr lang="en-US"/>
           </a:p>
@@ -822,7 +822,7 @@
           <a:p>
             <a:fld id="{78C97017-6FC3-485B-9764-EAC9E56C1D49}" type="datetimeFigureOut">
               <a:rPr lang="en-US" smtClean="0"/>
-              <a:t>12/15/2018</a:t>
+              <a:t>3/10/19</a:t>
             </a:fld>
             <a:endParaRPr lang="en-US"/>
           </a:p>
@@ -1000,7 +1000,7 @@
           <a:p>
             <a:fld id="{78C97017-6FC3-485B-9764-EAC9E56C1D49}" type="datetimeFigureOut">
               <a:rPr lang="en-US" smtClean="0"/>
-              <a:t>12/15/2018</a:t>
+              <a:t>3/10/19</a:t>
             </a:fld>
             <a:endParaRPr lang="en-US"/>
           </a:p>
@@ -1168,7 +1168,7 @@
           <a:p>
             <a:fld id="{78C97017-6FC3-485B-9764-EAC9E56C1D49}" type="datetimeFigureOut">
               <a:rPr lang="en-US" smtClean="0"/>
-              <a:t>12/15/2018</a:t>
+              <a:t>3/10/19</a:t>
             </a:fld>
             <a:endParaRPr lang="en-US"/>
           </a:p>
@@ -1413,7 +1413,7 @@
           <a:p>
             <a:fld id="{78C97017-6FC3-485B-9764-EAC9E56C1D49}" type="datetimeFigureOut">
               <a:rPr lang="en-US" smtClean="0"/>
-              <a:t>12/15/2018</a:t>
+              <a:t>3/10/19</a:t>
             </a:fld>
             <a:endParaRPr lang="en-US"/>
           </a:p>
@@ -1698,7 +1698,7 @@
           <a:p>
             <a:fld id="{78C97017-6FC3-485B-9764-EAC9E56C1D49}" type="datetimeFigureOut">
               <a:rPr lang="en-US" smtClean="0"/>
-              <a:t>12/15/2018</a:t>
+              <a:t>3/10/19</a:t>
             </a:fld>
             <a:endParaRPr lang="en-US"/>
           </a:p>
@@ -2117,7 +2117,7 @@
           <a:p>
             <a:fld id="{78C97017-6FC3-485B-9764-EAC9E56C1D49}" type="datetimeFigureOut">
               <a:rPr lang="en-US" smtClean="0"/>
-              <a:t>12/15/2018</a:t>
+              <a:t>3/10/19</a:t>
             </a:fld>
             <a:endParaRPr lang="en-US"/>
           </a:p>
@@ -2234,7 +2234,7 @@
           <a:p>
             <a:fld id="{78C97017-6FC3-485B-9764-EAC9E56C1D49}" type="datetimeFigureOut">
               <a:rPr lang="en-US" smtClean="0"/>
-              <a:t>12/15/2018</a:t>
+              <a:t>3/10/19</a:t>
             </a:fld>
             <a:endParaRPr lang="en-US"/>
           </a:p>
@@ -2329,7 +2329,7 @@
           <a:p>
             <a:fld id="{78C97017-6FC3-485B-9764-EAC9E56C1D49}" type="datetimeFigureOut">
               <a:rPr lang="en-US" smtClean="0"/>
-              <a:t>12/15/2018</a:t>
+              <a:t>3/10/19</a:t>
             </a:fld>
             <a:endParaRPr lang="en-US"/>
           </a:p>
@@ -2604,7 +2604,7 @@
           <a:p>
             <a:fld id="{78C97017-6FC3-485B-9764-EAC9E56C1D49}" type="datetimeFigureOut">
               <a:rPr lang="en-US" smtClean="0"/>
-              <a:t>12/15/2018</a:t>
+              <a:t>3/10/19</a:t>
             </a:fld>
             <a:endParaRPr lang="en-US"/>
           </a:p>
@@ -2856,7 +2856,7 @@
           <a:p>
             <a:fld id="{78C97017-6FC3-485B-9764-EAC9E56C1D49}" type="datetimeFigureOut">
               <a:rPr lang="en-US" smtClean="0"/>
-              <a:t>12/15/2018</a:t>
+              <a:t>3/10/19</a:t>
             </a:fld>
             <a:endParaRPr lang="en-US"/>
           </a:p>
@@ -3067,7 +3067,7 @@
           <a:p>
             <a:fld id="{78C97017-6FC3-485B-9764-EAC9E56C1D49}" type="datetimeFigureOut">
               <a:rPr lang="en-US" smtClean="0"/>
-              <a:t>12/15/2018</a:t>
+              <a:t>3/10/19</a:t>
             </a:fld>
             <a:endParaRPr lang="en-US"/>
           </a:p>
@@ -3545,7 +3545,7 @@
           <a:p>
             <a:pPr algn="ctr"/>
             <a:r>
-              <a:rPr lang="en-US" sz="1050" b="1" dirty="0" err="1">
+              <a:rPr lang="en-US" sz="1050" b="1" dirty="0">
                 <a:solidFill>
                   <a:schemeClr val="accent3">
                     <a:lumMod val="75000"/>
@@ -3573,7 +3573,7 @@
         <p:spPr>
           <a:xfrm>
             <a:off x="2592528" y="2971800"/>
-            <a:ext cx="1093635" cy="236841"/>
+            <a:ext cx="1366411" cy="236841"/>
           </a:xfrm>
           <a:prstGeom prst="rect">
             <a:avLst/>
@@ -3605,7 +3605,7 @@
           <a:p>
             <a:pPr algn="ctr"/>
             <a:r>
-              <a:rPr lang="en-US" sz="1050" b="1" dirty="0" err="1">
+              <a:rPr lang="en-US" sz="1050" b="1" dirty="0">
                 <a:solidFill>
                   <a:schemeClr val="accent3">
                     <a:lumMod val="75000"/>
@@ -3668,7 +3668,7 @@
           <a:p>
             <a:pPr algn="ctr"/>
             <a:r>
-              <a:rPr lang="en-US" sz="1050" dirty="0" err="1">
+              <a:rPr lang="en-US" sz="1050" dirty="0">
                 <a:solidFill>
                   <a:schemeClr val="bg1"/>
                 </a:solidFill>
@@ -3886,7 +3886,7 @@
         <p:spPr>
           <a:xfrm>
             <a:off x="2592528" y="3649359"/>
-            <a:ext cx="1093635" cy="236841"/>
+            <a:ext cx="1369870" cy="236841"/>
           </a:xfrm>
           <a:prstGeom prst="rect">
             <a:avLst/>
@@ -3918,7 +3918,7 @@
           <a:p>
             <a:pPr algn="ctr"/>
             <a:r>
-              <a:rPr lang="en-US" sz="1050" b="1" dirty="0" err="1">
+              <a:rPr lang="en-US" sz="1050" b="1" dirty="0">
                 <a:solidFill>
                   <a:schemeClr val="accent3">
                     <a:lumMod val="75000"/>
@@ -3946,7 +3946,7 @@
         <p:spPr>
           <a:xfrm>
             <a:off x="2592527" y="4563759"/>
-            <a:ext cx="1093635" cy="236841"/>
+            <a:ext cx="1369873" cy="236841"/>
           </a:xfrm>
           <a:prstGeom prst="rect">
             <a:avLst/>
@@ -3978,7 +3978,7 @@
           <a:p>
             <a:pPr algn="ctr"/>
             <a:r>
-              <a:rPr lang="en-US" sz="1050" b="1" dirty="0" err="1">
+              <a:rPr lang="en-US" sz="1050" b="1" dirty="0">
                 <a:solidFill>
                   <a:schemeClr val="accent3">
                     <a:lumMod val="75000"/>
@@ -4006,7 +4006,7 @@
         <p:spPr>
           <a:xfrm>
             <a:off x="2592526" y="3991960"/>
-            <a:ext cx="1093635" cy="236841"/>
+            <a:ext cx="1369874" cy="236841"/>
           </a:xfrm>
           <a:prstGeom prst="rect">
             <a:avLst/>
@@ -4038,14 +4038,14 @@
           <a:p>
             <a:pPr algn="ctr"/>
             <a:r>
-              <a:rPr lang="en-US" sz="1050" b="1" dirty="0" err="1">
+              <a:rPr lang="en-US" sz="1050" b="1" dirty="0">
                 <a:solidFill>
                   <a:schemeClr val="accent3">
                     <a:lumMod val="75000"/>
                   </a:schemeClr>
                 </a:solidFill>
               </a:rPr>
-              <a:t>PersonListPanel</a:t>
+              <a:t>EquipmentListPanel</a:t>
             </a:r>
             <a:endParaRPr lang="en-SG" sz="1050" b="1" dirty="0">
               <a:solidFill>
@@ -4065,8 +4065,8 @@
         </p:nvSpPr>
         <p:spPr>
           <a:xfrm>
-            <a:off x="3839323" y="4228801"/>
-            <a:ext cx="1040906" cy="236841"/>
+            <a:off x="4104467" y="4235867"/>
+            <a:ext cx="1166474" cy="236841"/>
           </a:xfrm>
           <a:prstGeom prst="rect">
             <a:avLst/>
@@ -4098,14 +4098,14 @@
           <a:p>
             <a:pPr algn="ctr"/>
             <a:r>
-              <a:rPr lang="en-US" sz="1050" b="1" dirty="0" err="1">
+              <a:rPr lang="en-US" sz="1050" b="1" dirty="0">
                 <a:solidFill>
                   <a:schemeClr val="accent3">
                     <a:lumMod val="75000"/>
                   </a:schemeClr>
                 </a:solidFill>
               </a:rPr>
-              <a:t>PersonCard</a:t>
+              <a:t>EquipmentCard</a:t>
             </a:r>
             <a:endParaRPr lang="en-SG" sz="1050" b="1" dirty="0">
               <a:solidFill>
@@ -4126,7 +4126,7 @@
         <p:spPr>
           <a:xfrm>
             <a:off x="2592528" y="4966000"/>
-            <a:ext cx="1093635" cy="236841"/>
+            <a:ext cx="1369872" cy="236841"/>
           </a:xfrm>
           <a:prstGeom prst="rect">
             <a:avLst/>
@@ -4158,7 +4158,7 @@
           <a:p>
             <a:pPr algn="ctr"/>
             <a:r>
-              <a:rPr lang="en-US" sz="1050" b="1" dirty="0" err="1">
+              <a:rPr lang="en-US" sz="1050" b="1" dirty="0">
                 <a:solidFill>
                   <a:schemeClr val="accent3">
                     <a:lumMod val="75000"/>
@@ -4229,6 +4229,7 @@
         <p:nvCxnSpPr>
           <p:cNvPr id="40" name="Elbow Connector 63"/>
           <p:cNvCxnSpPr>
+            <a:cxnSpLocks/>
             <a:stCxn id="39" idx="2"/>
             <a:endCxn id="3" idx="1"/>
           </p:cNvCxnSpPr>
@@ -4275,7 +4276,7 @@
         <p:spPr>
           <a:xfrm>
             <a:off x="2590799" y="3304308"/>
-            <a:ext cx="1095361" cy="236841"/>
+            <a:ext cx="1369870" cy="236841"/>
           </a:xfrm>
           <a:prstGeom prst="rect">
             <a:avLst/>
@@ -4307,7 +4308,7 @@
           <a:p>
             <a:pPr algn="ctr"/>
             <a:r>
-              <a:rPr lang="en-US" sz="1050" b="1" dirty="0" err="1">
+              <a:rPr lang="en-US" sz="1050" b="1" dirty="0">
                 <a:solidFill>
                   <a:schemeClr val="accent3">
                     <a:lumMod val="75000"/>
@@ -4330,6 +4331,7 @@
         <p:nvCxnSpPr>
           <p:cNvPr id="44" name="Elbow Connector 63"/>
           <p:cNvCxnSpPr>
+            <a:cxnSpLocks/>
             <a:stCxn id="39" idx="2"/>
             <a:endCxn id="34" idx="1"/>
           </p:cNvCxnSpPr>
@@ -4371,6 +4373,7 @@
         <p:nvCxnSpPr>
           <p:cNvPr id="47" name="Elbow Connector 63"/>
           <p:cNvCxnSpPr>
+            <a:cxnSpLocks/>
             <a:stCxn id="39" idx="2"/>
             <a:endCxn id="36" idx="1"/>
           </p:cNvCxnSpPr>
@@ -4412,6 +4415,7 @@
         <p:nvCxnSpPr>
           <p:cNvPr id="50" name="Elbow Connector 63"/>
           <p:cNvCxnSpPr>
+            <a:cxnSpLocks/>
             <a:stCxn id="39" idx="2"/>
             <a:endCxn id="35" idx="1"/>
           </p:cNvCxnSpPr>
@@ -4453,6 +4457,7 @@
         <p:nvCxnSpPr>
           <p:cNvPr id="53" name="Elbow Connector 63"/>
           <p:cNvCxnSpPr>
+            <a:cxnSpLocks/>
             <a:endCxn id="38" idx="1"/>
           </p:cNvCxnSpPr>
           <p:nvPr/>
@@ -4460,7 +4465,7 @@
         <p:spPr>
           <a:xfrm rot="16200000" flipH="1">
             <a:off x="1184119" y="3676012"/>
-            <a:ext cx="2396440" cy="420377"/>
+            <a:ext cx="2396440" cy="420378"/>
           </a:xfrm>
           <a:prstGeom prst="bentConnector2">
             <a:avLst/>
@@ -4549,7 +4554,7 @@
               </a:rPr>
             </a:br>
             <a:r>
-              <a:rPr lang="en-US" sz="1050" b="1" dirty="0" err="1">
+              <a:rPr lang="en-US" sz="1050" b="1" dirty="0">
                 <a:solidFill>
                   <a:schemeClr val="accent3">
                     <a:lumMod val="75000"/>
@@ -4572,6 +4577,7 @@
         <p:nvCxnSpPr>
           <p:cNvPr id="74" name="Elbow Connector 63"/>
           <p:cNvCxnSpPr>
+            <a:cxnSpLocks/>
             <a:stCxn id="43" idx="3"/>
             <a:endCxn id="16" idx="3"/>
           </p:cNvCxnSpPr>
@@ -4579,8 +4585,8 @@
         </p:nvCxnSpPr>
         <p:spPr>
           <a:xfrm flipV="1">
-            <a:off x="3686160" y="2286000"/>
-            <a:ext cx="1843809" cy="1136729"/>
+            <a:off x="3960669" y="2286000"/>
+            <a:ext cx="1569300" cy="1136729"/>
           </a:xfrm>
           <a:prstGeom prst="bentConnector2">
             <a:avLst/>
@@ -4613,6 +4619,7 @@
         <p:nvCxnSpPr>
           <p:cNvPr id="77" name="Elbow Connector 63"/>
           <p:cNvCxnSpPr>
+            <a:cxnSpLocks/>
             <a:stCxn id="16" idx="3"/>
             <a:endCxn id="37" idx="3"/>
           </p:cNvCxnSpPr>
@@ -4620,8 +4627,8 @@
         </p:nvCxnSpPr>
         <p:spPr>
           <a:xfrm rot="5400000">
-            <a:off x="4174488" y="2991741"/>
-            <a:ext cx="2061222" cy="649740"/>
+            <a:off x="4366311" y="3190630"/>
+            <a:ext cx="2068288" cy="259028"/>
           </a:xfrm>
           <a:prstGeom prst="bentConnector2">
             <a:avLst/>
@@ -4654,6 +4661,7 @@
         <p:nvCxnSpPr>
           <p:cNvPr id="82" name="Elbow Connector 63"/>
           <p:cNvCxnSpPr>
+            <a:cxnSpLocks/>
             <a:stCxn id="16" idx="3"/>
             <a:endCxn id="34" idx="3"/>
           </p:cNvCxnSpPr>
@@ -4661,8 +4669,8 @@
         </p:nvCxnSpPr>
         <p:spPr>
           <a:xfrm rot="5400000">
-            <a:off x="3867176" y="2104987"/>
-            <a:ext cx="1481780" cy="1843806"/>
+            <a:off x="4005294" y="2243105"/>
+            <a:ext cx="1481780" cy="1567571"/>
           </a:xfrm>
           <a:prstGeom prst="bentConnector2">
             <a:avLst/>
@@ -4736,6 +4744,7 @@
         <p:nvCxnSpPr>
           <p:cNvPr id="91" name="Elbow Connector 63"/>
           <p:cNvCxnSpPr>
+            <a:cxnSpLocks/>
             <a:stCxn id="16" idx="3"/>
             <a:endCxn id="35" idx="3"/>
           </p:cNvCxnSpPr>
@@ -4743,8 +4752,8 @@
         </p:nvCxnSpPr>
         <p:spPr>
           <a:xfrm rot="5400000">
-            <a:off x="3409976" y="2562187"/>
-            <a:ext cx="2396180" cy="1843807"/>
+            <a:off x="3548095" y="2700306"/>
+            <a:ext cx="2396180" cy="1567569"/>
           </a:xfrm>
           <a:prstGeom prst="bentConnector2">
             <a:avLst/>
@@ -4777,6 +4786,7 @@
         <p:nvCxnSpPr>
           <p:cNvPr id="94" name="Elbow Connector 63"/>
           <p:cNvCxnSpPr>
+            <a:cxnSpLocks/>
             <a:stCxn id="16" idx="3"/>
             <a:endCxn id="38" idx="3"/>
           </p:cNvCxnSpPr>
@@ -4784,8 +4794,8 @@
         </p:nvCxnSpPr>
         <p:spPr>
           <a:xfrm rot="5400000">
-            <a:off x="3208856" y="2763307"/>
-            <a:ext cx="2798421" cy="1843806"/>
+            <a:off x="3346975" y="2901426"/>
+            <a:ext cx="2798421" cy="1567569"/>
           </a:xfrm>
           <a:prstGeom prst="bentConnector2">
             <a:avLst/>
@@ -5079,6 +5089,7 @@
         <p:nvCxnSpPr>
           <p:cNvPr id="131" name="Elbow Connector 130"/>
           <p:cNvCxnSpPr>
+            <a:cxnSpLocks/>
             <a:stCxn id="39" idx="2"/>
             <a:endCxn id="43" idx="1"/>
           </p:cNvCxnSpPr>
@@ -5120,6 +5131,7 @@
         <p:nvCxnSpPr>
           <p:cNvPr id="132" name="Elbow Connector 63"/>
           <p:cNvCxnSpPr>
+            <a:cxnSpLocks/>
             <a:stCxn id="16" idx="3"/>
             <a:endCxn id="3" idx="3"/>
           </p:cNvCxnSpPr>
@@ -5127,8 +5139,8 @@
         </p:nvCxnSpPr>
         <p:spPr>
           <a:xfrm rot="5400000">
-            <a:off x="4205956" y="1766207"/>
-            <a:ext cx="804221" cy="1843806"/>
+            <a:off x="4342344" y="1902595"/>
+            <a:ext cx="804221" cy="1571030"/>
           </a:xfrm>
           <a:prstGeom prst="bentConnector2">
             <a:avLst/>
@@ -5161,6 +5173,7 @@
         <p:nvCxnSpPr>
           <p:cNvPr id="137" name="Elbow Connector 136"/>
           <p:cNvCxnSpPr>
+            <a:cxnSpLocks/>
             <a:stCxn id="36" idx="2"/>
             <a:endCxn id="37" idx="1"/>
           </p:cNvCxnSpPr>
@@ -5168,8 +5181,8 @@
         </p:nvCxnSpPr>
         <p:spPr>
           <a:xfrm rot="16200000" flipH="1">
-            <a:off x="3430123" y="3938021"/>
-            <a:ext cx="118421" cy="699979"/>
+            <a:off x="3628222" y="3878042"/>
+            <a:ext cx="125487" cy="827004"/>
           </a:xfrm>
           <a:prstGeom prst="bentConnector2">
             <a:avLst/>
@@ -5202,6 +5215,7 @@
         <p:nvCxnSpPr>
           <p:cNvPr id="140" name="Elbow Connector 63"/>
           <p:cNvCxnSpPr>
+            <a:cxnSpLocks/>
             <a:stCxn id="16" idx="3"/>
             <a:endCxn id="36" idx="3"/>
           </p:cNvCxnSpPr>
@@ -5209,8 +5223,8 @@
         </p:nvCxnSpPr>
         <p:spPr>
           <a:xfrm rot="5400000">
-            <a:off x="3695875" y="2276286"/>
-            <a:ext cx="1824381" cy="1843808"/>
+            <a:off x="3833995" y="2414406"/>
+            <a:ext cx="1824381" cy="1567569"/>
           </a:xfrm>
           <a:prstGeom prst="bentConnector2">
             <a:avLst/>
@@ -5435,8 +5449,8 @@
         </p:nvSpPr>
         <p:spPr>
           <a:xfrm flipV="1">
-            <a:off x="4114799" y="4472708"/>
-            <a:ext cx="2642195" cy="101600"/>
+            <a:off x="4572000" y="4479432"/>
+            <a:ext cx="2184994" cy="94875"/>
           </a:xfrm>
           <a:custGeom>
             <a:avLst/>

--- a/docs/diagrams/UiComponentClassDiagram.pptx
+++ b/docs/diagrams/UiComponentClassDiagram.pptx
@@ -3450,8 +3450,8 @@
         </p:nvSpPr>
         <p:spPr>
           <a:xfrm>
-            <a:off x="1217465" y="1447800"/>
-            <a:ext cx="4917083" cy="3962400"/>
+            <a:off x="1217465" y="533400"/>
+            <a:ext cx="4917083" cy="4751236"/>
           </a:xfrm>
           <a:prstGeom prst="roundRect">
             <a:avLst>
@@ -3512,7 +3512,7 @@
         </p:nvSpPr>
         <p:spPr>
           <a:xfrm>
-            <a:off x="2095948" y="2341220"/>
+            <a:off x="2095948" y="1426820"/>
             <a:ext cx="1093635" cy="346760"/>
           </a:xfrm>
           <a:prstGeom prst="rect">
@@ -3572,7 +3572,7 @@
         </p:nvSpPr>
         <p:spPr>
           <a:xfrm>
-            <a:off x="2592528" y="2971800"/>
+            <a:off x="2592528" y="2057400"/>
             <a:ext cx="1366411" cy="236841"/>
           </a:xfrm>
           <a:prstGeom prst="rect">
@@ -3632,7 +3632,7 @@
         </p:nvSpPr>
         <p:spPr>
           <a:xfrm>
-            <a:off x="2092842" y="1770924"/>
+            <a:off x="2092842" y="856524"/>
             <a:ext cx="1093635" cy="346760"/>
           </a:xfrm>
           <a:prstGeom prst="rect">
@@ -3694,7 +3694,7 @@
         </p:nvCxnSpPr>
         <p:spPr>
           <a:xfrm rot="16200000" flipH="1">
-            <a:off x="2529445" y="2227899"/>
+            <a:off x="2529445" y="1313499"/>
             <a:ext cx="223536" cy="3106"/>
           </a:xfrm>
           <a:prstGeom prst="bentConnector3">
@@ -3734,7 +3734,7 @@
         </p:nvSpPr>
         <p:spPr>
           <a:xfrm rot="10800000" flipV="1">
-            <a:off x="5394717" y="2110477"/>
+            <a:off x="5394717" y="1196077"/>
             <a:ext cx="270504" cy="175523"/>
           </a:xfrm>
           <a:prstGeom prst="triangle">
@@ -3782,7 +3782,7 @@
         </p:nvCxnSpPr>
         <p:spPr>
           <a:xfrm flipV="1">
-            <a:off x="644735" y="2991937"/>
+            <a:off x="644735" y="2077537"/>
             <a:ext cx="684904" cy="1"/>
           </a:xfrm>
           <a:prstGeom prst="bentConnector3">
@@ -3825,7 +3825,7 @@
         </p:nvSpPr>
         <p:spPr>
           <a:xfrm rot="16200000">
-            <a:off x="5703829" y="2464877"/>
+            <a:off x="5703829" y="1550477"/>
             <a:ext cx="2362201" cy="328045"/>
           </a:xfrm>
           <a:prstGeom prst="roundRect">
@@ -3885,7 +3885,7 @@
         </p:nvSpPr>
         <p:spPr>
           <a:xfrm>
-            <a:off x="2592528" y="3649359"/>
+            <a:off x="2592528" y="2734959"/>
             <a:ext cx="1369870" cy="236841"/>
           </a:xfrm>
           <a:prstGeom prst="rect">
@@ -3945,7 +3945,7 @@
         </p:nvSpPr>
         <p:spPr>
           <a:xfrm>
-            <a:off x="2592527" y="4563759"/>
+            <a:off x="2592525" y="4326648"/>
             <a:ext cx="1369873" cy="236841"/>
           </a:xfrm>
           <a:prstGeom prst="rect">
@@ -4005,7 +4005,7 @@
         </p:nvSpPr>
         <p:spPr>
           <a:xfrm>
-            <a:off x="2592526" y="3991960"/>
+            <a:off x="2592526" y="3077560"/>
             <a:ext cx="1369874" cy="236841"/>
           </a:xfrm>
           <a:prstGeom prst="rect">
@@ -4065,7 +4065,7 @@
         </p:nvSpPr>
         <p:spPr>
           <a:xfrm>
-            <a:off x="4104467" y="4235867"/>
+            <a:off x="4104467" y="3321467"/>
             <a:ext cx="1166474" cy="236841"/>
           </a:xfrm>
           <a:prstGeom prst="rect">
@@ -4125,7 +4125,7 @@
         </p:nvSpPr>
         <p:spPr>
           <a:xfrm>
-            <a:off x="2592528" y="4966000"/>
+            <a:off x="2592526" y="4728889"/>
             <a:ext cx="1369872" cy="236841"/>
           </a:xfrm>
           <a:prstGeom prst="rect">
@@ -4185,7 +4185,7 @@
         </p:nvSpPr>
         <p:spPr>
           <a:xfrm>
-            <a:off x="2324548" y="2706452"/>
+            <a:off x="2324548" y="1792052"/>
             <a:ext cx="183156" cy="161573"/>
           </a:xfrm>
           <a:prstGeom prst="flowChartDecision">
@@ -4237,7 +4237,7 @@
         </p:nvCxnSpPr>
         <p:spPr>
           <a:xfrm rot="16200000" flipH="1">
-            <a:off x="2393229" y="2890922"/>
+            <a:off x="2393229" y="1976522"/>
             <a:ext cx="222196" cy="176402"/>
           </a:xfrm>
           <a:prstGeom prst="bentConnector2">
@@ -4275,7 +4275,7 @@
         </p:nvSpPr>
         <p:spPr>
           <a:xfrm>
-            <a:off x="2590799" y="3304308"/>
+            <a:off x="2590799" y="2389908"/>
             <a:ext cx="1369870" cy="236841"/>
           </a:xfrm>
           <a:prstGeom prst="rect">
@@ -4339,7 +4339,7 @@
         </p:nvCxnSpPr>
         <p:spPr>
           <a:xfrm rot="16200000" flipH="1">
-            <a:off x="2054450" y="3229701"/>
+            <a:off x="2054450" y="2315301"/>
             <a:ext cx="899755" cy="176402"/>
           </a:xfrm>
           <a:prstGeom prst="bentConnector2">
@@ -4381,7 +4381,7 @@
         </p:nvCxnSpPr>
         <p:spPr>
           <a:xfrm rot="16200000" flipH="1">
-            <a:off x="1883148" y="3401003"/>
+            <a:off x="1883148" y="2486603"/>
             <a:ext cx="1242356" cy="176400"/>
           </a:xfrm>
           <a:prstGeom prst="bentConnector2">
@@ -4423,8 +4423,8 @@
         </p:nvCxnSpPr>
         <p:spPr>
           <a:xfrm rot="16200000" flipH="1">
-            <a:off x="1597249" y="3686901"/>
-            <a:ext cx="1814155" cy="176401"/>
+            <a:off x="1258603" y="3111147"/>
+            <a:ext cx="2491444" cy="176399"/>
           </a:xfrm>
           <a:prstGeom prst="bentConnector2">
             <a:avLst/>
@@ -4464,8 +4464,8 @@
         </p:nvCxnSpPr>
         <p:spPr>
           <a:xfrm rot="16200000" flipH="1">
-            <a:off x="1184119" y="3676012"/>
-            <a:ext cx="2396440" cy="420378"/>
+            <a:off x="882451" y="3137234"/>
+            <a:ext cx="3032697" cy="387454"/>
           </a:xfrm>
           <a:prstGeom prst="bentConnector2">
             <a:avLst/>
@@ -4502,7 +4502,7 @@
         </p:nvSpPr>
         <p:spPr>
           <a:xfrm>
-            <a:off x="5143948" y="1770924"/>
+            <a:off x="5143948" y="856524"/>
             <a:ext cx="772043" cy="346760"/>
           </a:xfrm>
           <a:prstGeom prst="rect">
@@ -4585,7 +4585,7 @@
         </p:nvCxnSpPr>
         <p:spPr>
           <a:xfrm flipV="1">
-            <a:off x="3960669" y="2286000"/>
+            <a:off x="3960669" y="1371600"/>
             <a:ext cx="1569300" cy="1136729"/>
           </a:xfrm>
           <a:prstGeom prst="bentConnector2">
@@ -4627,7 +4627,7 @@
         </p:nvCxnSpPr>
         <p:spPr>
           <a:xfrm rot="5400000">
-            <a:off x="4366311" y="3190630"/>
+            <a:off x="4366311" y="2276230"/>
             <a:ext cx="2068288" cy="259028"/>
           </a:xfrm>
           <a:prstGeom prst="bentConnector2">
@@ -4669,7 +4669,7 @@
         </p:nvCxnSpPr>
         <p:spPr>
           <a:xfrm rot="5400000">
-            <a:off x="4005294" y="2243105"/>
+            <a:off x="4005294" y="1328705"/>
             <a:ext cx="1481780" cy="1567571"/>
           </a:xfrm>
           <a:prstGeom prst="bentConnector2">
@@ -4710,7 +4710,7 @@
         </p:nvCxnSpPr>
         <p:spPr>
           <a:xfrm flipV="1">
-            <a:off x="3189583" y="2286000"/>
+            <a:off x="3189583" y="1371600"/>
             <a:ext cx="2340386" cy="228600"/>
           </a:xfrm>
           <a:prstGeom prst="bentConnector2">
@@ -4752,8 +4752,8 @@
         </p:nvCxnSpPr>
         <p:spPr>
           <a:xfrm rot="5400000">
-            <a:off x="3548095" y="2700306"/>
-            <a:ext cx="2396180" cy="1567569"/>
+            <a:off x="3209450" y="2124549"/>
+            <a:ext cx="3073469" cy="1567571"/>
           </a:xfrm>
           <a:prstGeom prst="bentConnector2">
             <a:avLst/>
@@ -4794,8 +4794,8 @@
         </p:nvCxnSpPr>
         <p:spPr>
           <a:xfrm rot="5400000">
-            <a:off x="3346975" y="2901426"/>
-            <a:ext cx="2798421" cy="1567569"/>
+            <a:off x="3008329" y="2325670"/>
+            <a:ext cx="3475710" cy="1567571"/>
           </a:xfrm>
           <a:prstGeom prst="bentConnector2">
             <a:avLst/>
@@ -4834,7 +4834,7 @@
         </p:nvCxnSpPr>
         <p:spPr>
           <a:xfrm rot="5400000" flipH="1" flipV="1">
-            <a:off x="4594921" y="-355061"/>
+            <a:off x="4594921" y="-1269461"/>
             <a:ext cx="170724" cy="4081246"/>
           </a:xfrm>
           <a:prstGeom prst="bentConnector2">
@@ -4873,7 +4873,7 @@
         </p:nvSpPr>
         <p:spPr>
           <a:xfrm rot="16200000">
-            <a:off x="6213739" y="4560376"/>
+            <a:off x="6213739" y="3645976"/>
             <a:ext cx="1371599" cy="328045"/>
           </a:xfrm>
           <a:prstGeom prst="roundRect">
@@ -4933,7 +4933,7 @@
         </p:nvSpPr>
         <p:spPr>
           <a:xfrm rot="16200000">
-            <a:off x="956202" y="2861202"/>
+            <a:off x="956202" y="1946802"/>
             <a:ext cx="1093635" cy="346760"/>
           </a:xfrm>
           <a:prstGeom prst="rect">
@@ -5003,7 +5003,7 @@
         </p:nvSpPr>
         <p:spPr>
           <a:xfrm flipV="1">
-            <a:off x="1367767" y="2286001"/>
+            <a:off x="1367767" y="1371601"/>
             <a:ext cx="270504" cy="175523"/>
           </a:xfrm>
           <a:prstGeom prst="triangle">
@@ -5054,7 +5054,7 @@
         </p:nvCxnSpPr>
         <p:spPr>
           <a:xfrm rot="10800000" flipV="1">
-            <a:off x="1503020" y="1944303"/>
+            <a:off x="1503020" y="1029903"/>
             <a:ext cx="589823" cy="341697"/>
           </a:xfrm>
           <a:prstGeom prst="bentConnector2">
@@ -5097,7 +5097,7 @@
         </p:nvCxnSpPr>
         <p:spPr>
           <a:xfrm rot="16200000" flipH="1">
-            <a:off x="2226110" y="3058040"/>
+            <a:off x="2226110" y="2143640"/>
             <a:ext cx="554704" cy="174673"/>
           </a:xfrm>
           <a:prstGeom prst="bentConnector2">
@@ -5139,7 +5139,7 @@
         </p:nvCxnSpPr>
         <p:spPr>
           <a:xfrm rot="5400000">
-            <a:off x="4342344" y="1902595"/>
+            <a:off x="4342344" y="988195"/>
             <a:ext cx="804221" cy="1571030"/>
           </a:xfrm>
           <a:prstGeom prst="bentConnector2">
@@ -5181,7 +5181,7 @@
         </p:nvCxnSpPr>
         <p:spPr>
           <a:xfrm rot="16200000" flipH="1">
-            <a:off x="3628222" y="3878042"/>
+            <a:off x="3628222" y="2963642"/>
             <a:ext cx="125487" cy="827004"/>
           </a:xfrm>
           <a:prstGeom prst="bentConnector2">
@@ -5223,7 +5223,7 @@
         </p:nvCxnSpPr>
         <p:spPr>
           <a:xfrm rot="5400000">
-            <a:off x="3833995" y="2414406"/>
+            <a:off x="3833995" y="1500006"/>
             <a:ext cx="1824381" cy="1567569"/>
           </a:xfrm>
           <a:prstGeom prst="bentConnector2">
@@ -5261,7 +5261,7 @@
         </p:nvSpPr>
         <p:spPr>
           <a:xfrm>
-            <a:off x="5422048" y="2339335"/>
+            <a:off x="5422048" y="1424935"/>
             <a:ext cx="229325" cy="166560"/>
           </a:xfrm>
           <a:prstGeom prst="rect">
@@ -5314,7 +5314,7 @@
         </p:nvSpPr>
         <p:spPr>
           <a:xfrm>
-            <a:off x="3186477" y="2405681"/>
+            <a:off x="3186477" y="1491281"/>
             <a:ext cx="3537529" cy="45719"/>
           </a:xfrm>
           <a:custGeom>
@@ -5396,7 +5396,7 @@
         </p:nvSpPr>
         <p:spPr>
           <a:xfrm>
-            <a:off x="5431573" y="4488138"/>
+            <a:off x="5431573" y="3573738"/>
             <a:ext cx="229325" cy="160062"/>
           </a:xfrm>
           <a:prstGeom prst="rect">
@@ -5449,7 +5449,369 @@
         </p:nvSpPr>
         <p:spPr>
           <a:xfrm flipV="1">
-            <a:off x="4572000" y="4479432"/>
+            <a:off x="4572000" y="3565032"/>
+            <a:ext cx="2184994" cy="94875"/>
+          </a:xfrm>
+          <a:custGeom>
+            <a:avLst/>
+            <a:gdLst>
+              <a:gd name="connsiteX0" fmla="*/ 0 w 3048000"/>
+              <a:gd name="connsiteY0" fmla="*/ 203200 h 203200"/>
+              <a:gd name="connsiteX1" fmla="*/ 221673 w 3048000"/>
+              <a:gd name="connsiteY1" fmla="*/ 0 h 203200"/>
+              <a:gd name="connsiteX2" fmla="*/ 3048000 w 3048000"/>
+              <a:gd name="connsiteY2" fmla="*/ 0 h 203200"/>
+            </a:gdLst>
+            <a:ahLst/>
+            <a:cxnLst>
+              <a:cxn ang="0">
+                <a:pos x="connsiteX0" y="connsiteY0"/>
+              </a:cxn>
+              <a:cxn ang="0">
+                <a:pos x="connsiteX1" y="connsiteY1"/>
+              </a:cxn>
+              <a:cxn ang="0">
+                <a:pos x="connsiteX2" y="connsiteY2"/>
+              </a:cxn>
+            </a:cxnLst>
+            <a:rect l="l" t="t" r="r" b="b"/>
+            <a:pathLst>
+              <a:path w="3048000" h="203200">
+                <a:moveTo>
+                  <a:pt x="0" y="203200"/>
+                </a:moveTo>
+                <a:lnTo>
+                  <a:pt x="221673" y="0"/>
+                </a:lnTo>
+                <a:lnTo>
+                  <a:pt x="3048000" y="0"/>
+                </a:lnTo>
+              </a:path>
+            </a:pathLst>
+          </a:custGeom>
+          <a:noFill/>
+          <a:ln w="19050">
+            <a:solidFill>
+              <a:schemeClr val="accent3"/>
+            </a:solidFill>
+            <a:prstDash val="sysDot"/>
+            <a:headEnd type="none" w="med" len="med"/>
+            <a:tailEnd type="arrow" w="med" len="med"/>
+          </a:ln>
+          <a:effectLst/>
+        </p:spPr>
+        <p:style>
+          <a:lnRef idx="1">
+            <a:schemeClr val="accent2"/>
+          </a:lnRef>
+          <a:fillRef idx="2">
+            <a:schemeClr val="accent2"/>
+          </a:fillRef>
+          <a:effectRef idx="1">
+            <a:schemeClr val="accent2"/>
+          </a:effectRef>
+          <a:fontRef idx="minor">
+            <a:schemeClr val="dk1"/>
+          </a:fontRef>
+        </p:style>
+        <p:txBody>
+          <a:bodyPr rtlCol="0" anchor="ctr"/>
+          <a:lstStyle/>
+          <a:p>
+            <a:pPr algn="ctr"/>
+            <a:endParaRPr lang="en-SG"/>
+          </a:p>
+        </p:txBody>
+      </p:sp>
+      <p:sp>
+        <p:nvSpPr>
+          <p:cNvPr id="46" name="Rectangle 11">
+            <a:extLst>
+              <a:ext uri="{FF2B5EF4-FFF2-40B4-BE49-F238E27FC236}">
+                <a16:creationId xmlns:a16="http://schemas.microsoft.com/office/drawing/2014/main" id="{70748E91-867F-2643-8FF6-AC258BE8F2F5}"/>
+              </a:ext>
+            </a:extLst>
+          </p:cNvPr>
+          <p:cNvSpPr/>
+          <p:nvPr/>
+        </p:nvSpPr>
+        <p:spPr>
+          <a:xfrm>
+            <a:off x="2597002" y="3611004"/>
+            <a:ext cx="1369874" cy="236841"/>
+          </a:xfrm>
+          <a:prstGeom prst="rect">
+            <a:avLst/>
+          </a:prstGeom>
+          <a:ln w="19050">
+            <a:solidFill>
+              <a:schemeClr val="accent3"/>
+            </a:solidFill>
+          </a:ln>
+          <a:effectLst/>
+        </p:spPr>
+        <p:style>
+          <a:lnRef idx="1">
+            <a:schemeClr val="accent3"/>
+          </a:lnRef>
+          <a:fillRef idx="2">
+            <a:schemeClr val="accent3"/>
+          </a:fillRef>
+          <a:effectRef idx="1">
+            <a:schemeClr val="accent3"/>
+          </a:effectRef>
+          <a:fontRef idx="minor">
+            <a:schemeClr val="dk1"/>
+          </a:fontRef>
+        </p:style>
+        <p:txBody>
+          <a:bodyPr rtlCol="0" anchor="ctr"/>
+          <a:lstStyle/>
+          <a:p>
+            <a:pPr algn="ctr"/>
+            <a:r>
+              <a:rPr lang="en-US" sz="1050" b="1" dirty="0">
+                <a:solidFill>
+                  <a:schemeClr val="accent3">
+                    <a:lumMod val="75000"/>
+                  </a:schemeClr>
+                </a:solidFill>
+              </a:rPr>
+              <a:t>WorkListListPanel</a:t>
+            </a:r>
+            <a:endParaRPr lang="en-SG" sz="1050" b="1" dirty="0">
+              <a:solidFill>
+                <a:schemeClr val="accent3">
+                  <a:lumMod val="75000"/>
+                </a:schemeClr>
+              </a:solidFill>
+            </a:endParaRPr>
+          </a:p>
+        </p:txBody>
+      </p:sp>
+      <p:sp>
+        <p:nvSpPr>
+          <p:cNvPr id="48" name="Rectangle 11">
+            <a:extLst>
+              <a:ext uri="{FF2B5EF4-FFF2-40B4-BE49-F238E27FC236}">
+                <a16:creationId xmlns:a16="http://schemas.microsoft.com/office/drawing/2014/main" id="{FF09F446-8C96-824A-981C-5EDA08A569E5}"/>
+              </a:ext>
+            </a:extLst>
+          </p:cNvPr>
+          <p:cNvSpPr/>
+          <p:nvPr/>
+        </p:nvSpPr>
+        <p:spPr>
+          <a:xfrm>
+            <a:off x="4108943" y="3854911"/>
+            <a:ext cx="1166474" cy="236841"/>
+          </a:xfrm>
+          <a:prstGeom prst="rect">
+            <a:avLst/>
+          </a:prstGeom>
+          <a:ln w="19050">
+            <a:solidFill>
+              <a:schemeClr val="accent3"/>
+            </a:solidFill>
+          </a:ln>
+          <a:effectLst/>
+        </p:spPr>
+        <p:style>
+          <a:lnRef idx="1">
+            <a:schemeClr val="accent3"/>
+          </a:lnRef>
+          <a:fillRef idx="2">
+            <a:schemeClr val="accent3"/>
+          </a:fillRef>
+          <a:effectRef idx="1">
+            <a:schemeClr val="accent3"/>
+          </a:effectRef>
+          <a:fontRef idx="minor">
+            <a:schemeClr val="dk1"/>
+          </a:fontRef>
+        </p:style>
+        <p:txBody>
+          <a:bodyPr rtlCol="0" anchor="ctr"/>
+          <a:lstStyle/>
+          <a:p>
+            <a:pPr algn="ctr"/>
+            <a:r>
+              <a:rPr lang="en-US" sz="1050" b="1" dirty="0">
+                <a:solidFill>
+                  <a:schemeClr val="accent3">
+                    <a:lumMod val="75000"/>
+                  </a:schemeClr>
+                </a:solidFill>
+              </a:rPr>
+              <a:t>WorkListCard</a:t>
+            </a:r>
+            <a:endParaRPr lang="en-SG" sz="1050" b="1" dirty="0">
+              <a:solidFill>
+                <a:schemeClr val="accent3">
+                  <a:lumMod val="75000"/>
+                </a:schemeClr>
+              </a:solidFill>
+            </a:endParaRPr>
+          </a:p>
+        </p:txBody>
+      </p:sp>
+      <p:cxnSp>
+        <p:nvCxnSpPr>
+          <p:cNvPr id="49" name="Elbow Connector 63">
+            <a:extLst>
+              <a:ext uri="{FF2B5EF4-FFF2-40B4-BE49-F238E27FC236}">
+                <a16:creationId xmlns:a16="http://schemas.microsoft.com/office/drawing/2014/main" id="{184A9728-B6C3-C044-A18F-A963A2BDF16A}"/>
+              </a:ext>
+            </a:extLst>
+          </p:cNvPr>
+          <p:cNvCxnSpPr>
+            <a:cxnSpLocks/>
+            <a:endCxn id="46" idx="1"/>
+          </p:cNvCxnSpPr>
+          <p:nvPr/>
+        </p:nvCxnSpPr>
+        <p:spPr>
+          <a:xfrm rot="16200000" flipH="1">
+            <a:off x="1887624" y="3020047"/>
+            <a:ext cx="1242356" cy="176400"/>
+          </a:xfrm>
+          <a:prstGeom prst="bentConnector2">
+            <a:avLst/>
+          </a:prstGeom>
+          <a:ln w="19050">
+            <a:solidFill>
+              <a:schemeClr val="accent3"/>
+            </a:solidFill>
+            <a:headEnd type="none" w="med" len="med"/>
+            <a:tailEnd type="arrow" w="med" len="med"/>
+          </a:ln>
+          <a:effectLst/>
+        </p:spPr>
+        <p:style>
+          <a:lnRef idx="1">
+            <a:schemeClr val="accent2"/>
+          </a:lnRef>
+          <a:fillRef idx="2">
+            <a:schemeClr val="accent2"/>
+          </a:fillRef>
+          <a:effectRef idx="1">
+            <a:schemeClr val="accent2"/>
+          </a:effectRef>
+          <a:fontRef idx="minor">
+            <a:schemeClr val="dk1"/>
+          </a:fontRef>
+        </p:style>
+      </p:cxnSp>
+      <p:cxnSp>
+        <p:nvCxnSpPr>
+          <p:cNvPr id="51" name="Elbow Connector 63">
+            <a:extLst>
+              <a:ext uri="{FF2B5EF4-FFF2-40B4-BE49-F238E27FC236}">
+                <a16:creationId xmlns:a16="http://schemas.microsoft.com/office/drawing/2014/main" id="{DD05FDBB-E0C4-4746-A50E-6DB3E07FE0FB}"/>
+              </a:ext>
+            </a:extLst>
+          </p:cNvPr>
+          <p:cNvCxnSpPr>
+            <a:cxnSpLocks/>
+            <a:endCxn id="48" idx="3"/>
+          </p:cNvCxnSpPr>
+          <p:nvPr/>
+        </p:nvCxnSpPr>
+        <p:spPr>
+          <a:xfrm rot="5400000">
+            <a:off x="4370787" y="2809674"/>
+            <a:ext cx="2068288" cy="259028"/>
+          </a:xfrm>
+          <a:prstGeom prst="bentConnector2">
+            <a:avLst/>
+          </a:prstGeom>
+          <a:ln w="6350">
+            <a:solidFill>
+              <a:schemeClr val="accent3"/>
+            </a:solidFill>
+            <a:headEnd type="none" w="med" len="med"/>
+            <a:tailEnd type="none" w="med" len="med"/>
+          </a:ln>
+          <a:effectLst/>
+        </p:spPr>
+        <p:style>
+          <a:lnRef idx="1">
+            <a:schemeClr val="accent2"/>
+          </a:lnRef>
+          <a:fillRef idx="2">
+            <a:schemeClr val="accent2"/>
+          </a:fillRef>
+          <a:effectRef idx="1">
+            <a:schemeClr val="accent2"/>
+          </a:effectRef>
+          <a:fontRef idx="minor">
+            <a:schemeClr val="dk1"/>
+          </a:fontRef>
+        </p:style>
+      </p:cxnSp>
+      <p:cxnSp>
+        <p:nvCxnSpPr>
+          <p:cNvPr id="52" name="Elbow Connector 51">
+            <a:extLst>
+              <a:ext uri="{FF2B5EF4-FFF2-40B4-BE49-F238E27FC236}">
+                <a16:creationId xmlns:a16="http://schemas.microsoft.com/office/drawing/2014/main" id="{EAB45BCC-8FA6-EE44-BABC-C0B6170D4D0C}"/>
+              </a:ext>
+            </a:extLst>
+          </p:cNvPr>
+          <p:cNvCxnSpPr>
+            <a:cxnSpLocks/>
+            <a:stCxn id="46" idx="2"/>
+            <a:endCxn id="48" idx="1"/>
+          </p:cNvCxnSpPr>
+          <p:nvPr/>
+        </p:nvCxnSpPr>
+        <p:spPr>
+          <a:xfrm rot="16200000" flipH="1">
+            <a:off x="3632698" y="3497086"/>
+            <a:ext cx="125487" cy="827004"/>
+          </a:xfrm>
+          <a:prstGeom prst="bentConnector2">
+            <a:avLst/>
+          </a:prstGeom>
+          <a:ln w="19050">
+            <a:solidFill>
+              <a:schemeClr val="accent3"/>
+            </a:solidFill>
+            <a:headEnd type="none" w="med" len="med"/>
+            <a:tailEnd type="arrow" w="med" len="med"/>
+          </a:ln>
+          <a:effectLst/>
+        </p:spPr>
+        <p:style>
+          <a:lnRef idx="1">
+            <a:schemeClr val="accent2"/>
+          </a:lnRef>
+          <a:fillRef idx="2">
+            <a:schemeClr val="accent2"/>
+          </a:fillRef>
+          <a:effectRef idx="1">
+            <a:schemeClr val="accent2"/>
+          </a:effectRef>
+          <a:fontRef idx="minor">
+            <a:schemeClr val="dk1"/>
+          </a:fontRef>
+        </p:style>
+      </p:cxnSp>
+      <p:sp>
+        <p:nvSpPr>
+          <p:cNvPr id="54" name="Freeform 53">
+            <a:extLst>
+              <a:ext uri="{FF2B5EF4-FFF2-40B4-BE49-F238E27FC236}">
+                <a16:creationId xmlns:a16="http://schemas.microsoft.com/office/drawing/2014/main" id="{32ADD139-E668-8047-80AC-F84E3F58A81E}"/>
+              </a:ext>
+            </a:extLst>
+          </p:cNvPr>
+          <p:cNvSpPr/>
+          <p:nvPr/>
+        </p:nvSpPr>
+        <p:spPr>
+          <a:xfrm flipV="1">
+            <a:off x="4576476" y="4098476"/>
             <a:ext cx="2184994" cy="94875"/>
           </a:xfrm>
           <a:custGeom>

--- a/docs/diagrams/UiComponentClassDiagram.pptx
+++ b/docs/diagrams/UiComponentClassDiagram.pptx
@@ -109,7 +109,7 @@
   </p:defaultTextStyle>
   <p:extLst>
     <p:ext uri="{EFAFB233-063F-42B5-8137-9DF3F51BA10A}">
-      <p15:sldGuideLst xmlns:p15="http://schemas.microsoft.com/office/powerpoint/2012/main">
+      <p15:sldGuideLst xmlns="" xmlns:p15="http://schemas.microsoft.com/office/powerpoint/2012/main">
         <p15:guide id="1" orient="horz" pos="1488">
           <p15:clr>
             <a:srgbClr val="A4A3A4"/>
@@ -208,7 +208,7 @@
           <a:p>
             <a:fld id="{F5CC4B3F-88C1-4FFA-B1B6-F41C21DC6924}" type="datetimeFigureOut">
               <a:rPr lang="en-US" smtClean="0"/>
-              <a:t>12/15/2018</a:t>
+              <a:t>12/3/19</a:t>
             </a:fld>
             <a:endParaRPr lang="en-US"/>
           </a:p>
@@ -654,7 +654,7 @@
           <a:p>
             <a:fld id="{78C97017-6FC3-485B-9764-EAC9E56C1D49}" type="datetimeFigureOut">
               <a:rPr lang="en-US" smtClean="0"/>
-              <a:t>12/15/2018</a:t>
+              <a:t>12/3/19</a:t>
             </a:fld>
             <a:endParaRPr lang="en-US"/>
           </a:p>
@@ -822,7 +822,7 @@
           <a:p>
             <a:fld id="{78C97017-6FC3-485B-9764-EAC9E56C1D49}" type="datetimeFigureOut">
               <a:rPr lang="en-US" smtClean="0"/>
-              <a:t>12/15/2018</a:t>
+              <a:t>12/3/19</a:t>
             </a:fld>
             <a:endParaRPr lang="en-US"/>
           </a:p>
@@ -1000,7 +1000,7 @@
           <a:p>
             <a:fld id="{78C97017-6FC3-485B-9764-EAC9E56C1D49}" type="datetimeFigureOut">
               <a:rPr lang="en-US" smtClean="0"/>
-              <a:t>12/15/2018</a:t>
+              <a:t>12/3/19</a:t>
             </a:fld>
             <a:endParaRPr lang="en-US"/>
           </a:p>
@@ -1168,7 +1168,7 @@
           <a:p>
             <a:fld id="{78C97017-6FC3-485B-9764-EAC9E56C1D49}" type="datetimeFigureOut">
               <a:rPr lang="en-US" smtClean="0"/>
-              <a:t>12/15/2018</a:t>
+              <a:t>12/3/19</a:t>
             </a:fld>
             <a:endParaRPr lang="en-US"/>
           </a:p>
@@ -1413,7 +1413,7 @@
           <a:p>
             <a:fld id="{78C97017-6FC3-485B-9764-EAC9E56C1D49}" type="datetimeFigureOut">
               <a:rPr lang="en-US" smtClean="0"/>
-              <a:t>12/15/2018</a:t>
+              <a:t>12/3/19</a:t>
             </a:fld>
             <a:endParaRPr lang="en-US"/>
           </a:p>
@@ -1698,7 +1698,7 @@
           <a:p>
             <a:fld id="{78C97017-6FC3-485B-9764-EAC9E56C1D49}" type="datetimeFigureOut">
               <a:rPr lang="en-US" smtClean="0"/>
-              <a:t>12/15/2018</a:t>
+              <a:t>12/3/19</a:t>
             </a:fld>
             <a:endParaRPr lang="en-US"/>
           </a:p>
@@ -2117,7 +2117,7 @@
           <a:p>
             <a:fld id="{78C97017-6FC3-485B-9764-EAC9E56C1D49}" type="datetimeFigureOut">
               <a:rPr lang="en-US" smtClean="0"/>
-              <a:t>12/15/2018</a:t>
+              <a:t>12/3/19</a:t>
             </a:fld>
             <a:endParaRPr lang="en-US"/>
           </a:p>
@@ -2234,7 +2234,7 @@
           <a:p>
             <a:fld id="{78C97017-6FC3-485B-9764-EAC9E56C1D49}" type="datetimeFigureOut">
               <a:rPr lang="en-US" smtClean="0"/>
-              <a:t>12/15/2018</a:t>
+              <a:t>12/3/19</a:t>
             </a:fld>
             <a:endParaRPr lang="en-US"/>
           </a:p>
@@ -2329,7 +2329,7 @@
           <a:p>
             <a:fld id="{78C97017-6FC3-485B-9764-EAC9E56C1D49}" type="datetimeFigureOut">
               <a:rPr lang="en-US" smtClean="0"/>
-              <a:t>12/15/2018</a:t>
+              <a:t>12/3/19</a:t>
             </a:fld>
             <a:endParaRPr lang="en-US"/>
           </a:p>
@@ -2604,7 +2604,7 @@
           <a:p>
             <a:fld id="{78C97017-6FC3-485B-9764-EAC9E56C1D49}" type="datetimeFigureOut">
               <a:rPr lang="en-US" smtClean="0"/>
-              <a:t>12/15/2018</a:t>
+              <a:t>12/3/19</a:t>
             </a:fld>
             <a:endParaRPr lang="en-US"/>
           </a:p>
@@ -2856,7 +2856,7 @@
           <a:p>
             <a:fld id="{78C97017-6FC3-485B-9764-EAC9E56C1D49}" type="datetimeFigureOut">
               <a:rPr lang="en-US" smtClean="0"/>
-              <a:t>12/15/2018</a:t>
+              <a:t>12/3/19</a:t>
             </a:fld>
             <a:endParaRPr lang="en-US"/>
           </a:p>
@@ -3067,7 +3067,7 @@
           <a:p>
             <a:fld id="{78C97017-6FC3-485B-9764-EAC9E56C1D49}" type="datetimeFigureOut">
               <a:rPr lang="en-US" smtClean="0"/>
-              <a:t>12/15/2018</a:t>
+              <a:t>12/3/19</a:t>
             </a:fld>
             <a:endParaRPr lang="en-US"/>
           </a:p>
@@ -3450,8 +3450,8 @@
         </p:nvSpPr>
         <p:spPr>
           <a:xfrm>
-            <a:off x="1217465" y="1447800"/>
-            <a:ext cx="4917083" cy="3962400"/>
+            <a:off x="762001" y="1447800"/>
+            <a:ext cx="5372548" cy="3962400"/>
           </a:xfrm>
           <a:prstGeom prst="roundRect">
             <a:avLst>
@@ -4038,14 +4038,14 @@
           <a:p>
             <a:pPr algn="ctr"/>
             <a:r>
-              <a:rPr lang="en-US" sz="1050" b="1" dirty="0" err="1">
+              <a:rPr lang="en-US" sz="1050" b="1" dirty="0" err="1" smtClean="0">
                 <a:solidFill>
                   <a:schemeClr val="accent3">
                     <a:lumMod val="75000"/>
                   </a:schemeClr>
                 </a:solidFill>
               </a:rPr>
-              <a:t>PersonListPanel</a:t>
+              <a:t>CardListPanel</a:t>
             </a:r>
             <a:endParaRPr lang="en-SG" sz="1050" b="1" dirty="0">
               <a:solidFill>
@@ -4098,14 +4098,14 @@
           <a:p>
             <a:pPr algn="ctr"/>
             <a:r>
-              <a:rPr lang="en-US" sz="1050" b="1" dirty="0" err="1">
+              <a:rPr lang="en-US" sz="1050" b="1" dirty="0" err="1" smtClean="0">
                 <a:solidFill>
                   <a:schemeClr val="accent3">
                     <a:lumMod val="75000"/>
                   </a:schemeClr>
                 </a:solidFill>
               </a:rPr>
-              <a:t>PersonCard</a:t>
+              <a:t>CardDisplay</a:t>
             </a:r>
             <a:endParaRPr lang="en-SG" sz="1050" b="1" dirty="0">
               <a:solidFill>

--- a/docs/diagrams/UiComponentClassDiagram.pptx
+++ b/docs/diagrams/UiComponentClassDiagram.pptx
@@ -208,7 +208,7 @@
           <a:p>
             <a:fld id="{F5CC4B3F-88C1-4FFA-B1B6-F41C21DC6924}" type="datetimeFigureOut">
               <a:rPr lang="en-US" smtClean="0"/>
-              <a:t>12/15/2018</a:t>
+              <a:t>3/12/2019</a:t>
             </a:fld>
             <a:endParaRPr lang="en-US"/>
           </a:p>
@@ -654,7 +654,7 @@
           <a:p>
             <a:fld id="{78C97017-6FC3-485B-9764-EAC9E56C1D49}" type="datetimeFigureOut">
               <a:rPr lang="en-US" smtClean="0"/>
-              <a:t>12/15/2018</a:t>
+              <a:t>3/12/2019</a:t>
             </a:fld>
             <a:endParaRPr lang="en-US"/>
           </a:p>
@@ -822,7 +822,7 @@
           <a:p>
             <a:fld id="{78C97017-6FC3-485B-9764-EAC9E56C1D49}" type="datetimeFigureOut">
               <a:rPr lang="en-US" smtClean="0"/>
-              <a:t>12/15/2018</a:t>
+              <a:t>3/12/2019</a:t>
             </a:fld>
             <a:endParaRPr lang="en-US"/>
           </a:p>
@@ -1000,7 +1000,7 @@
           <a:p>
             <a:fld id="{78C97017-6FC3-485B-9764-EAC9E56C1D49}" type="datetimeFigureOut">
               <a:rPr lang="en-US" smtClean="0"/>
-              <a:t>12/15/2018</a:t>
+              <a:t>3/12/2019</a:t>
             </a:fld>
             <a:endParaRPr lang="en-US"/>
           </a:p>
@@ -1168,7 +1168,7 @@
           <a:p>
             <a:fld id="{78C97017-6FC3-485B-9764-EAC9E56C1D49}" type="datetimeFigureOut">
               <a:rPr lang="en-US" smtClean="0"/>
-              <a:t>12/15/2018</a:t>
+              <a:t>3/12/2019</a:t>
             </a:fld>
             <a:endParaRPr lang="en-US"/>
           </a:p>
@@ -1413,7 +1413,7 @@
           <a:p>
             <a:fld id="{78C97017-6FC3-485B-9764-EAC9E56C1D49}" type="datetimeFigureOut">
               <a:rPr lang="en-US" smtClean="0"/>
-              <a:t>12/15/2018</a:t>
+              <a:t>3/12/2019</a:t>
             </a:fld>
             <a:endParaRPr lang="en-US"/>
           </a:p>
@@ -1698,7 +1698,7 @@
           <a:p>
             <a:fld id="{78C97017-6FC3-485B-9764-EAC9E56C1D49}" type="datetimeFigureOut">
               <a:rPr lang="en-US" smtClean="0"/>
-              <a:t>12/15/2018</a:t>
+              <a:t>3/12/2019</a:t>
             </a:fld>
             <a:endParaRPr lang="en-US"/>
           </a:p>
@@ -2117,7 +2117,7 @@
           <a:p>
             <a:fld id="{78C97017-6FC3-485B-9764-EAC9E56C1D49}" type="datetimeFigureOut">
               <a:rPr lang="en-US" smtClean="0"/>
-              <a:t>12/15/2018</a:t>
+              <a:t>3/12/2019</a:t>
             </a:fld>
             <a:endParaRPr lang="en-US"/>
           </a:p>
@@ -2234,7 +2234,7 @@
           <a:p>
             <a:fld id="{78C97017-6FC3-485B-9764-EAC9E56C1D49}" type="datetimeFigureOut">
               <a:rPr lang="en-US" smtClean="0"/>
-              <a:t>12/15/2018</a:t>
+              <a:t>3/12/2019</a:t>
             </a:fld>
             <a:endParaRPr lang="en-US"/>
           </a:p>
@@ -2329,7 +2329,7 @@
           <a:p>
             <a:fld id="{78C97017-6FC3-485B-9764-EAC9E56C1D49}" type="datetimeFigureOut">
               <a:rPr lang="en-US" smtClean="0"/>
-              <a:t>12/15/2018</a:t>
+              <a:t>3/12/2019</a:t>
             </a:fld>
             <a:endParaRPr lang="en-US"/>
           </a:p>
@@ -2604,7 +2604,7 @@
           <a:p>
             <a:fld id="{78C97017-6FC3-485B-9764-EAC9E56C1D49}" type="datetimeFigureOut">
               <a:rPr lang="en-US" smtClean="0"/>
-              <a:t>12/15/2018</a:t>
+              <a:t>3/12/2019</a:t>
             </a:fld>
             <a:endParaRPr lang="en-US"/>
           </a:p>
@@ -2856,7 +2856,7 @@
           <a:p>
             <a:fld id="{78C97017-6FC3-485B-9764-EAC9E56C1D49}" type="datetimeFigureOut">
               <a:rPr lang="en-US" smtClean="0"/>
-              <a:t>12/15/2018</a:t>
+              <a:t>3/12/2019</a:t>
             </a:fld>
             <a:endParaRPr lang="en-US"/>
           </a:p>
@@ -3067,7 +3067,7 @@
           <a:p>
             <a:fld id="{78C97017-6FC3-485B-9764-EAC9E56C1D49}" type="datetimeFigureOut">
               <a:rPr lang="en-US" smtClean="0"/>
-              <a:t>12/15/2018</a:t>
+              <a:t>3/12/2019</a:t>
             </a:fld>
             <a:endParaRPr lang="en-US"/>
           </a:p>
@@ -4045,7 +4045,7 @@
                   </a:schemeClr>
                 </a:solidFill>
               </a:rPr>
-              <a:t>PersonListPanel</a:t>
+              <a:t>PlaceListPanel</a:t>
             </a:r>
             <a:endParaRPr lang="en-SG" sz="1050" b="1" dirty="0">
               <a:solidFill>
@@ -4105,7 +4105,7 @@
                   </a:schemeClr>
                 </a:solidFill>
               </a:rPr>
-              <a:t>PersonCard</a:t>
+              <a:t>PlaceCard</a:t>
             </a:r>
             <a:endParaRPr lang="en-SG" sz="1050" b="1" dirty="0">
               <a:solidFill>

--- a/docs/diagrams/UiComponentClassDiagram.pptx
+++ b/docs/diagrams/UiComponentClassDiagram.pptx
@@ -208,7 +208,7 @@
           <a:p>
             <a:fld id="{F5CC4B3F-88C1-4FFA-B1B6-F41C21DC6924}" type="datetimeFigureOut">
               <a:rPr lang="en-US" smtClean="0"/>
-              <a:t>12/15/2018</a:t>
+              <a:t>3/18/19</a:t>
             </a:fld>
             <a:endParaRPr lang="en-US"/>
           </a:p>
@@ -654,7 +654,7 @@
           <a:p>
             <a:fld id="{78C97017-6FC3-485B-9764-EAC9E56C1D49}" type="datetimeFigureOut">
               <a:rPr lang="en-US" smtClean="0"/>
-              <a:t>12/15/2018</a:t>
+              <a:t>3/18/19</a:t>
             </a:fld>
             <a:endParaRPr lang="en-US"/>
           </a:p>
@@ -822,7 +822,7 @@
           <a:p>
             <a:fld id="{78C97017-6FC3-485B-9764-EAC9E56C1D49}" type="datetimeFigureOut">
               <a:rPr lang="en-US" smtClean="0"/>
-              <a:t>12/15/2018</a:t>
+              <a:t>3/18/19</a:t>
             </a:fld>
             <a:endParaRPr lang="en-US"/>
           </a:p>
@@ -1000,7 +1000,7 @@
           <a:p>
             <a:fld id="{78C97017-6FC3-485B-9764-EAC9E56C1D49}" type="datetimeFigureOut">
               <a:rPr lang="en-US" smtClean="0"/>
-              <a:t>12/15/2018</a:t>
+              <a:t>3/18/19</a:t>
             </a:fld>
             <a:endParaRPr lang="en-US"/>
           </a:p>
@@ -1168,7 +1168,7 @@
           <a:p>
             <a:fld id="{78C97017-6FC3-485B-9764-EAC9E56C1D49}" type="datetimeFigureOut">
               <a:rPr lang="en-US" smtClean="0"/>
-              <a:t>12/15/2018</a:t>
+              <a:t>3/18/19</a:t>
             </a:fld>
             <a:endParaRPr lang="en-US"/>
           </a:p>
@@ -1413,7 +1413,7 @@
           <a:p>
             <a:fld id="{78C97017-6FC3-485B-9764-EAC9E56C1D49}" type="datetimeFigureOut">
               <a:rPr lang="en-US" smtClean="0"/>
-              <a:t>12/15/2018</a:t>
+              <a:t>3/18/19</a:t>
             </a:fld>
             <a:endParaRPr lang="en-US"/>
           </a:p>
@@ -1698,7 +1698,7 @@
           <a:p>
             <a:fld id="{78C97017-6FC3-485B-9764-EAC9E56C1D49}" type="datetimeFigureOut">
               <a:rPr lang="en-US" smtClean="0"/>
-              <a:t>12/15/2018</a:t>
+              <a:t>3/18/19</a:t>
             </a:fld>
             <a:endParaRPr lang="en-US"/>
           </a:p>
@@ -2117,7 +2117,7 @@
           <a:p>
             <a:fld id="{78C97017-6FC3-485B-9764-EAC9E56C1D49}" type="datetimeFigureOut">
               <a:rPr lang="en-US" smtClean="0"/>
-              <a:t>12/15/2018</a:t>
+              <a:t>3/18/19</a:t>
             </a:fld>
             <a:endParaRPr lang="en-US"/>
           </a:p>
@@ -2234,7 +2234,7 @@
           <a:p>
             <a:fld id="{78C97017-6FC3-485B-9764-EAC9E56C1D49}" type="datetimeFigureOut">
               <a:rPr lang="en-US" smtClean="0"/>
-              <a:t>12/15/2018</a:t>
+              <a:t>3/18/19</a:t>
             </a:fld>
             <a:endParaRPr lang="en-US"/>
           </a:p>
@@ -2329,7 +2329,7 @@
           <a:p>
             <a:fld id="{78C97017-6FC3-485B-9764-EAC9E56C1D49}" type="datetimeFigureOut">
               <a:rPr lang="en-US" smtClean="0"/>
-              <a:t>12/15/2018</a:t>
+              <a:t>3/18/19</a:t>
             </a:fld>
             <a:endParaRPr lang="en-US"/>
           </a:p>
@@ -2604,7 +2604,7 @@
           <a:p>
             <a:fld id="{78C97017-6FC3-485B-9764-EAC9E56C1D49}" type="datetimeFigureOut">
               <a:rPr lang="en-US" smtClean="0"/>
-              <a:t>12/15/2018</a:t>
+              <a:t>3/18/19</a:t>
             </a:fld>
             <a:endParaRPr lang="en-US"/>
           </a:p>
@@ -2856,7 +2856,7 @@
           <a:p>
             <a:fld id="{78C97017-6FC3-485B-9764-EAC9E56C1D49}" type="datetimeFigureOut">
               <a:rPr lang="en-US" smtClean="0"/>
-              <a:t>12/15/2018</a:t>
+              <a:t>3/18/19</a:t>
             </a:fld>
             <a:endParaRPr lang="en-US"/>
           </a:p>
@@ -3067,7 +3067,7 @@
           <a:p>
             <a:fld id="{78C97017-6FC3-485B-9764-EAC9E56C1D49}" type="datetimeFigureOut">
               <a:rPr lang="en-US" smtClean="0"/>
-              <a:t>12/15/2018</a:t>
+              <a:t>3/18/19</a:t>
             </a:fld>
             <a:endParaRPr lang="en-US"/>
           </a:p>
@@ -4045,7 +4045,7 @@
                   </a:schemeClr>
                 </a:solidFill>
               </a:rPr>
-              <a:t>PersonListPanel</a:t>
+              <a:t>PdfListPanel</a:t>
             </a:r>
             <a:endParaRPr lang="en-SG" sz="1050" b="1" dirty="0">
               <a:solidFill>
@@ -4105,7 +4105,7 @@
                   </a:schemeClr>
                 </a:solidFill>
               </a:rPr>
-              <a:t>PersonCard</a:t>
+              <a:t>PdfCard</a:t>
             </a:r>
             <a:endParaRPr lang="en-SG" sz="1050" b="1" dirty="0">
               <a:solidFill>

--- a/docs/diagrams/UiComponentClassDiagram.pptx
+++ b/docs/diagrams/UiComponentClassDiagram.pptx
@@ -208,7 +208,7 @@
           <a:p>
             <a:fld id="{F5CC4B3F-88C1-4FFA-B1B6-F41C21DC6924}" type="datetimeFigureOut">
               <a:rPr lang="en-US" smtClean="0"/>
-              <a:t>12/15/2018</a:t>
+              <a:t>3/19/19</a:t>
             </a:fld>
             <a:endParaRPr lang="en-US"/>
           </a:p>
@@ -475,6 +475,90 @@
 </p:notesMaster>
 </file>
 
+<file path=ppt/notesSlides/notesSlide1.xml><?xml version="1.0" encoding="utf-8"?>
+<p:notes xmlns:a="http://schemas.openxmlformats.org/drawingml/2006/main" xmlns:r="http://schemas.openxmlformats.org/officeDocument/2006/relationships" xmlns:p="http://schemas.openxmlformats.org/presentationml/2006/main">
+  <p:cSld>
+    <p:spTree>
+      <p:nvGrpSpPr>
+        <p:cNvPr id="1" name=""/>
+        <p:cNvGrpSpPr/>
+        <p:nvPr/>
+      </p:nvGrpSpPr>
+      <p:grpSpPr>
+        <a:xfrm>
+          <a:off x="0" y="0"/>
+          <a:ext cx="0" cy="0"/>
+          <a:chOff x="0" y="0"/>
+          <a:chExt cx="0" cy="0"/>
+        </a:xfrm>
+      </p:grpSpPr>
+      <p:sp>
+        <p:nvSpPr>
+          <p:cNvPr id="2" name="Slide Image Placeholder 1"/>
+          <p:cNvSpPr>
+            <a:spLocks noGrp="1" noRot="1" noChangeAspect="1"/>
+          </p:cNvSpPr>
+          <p:nvPr>
+            <p:ph type="sldImg"/>
+          </p:nvPr>
+        </p:nvSpPr>
+        <p:spPr/>
+      </p:sp>
+      <p:sp>
+        <p:nvSpPr>
+          <p:cNvPr id="3" name="Notes Placeholder 2"/>
+          <p:cNvSpPr>
+            <a:spLocks noGrp="1"/>
+          </p:cNvSpPr>
+          <p:nvPr>
+            <p:ph type="body" idx="1"/>
+          </p:nvPr>
+        </p:nvSpPr>
+        <p:spPr/>
+        <p:txBody>
+          <a:bodyPr/>
+          <a:lstStyle/>
+          <a:p>
+            <a:endParaRPr lang="en-US" dirty="0"/>
+          </a:p>
+        </p:txBody>
+      </p:sp>
+      <p:sp>
+        <p:nvSpPr>
+          <p:cNvPr id="4" name="Slide Number Placeholder 3"/>
+          <p:cNvSpPr>
+            <a:spLocks noGrp="1"/>
+          </p:cNvSpPr>
+          <p:nvPr>
+            <p:ph type="sldNum" sz="quarter" idx="5"/>
+          </p:nvPr>
+        </p:nvSpPr>
+        <p:spPr/>
+        <p:txBody>
+          <a:bodyPr/>
+          <a:lstStyle/>
+          <a:p>
+            <a:fld id="{5A7AB025-77E3-4BD1-A2FD-B3183DBA47A3}" type="slidenum">
+              <a:rPr lang="en-US" smtClean="0"/>
+              <a:t>1</a:t>
+            </a:fld>
+            <a:endParaRPr lang="en-US"/>
+          </a:p>
+        </p:txBody>
+      </p:sp>
+    </p:spTree>
+    <p:extLst>
+      <p:ext uri="{BB962C8B-B14F-4D97-AF65-F5344CB8AC3E}">
+        <p14:creationId xmlns:p14="http://schemas.microsoft.com/office/powerpoint/2010/main" val="4226777626"/>
+      </p:ext>
+    </p:extLst>
+  </p:cSld>
+  <p:clrMapOvr>
+    <a:masterClrMapping/>
+  </p:clrMapOvr>
+</p:notes>
+</file>
+
 <file path=ppt/slideLayouts/slideLayout1.xml><?xml version="1.0" encoding="utf-8"?>
 <p:sldLayout xmlns:a="http://schemas.openxmlformats.org/drawingml/2006/main" xmlns:r="http://schemas.openxmlformats.org/officeDocument/2006/relationships" xmlns:p="http://schemas.openxmlformats.org/presentationml/2006/main" type="title" preserve="1">
   <p:cSld name="Title Slide">
@@ -654,7 +738,7 @@
           <a:p>
             <a:fld id="{78C97017-6FC3-485B-9764-EAC9E56C1D49}" type="datetimeFigureOut">
               <a:rPr lang="en-US" smtClean="0"/>
-              <a:t>12/15/2018</a:t>
+              <a:t>3/19/19</a:t>
             </a:fld>
             <a:endParaRPr lang="en-US"/>
           </a:p>
@@ -822,7 +906,7 @@
           <a:p>
             <a:fld id="{78C97017-6FC3-485B-9764-EAC9E56C1D49}" type="datetimeFigureOut">
               <a:rPr lang="en-US" smtClean="0"/>
-              <a:t>12/15/2018</a:t>
+              <a:t>3/19/19</a:t>
             </a:fld>
             <a:endParaRPr lang="en-US"/>
           </a:p>
@@ -1000,7 +1084,7 @@
           <a:p>
             <a:fld id="{78C97017-6FC3-485B-9764-EAC9E56C1D49}" type="datetimeFigureOut">
               <a:rPr lang="en-US" smtClean="0"/>
-              <a:t>12/15/2018</a:t>
+              <a:t>3/19/19</a:t>
             </a:fld>
             <a:endParaRPr lang="en-US"/>
           </a:p>
@@ -1168,7 +1252,7 @@
           <a:p>
             <a:fld id="{78C97017-6FC3-485B-9764-EAC9E56C1D49}" type="datetimeFigureOut">
               <a:rPr lang="en-US" smtClean="0"/>
-              <a:t>12/15/2018</a:t>
+              <a:t>3/19/19</a:t>
             </a:fld>
             <a:endParaRPr lang="en-US"/>
           </a:p>
@@ -1413,7 +1497,7 @@
           <a:p>
             <a:fld id="{78C97017-6FC3-485B-9764-EAC9E56C1D49}" type="datetimeFigureOut">
               <a:rPr lang="en-US" smtClean="0"/>
-              <a:t>12/15/2018</a:t>
+              <a:t>3/19/19</a:t>
             </a:fld>
             <a:endParaRPr lang="en-US"/>
           </a:p>
@@ -1698,7 +1782,7 @@
           <a:p>
             <a:fld id="{78C97017-6FC3-485B-9764-EAC9E56C1D49}" type="datetimeFigureOut">
               <a:rPr lang="en-US" smtClean="0"/>
-              <a:t>12/15/2018</a:t>
+              <a:t>3/19/19</a:t>
             </a:fld>
             <a:endParaRPr lang="en-US"/>
           </a:p>
@@ -2117,7 +2201,7 @@
           <a:p>
             <a:fld id="{78C97017-6FC3-485B-9764-EAC9E56C1D49}" type="datetimeFigureOut">
               <a:rPr lang="en-US" smtClean="0"/>
-              <a:t>12/15/2018</a:t>
+              <a:t>3/19/19</a:t>
             </a:fld>
             <a:endParaRPr lang="en-US"/>
           </a:p>
@@ -2234,7 +2318,7 @@
           <a:p>
             <a:fld id="{78C97017-6FC3-485B-9764-EAC9E56C1D49}" type="datetimeFigureOut">
               <a:rPr lang="en-US" smtClean="0"/>
-              <a:t>12/15/2018</a:t>
+              <a:t>3/19/19</a:t>
             </a:fld>
             <a:endParaRPr lang="en-US"/>
           </a:p>
@@ -2329,7 +2413,7 @@
           <a:p>
             <a:fld id="{78C97017-6FC3-485B-9764-EAC9E56C1D49}" type="datetimeFigureOut">
               <a:rPr lang="en-US" smtClean="0"/>
-              <a:t>12/15/2018</a:t>
+              <a:t>3/19/19</a:t>
             </a:fld>
             <a:endParaRPr lang="en-US"/>
           </a:p>
@@ -2604,7 +2688,7 @@
           <a:p>
             <a:fld id="{78C97017-6FC3-485B-9764-EAC9E56C1D49}" type="datetimeFigureOut">
               <a:rPr lang="en-US" smtClean="0"/>
-              <a:t>12/15/2018</a:t>
+              <a:t>3/19/19</a:t>
             </a:fld>
             <a:endParaRPr lang="en-US"/>
           </a:p>
@@ -2856,7 +2940,7 @@
           <a:p>
             <a:fld id="{78C97017-6FC3-485B-9764-EAC9E56C1D49}" type="datetimeFigureOut">
               <a:rPr lang="en-US" smtClean="0"/>
-              <a:t>12/15/2018</a:t>
+              <a:t>3/19/19</a:t>
             </a:fld>
             <a:endParaRPr lang="en-US"/>
           </a:p>
@@ -3067,7 +3151,7 @@
           <a:p>
             <a:fld id="{78C97017-6FC3-485B-9764-EAC9E56C1D49}" type="datetimeFigureOut">
               <a:rPr lang="en-US" smtClean="0"/>
-              <a:t>12/15/2018</a:t>
+              <a:t>3/19/19</a:t>
             </a:fld>
             <a:endParaRPr lang="en-US"/>
           </a:p>
@@ -3450,8 +3534,8 @@
         </p:nvSpPr>
         <p:spPr>
           <a:xfrm>
-            <a:off x="1217465" y="1447800"/>
-            <a:ext cx="4917083" cy="3962400"/>
+            <a:off x="1217465" y="1447799"/>
+            <a:ext cx="4917083" cy="4343397"/>
           </a:xfrm>
           <a:prstGeom prst="roundRect">
             <a:avLst>
@@ -3573,7 +3657,7 @@
         <p:spPr>
           <a:xfrm>
             <a:off x="2592528" y="2971800"/>
-            <a:ext cx="1093635" cy="236841"/>
+            <a:ext cx="1330212" cy="236841"/>
           </a:xfrm>
           <a:prstGeom prst="rect">
             <a:avLst/>
@@ -3886,7 +3970,7 @@
         <p:spPr>
           <a:xfrm>
             <a:off x="2592528" y="3649359"/>
-            <a:ext cx="1093635" cy="236841"/>
+            <a:ext cx="1330212" cy="236841"/>
           </a:xfrm>
           <a:prstGeom prst="rect">
             <a:avLst/>
@@ -3945,8 +4029,8 @@
         </p:nvSpPr>
         <p:spPr>
           <a:xfrm>
-            <a:off x="2592527" y="4563759"/>
-            <a:ext cx="1093635" cy="236841"/>
+            <a:off x="2592527" y="4923518"/>
+            <a:ext cx="1330212" cy="236841"/>
           </a:xfrm>
           <a:prstGeom prst="rect">
             <a:avLst/>
@@ -4006,7 +4090,7 @@
         <p:spPr>
           <a:xfrm>
             <a:off x="2592526" y="3991960"/>
-            <a:ext cx="1093635" cy="236841"/>
+            <a:ext cx="1330212" cy="236841"/>
           </a:xfrm>
           <a:prstGeom prst="rect">
             <a:avLst/>
@@ -4045,7 +4129,7 @@
                   </a:schemeClr>
                 </a:solidFill>
               </a:rPr>
-              <a:t>PersonListPanel</a:t>
+              <a:t>RestaurantListPanel</a:t>
             </a:r>
             <a:endParaRPr lang="en-SG" sz="1050" b="1" dirty="0">
               <a:solidFill>
@@ -4065,8 +4149,8 @@
         </p:nvSpPr>
         <p:spPr>
           <a:xfrm>
-            <a:off x="3839323" y="4228801"/>
-            <a:ext cx="1040906" cy="236841"/>
+            <a:off x="4106821" y="4228801"/>
+            <a:ext cx="1150979" cy="236841"/>
           </a:xfrm>
           <a:prstGeom prst="rect">
             <a:avLst/>
@@ -4105,7 +4189,7 @@
                   </a:schemeClr>
                 </a:solidFill>
               </a:rPr>
-              <a:t>PersonCard</a:t>
+              <a:t>RestaurantCard</a:t>
             </a:r>
             <a:endParaRPr lang="en-SG" sz="1050" b="1" dirty="0">
               <a:solidFill>
@@ -4125,8 +4209,8 @@
         </p:nvSpPr>
         <p:spPr>
           <a:xfrm>
-            <a:off x="2592528" y="4966000"/>
-            <a:ext cx="1093635" cy="236841"/>
+            <a:off x="2592528" y="5325759"/>
+            <a:ext cx="1330212" cy="236841"/>
           </a:xfrm>
           <a:prstGeom prst="rect">
             <a:avLst/>
@@ -4229,6 +4313,7 @@
         <p:nvCxnSpPr>
           <p:cNvPr id="40" name="Elbow Connector 63"/>
           <p:cNvCxnSpPr>
+            <a:cxnSpLocks/>
             <a:stCxn id="39" idx="2"/>
             <a:endCxn id="3" idx="1"/>
           </p:cNvCxnSpPr>
@@ -4275,7 +4360,7 @@
         <p:spPr>
           <a:xfrm>
             <a:off x="2590799" y="3304308"/>
-            <a:ext cx="1095361" cy="236841"/>
+            <a:ext cx="1332312" cy="236841"/>
           </a:xfrm>
           <a:prstGeom prst="rect">
             <a:avLst/>
@@ -4330,6 +4415,7 @@
         <p:nvCxnSpPr>
           <p:cNvPr id="44" name="Elbow Connector 63"/>
           <p:cNvCxnSpPr>
+            <a:cxnSpLocks/>
             <a:stCxn id="39" idx="2"/>
             <a:endCxn id="34" idx="1"/>
           </p:cNvCxnSpPr>
@@ -4371,6 +4457,7 @@
         <p:nvCxnSpPr>
           <p:cNvPr id="47" name="Elbow Connector 63"/>
           <p:cNvCxnSpPr>
+            <a:cxnSpLocks/>
             <a:stCxn id="39" idx="2"/>
             <a:endCxn id="36" idx="1"/>
           </p:cNvCxnSpPr>
@@ -4412,6 +4499,7 @@
         <p:nvCxnSpPr>
           <p:cNvPr id="50" name="Elbow Connector 63"/>
           <p:cNvCxnSpPr>
+            <a:cxnSpLocks/>
             <a:stCxn id="39" idx="2"/>
             <a:endCxn id="35" idx="1"/>
           </p:cNvCxnSpPr>
@@ -4419,8 +4507,8 @@
         </p:nvCxnSpPr>
         <p:spPr>
           <a:xfrm rot="16200000" flipH="1">
-            <a:off x="1597249" y="3686901"/>
-            <a:ext cx="1814155" cy="176401"/>
+            <a:off x="1417369" y="3866781"/>
+            <a:ext cx="2173914" cy="176401"/>
           </a:xfrm>
           <a:prstGeom prst="bentConnector2">
             <a:avLst/>
@@ -4453,14 +4541,15 @@
         <p:nvCxnSpPr>
           <p:cNvPr id="53" name="Elbow Connector 63"/>
           <p:cNvCxnSpPr>
+            <a:cxnSpLocks/>
             <a:endCxn id="38" idx="1"/>
           </p:cNvCxnSpPr>
           <p:nvPr/>
         </p:nvCxnSpPr>
         <p:spPr>
           <a:xfrm rot="16200000" flipH="1">
-            <a:off x="1184119" y="3676012"/>
-            <a:ext cx="2396440" cy="420377"/>
+            <a:off x="1040253" y="3891905"/>
+            <a:ext cx="2756200" cy="348350"/>
           </a:xfrm>
           <a:prstGeom prst="bentConnector2">
             <a:avLst/>
@@ -4572,6 +4661,7 @@
         <p:nvCxnSpPr>
           <p:cNvPr id="74" name="Elbow Connector 63"/>
           <p:cNvCxnSpPr>
+            <a:cxnSpLocks/>
             <a:stCxn id="43" idx="3"/>
             <a:endCxn id="16" idx="3"/>
           </p:cNvCxnSpPr>
@@ -4579,8 +4669,8 @@
         </p:nvCxnSpPr>
         <p:spPr>
           <a:xfrm flipV="1">
-            <a:off x="3686160" y="2286000"/>
-            <a:ext cx="1843809" cy="1136729"/>
+            <a:off x="3923111" y="2286000"/>
+            <a:ext cx="1606858" cy="1136729"/>
           </a:xfrm>
           <a:prstGeom prst="bentConnector2">
             <a:avLst/>
@@ -4613,6 +4703,7 @@
         <p:nvCxnSpPr>
           <p:cNvPr id="77" name="Elbow Connector 63"/>
           <p:cNvCxnSpPr>
+            <a:cxnSpLocks/>
             <a:stCxn id="16" idx="3"/>
             <a:endCxn id="37" idx="3"/>
           </p:cNvCxnSpPr>
@@ -4620,8 +4711,8 @@
         </p:nvCxnSpPr>
         <p:spPr>
           <a:xfrm rot="5400000">
-            <a:off x="4174488" y="2991741"/>
-            <a:ext cx="2061222" cy="649740"/>
+            <a:off x="4363274" y="3180527"/>
+            <a:ext cx="2061222" cy="272169"/>
           </a:xfrm>
           <a:prstGeom prst="bentConnector2">
             <a:avLst/>
@@ -4654,6 +4745,7 @@
         <p:nvCxnSpPr>
           <p:cNvPr id="82" name="Elbow Connector 63"/>
           <p:cNvCxnSpPr>
+            <a:cxnSpLocks/>
             <a:stCxn id="16" idx="3"/>
             <a:endCxn id="34" idx="3"/>
           </p:cNvCxnSpPr>
@@ -4661,8 +4753,8 @@
         </p:nvCxnSpPr>
         <p:spPr>
           <a:xfrm rot="5400000">
-            <a:off x="3867176" y="2104987"/>
-            <a:ext cx="1481780" cy="1843806"/>
+            <a:off x="3985465" y="2223276"/>
+            <a:ext cx="1481780" cy="1607229"/>
           </a:xfrm>
           <a:prstGeom prst="bentConnector2">
             <a:avLst/>
@@ -4736,6 +4828,7 @@
         <p:nvCxnSpPr>
           <p:cNvPr id="91" name="Elbow Connector 63"/>
           <p:cNvCxnSpPr>
+            <a:cxnSpLocks/>
             <a:stCxn id="16" idx="3"/>
             <a:endCxn id="35" idx="3"/>
           </p:cNvCxnSpPr>
@@ -4743,8 +4836,8 @@
         </p:nvCxnSpPr>
         <p:spPr>
           <a:xfrm rot="5400000">
-            <a:off x="3409976" y="2562187"/>
-            <a:ext cx="2396180" cy="1843807"/>
+            <a:off x="3348385" y="2860354"/>
+            <a:ext cx="2755939" cy="1607230"/>
           </a:xfrm>
           <a:prstGeom prst="bentConnector2">
             <a:avLst/>
@@ -4777,6 +4870,7 @@
         <p:nvCxnSpPr>
           <p:cNvPr id="94" name="Elbow Connector 63"/>
           <p:cNvCxnSpPr>
+            <a:cxnSpLocks/>
             <a:stCxn id="16" idx="3"/>
             <a:endCxn id="38" idx="3"/>
           </p:cNvCxnSpPr>
@@ -4784,8 +4878,8 @@
         </p:nvCxnSpPr>
         <p:spPr>
           <a:xfrm rot="5400000">
-            <a:off x="3208856" y="2763307"/>
-            <a:ext cx="2798421" cy="1843806"/>
+            <a:off x="3147265" y="3061476"/>
+            <a:ext cx="3158180" cy="1607229"/>
           </a:xfrm>
           <a:prstGeom prst="bentConnector2">
             <a:avLst/>
@@ -5079,6 +5173,7 @@
         <p:nvCxnSpPr>
           <p:cNvPr id="131" name="Elbow Connector 130"/>
           <p:cNvCxnSpPr>
+            <a:cxnSpLocks/>
             <a:stCxn id="39" idx="2"/>
             <a:endCxn id="43" idx="1"/>
           </p:cNvCxnSpPr>
@@ -5120,6 +5215,7 @@
         <p:nvCxnSpPr>
           <p:cNvPr id="132" name="Elbow Connector 63"/>
           <p:cNvCxnSpPr>
+            <a:cxnSpLocks/>
             <a:stCxn id="16" idx="3"/>
             <a:endCxn id="3" idx="3"/>
           </p:cNvCxnSpPr>
@@ -5127,8 +5223,8 @@
         </p:nvCxnSpPr>
         <p:spPr>
           <a:xfrm rot="5400000">
-            <a:off x="4205956" y="1766207"/>
-            <a:ext cx="804221" cy="1843806"/>
+            <a:off x="4324245" y="1884496"/>
+            <a:ext cx="804221" cy="1607229"/>
           </a:xfrm>
           <a:prstGeom prst="bentConnector2">
             <a:avLst/>
@@ -5161,6 +5257,7 @@
         <p:nvCxnSpPr>
           <p:cNvPr id="137" name="Elbow Connector 136"/>
           <p:cNvCxnSpPr>
+            <a:cxnSpLocks/>
             <a:stCxn id="36" idx="2"/>
             <a:endCxn id="37" idx="1"/>
           </p:cNvCxnSpPr>
@@ -5168,8 +5265,8 @@
         </p:nvCxnSpPr>
         <p:spPr>
           <a:xfrm rot="16200000" flipH="1">
-            <a:off x="3430123" y="3938021"/>
-            <a:ext cx="118421" cy="699979"/>
+            <a:off x="3623016" y="3863416"/>
+            <a:ext cx="118421" cy="849189"/>
           </a:xfrm>
           <a:prstGeom prst="bentConnector2">
             <a:avLst/>
@@ -5202,6 +5299,7 @@
         <p:nvCxnSpPr>
           <p:cNvPr id="140" name="Elbow Connector 63"/>
           <p:cNvCxnSpPr>
+            <a:cxnSpLocks/>
             <a:stCxn id="16" idx="3"/>
             <a:endCxn id="36" idx="3"/>
           </p:cNvCxnSpPr>
@@ -5209,8 +5307,8 @@
         </p:nvCxnSpPr>
         <p:spPr>
           <a:xfrm rot="5400000">
-            <a:off x="3695875" y="2276286"/>
-            <a:ext cx="1824381" cy="1843808"/>
+            <a:off x="3814164" y="2394575"/>
+            <a:ext cx="1824381" cy="1607231"/>
           </a:xfrm>
           <a:prstGeom prst="bentConnector2">
             <a:avLst/>
@@ -5435,8 +5533,8 @@
         </p:nvSpPr>
         <p:spPr>
           <a:xfrm flipV="1">
-            <a:off x="4114799" y="4472708"/>
-            <a:ext cx="2642195" cy="101600"/>
+            <a:off x="4343116" y="4472707"/>
+            <a:ext cx="2413878" cy="69722"/>
           </a:xfrm>
           <a:custGeom>
             <a:avLst/>
@@ -5509,6 +5607,326 @@
           </a:p>
         </p:txBody>
       </p:sp>
+      <p:cxnSp>
+        <p:nvCxnSpPr>
+          <p:cNvPr id="56" name="Elbow Connector 63">
+            <a:extLst>
+              <a:ext uri="{FF2B5EF4-FFF2-40B4-BE49-F238E27FC236}">
+                <a16:creationId xmlns:a16="http://schemas.microsoft.com/office/drawing/2014/main" id="{50238E67-E726-994F-B72B-0857B8359649}"/>
+              </a:ext>
+            </a:extLst>
+          </p:cNvPr>
+          <p:cNvCxnSpPr>
+            <a:cxnSpLocks/>
+          </p:cNvCxnSpPr>
+          <p:nvPr/>
+        </p:nvCxnSpPr>
+        <p:spPr>
+          <a:xfrm rot="16200000" flipH="1">
+            <a:off x="1598654" y="3636873"/>
+            <a:ext cx="1806868" cy="171924"/>
+          </a:xfrm>
+          <a:prstGeom prst="bentConnector3">
+            <a:avLst>
+              <a:gd name="adj1" fmla="val 100085"/>
+            </a:avLst>
+          </a:prstGeom>
+          <a:ln w="19050">
+            <a:solidFill>
+              <a:schemeClr val="accent3"/>
+            </a:solidFill>
+            <a:headEnd type="none" w="med" len="med"/>
+            <a:tailEnd type="arrow" w="med" len="med"/>
+          </a:ln>
+          <a:effectLst/>
+        </p:spPr>
+        <p:style>
+          <a:lnRef idx="1">
+            <a:schemeClr val="accent2"/>
+          </a:lnRef>
+          <a:fillRef idx="2">
+            <a:schemeClr val="accent2"/>
+          </a:fillRef>
+          <a:effectRef idx="1">
+            <a:schemeClr val="accent2"/>
+          </a:effectRef>
+          <a:fontRef idx="minor">
+            <a:schemeClr val="dk1"/>
+          </a:fontRef>
+        </p:style>
+      </p:cxnSp>
+      <p:sp>
+        <p:nvSpPr>
+          <p:cNvPr id="62" name="Rectangle 11">
+            <a:extLst>
+              <a:ext uri="{FF2B5EF4-FFF2-40B4-BE49-F238E27FC236}">
+                <a16:creationId xmlns:a16="http://schemas.microsoft.com/office/drawing/2014/main" id="{0F41A884-9DA3-6B41-8974-344ED0282CA4}"/>
+              </a:ext>
+            </a:extLst>
+          </p:cNvPr>
+          <p:cNvSpPr/>
+          <p:nvPr/>
+        </p:nvSpPr>
+        <p:spPr>
+          <a:xfrm>
+            <a:off x="2592526" y="4495800"/>
+            <a:ext cx="1330212" cy="236841"/>
+          </a:xfrm>
+          <a:prstGeom prst="rect">
+            <a:avLst/>
+          </a:prstGeom>
+          <a:ln w="19050">
+            <a:solidFill>
+              <a:schemeClr val="accent3"/>
+            </a:solidFill>
+          </a:ln>
+          <a:effectLst/>
+        </p:spPr>
+        <p:style>
+          <a:lnRef idx="1">
+            <a:schemeClr val="accent3"/>
+          </a:lnRef>
+          <a:fillRef idx="2">
+            <a:schemeClr val="accent3"/>
+          </a:fillRef>
+          <a:effectRef idx="1">
+            <a:schemeClr val="accent3"/>
+          </a:effectRef>
+          <a:fontRef idx="minor">
+            <a:schemeClr val="dk1"/>
+          </a:fontRef>
+        </p:style>
+        <p:txBody>
+          <a:bodyPr rtlCol="0" anchor="ctr"/>
+          <a:lstStyle/>
+          <a:p>
+            <a:pPr algn="ctr"/>
+            <a:r>
+              <a:rPr lang="en-US" sz="1050" b="1" dirty="0" err="1">
+                <a:solidFill>
+                  <a:schemeClr val="accent3">
+                    <a:lumMod val="75000"/>
+                  </a:schemeClr>
+                </a:solidFill>
+              </a:rPr>
+              <a:t>ReviewListPanel</a:t>
+            </a:r>
+            <a:endParaRPr lang="en-SG" sz="1050" b="1" dirty="0">
+              <a:solidFill>
+                <a:schemeClr val="accent3">
+                  <a:lumMod val="75000"/>
+                </a:schemeClr>
+              </a:solidFill>
+            </a:endParaRPr>
+          </a:p>
+        </p:txBody>
+      </p:sp>
+      <p:sp>
+        <p:nvSpPr>
+          <p:cNvPr id="63" name="Rectangle 11">
+            <a:extLst>
+              <a:ext uri="{FF2B5EF4-FFF2-40B4-BE49-F238E27FC236}">
+                <a16:creationId xmlns:a16="http://schemas.microsoft.com/office/drawing/2014/main" id="{DE6617E1-DB63-264B-AE80-CC5E796E05D6}"/>
+              </a:ext>
+            </a:extLst>
+          </p:cNvPr>
+          <p:cNvSpPr/>
+          <p:nvPr/>
+        </p:nvSpPr>
+        <p:spPr>
+          <a:xfrm>
+            <a:off x="4106821" y="4732641"/>
+            <a:ext cx="1150979" cy="236841"/>
+          </a:xfrm>
+          <a:prstGeom prst="rect">
+            <a:avLst/>
+          </a:prstGeom>
+          <a:ln w="19050">
+            <a:solidFill>
+              <a:schemeClr val="accent3"/>
+            </a:solidFill>
+          </a:ln>
+          <a:effectLst/>
+        </p:spPr>
+        <p:style>
+          <a:lnRef idx="1">
+            <a:schemeClr val="accent3"/>
+          </a:lnRef>
+          <a:fillRef idx="2">
+            <a:schemeClr val="accent3"/>
+          </a:fillRef>
+          <a:effectRef idx="1">
+            <a:schemeClr val="accent3"/>
+          </a:effectRef>
+          <a:fontRef idx="minor">
+            <a:schemeClr val="dk1"/>
+          </a:fontRef>
+        </p:style>
+        <p:txBody>
+          <a:bodyPr rtlCol="0" anchor="ctr"/>
+          <a:lstStyle/>
+          <a:p>
+            <a:pPr algn="ctr"/>
+            <a:r>
+              <a:rPr lang="en-US" sz="1050" b="1" dirty="0" err="1">
+                <a:solidFill>
+                  <a:schemeClr val="accent3">
+                    <a:lumMod val="75000"/>
+                  </a:schemeClr>
+                </a:solidFill>
+              </a:rPr>
+              <a:t>ReviewCard</a:t>
+            </a:r>
+            <a:endParaRPr lang="en-SG" sz="1050" b="1" dirty="0">
+              <a:solidFill>
+                <a:schemeClr val="accent3">
+                  <a:lumMod val="75000"/>
+                </a:schemeClr>
+              </a:solidFill>
+            </a:endParaRPr>
+          </a:p>
+        </p:txBody>
+      </p:sp>
+      <p:cxnSp>
+        <p:nvCxnSpPr>
+          <p:cNvPr id="64" name="Elbow Connector 63">
+            <a:extLst>
+              <a:ext uri="{FF2B5EF4-FFF2-40B4-BE49-F238E27FC236}">
+                <a16:creationId xmlns:a16="http://schemas.microsoft.com/office/drawing/2014/main" id="{31DCEF39-19E2-B64F-856C-E7BB1F85F63C}"/>
+              </a:ext>
+            </a:extLst>
+          </p:cNvPr>
+          <p:cNvCxnSpPr>
+            <a:cxnSpLocks/>
+            <a:stCxn id="62" idx="2"/>
+            <a:endCxn id="63" idx="1"/>
+          </p:cNvCxnSpPr>
+          <p:nvPr/>
+        </p:nvCxnSpPr>
+        <p:spPr>
+          <a:xfrm rot="16200000" flipH="1">
+            <a:off x="3623016" y="4367256"/>
+            <a:ext cx="118421" cy="849189"/>
+          </a:xfrm>
+          <a:prstGeom prst="bentConnector2">
+            <a:avLst/>
+          </a:prstGeom>
+          <a:ln w="19050">
+            <a:solidFill>
+              <a:schemeClr val="accent3"/>
+            </a:solidFill>
+            <a:headEnd type="none" w="med" len="med"/>
+            <a:tailEnd type="arrow" w="med" len="med"/>
+          </a:ln>
+          <a:effectLst/>
+        </p:spPr>
+        <p:style>
+          <a:lnRef idx="1">
+            <a:schemeClr val="accent2"/>
+          </a:lnRef>
+          <a:fillRef idx="2">
+            <a:schemeClr val="accent2"/>
+          </a:fillRef>
+          <a:effectRef idx="1">
+            <a:schemeClr val="accent2"/>
+          </a:effectRef>
+          <a:fontRef idx="minor">
+            <a:schemeClr val="dk1"/>
+          </a:fontRef>
+        </p:style>
+      </p:cxnSp>
+      <p:cxnSp>
+        <p:nvCxnSpPr>
+          <p:cNvPr id="68" name="Elbow Connector 63">
+            <a:extLst>
+              <a:ext uri="{FF2B5EF4-FFF2-40B4-BE49-F238E27FC236}">
+                <a16:creationId xmlns:a16="http://schemas.microsoft.com/office/drawing/2014/main" id="{2F4829D8-8A56-6F49-BFBB-DC878A4024AB}"/>
+              </a:ext>
+            </a:extLst>
+          </p:cNvPr>
+          <p:cNvCxnSpPr>
+            <a:cxnSpLocks/>
+          </p:cNvCxnSpPr>
+          <p:nvPr/>
+        </p:nvCxnSpPr>
+        <p:spPr>
+          <a:xfrm rot="5400000">
+            <a:off x="4363273" y="3685031"/>
+            <a:ext cx="2061222" cy="272169"/>
+          </a:xfrm>
+          <a:prstGeom prst="bentConnector2">
+            <a:avLst/>
+          </a:prstGeom>
+          <a:ln w="6350">
+            <a:solidFill>
+              <a:schemeClr val="accent3"/>
+            </a:solidFill>
+            <a:headEnd type="none" w="med" len="med"/>
+            <a:tailEnd type="none" w="med" len="med"/>
+          </a:ln>
+          <a:effectLst/>
+        </p:spPr>
+        <p:style>
+          <a:lnRef idx="1">
+            <a:schemeClr val="accent2"/>
+          </a:lnRef>
+          <a:fillRef idx="2">
+            <a:schemeClr val="accent2"/>
+          </a:fillRef>
+          <a:effectRef idx="1">
+            <a:schemeClr val="accent2"/>
+          </a:effectRef>
+          <a:fontRef idx="minor">
+            <a:schemeClr val="dk1"/>
+          </a:fontRef>
+        </p:style>
+      </p:cxnSp>
+      <p:cxnSp>
+        <p:nvCxnSpPr>
+          <p:cNvPr id="69" name="Elbow Connector 63">
+            <a:extLst>
+              <a:ext uri="{FF2B5EF4-FFF2-40B4-BE49-F238E27FC236}">
+                <a16:creationId xmlns:a16="http://schemas.microsoft.com/office/drawing/2014/main" id="{4D7FE456-8552-6A41-84F6-DE574F2BDF5B}"/>
+              </a:ext>
+            </a:extLst>
+          </p:cNvPr>
+          <p:cNvCxnSpPr>
+            <a:cxnSpLocks/>
+          </p:cNvCxnSpPr>
+          <p:nvPr/>
+        </p:nvCxnSpPr>
+        <p:spPr>
+          <a:xfrm rot="5400000">
+            <a:off x="3814163" y="2900995"/>
+            <a:ext cx="1824381" cy="1607231"/>
+          </a:xfrm>
+          <a:prstGeom prst="bentConnector2">
+            <a:avLst/>
+          </a:prstGeom>
+          <a:ln w="6350">
+            <a:solidFill>
+              <a:schemeClr val="accent3"/>
+            </a:solidFill>
+            <a:headEnd type="none" w="med" len="med"/>
+            <a:tailEnd type="none" w="med" len="med"/>
+          </a:ln>
+          <a:effectLst/>
+        </p:spPr>
+        <p:style>
+          <a:lnRef idx="1">
+            <a:schemeClr val="accent2"/>
+          </a:lnRef>
+          <a:fillRef idx="2">
+            <a:schemeClr val="accent2"/>
+          </a:fillRef>
+          <a:effectRef idx="1">
+            <a:schemeClr val="accent2"/>
+          </a:effectRef>
+          <a:fontRef idx="minor">
+            <a:schemeClr val="dk1"/>
+          </a:fontRef>
+        </p:style>
+      </p:cxnSp>
     </p:spTree>
     <p:extLst>
       <p:ext uri="{BB962C8B-B14F-4D97-AF65-F5344CB8AC3E}">

--- a/docs/diagrams/UiComponentClassDiagram.pptx
+++ b/docs/diagrams/UiComponentClassDiagram.pptx
@@ -208,7 +208,7 @@
           <a:p>
             <a:fld id="{F5CC4B3F-88C1-4FFA-B1B6-F41C21DC6924}" type="datetimeFigureOut">
               <a:rPr lang="en-US" smtClean="0"/>
-              <a:t>3/4/2019</a:t>
+              <a:t>3/22/19</a:t>
             </a:fld>
             <a:endParaRPr lang="en-US"/>
           </a:p>
@@ -654,7 +654,7 @@
           <a:p>
             <a:fld id="{78C97017-6FC3-485B-9764-EAC9E56C1D49}" type="datetimeFigureOut">
               <a:rPr lang="en-US" smtClean="0"/>
-              <a:t>3/4/2019</a:t>
+              <a:t>3/22/19</a:t>
             </a:fld>
             <a:endParaRPr lang="en-US"/>
           </a:p>
@@ -822,7 +822,7 @@
           <a:p>
             <a:fld id="{78C97017-6FC3-485B-9764-EAC9E56C1D49}" type="datetimeFigureOut">
               <a:rPr lang="en-US" smtClean="0"/>
-              <a:t>3/4/2019</a:t>
+              <a:t>3/22/19</a:t>
             </a:fld>
             <a:endParaRPr lang="en-US"/>
           </a:p>
@@ -1000,7 +1000,7 @@
           <a:p>
             <a:fld id="{78C97017-6FC3-485B-9764-EAC9E56C1D49}" type="datetimeFigureOut">
               <a:rPr lang="en-US" smtClean="0"/>
-              <a:t>3/4/2019</a:t>
+              <a:t>3/22/19</a:t>
             </a:fld>
             <a:endParaRPr lang="en-US"/>
           </a:p>
@@ -1168,7 +1168,7 @@
           <a:p>
             <a:fld id="{78C97017-6FC3-485B-9764-EAC9E56C1D49}" type="datetimeFigureOut">
               <a:rPr lang="en-US" smtClean="0"/>
-              <a:t>3/4/2019</a:t>
+              <a:t>3/22/19</a:t>
             </a:fld>
             <a:endParaRPr lang="en-US"/>
           </a:p>
@@ -1413,7 +1413,7 @@
           <a:p>
             <a:fld id="{78C97017-6FC3-485B-9764-EAC9E56C1D49}" type="datetimeFigureOut">
               <a:rPr lang="en-US" smtClean="0"/>
-              <a:t>3/4/2019</a:t>
+              <a:t>3/22/19</a:t>
             </a:fld>
             <a:endParaRPr lang="en-US"/>
           </a:p>
@@ -1698,7 +1698,7 @@
           <a:p>
             <a:fld id="{78C97017-6FC3-485B-9764-EAC9E56C1D49}" type="datetimeFigureOut">
               <a:rPr lang="en-US" smtClean="0"/>
-              <a:t>3/4/2019</a:t>
+              <a:t>3/22/19</a:t>
             </a:fld>
             <a:endParaRPr lang="en-US"/>
           </a:p>
@@ -2117,7 +2117,7 @@
           <a:p>
             <a:fld id="{78C97017-6FC3-485B-9764-EAC9E56C1D49}" type="datetimeFigureOut">
               <a:rPr lang="en-US" smtClean="0"/>
-              <a:t>3/4/2019</a:t>
+              <a:t>3/22/19</a:t>
             </a:fld>
             <a:endParaRPr lang="en-US"/>
           </a:p>
@@ -2234,7 +2234,7 @@
           <a:p>
             <a:fld id="{78C97017-6FC3-485B-9764-EAC9E56C1D49}" type="datetimeFigureOut">
               <a:rPr lang="en-US" smtClean="0"/>
-              <a:t>3/4/2019</a:t>
+              <a:t>3/22/19</a:t>
             </a:fld>
             <a:endParaRPr lang="en-US"/>
           </a:p>
@@ -2329,7 +2329,7 @@
           <a:p>
             <a:fld id="{78C97017-6FC3-485B-9764-EAC9E56C1D49}" type="datetimeFigureOut">
               <a:rPr lang="en-US" smtClean="0"/>
-              <a:t>3/4/2019</a:t>
+              <a:t>3/22/19</a:t>
             </a:fld>
             <a:endParaRPr lang="en-US"/>
           </a:p>
@@ -2604,7 +2604,7 @@
           <a:p>
             <a:fld id="{78C97017-6FC3-485B-9764-EAC9E56C1D49}" type="datetimeFigureOut">
               <a:rPr lang="en-US" smtClean="0"/>
-              <a:t>3/4/2019</a:t>
+              <a:t>3/22/19</a:t>
             </a:fld>
             <a:endParaRPr lang="en-US"/>
           </a:p>
@@ -2856,7 +2856,7 @@
           <a:p>
             <a:fld id="{78C97017-6FC3-485B-9764-EAC9E56C1D49}" type="datetimeFigureOut">
               <a:rPr lang="en-US" smtClean="0"/>
-              <a:t>3/4/2019</a:t>
+              <a:t>3/22/19</a:t>
             </a:fld>
             <a:endParaRPr lang="en-US"/>
           </a:p>
@@ -3067,7 +3067,7 @@
           <a:p>
             <a:fld id="{78C97017-6FC3-485B-9764-EAC9E56C1D49}" type="datetimeFigureOut">
               <a:rPr lang="en-US" smtClean="0"/>
-              <a:t>3/4/2019</a:t>
+              <a:t>3/22/19</a:t>
             </a:fld>
             <a:endParaRPr lang="en-US"/>
           </a:p>
@@ -3885,8 +3885,8 @@
         </p:nvSpPr>
         <p:spPr>
           <a:xfrm>
-            <a:off x="2592528" y="3649359"/>
-            <a:ext cx="1093635" cy="236841"/>
+            <a:off x="2592527" y="3649359"/>
+            <a:ext cx="1246795" cy="236841"/>
           </a:xfrm>
           <a:prstGeom prst="rect">
             <a:avLst/>
@@ -3925,7 +3925,7 @@
                   </a:schemeClr>
                 </a:solidFill>
               </a:rPr>
-              <a:t>BrowserPanel</a:t>
+              <a:t>BookBrowserPanel</a:t>
             </a:r>
             <a:endParaRPr lang="en-SG" sz="1050" b="1" dirty="0">
               <a:solidFill>
@@ -4330,6 +4330,7 @@
         <p:nvCxnSpPr>
           <p:cNvPr id="44" name="Elbow Connector 63"/>
           <p:cNvCxnSpPr>
+            <a:cxnSpLocks/>
             <a:stCxn id="39" idx="2"/>
             <a:endCxn id="34" idx="1"/>
           </p:cNvCxnSpPr>
@@ -4337,8 +4338,8 @@
         </p:nvCxnSpPr>
         <p:spPr>
           <a:xfrm rot="16200000" flipH="1">
-            <a:off x="2054450" y="3229701"/>
-            <a:ext cx="899755" cy="176402"/>
+            <a:off x="2054449" y="3229701"/>
+            <a:ext cx="899755" cy="176401"/>
           </a:xfrm>
           <a:prstGeom prst="bentConnector2">
             <a:avLst/>
@@ -4654,6 +4655,7 @@
         <p:nvCxnSpPr>
           <p:cNvPr id="82" name="Elbow Connector 63"/>
           <p:cNvCxnSpPr>
+            <a:cxnSpLocks/>
             <a:stCxn id="16" idx="3"/>
             <a:endCxn id="34" idx="3"/>
           </p:cNvCxnSpPr>
@@ -4661,8 +4663,8 @@
         </p:nvCxnSpPr>
         <p:spPr>
           <a:xfrm rot="5400000">
-            <a:off x="3867176" y="2104987"/>
-            <a:ext cx="1481780" cy="1843806"/>
+            <a:off x="3943756" y="2181567"/>
+            <a:ext cx="1481780" cy="1690647"/>
           </a:xfrm>
           <a:prstGeom prst="bentConnector2">
             <a:avLst/>

--- a/docs/diagrams/UiComponentClassDiagram.pptx
+++ b/docs/diagrams/UiComponentClassDiagram.pptx
@@ -208,7 +208,7 @@
           <a:p>
             <a:fld id="{F5CC4B3F-88C1-4FFA-B1B6-F41C21DC6924}" type="datetimeFigureOut">
               <a:rPr lang="en-US" smtClean="0"/>
-              <a:t>12/15/2018</a:t>
+              <a:t>3/31/2019</a:t>
             </a:fld>
             <a:endParaRPr lang="en-US"/>
           </a:p>
@@ -654,7 +654,7 @@
           <a:p>
             <a:fld id="{78C97017-6FC3-485B-9764-EAC9E56C1D49}" type="datetimeFigureOut">
               <a:rPr lang="en-US" smtClean="0"/>
-              <a:t>12/15/2018</a:t>
+              <a:t>3/31/2019</a:t>
             </a:fld>
             <a:endParaRPr lang="en-US"/>
           </a:p>
@@ -822,7 +822,7 @@
           <a:p>
             <a:fld id="{78C97017-6FC3-485B-9764-EAC9E56C1D49}" type="datetimeFigureOut">
               <a:rPr lang="en-US" smtClean="0"/>
-              <a:t>12/15/2018</a:t>
+              <a:t>3/31/2019</a:t>
             </a:fld>
             <a:endParaRPr lang="en-US"/>
           </a:p>
@@ -1000,7 +1000,7 @@
           <a:p>
             <a:fld id="{78C97017-6FC3-485B-9764-EAC9E56C1D49}" type="datetimeFigureOut">
               <a:rPr lang="en-US" smtClean="0"/>
-              <a:t>12/15/2018</a:t>
+              <a:t>3/31/2019</a:t>
             </a:fld>
             <a:endParaRPr lang="en-US"/>
           </a:p>
@@ -1168,7 +1168,7 @@
           <a:p>
             <a:fld id="{78C97017-6FC3-485B-9764-EAC9E56C1D49}" type="datetimeFigureOut">
               <a:rPr lang="en-US" smtClean="0"/>
-              <a:t>12/15/2018</a:t>
+              <a:t>3/31/2019</a:t>
             </a:fld>
             <a:endParaRPr lang="en-US"/>
           </a:p>
@@ -1413,7 +1413,7 @@
           <a:p>
             <a:fld id="{78C97017-6FC3-485B-9764-EAC9E56C1D49}" type="datetimeFigureOut">
               <a:rPr lang="en-US" smtClean="0"/>
-              <a:t>12/15/2018</a:t>
+              <a:t>3/31/2019</a:t>
             </a:fld>
             <a:endParaRPr lang="en-US"/>
           </a:p>
@@ -1698,7 +1698,7 @@
           <a:p>
             <a:fld id="{78C97017-6FC3-485B-9764-EAC9E56C1D49}" type="datetimeFigureOut">
               <a:rPr lang="en-US" smtClean="0"/>
-              <a:t>12/15/2018</a:t>
+              <a:t>3/31/2019</a:t>
             </a:fld>
             <a:endParaRPr lang="en-US"/>
           </a:p>
@@ -2117,7 +2117,7 @@
           <a:p>
             <a:fld id="{78C97017-6FC3-485B-9764-EAC9E56C1D49}" type="datetimeFigureOut">
               <a:rPr lang="en-US" smtClean="0"/>
-              <a:t>12/15/2018</a:t>
+              <a:t>3/31/2019</a:t>
             </a:fld>
             <a:endParaRPr lang="en-US"/>
           </a:p>
@@ -2234,7 +2234,7 @@
           <a:p>
             <a:fld id="{78C97017-6FC3-485B-9764-EAC9E56C1D49}" type="datetimeFigureOut">
               <a:rPr lang="en-US" smtClean="0"/>
-              <a:t>12/15/2018</a:t>
+              <a:t>3/31/2019</a:t>
             </a:fld>
             <a:endParaRPr lang="en-US"/>
           </a:p>
@@ -2329,7 +2329,7 @@
           <a:p>
             <a:fld id="{78C97017-6FC3-485B-9764-EAC9E56C1D49}" type="datetimeFigureOut">
               <a:rPr lang="en-US" smtClean="0"/>
-              <a:t>12/15/2018</a:t>
+              <a:t>3/31/2019</a:t>
             </a:fld>
             <a:endParaRPr lang="en-US"/>
           </a:p>
@@ -2604,7 +2604,7 @@
           <a:p>
             <a:fld id="{78C97017-6FC3-485B-9764-EAC9E56C1D49}" type="datetimeFigureOut">
               <a:rPr lang="en-US" smtClean="0"/>
-              <a:t>12/15/2018</a:t>
+              <a:t>3/31/2019</a:t>
             </a:fld>
             <a:endParaRPr lang="en-US"/>
           </a:p>
@@ -2856,7 +2856,7 @@
           <a:p>
             <a:fld id="{78C97017-6FC3-485B-9764-EAC9E56C1D49}" type="datetimeFigureOut">
               <a:rPr lang="en-US" smtClean="0"/>
-              <a:t>12/15/2018</a:t>
+              <a:t>3/31/2019</a:t>
             </a:fld>
             <a:endParaRPr lang="en-US"/>
           </a:p>
@@ -3067,7 +3067,7 @@
           <a:p>
             <a:fld id="{78C97017-6FC3-485B-9764-EAC9E56C1D49}" type="datetimeFigureOut">
               <a:rPr lang="en-US" smtClean="0"/>
-              <a:t>12/15/2018</a:t>
+              <a:t>3/31/2019</a:t>
             </a:fld>
             <a:endParaRPr lang="en-US"/>
           </a:p>
@@ -3925,7 +3925,7 @@
                   </a:schemeClr>
                 </a:solidFill>
               </a:rPr>
-              <a:t>BrowserPanel</a:t>
+              <a:t>MainPanel</a:t>
             </a:r>
             <a:endParaRPr lang="en-SG" sz="1050" b="1" dirty="0">
               <a:solidFill>
@@ -4045,7 +4045,7 @@
                   </a:schemeClr>
                 </a:solidFill>
               </a:rPr>
-              <a:t>PersonListPanel</a:t>
+              <a:t>LessonListPanel</a:t>
             </a:r>
             <a:endParaRPr lang="en-SG" sz="1050" b="1" dirty="0">
               <a:solidFill>
@@ -4098,14 +4098,14 @@
           <a:p>
             <a:pPr algn="ctr"/>
             <a:r>
-              <a:rPr lang="en-US" sz="1050" b="1" dirty="0" err="1">
+              <a:rPr lang="en-US" sz="1050" b="1" dirty="0">
                 <a:solidFill>
                   <a:schemeClr val="accent3">
                     <a:lumMod val="75000"/>
                   </a:schemeClr>
                 </a:solidFill>
               </a:rPr>
-              <a:t>PersonCard</a:t>
+              <a:t>Card</a:t>
             </a:r>
             <a:endParaRPr lang="en-SG" sz="1050" b="1" dirty="0">
               <a:solidFill>

--- a/docs/diagrams/UiComponentClassDiagram.pptx
+++ b/docs/diagrams/UiComponentClassDiagram.pptx
@@ -109,7 +109,7 @@
   </p:defaultTextStyle>
   <p:extLst>
     <p:ext uri="{EFAFB233-063F-42B5-8137-9DF3F51BA10A}">
-      <p15:sldGuideLst xmlns="" xmlns:p15="http://schemas.microsoft.com/office/powerpoint/2012/main">
+      <p15:sldGuideLst xmlns:p15="http://schemas.microsoft.com/office/powerpoint/2012/main" xmlns="">
         <p15:guide id="1" orient="horz" pos="1488">
           <p15:clr>
             <a:srgbClr val="A4A3A4"/>
@@ -208,7 +208,7 @@
           <a:p>
             <a:fld id="{F5CC4B3F-88C1-4FFA-B1B6-F41C21DC6924}" type="datetimeFigureOut">
               <a:rPr lang="en-US" smtClean="0"/>
-              <a:t>12/3/19</a:t>
+              <a:t>3/31/2019</a:t>
             </a:fld>
             <a:endParaRPr lang="en-US"/>
           </a:p>
@@ -654,7 +654,7 @@
           <a:p>
             <a:fld id="{78C97017-6FC3-485B-9764-EAC9E56C1D49}" type="datetimeFigureOut">
               <a:rPr lang="en-US" smtClean="0"/>
-              <a:t>12/3/19</a:t>
+              <a:t>3/31/2019</a:t>
             </a:fld>
             <a:endParaRPr lang="en-US"/>
           </a:p>
@@ -822,7 +822,7 @@
           <a:p>
             <a:fld id="{78C97017-6FC3-485B-9764-EAC9E56C1D49}" type="datetimeFigureOut">
               <a:rPr lang="en-US" smtClean="0"/>
-              <a:t>12/3/19</a:t>
+              <a:t>3/31/2019</a:t>
             </a:fld>
             <a:endParaRPr lang="en-US"/>
           </a:p>
@@ -1000,7 +1000,7 @@
           <a:p>
             <a:fld id="{78C97017-6FC3-485B-9764-EAC9E56C1D49}" type="datetimeFigureOut">
               <a:rPr lang="en-US" smtClean="0"/>
-              <a:t>12/3/19</a:t>
+              <a:t>3/31/2019</a:t>
             </a:fld>
             <a:endParaRPr lang="en-US"/>
           </a:p>
@@ -1168,7 +1168,7 @@
           <a:p>
             <a:fld id="{78C97017-6FC3-485B-9764-EAC9E56C1D49}" type="datetimeFigureOut">
               <a:rPr lang="en-US" smtClean="0"/>
-              <a:t>12/3/19</a:t>
+              <a:t>3/31/2019</a:t>
             </a:fld>
             <a:endParaRPr lang="en-US"/>
           </a:p>
@@ -1413,7 +1413,7 @@
           <a:p>
             <a:fld id="{78C97017-6FC3-485B-9764-EAC9E56C1D49}" type="datetimeFigureOut">
               <a:rPr lang="en-US" smtClean="0"/>
-              <a:t>12/3/19</a:t>
+              <a:t>3/31/2019</a:t>
             </a:fld>
             <a:endParaRPr lang="en-US"/>
           </a:p>
@@ -1698,7 +1698,7 @@
           <a:p>
             <a:fld id="{78C97017-6FC3-485B-9764-EAC9E56C1D49}" type="datetimeFigureOut">
               <a:rPr lang="en-US" smtClean="0"/>
-              <a:t>12/3/19</a:t>
+              <a:t>3/31/2019</a:t>
             </a:fld>
             <a:endParaRPr lang="en-US"/>
           </a:p>
@@ -2117,7 +2117,7 @@
           <a:p>
             <a:fld id="{78C97017-6FC3-485B-9764-EAC9E56C1D49}" type="datetimeFigureOut">
               <a:rPr lang="en-US" smtClean="0"/>
-              <a:t>12/3/19</a:t>
+              <a:t>3/31/2019</a:t>
             </a:fld>
             <a:endParaRPr lang="en-US"/>
           </a:p>
@@ -2234,7 +2234,7 @@
           <a:p>
             <a:fld id="{78C97017-6FC3-485B-9764-EAC9E56C1D49}" type="datetimeFigureOut">
               <a:rPr lang="en-US" smtClean="0"/>
-              <a:t>12/3/19</a:t>
+              <a:t>3/31/2019</a:t>
             </a:fld>
             <a:endParaRPr lang="en-US"/>
           </a:p>
@@ -2329,7 +2329,7 @@
           <a:p>
             <a:fld id="{78C97017-6FC3-485B-9764-EAC9E56C1D49}" type="datetimeFigureOut">
               <a:rPr lang="en-US" smtClean="0"/>
-              <a:t>12/3/19</a:t>
+              <a:t>3/31/2019</a:t>
             </a:fld>
             <a:endParaRPr lang="en-US"/>
           </a:p>
@@ -2604,7 +2604,7 @@
           <a:p>
             <a:fld id="{78C97017-6FC3-485B-9764-EAC9E56C1D49}" type="datetimeFigureOut">
               <a:rPr lang="en-US" smtClean="0"/>
-              <a:t>12/3/19</a:t>
+              <a:t>3/31/2019</a:t>
             </a:fld>
             <a:endParaRPr lang="en-US"/>
           </a:p>
@@ -2856,7 +2856,7 @@
           <a:p>
             <a:fld id="{78C97017-6FC3-485B-9764-EAC9E56C1D49}" type="datetimeFigureOut">
               <a:rPr lang="en-US" smtClean="0"/>
-              <a:t>12/3/19</a:t>
+              <a:t>3/31/2019</a:t>
             </a:fld>
             <a:endParaRPr lang="en-US"/>
           </a:p>
@@ -3067,7 +3067,7 @@
           <a:p>
             <a:fld id="{78C97017-6FC3-485B-9764-EAC9E56C1D49}" type="datetimeFigureOut">
               <a:rPr lang="en-US" smtClean="0"/>
-              <a:t>12/3/19</a:t>
+              <a:t>3/31/2019</a:t>
             </a:fld>
             <a:endParaRPr lang="en-US"/>
           </a:p>
@@ -3945,7 +3945,7 @@
         </p:nvSpPr>
         <p:spPr>
           <a:xfrm>
-            <a:off x="2592527" y="4563759"/>
+            <a:off x="2592527" y="4764022"/>
             <a:ext cx="1093635" cy="236841"/>
           </a:xfrm>
           <a:prstGeom prst="rect">
@@ -4045,7 +4045,7 @@
                   </a:schemeClr>
                 </a:solidFill>
               </a:rPr>
-              <a:t>CardListPanel</a:t>
+              <a:t>DeckListPanel</a:t>
             </a:r>
             <a:endParaRPr lang="en-SG" sz="1050" b="1" dirty="0">
               <a:solidFill>
@@ -4105,7 +4105,7 @@
                   </a:schemeClr>
                 </a:solidFill>
               </a:rPr>
-              <a:t>CardDisplay</a:t>
+              <a:t>DeckDisplay</a:t>
             </a:r>
             <a:endParaRPr lang="en-SG" sz="1050" b="1" dirty="0">
               <a:solidFill>
@@ -4125,7 +4125,7 @@
         </p:nvSpPr>
         <p:spPr>
           <a:xfrm>
-            <a:off x="2592528" y="4966000"/>
+            <a:off x="2592528" y="5084421"/>
             <a:ext cx="1093635" cy="236841"/>
           </a:xfrm>
           <a:prstGeom prst="rect">
@@ -4419,8 +4419,8 @@
         </p:nvCxnSpPr>
         <p:spPr>
           <a:xfrm rot="16200000" flipH="1">
-            <a:off x="1597249" y="3686901"/>
-            <a:ext cx="1814155" cy="176401"/>
+            <a:off x="1497117" y="3787033"/>
+            <a:ext cx="2014418" cy="176401"/>
           </a:xfrm>
           <a:prstGeom prst="bentConnector2">
             <a:avLst/>
@@ -4459,7 +4459,7 @@
         </p:nvCxnSpPr>
         <p:spPr>
           <a:xfrm rot="16200000" flipH="1">
-            <a:off x="1184119" y="3676012"/>
+            <a:off x="1184119" y="3794433"/>
             <a:ext cx="2396440" cy="420377"/>
           </a:xfrm>
           <a:prstGeom prst="bentConnector2">
@@ -4743,8 +4743,8 @@
         </p:nvCxnSpPr>
         <p:spPr>
           <a:xfrm rot="5400000">
-            <a:off x="3409976" y="2562187"/>
-            <a:ext cx="2396180" cy="1843807"/>
+            <a:off x="3309845" y="2662318"/>
+            <a:ext cx="2596443" cy="1843807"/>
           </a:xfrm>
           <a:prstGeom prst="bentConnector2">
             <a:avLst/>
@@ -4784,8 +4784,8 @@
         </p:nvCxnSpPr>
         <p:spPr>
           <a:xfrm rot="5400000">
-            <a:off x="3208856" y="2763307"/>
-            <a:ext cx="2798421" cy="1843806"/>
+            <a:off x="3149645" y="2822518"/>
+            <a:ext cx="2916842" cy="1843806"/>
           </a:xfrm>
           <a:prstGeom prst="bentConnector2">
             <a:avLst/>
@@ -5437,6 +5437,289 @@
           <a:xfrm flipV="1">
             <a:off x="4114799" y="4472708"/>
             <a:ext cx="2642195" cy="101600"/>
+          </a:xfrm>
+          <a:custGeom>
+            <a:avLst/>
+            <a:gdLst>
+              <a:gd name="connsiteX0" fmla="*/ 0 w 3048000"/>
+              <a:gd name="connsiteY0" fmla="*/ 203200 h 203200"/>
+              <a:gd name="connsiteX1" fmla="*/ 221673 w 3048000"/>
+              <a:gd name="connsiteY1" fmla="*/ 0 h 203200"/>
+              <a:gd name="connsiteX2" fmla="*/ 3048000 w 3048000"/>
+              <a:gd name="connsiteY2" fmla="*/ 0 h 203200"/>
+            </a:gdLst>
+            <a:ahLst/>
+            <a:cxnLst>
+              <a:cxn ang="0">
+                <a:pos x="connsiteX0" y="connsiteY0"/>
+              </a:cxn>
+              <a:cxn ang="0">
+                <a:pos x="connsiteX1" y="connsiteY1"/>
+              </a:cxn>
+              <a:cxn ang="0">
+                <a:pos x="connsiteX2" y="connsiteY2"/>
+              </a:cxn>
+            </a:cxnLst>
+            <a:rect l="l" t="t" r="r" b="b"/>
+            <a:pathLst>
+              <a:path w="3048000" h="203200">
+                <a:moveTo>
+                  <a:pt x="0" y="203200"/>
+                </a:moveTo>
+                <a:lnTo>
+                  <a:pt x="221673" y="0"/>
+                </a:lnTo>
+                <a:lnTo>
+                  <a:pt x="3048000" y="0"/>
+                </a:lnTo>
+              </a:path>
+            </a:pathLst>
+          </a:custGeom>
+          <a:noFill/>
+          <a:ln w="19050">
+            <a:solidFill>
+              <a:schemeClr val="accent3"/>
+            </a:solidFill>
+            <a:prstDash val="sysDot"/>
+            <a:headEnd type="none" w="med" len="med"/>
+            <a:tailEnd type="arrow" w="med" len="med"/>
+          </a:ln>
+          <a:effectLst/>
+        </p:spPr>
+        <p:style>
+          <a:lnRef idx="1">
+            <a:schemeClr val="accent2"/>
+          </a:lnRef>
+          <a:fillRef idx="2">
+            <a:schemeClr val="accent2"/>
+          </a:fillRef>
+          <a:effectRef idx="1">
+            <a:schemeClr val="accent2"/>
+          </a:effectRef>
+          <a:fontRef idx="minor">
+            <a:schemeClr val="dk1"/>
+          </a:fontRef>
+        </p:style>
+        <p:txBody>
+          <a:bodyPr rtlCol="0" anchor="ctr"/>
+          <a:lstStyle/>
+          <a:p>
+            <a:pPr algn="ctr"/>
+            <a:endParaRPr lang="en-SG"/>
+          </a:p>
+        </p:txBody>
+      </p:sp>
+      <p:sp>
+        <p:nvSpPr>
+          <p:cNvPr id="54" name="Rectangle 11"/>
+          <p:cNvSpPr/>
+          <p:nvPr/>
+        </p:nvSpPr>
+        <p:spPr>
+          <a:xfrm>
+            <a:off x="2592529" y="4437470"/>
+            <a:ext cx="1093635" cy="236841"/>
+          </a:xfrm>
+          <a:prstGeom prst="rect">
+            <a:avLst/>
+          </a:prstGeom>
+          <a:ln w="19050">
+            <a:solidFill>
+              <a:schemeClr val="accent3"/>
+            </a:solidFill>
+          </a:ln>
+          <a:effectLst/>
+        </p:spPr>
+        <p:style>
+          <a:lnRef idx="1">
+            <a:schemeClr val="accent3"/>
+          </a:lnRef>
+          <a:fillRef idx="2">
+            <a:schemeClr val="accent3"/>
+          </a:fillRef>
+          <a:effectRef idx="1">
+            <a:schemeClr val="accent3"/>
+          </a:effectRef>
+          <a:fontRef idx="minor">
+            <a:schemeClr val="dk1"/>
+          </a:fontRef>
+        </p:style>
+        <p:txBody>
+          <a:bodyPr rtlCol="0" anchor="ctr"/>
+          <a:lstStyle/>
+          <a:p>
+            <a:pPr algn="ctr"/>
+            <a:r>
+              <a:rPr lang="en-US" sz="1050" b="1" dirty="0" err="1" smtClean="0">
+                <a:solidFill>
+                  <a:schemeClr val="accent3">
+                    <a:lumMod val="75000"/>
+                  </a:schemeClr>
+                </a:solidFill>
+              </a:rPr>
+              <a:t>CardListPanel</a:t>
+            </a:r>
+            <a:endParaRPr lang="en-SG" sz="1050" b="1" dirty="0">
+              <a:solidFill>
+                <a:schemeClr val="accent3">
+                  <a:lumMod val="75000"/>
+                </a:schemeClr>
+              </a:solidFill>
+            </a:endParaRPr>
+          </a:p>
+        </p:txBody>
+      </p:sp>
+      <p:cxnSp>
+        <p:nvCxnSpPr>
+          <p:cNvPr id="56" name="Elbow Connector 63"/>
+          <p:cNvCxnSpPr/>
+          <p:nvPr/>
+        </p:nvCxnSpPr>
+        <p:spPr>
+          <a:xfrm rot="16200000" flipH="1">
+            <a:off x="1881421" y="3864930"/>
+            <a:ext cx="1242356" cy="176400"/>
+          </a:xfrm>
+          <a:prstGeom prst="bentConnector2">
+            <a:avLst/>
+          </a:prstGeom>
+          <a:ln w="19050">
+            <a:solidFill>
+              <a:schemeClr val="accent3"/>
+            </a:solidFill>
+            <a:headEnd type="none" w="med" len="med"/>
+            <a:tailEnd type="arrow" w="med" len="med"/>
+          </a:ln>
+          <a:effectLst/>
+        </p:spPr>
+        <p:style>
+          <a:lnRef idx="1">
+            <a:schemeClr val="accent2"/>
+          </a:lnRef>
+          <a:fillRef idx="2">
+            <a:schemeClr val="accent2"/>
+          </a:fillRef>
+          <a:effectRef idx="1">
+            <a:schemeClr val="accent2"/>
+          </a:effectRef>
+          <a:fontRef idx="minor">
+            <a:schemeClr val="dk1"/>
+          </a:fontRef>
+        </p:style>
+      </p:cxnSp>
+      <p:sp>
+        <p:nvSpPr>
+          <p:cNvPr id="60" name="Rectangle 11"/>
+          <p:cNvSpPr/>
+          <p:nvPr/>
+        </p:nvSpPr>
+        <p:spPr>
+          <a:xfrm>
+            <a:off x="3923479" y="4605977"/>
+            <a:ext cx="1040906" cy="236841"/>
+          </a:xfrm>
+          <a:prstGeom prst="rect">
+            <a:avLst/>
+          </a:prstGeom>
+          <a:ln w="19050">
+            <a:solidFill>
+              <a:schemeClr val="accent3"/>
+            </a:solidFill>
+          </a:ln>
+          <a:effectLst/>
+        </p:spPr>
+        <p:style>
+          <a:lnRef idx="1">
+            <a:schemeClr val="accent3"/>
+          </a:lnRef>
+          <a:fillRef idx="2">
+            <a:schemeClr val="accent3"/>
+          </a:fillRef>
+          <a:effectRef idx="1">
+            <a:schemeClr val="accent3"/>
+          </a:effectRef>
+          <a:fontRef idx="minor">
+            <a:schemeClr val="dk1"/>
+          </a:fontRef>
+        </p:style>
+        <p:txBody>
+          <a:bodyPr rtlCol="0" anchor="ctr"/>
+          <a:lstStyle/>
+          <a:p>
+            <a:pPr algn="ctr"/>
+            <a:r>
+              <a:rPr lang="en-US" sz="1050" b="1" dirty="0" err="1" smtClean="0">
+                <a:solidFill>
+                  <a:schemeClr val="accent3">
+                    <a:lumMod val="75000"/>
+                  </a:schemeClr>
+                </a:solidFill>
+              </a:rPr>
+              <a:t>CardDisplay</a:t>
+            </a:r>
+            <a:endParaRPr lang="en-SG" sz="1050" b="1" dirty="0">
+              <a:solidFill>
+                <a:schemeClr val="accent3">
+                  <a:lumMod val="75000"/>
+                </a:schemeClr>
+              </a:solidFill>
+            </a:endParaRPr>
+          </a:p>
+        </p:txBody>
+      </p:sp>
+      <p:cxnSp>
+        <p:nvCxnSpPr>
+          <p:cNvPr id="61" name="Elbow Connector 60"/>
+          <p:cNvCxnSpPr>
+            <a:stCxn id="54" idx="3"/>
+            <a:endCxn id="60" idx="1"/>
+          </p:cNvCxnSpPr>
+          <p:nvPr/>
+        </p:nvCxnSpPr>
+        <p:spPr>
+          <a:xfrm>
+            <a:off x="3686164" y="4555891"/>
+            <a:ext cx="237315" cy="168507"/>
+          </a:xfrm>
+          <a:prstGeom prst="bentConnector3">
+            <a:avLst>
+              <a:gd name="adj1" fmla="val 50000"/>
+            </a:avLst>
+          </a:prstGeom>
+          <a:ln w="19050">
+            <a:solidFill>
+              <a:schemeClr val="accent3"/>
+            </a:solidFill>
+            <a:headEnd type="none" w="med" len="med"/>
+            <a:tailEnd type="arrow" w="med" len="med"/>
+          </a:ln>
+          <a:effectLst/>
+        </p:spPr>
+        <p:style>
+          <a:lnRef idx="1">
+            <a:schemeClr val="accent2"/>
+          </a:lnRef>
+          <a:fillRef idx="2">
+            <a:schemeClr val="accent2"/>
+          </a:fillRef>
+          <a:effectRef idx="1">
+            <a:schemeClr val="accent2"/>
+          </a:effectRef>
+          <a:fontRef idx="minor">
+            <a:schemeClr val="dk1"/>
+          </a:fontRef>
+        </p:style>
+      </p:cxnSp>
+      <p:sp>
+        <p:nvSpPr>
+          <p:cNvPr id="64" name="Freeform 63"/>
+          <p:cNvSpPr/>
+          <p:nvPr/>
+        </p:nvSpPr>
+        <p:spPr>
+          <a:xfrm flipV="1">
+            <a:off x="4955241" y="4713222"/>
+            <a:ext cx="1768765" cy="45719"/>
           </a:xfrm>
           <a:custGeom>
             <a:avLst/>

--- a/docs/diagrams/UiComponentClassDiagram.pptx
+++ b/docs/diagrams/UiComponentClassDiagram.pptx
@@ -208,7 +208,7 @@
           <a:p>
             <a:fld id="{F5CC4B3F-88C1-4FFA-B1B6-F41C21DC6924}" type="datetimeFigureOut">
               <a:rPr lang="en-US" smtClean="0"/>
-              <a:t>12/15/2018</a:t>
+              <a:t>4/1/2019</a:t>
             </a:fld>
             <a:endParaRPr lang="en-US"/>
           </a:p>
@@ -654,7 +654,7 @@
           <a:p>
             <a:fld id="{78C97017-6FC3-485B-9764-EAC9E56C1D49}" type="datetimeFigureOut">
               <a:rPr lang="en-US" smtClean="0"/>
-              <a:t>12/15/2018</a:t>
+              <a:t>4/1/2019</a:t>
             </a:fld>
             <a:endParaRPr lang="en-US"/>
           </a:p>
@@ -822,7 +822,7 @@
           <a:p>
             <a:fld id="{78C97017-6FC3-485B-9764-EAC9E56C1D49}" type="datetimeFigureOut">
               <a:rPr lang="en-US" smtClean="0"/>
-              <a:t>12/15/2018</a:t>
+              <a:t>4/1/2019</a:t>
             </a:fld>
             <a:endParaRPr lang="en-US"/>
           </a:p>
@@ -1000,7 +1000,7 @@
           <a:p>
             <a:fld id="{78C97017-6FC3-485B-9764-EAC9E56C1D49}" type="datetimeFigureOut">
               <a:rPr lang="en-US" smtClean="0"/>
-              <a:t>12/15/2018</a:t>
+              <a:t>4/1/2019</a:t>
             </a:fld>
             <a:endParaRPr lang="en-US"/>
           </a:p>
@@ -1168,7 +1168,7 @@
           <a:p>
             <a:fld id="{78C97017-6FC3-485B-9764-EAC9E56C1D49}" type="datetimeFigureOut">
               <a:rPr lang="en-US" smtClean="0"/>
-              <a:t>12/15/2018</a:t>
+              <a:t>4/1/2019</a:t>
             </a:fld>
             <a:endParaRPr lang="en-US"/>
           </a:p>
@@ -1413,7 +1413,7 @@
           <a:p>
             <a:fld id="{78C97017-6FC3-485B-9764-EAC9E56C1D49}" type="datetimeFigureOut">
               <a:rPr lang="en-US" smtClean="0"/>
-              <a:t>12/15/2018</a:t>
+              <a:t>4/1/2019</a:t>
             </a:fld>
             <a:endParaRPr lang="en-US"/>
           </a:p>
@@ -1698,7 +1698,7 @@
           <a:p>
             <a:fld id="{78C97017-6FC3-485B-9764-EAC9E56C1D49}" type="datetimeFigureOut">
               <a:rPr lang="en-US" smtClean="0"/>
-              <a:t>12/15/2018</a:t>
+              <a:t>4/1/2019</a:t>
             </a:fld>
             <a:endParaRPr lang="en-US"/>
           </a:p>
@@ -2117,7 +2117,7 @@
           <a:p>
             <a:fld id="{78C97017-6FC3-485B-9764-EAC9E56C1D49}" type="datetimeFigureOut">
               <a:rPr lang="en-US" smtClean="0"/>
-              <a:t>12/15/2018</a:t>
+              <a:t>4/1/2019</a:t>
             </a:fld>
             <a:endParaRPr lang="en-US"/>
           </a:p>
@@ -2234,7 +2234,7 @@
           <a:p>
             <a:fld id="{78C97017-6FC3-485B-9764-EAC9E56C1D49}" type="datetimeFigureOut">
               <a:rPr lang="en-US" smtClean="0"/>
-              <a:t>12/15/2018</a:t>
+              <a:t>4/1/2019</a:t>
             </a:fld>
             <a:endParaRPr lang="en-US"/>
           </a:p>
@@ -2329,7 +2329,7 @@
           <a:p>
             <a:fld id="{78C97017-6FC3-485B-9764-EAC9E56C1D49}" type="datetimeFigureOut">
               <a:rPr lang="en-US" smtClean="0"/>
-              <a:t>12/15/2018</a:t>
+              <a:t>4/1/2019</a:t>
             </a:fld>
             <a:endParaRPr lang="en-US"/>
           </a:p>
@@ -2604,7 +2604,7 @@
           <a:p>
             <a:fld id="{78C97017-6FC3-485B-9764-EAC9E56C1D49}" type="datetimeFigureOut">
               <a:rPr lang="en-US" smtClean="0"/>
-              <a:t>12/15/2018</a:t>
+              <a:t>4/1/2019</a:t>
             </a:fld>
             <a:endParaRPr lang="en-US"/>
           </a:p>
@@ -2856,7 +2856,7 @@
           <a:p>
             <a:fld id="{78C97017-6FC3-485B-9764-EAC9E56C1D49}" type="datetimeFigureOut">
               <a:rPr lang="en-US" smtClean="0"/>
-              <a:t>12/15/2018</a:t>
+              <a:t>4/1/2019</a:t>
             </a:fld>
             <a:endParaRPr lang="en-US"/>
           </a:p>
@@ -3067,7 +3067,7 @@
           <a:p>
             <a:fld id="{78C97017-6FC3-485B-9764-EAC9E56C1D49}" type="datetimeFigureOut">
               <a:rPr lang="en-US" smtClean="0"/>
-              <a:t>12/15/2018</a:t>
+              <a:t>4/1/2019</a:t>
             </a:fld>
             <a:endParaRPr lang="en-US"/>
           </a:p>
@@ -4045,7 +4045,7 @@
                   </a:schemeClr>
                 </a:solidFill>
               </a:rPr>
-              <a:t>PersonListPanel</a:t>
+              <a:t>RecordListPanel</a:t>
             </a:r>
             <a:endParaRPr lang="en-SG" sz="1050" b="1" dirty="0">
               <a:solidFill>
@@ -4105,7 +4105,7 @@
                   </a:schemeClr>
                 </a:solidFill>
               </a:rPr>
-              <a:t>PersonCard</a:t>
+              <a:t>RecordCard</a:t>
             </a:r>
             <a:endParaRPr lang="en-SG" sz="1050" b="1" dirty="0">
               <a:solidFill>
@@ -5202,14 +5202,13 @@
         <p:nvCxnSpPr>
           <p:cNvPr id="140" name="Elbow Connector 63"/>
           <p:cNvCxnSpPr>
-            <a:stCxn id="16" idx="3"/>
-            <a:endCxn id="36" idx="3"/>
+            <a:cxnSpLocks/>
           </p:cNvCxnSpPr>
           <p:nvPr/>
         </p:nvCxnSpPr>
         <p:spPr>
           <a:xfrm rot="5400000">
-            <a:off x="3695875" y="2276286"/>
+            <a:off x="3695875" y="2276287"/>
             <a:ext cx="1824381" cy="1843808"/>
           </a:xfrm>
           <a:prstGeom prst="bentConnector2">

--- a/docs/diagrams/UiComponentClassDiagram.pptx
+++ b/docs/diagrams/UiComponentClassDiagram.pptx
@@ -208,7 +208,7 @@
           <a:p>
             <a:fld id="{F5CC4B3F-88C1-4FFA-B1B6-F41C21DC6924}" type="datetimeFigureOut">
               <a:rPr lang="en-US" smtClean="0"/>
-              <a:t>3/12/2019</a:t>
+              <a:t>02-Apr-19</a:t>
             </a:fld>
             <a:endParaRPr lang="en-US"/>
           </a:p>
@@ -654,7 +654,7 @@
           <a:p>
             <a:fld id="{78C97017-6FC3-485B-9764-EAC9E56C1D49}" type="datetimeFigureOut">
               <a:rPr lang="en-US" smtClean="0"/>
-              <a:t>3/12/2019</a:t>
+              <a:t>02-Apr-19</a:t>
             </a:fld>
             <a:endParaRPr lang="en-US"/>
           </a:p>
@@ -822,7 +822,7 @@
           <a:p>
             <a:fld id="{78C97017-6FC3-485B-9764-EAC9E56C1D49}" type="datetimeFigureOut">
               <a:rPr lang="en-US" smtClean="0"/>
-              <a:t>3/12/2019</a:t>
+              <a:t>02-Apr-19</a:t>
             </a:fld>
             <a:endParaRPr lang="en-US"/>
           </a:p>
@@ -1000,7 +1000,7 @@
           <a:p>
             <a:fld id="{78C97017-6FC3-485B-9764-EAC9E56C1D49}" type="datetimeFigureOut">
               <a:rPr lang="en-US" smtClean="0"/>
-              <a:t>3/12/2019</a:t>
+              <a:t>02-Apr-19</a:t>
             </a:fld>
             <a:endParaRPr lang="en-US"/>
           </a:p>
@@ -1168,7 +1168,7 @@
           <a:p>
             <a:fld id="{78C97017-6FC3-485B-9764-EAC9E56C1D49}" type="datetimeFigureOut">
               <a:rPr lang="en-US" smtClean="0"/>
-              <a:t>3/12/2019</a:t>
+              <a:t>02-Apr-19</a:t>
             </a:fld>
             <a:endParaRPr lang="en-US"/>
           </a:p>
@@ -1413,7 +1413,7 @@
           <a:p>
             <a:fld id="{78C97017-6FC3-485B-9764-EAC9E56C1D49}" type="datetimeFigureOut">
               <a:rPr lang="en-US" smtClean="0"/>
-              <a:t>3/12/2019</a:t>
+              <a:t>02-Apr-19</a:t>
             </a:fld>
             <a:endParaRPr lang="en-US"/>
           </a:p>
@@ -1698,7 +1698,7 @@
           <a:p>
             <a:fld id="{78C97017-6FC3-485B-9764-EAC9E56C1D49}" type="datetimeFigureOut">
               <a:rPr lang="en-US" smtClean="0"/>
-              <a:t>3/12/2019</a:t>
+              <a:t>02-Apr-19</a:t>
             </a:fld>
             <a:endParaRPr lang="en-US"/>
           </a:p>
@@ -2117,7 +2117,7 @@
           <a:p>
             <a:fld id="{78C97017-6FC3-485B-9764-EAC9E56C1D49}" type="datetimeFigureOut">
               <a:rPr lang="en-US" smtClean="0"/>
-              <a:t>3/12/2019</a:t>
+              <a:t>02-Apr-19</a:t>
             </a:fld>
             <a:endParaRPr lang="en-US"/>
           </a:p>
@@ -2234,7 +2234,7 @@
           <a:p>
             <a:fld id="{78C97017-6FC3-485B-9764-EAC9E56C1D49}" type="datetimeFigureOut">
               <a:rPr lang="en-US" smtClean="0"/>
-              <a:t>3/12/2019</a:t>
+              <a:t>02-Apr-19</a:t>
             </a:fld>
             <a:endParaRPr lang="en-US"/>
           </a:p>
@@ -2329,7 +2329,7 @@
           <a:p>
             <a:fld id="{78C97017-6FC3-485B-9764-EAC9E56C1D49}" type="datetimeFigureOut">
               <a:rPr lang="en-US" smtClean="0"/>
-              <a:t>3/12/2019</a:t>
+              <a:t>02-Apr-19</a:t>
             </a:fld>
             <a:endParaRPr lang="en-US"/>
           </a:p>
@@ -2604,7 +2604,7 @@
           <a:p>
             <a:fld id="{78C97017-6FC3-485B-9764-EAC9E56C1D49}" type="datetimeFigureOut">
               <a:rPr lang="en-US" smtClean="0"/>
-              <a:t>3/12/2019</a:t>
+              <a:t>02-Apr-19</a:t>
             </a:fld>
             <a:endParaRPr lang="en-US"/>
           </a:p>
@@ -2856,7 +2856,7 @@
           <a:p>
             <a:fld id="{78C97017-6FC3-485B-9764-EAC9E56C1D49}" type="datetimeFigureOut">
               <a:rPr lang="en-US" smtClean="0"/>
-              <a:t>3/12/2019</a:t>
+              <a:t>02-Apr-19</a:t>
             </a:fld>
             <a:endParaRPr lang="en-US"/>
           </a:p>
@@ -3067,7 +3067,7 @@
           <a:p>
             <a:fld id="{78C97017-6FC3-485B-9764-EAC9E56C1D49}" type="datetimeFigureOut">
               <a:rPr lang="en-US" smtClean="0"/>
-              <a:t>3/12/2019</a:t>
+              <a:t>02-Apr-19</a:t>
             </a:fld>
             <a:endParaRPr lang="en-US"/>
           </a:p>
@@ -3450,8 +3450,8 @@
         </p:nvSpPr>
         <p:spPr>
           <a:xfrm>
-            <a:off x="1217465" y="1447800"/>
-            <a:ext cx="4917083" cy="3962400"/>
+            <a:off x="1371600" y="152400"/>
+            <a:ext cx="5873792" cy="6095996"/>
           </a:xfrm>
           <a:prstGeom prst="roundRect">
             <a:avLst>
@@ -3512,8 +3512,8 @@
         </p:nvSpPr>
         <p:spPr>
           <a:xfrm>
-            <a:off x="2095948" y="2341220"/>
-            <a:ext cx="1093635" cy="346760"/>
+            <a:off x="2250083" y="1463009"/>
+            <a:ext cx="1169802" cy="386771"/>
           </a:xfrm>
           <a:prstGeom prst="rect">
             <a:avLst/>
@@ -3572,8 +3572,8 @@
         </p:nvSpPr>
         <p:spPr>
           <a:xfrm>
-            <a:off x="2592528" y="2971800"/>
-            <a:ext cx="1093635" cy="236841"/>
+            <a:off x="2746663" y="2106272"/>
+            <a:ext cx="1169802" cy="264169"/>
           </a:xfrm>
           <a:prstGeom prst="rect">
             <a:avLst/>
@@ -3632,8 +3632,8 @@
         </p:nvSpPr>
         <p:spPr>
           <a:xfrm>
-            <a:off x="2092842" y="1770924"/>
-            <a:ext cx="1093635" cy="346760"/>
+            <a:off x="2246977" y="892713"/>
+            <a:ext cx="1169802" cy="386771"/>
           </a:xfrm>
           <a:prstGeom prst="rect">
             <a:avLst/>
@@ -3694,8 +3694,8 @@
         </p:nvCxnSpPr>
         <p:spPr>
           <a:xfrm rot="16200000" flipH="1">
-            <a:off x="2529445" y="2227899"/>
-            <a:ext cx="223536" cy="3106"/>
+            <a:off x="2741669" y="1369693"/>
+            <a:ext cx="183525" cy="3106"/>
           </a:xfrm>
           <a:prstGeom prst="bentConnector3">
             <a:avLst>
@@ -3734,8 +3734,8 @@
         </p:nvSpPr>
         <p:spPr>
           <a:xfrm rot="10800000" flipV="1">
-            <a:off x="5394717" y="2110477"/>
-            <a:ext cx="270504" cy="175523"/>
+            <a:off x="5548851" y="1252025"/>
+            <a:ext cx="289343" cy="195776"/>
           </a:xfrm>
           <a:prstGeom prst="triangle">
             <a:avLst/>
@@ -3777,13 +3777,15 @@
       <p:cxnSp>
         <p:nvCxnSpPr>
           <p:cNvPr id="19" name="Elbow Connector 122"/>
-          <p:cNvCxnSpPr/>
+          <p:cNvCxnSpPr>
+            <a:cxnSpLocks/>
+          </p:cNvCxnSpPr>
           <p:nvPr/>
         </p:nvCxnSpPr>
         <p:spPr>
           <a:xfrm flipV="1">
-            <a:off x="644735" y="2991937"/>
-            <a:ext cx="684904" cy="1"/>
+            <a:off x="722076" y="2133288"/>
+            <a:ext cx="732604" cy="2"/>
           </a:xfrm>
           <a:prstGeom prst="bentConnector3">
             <a:avLst>
@@ -3825,8 +3827,8 @@
         </p:nvSpPr>
         <p:spPr>
           <a:xfrm rot="16200000">
-            <a:off x="5703829" y="2464877"/>
-            <a:ext cx="2362201" cy="328045"/>
+            <a:off x="6234603" y="1331220"/>
+            <a:ext cx="2819400" cy="441993"/>
           </a:xfrm>
           <a:prstGeom prst="roundRect">
             <a:avLst/>
@@ -3864,14 +3866,14 @@
             <a:r>
               <a:rPr lang="en-US" sz="1100" b="1" dirty="0">
                 <a:solidFill>
-                  <a:schemeClr val="bg1"/>
+                  <a:schemeClr val="tx1"/>
                 </a:solidFill>
               </a:rPr>
               <a:t>Logic</a:t>
             </a:r>
             <a:endParaRPr lang="en-SG" sz="1100" b="1" dirty="0">
               <a:solidFill>
-                <a:schemeClr val="bg1"/>
+                <a:schemeClr val="tx1"/>
               </a:solidFill>
             </a:endParaRPr>
           </a:p>
@@ -3885,8 +3887,8 @@
         </p:nvSpPr>
         <p:spPr>
           <a:xfrm>
-            <a:off x="2592528" y="3649359"/>
-            <a:ext cx="1093635" cy="236841"/>
+            <a:off x="2746663" y="2783831"/>
+            <a:ext cx="1169802" cy="264169"/>
           </a:xfrm>
           <a:prstGeom prst="rect">
             <a:avLst/>
@@ -3945,8 +3947,8 @@
         </p:nvSpPr>
         <p:spPr>
           <a:xfrm>
-            <a:off x="2592527" y="4563759"/>
-            <a:ext cx="1093635" cy="236841"/>
+            <a:off x="2746662" y="3698231"/>
+            <a:ext cx="1169802" cy="264169"/>
           </a:xfrm>
           <a:prstGeom prst="rect">
             <a:avLst/>
@@ -4005,8 +4007,8 @@
         </p:nvSpPr>
         <p:spPr>
           <a:xfrm>
-            <a:off x="2592526" y="3991960"/>
-            <a:ext cx="1093635" cy="236841"/>
+            <a:off x="2746661" y="3126432"/>
+            <a:ext cx="1169802" cy="264169"/>
           </a:xfrm>
           <a:prstGeom prst="rect">
             <a:avLst/>
@@ -4065,8 +4067,8 @@
         </p:nvSpPr>
         <p:spPr>
           <a:xfrm>
-            <a:off x="3839323" y="4228801"/>
-            <a:ext cx="1040906" cy="236841"/>
+            <a:off x="3935387" y="4900100"/>
+            <a:ext cx="1400347" cy="264169"/>
           </a:xfrm>
           <a:prstGeom prst="rect">
             <a:avLst/>
@@ -4105,7 +4107,7 @@
                   </a:schemeClr>
                 </a:solidFill>
               </a:rPr>
-              <a:t>PlaceCard</a:t>
+              <a:t>ExpandedPlacePanel</a:t>
             </a:r>
             <a:endParaRPr lang="en-SG" sz="1050" b="1" dirty="0">
               <a:solidFill>
@@ -4125,8 +4127,8 @@
         </p:nvSpPr>
         <p:spPr>
           <a:xfrm>
-            <a:off x="2592528" y="4966000"/>
-            <a:ext cx="1093635" cy="236841"/>
+            <a:off x="2746663" y="4100472"/>
+            <a:ext cx="1169802" cy="264169"/>
           </a:xfrm>
           <a:prstGeom prst="rect">
             <a:avLst/>
@@ -4185,8 +4187,8 @@
         </p:nvSpPr>
         <p:spPr>
           <a:xfrm>
-            <a:off x="2324548" y="2706452"/>
-            <a:ext cx="183156" cy="161573"/>
+            <a:off x="2478683" y="1849610"/>
+            <a:ext cx="195912" cy="180216"/>
           </a:xfrm>
           <a:prstGeom prst="flowChartDecision">
             <a:avLst/>
@@ -4236,8 +4238,8 @@
         </p:nvCxnSpPr>
         <p:spPr>
           <a:xfrm rot="16200000" flipH="1">
-            <a:off x="2393229" y="2890922"/>
-            <a:ext cx="222196" cy="176402"/>
+            <a:off x="2557386" y="2049079"/>
+            <a:ext cx="208531" cy="170024"/>
           </a:xfrm>
           <a:prstGeom prst="bentConnector2">
             <a:avLst/>
@@ -4274,8 +4276,8 @@
         </p:nvSpPr>
         <p:spPr>
           <a:xfrm>
-            <a:off x="2590799" y="3304308"/>
-            <a:ext cx="1095361" cy="236841"/>
+            <a:off x="2744934" y="2438780"/>
+            <a:ext cx="1171648" cy="264169"/>
           </a:xfrm>
           <a:prstGeom prst="rect">
             <a:avLst/>
@@ -4337,8 +4339,8 @@
         </p:nvCxnSpPr>
         <p:spPr>
           <a:xfrm rot="16200000" flipH="1">
-            <a:off x="2054450" y="3229701"/>
-            <a:ext cx="899755" cy="176402"/>
+            <a:off x="2218606" y="2387859"/>
+            <a:ext cx="886090" cy="170024"/>
           </a:xfrm>
           <a:prstGeom prst="bentConnector2">
             <a:avLst/>
@@ -4378,8 +4380,8 @@
         </p:nvCxnSpPr>
         <p:spPr>
           <a:xfrm rot="16200000" flipH="1">
-            <a:off x="1883148" y="3401003"/>
-            <a:ext cx="1242356" cy="176400"/>
+            <a:off x="2047305" y="2559160"/>
+            <a:ext cx="1228691" cy="170022"/>
           </a:xfrm>
           <a:prstGeom prst="bentConnector2">
             <a:avLst/>
@@ -4419,8 +4421,8 @@
         </p:nvCxnSpPr>
         <p:spPr>
           <a:xfrm rot="16200000" flipH="1">
-            <a:off x="1597249" y="3686901"/>
-            <a:ext cx="1814155" cy="176401"/>
+            <a:off x="1761405" y="2845059"/>
+            <a:ext cx="1800490" cy="170023"/>
           </a:xfrm>
           <a:prstGeom prst="bentConnector2">
             <a:avLst/>
@@ -4459,8 +4461,8 @@
         </p:nvCxnSpPr>
         <p:spPr>
           <a:xfrm rot="16200000" flipH="1">
-            <a:off x="1184119" y="3676012"/>
-            <a:ext cx="2396440" cy="420377"/>
+            <a:off x="1345086" y="2830980"/>
+            <a:ext cx="2382776" cy="420378"/>
           </a:xfrm>
           <a:prstGeom prst="bentConnector2">
             <a:avLst/>
@@ -4497,8 +4499,8 @@
         </p:nvSpPr>
         <p:spPr>
           <a:xfrm>
-            <a:off x="5143948" y="1770924"/>
-            <a:ext cx="772043" cy="346760"/>
+            <a:off x="5298083" y="892713"/>
+            <a:ext cx="825812" cy="386771"/>
           </a:xfrm>
           <a:prstGeom prst="rect">
             <a:avLst/>
@@ -4579,8 +4581,8 @@
         </p:nvCxnSpPr>
         <p:spPr>
           <a:xfrm flipV="1">
-            <a:off x="3686160" y="2286000"/>
-            <a:ext cx="1843809" cy="1136729"/>
+            <a:off x="3916582" y="1447801"/>
+            <a:ext cx="1776940" cy="1123064"/>
           </a:xfrm>
           <a:prstGeom prst="bentConnector2">
             <a:avLst/>
@@ -4613,6 +4615,7 @@
         <p:nvCxnSpPr>
           <p:cNvPr id="77" name="Elbow Connector 63"/>
           <p:cNvCxnSpPr>
+            <a:cxnSpLocks/>
             <a:stCxn id="16" idx="3"/>
             <a:endCxn id="37" idx="3"/>
           </p:cNvCxnSpPr>
@@ -4620,8 +4623,8 @@
         </p:nvCxnSpPr>
         <p:spPr>
           <a:xfrm rot="5400000">
-            <a:off x="4174488" y="2991741"/>
-            <a:ext cx="2061222" cy="649740"/>
+            <a:off x="3722436" y="3061099"/>
+            <a:ext cx="3584384" cy="357788"/>
           </a:xfrm>
           <a:prstGeom prst="bentConnector2">
             <a:avLst/>
@@ -4661,8 +4664,8 @@
         </p:nvCxnSpPr>
         <p:spPr>
           <a:xfrm rot="5400000">
-            <a:off x="3867176" y="2104987"/>
-            <a:ext cx="1481780" cy="1843806"/>
+            <a:off x="4070937" y="1293330"/>
+            <a:ext cx="1468115" cy="1777057"/>
           </a:xfrm>
           <a:prstGeom prst="bentConnector2">
             <a:avLst/>
@@ -4702,8 +4705,8 @@
         </p:nvCxnSpPr>
         <p:spPr>
           <a:xfrm flipV="1">
-            <a:off x="3189583" y="2286000"/>
-            <a:ext cx="2340386" cy="228600"/>
+            <a:off x="3419885" y="1447801"/>
+            <a:ext cx="2273637" cy="208594"/>
           </a:xfrm>
           <a:prstGeom prst="bentConnector2">
             <a:avLst/>
@@ -4743,8 +4746,8 @@
         </p:nvCxnSpPr>
         <p:spPr>
           <a:xfrm rot="5400000">
-            <a:off x="3409976" y="2562187"/>
-            <a:ext cx="2396180" cy="1843807"/>
+            <a:off x="3613736" y="1750529"/>
+            <a:ext cx="2382515" cy="1777058"/>
           </a:xfrm>
           <a:prstGeom prst="bentConnector2">
             <a:avLst/>
@@ -4784,8 +4787,8 @@
         </p:nvCxnSpPr>
         <p:spPr>
           <a:xfrm rot="5400000">
-            <a:off x="3208856" y="2763307"/>
-            <a:ext cx="2798421" cy="1843806"/>
+            <a:off x="3412616" y="1951651"/>
+            <a:ext cx="2784756" cy="1777057"/>
           </a:xfrm>
           <a:prstGeom prst="bentConnector2">
             <a:avLst/>
@@ -4818,14 +4821,14 @@
         <p:nvCxnSpPr>
           <p:cNvPr id="107" name="Elbow Connector 106"/>
           <p:cNvCxnSpPr>
-            <a:stCxn id="9" idx="0"/>
+            <a:cxnSpLocks/>
           </p:cNvCxnSpPr>
           <p:nvPr/>
         </p:nvCxnSpPr>
         <p:spPr>
           <a:xfrm rot="5400000" flipH="1" flipV="1">
-            <a:off x="4594921" y="-355061"/>
-            <a:ext cx="170724" cy="4081246"/>
+            <a:off x="5336367" y="-1204107"/>
+            <a:ext cx="130713" cy="4043163"/>
           </a:xfrm>
           <a:prstGeom prst="bentConnector2">
             <a:avLst/>
@@ -4863,8 +4866,8 @@
         </p:nvSpPr>
         <p:spPr>
           <a:xfrm rot="16200000">
-            <a:off x="6213739" y="4560376"/>
-            <a:ext cx="1371599" cy="328045"/>
+            <a:off x="6744512" y="3655320"/>
+            <a:ext cx="1828800" cy="441994"/>
           </a:xfrm>
           <a:prstGeom prst="roundRect">
             <a:avLst/>
@@ -4902,14 +4905,14 @@
             <a:r>
               <a:rPr lang="en-US" sz="1100" b="1" dirty="0">
                 <a:solidFill>
-                  <a:schemeClr val="bg1"/>
+                  <a:schemeClr val="tx1"/>
                 </a:solidFill>
               </a:rPr>
               <a:t>Model</a:t>
             </a:r>
             <a:endParaRPr lang="en-SG" sz="1100" b="1" dirty="0">
               <a:solidFill>
-                <a:schemeClr val="bg1"/>
+                <a:schemeClr val="tx1"/>
               </a:solidFill>
             </a:endParaRPr>
           </a:p>
@@ -4923,8 +4926,8 @@
         </p:nvSpPr>
         <p:spPr>
           <a:xfrm rot="16200000">
-            <a:off x="956202" y="2861202"/>
-            <a:ext cx="1093635" cy="346760"/>
+            <a:off x="1059318" y="1947833"/>
+            <a:ext cx="1219824" cy="370910"/>
           </a:xfrm>
           <a:prstGeom prst="rect">
             <a:avLst/>
@@ -4993,8 +4996,8 @@
         </p:nvSpPr>
         <p:spPr>
           <a:xfrm flipV="1">
-            <a:off x="1367767" y="2286001"/>
-            <a:ext cx="270504" cy="175523"/>
+            <a:off x="1521901" y="1427548"/>
+            <a:ext cx="289343" cy="195776"/>
           </a:xfrm>
           <a:prstGeom prst="triangle">
             <a:avLst/>
@@ -5044,8 +5047,8 @@
         </p:nvCxnSpPr>
         <p:spPr>
           <a:xfrm rot="10800000" flipV="1">
-            <a:off x="1503020" y="1944303"/>
-            <a:ext cx="589823" cy="341697"/>
+            <a:off x="1666573" y="1086098"/>
+            <a:ext cx="580404" cy="341449"/>
           </a:xfrm>
           <a:prstGeom prst="bentConnector2">
             <a:avLst/>
@@ -5086,8 +5089,8 @@
         </p:nvCxnSpPr>
         <p:spPr>
           <a:xfrm rot="16200000" flipH="1">
-            <a:off x="2226110" y="3058040"/>
-            <a:ext cx="554704" cy="174673"/>
+            <a:off x="2390267" y="2216197"/>
+            <a:ext cx="541039" cy="168295"/>
           </a:xfrm>
           <a:prstGeom prst="bentConnector2">
             <a:avLst/>
@@ -5127,8 +5130,8 @@
         </p:nvCxnSpPr>
         <p:spPr>
           <a:xfrm rot="5400000">
-            <a:off x="4205956" y="1766207"/>
-            <a:ext cx="804221" cy="1843806"/>
+            <a:off x="4409716" y="954551"/>
+            <a:ext cx="790556" cy="1777057"/>
           </a:xfrm>
           <a:prstGeom prst="bentConnector2">
             <a:avLst/>
@@ -5161,15 +5164,16 @@
         <p:nvCxnSpPr>
           <p:cNvPr id="137" name="Elbow Connector 136"/>
           <p:cNvCxnSpPr>
-            <a:stCxn id="36" idx="2"/>
+            <a:cxnSpLocks/>
+            <a:stCxn id="45" idx="2"/>
             <a:endCxn id="37" idx="1"/>
           </p:cNvCxnSpPr>
           <p:nvPr/>
         </p:nvCxnSpPr>
         <p:spPr>
           <a:xfrm rot="16200000" flipH="1">
-            <a:off x="3430123" y="3938021"/>
-            <a:ext cx="118421" cy="699979"/>
+            <a:off x="3526556" y="4623353"/>
+            <a:ext cx="205821" cy="611841"/>
           </a:xfrm>
           <a:prstGeom prst="bentConnector2">
             <a:avLst/>
@@ -5209,8 +5213,8 @@
         </p:nvCxnSpPr>
         <p:spPr>
           <a:xfrm rot="5400000">
-            <a:off x="3695875" y="2276286"/>
-            <a:ext cx="1824381" cy="1843808"/>
+            <a:off x="3899635" y="1464630"/>
+            <a:ext cx="1810716" cy="1777059"/>
           </a:xfrm>
           <a:prstGeom prst="bentConnector2">
             <a:avLst/>
@@ -5247,8 +5251,8 @@
         </p:nvSpPr>
         <p:spPr>
           <a:xfrm>
-            <a:off x="5422048" y="2339335"/>
-            <a:ext cx="229325" cy="166560"/>
+            <a:off x="5576183" y="1481917"/>
+            <a:ext cx="245296" cy="185778"/>
           </a:xfrm>
           <a:prstGeom prst="rect">
             <a:avLst/>
@@ -5300,8 +5304,8 @@
         </p:nvSpPr>
         <p:spPr>
           <a:xfrm>
-            <a:off x="3186477" y="2405681"/>
-            <a:ext cx="3537529" cy="45719"/>
+            <a:off x="3426278" y="1592509"/>
+            <a:ext cx="3982419" cy="59926"/>
           </a:xfrm>
           <a:custGeom>
             <a:avLst/>
@@ -5382,8 +5386,8 @@
         </p:nvSpPr>
         <p:spPr>
           <a:xfrm>
-            <a:off x="5431573" y="4488138"/>
-            <a:ext cx="229325" cy="160062"/>
+            <a:off x="5585708" y="3631469"/>
+            <a:ext cx="245296" cy="178531"/>
           </a:xfrm>
           <a:prstGeom prst="rect">
             <a:avLst/>
@@ -5434,9 +5438,819 @@
           <p:nvPr/>
         </p:nvSpPr>
         <p:spPr>
+          <a:xfrm>
+            <a:off x="4604377" y="4111881"/>
+            <a:ext cx="2818929" cy="846741"/>
+          </a:xfrm>
+          <a:custGeom>
+            <a:avLst/>
+            <a:gdLst>
+              <a:gd name="connsiteX0" fmla="*/ 0 w 3048000"/>
+              <a:gd name="connsiteY0" fmla="*/ 203200 h 203200"/>
+              <a:gd name="connsiteX1" fmla="*/ 221673 w 3048000"/>
+              <a:gd name="connsiteY1" fmla="*/ 0 h 203200"/>
+              <a:gd name="connsiteX2" fmla="*/ 3048000 w 3048000"/>
+              <a:gd name="connsiteY2" fmla="*/ 0 h 203200"/>
+            </a:gdLst>
+            <a:ahLst/>
+            <a:cxnLst>
+              <a:cxn ang="0">
+                <a:pos x="connsiteX0" y="connsiteY0"/>
+              </a:cxn>
+              <a:cxn ang="0">
+                <a:pos x="connsiteX1" y="connsiteY1"/>
+              </a:cxn>
+              <a:cxn ang="0">
+                <a:pos x="connsiteX2" y="connsiteY2"/>
+              </a:cxn>
+            </a:cxnLst>
+            <a:rect l="l" t="t" r="r" b="b"/>
+            <a:pathLst>
+              <a:path w="3048000" h="203200">
+                <a:moveTo>
+                  <a:pt x="0" y="203200"/>
+                </a:moveTo>
+                <a:lnTo>
+                  <a:pt x="221673" y="0"/>
+                </a:lnTo>
+                <a:lnTo>
+                  <a:pt x="3048000" y="0"/>
+                </a:lnTo>
+              </a:path>
+            </a:pathLst>
+          </a:custGeom>
+          <a:noFill/>
+          <a:ln w="19050">
+            <a:solidFill>
+              <a:schemeClr val="accent3"/>
+            </a:solidFill>
+            <a:prstDash val="sysDot"/>
+            <a:headEnd type="none" w="med" len="med"/>
+            <a:tailEnd type="arrow" w="med" len="med"/>
+          </a:ln>
+          <a:effectLst/>
+        </p:spPr>
+        <p:style>
+          <a:lnRef idx="1">
+            <a:schemeClr val="accent2"/>
+          </a:lnRef>
+          <a:fillRef idx="2">
+            <a:schemeClr val="accent2"/>
+          </a:fillRef>
+          <a:effectRef idx="1">
+            <a:schemeClr val="accent2"/>
+          </a:effectRef>
+          <a:fontRef idx="minor">
+            <a:schemeClr val="dk1"/>
+          </a:fontRef>
+        </p:style>
+        <p:txBody>
+          <a:bodyPr rtlCol="0" anchor="ctr"/>
+          <a:lstStyle/>
+          <a:p>
+            <a:pPr algn="ctr"/>
+            <a:endParaRPr lang="en-SG"/>
+          </a:p>
+        </p:txBody>
+      </p:sp>
+      <p:sp>
+        <p:nvSpPr>
+          <p:cNvPr id="45" name="Rectangle 11">
+            <a:extLst>
+              <a:ext uri="{FF2B5EF4-FFF2-40B4-BE49-F238E27FC236}">
+                <a16:creationId xmlns:a16="http://schemas.microsoft.com/office/drawing/2014/main" id="{1AF5F877-3EB7-4E68-B2AB-D87A5C5CCA3D}"/>
+              </a:ext>
+            </a:extLst>
+          </p:cNvPr>
+          <p:cNvSpPr/>
+          <p:nvPr/>
+        </p:nvSpPr>
+        <p:spPr>
+          <a:xfrm>
+            <a:off x="2738645" y="4562195"/>
+            <a:ext cx="1169802" cy="264169"/>
+          </a:xfrm>
+          <a:prstGeom prst="rect">
+            <a:avLst/>
+          </a:prstGeom>
+          <a:ln w="19050">
+            <a:solidFill>
+              <a:schemeClr val="accent3"/>
+            </a:solidFill>
+          </a:ln>
+          <a:effectLst/>
+        </p:spPr>
+        <p:style>
+          <a:lnRef idx="1">
+            <a:schemeClr val="accent3"/>
+          </a:lnRef>
+          <a:fillRef idx="2">
+            <a:schemeClr val="accent3"/>
+          </a:fillRef>
+          <a:effectRef idx="1">
+            <a:schemeClr val="accent3"/>
+          </a:effectRef>
+          <a:fontRef idx="minor">
+            <a:schemeClr val="dk1"/>
+          </a:fontRef>
+        </p:style>
+        <p:txBody>
+          <a:bodyPr rtlCol="0" anchor="ctr"/>
+          <a:lstStyle/>
+          <a:p>
+            <a:pPr algn="ctr"/>
+            <a:r>
+              <a:rPr lang="en-US" sz="1050" b="1" dirty="0" err="1">
+                <a:solidFill>
+                  <a:schemeClr val="accent3">
+                    <a:lumMod val="75000"/>
+                  </a:schemeClr>
+                </a:solidFill>
+              </a:rPr>
+              <a:t>RightParentPanel</a:t>
+            </a:r>
+            <a:endParaRPr lang="en-SG" sz="1050" b="1" dirty="0">
+              <a:solidFill>
+                <a:schemeClr val="accent3">
+                  <a:lumMod val="75000"/>
+                </a:schemeClr>
+              </a:solidFill>
+            </a:endParaRPr>
+          </a:p>
+        </p:txBody>
+      </p:sp>
+      <p:cxnSp>
+        <p:nvCxnSpPr>
+          <p:cNvPr id="46" name="Elbow Connector 63">
+            <a:extLst>
+              <a:ext uri="{FF2B5EF4-FFF2-40B4-BE49-F238E27FC236}">
+                <a16:creationId xmlns:a16="http://schemas.microsoft.com/office/drawing/2014/main" id="{966A8F91-0DF8-42FC-BA4A-B0029A6371F1}"/>
+              </a:ext>
+            </a:extLst>
+          </p:cNvPr>
+          <p:cNvCxnSpPr>
+            <a:cxnSpLocks/>
+            <a:endCxn id="45" idx="1"/>
+          </p:cNvCxnSpPr>
+          <p:nvPr/>
+        </p:nvCxnSpPr>
+        <p:spPr>
+          <a:xfrm rot="16200000" flipH="1">
+            <a:off x="2215502" y="4171137"/>
+            <a:ext cx="884280" cy="162006"/>
+          </a:xfrm>
+          <a:prstGeom prst="bentConnector2">
+            <a:avLst/>
+          </a:prstGeom>
+          <a:ln w="19050">
+            <a:solidFill>
+              <a:schemeClr val="accent3"/>
+            </a:solidFill>
+            <a:headEnd type="none" w="med" len="med"/>
+            <a:tailEnd type="arrow" w="med" len="med"/>
+          </a:ln>
+          <a:effectLst/>
+        </p:spPr>
+        <p:style>
+          <a:lnRef idx="1">
+            <a:schemeClr val="accent2"/>
+          </a:lnRef>
+          <a:fillRef idx="2">
+            <a:schemeClr val="accent2"/>
+          </a:fillRef>
+          <a:effectRef idx="1">
+            <a:schemeClr val="accent2"/>
+          </a:effectRef>
+          <a:fontRef idx="minor">
+            <a:schemeClr val="dk1"/>
+          </a:fontRef>
+        </p:style>
+      </p:cxnSp>
+      <p:sp>
+        <p:nvSpPr>
+          <p:cNvPr id="49" name="Rectangle 11">
+            <a:extLst>
+              <a:ext uri="{FF2B5EF4-FFF2-40B4-BE49-F238E27FC236}">
+                <a16:creationId xmlns:a16="http://schemas.microsoft.com/office/drawing/2014/main" id="{F3F4D06E-7067-44AD-9184-A518CB020802}"/>
+              </a:ext>
+            </a:extLst>
+          </p:cNvPr>
+          <p:cNvSpPr/>
+          <p:nvPr/>
+        </p:nvSpPr>
+        <p:spPr>
+          <a:xfrm>
+            <a:off x="4130827" y="3460203"/>
+            <a:ext cx="1113400" cy="264169"/>
+          </a:xfrm>
+          <a:prstGeom prst="rect">
+            <a:avLst/>
+          </a:prstGeom>
+          <a:ln w="19050">
+            <a:solidFill>
+              <a:schemeClr val="accent3"/>
+            </a:solidFill>
+          </a:ln>
+          <a:effectLst/>
+        </p:spPr>
+        <p:style>
+          <a:lnRef idx="1">
+            <a:schemeClr val="accent3"/>
+          </a:lnRef>
+          <a:fillRef idx="2">
+            <a:schemeClr val="accent3"/>
+          </a:fillRef>
+          <a:effectRef idx="1">
+            <a:schemeClr val="accent3"/>
+          </a:effectRef>
+          <a:fontRef idx="minor">
+            <a:schemeClr val="dk1"/>
+          </a:fontRef>
+        </p:style>
+        <p:txBody>
+          <a:bodyPr rtlCol="0" anchor="ctr"/>
+          <a:lstStyle/>
+          <a:p>
+            <a:pPr algn="ctr"/>
+            <a:r>
+              <a:rPr lang="en-US" sz="1050" b="1" dirty="0" err="1">
+                <a:solidFill>
+                  <a:schemeClr val="accent3">
+                    <a:lumMod val="75000"/>
+                  </a:schemeClr>
+                </a:solidFill>
+              </a:rPr>
+              <a:t>PlaceCard</a:t>
+            </a:r>
+            <a:endParaRPr lang="en-SG" sz="1050" b="1" dirty="0">
+              <a:solidFill>
+                <a:schemeClr val="accent3">
+                  <a:lumMod val="75000"/>
+                </a:schemeClr>
+              </a:solidFill>
+            </a:endParaRPr>
+          </a:p>
+        </p:txBody>
+      </p:sp>
+      <p:cxnSp>
+        <p:nvCxnSpPr>
+          <p:cNvPr id="51" name="Elbow Connector 136">
+            <a:extLst>
+              <a:ext uri="{FF2B5EF4-FFF2-40B4-BE49-F238E27FC236}">
+                <a16:creationId xmlns:a16="http://schemas.microsoft.com/office/drawing/2014/main" id="{D735BB94-6629-4493-8536-8FC3C75EBC74}"/>
+              </a:ext>
+            </a:extLst>
+          </p:cNvPr>
+          <p:cNvCxnSpPr>
+            <a:cxnSpLocks/>
+            <a:stCxn id="36" idx="2"/>
+            <a:endCxn id="49" idx="1"/>
+          </p:cNvCxnSpPr>
+          <p:nvPr/>
+        </p:nvCxnSpPr>
+        <p:spPr>
+          <a:xfrm rot="16200000" flipH="1">
+            <a:off x="3630351" y="3091811"/>
+            <a:ext cx="201687" cy="799265"/>
+          </a:xfrm>
+          <a:prstGeom prst="bentConnector2">
+            <a:avLst/>
+          </a:prstGeom>
+          <a:ln w="19050">
+            <a:solidFill>
+              <a:schemeClr val="accent3"/>
+            </a:solidFill>
+            <a:headEnd type="none" w="med" len="med"/>
+            <a:tailEnd type="arrow" w="med" len="med"/>
+          </a:ln>
+          <a:effectLst/>
+        </p:spPr>
+        <p:style>
+          <a:lnRef idx="1">
+            <a:schemeClr val="accent2"/>
+          </a:lnRef>
+          <a:fillRef idx="2">
+            <a:schemeClr val="accent2"/>
+          </a:fillRef>
+          <a:effectRef idx="1">
+            <a:schemeClr val="accent2"/>
+          </a:effectRef>
+          <a:fontRef idx="minor">
+            <a:schemeClr val="dk1"/>
+          </a:fontRef>
+        </p:style>
+      </p:cxnSp>
+      <p:sp>
+        <p:nvSpPr>
+          <p:cNvPr id="52" name="Freeform 117">
+            <a:extLst>
+              <a:ext uri="{FF2B5EF4-FFF2-40B4-BE49-F238E27FC236}">
+                <a16:creationId xmlns:a16="http://schemas.microsoft.com/office/drawing/2014/main" id="{296B990B-57E4-470D-8EE3-EC72132B08B8}"/>
+              </a:ext>
+            </a:extLst>
+          </p:cNvPr>
+          <p:cNvSpPr/>
+          <p:nvPr/>
+        </p:nvSpPr>
+        <p:spPr>
           <a:xfrm flipV="1">
-            <a:off x="4114799" y="4472708"/>
-            <a:ext cx="2642195" cy="101600"/>
+            <a:off x="4669355" y="3708134"/>
+            <a:ext cx="2768560" cy="165719"/>
+          </a:xfrm>
+          <a:custGeom>
+            <a:avLst/>
+            <a:gdLst>
+              <a:gd name="connsiteX0" fmla="*/ 0 w 3048000"/>
+              <a:gd name="connsiteY0" fmla="*/ 203200 h 203200"/>
+              <a:gd name="connsiteX1" fmla="*/ 221673 w 3048000"/>
+              <a:gd name="connsiteY1" fmla="*/ 0 h 203200"/>
+              <a:gd name="connsiteX2" fmla="*/ 3048000 w 3048000"/>
+              <a:gd name="connsiteY2" fmla="*/ 0 h 203200"/>
+            </a:gdLst>
+            <a:ahLst/>
+            <a:cxnLst>
+              <a:cxn ang="0">
+                <a:pos x="connsiteX0" y="connsiteY0"/>
+              </a:cxn>
+              <a:cxn ang="0">
+                <a:pos x="connsiteX1" y="connsiteY1"/>
+              </a:cxn>
+              <a:cxn ang="0">
+                <a:pos x="connsiteX2" y="connsiteY2"/>
+              </a:cxn>
+            </a:cxnLst>
+            <a:rect l="l" t="t" r="r" b="b"/>
+            <a:pathLst>
+              <a:path w="3048000" h="203200">
+                <a:moveTo>
+                  <a:pt x="0" y="203200"/>
+                </a:moveTo>
+                <a:lnTo>
+                  <a:pt x="221673" y="0"/>
+                </a:lnTo>
+                <a:lnTo>
+                  <a:pt x="3048000" y="0"/>
+                </a:lnTo>
+              </a:path>
+            </a:pathLst>
+          </a:custGeom>
+          <a:noFill/>
+          <a:ln w="19050">
+            <a:solidFill>
+              <a:schemeClr val="accent3"/>
+            </a:solidFill>
+            <a:prstDash val="sysDot"/>
+            <a:headEnd type="none" w="med" len="med"/>
+            <a:tailEnd type="arrow" w="med" len="med"/>
+          </a:ln>
+          <a:effectLst/>
+        </p:spPr>
+        <p:style>
+          <a:lnRef idx="1">
+            <a:schemeClr val="accent2"/>
+          </a:lnRef>
+          <a:fillRef idx="2">
+            <a:schemeClr val="accent2"/>
+          </a:fillRef>
+          <a:effectRef idx="1">
+            <a:schemeClr val="accent2"/>
+          </a:effectRef>
+          <a:fontRef idx="minor">
+            <a:schemeClr val="dk1"/>
+          </a:fontRef>
+        </p:style>
+        <p:txBody>
+          <a:bodyPr rtlCol="0" anchor="ctr"/>
+          <a:lstStyle/>
+          <a:p>
+            <a:pPr algn="ctr"/>
+            <a:endParaRPr lang="en-SG"/>
+          </a:p>
+        </p:txBody>
+      </p:sp>
+      <p:cxnSp>
+        <p:nvCxnSpPr>
+          <p:cNvPr id="55" name="Elbow Connector 63">
+            <a:extLst>
+              <a:ext uri="{FF2B5EF4-FFF2-40B4-BE49-F238E27FC236}">
+                <a16:creationId xmlns:a16="http://schemas.microsoft.com/office/drawing/2014/main" id="{FE3258DC-0AB6-41B3-A71B-EF8E40E35BB7}"/>
+              </a:ext>
+            </a:extLst>
+          </p:cNvPr>
+          <p:cNvCxnSpPr/>
+          <p:nvPr/>
+        </p:nvCxnSpPr>
+        <p:spPr>
+          <a:xfrm rot="5400000">
+            <a:off x="4409715" y="3410648"/>
+            <a:ext cx="790556" cy="1777057"/>
+          </a:xfrm>
+          <a:prstGeom prst="bentConnector2">
+            <a:avLst/>
+          </a:prstGeom>
+          <a:ln w="6350">
+            <a:solidFill>
+              <a:schemeClr val="accent3"/>
+            </a:solidFill>
+            <a:headEnd type="none" w="med" len="med"/>
+            <a:tailEnd type="none" w="med" len="med"/>
+          </a:ln>
+          <a:effectLst/>
+        </p:spPr>
+        <p:style>
+          <a:lnRef idx="1">
+            <a:schemeClr val="accent2"/>
+          </a:lnRef>
+          <a:fillRef idx="2">
+            <a:schemeClr val="accent2"/>
+          </a:fillRef>
+          <a:effectRef idx="1">
+            <a:schemeClr val="accent2"/>
+          </a:effectRef>
+          <a:fontRef idx="minor">
+            <a:schemeClr val="dk1"/>
+          </a:fontRef>
+        </p:style>
+      </p:cxnSp>
+      <p:sp>
+        <p:nvSpPr>
+          <p:cNvPr id="58" name="Rectangle 11">
+            <a:extLst>
+              <a:ext uri="{FF2B5EF4-FFF2-40B4-BE49-F238E27FC236}">
+                <a16:creationId xmlns:a16="http://schemas.microsoft.com/office/drawing/2014/main" id="{AD0FD51F-F80D-4D4C-ACAB-0D02CD98D100}"/>
+              </a:ext>
+            </a:extLst>
+          </p:cNvPr>
+          <p:cNvSpPr/>
+          <p:nvPr/>
+        </p:nvSpPr>
+        <p:spPr>
+          <a:xfrm>
+            <a:off x="3949996" y="5287796"/>
+            <a:ext cx="1400347" cy="264169"/>
+          </a:xfrm>
+          <a:prstGeom prst="rect">
+            <a:avLst/>
+          </a:prstGeom>
+          <a:ln w="19050">
+            <a:solidFill>
+              <a:schemeClr val="accent3"/>
+            </a:solidFill>
+          </a:ln>
+          <a:effectLst/>
+        </p:spPr>
+        <p:style>
+          <a:lnRef idx="1">
+            <a:schemeClr val="accent3"/>
+          </a:lnRef>
+          <a:fillRef idx="2">
+            <a:schemeClr val="accent3"/>
+          </a:fillRef>
+          <a:effectRef idx="1">
+            <a:schemeClr val="accent3"/>
+          </a:effectRef>
+          <a:fontRef idx="minor">
+            <a:schemeClr val="dk1"/>
+          </a:fontRef>
+        </p:style>
+        <p:txBody>
+          <a:bodyPr rtlCol="0" anchor="ctr"/>
+          <a:lstStyle/>
+          <a:p>
+            <a:pPr algn="ctr"/>
+            <a:r>
+              <a:rPr lang="en-US" sz="1050" b="1" dirty="0" err="1">
+                <a:solidFill>
+                  <a:schemeClr val="accent3">
+                    <a:lumMod val="75000"/>
+                  </a:schemeClr>
+                </a:solidFill>
+              </a:rPr>
+              <a:t>DisplayListPanel</a:t>
+            </a:r>
+            <a:endParaRPr lang="en-SG" sz="1050" b="1" dirty="0">
+              <a:solidFill>
+                <a:schemeClr val="accent3">
+                  <a:lumMod val="75000"/>
+                </a:schemeClr>
+              </a:solidFill>
+            </a:endParaRPr>
+          </a:p>
+        </p:txBody>
+      </p:sp>
+      <p:cxnSp>
+        <p:nvCxnSpPr>
+          <p:cNvPr id="59" name="Elbow Connector 63">
+            <a:extLst>
+              <a:ext uri="{FF2B5EF4-FFF2-40B4-BE49-F238E27FC236}">
+                <a16:creationId xmlns:a16="http://schemas.microsoft.com/office/drawing/2014/main" id="{2513FE4D-8ADC-45CA-8CE2-9E401007B88B}"/>
+              </a:ext>
+            </a:extLst>
+          </p:cNvPr>
+          <p:cNvCxnSpPr>
+            <a:cxnSpLocks/>
+            <a:endCxn id="58" idx="3"/>
+          </p:cNvCxnSpPr>
+          <p:nvPr/>
+        </p:nvCxnSpPr>
+        <p:spPr>
+          <a:xfrm rot="5400000">
+            <a:off x="3737045" y="3448795"/>
+            <a:ext cx="3584384" cy="357788"/>
+          </a:xfrm>
+          <a:prstGeom prst="bentConnector2">
+            <a:avLst/>
+          </a:prstGeom>
+          <a:ln w="6350">
+            <a:solidFill>
+              <a:schemeClr val="accent3"/>
+            </a:solidFill>
+            <a:headEnd type="none" w="med" len="med"/>
+            <a:tailEnd type="none" w="med" len="med"/>
+          </a:ln>
+          <a:effectLst/>
+        </p:spPr>
+        <p:style>
+          <a:lnRef idx="1">
+            <a:schemeClr val="accent2"/>
+          </a:lnRef>
+          <a:fillRef idx="2">
+            <a:schemeClr val="accent2"/>
+          </a:fillRef>
+          <a:effectRef idx="1">
+            <a:schemeClr val="accent2"/>
+          </a:effectRef>
+          <a:fontRef idx="minor">
+            <a:schemeClr val="dk1"/>
+          </a:fontRef>
+        </p:style>
+      </p:cxnSp>
+      <p:cxnSp>
+        <p:nvCxnSpPr>
+          <p:cNvPr id="60" name="Elbow Connector 136">
+            <a:extLst>
+              <a:ext uri="{FF2B5EF4-FFF2-40B4-BE49-F238E27FC236}">
+                <a16:creationId xmlns:a16="http://schemas.microsoft.com/office/drawing/2014/main" id="{8C3C08FE-5E1C-4BC7-B686-BB455CE70DD8}"/>
+              </a:ext>
+            </a:extLst>
+          </p:cNvPr>
+          <p:cNvCxnSpPr>
+            <a:cxnSpLocks/>
+            <a:stCxn id="45" idx="2"/>
+            <a:endCxn id="58" idx="1"/>
+          </p:cNvCxnSpPr>
+          <p:nvPr/>
+        </p:nvCxnSpPr>
+        <p:spPr>
+          <a:xfrm rot="16200000" flipH="1">
+            <a:off x="3340013" y="4809897"/>
+            <a:ext cx="593517" cy="626450"/>
+          </a:xfrm>
+          <a:prstGeom prst="bentConnector2">
+            <a:avLst/>
+          </a:prstGeom>
+          <a:ln w="19050">
+            <a:solidFill>
+              <a:schemeClr val="accent3"/>
+            </a:solidFill>
+            <a:headEnd type="none" w="med" len="med"/>
+            <a:tailEnd type="arrow" w="med" len="med"/>
+          </a:ln>
+          <a:effectLst/>
+        </p:spPr>
+        <p:style>
+          <a:lnRef idx="1">
+            <a:schemeClr val="accent2"/>
+          </a:lnRef>
+          <a:fillRef idx="2">
+            <a:schemeClr val="accent2"/>
+          </a:fillRef>
+          <a:effectRef idx="1">
+            <a:schemeClr val="accent2"/>
+          </a:effectRef>
+          <a:fontRef idx="minor">
+            <a:schemeClr val="dk1"/>
+          </a:fontRef>
+        </p:style>
+      </p:cxnSp>
+      <p:sp>
+        <p:nvSpPr>
+          <p:cNvPr id="62" name="Freeform 117">
+            <a:extLst>
+              <a:ext uri="{FF2B5EF4-FFF2-40B4-BE49-F238E27FC236}">
+                <a16:creationId xmlns:a16="http://schemas.microsoft.com/office/drawing/2014/main" id="{531F9DF6-FDC6-41FE-834D-B3A556B39A3E}"/>
+              </a:ext>
+            </a:extLst>
+          </p:cNvPr>
+          <p:cNvSpPr/>
+          <p:nvPr/>
+        </p:nvSpPr>
+        <p:spPr>
+          <a:xfrm>
+            <a:off x="5350343" y="4546864"/>
+            <a:ext cx="2069262" cy="703441"/>
+          </a:xfrm>
+          <a:custGeom>
+            <a:avLst/>
+            <a:gdLst>
+              <a:gd name="connsiteX0" fmla="*/ 0 w 3048000"/>
+              <a:gd name="connsiteY0" fmla="*/ 203200 h 203200"/>
+              <a:gd name="connsiteX1" fmla="*/ 221673 w 3048000"/>
+              <a:gd name="connsiteY1" fmla="*/ 0 h 203200"/>
+              <a:gd name="connsiteX2" fmla="*/ 3048000 w 3048000"/>
+              <a:gd name="connsiteY2" fmla="*/ 0 h 203200"/>
+            </a:gdLst>
+            <a:ahLst/>
+            <a:cxnLst>
+              <a:cxn ang="0">
+                <a:pos x="connsiteX0" y="connsiteY0"/>
+              </a:cxn>
+              <a:cxn ang="0">
+                <a:pos x="connsiteX1" y="connsiteY1"/>
+              </a:cxn>
+              <a:cxn ang="0">
+                <a:pos x="connsiteX2" y="connsiteY2"/>
+              </a:cxn>
+            </a:cxnLst>
+            <a:rect l="l" t="t" r="r" b="b"/>
+            <a:pathLst>
+              <a:path w="3048000" h="203200">
+                <a:moveTo>
+                  <a:pt x="0" y="203200"/>
+                </a:moveTo>
+                <a:lnTo>
+                  <a:pt x="221673" y="0"/>
+                </a:lnTo>
+                <a:lnTo>
+                  <a:pt x="3048000" y="0"/>
+                </a:lnTo>
+              </a:path>
+            </a:pathLst>
+          </a:custGeom>
+          <a:noFill/>
+          <a:ln w="19050">
+            <a:solidFill>
+              <a:schemeClr val="accent3"/>
+            </a:solidFill>
+            <a:prstDash val="sysDot"/>
+            <a:headEnd type="none" w="med" len="med"/>
+            <a:tailEnd type="arrow" w="med" len="med"/>
+          </a:ln>
+          <a:effectLst/>
+        </p:spPr>
+        <p:style>
+          <a:lnRef idx="1">
+            <a:schemeClr val="accent2"/>
+          </a:lnRef>
+          <a:fillRef idx="2">
+            <a:schemeClr val="accent2"/>
+          </a:fillRef>
+          <a:effectRef idx="1">
+            <a:schemeClr val="accent2"/>
+          </a:effectRef>
+          <a:fontRef idx="minor">
+            <a:schemeClr val="dk1"/>
+          </a:fontRef>
+        </p:style>
+        <p:txBody>
+          <a:bodyPr rtlCol="0" anchor="ctr"/>
+          <a:lstStyle/>
+          <a:p>
+            <a:pPr algn="ctr"/>
+            <a:endParaRPr lang="en-SG"/>
+          </a:p>
+        </p:txBody>
+      </p:sp>
+      <p:sp>
+        <p:nvSpPr>
+          <p:cNvPr id="65" name="Rectangle 11">
+            <a:extLst>
+              <a:ext uri="{FF2B5EF4-FFF2-40B4-BE49-F238E27FC236}">
+                <a16:creationId xmlns:a16="http://schemas.microsoft.com/office/drawing/2014/main" id="{9896F569-75DA-4420-9D21-4E01A116D5F5}"/>
+              </a:ext>
+            </a:extLst>
+          </p:cNvPr>
+          <p:cNvSpPr/>
+          <p:nvPr/>
+        </p:nvSpPr>
+        <p:spPr>
+          <a:xfrm>
+            <a:off x="5006387" y="5628641"/>
+            <a:ext cx="1400347" cy="264169"/>
+          </a:xfrm>
+          <a:prstGeom prst="rect">
+            <a:avLst/>
+          </a:prstGeom>
+          <a:ln w="19050">
+            <a:solidFill>
+              <a:schemeClr val="accent3"/>
+            </a:solidFill>
+          </a:ln>
+          <a:effectLst/>
+        </p:spPr>
+        <p:style>
+          <a:lnRef idx="1">
+            <a:schemeClr val="accent3"/>
+          </a:lnRef>
+          <a:fillRef idx="2">
+            <a:schemeClr val="accent3"/>
+          </a:fillRef>
+          <a:effectRef idx="1">
+            <a:schemeClr val="accent3"/>
+          </a:effectRef>
+          <a:fontRef idx="minor">
+            <a:schemeClr val="dk1"/>
+          </a:fontRef>
+        </p:style>
+        <p:txBody>
+          <a:bodyPr rtlCol="0" anchor="ctr"/>
+          <a:lstStyle/>
+          <a:p>
+            <a:pPr algn="ctr"/>
+            <a:r>
+              <a:rPr lang="en-US" sz="1050" b="1" dirty="0" err="1">
+                <a:solidFill>
+                  <a:schemeClr val="accent3">
+                    <a:lumMod val="75000"/>
+                  </a:schemeClr>
+                </a:solidFill>
+              </a:rPr>
+              <a:t>DisplayCard</a:t>
+            </a:r>
+            <a:endParaRPr lang="en-SG" sz="1050" b="1" dirty="0">
+              <a:solidFill>
+                <a:schemeClr val="accent3">
+                  <a:lumMod val="75000"/>
+                </a:schemeClr>
+              </a:solidFill>
+            </a:endParaRPr>
+          </a:p>
+        </p:txBody>
+      </p:sp>
+      <p:cxnSp>
+        <p:nvCxnSpPr>
+          <p:cNvPr id="67" name="Elbow Connector 136">
+            <a:extLst>
+              <a:ext uri="{FF2B5EF4-FFF2-40B4-BE49-F238E27FC236}">
+                <a16:creationId xmlns:a16="http://schemas.microsoft.com/office/drawing/2014/main" id="{F6B64D5E-B5C5-49FD-9B69-2A7E1678FABA}"/>
+              </a:ext>
+            </a:extLst>
+          </p:cNvPr>
+          <p:cNvCxnSpPr>
+            <a:cxnSpLocks/>
+            <a:stCxn id="58" idx="2"/>
+            <a:endCxn id="65" idx="1"/>
+          </p:cNvCxnSpPr>
+          <p:nvPr/>
+        </p:nvCxnSpPr>
+        <p:spPr>
+          <a:xfrm rot="16200000" flipH="1">
+            <a:off x="4723898" y="5478236"/>
+            <a:ext cx="208761" cy="356217"/>
+          </a:xfrm>
+          <a:prstGeom prst="bentConnector2">
+            <a:avLst/>
+          </a:prstGeom>
+          <a:ln w="19050">
+            <a:solidFill>
+              <a:schemeClr val="accent3"/>
+            </a:solidFill>
+            <a:headEnd type="none" w="med" len="med"/>
+            <a:tailEnd type="arrow" w="med" len="med"/>
+          </a:ln>
+          <a:effectLst/>
+        </p:spPr>
+        <p:style>
+          <a:lnRef idx="1">
+            <a:schemeClr val="accent2"/>
+          </a:lnRef>
+          <a:fillRef idx="2">
+            <a:schemeClr val="accent2"/>
+          </a:fillRef>
+          <a:effectRef idx="1">
+            <a:schemeClr val="accent2"/>
+          </a:effectRef>
+          <a:fontRef idx="minor">
+            <a:schemeClr val="dk1"/>
+          </a:fontRef>
+        </p:style>
+      </p:cxnSp>
+      <p:sp>
+        <p:nvSpPr>
+          <p:cNvPr id="68" name="Freeform 117">
+            <a:extLst>
+              <a:ext uri="{FF2B5EF4-FFF2-40B4-BE49-F238E27FC236}">
+                <a16:creationId xmlns:a16="http://schemas.microsoft.com/office/drawing/2014/main" id="{9C3EE9D2-7979-432C-9A2D-D214EBAA5DB6}"/>
+              </a:ext>
+            </a:extLst>
+          </p:cNvPr>
+          <p:cNvSpPr/>
+          <p:nvPr/>
+        </p:nvSpPr>
+        <p:spPr>
+          <a:xfrm>
+            <a:off x="5947575" y="4368206"/>
+            <a:ext cx="1490340" cy="1260434"/>
           </a:xfrm>
           <a:custGeom>
             <a:avLst/>

--- a/docs/diagrams/UiComponentClassDiagram.pptx
+++ b/docs/diagrams/UiComponentClassDiagram.pptx
@@ -208,7 +208,7 @@
           <a:p>
             <a:fld id="{F5CC4B3F-88C1-4FFA-B1B6-F41C21DC6924}" type="datetimeFigureOut">
               <a:rPr lang="en-US" smtClean="0"/>
-              <a:t>3/22/19</a:t>
+              <a:t>4/2/19</a:t>
             </a:fld>
             <a:endParaRPr lang="en-US"/>
           </a:p>
@@ -654,7 +654,7 @@
           <a:p>
             <a:fld id="{78C97017-6FC3-485B-9764-EAC9E56C1D49}" type="datetimeFigureOut">
               <a:rPr lang="en-US" smtClean="0"/>
-              <a:t>3/22/19</a:t>
+              <a:t>4/2/19</a:t>
             </a:fld>
             <a:endParaRPr lang="en-US"/>
           </a:p>
@@ -822,7 +822,7 @@
           <a:p>
             <a:fld id="{78C97017-6FC3-485B-9764-EAC9E56C1D49}" type="datetimeFigureOut">
               <a:rPr lang="en-US" smtClean="0"/>
-              <a:t>3/22/19</a:t>
+              <a:t>4/2/19</a:t>
             </a:fld>
             <a:endParaRPr lang="en-US"/>
           </a:p>
@@ -1000,7 +1000,7 @@
           <a:p>
             <a:fld id="{78C97017-6FC3-485B-9764-EAC9E56C1D49}" type="datetimeFigureOut">
               <a:rPr lang="en-US" smtClean="0"/>
-              <a:t>3/22/19</a:t>
+              <a:t>4/2/19</a:t>
             </a:fld>
             <a:endParaRPr lang="en-US"/>
           </a:p>
@@ -1168,7 +1168,7 @@
           <a:p>
             <a:fld id="{78C97017-6FC3-485B-9764-EAC9E56C1D49}" type="datetimeFigureOut">
               <a:rPr lang="en-US" smtClean="0"/>
-              <a:t>3/22/19</a:t>
+              <a:t>4/2/19</a:t>
             </a:fld>
             <a:endParaRPr lang="en-US"/>
           </a:p>
@@ -1413,7 +1413,7 @@
           <a:p>
             <a:fld id="{78C97017-6FC3-485B-9764-EAC9E56C1D49}" type="datetimeFigureOut">
               <a:rPr lang="en-US" smtClean="0"/>
-              <a:t>3/22/19</a:t>
+              <a:t>4/2/19</a:t>
             </a:fld>
             <a:endParaRPr lang="en-US"/>
           </a:p>
@@ -1698,7 +1698,7 @@
           <a:p>
             <a:fld id="{78C97017-6FC3-485B-9764-EAC9E56C1D49}" type="datetimeFigureOut">
               <a:rPr lang="en-US" smtClean="0"/>
-              <a:t>3/22/19</a:t>
+              <a:t>4/2/19</a:t>
             </a:fld>
             <a:endParaRPr lang="en-US"/>
           </a:p>
@@ -2117,7 +2117,7 @@
           <a:p>
             <a:fld id="{78C97017-6FC3-485B-9764-EAC9E56C1D49}" type="datetimeFigureOut">
               <a:rPr lang="en-US" smtClean="0"/>
-              <a:t>3/22/19</a:t>
+              <a:t>4/2/19</a:t>
             </a:fld>
             <a:endParaRPr lang="en-US"/>
           </a:p>
@@ -2234,7 +2234,7 @@
           <a:p>
             <a:fld id="{78C97017-6FC3-485B-9764-EAC9E56C1D49}" type="datetimeFigureOut">
               <a:rPr lang="en-US" smtClean="0"/>
-              <a:t>3/22/19</a:t>
+              <a:t>4/2/19</a:t>
             </a:fld>
             <a:endParaRPr lang="en-US"/>
           </a:p>
@@ -2329,7 +2329,7 @@
           <a:p>
             <a:fld id="{78C97017-6FC3-485B-9764-EAC9E56C1D49}" type="datetimeFigureOut">
               <a:rPr lang="en-US" smtClean="0"/>
-              <a:t>3/22/19</a:t>
+              <a:t>4/2/19</a:t>
             </a:fld>
             <a:endParaRPr lang="en-US"/>
           </a:p>
@@ -2604,7 +2604,7 @@
           <a:p>
             <a:fld id="{78C97017-6FC3-485B-9764-EAC9E56C1D49}" type="datetimeFigureOut">
               <a:rPr lang="en-US" smtClean="0"/>
-              <a:t>3/22/19</a:t>
+              <a:t>4/2/19</a:t>
             </a:fld>
             <a:endParaRPr lang="en-US"/>
           </a:p>
@@ -2856,7 +2856,7 @@
           <a:p>
             <a:fld id="{78C97017-6FC3-485B-9764-EAC9E56C1D49}" type="datetimeFigureOut">
               <a:rPr lang="en-US" smtClean="0"/>
-              <a:t>3/22/19</a:t>
+              <a:t>4/2/19</a:t>
             </a:fld>
             <a:endParaRPr lang="en-US"/>
           </a:p>
@@ -3067,7 +3067,7 @@
           <a:p>
             <a:fld id="{78C97017-6FC3-485B-9764-EAC9E56C1D49}" type="datetimeFigureOut">
               <a:rPr lang="en-US" smtClean="0"/>
-              <a:t>3/22/19</a:t>
+              <a:t>4/2/19</a:t>
             </a:fld>
             <a:endParaRPr lang="en-US"/>
           </a:p>
@@ -3450,8 +3450,8 @@
         </p:nvSpPr>
         <p:spPr>
           <a:xfrm>
-            <a:off x="1217465" y="1447800"/>
-            <a:ext cx="4917083" cy="3962400"/>
+            <a:off x="1201051" y="1508002"/>
+            <a:ext cx="4894950" cy="4359398"/>
           </a:xfrm>
           <a:prstGeom prst="roundRect">
             <a:avLst>
@@ -3945,7 +3945,7 @@
         </p:nvSpPr>
         <p:spPr>
           <a:xfrm>
-            <a:off x="2592527" y="4563759"/>
+            <a:off x="2579594" y="5163084"/>
             <a:ext cx="1093635" cy="236841"/>
           </a:xfrm>
           <a:prstGeom prst="rect">
@@ -4125,7 +4125,7 @@
         </p:nvSpPr>
         <p:spPr>
           <a:xfrm>
-            <a:off x="2592528" y="4966000"/>
+            <a:off x="2586061" y="5518345"/>
             <a:ext cx="1093635" cy="236841"/>
           </a:xfrm>
           <a:prstGeom prst="rect">
@@ -4420,8 +4420,8 @@
         </p:nvCxnSpPr>
         <p:spPr>
           <a:xfrm rot="16200000" flipH="1">
-            <a:off x="1597249" y="3686901"/>
-            <a:ext cx="1814155" cy="176401"/>
+            <a:off x="1291120" y="3993031"/>
+            <a:ext cx="2413480" cy="163468"/>
           </a:xfrm>
           <a:prstGeom prst="bentConnector2">
             <a:avLst/>
@@ -4454,14 +4454,15 @@
         <p:nvCxnSpPr>
           <p:cNvPr id="53" name="Elbow Connector 63"/>
           <p:cNvCxnSpPr>
+            <a:cxnSpLocks/>
             <a:endCxn id="38" idx="1"/>
           </p:cNvCxnSpPr>
           <p:nvPr/>
         </p:nvCxnSpPr>
         <p:spPr>
           <a:xfrm rot="16200000" flipH="1">
-            <a:off x="1184119" y="3676012"/>
-            <a:ext cx="2396440" cy="420377"/>
+            <a:off x="892471" y="3943176"/>
+            <a:ext cx="2930554" cy="456625"/>
           </a:xfrm>
           <a:prstGeom prst="bentConnector2">
             <a:avLst/>
@@ -4745,8 +4746,8 @@
         </p:nvCxnSpPr>
         <p:spPr>
           <a:xfrm rot="5400000">
-            <a:off x="3409976" y="2562187"/>
-            <a:ext cx="2396180" cy="1843807"/>
+            <a:off x="3103847" y="2855382"/>
+            <a:ext cx="2995505" cy="1856740"/>
           </a:xfrm>
           <a:prstGeom prst="bentConnector2">
             <a:avLst/>
@@ -4779,6 +4780,7 @@
         <p:nvCxnSpPr>
           <p:cNvPr id="94" name="Elbow Connector 63"/>
           <p:cNvCxnSpPr>
+            <a:cxnSpLocks/>
             <a:stCxn id="16" idx="3"/>
             <a:endCxn id="38" idx="3"/>
           </p:cNvCxnSpPr>
@@ -4786,8 +4788,8 @@
         </p:nvCxnSpPr>
         <p:spPr>
           <a:xfrm rot="5400000">
-            <a:off x="3208856" y="2763307"/>
-            <a:ext cx="2798421" cy="1843806"/>
+            <a:off x="2929450" y="3036247"/>
+            <a:ext cx="3350766" cy="1850273"/>
           </a:xfrm>
           <a:prstGeom prst="bentConnector2">
             <a:avLst/>
@@ -5511,6 +5513,314 @@
           </a:p>
         </p:txBody>
       </p:sp>
+      <p:sp>
+        <p:nvSpPr>
+          <p:cNvPr id="54" name="Rectangle 11">
+            <a:extLst>
+              <a:ext uri="{FF2B5EF4-FFF2-40B4-BE49-F238E27FC236}">
+                <a16:creationId xmlns:a16="http://schemas.microsoft.com/office/drawing/2014/main" id="{7BAAB7CF-37E2-A34B-A982-732A07E0B659}"/>
+              </a:ext>
+            </a:extLst>
+          </p:cNvPr>
+          <p:cNvSpPr/>
+          <p:nvPr/>
+        </p:nvSpPr>
+        <p:spPr>
+          <a:xfrm>
+            <a:off x="2592526" y="4567581"/>
+            <a:ext cx="1093635" cy="236841"/>
+          </a:xfrm>
+          <a:prstGeom prst="rect">
+            <a:avLst/>
+          </a:prstGeom>
+          <a:ln w="19050">
+            <a:solidFill>
+              <a:schemeClr val="accent3"/>
+            </a:solidFill>
+          </a:ln>
+          <a:effectLst/>
+        </p:spPr>
+        <p:style>
+          <a:lnRef idx="1">
+            <a:schemeClr val="accent3"/>
+          </a:lnRef>
+          <a:fillRef idx="2">
+            <a:schemeClr val="accent3"/>
+          </a:fillRef>
+          <a:effectRef idx="1">
+            <a:schemeClr val="accent3"/>
+          </a:effectRef>
+          <a:fontRef idx="minor">
+            <a:schemeClr val="dk1"/>
+          </a:fontRef>
+        </p:style>
+        <p:txBody>
+          <a:bodyPr rtlCol="0" anchor="ctr"/>
+          <a:lstStyle/>
+          <a:p>
+            <a:pPr algn="ctr"/>
+            <a:r>
+              <a:rPr lang="en-US" sz="1050" b="1" dirty="0" err="1">
+                <a:solidFill>
+                  <a:schemeClr val="accent3">
+                    <a:lumMod val="75000"/>
+                  </a:schemeClr>
+                </a:solidFill>
+              </a:rPr>
+              <a:t>ReviewListPanel</a:t>
+            </a:r>
+            <a:endParaRPr lang="en-SG" sz="1050" b="1" dirty="0">
+              <a:solidFill>
+                <a:schemeClr val="accent3">
+                  <a:lumMod val="75000"/>
+                </a:schemeClr>
+              </a:solidFill>
+            </a:endParaRPr>
+          </a:p>
+        </p:txBody>
+      </p:sp>
+      <p:sp>
+        <p:nvSpPr>
+          <p:cNvPr id="55" name="Rectangle 11">
+            <a:extLst>
+              <a:ext uri="{FF2B5EF4-FFF2-40B4-BE49-F238E27FC236}">
+                <a16:creationId xmlns:a16="http://schemas.microsoft.com/office/drawing/2014/main" id="{F2F0076A-CBF6-DC4B-9EB2-3F20012BBD88}"/>
+              </a:ext>
+            </a:extLst>
+          </p:cNvPr>
+          <p:cNvSpPr/>
+          <p:nvPr/>
+        </p:nvSpPr>
+        <p:spPr>
+          <a:xfrm>
+            <a:off x="3839323" y="4789680"/>
+            <a:ext cx="1040906" cy="236841"/>
+          </a:xfrm>
+          <a:prstGeom prst="rect">
+            <a:avLst/>
+          </a:prstGeom>
+          <a:ln w="19050">
+            <a:solidFill>
+              <a:schemeClr val="accent3"/>
+            </a:solidFill>
+          </a:ln>
+          <a:effectLst/>
+        </p:spPr>
+        <p:style>
+          <a:lnRef idx="1">
+            <a:schemeClr val="accent3"/>
+          </a:lnRef>
+          <a:fillRef idx="2">
+            <a:schemeClr val="accent3"/>
+          </a:fillRef>
+          <a:effectRef idx="1">
+            <a:schemeClr val="accent3"/>
+          </a:effectRef>
+          <a:fontRef idx="minor">
+            <a:schemeClr val="dk1"/>
+          </a:fontRef>
+        </p:style>
+        <p:txBody>
+          <a:bodyPr rtlCol="0" anchor="ctr"/>
+          <a:lstStyle/>
+          <a:p>
+            <a:pPr algn="ctr"/>
+            <a:r>
+              <a:rPr lang="en-US" sz="1050" b="1" dirty="0" err="1">
+                <a:solidFill>
+                  <a:schemeClr val="accent3">
+                    <a:lumMod val="75000"/>
+                  </a:schemeClr>
+                </a:solidFill>
+              </a:rPr>
+              <a:t>ReviewCard</a:t>
+            </a:r>
+            <a:endParaRPr lang="en-SG" sz="1050" b="1" dirty="0">
+              <a:solidFill>
+                <a:schemeClr val="accent3">
+                  <a:lumMod val="75000"/>
+                </a:schemeClr>
+              </a:solidFill>
+            </a:endParaRPr>
+          </a:p>
+        </p:txBody>
+      </p:sp>
+      <p:cxnSp>
+        <p:nvCxnSpPr>
+          <p:cNvPr id="56" name="Elbow Connector 55">
+            <a:extLst>
+              <a:ext uri="{FF2B5EF4-FFF2-40B4-BE49-F238E27FC236}">
+                <a16:creationId xmlns:a16="http://schemas.microsoft.com/office/drawing/2014/main" id="{EED3A3B9-303F-224A-B6A8-809E46A2B225}"/>
+              </a:ext>
+            </a:extLst>
+          </p:cNvPr>
+          <p:cNvCxnSpPr/>
+          <p:nvPr/>
+        </p:nvCxnSpPr>
+        <p:spPr>
+          <a:xfrm rot="16200000" flipH="1">
+            <a:off x="3432420" y="4523251"/>
+            <a:ext cx="118421" cy="699979"/>
+          </a:xfrm>
+          <a:prstGeom prst="bentConnector2">
+            <a:avLst/>
+          </a:prstGeom>
+          <a:ln w="19050">
+            <a:solidFill>
+              <a:schemeClr val="accent3"/>
+            </a:solidFill>
+            <a:headEnd type="none" w="med" len="med"/>
+            <a:tailEnd type="arrow" w="med" len="med"/>
+          </a:ln>
+          <a:effectLst/>
+        </p:spPr>
+        <p:style>
+          <a:lnRef idx="1">
+            <a:schemeClr val="accent2"/>
+          </a:lnRef>
+          <a:fillRef idx="2">
+            <a:schemeClr val="accent2"/>
+          </a:fillRef>
+          <a:effectRef idx="1">
+            <a:schemeClr val="accent2"/>
+          </a:effectRef>
+          <a:fontRef idx="minor">
+            <a:schemeClr val="dk1"/>
+          </a:fontRef>
+        </p:style>
+      </p:cxnSp>
+      <p:sp>
+        <p:nvSpPr>
+          <p:cNvPr id="59" name="Freeform 58">
+            <a:extLst>
+              <a:ext uri="{FF2B5EF4-FFF2-40B4-BE49-F238E27FC236}">
+                <a16:creationId xmlns:a16="http://schemas.microsoft.com/office/drawing/2014/main" id="{F287FB8F-2C28-384B-87FD-8D7F7B4621A8}"/>
+              </a:ext>
+            </a:extLst>
+          </p:cNvPr>
+          <p:cNvSpPr/>
+          <p:nvPr/>
+        </p:nvSpPr>
+        <p:spPr>
+          <a:xfrm flipV="1">
+            <a:off x="4114799" y="5077550"/>
+            <a:ext cx="2642195" cy="101600"/>
+          </a:xfrm>
+          <a:custGeom>
+            <a:avLst/>
+            <a:gdLst>
+              <a:gd name="connsiteX0" fmla="*/ 0 w 3048000"/>
+              <a:gd name="connsiteY0" fmla="*/ 203200 h 203200"/>
+              <a:gd name="connsiteX1" fmla="*/ 221673 w 3048000"/>
+              <a:gd name="connsiteY1" fmla="*/ 0 h 203200"/>
+              <a:gd name="connsiteX2" fmla="*/ 3048000 w 3048000"/>
+              <a:gd name="connsiteY2" fmla="*/ 0 h 203200"/>
+            </a:gdLst>
+            <a:ahLst/>
+            <a:cxnLst>
+              <a:cxn ang="0">
+                <a:pos x="connsiteX0" y="connsiteY0"/>
+              </a:cxn>
+              <a:cxn ang="0">
+                <a:pos x="connsiteX1" y="connsiteY1"/>
+              </a:cxn>
+              <a:cxn ang="0">
+                <a:pos x="connsiteX2" y="connsiteY2"/>
+              </a:cxn>
+            </a:cxnLst>
+            <a:rect l="l" t="t" r="r" b="b"/>
+            <a:pathLst>
+              <a:path w="3048000" h="203200">
+                <a:moveTo>
+                  <a:pt x="0" y="203200"/>
+                </a:moveTo>
+                <a:lnTo>
+                  <a:pt x="221673" y="0"/>
+                </a:lnTo>
+                <a:lnTo>
+                  <a:pt x="3048000" y="0"/>
+                </a:lnTo>
+              </a:path>
+            </a:pathLst>
+          </a:custGeom>
+          <a:noFill/>
+          <a:ln w="19050">
+            <a:solidFill>
+              <a:schemeClr val="accent3"/>
+            </a:solidFill>
+            <a:prstDash val="sysDot"/>
+            <a:headEnd type="none" w="med" len="med"/>
+            <a:tailEnd type="arrow" w="med" len="med"/>
+          </a:ln>
+          <a:effectLst/>
+        </p:spPr>
+        <p:style>
+          <a:lnRef idx="1">
+            <a:schemeClr val="accent2"/>
+          </a:lnRef>
+          <a:fillRef idx="2">
+            <a:schemeClr val="accent2"/>
+          </a:fillRef>
+          <a:effectRef idx="1">
+            <a:schemeClr val="accent2"/>
+          </a:effectRef>
+          <a:fontRef idx="minor">
+            <a:schemeClr val="dk1"/>
+          </a:fontRef>
+        </p:style>
+        <p:txBody>
+          <a:bodyPr rtlCol="0" anchor="ctr"/>
+          <a:lstStyle/>
+          <a:p>
+            <a:pPr algn="ctr"/>
+            <a:endParaRPr lang="en-SG"/>
+          </a:p>
+        </p:txBody>
+      </p:sp>
+      <p:cxnSp>
+        <p:nvCxnSpPr>
+          <p:cNvPr id="60" name="Elbow Connector 63">
+            <a:extLst>
+              <a:ext uri="{FF2B5EF4-FFF2-40B4-BE49-F238E27FC236}">
+                <a16:creationId xmlns:a16="http://schemas.microsoft.com/office/drawing/2014/main" id="{49FEC073-8272-424C-9BDB-A563CF94463A}"/>
+              </a:ext>
+            </a:extLst>
+          </p:cNvPr>
+          <p:cNvCxnSpPr/>
+          <p:nvPr/>
+        </p:nvCxnSpPr>
+        <p:spPr>
+          <a:xfrm rot="5400000">
+            <a:off x="4174488" y="3573647"/>
+            <a:ext cx="2061222" cy="649740"/>
+          </a:xfrm>
+          <a:prstGeom prst="bentConnector2">
+            <a:avLst/>
+          </a:prstGeom>
+          <a:ln w="6350">
+            <a:solidFill>
+              <a:schemeClr val="accent3"/>
+            </a:solidFill>
+            <a:headEnd type="none" w="med" len="med"/>
+            <a:tailEnd type="none" w="med" len="med"/>
+          </a:ln>
+          <a:effectLst/>
+        </p:spPr>
+        <p:style>
+          <a:lnRef idx="1">
+            <a:schemeClr val="accent2"/>
+          </a:lnRef>
+          <a:fillRef idx="2">
+            <a:schemeClr val="accent2"/>
+          </a:fillRef>
+          <a:effectRef idx="1">
+            <a:schemeClr val="accent2"/>
+          </a:effectRef>
+          <a:fontRef idx="minor">
+            <a:schemeClr val="dk1"/>
+          </a:fontRef>
+        </p:style>
+      </p:cxnSp>
     </p:spTree>
     <p:extLst>
       <p:ext uri="{BB962C8B-B14F-4D97-AF65-F5344CB8AC3E}">

--- a/docs/diagrams/UiComponentClassDiagram.pptx
+++ b/docs/diagrams/UiComponentClassDiagram.pptx
@@ -208,7 +208,7 @@
           <a:p>
             <a:fld id="{F5CC4B3F-88C1-4FFA-B1B6-F41C21DC6924}" type="datetimeFigureOut">
               <a:rPr lang="en-US" smtClean="0"/>
-              <a:t>12/15/2018</a:t>
+              <a:t>4/2/2019</a:t>
             </a:fld>
             <a:endParaRPr lang="en-US"/>
           </a:p>
@@ -654,7 +654,7 @@
           <a:p>
             <a:fld id="{78C97017-6FC3-485B-9764-EAC9E56C1D49}" type="datetimeFigureOut">
               <a:rPr lang="en-US" smtClean="0"/>
-              <a:t>12/15/2018</a:t>
+              <a:t>4/2/2019</a:t>
             </a:fld>
             <a:endParaRPr lang="en-US"/>
           </a:p>
@@ -822,7 +822,7 @@
           <a:p>
             <a:fld id="{78C97017-6FC3-485B-9764-EAC9E56C1D49}" type="datetimeFigureOut">
               <a:rPr lang="en-US" smtClean="0"/>
-              <a:t>12/15/2018</a:t>
+              <a:t>4/2/2019</a:t>
             </a:fld>
             <a:endParaRPr lang="en-US"/>
           </a:p>
@@ -1000,7 +1000,7 @@
           <a:p>
             <a:fld id="{78C97017-6FC3-485B-9764-EAC9E56C1D49}" type="datetimeFigureOut">
               <a:rPr lang="en-US" smtClean="0"/>
-              <a:t>12/15/2018</a:t>
+              <a:t>4/2/2019</a:t>
             </a:fld>
             <a:endParaRPr lang="en-US"/>
           </a:p>
@@ -1168,7 +1168,7 @@
           <a:p>
             <a:fld id="{78C97017-6FC3-485B-9764-EAC9E56C1D49}" type="datetimeFigureOut">
               <a:rPr lang="en-US" smtClean="0"/>
-              <a:t>12/15/2018</a:t>
+              <a:t>4/2/2019</a:t>
             </a:fld>
             <a:endParaRPr lang="en-US"/>
           </a:p>
@@ -1413,7 +1413,7 @@
           <a:p>
             <a:fld id="{78C97017-6FC3-485B-9764-EAC9E56C1D49}" type="datetimeFigureOut">
               <a:rPr lang="en-US" smtClean="0"/>
-              <a:t>12/15/2018</a:t>
+              <a:t>4/2/2019</a:t>
             </a:fld>
             <a:endParaRPr lang="en-US"/>
           </a:p>
@@ -1698,7 +1698,7 @@
           <a:p>
             <a:fld id="{78C97017-6FC3-485B-9764-EAC9E56C1D49}" type="datetimeFigureOut">
               <a:rPr lang="en-US" smtClean="0"/>
-              <a:t>12/15/2018</a:t>
+              <a:t>4/2/2019</a:t>
             </a:fld>
             <a:endParaRPr lang="en-US"/>
           </a:p>
@@ -2117,7 +2117,7 @@
           <a:p>
             <a:fld id="{78C97017-6FC3-485B-9764-EAC9E56C1D49}" type="datetimeFigureOut">
               <a:rPr lang="en-US" smtClean="0"/>
-              <a:t>12/15/2018</a:t>
+              <a:t>4/2/2019</a:t>
             </a:fld>
             <a:endParaRPr lang="en-US"/>
           </a:p>
@@ -2234,7 +2234,7 @@
           <a:p>
             <a:fld id="{78C97017-6FC3-485B-9764-EAC9E56C1D49}" type="datetimeFigureOut">
               <a:rPr lang="en-US" smtClean="0"/>
-              <a:t>12/15/2018</a:t>
+              <a:t>4/2/2019</a:t>
             </a:fld>
             <a:endParaRPr lang="en-US"/>
           </a:p>
@@ -2329,7 +2329,7 @@
           <a:p>
             <a:fld id="{78C97017-6FC3-485B-9764-EAC9E56C1D49}" type="datetimeFigureOut">
               <a:rPr lang="en-US" smtClean="0"/>
-              <a:t>12/15/2018</a:t>
+              <a:t>4/2/2019</a:t>
             </a:fld>
             <a:endParaRPr lang="en-US"/>
           </a:p>
@@ -2604,7 +2604,7 @@
           <a:p>
             <a:fld id="{78C97017-6FC3-485B-9764-EAC9E56C1D49}" type="datetimeFigureOut">
               <a:rPr lang="en-US" smtClean="0"/>
-              <a:t>12/15/2018</a:t>
+              <a:t>4/2/2019</a:t>
             </a:fld>
             <a:endParaRPr lang="en-US"/>
           </a:p>
@@ -2856,7 +2856,7 @@
           <a:p>
             <a:fld id="{78C97017-6FC3-485B-9764-EAC9E56C1D49}" type="datetimeFigureOut">
               <a:rPr lang="en-US" smtClean="0"/>
-              <a:t>12/15/2018</a:t>
+              <a:t>4/2/2019</a:t>
             </a:fld>
             <a:endParaRPr lang="en-US"/>
           </a:p>
@@ -3067,7 +3067,7 @@
           <a:p>
             <a:fld id="{78C97017-6FC3-485B-9764-EAC9E56C1D49}" type="datetimeFigureOut">
               <a:rPr lang="en-US" smtClean="0"/>
-              <a:t>12/15/2018</a:t>
+              <a:t>4/2/2019</a:t>
             </a:fld>
             <a:endParaRPr lang="en-US"/>
           </a:p>
@@ -3450,8 +3450,8 @@
         </p:nvSpPr>
         <p:spPr>
           <a:xfrm>
-            <a:off x="1217465" y="1447800"/>
-            <a:ext cx="4917083" cy="3962400"/>
+            <a:off x="1143000" y="1447802"/>
+            <a:ext cx="5181600" cy="4598674"/>
           </a:xfrm>
           <a:prstGeom prst="roundRect">
             <a:avLst>
@@ -3825,8 +3825,8 @@
         </p:nvSpPr>
         <p:spPr>
           <a:xfrm rot="16200000">
-            <a:off x="5703829" y="2464877"/>
-            <a:ext cx="2362201" cy="328045"/>
+            <a:off x="5838255" y="2330451"/>
+            <a:ext cx="2093350" cy="328045"/>
           </a:xfrm>
           <a:prstGeom prst="roundRect">
             <a:avLst/>
@@ -3945,7 +3945,7 @@
         </p:nvSpPr>
         <p:spPr>
           <a:xfrm>
-            <a:off x="2592527" y="4563759"/>
+            <a:off x="2587959" y="5213495"/>
             <a:ext cx="1093635" cy="236841"/>
           </a:xfrm>
           <a:prstGeom prst="rect">
@@ -4005,7 +4005,7 @@
         </p:nvSpPr>
         <p:spPr>
           <a:xfrm>
-            <a:off x="2592526" y="3991960"/>
+            <a:off x="2593988" y="4376800"/>
             <a:ext cx="1093635" cy="236841"/>
           </a:xfrm>
           <a:prstGeom prst="rect">
@@ -4065,7 +4065,7 @@
         </p:nvSpPr>
         <p:spPr>
           <a:xfrm>
-            <a:off x="3839323" y="4228801"/>
+            <a:off x="4293094" y="4572000"/>
             <a:ext cx="1040906" cy="236841"/>
           </a:xfrm>
           <a:prstGeom prst="rect">
@@ -4125,7 +4125,7 @@
         </p:nvSpPr>
         <p:spPr>
           <a:xfrm>
-            <a:off x="2592528" y="4966000"/>
+            <a:off x="2587960" y="5615736"/>
             <a:ext cx="1093635" cy="236841"/>
           </a:xfrm>
           <a:prstGeom prst="rect">
@@ -4378,8 +4378,8 @@
         </p:nvCxnSpPr>
         <p:spPr>
           <a:xfrm rot="16200000" flipH="1">
-            <a:off x="1883148" y="3401003"/>
-            <a:ext cx="1242356" cy="176400"/>
+            <a:off x="1691459" y="3592692"/>
+            <a:ext cx="1627196" cy="177862"/>
           </a:xfrm>
           <a:prstGeom prst="bentConnector2">
             <a:avLst/>
@@ -4419,8 +4419,8 @@
         </p:nvCxnSpPr>
         <p:spPr>
           <a:xfrm rot="16200000" flipH="1">
-            <a:off x="1597249" y="3686901"/>
-            <a:ext cx="1814155" cy="176401"/>
+            <a:off x="1270097" y="4014053"/>
+            <a:ext cx="2463891" cy="171833"/>
           </a:xfrm>
           <a:prstGeom prst="bentConnector2">
             <a:avLst/>
@@ -4453,14 +4453,15 @@
         <p:nvCxnSpPr>
           <p:cNvPr id="53" name="Elbow Connector 63"/>
           <p:cNvCxnSpPr>
+            <a:cxnSpLocks/>
             <a:endCxn id="38" idx="1"/>
           </p:cNvCxnSpPr>
           <p:nvPr/>
         </p:nvCxnSpPr>
         <p:spPr>
           <a:xfrm rot="16200000" flipH="1">
-            <a:off x="1184119" y="3676012"/>
-            <a:ext cx="2396440" cy="420377"/>
+            <a:off x="793182" y="3939378"/>
+            <a:ext cx="3170009" cy="419548"/>
           </a:xfrm>
           <a:prstGeom prst="bentConnector2">
             <a:avLst/>
@@ -4620,8 +4621,8 @@
         </p:nvCxnSpPr>
         <p:spPr>
           <a:xfrm rot="5400000">
-            <a:off x="4174488" y="2991741"/>
-            <a:ext cx="2061222" cy="649740"/>
+            <a:off x="4229775" y="3390226"/>
+            <a:ext cx="2404421" cy="195969"/>
           </a:xfrm>
           <a:prstGeom prst="bentConnector2">
             <a:avLst/>
@@ -4743,8 +4744,8 @@
         </p:nvCxnSpPr>
         <p:spPr>
           <a:xfrm rot="5400000">
-            <a:off x="3409976" y="2562187"/>
-            <a:ext cx="2396180" cy="1843807"/>
+            <a:off x="3082824" y="2884771"/>
+            <a:ext cx="3045916" cy="1848375"/>
           </a:xfrm>
           <a:prstGeom prst="bentConnector2">
             <a:avLst/>
@@ -4784,8 +4785,8 @@
         </p:nvCxnSpPr>
         <p:spPr>
           <a:xfrm rot="5400000">
-            <a:off x="3208856" y="2763307"/>
-            <a:ext cx="2798421" cy="1843806"/>
+            <a:off x="2881704" y="3085891"/>
+            <a:ext cx="3448157" cy="1848374"/>
           </a:xfrm>
           <a:prstGeom prst="bentConnector2">
             <a:avLst/>
@@ -4863,8 +4864,8 @@
         </p:nvSpPr>
         <p:spPr>
           <a:xfrm rot="16200000">
-            <a:off x="6213739" y="4560376"/>
-            <a:ext cx="1371599" cy="328045"/>
+            <a:off x="5724074" y="4721595"/>
+            <a:ext cx="2321716" cy="328045"/>
           </a:xfrm>
           <a:prstGeom prst="roundRect">
             <a:avLst/>
@@ -5168,8 +5169,8 @@
         </p:nvCxnSpPr>
         <p:spPr>
           <a:xfrm rot="16200000" flipH="1">
-            <a:off x="3430123" y="3938021"/>
-            <a:ext cx="118421" cy="699979"/>
+            <a:off x="3678560" y="4075887"/>
+            <a:ext cx="76780" cy="1152288"/>
           </a:xfrm>
           <a:prstGeom prst="bentConnector2">
             <a:avLst/>
@@ -5209,8 +5210,8 @@
         </p:nvCxnSpPr>
         <p:spPr>
           <a:xfrm rot="5400000">
-            <a:off x="3695875" y="2276286"/>
-            <a:ext cx="1824381" cy="1843808"/>
+            <a:off x="3504186" y="2469437"/>
+            <a:ext cx="2209221" cy="1842346"/>
           </a:xfrm>
           <a:prstGeom prst="bentConnector2">
             <a:avLst/>
@@ -5376,67 +5377,14 @@
       </p:sp>
       <p:sp>
         <p:nvSpPr>
-          <p:cNvPr id="144" name="Rectangle 143"/>
-          <p:cNvSpPr/>
-          <p:nvPr/>
-        </p:nvSpPr>
-        <p:spPr>
-          <a:xfrm>
-            <a:off x="5431573" y="4488138"/>
-            <a:ext cx="229325" cy="160062"/>
-          </a:xfrm>
-          <a:prstGeom prst="rect">
-            <a:avLst/>
-          </a:prstGeom>
-          <a:solidFill>
-            <a:schemeClr val="accent3">
-              <a:lumMod val="20000"/>
-              <a:lumOff val="80000"/>
-              <a:alpha val="80000"/>
-            </a:schemeClr>
-          </a:solidFill>
-          <a:ln>
-            <a:noFill/>
-          </a:ln>
-          <a:effectLst>
-            <a:softEdge rad="31750"/>
-          </a:effectLst>
-        </p:spPr>
-        <p:style>
-          <a:lnRef idx="2">
-            <a:schemeClr val="accent1">
-              <a:shade val="50000"/>
-            </a:schemeClr>
-          </a:lnRef>
-          <a:fillRef idx="1">
-            <a:schemeClr val="accent1"/>
-          </a:fillRef>
-          <a:effectRef idx="0">
-            <a:schemeClr val="accent1"/>
-          </a:effectRef>
-          <a:fontRef idx="minor">
-            <a:schemeClr val="lt1"/>
-          </a:fontRef>
-        </p:style>
-        <p:txBody>
-          <a:bodyPr rtlCol="0" anchor="ctr"/>
-          <a:lstStyle/>
-          <a:p>
-            <a:pPr algn="ctr"/>
-            <a:endParaRPr lang="en-SG"/>
-          </a:p>
-        </p:txBody>
-      </p:sp>
-      <p:sp>
-        <p:nvSpPr>
           <p:cNvPr id="118" name="Freeform 117"/>
           <p:cNvSpPr/>
           <p:nvPr/>
         </p:nvSpPr>
         <p:spPr>
           <a:xfrm flipV="1">
-            <a:off x="4114799" y="4472708"/>
-            <a:ext cx="2642195" cy="101600"/>
+            <a:off x="5029201" y="4818418"/>
+            <a:ext cx="1691706" cy="67201"/>
           </a:xfrm>
           <a:custGeom>
             <a:avLst/>
@@ -5506,6 +5454,700 @@
           <a:p>
             <a:pPr algn="ctr"/>
             <a:endParaRPr lang="en-SG"/>
+          </a:p>
+        </p:txBody>
+      </p:sp>
+      <p:sp>
+        <p:nvSpPr>
+          <p:cNvPr id="46" name="Rectangle 11">
+            <a:extLst>
+              <a:ext uri="{FF2B5EF4-FFF2-40B4-BE49-F238E27FC236}">
+                <a16:creationId xmlns:a16="http://schemas.microsoft.com/office/drawing/2014/main" id="{FFCD63A0-C163-4866-AE7C-6E335BF61211}"/>
+              </a:ext>
+            </a:extLst>
+          </p:cNvPr>
+          <p:cNvSpPr/>
+          <p:nvPr/>
+        </p:nvSpPr>
+        <p:spPr>
+          <a:xfrm>
+            <a:off x="2598131" y="4819259"/>
+            <a:ext cx="1113944" cy="236841"/>
+          </a:xfrm>
+          <a:prstGeom prst="rect">
+            <a:avLst/>
+          </a:prstGeom>
+          <a:ln w="19050">
+            <a:solidFill>
+              <a:schemeClr val="accent3"/>
+            </a:solidFill>
+          </a:ln>
+          <a:effectLst/>
+        </p:spPr>
+        <p:style>
+          <a:lnRef idx="1">
+            <a:schemeClr val="accent3"/>
+          </a:lnRef>
+          <a:fillRef idx="2">
+            <a:schemeClr val="accent3"/>
+          </a:fillRef>
+          <a:effectRef idx="1">
+            <a:schemeClr val="accent3"/>
+          </a:effectRef>
+          <a:fontRef idx="minor">
+            <a:schemeClr val="dk1"/>
+          </a:fontRef>
+        </p:style>
+        <p:txBody>
+          <a:bodyPr rtlCol="0" anchor="ctr"/>
+          <a:lstStyle/>
+          <a:p>
+            <a:pPr algn="ctr"/>
+            <a:r>
+              <a:rPr lang="en-US" sz="1050" b="1" dirty="0" err="1">
+                <a:solidFill>
+                  <a:schemeClr val="accent3">
+                    <a:lumMod val="75000"/>
+                  </a:schemeClr>
+                </a:solidFill>
+              </a:rPr>
+              <a:t>ArchiveListPanel</a:t>
+            </a:r>
+            <a:endParaRPr lang="en-SG" sz="1050" b="1" dirty="0">
+              <a:solidFill>
+                <a:schemeClr val="accent3">
+                  <a:lumMod val="75000"/>
+                </a:schemeClr>
+              </a:solidFill>
+            </a:endParaRPr>
+          </a:p>
+        </p:txBody>
+      </p:sp>
+      <p:sp>
+        <p:nvSpPr>
+          <p:cNvPr id="48" name="Rectangle 11">
+            <a:extLst>
+              <a:ext uri="{FF2B5EF4-FFF2-40B4-BE49-F238E27FC236}">
+                <a16:creationId xmlns:a16="http://schemas.microsoft.com/office/drawing/2014/main" id="{6A1F41B4-0BBB-4D86-8CE4-896DF3870B72}"/>
+              </a:ext>
+            </a:extLst>
+          </p:cNvPr>
+          <p:cNvSpPr/>
+          <p:nvPr/>
+        </p:nvSpPr>
+        <p:spPr>
+          <a:xfrm>
+            <a:off x="2591661" y="4013080"/>
+            <a:ext cx="1093635" cy="236841"/>
+          </a:xfrm>
+          <a:prstGeom prst="rect">
+            <a:avLst/>
+          </a:prstGeom>
+          <a:ln w="19050">
+            <a:solidFill>
+              <a:schemeClr val="accent3"/>
+            </a:solidFill>
+          </a:ln>
+          <a:effectLst/>
+        </p:spPr>
+        <p:style>
+          <a:lnRef idx="1">
+            <a:schemeClr val="accent3"/>
+          </a:lnRef>
+          <a:fillRef idx="2">
+            <a:schemeClr val="accent3"/>
+          </a:fillRef>
+          <a:effectRef idx="1">
+            <a:schemeClr val="accent3"/>
+          </a:effectRef>
+          <a:fontRef idx="minor">
+            <a:schemeClr val="dk1"/>
+          </a:fontRef>
+        </p:style>
+        <p:txBody>
+          <a:bodyPr rtlCol="0" anchor="ctr"/>
+          <a:lstStyle/>
+          <a:p>
+            <a:pPr algn="ctr"/>
+            <a:r>
+              <a:rPr lang="en-US" sz="1050" b="1" dirty="0" err="1">
+                <a:solidFill>
+                  <a:schemeClr val="accent3">
+                    <a:lumMod val="75000"/>
+                  </a:schemeClr>
+                </a:solidFill>
+              </a:rPr>
+              <a:t>PinListPanel</a:t>
+            </a:r>
+            <a:endParaRPr lang="en-SG" sz="1050" b="1" dirty="0">
+              <a:solidFill>
+                <a:schemeClr val="accent3">
+                  <a:lumMod val="75000"/>
+                </a:schemeClr>
+              </a:solidFill>
+            </a:endParaRPr>
+          </a:p>
+        </p:txBody>
+      </p:sp>
+      <p:cxnSp>
+        <p:nvCxnSpPr>
+          <p:cNvPr id="54" name="Elbow Connector 63">
+            <a:extLst>
+              <a:ext uri="{FF2B5EF4-FFF2-40B4-BE49-F238E27FC236}">
+                <a16:creationId xmlns:a16="http://schemas.microsoft.com/office/drawing/2014/main" id="{811F59C5-AD74-4953-8B2C-70BAFA18E098}"/>
+              </a:ext>
+            </a:extLst>
+          </p:cNvPr>
+          <p:cNvCxnSpPr>
+            <a:cxnSpLocks/>
+            <a:stCxn id="39" idx="2"/>
+            <a:endCxn id="48" idx="1"/>
+          </p:cNvCxnSpPr>
+          <p:nvPr/>
+        </p:nvCxnSpPr>
+        <p:spPr>
+          <a:xfrm rot="16200000" flipH="1">
+            <a:off x="1872155" y="3411995"/>
+            <a:ext cx="1263476" cy="175535"/>
+          </a:xfrm>
+          <a:prstGeom prst="bentConnector2">
+            <a:avLst/>
+          </a:prstGeom>
+          <a:ln w="19050">
+            <a:solidFill>
+              <a:schemeClr val="accent3"/>
+            </a:solidFill>
+            <a:headEnd type="none" w="med" len="med"/>
+            <a:tailEnd type="arrow" w="med" len="med"/>
+          </a:ln>
+          <a:effectLst/>
+        </p:spPr>
+        <p:style>
+          <a:lnRef idx="1">
+            <a:schemeClr val="accent2"/>
+          </a:lnRef>
+          <a:fillRef idx="2">
+            <a:schemeClr val="accent2"/>
+          </a:fillRef>
+          <a:effectRef idx="1">
+            <a:schemeClr val="accent2"/>
+          </a:effectRef>
+          <a:fontRef idx="minor">
+            <a:schemeClr val="dk1"/>
+          </a:fontRef>
+        </p:style>
+      </p:cxnSp>
+      <p:cxnSp>
+        <p:nvCxnSpPr>
+          <p:cNvPr id="57" name="Elbow Connector 63">
+            <a:extLst>
+              <a:ext uri="{FF2B5EF4-FFF2-40B4-BE49-F238E27FC236}">
+                <a16:creationId xmlns:a16="http://schemas.microsoft.com/office/drawing/2014/main" id="{D36247C1-EE5A-4B89-81B8-5C3802A9D1C8}"/>
+              </a:ext>
+            </a:extLst>
+          </p:cNvPr>
+          <p:cNvCxnSpPr>
+            <a:cxnSpLocks/>
+            <a:stCxn id="39" idx="2"/>
+            <a:endCxn id="46" idx="1"/>
+          </p:cNvCxnSpPr>
+          <p:nvPr/>
+        </p:nvCxnSpPr>
+        <p:spPr>
+          <a:xfrm rot="16200000" flipH="1">
+            <a:off x="1472301" y="3811849"/>
+            <a:ext cx="2069655" cy="182005"/>
+          </a:xfrm>
+          <a:prstGeom prst="bentConnector2">
+            <a:avLst/>
+          </a:prstGeom>
+          <a:ln w="19050">
+            <a:solidFill>
+              <a:schemeClr val="accent3"/>
+            </a:solidFill>
+            <a:headEnd type="none" w="med" len="med"/>
+            <a:tailEnd type="arrow" w="med" len="med"/>
+          </a:ln>
+          <a:effectLst/>
+        </p:spPr>
+        <p:style>
+          <a:lnRef idx="1">
+            <a:schemeClr val="accent2"/>
+          </a:lnRef>
+          <a:fillRef idx="2">
+            <a:schemeClr val="accent2"/>
+          </a:fillRef>
+          <a:effectRef idx="1">
+            <a:schemeClr val="accent2"/>
+          </a:effectRef>
+          <a:fontRef idx="minor">
+            <a:schemeClr val="dk1"/>
+          </a:fontRef>
+        </p:style>
+      </p:cxnSp>
+      <p:cxnSp>
+        <p:nvCxnSpPr>
+          <p:cNvPr id="75" name="Elbow Connector 136">
+            <a:extLst>
+              <a:ext uri="{FF2B5EF4-FFF2-40B4-BE49-F238E27FC236}">
+                <a16:creationId xmlns:a16="http://schemas.microsoft.com/office/drawing/2014/main" id="{33B2103B-7B62-42E7-AF88-E8BDC26CDBC2}"/>
+              </a:ext>
+            </a:extLst>
+          </p:cNvPr>
+          <p:cNvCxnSpPr>
+            <a:cxnSpLocks/>
+            <a:stCxn id="46" idx="2"/>
+            <a:endCxn id="37" idx="2"/>
+          </p:cNvCxnSpPr>
+          <p:nvPr/>
+        </p:nvCxnSpPr>
+        <p:spPr>
+          <a:xfrm rot="5400000" flipH="1" flipV="1">
+            <a:off x="3860695" y="4103249"/>
+            <a:ext cx="247259" cy="1658444"/>
+          </a:xfrm>
+          <a:prstGeom prst="bentConnector3">
+            <a:avLst>
+              <a:gd name="adj1" fmla="val -33284"/>
+            </a:avLst>
+          </a:prstGeom>
+          <a:ln w="19050">
+            <a:solidFill>
+              <a:schemeClr val="accent3"/>
+            </a:solidFill>
+            <a:headEnd type="none" w="med" len="med"/>
+            <a:tailEnd type="arrow" w="med" len="med"/>
+          </a:ln>
+          <a:effectLst/>
+        </p:spPr>
+        <p:style>
+          <a:lnRef idx="1">
+            <a:schemeClr val="accent2"/>
+          </a:lnRef>
+          <a:fillRef idx="2">
+            <a:schemeClr val="accent2"/>
+          </a:fillRef>
+          <a:effectRef idx="1">
+            <a:schemeClr val="accent2"/>
+          </a:effectRef>
+          <a:fontRef idx="minor">
+            <a:schemeClr val="dk1"/>
+          </a:fontRef>
+        </p:style>
+      </p:cxnSp>
+      <p:cxnSp>
+        <p:nvCxnSpPr>
+          <p:cNvPr id="78" name="Elbow Connector 136">
+            <a:extLst>
+              <a:ext uri="{FF2B5EF4-FFF2-40B4-BE49-F238E27FC236}">
+                <a16:creationId xmlns:a16="http://schemas.microsoft.com/office/drawing/2014/main" id="{AABF25BB-FE12-4A9B-8F43-21B709572332}"/>
+              </a:ext>
+            </a:extLst>
+          </p:cNvPr>
+          <p:cNvCxnSpPr>
+            <a:cxnSpLocks/>
+            <a:stCxn id="48" idx="2"/>
+            <a:endCxn id="37" idx="0"/>
+          </p:cNvCxnSpPr>
+          <p:nvPr/>
+        </p:nvCxnSpPr>
+        <p:spPr>
+          <a:xfrm rot="16200000" flipH="1">
+            <a:off x="3814974" y="3573426"/>
+            <a:ext cx="322079" cy="1675068"/>
+          </a:xfrm>
+          <a:prstGeom prst="bentConnector3">
+            <a:avLst>
+              <a:gd name="adj1" fmla="val 21610"/>
+            </a:avLst>
+          </a:prstGeom>
+          <a:ln w="19050">
+            <a:solidFill>
+              <a:schemeClr val="accent3"/>
+            </a:solidFill>
+            <a:headEnd type="none" w="med" len="med"/>
+            <a:tailEnd type="arrow" w="med" len="med"/>
+          </a:ln>
+          <a:effectLst/>
+        </p:spPr>
+        <p:style>
+          <a:lnRef idx="1">
+            <a:schemeClr val="accent2"/>
+          </a:lnRef>
+          <a:fillRef idx="2">
+            <a:schemeClr val="accent2"/>
+          </a:fillRef>
+          <a:effectRef idx="1">
+            <a:schemeClr val="accent2"/>
+          </a:effectRef>
+          <a:fontRef idx="minor">
+            <a:schemeClr val="dk1"/>
+          </a:fontRef>
+        </p:style>
+      </p:cxnSp>
+      <p:cxnSp>
+        <p:nvCxnSpPr>
+          <p:cNvPr id="95" name="Elbow Connector 63">
+            <a:extLst>
+              <a:ext uri="{FF2B5EF4-FFF2-40B4-BE49-F238E27FC236}">
+                <a16:creationId xmlns:a16="http://schemas.microsoft.com/office/drawing/2014/main" id="{6E35CED4-D7F6-4D48-AA11-3E5694592EB3}"/>
+              </a:ext>
+            </a:extLst>
+          </p:cNvPr>
+          <p:cNvCxnSpPr>
+            <a:cxnSpLocks/>
+            <a:stCxn id="16" idx="3"/>
+            <a:endCxn id="46" idx="3"/>
+          </p:cNvCxnSpPr>
+          <p:nvPr/>
+        </p:nvCxnSpPr>
+        <p:spPr>
+          <a:xfrm rot="5400000">
+            <a:off x="3295182" y="2702893"/>
+            <a:ext cx="2651680" cy="1817894"/>
+          </a:xfrm>
+          <a:prstGeom prst="bentConnector2">
+            <a:avLst/>
+          </a:prstGeom>
+          <a:ln w="6350">
+            <a:solidFill>
+              <a:schemeClr val="accent3"/>
+            </a:solidFill>
+            <a:headEnd type="none" w="med" len="med"/>
+            <a:tailEnd type="none" w="med" len="med"/>
+          </a:ln>
+          <a:effectLst/>
+        </p:spPr>
+        <p:style>
+          <a:lnRef idx="1">
+            <a:schemeClr val="accent2"/>
+          </a:lnRef>
+          <a:fillRef idx="2">
+            <a:schemeClr val="accent2"/>
+          </a:fillRef>
+          <a:effectRef idx="1">
+            <a:schemeClr val="accent2"/>
+          </a:effectRef>
+          <a:fontRef idx="minor">
+            <a:schemeClr val="dk1"/>
+          </a:fontRef>
+        </p:style>
+      </p:cxnSp>
+      <p:cxnSp>
+        <p:nvCxnSpPr>
+          <p:cNvPr id="97" name="Elbow Connector 63">
+            <a:extLst>
+              <a:ext uri="{FF2B5EF4-FFF2-40B4-BE49-F238E27FC236}">
+                <a16:creationId xmlns:a16="http://schemas.microsoft.com/office/drawing/2014/main" id="{0D705D66-2EE3-4B6F-A477-ABD6D47E875E}"/>
+              </a:ext>
+            </a:extLst>
+          </p:cNvPr>
+          <p:cNvCxnSpPr>
+            <a:cxnSpLocks/>
+            <a:stCxn id="16" idx="3"/>
+            <a:endCxn id="48" idx="3"/>
+          </p:cNvCxnSpPr>
+          <p:nvPr/>
+        </p:nvCxnSpPr>
+        <p:spPr>
+          <a:xfrm rot="5400000">
+            <a:off x="3684883" y="2286414"/>
+            <a:ext cx="1845501" cy="1844673"/>
+          </a:xfrm>
+          <a:prstGeom prst="bentConnector2">
+            <a:avLst/>
+          </a:prstGeom>
+          <a:ln w="6350">
+            <a:solidFill>
+              <a:schemeClr val="accent3"/>
+            </a:solidFill>
+            <a:headEnd type="none" w="med" len="med"/>
+            <a:tailEnd type="none" w="med" len="med"/>
+          </a:ln>
+          <a:effectLst/>
+        </p:spPr>
+        <p:style>
+          <a:lnRef idx="1">
+            <a:schemeClr val="accent2"/>
+          </a:lnRef>
+          <a:fillRef idx="2">
+            <a:schemeClr val="accent2"/>
+          </a:fillRef>
+          <a:effectRef idx="1">
+            <a:schemeClr val="accent2"/>
+          </a:effectRef>
+          <a:fontRef idx="minor">
+            <a:schemeClr val="dk1"/>
+          </a:fontRef>
+        </p:style>
+      </p:cxnSp>
+      <p:sp>
+        <p:nvSpPr>
+          <p:cNvPr id="103" name="TextBox 102">
+            <a:extLst>
+              <a:ext uri="{FF2B5EF4-FFF2-40B4-BE49-F238E27FC236}">
+                <a16:creationId xmlns:a16="http://schemas.microsoft.com/office/drawing/2014/main" id="{059EB344-B1C0-4237-A713-2CA27F371FEF}"/>
+              </a:ext>
+            </a:extLst>
+          </p:cNvPr>
+          <p:cNvSpPr txBox="1"/>
+          <p:nvPr/>
+        </p:nvSpPr>
+        <p:spPr>
+          <a:xfrm>
+            <a:off x="2994440" y="4221558"/>
+            <a:ext cx="170110" cy="137542"/>
+          </a:xfrm>
+          <a:prstGeom prst="rect">
+            <a:avLst/>
+          </a:prstGeom>
+          <a:noFill/>
+        </p:spPr>
+        <p:txBody>
+          <a:bodyPr wrap="square" lIns="0" tIns="0" rIns="0" bIns="0" rtlCol="0">
+            <a:noAutofit/>
+          </a:bodyPr>
+          <a:lstStyle/>
+          <a:p>
+            <a:pPr algn="ctr"/>
+            <a:r>
+              <a:rPr lang="en-US" sz="1100" dirty="0">
+                <a:solidFill>
+                  <a:srgbClr val="77933C"/>
+                </a:solidFill>
+              </a:rPr>
+              <a:t>1</a:t>
+            </a:r>
+            <a:endParaRPr lang="en-SG" sz="1100" dirty="0">
+              <a:solidFill>
+                <a:srgbClr val="77933C"/>
+              </a:solidFill>
+            </a:endParaRPr>
+          </a:p>
+        </p:txBody>
+      </p:sp>
+      <p:sp>
+        <p:nvSpPr>
+          <p:cNvPr id="104" name="TextBox 103">
+            <a:extLst>
+              <a:ext uri="{FF2B5EF4-FFF2-40B4-BE49-F238E27FC236}">
+                <a16:creationId xmlns:a16="http://schemas.microsoft.com/office/drawing/2014/main" id="{DDDF93A8-440A-4B5C-B79F-88A5D2BC7138}"/>
+              </a:ext>
+            </a:extLst>
+          </p:cNvPr>
+          <p:cNvSpPr txBox="1"/>
+          <p:nvPr/>
+        </p:nvSpPr>
+        <p:spPr>
+          <a:xfrm>
+            <a:off x="4648743" y="4372620"/>
+            <a:ext cx="189257" cy="178683"/>
+          </a:xfrm>
+          <a:prstGeom prst="rect">
+            <a:avLst/>
+          </a:prstGeom>
+          <a:noFill/>
+        </p:spPr>
+        <p:txBody>
+          <a:bodyPr wrap="square" lIns="0" tIns="0" rIns="0" bIns="0" rtlCol="0">
+            <a:noAutofit/>
+          </a:bodyPr>
+          <a:lstStyle/>
+          <a:p>
+            <a:pPr algn="ctr"/>
+            <a:r>
+              <a:rPr lang="en-US" sz="1100" dirty="0">
+                <a:solidFill>
+                  <a:srgbClr val="77933C"/>
+                </a:solidFill>
+              </a:rPr>
+              <a:t>*</a:t>
+            </a:r>
+            <a:endParaRPr lang="en-SG" sz="1100" dirty="0">
+              <a:solidFill>
+                <a:srgbClr val="77933C"/>
+              </a:solidFill>
+            </a:endParaRPr>
+          </a:p>
+        </p:txBody>
+      </p:sp>
+      <p:sp>
+        <p:nvSpPr>
+          <p:cNvPr id="105" name="TextBox 104">
+            <a:extLst>
+              <a:ext uri="{FF2B5EF4-FFF2-40B4-BE49-F238E27FC236}">
+                <a16:creationId xmlns:a16="http://schemas.microsoft.com/office/drawing/2014/main" id="{3310573F-5918-4918-8AAF-986E1C0DD29A}"/>
+              </a:ext>
+            </a:extLst>
+          </p:cNvPr>
+          <p:cNvSpPr txBox="1"/>
+          <p:nvPr/>
+        </p:nvSpPr>
+        <p:spPr>
+          <a:xfrm>
+            <a:off x="4637488" y="4824655"/>
+            <a:ext cx="189257" cy="178683"/>
+          </a:xfrm>
+          <a:prstGeom prst="rect">
+            <a:avLst/>
+          </a:prstGeom>
+          <a:noFill/>
+        </p:spPr>
+        <p:txBody>
+          <a:bodyPr wrap="square" lIns="0" tIns="0" rIns="0" bIns="0" rtlCol="0">
+            <a:noAutofit/>
+          </a:bodyPr>
+          <a:lstStyle/>
+          <a:p>
+            <a:pPr algn="ctr"/>
+            <a:r>
+              <a:rPr lang="en-US" sz="1100" dirty="0">
+                <a:solidFill>
+                  <a:srgbClr val="77933C"/>
+                </a:solidFill>
+              </a:rPr>
+              <a:t>*</a:t>
+            </a:r>
+            <a:endParaRPr lang="en-SG" sz="1100" dirty="0">
+              <a:solidFill>
+                <a:srgbClr val="77933C"/>
+              </a:solidFill>
+            </a:endParaRPr>
+          </a:p>
+        </p:txBody>
+      </p:sp>
+      <p:sp>
+        <p:nvSpPr>
+          <p:cNvPr id="106" name="TextBox 105">
+            <a:extLst>
+              <a:ext uri="{FF2B5EF4-FFF2-40B4-BE49-F238E27FC236}">
+                <a16:creationId xmlns:a16="http://schemas.microsoft.com/office/drawing/2014/main" id="{BE144148-1B4E-4A7E-9127-BCAD7B6D5870}"/>
+              </a:ext>
+            </a:extLst>
+          </p:cNvPr>
+          <p:cNvSpPr txBox="1"/>
+          <p:nvPr/>
+        </p:nvSpPr>
+        <p:spPr>
+          <a:xfrm>
+            <a:off x="4128923" y="4524169"/>
+            <a:ext cx="189257" cy="178683"/>
+          </a:xfrm>
+          <a:prstGeom prst="rect">
+            <a:avLst/>
+          </a:prstGeom>
+          <a:noFill/>
+        </p:spPr>
+        <p:txBody>
+          <a:bodyPr wrap="square" lIns="0" tIns="0" rIns="0" bIns="0" rtlCol="0">
+            <a:noAutofit/>
+          </a:bodyPr>
+          <a:lstStyle/>
+          <a:p>
+            <a:pPr algn="ctr"/>
+            <a:r>
+              <a:rPr lang="en-US" sz="1100" dirty="0">
+                <a:solidFill>
+                  <a:srgbClr val="77933C"/>
+                </a:solidFill>
+              </a:rPr>
+              <a:t>*</a:t>
+            </a:r>
+            <a:endParaRPr lang="en-SG" sz="1100" dirty="0">
+              <a:solidFill>
+                <a:srgbClr val="77933C"/>
+              </a:solidFill>
+            </a:endParaRPr>
+          </a:p>
+        </p:txBody>
+      </p:sp>
+      <p:sp>
+        <p:nvSpPr>
+          <p:cNvPr id="108" name="TextBox 107">
+            <a:extLst>
+              <a:ext uri="{FF2B5EF4-FFF2-40B4-BE49-F238E27FC236}">
+                <a16:creationId xmlns:a16="http://schemas.microsoft.com/office/drawing/2014/main" id="{C7EE0919-555A-4CB9-9946-04365525879F}"/>
+              </a:ext>
+            </a:extLst>
+          </p:cNvPr>
+          <p:cNvSpPr txBox="1"/>
+          <p:nvPr/>
+        </p:nvSpPr>
+        <p:spPr>
+          <a:xfrm>
+            <a:off x="3005555" y="4614007"/>
+            <a:ext cx="170110" cy="137542"/>
+          </a:xfrm>
+          <a:prstGeom prst="rect">
+            <a:avLst/>
+          </a:prstGeom>
+          <a:noFill/>
+        </p:spPr>
+        <p:txBody>
+          <a:bodyPr wrap="square" lIns="0" tIns="0" rIns="0" bIns="0" rtlCol="0">
+            <a:noAutofit/>
+          </a:bodyPr>
+          <a:lstStyle/>
+          <a:p>
+            <a:pPr algn="ctr"/>
+            <a:r>
+              <a:rPr lang="en-US" sz="1100" dirty="0">
+                <a:solidFill>
+                  <a:srgbClr val="77933C"/>
+                </a:solidFill>
+              </a:rPr>
+              <a:t>1</a:t>
+            </a:r>
+            <a:endParaRPr lang="en-SG" sz="1100" dirty="0">
+              <a:solidFill>
+                <a:srgbClr val="77933C"/>
+              </a:solidFill>
+            </a:endParaRPr>
+          </a:p>
+        </p:txBody>
+      </p:sp>
+      <p:sp>
+        <p:nvSpPr>
+          <p:cNvPr id="109" name="TextBox 108">
+            <a:extLst>
+              <a:ext uri="{FF2B5EF4-FFF2-40B4-BE49-F238E27FC236}">
+                <a16:creationId xmlns:a16="http://schemas.microsoft.com/office/drawing/2014/main" id="{C06291B8-69CD-4E32-A741-2CFCC47FBE96}"/>
+              </a:ext>
+            </a:extLst>
+          </p:cNvPr>
+          <p:cNvSpPr txBox="1"/>
+          <p:nvPr/>
+        </p:nvSpPr>
+        <p:spPr>
+          <a:xfrm>
+            <a:off x="3016367" y="5044622"/>
+            <a:ext cx="170110" cy="137542"/>
+          </a:xfrm>
+          <a:prstGeom prst="rect">
+            <a:avLst/>
+          </a:prstGeom>
+          <a:noFill/>
+        </p:spPr>
+        <p:txBody>
+          <a:bodyPr wrap="square" lIns="0" tIns="0" rIns="0" bIns="0" rtlCol="0">
+            <a:noAutofit/>
+          </a:bodyPr>
+          <a:lstStyle/>
+          <a:p>
+            <a:pPr algn="ctr"/>
+            <a:r>
+              <a:rPr lang="en-US" sz="1100" dirty="0">
+                <a:solidFill>
+                  <a:srgbClr val="77933C"/>
+                </a:solidFill>
+              </a:rPr>
+              <a:t>1</a:t>
+            </a:r>
+            <a:endParaRPr lang="en-SG" sz="1100" dirty="0">
+              <a:solidFill>
+                <a:srgbClr val="77933C"/>
+              </a:solidFill>
+            </a:endParaRPr>
           </a:p>
         </p:txBody>
       </p:sp>

--- a/docs/diagrams/UiComponentClassDiagram.pptx
+++ b/docs/diagrams/UiComponentClassDiagram.pptx
@@ -208,7 +208,7 @@
           <a:p>
             <a:fld id="{F5CC4B3F-88C1-4FFA-B1B6-F41C21DC6924}" type="datetimeFigureOut">
               <a:rPr lang="en-US" smtClean="0"/>
-              <a:t>3/19/19</a:t>
+              <a:t>4/2/19</a:t>
             </a:fld>
             <a:endParaRPr lang="en-US"/>
           </a:p>
@@ -738,7 +738,7 @@
           <a:p>
             <a:fld id="{78C97017-6FC3-485B-9764-EAC9E56C1D49}" type="datetimeFigureOut">
               <a:rPr lang="en-US" smtClean="0"/>
-              <a:t>3/19/19</a:t>
+              <a:t>4/2/19</a:t>
             </a:fld>
             <a:endParaRPr lang="en-US"/>
           </a:p>
@@ -906,7 +906,7 @@
           <a:p>
             <a:fld id="{78C97017-6FC3-485B-9764-EAC9E56C1D49}" type="datetimeFigureOut">
               <a:rPr lang="en-US" smtClean="0"/>
-              <a:t>3/19/19</a:t>
+              <a:t>4/2/19</a:t>
             </a:fld>
             <a:endParaRPr lang="en-US"/>
           </a:p>
@@ -1084,7 +1084,7 @@
           <a:p>
             <a:fld id="{78C97017-6FC3-485B-9764-EAC9E56C1D49}" type="datetimeFigureOut">
               <a:rPr lang="en-US" smtClean="0"/>
-              <a:t>3/19/19</a:t>
+              <a:t>4/2/19</a:t>
             </a:fld>
             <a:endParaRPr lang="en-US"/>
           </a:p>
@@ -1252,7 +1252,7 @@
           <a:p>
             <a:fld id="{78C97017-6FC3-485B-9764-EAC9E56C1D49}" type="datetimeFigureOut">
               <a:rPr lang="en-US" smtClean="0"/>
-              <a:t>3/19/19</a:t>
+              <a:t>4/2/19</a:t>
             </a:fld>
             <a:endParaRPr lang="en-US"/>
           </a:p>
@@ -1497,7 +1497,7 @@
           <a:p>
             <a:fld id="{78C97017-6FC3-485B-9764-EAC9E56C1D49}" type="datetimeFigureOut">
               <a:rPr lang="en-US" smtClean="0"/>
-              <a:t>3/19/19</a:t>
+              <a:t>4/2/19</a:t>
             </a:fld>
             <a:endParaRPr lang="en-US"/>
           </a:p>
@@ -1782,7 +1782,7 @@
           <a:p>
             <a:fld id="{78C97017-6FC3-485B-9764-EAC9E56C1D49}" type="datetimeFigureOut">
               <a:rPr lang="en-US" smtClean="0"/>
-              <a:t>3/19/19</a:t>
+              <a:t>4/2/19</a:t>
             </a:fld>
             <a:endParaRPr lang="en-US"/>
           </a:p>
@@ -2201,7 +2201,7 @@
           <a:p>
             <a:fld id="{78C97017-6FC3-485B-9764-EAC9E56C1D49}" type="datetimeFigureOut">
               <a:rPr lang="en-US" smtClean="0"/>
-              <a:t>3/19/19</a:t>
+              <a:t>4/2/19</a:t>
             </a:fld>
             <a:endParaRPr lang="en-US"/>
           </a:p>
@@ -2318,7 +2318,7 @@
           <a:p>
             <a:fld id="{78C97017-6FC3-485B-9764-EAC9E56C1D49}" type="datetimeFigureOut">
               <a:rPr lang="en-US" smtClean="0"/>
-              <a:t>3/19/19</a:t>
+              <a:t>4/2/19</a:t>
             </a:fld>
             <a:endParaRPr lang="en-US"/>
           </a:p>
@@ -2413,7 +2413,7 @@
           <a:p>
             <a:fld id="{78C97017-6FC3-485B-9764-EAC9E56C1D49}" type="datetimeFigureOut">
               <a:rPr lang="en-US" smtClean="0"/>
-              <a:t>3/19/19</a:t>
+              <a:t>4/2/19</a:t>
             </a:fld>
             <a:endParaRPr lang="en-US"/>
           </a:p>
@@ -2688,7 +2688,7 @@
           <a:p>
             <a:fld id="{78C97017-6FC3-485B-9764-EAC9E56C1D49}" type="datetimeFigureOut">
               <a:rPr lang="en-US" smtClean="0"/>
-              <a:t>3/19/19</a:t>
+              <a:t>4/2/19</a:t>
             </a:fld>
             <a:endParaRPr lang="en-US"/>
           </a:p>
@@ -2940,7 +2940,7 @@
           <a:p>
             <a:fld id="{78C97017-6FC3-485B-9764-EAC9E56C1D49}" type="datetimeFigureOut">
               <a:rPr lang="en-US" smtClean="0"/>
-              <a:t>3/19/19</a:t>
+              <a:t>4/2/19</a:t>
             </a:fld>
             <a:endParaRPr lang="en-US"/>
           </a:p>
@@ -3151,7 +3151,7 @@
           <a:p>
             <a:fld id="{78C97017-6FC3-485B-9764-EAC9E56C1D49}" type="datetimeFigureOut">
               <a:rPr lang="en-US" smtClean="0"/>
-              <a:t>3/19/19</a:t>
+              <a:t>4/2/19</a:t>
             </a:fld>
             <a:endParaRPr lang="en-US"/>
           </a:p>
@@ -3535,7 +3535,7 @@
         <p:spPr>
           <a:xfrm>
             <a:off x="1217465" y="1447799"/>
-            <a:ext cx="4917083" cy="4343397"/>
+            <a:ext cx="4917083" cy="4800597"/>
           </a:xfrm>
           <a:prstGeom prst="roundRect">
             <a:avLst>
@@ -4029,7 +4029,7 @@
         </p:nvSpPr>
         <p:spPr>
           <a:xfrm>
-            <a:off x="2592527" y="4923518"/>
+            <a:off x="2592527" y="5456918"/>
             <a:ext cx="1330212" cy="236841"/>
           </a:xfrm>
           <a:prstGeom prst="rect">
@@ -4209,7 +4209,7 @@
         </p:nvSpPr>
         <p:spPr>
           <a:xfrm>
-            <a:off x="2592528" y="5325759"/>
+            <a:off x="2592528" y="5859159"/>
             <a:ext cx="1330212" cy="236841"/>
           </a:xfrm>
           <a:prstGeom prst="rect">
@@ -4507,8 +4507,8 @@
         </p:nvCxnSpPr>
         <p:spPr>
           <a:xfrm rot="16200000" flipH="1">
-            <a:off x="1417369" y="3866781"/>
-            <a:ext cx="2173914" cy="176401"/>
+            <a:off x="1150669" y="4133481"/>
+            <a:ext cx="2707314" cy="176401"/>
           </a:xfrm>
           <a:prstGeom prst="bentConnector2">
             <a:avLst/>
@@ -4548,8 +4548,8 @@
         </p:nvCxnSpPr>
         <p:spPr>
           <a:xfrm rot="16200000" flipH="1">
-            <a:off x="1040253" y="3891905"/>
-            <a:ext cx="2756200" cy="348350"/>
+            <a:off x="763859" y="4148911"/>
+            <a:ext cx="3310576" cy="346761"/>
           </a:xfrm>
           <a:prstGeom prst="bentConnector2">
             <a:avLst/>
@@ -4836,8 +4836,8 @@
         </p:nvCxnSpPr>
         <p:spPr>
           <a:xfrm rot="5400000">
-            <a:off x="3348385" y="2860354"/>
-            <a:ext cx="2755939" cy="1607230"/>
+            <a:off x="3081685" y="3127054"/>
+            <a:ext cx="3289339" cy="1607230"/>
           </a:xfrm>
           <a:prstGeom prst="bentConnector2">
             <a:avLst/>
@@ -4878,8 +4878,8 @@
         </p:nvCxnSpPr>
         <p:spPr>
           <a:xfrm rot="5400000">
-            <a:off x="3147265" y="3061476"/>
-            <a:ext cx="3158180" cy="1607229"/>
+            <a:off x="2880565" y="3328176"/>
+            <a:ext cx="3691580" cy="1607229"/>
           </a:xfrm>
           <a:prstGeom prst="bentConnector2">
             <a:avLst/>
@@ -4912,6 +4912,7 @@
         <p:nvCxnSpPr>
           <p:cNvPr id="107" name="Elbow Connector 106"/>
           <p:cNvCxnSpPr>
+            <a:cxnSpLocks/>
             <a:stCxn id="9" idx="0"/>
           </p:cNvCxnSpPr>
           <p:nvPr/>
@@ -4957,8 +4958,8 @@
         </p:nvSpPr>
         <p:spPr>
           <a:xfrm rot="16200000">
-            <a:off x="6213739" y="4560376"/>
-            <a:ext cx="1371599" cy="328045"/>
+            <a:off x="5930048" y="4844066"/>
+            <a:ext cx="1938981" cy="328045"/>
           </a:xfrm>
           <a:prstGeom prst="roundRect">
             <a:avLst/>
@@ -5534,7 +5535,7 @@
         <p:spPr>
           <a:xfrm flipV="1">
             <a:off x="4343116" y="4472707"/>
-            <a:ext cx="2413878" cy="69722"/>
+            <a:ext cx="2392399" cy="69722"/>
           </a:xfrm>
           <a:custGeom>
             <a:avLst/>
@@ -5927,6 +5928,496 @@
           </a:fontRef>
         </p:style>
       </p:cxnSp>
+      <p:sp>
+        <p:nvSpPr>
+          <p:cNvPr id="52" name="Rectangle 11">
+            <a:extLst>
+              <a:ext uri="{FF2B5EF4-FFF2-40B4-BE49-F238E27FC236}">
+                <a16:creationId xmlns:a16="http://schemas.microsoft.com/office/drawing/2014/main" id="{2DCB3393-C974-494A-8614-32B65588B280}"/>
+              </a:ext>
+            </a:extLst>
+          </p:cNvPr>
+          <p:cNvSpPr/>
+          <p:nvPr/>
+        </p:nvSpPr>
+        <p:spPr>
+          <a:xfrm>
+            <a:off x="2588050" y="4910090"/>
+            <a:ext cx="1330212" cy="309312"/>
+          </a:xfrm>
+          <a:prstGeom prst="rect">
+            <a:avLst/>
+          </a:prstGeom>
+          <a:ln w="19050">
+            <a:solidFill>
+              <a:schemeClr val="accent3"/>
+            </a:solidFill>
+          </a:ln>
+          <a:effectLst/>
+        </p:spPr>
+        <p:style>
+          <a:lnRef idx="1">
+            <a:schemeClr val="accent3"/>
+          </a:lnRef>
+          <a:fillRef idx="2">
+            <a:schemeClr val="accent3"/>
+          </a:fillRef>
+          <a:effectRef idx="1">
+            <a:schemeClr val="accent3"/>
+          </a:effectRef>
+          <a:fontRef idx="minor">
+            <a:schemeClr val="dk1"/>
+          </a:fontRef>
+        </p:style>
+        <p:txBody>
+          <a:bodyPr rtlCol="0" anchor="ctr"/>
+          <a:lstStyle/>
+          <a:p>
+            <a:pPr algn="ctr"/>
+            <a:r>
+              <a:rPr lang="en-US" sz="1050" b="1" dirty="0">
+                <a:solidFill>
+                  <a:schemeClr val="accent3">
+                    <a:lumMod val="75000"/>
+                  </a:schemeClr>
+                </a:solidFill>
+              </a:rPr>
+              <a:t>Restaurant</a:t>
+            </a:r>
+            <a:br>
+              <a:rPr lang="en-US" sz="1050" b="1" dirty="0">
+                <a:solidFill>
+                  <a:schemeClr val="accent3">
+                    <a:lumMod val="75000"/>
+                  </a:schemeClr>
+                </a:solidFill>
+              </a:rPr>
+            </a:br>
+            <a:r>
+              <a:rPr lang="en-US" sz="1050" b="1" dirty="0" err="1">
+                <a:solidFill>
+                  <a:schemeClr val="accent3">
+                    <a:lumMod val="75000"/>
+                  </a:schemeClr>
+                </a:solidFill>
+              </a:rPr>
+              <a:t>SummaryPanel</a:t>
+            </a:r>
+            <a:endParaRPr lang="en-SG" sz="1050" b="1" dirty="0">
+              <a:solidFill>
+                <a:schemeClr val="accent3">
+                  <a:lumMod val="75000"/>
+                </a:schemeClr>
+              </a:solidFill>
+            </a:endParaRPr>
+          </a:p>
+        </p:txBody>
+      </p:sp>
+      <p:sp>
+        <p:nvSpPr>
+          <p:cNvPr id="54" name="Rectangle 11">
+            <a:extLst>
+              <a:ext uri="{FF2B5EF4-FFF2-40B4-BE49-F238E27FC236}">
+                <a16:creationId xmlns:a16="http://schemas.microsoft.com/office/drawing/2014/main" id="{B0936091-E166-6B45-B289-1AE6AF4A29C1}"/>
+              </a:ext>
+            </a:extLst>
+          </p:cNvPr>
+          <p:cNvSpPr/>
+          <p:nvPr/>
+        </p:nvSpPr>
+        <p:spPr>
+          <a:xfrm>
+            <a:off x="4102345" y="5127631"/>
+            <a:ext cx="1150979" cy="328611"/>
+          </a:xfrm>
+          <a:prstGeom prst="rect">
+            <a:avLst/>
+          </a:prstGeom>
+          <a:ln w="19050">
+            <a:solidFill>
+              <a:schemeClr val="accent3"/>
+            </a:solidFill>
+          </a:ln>
+          <a:effectLst/>
+        </p:spPr>
+        <p:style>
+          <a:lnRef idx="1">
+            <a:schemeClr val="accent3"/>
+          </a:lnRef>
+          <a:fillRef idx="2">
+            <a:schemeClr val="accent3"/>
+          </a:fillRef>
+          <a:effectRef idx="1">
+            <a:schemeClr val="accent3"/>
+          </a:effectRef>
+          <a:fontRef idx="minor">
+            <a:schemeClr val="dk1"/>
+          </a:fontRef>
+        </p:style>
+        <p:txBody>
+          <a:bodyPr rtlCol="0" anchor="ctr"/>
+          <a:lstStyle/>
+          <a:p>
+            <a:pPr algn="ctr"/>
+            <a:r>
+              <a:rPr lang="en-US" sz="1050" b="1" dirty="0">
+                <a:solidFill>
+                  <a:schemeClr val="accent3">
+                    <a:lumMod val="75000"/>
+                  </a:schemeClr>
+                </a:solidFill>
+              </a:rPr>
+              <a:t>Restaurant</a:t>
+            </a:r>
+            <a:br>
+              <a:rPr lang="en-US" sz="1050" b="1" dirty="0">
+                <a:solidFill>
+                  <a:schemeClr val="accent3">
+                    <a:lumMod val="75000"/>
+                  </a:schemeClr>
+                </a:solidFill>
+              </a:rPr>
+            </a:br>
+            <a:r>
+              <a:rPr lang="en-US" sz="1050" b="1" dirty="0" err="1">
+                <a:solidFill>
+                  <a:schemeClr val="accent3">
+                    <a:lumMod val="75000"/>
+                  </a:schemeClr>
+                </a:solidFill>
+              </a:rPr>
+              <a:t>SummaryDisplay</a:t>
+            </a:r>
+            <a:endParaRPr lang="en-SG" sz="1050" b="1" dirty="0">
+              <a:solidFill>
+                <a:schemeClr val="accent3">
+                  <a:lumMod val="75000"/>
+                </a:schemeClr>
+              </a:solidFill>
+            </a:endParaRPr>
+          </a:p>
+        </p:txBody>
+      </p:sp>
+      <p:cxnSp>
+        <p:nvCxnSpPr>
+          <p:cNvPr id="55" name="Elbow Connector 63">
+            <a:extLst>
+              <a:ext uri="{FF2B5EF4-FFF2-40B4-BE49-F238E27FC236}">
+                <a16:creationId xmlns:a16="http://schemas.microsoft.com/office/drawing/2014/main" id="{9E1C0A6C-24A8-5F4C-BAEF-D7227F55B496}"/>
+              </a:ext>
+            </a:extLst>
+          </p:cNvPr>
+          <p:cNvCxnSpPr>
+            <a:cxnSpLocks/>
+            <a:stCxn id="39" idx="2"/>
+            <a:endCxn id="52" idx="1"/>
+          </p:cNvCxnSpPr>
+          <p:nvPr/>
+        </p:nvCxnSpPr>
+        <p:spPr>
+          <a:xfrm rot="16200000" flipH="1">
+            <a:off x="1403728" y="3880423"/>
+            <a:ext cx="2196721" cy="171924"/>
+          </a:xfrm>
+          <a:prstGeom prst="bentConnector2">
+            <a:avLst/>
+          </a:prstGeom>
+          <a:ln w="19050">
+            <a:solidFill>
+              <a:schemeClr val="accent3"/>
+            </a:solidFill>
+            <a:headEnd type="none" w="med" len="med"/>
+            <a:tailEnd type="arrow" w="med" len="med"/>
+          </a:ln>
+          <a:effectLst/>
+        </p:spPr>
+        <p:style>
+          <a:lnRef idx="1">
+            <a:schemeClr val="accent2"/>
+          </a:lnRef>
+          <a:fillRef idx="2">
+            <a:schemeClr val="accent2"/>
+          </a:fillRef>
+          <a:effectRef idx="1">
+            <a:schemeClr val="accent2"/>
+          </a:effectRef>
+          <a:fontRef idx="minor">
+            <a:schemeClr val="dk1"/>
+          </a:fontRef>
+        </p:style>
+      </p:cxnSp>
+      <p:cxnSp>
+        <p:nvCxnSpPr>
+          <p:cNvPr id="57" name="Elbow Connector 63">
+            <a:extLst>
+              <a:ext uri="{FF2B5EF4-FFF2-40B4-BE49-F238E27FC236}">
+                <a16:creationId xmlns:a16="http://schemas.microsoft.com/office/drawing/2014/main" id="{B98BA17D-546E-ED4F-8471-161EF7891F9C}"/>
+              </a:ext>
+            </a:extLst>
+          </p:cNvPr>
+          <p:cNvCxnSpPr>
+            <a:cxnSpLocks/>
+            <a:stCxn id="16" idx="3"/>
+            <a:endCxn id="54" idx="3"/>
+          </p:cNvCxnSpPr>
+          <p:nvPr/>
+        </p:nvCxnSpPr>
+        <p:spPr>
+          <a:xfrm rot="5400000">
+            <a:off x="3888679" y="3650646"/>
+            <a:ext cx="3005937" cy="276645"/>
+          </a:xfrm>
+          <a:prstGeom prst="bentConnector2">
+            <a:avLst/>
+          </a:prstGeom>
+          <a:ln w="6350">
+            <a:solidFill>
+              <a:schemeClr val="accent3"/>
+            </a:solidFill>
+            <a:headEnd type="none" w="med" len="med"/>
+            <a:tailEnd type="none" w="med" len="med"/>
+          </a:ln>
+          <a:effectLst/>
+        </p:spPr>
+        <p:style>
+          <a:lnRef idx="1">
+            <a:schemeClr val="accent2"/>
+          </a:lnRef>
+          <a:fillRef idx="2">
+            <a:schemeClr val="accent2"/>
+          </a:fillRef>
+          <a:effectRef idx="1">
+            <a:schemeClr val="accent2"/>
+          </a:effectRef>
+          <a:fontRef idx="minor">
+            <a:schemeClr val="dk1"/>
+          </a:fontRef>
+        </p:style>
+      </p:cxnSp>
+      <p:cxnSp>
+        <p:nvCxnSpPr>
+          <p:cNvPr id="58" name="Elbow Connector 57">
+            <a:extLst>
+              <a:ext uri="{FF2B5EF4-FFF2-40B4-BE49-F238E27FC236}">
+                <a16:creationId xmlns:a16="http://schemas.microsoft.com/office/drawing/2014/main" id="{0EBA15B8-9AFB-1445-846C-FEE1BB00997A}"/>
+              </a:ext>
+            </a:extLst>
+          </p:cNvPr>
+          <p:cNvCxnSpPr>
+            <a:cxnSpLocks/>
+            <a:stCxn id="52" idx="2"/>
+            <a:endCxn id="54" idx="1"/>
+          </p:cNvCxnSpPr>
+          <p:nvPr/>
+        </p:nvCxnSpPr>
+        <p:spPr>
+          <a:xfrm rot="16200000" flipH="1">
+            <a:off x="3641483" y="4831074"/>
+            <a:ext cx="72535" cy="849189"/>
+          </a:xfrm>
+          <a:prstGeom prst="bentConnector2">
+            <a:avLst/>
+          </a:prstGeom>
+          <a:ln w="19050">
+            <a:solidFill>
+              <a:schemeClr val="accent3"/>
+            </a:solidFill>
+            <a:headEnd type="none" w="med" len="med"/>
+            <a:tailEnd type="arrow" w="med" len="med"/>
+          </a:ln>
+          <a:effectLst/>
+        </p:spPr>
+        <p:style>
+          <a:lnRef idx="1">
+            <a:schemeClr val="accent2"/>
+          </a:lnRef>
+          <a:fillRef idx="2">
+            <a:schemeClr val="accent2"/>
+          </a:fillRef>
+          <a:effectRef idx="1">
+            <a:schemeClr val="accent2"/>
+          </a:effectRef>
+          <a:fontRef idx="minor">
+            <a:schemeClr val="dk1"/>
+          </a:fontRef>
+        </p:style>
+      </p:cxnSp>
+      <p:sp>
+        <p:nvSpPr>
+          <p:cNvPr id="59" name="Freeform 58">
+            <a:extLst>
+              <a:ext uri="{FF2B5EF4-FFF2-40B4-BE49-F238E27FC236}">
+                <a16:creationId xmlns:a16="http://schemas.microsoft.com/office/drawing/2014/main" id="{F71C2011-8D45-2242-9202-8E49072BD233}"/>
+              </a:ext>
+            </a:extLst>
+          </p:cNvPr>
+          <p:cNvSpPr/>
+          <p:nvPr/>
+        </p:nvSpPr>
+        <p:spPr>
+          <a:xfrm flipV="1">
+            <a:off x="4338640" y="5463307"/>
+            <a:ext cx="2392399" cy="69722"/>
+          </a:xfrm>
+          <a:custGeom>
+            <a:avLst/>
+            <a:gdLst>
+              <a:gd name="connsiteX0" fmla="*/ 0 w 3048000"/>
+              <a:gd name="connsiteY0" fmla="*/ 203200 h 203200"/>
+              <a:gd name="connsiteX1" fmla="*/ 221673 w 3048000"/>
+              <a:gd name="connsiteY1" fmla="*/ 0 h 203200"/>
+              <a:gd name="connsiteX2" fmla="*/ 3048000 w 3048000"/>
+              <a:gd name="connsiteY2" fmla="*/ 0 h 203200"/>
+            </a:gdLst>
+            <a:ahLst/>
+            <a:cxnLst>
+              <a:cxn ang="0">
+                <a:pos x="connsiteX0" y="connsiteY0"/>
+              </a:cxn>
+              <a:cxn ang="0">
+                <a:pos x="connsiteX1" y="connsiteY1"/>
+              </a:cxn>
+              <a:cxn ang="0">
+                <a:pos x="connsiteX2" y="connsiteY2"/>
+              </a:cxn>
+            </a:cxnLst>
+            <a:rect l="l" t="t" r="r" b="b"/>
+            <a:pathLst>
+              <a:path w="3048000" h="203200">
+                <a:moveTo>
+                  <a:pt x="0" y="203200"/>
+                </a:moveTo>
+                <a:lnTo>
+                  <a:pt x="221673" y="0"/>
+                </a:lnTo>
+                <a:lnTo>
+                  <a:pt x="3048000" y="0"/>
+                </a:lnTo>
+              </a:path>
+            </a:pathLst>
+          </a:custGeom>
+          <a:noFill/>
+          <a:ln w="19050">
+            <a:solidFill>
+              <a:schemeClr val="accent3"/>
+            </a:solidFill>
+            <a:prstDash val="sysDot"/>
+            <a:headEnd type="none" w="med" len="med"/>
+            <a:tailEnd type="arrow" w="med" len="med"/>
+          </a:ln>
+          <a:effectLst/>
+        </p:spPr>
+        <p:style>
+          <a:lnRef idx="1">
+            <a:schemeClr val="accent2"/>
+          </a:lnRef>
+          <a:fillRef idx="2">
+            <a:schemeClr val="accent2"/>
+          </a:fillRef>
+          <a:effectRef idx="1">
+            <a:schemeClr val="accent2"/>
+          </a:effectRef>
+          <a:fontRef idx="minor">
+            <a:schemeClr val="dk1"/>
+          </a:fontRef>
+        </p:style>
+        <p:txBody>
+          <a:bodyPr rtlCol="0" anchor="ctr"/>
+          <a:lstStyle/>
+          <a:p>
+            <a:pPr algn="ctr"/>
+            <a:endParaRPr lang="en-SG"/>
+          </a:p>
+        </p:txBody>
+      </p:sp>
+      <p:sp>
+        <p:nvSpPr>
+          <p:cNvPr id="89" name="Freeform 88">
+            <a:extLst>
+              <a:ext uri="{FF2B5EF4-FFF2-40B4-BE49-F238E27FC236}">
+                <a16:creationId xmlns:a16="http://schemas.microsoft.com/office/drawing/2014/main" id="{509CAB03-1ADF-BF44-B8C8-103830A91ECB}"/>
+              </a:ext>
+            </a:extLst>
+          </p:cNvPr>
+          <p:cNvSpPr/>
+          <p:nvPr/>
+        </p:nvSpPr>
+        <p:spPr>
+          <a:xfrm flipV="1">
+            <a:off x="4333771" y="4978847"/>
+            <a:ext cx="2397268" cy="69480"/>
+          </a:xfrm>
+          <a:custGeom>
+            <a:avLst/>
+            <a:gdLst>
+              <a:gd name="connsiteX0" fmla="*/ 0 w 3048000"/>
+              <a:gd name="connsiteY0" fmla="*/ 203200 h 203200"/>
+              <a:gd name="connsiteX1" fmla="*/ 221673 w 3048000"/>
+              <a:gd name="connsiteY1" fmla="*/ 0 h 203200"/>
+              <a:gd name="connsiteX2" fmla="*/ 3048000 w 3048000"/>
+              <a:gd name="connsiteY2" fmla="*/ 0 h 203200"/>
+            </a:gdLst>
+            <a:ahLst/>
+            <a:cxnLst>
+              <a:cxn ang="0">
+                <a:pos x="connsiteX0" y="connsiteY0"/>
+              </a:cxn>
+              <a:cxn ang="0">
+                <a:pos x="connsiteX1" y="connsiteY1"/>
+              </a:cxn>
+              <a:cxn ang="0">
+                <a:pos x="connsiteX2" y="connsiteY2"/>
+              </a:cxn>
+            </a:cxnLst>
+            <a:rect l="l" t="t" r="r" b="b"/>
+            <a:pathLst>
+              <a:path w="3048000" h="203200">
+                <a:moveTo>
+                  <a:pt x="0" y="203200"/>
+                </a:moveTo>
+                <a:lnTo>
+                  <a:pt x="221673" y="0"/>
+                </a:lnTo>
+                <a:lnTo>
+                  <a:pt x="3048000" y="0"/>
+                </a:lnTo>
+              </a:path>
+            </a:pathLst>
+          </a:custGeom>
+          <a:noFill/>
+          <a:ln w="19050">
+            <a:solidFill>
+              <a:schemeClr val="accent3"/>
+            </a:solidFill>
+            <a:prstDash val="sysDot"/>
+            <a:headEnd type="none" w="med" len="med"/>
+            <a:tailEnd type="arrow" w="med" len="med"/>
+          </a:ln>
+          <a:effectLst/>
+        </p:spPr>
+        <p:style>
+          <a:lnRef idx="1">
+            <a:schemeClr val="accent2"/>
+          </a:lnRef>
+          <a:fillRef idx="2">
+            <a:schemeClr val="accent2"/>
+          </a:fillRef>
+          <a:effectRef idx="1">
+            <a:schemeClr val="accent2"/>
+          </a:effectRef>
+          <a:fontRef idx="minor">
+            <a:schemeClr val="dk1"/>
+          </a:fontRef>
+        </p:style>
+        <p:txBody>
+          <a:bodyPr rtlCol="0" anchor="ctr"/>
+          <a:lstStyle/>
+          <a:p>
+            <a:pPr algn="ctr"/>
+            <a:endParaRPr lang="en-SG"/>
+          </a:p>
+        </p:txBody>
+      </p:sp>
     </p:spTree>
     <p:extLst>
       <p:ext uri="{BB962C8B-B14F-4D97-AF65-F5344CB8AC3E}">

--- a/docs/diagrams/UiComponentClassDiagram.pptx
+++ b/docs/diagrams/UiComponentClassDiagram.pptx
@@ -208,7 +208,7 @@
           <a:p>
             <a:fld id="{F5CC4B3F-88C1-4FFA-B1B6-F41C21DC6924}" type="datetimeFigureOut">
               <a:rPr lang="en-US" smtClean="0"/>
-              <a:t>4/2/2019</a:t>
+              <a:t>4/3/2019</a:t>
             </a:fld>
             <a:endParaRPr lang="en-US"/>
           </a:p>
@@ -654,7 +654,7 @@
           <a:p>
             <a:fld id="{78C97017-6FC3-485B-9764-EAC9E56C1D49}" type="datetimeFigureOut">
               <a:rPr lang="en-US" smtClean="0"/>
-              <a:t>4/2/2019</a:t>
+              <a:t>4/3/2019</a:t>
             </a:fld>
             <a:endParaRPr lang="en-US"/>
           </a:p>
@@ -822,7 +822,7 @@
           <a:p>
             <a:fld id="{78C97017-6FC3-485B-9764-EAC9E56C1D49}" type="datetimeFigureOut">
               <a:rPr lang="en-US" smtClean="0"/>
-              <a:t>4/2/2019</a:t>
+              <a:t>4/3/2019</a:t>
             </a:fld>
             <a:endParaRPr lang="en-US"/>
           </a:p>
@@ -1000,7 +1000,7 @@
           <a:p>
             <a:fld id="{78C97017-6FC3-485B-9764-EAC9E56C1D49}" type="datetimeFigureOut">
               <a:rPr lang="en-US" smtClean="0"/>
-              <a:t>4/2/2019</a:t>
+              <a:t>4/3/2019</a:t>
             </a:fld>
             <a:endParaRPr lang="en-US"/>
           </a:p>
@@ -1168,7 +1168,7 @@
           <a:p>
             <a:fld id="{78C97017-6FC3-485B-9764-EAC9E56C1D49}" type="datetimeFigureOut">
               <a:rPr lang="en-US" smtClean="0"/>
-              <a:t>4/2/2019</a:t>
+              <a:t>4/3/2019</a:t>
             </a:fld>
             <a:endParaRPr lang="en-US"/>
           </a:p>
@@ -1413,7 +1413,7 @@
           <a:p>
             <a:fld id="{78C97017-6FC3-485B-9764-EAC9E56C1D49}" type="datetimeFigureOut">
               <a:rPr lang="en-US" smtClean="0"/>
-              <a:t>4/2/2019</a:t>
+              <a:t>4/3/2019</a:t>
             </a:fld>
             <a:endParaRPr lang="en-US"/>
           </a:p>
@@ -1698,7 +1698,7 @@
           <a:p>
             <a:fld id="{78C97017-6FC3-485B-9764-EAC9E56C1D49}" type="datetimeFigureOut">
               <a:rPr lang="en-US" smtClean="0"/>
-              <a:t>4/2/2019</a:t>
+              <a:t>4/3/2019</a:t>
             </a:fld>
             <a:endParaRPr lang="en-US"/>
           </a:p>
@@ -2117,7 +2117,7 @@
           <a:p>
             <a:fld id="{78C97017-6FC3-485B-9764-EAC9E56C1D49}" type="datetimeFigureOut">
               <a:rPr lang="en-US" smtClean="0"/>
-              <a:t>4/2/2019</a:t>
+              <a:t>4/3/2019</a:t>
             </a:fld>
             <a:endParaRPr lang="en-US"/>
           </a:p>
@@ -2234,7 +2234,7 @@
           <a:p>
             <a:fld id="{78C97017-6FC3-485B-9764-EAC9E56C1D49}" type="datetimeFigureOut">
               <a:rPr lang="en-US" smtClean="0"/>
-              <a:t>4/2/2019</a:t>
+              <a:t>4/3/2019</a:t>
             </a:fld>
             <a:endParaRPr lang="en-US"/>
           </a:p>
@@ -2329,7 +2329,7 @@
           <a:p>
             <a:fld id="{78C97017-6FC3-485B-9764-EAC9E56C1D49}" type="datetimeFigureOut">
               <a:rPr lang="en-US" smtClean="0"/>
-              <a:t>4/2/2019</a:t>
+              <a:t>4/3/2019</a:t>
             </a:fld>
             <a:endParaRPr lang="en-US"/>
           </a:p>
@@ -2604,7 +2604,7 @@
           <a:p>
             <a:fld id="{78C97017-6FC3-485B-9764-EAC9E56C1D49}" type="datetimeFigureOut">
               <a:rPr lang="en-US" smtClean="0"/>
-              <a:t>4/2/2019</a:t>
+              <a:t>4/3/2019</a:t>
             </a:fld>
             <a:endParaRPr lang="en-US"/>
           </a:p>
@@ -2856,7 +2856,7 @@
           <a:p>
             <a:fld id="{78C97017-6FC3-485B-9764-EAC9E56C1D49}" type="datetimeFigureOut">
               <a:rPr lang="en-US" smtClean="0"/>
-              <a:t>4/2/2019</a:t>
+              <a:t>4/3/2019</a:t>
             </a:fld>
             <a:endParaRPr lang="en-US"/>
           </a:p>
@@ -3067,7 +3067,7 @@
           <a:p>
             <a:fld id="{78C97017-6FC3-485B-9764-EAC9E56C1D49}" type="datetimeFigureOut">
               <a:rPr lang="en-US" smtClean="0"/>
-              <a:t>4/2/2019</a:t>
+              <a:t>4/3/2019</a:t>
             </a:fld>
             <a:endParaRPr lang="en-US"/>
           </a:p>
@@ -4460,8 +4460,8 @@
         </p:nvCxnSpPr>
         <p:spPr>
           <a:xfrm rot="16200000" flipH="1">
-            <a:off x="793182" y="3939378"/>
-            <a:ext cx="3170009" cy="419548"/>
+            <a:off x="875793" y="4021989"/>
+            <a:ext cx="3046175" cy="378160"/>
           </a:xfrm>
           <a:prstGeom prst="bentConnector2">
             <a:avLst/>

--- a/docs/diagrams/UiComponentClassDiagram.pptx
+++ b/docs/diagrams/UiComponentClassDiagram.pptx
@@ -208,7 +208,7 @@
           <a:p>
             <a:fld id="{F5CC4B3F-88C1-4FFA-B1B6-F41C21DC6924}" type="datetimeFigureOut">
               <a:rPr lang="en-US" smtClean="0"/>
-              <a:t>4/2/19</a:t>
+              <a:t>4/5/19</a:t>
             </a:fld>
             <a:endParaRPr lang="en-US"/>
           </a:p>
@@ -738,7 +738,7 @@
           <a:p>
             <a:fld id="{78C97017-6FC3-485B-9764-EAC9E56C1D49}" type="datetimeFigureOut">
               <a:rPr lang="en-US" smtClean="0"/>
-              <a:t>4/2/19</a:t>
+              <a:t>4/5/19</a:t>
             </a:fld>
             <a:endParaRPr lang="en-US"/>
           </a:p>
@@ -906,7 +906,7 @@
           <a:p>
             <a:fld id="{78C97017-6FC3-485B-9764-EAC9E56C1D49}" type="datetimeFigureOut">
               <a:rPr lang="en-US" smtClean="0"/>
-              <a:t>4/2/19</a:t>
+              <a:t>4/5/19</a:t>
             </a:fld>
             <a:endParaRPr lang="en-US"/>
           </a:p>
@@ -1084,7 +1084,7 @@
           <a:p>
             <a:fld id="{78C97017-6FC3-485B-9764-EAC9E56C1D49}" type="datetimeFigureOut">
               <a:rPr lang="en-US" smtClean="0"/>
-              <a:t>4/2/19</a:t>
+              <a:t>4/5/19</a:t>
             </a:fld>
             <a:endParaRPr lang="en-US"/>
           </a:p>
@@ -1252,7 +1252,7 @@
           <a:p>
             <a:fld id="{78C97017-6FC3-485B-9764-EAC9E56C1D49}" type="datetimeFigureOut">
               <a:rPr lang="en-US" smtClean="0"/>
-              <a:t>4/2/19</a:t>
+              <a:t>4/5/19</a:t>
             </a:fld>
             <a:endParaRPr lang="en-US"/>
           </a:p>
@@ -1497,7 +1497,7 @@
           <a:p>
             <a:fld id="{78C97017-6FC3-485B-9764-EAC9E56C1D49}" type="datetimeFigureOut">
               <a:rPr lang="en-US" smtClean="0"/>
-              <a:t>4/2/19</a:t>
+              <a:t>4/5/19</a:t>
             </a:fld>
             <a:endParaRPr lang="en-US"/>
           </a:p>
@@ -1782,7 +1782,7 @@
           <a:p>
             <a:fld id="{78C97017-6FC3-485B-9764-EAC9E56C1D49}" type="datetimeFigureOut">
               <a:rPr lang="en-US" smtClean="0"/>
-              <a:t>4/2/19</a:t>
+              <a:t>4/5/19</a:t>
             </a:fld>
             <a:endParaRPr lang="en-US"/>
           </a:p>
@@ -2201,7 +2201,7 @@
           <a:p>
             <a:fld id="{78C97017-6FC3-485B-9764-EAC9E56C1D49}" type="datetimeFigureOut">
               <a:rPr lang="en-US" smtClean="0"/>
-              <a:t>4/2/19</a:t>
+              <a:t>4/5/19</a:t>
             </a:fld>
             <a:endParaRPr lang="en-US"/>
           </a:p>
@@ -2318,7 +2318,7 @@
           <a:p>
             <a:fld id="{78C97017-6FC3-485B-9764-EAC9E56C1D49}" type="datetimeFigureOut">
               <a:rPr lang="en-US" smtClean="0"/>
-              <a:t>4/2/19</a:t>
+              <a:t>4/5/19</a:t>
             </a:fld>
             <a:endParaRPr lang="en-US"/>
           </a:p>
@@ -2413,7 +2413,7 @@
           <a:p>
             <a:fld id="{78C97017-6FC3-485B-9764-EAC9E56C1D49}" type="datetimeFigureOut">
               <a:rPr lang="en-US" smtClean="0"/>
-              <a:t>4/2/19</a:t>
+              <a:t>4/5/19</a:t>
             </a:fld>
             <a:endParaRPr lang="en-US"/>
           </a:p>
@@ -2688,7 +2688,7 @@
           <a:p>
             <a:fld id="{78C97017-6FC3-485B-9764-EAC9E56C1D49}" type="datetimeFigureOut">
               <a:rPr lang="en-US" smtClean="0"/>
-              <a:t>4/2/19</a:t>
+              <a:t>4/5/19</a:t>
             </a:fld>
             <a:endParaRPr lang="en-US"/>
           </a:p>
@@ -2940,7 +2940,7 @@
           <a:p>
             <a:fld id="{78C97017-6FC3-485B-9764-EAC9E56C1D49}" type="datetimeFigureOut">
               <a:rPr lang="en-US" smtClean="0"/>
-              <a:t>4/2/19</a:t>
+              <a:t>4/5/19</a:t>
             </a:fld>
             <a:endParaRPr lang="en-US"/>
           </a:p>
@@ -3151,7 +3151,7 @@
           <a:p>
             <a:fld id="{78C97017-6FC3-485B-9764-EAC9E56C1D49}" type="datetimeFigureOut">
               <a:rPr lang="en-US" smtClean="0"/>
-              <a:t>4/2/19</a:t>
+              <a:t>4/5/19</a:t>
             </a:fld>
             <a:endParaRPr lang="en-US"/>
           </a:p>
@@ -5942,7 +5942,7 @@
         </p:nvSpPr>
         <p:spPr>
           <a:xfrm>
-            <a:off x="2588050" y="4910090"/>
+            <a:off x="2588050" y="4986290"/>
             <a:ext cx="1330212" cy="309312"/>
           </a:xfrm>
           <a:prstGeom prst="rect">
@@ -6002,91 +6002,6 @@
                 </a:solidFill>
               </a:rPr>
               <a:t>SummaryPanel</a:t>
-            </a:r>
-            <a:endParaRPr lang="en-SG" sz="1050" b="1" dirty="0">
-              <a:solidFill>
-                <a:schemeClr val="accent3">
-                  <a:lumMod val="75000"/>
-                </a:schemeClr>
-              </a:solidFill>
-            </a:endParaRPr>
-          </a:p>
-        </p:txBody>
-      </p:sp>
-      <p:sp>
-        <p:nvSpPr>
-          <p:cNvPr id="54" name="Rectangle 11">
-            <a:extLst>
-              <a:ext uri="{FF2B5EF4-FFF2-40B4-BE49-F238E27FC236}">
-                <a16:creationId xmlns:a16="http://schemas.microsoft.com/office/drawing/2014/main" id="{B0936091-E166-6B45-B289-1AE6AF4A29C1}"/>
-              </a:ext>
-            </a:extLst>
-          </p:cNvPr>
-          <p:cNvSpPr/>
-          <p:nvPr/>
-        </p:nvSpPr>
-        <p:spPr>
-          <a:xfrm>
-            <a:off x="4102345" y="5127631"/>
-            <a:ext cx="1150979" cy="328611"/>
-          </a:xfrm>
-          <a:prstGeom prst="rect">
-            <a:avLst/>
-          </a:prstGeom>
-          <a:ln w="19050">
-            <a:solidFill>
-              <a:schemeClr val="accent3"/>
-            </a:solidFill>
-          </a:ln>
-          <a:effectLst/>
-        </p:spPr>
-        <p:style>
-          <a:lnRef idx="1">
-            <a:schemeClr val="accent3"/>
-          </a:lnRef>
-          <a:fillRef idx="2">
-            <a:schemeClr val="accent3"/>
-          </a:fillRef>
-          <a:effectRef idx="1">
-            <a:schemeClr val="accent3"/>
-          </a:effectRef>
-          <a:fontRef idx="minor">
-            <a:schemeClr val="dk1"/>
-          </a:fontRef>
-        </p:style>
-        <p:txBody>
-          <a:bodyPr rtlCol="0" anchor="ctr"/>
-          <a:lstStyle/>
-          <a:p>
-            <a:pPr algn="ctr"/>
-            <a:r>
-              <a:rPr lang="en-US" sz="1050" b="1" dirty="0">
-                <a:solidFill>
-                  <a:schemeClr val="accent3">
-                    <a:lumMod val="75000"/>
-                  </a:schemeClr>
-                </a:solidFill>
-              </a:rPr>
-              <a:t>Restaurant</a:t>
-            </a:r>
-            <a:br>
-              <a:rPr lang="en-US" sz="1050" b="1" dirty="0">
-                <a:solidFill>
-                  <a:schemeClr val="accent3">
-                    <a:lumMod val="75000"/>
-                  </a:schemeClr>
-                </a:solidFill>
-              </a:rPr>
-            </a:br>
-            <a:r>
-              <a:rPr lang="en-US" sz="1050" b="1" dirty="0" err="1">
-                <a:solidFill>
-                  <a:schemeClr val="accent3">
-                    <a:lumMod val="75000"/>
-                  </a:schemeClr>
-                </a:solidFill>
-              </a:rPr>
-              <a:t>SummaryDisplay</a:t>
             </a:r>
             <a:endParaRPr lang="en-SG" sz="1050" b="1" dirty="0">
               <a:solidFill>
@@ -6116,8 +6031,8 @@
         </p:nvCxnSpPr>
         <p:spPr>
           <a:xfrm rot="16200000" flipH="1">
-            <a:off x="1403728" y="3880423"/>
-            <a:ext cx="2196721" cy="171924"/>
+            <a:off x="1365628" y="3918523"/>
+            <a:ext cx="2272921" cy="171924"/>
           </a:xfrm>
           <a:prstGeom prst="bentConnector2">
             <a:avLst/>
@@ -6157,15 +6072,14 @@
           </p:cNvPr>
           <p:cNvCxnSpPr>
             <a:cxnSpLocks/>
-            <a:stCxn id="16" idx="3"/>
-            <a:endCxn id="54" idx="3"/>
+            <a:endCxn id="52" idx="3"/>
           </p:cNvCxnSpPr>
           <p:nvPr/>
         </p:nvCxnSpPr>
         <p:spPr>
           <a:xfrm rot="5400000">
-            <a:off x="3888679" y="3650646"/>
-            <a:ext cx="3005937" cy="276645"/>
+            <a:off x="3334743" y="2945720"/>
+            <a:ext cx="2778746" cy="1611707"/>
           </a:xfrm>
           <a:prstGeom prst="bentConnector2">
             <a:avLst/>
@@ -6194,54 +6108,6 @@
           </a:fontRef>
         </p:style>
       </p:cxnSp>
-      <p:cxnSp>
-        <p:nvCxnSpPr>
-          <p:cNvPr id="58" name="Elbow Connector 57">
-            <a:extLst>
-              <a:ext uri="{FF2B5EF4-FFF2-40B4-BE49-F238E27FC236}">
-                <a16:creationId xmlns:a16="http://schemas.microsoft.com/office/drawing/2014/main" id="{0EBA15B8-9AFB-1445-846C-FEE1BB00997A}"/>
-              </a:ext>
-            </a:extLst>
-          </p:cNvPr>
-          <p:cNvCxnSpPr>
-            <a:cxnSpLocks/>
-            <a:stCxn id="52" idx="2"/>
-            <a:endCxn id="54" idx="1"/>
-          </p:cNvCxnSpPr>
-          <p:nvPr/>
-        </p:nvCxnSpPr>
-        <p:spPr>
-          <a:xfrm rot="16200000" flipH="1">
-            <a:off x="3641483" y="4831074"/>
-            <a:ext cx="72535" cy="849189"/>
-          </a:xfrm>
-          <a:prstGeom prst="bentConnector2">
-            <a:avLst/>
-          </a:prstGeom>
-          <a:ln w="19050">
-            <a:solidFill>
-              <a:schemeClr val="accent3"/>
-            </a:solidFill>
-            <a:headEnd type="none" w="med" len="med"/>
-            <a:tailEnd type="arrow" w="med" len="med"/>
-          </a:ln>
-          <a:effectLst/>
-        </p:spPr>
-        <p:style>
-          <a:lnRef idx="1">
-            <a:schemeClr val="accent2"/>
-          </a:lnRef>
-          <a:fillRef idx="2">
-            <a:schemeClr val="accent2"/>
-          </a:fillRef>
-          <a:effectRef idx="1">
-            <a:schemeClr val="accent2"/>
-          </a:effectRef>
-          <a:fontRef idx="minor">
-            <a:schemeClr val="dk1"/>
-          </a:fontRef>
-        </p:style>
-      </p:cxnSp>
       <p:sp>
         <p:nvSpPr>
           <p:cNvPr id="59" name="Freeform 58">
@@ -6256,8 +6122,8 @@
         </p:nvSpPr>
         <p:spPr>
           <a:xfrm flipV="1">
-            <a:off x="4338640" y="5463307"/>
-            <a:ext cx="2392399" cy="69722"/>
+            <a:off x="2819400" y="5299213"/>
+            <a:ext cx="3901506" cy="90328"/>
           </a:xfrm>
           <a:custGeom>
             <a:avLst/>

--- a/docs/diagrams/UiComponentClassDiagram.pptx
+++ b/docs/diagrams/UiComponentClassDiagram.pptx
@@ -208,7 +208,7 @@
           <a:p>
             <a:fld id="{F5CC4B3F-88C1-4FFA-B1B6-F41C21DC6924}" type="datetimeFigureOut">
               <a:rPr lang="en-US" smtClean="0"/>
-              <a:t>3/10/19</a:t>
+              <a:t>4/6/19</a:t>
             </a:fld>
             <a:endParaRPr lang="en-US"/>
           </a:p>
@@ -654,7 +654,7 @@
           <a:p>
             <a:fld id="{78C97017-6FC3-485B-9764-EAC9E56C1D49}" type="datetimeFigureOut">
               <a:rPr lang="en-US" smtClean="0"/>
-              <a:t>3/10/19</a:t>
+              <a:t>4/6/19</a:t>
             </a:fld>
             <a:endParaRPr lang="en-US"/>
           </a:p>
@@ -822,7 +822,7 @@
           <a:p>
             <a:fld id="{78C97017-6FC3-485B-9764-EAC9E56C1D49}" type="datetimeFigureOut">
               <a:rPr lang="en-US" smtClean="0"/>
-              <a:t>3/10/19</a:t>
+              <a:t>4/6/19</a:t>
             </a:fld>
             <a:endParaRPr lang="en-US"/>
           </a:p>
@@ -1000,7 +1000,7 @@
           <a:p>
             <a:fld id="{78C97017-6FC3-485B-9764-EAC9E56C1D49}" type="datetimeFigureOut">
               <a:rPr lang="en-US" smtClean="0"/>
-              <a:t>3/10/19</a:t>
+              <a:t>4/6/19</a:t>
             </a:fld>
             <a:endParaRPr lang="en-US"/>
           </a:p>
@@ -1168,7 +1168,7 @@
           <a:p>
             <a:fld id="{78C97017-6FC3-485B-9764-EAC9E56C1D49}" type="datetimeFigureOut">
               <a:rPr lang="en-US" smtClean="0"/>
-              <a:t>3/10/19</a:t>
+              <a:t>4/6/19</a:t>
             </a:fld>
             <a:endParaRPr lang="en-US"/>
           </a:p>
@@ -1413,7 +1413,7 @@
           <a:p>
             <a:fld id="{78C97017-6FC3-485B-9764-EAC9E56C1D49}" type="datetimeFigureOut">
               <a:rPr lang="en-US" smtClean="0"/>
-              <a:t>3/10/19</a:t>
+              <a:t>4/6/19</a:t>
             </a:fld>
             <a:endParaRPr lang="en-US"/>
           </a:p>
@@ -1698,7 +1698,7 @@
           <a:p>
             <a:fld id="{78C97017-6FC3-485B-9764-EAC9E56C1D49}" type="datetimeFigureOut">
               <a:rPr lang="en-US" smtClean="0"/>
-              <a:t>3/10/19</a:t>
+              <a:t>4/6/19</a:t>
             </a:fld>
             <a:endParaRPr lang="en-US"/>
           </a:p>
@@ -2117,7 +2117,7 @@
           <a:p>
             <a:fld id="{78C97017-6FC3-485B-9764-EAC9E56C1D49}" type="datetimeFigureOut">
               <a:rPr lang="en-US" smtClean="0"/>
-              <a:t>3/10/19</a:t>
+              <a:t>4/6/19</a:t>
             </a:fld>
             <a:endParaRPr lang="en-US"/>
           </a:p>
@@ -2234,7 +2234,7 @@
           <a:p>
             <a:fld id="{78C97017-6FC3-485B-9764-EAC9E56C1D49}" type="datetimeFigureOut">
               <a:rPr lang="en-US" smtClean="0"/>
-              <a:t>3/10/19</a:t>
+              <a:t>4/6/19</a:t>
             </a:fld>
             <a:endParaRPr lang="en-US"/>
           </a:p>
@@ -2329,7 +2329,7 @@
           <a:p>
             <a:fld id="{78C97017-6FC3-485B-9764-EAC9E56C1D49}" type="datetimeFigureOut">
               <a:rPr lang="en-US" smtClean="0"/>
-              <a:t>3/10/19</a:t>
+              <a:t>4/6/19</a:t>
             </a:fld>
             <a:endParaRPr lang="en-US"/>
           </a:p>
@@ -2604,7 +2604,7 @@
           <a:p>
             <a:fld id="{78C97017-6FC3-485B-9764-EAC9E56C1D49}" type="datetimeFigureOut">
               <a:rPr lang="en-US" smtClean="0"/>
-              <a:t>3/10/19</a:t>
+              <a:t>4/6/19</a:t>
             </a:fld>
             <a:endParaRPr lang="en-US"/>
           </a:p>
@@ -2856,7 +2856,7 @@
           <a:p>
             <a:fld id="{78C97017-6FC3-485B-9764-EAC9E56C1D49}" type="datetimeFigureOut">
               <a:rPr lang="en-US" smtClean="0"/>
-              <a:t>3/10/19</a:t>
+              <a:t>4/6/19</a:t>
             </a:fld>
             <a:endParaRPr lang="en-US"/>
           </a:p>
@@ -3067,7 +3067,7 @@
           <a:p>
             <a:fld id="{78C97017-6FC3-485B-9764-EAC9E56C1D49}" type="datetimeFigureOut">
               <a:rPr lang="en-US" smtClean="0"/>
-              <a:t>3/10/19</a:t>
+              <a:t>4/6/19</a:t>
             </a:fld>
             <a:endParaRPr lang="en-US"/>
           </a:p>
@@ -3450,8 +3450,8 @@
         </p:nvSpPr>
         <p:spPr>
           <a:xfrm>
-            <a:off x="1217465" y="533400"/>
-            <a:ext cx="4917083" cy="4751236"/>
+            <a:off x="1217465" y="533399"/>
+            <a:ext cx="4917083" cy="5468065"/>
           </a:xfrm>
           <a:prstGeom prst="roundRect">
             <a:avLst>
@@ -3945,7 +3945,7 @@
         </p:nvSpPr>
         <p:spPr>
           <a:xfrm>
-            <a:off x="2592525" y="4326648"/>
+            <a:off x="2600957" y="4798362"/>
             <a:ext cx="1369873" cy="236841"/>
           </a:xfrm>
           <a:prstGeom prst="rect">
@@ -4065,7 +4065,7 @@
         </p:nvSpPr>
         <p:spPr>
           <a:xfrm>
-            <a:off x="4104467" y="3321467"/>
+            <a:off x="4270948" y="3328190"/>
             <a:ext cx="1166474" cy="236841"/>
           </a:xfrm>
           <a:prstGeom prst="rect">
@@ -4125,7 +4125,7 @@
         </p:nvSpPr>
         <p:spPr>
           <a:xfrm>
-            <a:off x="2592526" y="4728889"/>
+            <a:off x="2600958" y="5200603"/>
             <a:ext cx="1369872" cy="236841"/>
           </a:xfrm>
           <a:prstGeom prst="rect">
@@ -4423,8 +4423,8 @@
         </p:nvCxnSpPr>
         <p:spPr>
           <a:xfrm rot="16200000" flipH="1">
-            <a:off x="1258603" y="3111147"/>
-            <a:ext cx="2491444" cy="176399"/>
+            <a:off x="1026962" y="3342788"/>
+            <a:ext cx="2963158" cy="184831"/>
           </a:xfrm>
           <a:prstGeom prst="bentConnector2">
             <a:avLst/>
@@ -4464,8 +4464,8 @@
         </p:nvCxnSpPr>
         <p:spPr>
           <a:xfrm rot="16200000" flipH="1">
-            <a:off x="882451" y="3137234"/>
-            <a:ext cx="3032697" cy="387454"/>
+            <a:off x="634645" y="3352711"/>
+            <a:ext cx="3526970" cy="405656"/>
           </a:xfrm>
           <a:prstGeom prst="bentConnector2">
             <a:avLst/>
@@ -4627,8 +4627,8 @@
         </p:nvCxnSpPr>
         <p:spPr>
           <a:xfrm rot="5400000">
-            <a:off x="4366311" y="2276230"/>
-            <a:ext cx="2068288" cy="259028"/>
+            <a:off x="4446191" y="2362832"/>
+            <a:ext cx="2075011" cy="92547"/>
           </a:xfrm>
           <a:prstGeom prst="bentConnector2">
             <a:avLst/>
@@ -4752,8 +4752,8 @@
         </p:nvCxnSpPr>
         <p:spPr>
           <a:xfrm rot="5400000">
-            <a:off x="3209450" y="2124549"/>
-            <a:ext cx="3073469" cy="1567571"/>
+            <a:off x="2977809" y="2364622"/>
+            <a:ext cx="3545183" cy="1559139"/>
           </a:xfrm>
           <a:prstGeom prst="bentConnector2">
             <a:avLst/>
@@ -4794,8 +4794,8 @@
         </p:nvCxnSpPr>
         <p:spPr>
           <a:xfrm rot="5400000">
-            <a:off x="3008329" y="2325670"/>
-            <a:ext cx="3475710" cy="1567571"/>
+            <a:off x="2776688" y="2565743"/>
+            <a:ext cx="3947424" cy="1559139"/>
           </a:xfrm>
           <a:prstGeom prst="bentConnector2">
             <a:avLst/>
@@ -4873,8 +4873,8 @@
         </p:nvSpPr>
         <p:spPr>
           <a:xfrm rot="16200000">
-            <a:off x="6213739" y="3645976"/>
-            <a:ext cx="1371599" cy="328045"/>
+            <a:off x="5861337" y="3998377"/>
+            <a:ext cx="2076404" cy="328045"/>
           </a:xfrm>
           <a:prstGeom prst="roundRect">
             <a:avLst/>
@@ -5181,8 +5181,8 @@
         </p:nvCxnSpPr>
         <p:spPr>
           <a:xfrm rot="16200000" flipH="1">
-            <a:off x="3628222" y="2963642"/>
-            <a:ext cx="125487" cy="827004"/>
+            <a:off x="3708100" y="2883763"/>
+            <a:ext cx="132210" cy="993485"/>
           </a:xfrm>
           <a:prstGeom prst="bentConnector2">
             <a:avLst/>
@@ -5603,7 +5603,7 @@
         </p:nvSpPr>
         <p:spPr>
           <a:xfrm>
-            <a:off x="4108943" y="3854911"/>
+            <a:off x="4275424" y="3861634"/>
             <a:ext cx="1166474" cy="236841"/>
           </a:xfrm>
           <a:prstGeom prst="rect">
@@ -5719,8 +5719,8 @@
         </p:nvCxnSpPr>
         <p:spPr>
           <a:xfrm rot="5400000">
-            <a:off x="4370787" y="2809674"/>
-            <a:ext cx="2068288" cy="259028"/>
+            <a:off x="4444308" y="2894394"/>
+            <a:ext cx="2083252" cy="88071"/>
           </a:xfrm>
           <a:prstGeom prst="bentConnector2">
             <a:avLst/>
@@ -5767,8 +5767,8 @@
         </p:nvCxnSpPr>
         <p:spPr>
           <a:xfrm rot="16200000" flipH="1">
-            <a:off x="3632698" y="3497086"/>
-            <a:ext cx="125487" cy="827004"/>
+            <a:off x="3712576" y="3417207"/>
+            <a:ext cx="132210" cy="993485"/>
           </a:xfrm>
           <a:prstGeom prst="bentConnector2">
             <a:avLst/>
@@ -5885,6 +5885,369 @@
           </a:p>
         </p:txBody>
       </p:sp>
+      <p:sp>
+        <p:nvSpPr>
+          <p:cNvPr id="55" name="Rectangle 11">
+            <a:extLst>
+              <a:ext uri="{FF2B5EF4-FFF2-40B4-BE49-F238E27FC236}">
+                <a16:creationId xmlns:a16="http://schemas.microsoft.com/office/drawing/2014/main" id="{974334D7-B7DA-EE43-8319-F9BC9C2B9F4C}"/>
+              </a:ext>
+            </a:extLst>
+          </p:cNvPr>
+          <p:cNvSpPr/>
+          <p:nvPr/>
+        </p:nvSpPr>
+        <p:spPr>
+          <a:xfrm>
+            <a:off x="2589065" y="4219587"/>
+            <a:ext cx="1369874" cy="236841"/>
+          </a:xfrm>
+          <a:prstGeom prst="rect">
+            <a:avLst/>
+          </a:prstGeom>
+          <a:ln w="19050">
+            <a:solidFill>
+              <a:schemeClr val="accent3"/>
+            </a:solidFill>
+          </a:ln>
+          <a:effectLst/>
+        </p:spPr>
+        <p:style>
+          <a:lnRef idx="1">
+            <a:schemeClr val="accent3"/>
+          </a:lnRef>
+          <a:fillRef idx="2">
+            <a:schemeClr val="accent3"/>
+          </a:fillRef>
+          <a:effectRef idx="1">
+            <a:schemeClr val="accent3"/>
+          </a:effectRef>
+          <a:fontRef idx="minor">
+            <a:schemeClr val="dk1"/>
+          </a:fontRef>
+        </p:style>
+        <p:txBody>
+          <a:bodyPr rtlCol="0" anchor="ctr"/>
+          <a:lstStyle/>
+          <a:p>
+            <a:pPr algn="ctr"/>
+            <a:r>
+              <a:rPr lang="en-US" sz="1050" b="1" dirty="0">
+                <a:solidFill>
+                  <a:schemeClr val="accent3">
+                    <a:lumMod val="75000"/>
+                  </a:schemeClr>
+                </a:solidFill>
+              </a:rPr>
+              <a:t>ClientListPanel</a:t>
+            </a:r>
+            <a:endParaRPr lang="en-SG" sz="1050" b="1" dirty="0">
+              <a:solidFill>
+                <a:schemeClr val="accent3">
+                  <a:lumMod val="75000"/>
+                </a:schemeClr>
+              </a:solidFill>
+            </a:endParaRPr>
+          </a:p>
+        </p:txBody>
+      </p:sp>
+      <p:sp>
+        <p:nvSpPr>
+          <p:cNvPr id="56" name="Rectangle 11">
+            <a:extLst>
+              <a:ext uri="{FF2B5EF4-FFF2-40B4-BE49-F238E27FC236}">
+                <a16:creationId xmlns:a16="http://schemas.microsoft.com/office/drawing/2014/main" id="{26A1C55E-8EB2-8A45-A60F-1A25172C7D97}"/>
+              </a:ext>
+            </a:extLst>
+          </p:cNvPr>
+          <p:cNvSpPr/>
+          <p:nvPr/>
+        </p:nvSpPr>
+        <p:spPr>
+          <a:xfrm>
+            <a:off x="4101006" y="4463494"/>
+            <a:ext cx="1166474" cy="236841"/>
+          </a:xfrm>
+          <a:prstGeom prst="rect">
+            <a:avLst/>
+          </a:prstGeom>
+          <a:ln w="19050">
+            <a:solidFill>
+              <a:schemeClr val="accent3"/>
+            </a:solidFill>
+          </a:ln>
+          <a:effectLst/>
+        </p:spPr>
+        <p:style>
+          <a:lnRef idx="1">
+            <a:schemeClr val="accent3"/>
+          </a:lnRef>
+          <a:fillRef idx="2">
+            <a:schemeClr val="accent3"/>
+          </a:fillRef>
+          <a:effectRef idx="1">
+            <a:schemeClr val="accent3"/>
+          </a:effectRef>
+          <a:fontRef idx="minor">
+            <a:schemeClr val="dk1"/>
+          </a:fontRef>
+        </p:style>
+        <p:txBody>
+          <a:bodyPr rtlCol="0" anchor="ctr"/>
+          <a:lstStyle/>
+          <a:p>
+            <a:pPr algn="ctr"/>
+            <a:r>
+              <a:rPr lang="en-US" sz="1050" b="1" dirty="0">
+                <a:solidFill>
+                  <a:schemeClr val="accent3">
+                    <a:lumMod val="75000"/>
+                  </a:schemeClr>
+                </a:solidFill>
+              </a:rPr>
+              <a:t>ClientListCard</a:t>
+            </a:r>
+            <a:endParaRPr lang="en-SG" sz="1050" b="1" dirty="0">
+              <a:solidFill>
+                <a:schemeClr val="accent3">
+                  <a:lumMod val="75000"/>
+                </a:schemeClr>
+              </a:solidFill>
+            </a:endParaRPr>
+          </a:p>
+        </p:txBody>
+      </p:sp>
+      <p:cxnSp>
+        <p:nvCxnSpPr>
+          <p:cNvPr id="57" name="Elbow Connector 56">
+            <a:extLst>
+              <a:ext uri="{FF2B5EF4-FFF2-40B4-BE49-F238E27FC236}">
+                <a16:creationId xmlns:a16="http://schemas.microsoft.com/office/drawing/2014/main" id="{F585CEC7-4A34-7945-8C71-33BC0EA8FDCA}"/>
+              </a:ext>
+            </a:extLst>
+          </p:cNvPr>
+          <p:cNvCxnSpPr>
+            <a:cxnSpLocks/>
+            <a:stCxn id="55" idx="2"/>
+            <a:endCxn id="56" idx="1"/>
+          </p:cNvCxnSpPr>
+          <p:nvPr/>
+        </p:nvCxnSpPr>
+        <p:spPr>
+          <a:xfrm rot="16200000" flipH="1">
+            <a:off x="3624761" y="4105669"/>
+            <a:ext cx="125487" cy="827004"/>
+          </a:xfrm>
+          <a:prstGeom prst="bentConnector2">
+            <a:avLst/>
+          </a:prstGeom>
+          <a:ln w="19050">
+            <a:solidFill>
+              <a:schemeClr val="accent3"/>
+            </a:solidFill>
+            <a:headEnd type="none" w="med" len="med"/>
+            <a:tailEnd type="arrow" w="med" len="med"/>
+          </a:ln>
+          <a:effectLst/>
+        </p:spPr>
+        <p:style>
+          <a:lnRef idx="1">
+            <a:schemeClr val="accent2"/>
+          </a:lnRef>
+          <a:fillRef idx="2">
+            <a:schemeClr val="accent2"/>
+          </a:fillRef>
+          <a:effectRef idx="1">
+            <a:schemeClr val="accent2"/>
+          </a:effectRef>
+          <a:fontRef idx="minor">
+            <a:schemeClr val="dk1"/>
+          </a:fontRef>
+        </p:style>
+      </p:cxnSp>
+      <p:cxnSp>
+        <p:nvCxnSpPr>
+          <p:cNvPr id="58" name="Elbow Connector 63">
+            <a:extLst>
+              <a:ext uri="{FF2B5EF4-FFF2-40B4-BE49-F238E27FC236}">
+                <a16:creationId xmlns:a16="http://schemas.microsoft.com/office/drawing/2014/main" id="{7D0CCE27-7F5C-2C4C-9558-67DB03AD86AF}"/>
+              </a:ext>
+            </a:extLst>
+          </p:cNvPr>
+          <p:cNvCxnSpPr>
+            <a:cxnSpLocks/>
+          </p:cNvCxnSpPr>
+          <p:nvPr/>
+        </p:nvCxnSpPr>
+        <p:spPr>
+          <a:xfrm rot="16200000" flipH="1">
+            <a:off x="1878672" y="3637681"/>
+            <a:ext cx="1242356" cy="176400"/>
+          </a:xfrm>
+          <a:prstGeom prst="bentConnector2">
+            <a:avLst/>
+          </a:prstGeom>
+          <a:ln w="19050">
+            <a:solidFill>
+              <a:schemeClr val="accent3"/>
+            </a:solidFill>
+            <a:headEnd type="none" w="med" len="med"/>
+            <a:tailEnd type="arrow" w="med" len="med"/>
+          </a:ln>
+          <a:effectLst/>
+        </p:spPr>
+        <p:style>
+          <a:lnRef idx="1">
+            <a:schemeClr val="accent2"/>
+          </a:lnRef>
+          <a:fillRef idx="2">
+            <a:schemeClr val="accent2"/>
+          </a:fillRef>
+          <a:effectRef idx="1">
+            <a:schemeClr val="accent2"/>
+          </a:effectRef>
+          <a:fontRef idx="minor">
+            <a:schemeClr val="dk1"/>
+          </a:fontRef>
+        </p:style>
+      </p:cxnSp>
+      <p:sp>
+        <p:nvSpPr>
+          <p:cNvPr id="60" name="Freeform 59">
+            <a:extLst>
+              <a:ext uri="{FF2B5EF4-FFF2-40B4-BE49-F238E27FC236}">
+                <a16:creationId xmlns:a16="http://schemas.microsoft.com/office/drawing/2014/main" id="{F52F5DE1-3799-3542-8CA2-9817E1FF5AB7}"/>
+              </a:ext>
+            </a:extLst>
+          </p:cNvPr>
+          <p:cNvSpPr/>
+          <p:nvPr/>
+        </p:nvSpPr>
+        <p:spPr>
+          <a:xfrm flipV="1">
+            <a:off x="4595441" y="4703487"/>
+            <a:ext cx="2184994" cy="94875"/>
+          </a:xfrm>
+          <a:custGeom>
+            <a:avLst/>
+            <a:gdLst>
+              <a:gd name="connsiteX0" fmla="*/ 0 w 3048000"/>
+              <a:gd name="connsiteY0" fmla="*/ 203200 h 203200"/>
+              <a:gd name="connsiteX1" fmla="*/ 221673 w 3048000"/>
+              <a:gd name="connsiteY1" fmla="*/ 0 h 203200"/>
+              <a:gd name="connsiteX2" fmla="*/ 3048000 w 3048000"/>
+              <a:gd name="connsiteY2" fmla="*/ 0 h 203200"/>
+            </a:gdLst>
+            <a:ahLst/>
+            <a:cxnLst>
+              <a:cxn ang="0">
+                <a:pos x="connsiteX0" y="connsiteY0"/>
+              </a:cxn>
+              <a:cxn ang="0">
+                <a:pos x="connsiteX1" y="connsiteY1"/>
+              </a:cxn>
+              <a:cxn ang="0">
+                <a:pos x="connsiteX2" y="connsiteY2"/>
+              </a:cxn>
+            </a:cxnLst>
+            <a:rect l="l" t="t" r="r" b="b"/>
+            <a:pathLst>
+              <a:path w="3048000" h="203200">
+                <a:moveTo>
+                  <a:pt x="0" y="203200"/>
+                </a:moveTo>
+                <a:lnTo>
+                  <a:pt x="221673" y="0"/>
+                </a:lnTo>
+                <a:lnTo>
+                  <a:pt x="3048000" y="0"/>
+                </a:lnTo>
+              </a:path>
+            </a:pathLst>
+          </a:custGeom>
+          <a:noFill/>
+          <a:ln w="19050">
+            <a:solidFill>
+              <a:schemeClr val="accent3"/>
+            </a:solidFill>
+            <a:prstDash val="sysDot"/>
+            <a:headEnd type="none" w="med" len="med"/>
+            <a:tailEnd type="arrow" w="med" len="med"/>
+          </a:ln>
+          <a:effectLst/>
+        </p:spPr>
+        <p:style>
+          <a:lnRef idx="1">
+            <a:schemeClr val="accent2"/>
+          </a:lnRef>
+          <a:fillRef idx="2">
+            <a:schemeClr val="accent2"/>
+          </a:fillRef>
+          <a:effectRef idx="1">
+            <a:schemeClr val="accent2"/>
+          </a:effectRef>
+          <a:fontRef idx="minor">
+            <a:schemeClr val="dk1"/>
+          </a:fontRef>
+        </p:style>
+        <p:txBody>
+          <a:bodyPr rtlCol="0" anchor="ctr"/>
+          <a:lstStyle/>
+          <a:p>
+            <a:pPr algn="ctr"/>
+            <a:endParaRPr lang="en-SG"/>
+          </a:p>
+        </p:txBody>
+      </p:sp>
+      <p:cxnSp>
+        <p:nvCxnSpPr>
+          <p:cNvPr id="69" name="Elbow Connector 68">
+            <a:extLst>
+              <a:ext uri="{FF2B5EF4-FFF2-40B4-BE49-F238E27FC236}">
+                <a16:creationId xmlns:a16="http://schemas.microsoft.com/office/drawing/2014/main" id="{79C60C90-5C07-824B-A3A7-294B1F7AAD20}"/>
+              </a:ext>
+            </a:extLst>
+          </p:cNvPr>
+          <p:cNvCxnSpPr>
+            <a:cxnSpLocks/>
+            <a:endCxn id="56" idx="0"/>
+          </p:cNvCxnSpPr>
+          <p:nvPr/>
+        </p:nvCxnSpPr>
+        <p:spPr>
+          <a:xfrm rot="16200000" flipH="1">
+            <a:off x="3834746" y="3613997"/>
+            <a:ext cx="1017890" cy="681104"/>
+          </a:xfrm>
+          <a:prstGeom prst="bentConnector3">
+            <a:avLst>
+              <a:gd name="adj1" fmla="val 80562"/>
+            </a:avLst>
+          </a:prstGeom>
+          <a:ln w="19050" cap="flat">
+            <a:solidFill>
+              <a:schemeClr val="accent3"/>
+            </a:solidFill>
+            <a:headEnd type="oval" w="med" len="med"/>
+            <a:tailEnd type="arrow" w="med" len="med"/>
+          </a:ln>
+          <a:effectLst/>
+        </p:spPr>
+        <p:style>
+          <a:lnRef idx="1">
+            <a:schemeClr val="accent2"/>
+          </a:lnRef>
+          <a:fillRef idx="2">
+            <a:schemeClr val="accent2"/>
+          </a:fillRef>
+          <a:effectRef idx="1">
+            <a:schemeClr val="accent2"/>
+          </a:effectRef>
+          <a:fontRef idx="minor">
+            <a:schemeClr val="dk1"/>
+          </a:fontRef>
+        </p:style>
+      </p:cxnSp>
     </p:spTree>
     <p:extLst>
       <p:ext uri="{BB962C8B-B14F-4D97-AF65-F5344CB8AC3E}">

--- a/docs/diagrams/UiComponentClassDiagram.pptx
+++ b/docs/diagrams/UiComponentClassDiagram.pptx
@@ -208,7 +208,7 @@
           <a:p>
             <a:fld id="{F5CC4B3F-88C1-4FFA-B1B6-F41C21DC6924}" type="datetimeFigureOut">
               <a:rPr lang="en-US" smtClean="0"/>
-              <a:t>4/5/19</a:t>
+              <a:t>08-Apr-19</a:t>
             </a:fld>
             <a:endParaRPr lang="en-US"/>
           </a:p>
@@ -738,7 +738,7 @@
           <a:p>
             <a:fld id="{78C97017-6FC3-485B-9764-EAC9E56C1D49}" type="datetimeFigureOut">
               <a:rPr lang="en-US" smtClean="0"/>
-              <a:t>4/5/19</a:t>
+              <a:t>08-Apr-19</a:t>
             </a:fld>
             <a:endParaRPr lang="en-US"/>
           </a:p>
@@ -906,7 +906,7 @@
           <a:p>
             <a:fld id="{78C97017-6FC3-485B-9764-EAC9E56C1D49}" type="datetimeFigureOut">
               <a:rPr lang="en-US" smtClean="0"/>
-              <a:t>4/5/19</a:t>
+              <a:t>08-Apr-19</a:t>
             </a:fld>
             <a:endParaRPr lang="en-US"/>
           </a:p>
@@ -1084,7 +1084,7 @@
           <a:p>
             <a:fld id="{78C97017-6FC3-485B-9764-EAC9E56C1D49}" type="datetimeFigureOut">
               <a:rPr lang="en-US" smtClean="0"/>
-              <a:t>4/5/19</a:t>
+              <a:t>08-Apr-19</a:t>
             </a:fld>
             <a:endParaRPr lang="en-US"/>
           </a:p>
@@ -1252,7 +1252,7 @@
           <a:p>
             <a:fld id="{78C97017-6FC3-485B-9764-EAC9E56C1D49}" type="datetimeFigureOut">
               <a:rPr lang="en-US" smtClean="0"/>
-              <a:t>4/5/19</a:t>
+              <a:t>08-Apr-19</a:t>
             </a:fld>
             <a:endParaRPr lang="en-US"/>
           </a:p>
@@ -1497,7 +1497,7 @@
           <a:p>
             <a:fld id="{78C97017-6FC3-485B-9764-EAC9E56C1D49}" type="datetimeFigureOut">
               <a:rPr lang="en-US" smtClean="0"/>
-              <a:t>4/5/19</a:t>
+              <a:t>08-Apr-19</a:t>
             </a:fld>
             <a:endParaRPr lang="en-US"/>
           </a:p>
@@ -1782,7 +1782,7 @@
           <a:p>
             <a:fld id="{78C97017-6FC3-485B-9764-EAC9E56C1D49}" type="datetimeFigureOut">
               <a:rPr lang="en-US" smtClean="0"/>
-              <a:t>4/5/19</a:t>
+              <a:t>08-Apr-19</a:t>
             </a:fld>
             <a:endParaRPr lang="en-US"/>
           </a:p>
@@ -2201,7 +2201,7 @@
           <a:p>
             <a:fld id="{78C97017-6FC3-485B-9764-EAC9E56C1D49}" type="datetimeFigureOut">
               <a:rPr lang="en-US" smtClean="0"/>
-              <a:t>4/5/19</a:t>
+              <a:t>08-Apr-19</a:t>
             </a:fld>
             <a:endParaRPr lang="en-US"/>
           </a:p>
@@ -2318,7 +2318,7 @@
           <a:p>
             <a:fld id="{78C97017-6FC3-485B-9764-EAC9E56C1D49}" type="datetimeFigureOut">
               <a:rPr lang="en-US" smtClean="0"/>
-              <a:t>4/5/19</a:t>
+              <a:t>08-Apr-19</a:t>
             </a:fld>
             <a:endParaRPr lang="en-US"/>
           </a:p>
@@ -2413,7 +2413,7 @@
           <a:p>
             <a:fld id="{78C97017-6FC3-485B-9764-EAC9E56C1D49}" type="datetimeFigureOut">
               <a:rPr lang="en-US" smtClean="0"/>
-              <a:t>4/5/19</a:t>
+              <a:t>08-Apr-19</a:t>
             </a:fld>
             <a:endParaRPr lang="en-US"/>
           </a:p>
@@ -2688,7 +2688,7 @@
           <a:p>
             <a:fld id="{78C97017-6FC3-485B-9764-EAC9E56C1D49}" type="datetimeFigureOut">
               <a:rPr lang="en-US" smtClean="0"/>
-              <a:t>4/5/19</a:t>
+              <a:t>08-Apr-19</a:t>
             </a:fld>
             <a:endParaRPr lang="en-US"/>
           </a:p>
@@ -2940,7 +2940,7 @@
           <a:p>
             <a:fld id="{78C97017-6FC3-485B-9764-EAC9E56C1D49}" type="datetimeFigureOut">
               <a:rPr lang="en-US" smtClean="0"/>
-              <a:t>4/5/19</a:t>
+              <a:t>08-Apr-19</a:t>
             </a:fld>
             <a:endParaRPr lang="en-US"/>
           </a:p>
@@ -3151,7 +3151,7 @@
           <a:p>
             <a:fld id="{78C97017-6FC3-485B-9764-EAC9E56C1D49}" type="datetimeFigureOut">
               <a:rPr lang="en-US" smtClean="0"/>
-              <a:t>4/5/19</a:t>
+              <a:t>08-Apr-19</a:t>
             </a:fld>
             <a:endParaRPr lang="en-US"/>
           </a:p>
@@ -3535,7 +3535,7 @@
         <p:spPr>
           <a:xfrm>
             <a:off x="1217465" y="1447799"/>
-            <a:ext cx="4917083" cy="4800597"/>
+            <a:ext cx="5190004" cy="5105401"/>
           </a:xfrm>
           <a:prstGeom prst="roundRect">
             <a:avLst>
@@ -3969,7 +3969,7 @@
         </p:nvSpPr>
         <p:spPr>
           <a:xfrm>
-            <a:off x="2592528" y="3649359"/>
+            <a:off x="2588050" y="6165138"/>
             <a:ext cx="1330212" cy="236841"/>
           </a:xfrm>
           <a:prstGeom prst="rect">
@@ -4413,48 +4413,6 @@
       </p:sp>
       <p:cxnSp>
         <p:nvCxnSpPr>
-          <p:cNvPr id="44" name="Elbow Connector 63"/>
-          <p:cNvCxnSpPr>
-            <a:cxnSpLocks/>
-            <a:stCxn id="39" idx="2"/>
-            <a:endCxn id="34" idx="1"/>
-          </p:cNvCxnSpPr>
-          <p:nvPr/>
-        </p:nvCxnSpPr>
-        <p:spPr>
-          <a:xfrm rot="16200000" flipH="1">
-            <a:off x="2054450" y="3229701"/>
-            <a:ext cx="899755" cy="176402"/>
-          </a:xfrm>
-          <a:prstGeom prst="bentConnector2">
-            <a:avLst/>
-          </a:prstGeom>
-          <a:ln w="19050">
-            <a:solidFill>
-              <a:schemeClr val="accent3"/>
-            </a:solidFill>
-            <a:headEnd type="none" w="med" len="med"/>
-            <a:tailEnd type="arrow" w="med" len="med"/>
-          </a:ln>
-          <a:effectLst/>
-        </p:spPr>
-        <p:style>
-          <a:lnRef idx="1">
-            <a:schemeClr val="accent2"/>
-          </a:lnRef>
-          <a:fillRef idx="2">
-            <a:schemeClr val="accent2"/>
-          </a:fillRef>
-          <a:effectRef idx="1">
-            <a:schemeClr val="accent2"/>
-          </a:effectRef>
-          <a:fontRef idx="minor">
-            <a:schemeClr val="dk1"/>
-          </a:fontRef>
-        </p:style>
-      </p:cxnSp>
-      <p:cxnSp>
-        <p:nvCxnSpPr>
           <p:cNvPr id="47" name="Elbow Connector 63"/>
           <p:cNvCxnSpPr>
             <a:cxnSpLocks/>
@@ -4753,8 +4711,8 @@
         </p:nvCxnSpPr>
         <p:spPr>
           <a:xfrm rot="5400000">
-            <a:off x="3985465" y="2223276"/>
-            <a:ext cx="1481780" cy="1607229"/>
+            <a:off x="2725337" y="3478926"/>
+            <a:ext cx="3997559" cy="1611707"/>
           </a:xfrm>
           <a:prstGeom prst="bentConnector2">
             <a:avLst/>
@@ -5613,7 +5571,7 @@
           <p:cNvPr id="56" name="Elbow Connector 63">
             <a:extLst>
               <a:ext uri="{FF2B5EF4-FFF2-40B4-BE49-F238E27FC236}">
-                <a16:creationId xmlns:a16="http://schemas.microsoft.com/office/drawing/2014/main" id="{50238E67-E726-994F-B72B-0857B8359649}"/>
+                <a16:creationId xmlns:a16="http://schemas.microsoft.com/office/drawing/2014/main" xmlns="" id="{50238E67-E726-994F-B72B-0857B8359649}"/>
               </a:ext>
             </a:extLst>
           </p:cNvPr>
@@ -5661,7 +5619,7 @@
           <p:cNvPr id="62" name="Rectangle 11">
             <a:extLst>
               <a:ext uri="{FF2B5EF4-FFF2-40B4-BE49-F238E27FC236}">
-                <a16:creationId xmlns:a16="http://schemas.microsoft.com/office/drawing/2014/main" id="{0F41A884-9DA3-6B41-8974-344ED0282CA4}"/>
+                <a16:creationId xmlns:a16="http://schemas.microsoft.com/office/drawing/2014/main" xmlns="" id="{0F41A884-9DA3-6B41-8974-344ED0282CA4}"/>
               </a:ext>
             </a:extLst>
           </p:cNvPr>
@@ -5727,7 +5685,7 @@
           <p:cNvPr id="63" name="Rectangle 11">
             <a:extLst>
               <a:ext uri="{FF2B5EF4-FFF2-40B4-BE49-F238E27FC236}">
-                <a16:creationId xmlns:a16="http://schemas.microsoft.com/office/drawing/2014/main" id="{DE6617E1-DB63-264B-AE80-CC5E796E05D6}"/>
+                <a16:creationId xmlns:a16="http://schemas.microsoft.com/office/drawing/2014/main" xmlns="" id="{DE6617E1-DB63-264B-AE80-CC5E796E05D6}"/>
               </a:ext>
             </a:extLst>
           </p:cNvPr>
@@ -5793,7 +5751,7 @@
           <p:cNvPr id="64" name="Elbow Connector 63">
             <a:extLst>
               <a:ext uri="{FF2B5EF4-FFF2-40B4-BE49-F238E27FC236}">
-                <a16:creationId xmlns:a16="http://schemas.microsoft.com/office/drawing/2014/main" id="{31DCEF39-19E2-B64F-856C-E7BB1F85F63C}"/>
+                <a16:creationId xmlns:a16="http://schemas.microsoft.com/office/drawing/2014/main" xmlns="" id="{31DCEF39-19E2-B64F-856C-E7BB1F85F63C}"/>
               </a:ext>
             </a:extLst>
           </p:cNvPr>
@@ -5841,7 +5799,7 @@
           <p:cNvPr id="68" name="Elbow Connector 63">
             <a:extLst>
               <a:ext uri="{FF2B5EF4-FFF2-40B4-BE49-F238E27FC236}">
-                <a16:creationId xmlns:a16="http://schemas.microsoft.com/office/drawing/2014/main" id="{2F4829D8-8A56-6F49-BFBB-DC878A4024AB}"/>
+                <a16:creationId xmlns:a16="http://schemas.microsoft.com/office/drawing/2014/main" xmlns="" id="{2F4829D8-8A56-6F49-BFBB-DC878A4024AB}"/>
               </a:ext>
             </a:extLst>
           </p:cNvPr>
@@ -5887,7 +5845,7 @@
           <p:cNvPr id="69" name="Elbow Connector 63">
             <a:extLst>
               <a:ext uri="{FF2B5EF4-FFF2-40B4-BE49-F238E27FC236}">
-                <a16:creationId xmlns:a16="http://schemas.microsoft.com/office/drawing/2014/main" id="{4D7FE456-8552-6A41-84F6-DE574F2BDF5B}"/>
+                <a16:creationId xmlns:a16="http://schemas.microsoft.com/office/drawing/2014/main" xmlns="" id="{4D7FE456-8552-6A41-84F6-DE574F2BDF5B}"/>
               </a:ext>
             </a:extLst>
           </p:cNvPr>
@@ -5933,7 +5891,7 @@
           <p:cNvPr id="52" name="Rectangle 11">
             <a:extLst>
               <a:ext uri="{FF2B5EF4-FFF2-40B4-BE49-F238E27FC236}">
-                <a16:creationId xmlns:a16="http://schemas.microsoft.com/office/drawing/2014/main" id="{2DCB3393-C974-494A-8614-32B65588B280}"/>
+                <a16:creationId xmlns:a16="http://schemas.microsoft.com/office/drawing/2014/main" xmlns="" id="{2DCB3393-C974-494A-8614-32B65588B280}"/>
               </a:ext>
             </a:extLst>
           </p:cNvPr>
@@ -6018,7 +5976,7 @@
           <p:cNvPr id="55" name="Elbow Connector 63">
             <a:extLst>
               <a:ext uri="{FF2B5EF4-FFF2-40B4-BE49-F238E27FC236}">
-                <a16:creationId xmlns:a16="http://schemas.microsoft.com/office/drawing/2014/main" id="{9E1C0A6C-24A8-5F4C-BAEF-D7227F55B496}"/>
+                <a16:creationId xmlns:a16="http://schemas.microsoft.com/office/drawing/2014/main" xmlns="" id="{9E1C0A6C-24A8-5F4C-BAEF-D7227F55B496}"/>
               </a:ext>
             </a:extLst>
           </p:cNvPr>
@@ -6066,7 +6024,7 @@
           <p:cNvPr id="57" name="Elbow Connector 63">
             <a:extLst>
               <a:ext uri="{FF2B5EF4-FFF2-40B4-BE49-F238E27FC236}">
-                <a16:creationId xmlns:a16="http://schemas.microsoft.com/office/drawing/2014/main" id="{B98BA17D-546E-ED4F-8471-161EF7891F9C}"/>
+                <a16:creationId xmlns:a16="http://schemas.microsoft.com/office/drawing/2014/main" xmlns="" id="{B98BA17D-546E-ED4F-8471-161EF7891F9C}"/>
               </a:ext>
             </a:extLst>
           </p:cNvPr>
@@ -6113,7 +6071,7 @@
           <p:cNvPr id="59" name="Freeform 58">
             <a:extLst>
               <a:ext uri="{FF2B5EF4-FFF2-40B4-BE49-F238E27FC236}">
-                <a16:creationId xmlns:a16="http://schemas.microsoft.com/office/drawing/2014/main" id="{F71C2011-8D45-2242-9202-8E49072BD233}"/>
+                <a16:creationId xmlns:a16="http://schemas.microsoft.com/office/drawing/2014/main" xmlns="" id="{F71C2011-8D45-2242-9202-8E49072BD233}"/>
               </a:ext>
             </a:extLst>
           </p:cNvPr>
@@ -6201,7 +6159,7 @@
           <p:cNvPr id="89" name="Freeform 88">
             <a:extLst>
               <a:ext uri="{FF2B5EF4-FFF2-40B4-BE49-F238E27FC236}">
-                <a16:creationId xmlns:a16="http://schemas.microsoft.com/office/drawing/2014/main" id="{509CAB03-1ADF-BF44-B8C8-103830A91ECB}"/>
+                <a16:creationId xmlns:a16="http://schemas.microsoft.com/office/drawing/2014/main" xmlns="" id="{509CAB03-1ADF-BF44-B8C8-103830A91ECB}"/>
               </a:ext>
             </a:extLst>
           </p:cNvPr>
@@ -6284,6 +6242,47 @@
           </a:p>
         </p:txBody>
       </p:sp>
+      <p:cxnSp>
+        <p:nvCxnSpPr>
+          <p:cNvPr id="58" name="Elbow Connector 63"/>
+          <p:cNvCxnSpPr>
+            <a:cxnSpLocks/>
+            <a:endCxn id="34" idx="1"/>
+          </p:cNvCxnSpPr>
+          <p:nvPr/>
+        </p:nvCxnSpPr>
+        <p:spPr>
+          <a:xfrm rot="16200000" flipH="1">
+            <a:off x="564580" y="4260088"/>
+            <a:ext cx="3591625" cy="455315"/>
+          </a:xfrm>
+          <a:prstGeom prst="bentConnector2">
+            <a:avLst/>
+          </a:prstGeom>
+          <a:ln w="19050">
+            <a:solidFill>
+              <a:schemeClr val="accent3"/>
+            </a:solidFill>
+            <a:headEnd type="none" w="med" len="med"/>
+            <a:tailEnd type="arrow" w="med" len="med"/>
+          </a:ln>
+          <a:effectLst/>
+        </p:spPr>
+        <p:style>
+          <a:lnRef idx="1">
+            <a:schemeClr val="accent2"/>
+          </a:lnRef>
+          <a:fillRef idx="2">
+            <a:schemeClr val="accent2"/>
+          </a:fillRef>
+          <a:effectRef idx="1">
+            <a:schemeClr val="accent2"/>
+          </a:effectRef>
+          <a:fontRef idx="minor">
+            <a:schemeClr val="dk1"/>
+          </a:fontRef>
+        </p:style>
+      </p:cxnSp>
     </p:spTree>
     <p:extLst>
       <p:ext uri="{BB962C8B-B14F-4D97-AF65-F5344CB8AC3E}">

--- a/docs/diagrams/UiComponentClassDiagram.pptx
+++ b/docs/diagrams/UiComponentClassDiagram.pptx
@@ -208,7 +208,7 @@
           <a:p>
             <a:fld id="{F5CC4B3F-88C1-4FFA-B1B6-F41C21DC6924}" type="datetimeFigureOut">
               <a:rPr lang="en-US" smtClean="0"/>
-              <a:t>02-Apr-19</a:t>
+              <a:t>09-Apr-19</a:t>
             </a:fld>
             <a:endParaRPr lang="en-US"/>
           </a:p>
@@ -654,7 +654,7 @@
           <a:p>
             <a:fld id="{78C97017-6FC3-485B-9764-EAC9E56C1D49}" type="datetimeFigureOut">
               <a:rPr lang="en-US" smtClean="0"/>
-              <a:t>02-Apr-19</a:t>
+              <a:t>09-Apr-19</a:t>
             </a:fld>
             <a:endParaRPr lang="en-US"/>
           </a:p>
@@ -822,7 +822,7 @@
           <a:p>
             <a:fld id="{78C97017-6FC3-485B-9764-EAC9E56C1D49}" type="datetimeFigureOut">
               <a:rPr lang="en-US" smtClean="0"/>
-              <a:t>02-Apr-19</a:t>
+              <a:t>09-Apr-19</a:t>
             </a:fld>
             <a:endParaRPr lang="en-US"/>
           </a:p>
@@ -1000,7 +1000,7 @@
           <a:p>
             <a:fld id="{78C97017-6FC3-485B-9764-EAC9E56C1D49}" type="datetimeFigureOut">
               <a:rPr lang="en-US" smtClean="0"/>
-              <a:t>02-Apr-19</a:t>
+              <a:t>09-Apr-19</a:t>
             </a:fld>
             <a:endParaRPr lang="en-US"/>
           </a:p>
@@ -1168,7 +1168,7 @@
           <a:p>
             <a:fld id="{78C97017-6FC3-485B-9764-EAC9E56C1D49}" type="datetimeFigureOut">
               <a:rPr lang="en-US" smtClean="0"/>
-              <a:t>02-Apr-19</a:t>
+              <a:t>09-Apr-19</a:t>
             </a:fld>
             <a:endParaRPr lang="en-US"/>
           </a:p>
@@ -1413,7 +1413,7 @@
           <a:p>
             <a:fld id="{78C97017-6FC3-485B-9764-EAC9E56C1D49}" type="datetimeFigureOut">
               <a:rPr lang="en-US" smtClean="0"/>
-              <a:t>02-Apr-19</a:t>
+              <a:t>09-Apr-19</a:t>
             </a:fld>
             <a:endParaRPr lang="en-US"/>
           </a:p>
@@ -1698,7 +1698,7 @@
           <a:p>
             <a:fld id="{78C97017-6FC3-485B-9764-EAC9E56C1D49}" type="datetimeFigureOut">
               <a:rPr lang="en-US" smtClean="0"/>
-              <a:t>02-Apr-19</a:t>
+              <a:t>09-Apr-19</a:t>
             </a:fld>
             <a:endParaRPr lang="en-US"/>
           </a:p>
@@ -2117,7 +2117,7 @@
           <a:p>
             <a:fld id="{78C97017-6FC3-485B-9764-EAC9E56C1D49}" type="datetimeFigureOut">
               <a:rPr lang="en-US" smtClean="0"/>
-              <a:t>02-Apr-19</a:t>
+              <a:t>09-Apr-19</a:t>
             </a:fld>
             <a:endParaRPr lang="en-US"/>
           </a:p>
@@ -2234,7 +2234,7 @@
           <a:p>
             <a:fld id="{78C97017-6FC3-485B-9764-EAC9E56C1D49}" type="datetimeFigureOut">
               <a:rPr lang="en-US" smtClean="0"/>
-              <a:t>02-Apr-19</a:t>
+              <a:t>09-Apr-19</a:t>
             </a:fld>
             <a:endParaRPr lang="en-US"/>
           </a:p>
@@ -2329,7 +2329,7 @@
           <a:p>
             <a:fld id="{78C97017-6FC3-485B-9764-EAC9E56C1D49}" type="datetimeFigureOut">
               <a:rPr lang="en-US" smtClean="0"/>
-              <a:t>02-Apr-19</a:t>
+              <a:t>09-Apr-19</a:t>
             </a:fld>
             <a:endParaRPr lang="en-US"/>
           </a:p>
@@ -2604,7 +2604,7 @@
           <a:p>
             <a:fld id="{78C97017-6FC3-485B-9764-EAC9E56C1D49}" type="datetimeFigureOut">
               <a:rPr lang="en-US" smtClean="0"/>
-              <a:t>02-Apr-19</a:t>
+              <a:t>09-Apr-19</a:t>
             </a:fld>
             <a:endParaRPr lang="en-US"/>
           </a:p>
@@ -2856,7 +2856,7 @@
           <a:p>
             <a:fld id="{78C97017-6FC3-485B-9764-EAC9E56C1D49}" type="datetimeFigureOut">
               <a:rPr lang="en-US" smtClean="0"/>
-              <a:t>02-Apr-19</a:t>
+              <a:t>09-Apr-19</a:t>
             </a:fld>
             <a:endParaRPr lang="en-US"/>
           </a:p>
@@ -3067,7 +3067,7 @@
           <a:p>
             <a:fld id="{78C97017-6FC3-485B-9764-EAC9E56C1D49}" type="datetimeFigureOut">
               <a:rPr lang="en-US" smtClean="0"/>
-              <a:t>02-Apr-19</a:t>
+              <a:t>09-Apr-19</a:t>
             </a:fld>
             <a:endParaRPr lang="en-US"/>
           </a:p>
@@ -3450,8 +3450,8 @@
         </p:nvSpPr>
         <p:spPr>
           <a:xfrm>
-            <a:off x="1371600" y="152400"/>
-            <a:ext cx="5873792" cy="6095996"/>
+            <a:off x="990600" y="152400"/>
+            <a:ext cx="6254792" cy="5453576"/>
           </a:xfrm>
           <a:prstGeom prst="roundRect">
             <a:avLst>
@@ -3545,7 +3545,7 @@
           <a:p>
             <a:pPr algn="ctr"/>
             <a:r>
-              <a:rPr lang="en-US" sz="1050" b="1" dirty="0" err="1">
+              <a:rPr lang="en-US" sz="1050" b="1" dirty="0">
                 <a:solidFill>
                   <a:schemeClr val="accent3">
                     <a:lumMod val="75000"/>
@@ -3605,7 +3605,7 @@
           <a:p>
             <a:pPr algn="ctr"/>
             <a:r>
-              <a:rPr lang="en-US" sz="1050" b="1" dirty="0" err="1">
+              <a:rPr lang="en-US" sz="1050" b="1" dirty="0">
                 <a:solidFill>
                   <a:schemeClr val="accent3">
                     <a:lumMod val="75000"/>
@@ -3668,7 +3668,7 @@
           <a:p>
             <a:pPr algn="ctr"/>
             <a:r>
-              <a:rPr lang="en-US" sz="1050" dirty="0" err="1">
+              <a:rPr lang="en-US" sz="1050" dirty="0">
                 <a:solidFill>
                   <a:schemeClr val="bg1"/>
                 </a:solidFill>
@@ -3783,9 +3783,9 @@
           <p:nvPr/>
         </p:nvCxnSpPr>
         <p:spPr>
-          <a:xfrm flipV="1">
-            <a:off x="722076" y="2133288"/>
-            <a:ext cx="732604" cy="2"/>
+          <a:xfrm>
+            <a:off x="533400" y="2131672"/>
+            <a:ext cx="935766" cy="12700"/>
           </a:xfrm>
           <a:prstGeom prst="bentConnector3">
             <a:avLst>
@@ -3881,13 +3881,13 @@
       </p:sp>
       <p:sp>
         <p:nvSpPr>
-          <p:cNvPr id="34" name="Rectangle 11"/>
+          <p:cNvPr id="35" name="Rectangle 11"/>
           <p:cNvSpPr/>
           <p:nvPr/>
         </p:nvSpPr>
         <p:spPr>
           <a:xfrm>
-            <a:off x="2746663" y="2783831"/>
+            <a:off x="2746662" y="3368021"/>
             <a:ext cx="1169802" cy="264169"/>
           </a:xfrm>
           <a:prstGeom prst="rect">
@@ -3920,14 +3920,14 @@
           <a:p>
             <a:pPr algn="ctr"/>
             <a:r>
-              <a:rPr lang="en-US" sz="1050" b="1" dirty="0" err="1">
+              <a:rPr lang="en-US" sz="1050" b="1" dirty="0">
                 <a:solidFill>
                   <a:schemeClr val="accent3">
                     <a:lumMod val="75000"/>
                   </a:schemeClr>
                 </a:solidFill>
               </a:rPr>
-              <a:t>BrowserPanel</a:t>
+              <a:t>StatusBarFooter</a:t>
             </a:r>
             <a:endParaRPr lang="en-SG" sz="1050" b="1" dirty="0">
               <a:solidFill>
@@ -3941,13 +3941,13 @@
       </p:sp>
       <p:sp>
         <p:nvSpPr>
-          <p:cNvPr id="35" name="Rectangle 11"/>
+          <p:cNvPr id="36" name="Rectangle 11"/>
           <p:cNvSpPr/>
           <p:nvPr/>
         </p:nvSpPr>
         <p:spPr>
           <a:xfrm>
-            <a:off x="2746662" y="3698231"/>
+            <a:off x="2746661" y="2796222"/>
             <a:ext cx="1169802" cy="264169"/>
           </a:xfrm>
           <a:prstGeom prst="rect">
@@ -3980,14 +3980,14 @@
           <a:p>
             <a:pPr algn="ctr"/>
             <a:r>
-              <a:rPr lang="en-US" sz="1050" b="1" dirty="0" err="1">
+              <a:rPr lang="en-US" sz="1050" b="1" dirty="0">
                 <a:solidFill>
                   <a:schemeClr val="accent3">
                     <a:lumMod val="75000"/>
                   </a:schemeClr>
                 </a:solidFill>
               </a:rPr>
-              <a:t>StatusBarFooter</a:t>
+              <a:t>PlaceListPanel</a:t>
             </a:r>
             <a:endParaRPr lang="en-SG" sz="1050" b="1" dirty="0">
               <a:solidFill>
@@ -4001,14 +4001,14 @@
       </p:sp>
       <p:sp>
         <p:nvSpPr>
-          <p:cNvPr id="36" name="Rectangle 11"/>
+          <p:cNvPr id="37" name="Rectangle 11"/>
           <p:cNvSpPr/>
           <p:nvPr/>
         </p:nvSpPr>
         <p:spPr>
           <a:xfrm>
-            <a:off x="2746661" y="3126432"/>
-            <a:ext cx="1169802" cy="264169"/>
+            <a:off x="3843880" y="4464918"/>
+            <a:ext cx="1400347" cy="264169"/>
           </a:xfrm>
           <a:prstGeom prst="rect">
             <a:avLst/>
@@ -4040,14 +4040,14 @@
           <a:p>
             <a:pPr algn="ctr"/>
             <a:r>
-              <a:rPr lang="en-US" sz="1050" b="1" dirty="0" err="1">
+              <a:rPr lang="en-US" sz="1050" b="1" dirty="0">
                 <a:solidFill>
                   <a:schemeClr val="accent3">
                     <a:lumMod val="75000"/>
                   </a:schemeClr>
                 </a:solidFill>
               </a:rPr>
-              <a:t>PlaceListPanel</a:t>
+              <a:t>ExpandedPlacePanel</a:t>
             </a:r>
             <a:endParaRPr lang="en-SG" sz="1050" b="1" dirty="0">
               <a:solidFill>
@@ -4061,14 +4061,14 @@
       </p:sp>
       <p:sp>
         <p:nvSpPr>
-          <p:cNvPr id="37" name="Rectangle 11"/>
+          <p:cNvPr id="38" name="Rectangle 11"/>
           <p:cNvSpPr/>
           <p:nvPr/>
         </p:nvSpPr>
         <p:spPr>
           <a:xfrm>
-            <a:off x="3935387" y="4900100"/>
-            <a:ext cx="1400347" cy="264169"/>
+            <a:off x="2740490" y="3708134"/>
+            <a:ext cx="1169802" cy="264169"/>
           </a:xfrm>
           <a:prstGeom prst="rect">
             <a:avLst/>
@@ -4100,67 +4100,7 @@
           <a:p>
             <a:pPr algn="ctr"/>
             <a:r>
-              <a:rPr lang="en-US" sz="1050" b="1" dirty="0" err="1">
-                <a:solidFill>
-                  <a:schemeClr val="accent3">
-                    <a:lumMod val="75000"/>
-                  </a:schemeClr>
-                </a:solidFill>
-              </a:rPr>
-              <a:t>ExpandedPlacePanel</a:t>
-            </a:r>
-            <a:endParaRPr lang="en-SG" sz="1050" b="1" dirty="0">
-              <a:solidFill>
-                <a:schemeClr val="accent3">
-                  <a:lumMod val="75000"/>
-                </a:schemeClr>
-              </a:solidFill>
-            </a:endParaRPr>
-          </a:p>
-        </p:txBody>
-      </p:sp>
-      <p:sp>
-        <p:nvSpPr>
-          <p:cNvPr id="38" name="Rectangle 11"/>
-          <p:cNvSpPr/>
-          <p:nvPr/>
-        </p:nvSpPr>
-        <p:spPr>
-          <a:xfrm>
-            <a:off x="2746663" y="4100472"/>
-            <a:ext cx="1169802" cy="264169"/>
-          </a:xfrm>
-          <a:prstGeom prst="rect">
-            <a:avLst/>
-          </a:prstGeom>
-          <a:ln w="19050">
-            <a:solidFill>
-              <a:schemeClr val="accent3"/>
-            </a:solidFill>
-          </a:ln>
-          <a:effectLst/>
-        </p:spPr>
-        <p:style>
-          <a:lnRef idx="1">
-            <a:schemeClr val="accent3"/>
-          </a:lnRef>
-          <a:fillRef idx="2">
-            <a:schemeClr val="accent3"/>
-          </a:fillRef>
-          <a:effectRef idx="1">
-            <a:schemeClr val="accent3"/>
-          </a:effectRef>
-          <a:fontRef idx="minor">
-            <a:schemeClr val="dk1"/>
-          </a:fontRef>
-        </p:style>
-        <p:txBody>
-          <a:bodyPr rtlCol="0" anchor="ctr"/>
-          <a:lstStyle/>
-          <a:p>
-            <a:pPr algn="ctr"/>
-            <a:r>
-              <a:rPr lang="en-US" sz="1050" b="1" dirty="0" err="1">
+              <a:rPr lang="en-US" sz="1050" b="1" dirty="0">
                 <a:solidFill>
                   <a:schemeClr val="accent3">
                     <a:lumMod val="75000"/>
@@ -4276,7 +4216,7 @@
         </p:nvSpPr>
         <p:spPr>
           <a:xfrm>
-            <a:off x="2744934" y="2438780"/>
+            <a:off x="2738645" y="2453935"/>
             <a:ext cx="1171648" cy="264169"/>
           </a:xfrm>
           <a:prstGeom prst="rect">
@@ -4309,7 +4249,7 @@
           <a:p>
             <a:pPr algn="ctr"/>
             <a:r>
-              <a:rPr lang="en-US" sz="1050" b="1" dirty="0" err="1">
+              <a:rPr lang="en-US" sz="1050" b="1" dirty="0">
                 <a:solidFill>
                   <a:schemeClr val="accent3">
                     <a:lumMod val="75000"/>
@@ -4328,47 +4268,6 @@
           </a:p>
         </p:txBody>
       </p:sp>
-      <p:cxnSp>
-        <p:nvCxnSpPr>
-          <p:cNvPr id="44" name="Elbow Connector 63"/>
-          <p:cNvCxnSpPr>
-            <a:stCxn id="39" idx="2"/>
-            <a:endCxn id="34" idx="1"/>
-          </p:cNvCxnSpPr>
-          <p:nvPr/>
-        </p:nvCxnSpPr>
-        <p:spPr>
-          <a:xfrm rot="16200000" flipH="1">
-            <a:off x="2218606" y="2387859"/>
-            <a:ext cx="886090" cy="170024"/>
-          </a:xfrm>
-          <a:prstGeom prst="bentConnector2">
-            <a:avLst/>
-          </a:prstGeom>
-          <a:ln w="19050">
-            <a:solidFill>
-              <a:schemeClr val="accent3"/>
-            </a:solidFill>
-            <a:headEnd type="none" w="med" len="med"/>
-            <a:tailEnd type="arrow" w="med" len="med"/>
-          </a:ln>
-          <a:effectLst/>
-        </p:spPr>
-        <p:style>
-          <a:lnRef idx="1">
-            <a:schemeClr val="accent2"/>
-          </a:lnRef>
-          <a:fillRef idx="2">
-            <a:schemeClr val="accent2"/>
-          </a:fillRef>
-          <a:effectRef idx="1">
-            <a:schemeClr val="accent2"/>
-          </a:effectRef>
-          <a:fontRef idx="minor">
-            <a:schemeClr val="dk1"/>
-          </a:fontRef>
-        </p:style>
-      </p:cxnSp>
       <p:cxnSp>
         <p:nvCxnSpPr>
           <p:cNvPr id="47" name="Elbow Connector 63"/>
@@ -4380,8 +4279,8 @@
         </p:nvCxnSpPr>
         <p:spPr>
           <a:xfrm rot="16200000" flipH="1">
-            <a:off x="2047305" y="2559160"/>
-            <a:ext cx="1228691" cy="170022"/>
+            <a:off x="2212410" y="2394055"/>
+            <a:ext cx="898481" cy="170022"/>
           </a:xfrm>
           <a:prstGeom prst="bentConnector2">
             <a:avLst/>
@@ -4421,8 +4320,8 @@
         </p:nvCxnSpPr>
         <p:spPr>
           <a:xfrm rot="16200000" flipH="1">
-            <a:off x="1761405" y="2845059"/>
-            <a:ext cx="1800490" cy="170023"/>
+            <a:off x="1926510" y="2679954"/>
+            <a:ext cx="1470280" cy="170023"/>
           </a:xfrm>
           <a:prstGeom prst="bentConnector2">
             <a:avLst/>
@@ -4461,7 +4360,7 @@
         </p:nvCxnSpPr>
         <p:spPr>
           <a:xfrm rot="16200000" flipH="1">
-            <a:off x="1345086" y="2830980"/>
+            <a:off x="1338913" y="2438642"/>
             <a:ext cx="2382776" cy="420378"/>
           </a:xfrm>
           <a:prstGeom prst="bentConnector2">
@@ -4551,7 +4450,7 @@
               </a:rPr>
             </a:br>
             <a:r>
-              <a:rPr lang="en-US" sz="1050" b="1" dirty="0" err="1">
+              <a:rPr lang="en-US" sz="1050" b="1" dirty="0">
                 <a:solidFill>
                   <a:schemeClr val="accent3">
                     <a:lumMod val="75000"/>
@@ -4581,8 +4480,8 @@
         </p:nvCxnSpPr>
         <p:spPr>
           <a:xfrm flipV="1">
-            <a:off x="3916582" y="1447801"/>
-            <a:ext cx="1776940" cy="1123064"/>
+            <a:off x="3910293" y="1447801"/>
+            <a:ext cx="1783229" cy="1138219"/>
           </a:xfrm>
           <a:prstGeom prst="bentConnector2">
             <a:avLst/>
@@ -4623,49 +4522,8 @@
         </p:nvCxnSpPr>
         <p:spPr>
           <a:xfrm rot="5400000">
-            <a:off x="3722436" y="3061099"/>
-            <a:ext cx="3584384" cy="357788"/>
-          </a:xfrm>
-          <a:prstGeom prst="bentConnector2">
-            <a:avLst/>
-          </a:prstGeom>
-          <a:ln w="6350">
-            <a:solidFill>
-              <a:schemeClr val="accent3"/>
-            </a:solidFill>
-            <a:headEnd type="none" w="med" len="med"/>
-            <a:tailEnd type="none" w="med" len="med"/>
-          </a:ln>
-          <a:effectLst/>
-        </p:spPr>
-        <p:style>
-          <a:lnRef idx="1">
-            <a:schemeClr val="accent2"/>
-          </a:lnRef>
-          <a:fillRef idx="2">
-            <a:schemeClr val="accent2"/>
-          </a:fillRef>
-          <a:effectRef idx="1">
-            <a:schemeClr val="accent2"/>
-          </a:effectRef>
-          <a:fontRef idx="minor">
-            <a:schemeClr val="dk1"/>
-          </a:fontRef>
-        </p:style>
-      </p:cxnSp>
-      <p:cxnSp>
-        <p:nvCxnSpPr>
-          <p:cNvPr id="82" name="Elbow Connector 63"/>
-          <p:cNvCxnSpPr>
-            <a:stCxn id="16" idx="3"/>
-            <a:endCxn id="34" idx="3"/>
-          </p:cNvCxnSpPr>
-          <p:nvPr/>
-        </p:nvCxnSpPr>
-        <p:spPr>
-          <a:xfrm rot="5400000">
-            <a:off x="4070937" y="1293330"/>
-            <a:ext cx="1468115" cy="1777057"/>
+            <a:off x="3894274" y="2797755"/>
+            <a:ext cx="3149202" cy="449295"/>
           </a:xfrm>
           <a:prstGeom prst="bentConnector2">
             <a:avLst/>
@@ -4746,8 +4604,8 @@
         </p:nvCxnSpPr>
         <p:spPr>
           <a:xfrm rot="5400000">
-            <a:off x="3613736" y="1750529"/>
-            <a:ext cx="2382515" cy="1777058"/>
+            <a:off x="3778841" y="1585424"/>
+            <a:ext cx="2052305" cy="1777058"/>
           </a:xfrm>
           <a:prstGeom prst="bentConnector2">
             <a:avLst/>
@@ -4787,8 +4645,8 @@
         </p:nvCxnSpPr>
         <p:spPr>
           <a:xfrm rot="5400000">
-            <a:off x="3412616" y="1951651"/>
-            <a:ext cx="2784756" cy="1777057"/>
+            <a:off x="3605698" y="1752395"/>
+            <a:ext cx="2392418" cy="1783230"/>
           </a:xfrm>
           <a:prstGeom prst="bentConnector2">
             <a:avLst/>
@@ -4973,7 +4831,7 @@
           <a:p>
             <a:pPr algn="ctr"/>
             <a:r>
-              <a:rPr lang="en-US" sz="1050" dirty="0" err="1">
+              <a:rPr lang="en-US" sz="1050" dirty="0">
                 <a:solidFill>
                   <a:schemeClr val="bg1"/>
                 </a:solidFill>
@@ -5089,8 +4947,8 @@
         </p:nvCxnSpPr>
         <p:spPr>
           <a:xfrm rot="16200000" flipH="1">
-            <a:off x="2390267" y="2216197"/>
-            <a:ext cx="541039" cy="168295"/>
+            <a:off x="2379545" y="2226920"/>
+            <a:ext cx="556194" cy="162006"/>
           </a:xfrm>
           <a:prstGeom prst="bentConnector2">
             <a:avLst/>
@@ -5172,8 +5030,8 @@
         </p:nvCxnSpPr>
         <p:spPr>
           <a:xfrm rot="16200000" flipH="1">
-            <a:off x="3526556" y="4623353"/>
-            <a:ext cx="205821" cy="611841"/>
+            <a:off x="3444701" y="4197823"/>
+            <a:ext cx="286041" cy="512318"/>
           </a:xfrm>
           <a:prstGeom prst="bentConnector2">
             <a:avLst/>
@@ -5213,8 +5071,8 @@
         </p:nvCxnSpPr>
         <p:spPr>
           <a:xfrm rot="5400000">
-            <a:off x="3899635" y="1464630"/>
-            <a:ext cx="1810716" cy="1777059"/>
+            <a:off x="4064740" y="1299525"/>
+            <a:ext cx="1480506" cy="1777059"/>
           </a:xfrm>
           <a:prstGeom prst="bentConnector2">
             <a:avLst/>
@@ -5386,7 +5244,7 @@
         </p:nvSpPr>
         <p:spPr>
           <a:xfrm>
-            <a:off x="5585708" y="3631469"/>
+            <a:off x="5585708" y="3301259"/>
             <a:ext cx="245296" cy="178531"/>
           </a:xfrm>
           <a:prstGeom prst="rect">
@@ -5439,8 +5297,8 @@
         </p:nvSpPr>
         <p:spPr>
           <a:xfrm>
-            <a:off x="4604377" y="4111881"/>
-            <a:ext cx="2818929" cy="846741"/>
+            <a:off x="5258836" y="4079519"/>
+            <a:ext cx="2164470" cy="517485"/>
           </a:xfrm>
           <a:custGeom>
             <a:avLst/>
@@ -5527,7 +5385,7 @@
         </p:nvSpPr>
         <p:spPr>
           <a:xfrm>
-            <a:off x="2738645" y="4562195"/>
+            <a:off x="2746661" y="4046793"/>
             <a:ext cx="1169802" cy="264169"/>
           </a:xfrm>
           <a:prstGeom prst="rect">
@@ -5560,7 +5418,7 @@
           <a:p>
             <a:pPr algn="ctr"/>
             <a:r>
-              <a:rPr lang="en-US" sz="1050" b="1" dirty="0" err="1">
+              <a:rPr lang="en-US" sz="1050" b="1" dirty="0">
                 <a:solidFill>
                   <a:schemeClr val="accent3">
                     <a:lumMod val="75000"/>
@@ -5596,7 +5454,7 @@
         </p:nvCxnSpPr>
         <p:spPr>
           <a:xfrm rot="16200000" flipH="1">
-            <a:off x="2215502" y="4171137"/>
+            <a:off x="2223518" y="3655735"/>
             <a:ext cx="884280" cy="162006"/>
           </a:xfrm>
           <a:prstGeom prst="bentConnector2">
@@ -5640,7 +5498,7 @@
         </p:nvSpPr>
         <p:spPr>
           <a:xfrm>
-            <a:off x="4130827" y="3460203"/>
+            <a:off x="4130827" y="3129993"/>
             <a:ext cx="1113400" cy="264169"/>
           </a:xfrm>
           <a:prstGeom prst="rect">
@@ -5673,7 +5531,7 @@
           <a:p>
             <a:pPr algn="ctr"/>
             <a:r>
-              <a:rPr lang="en-US" sz="1050" b="1" dirty="0" err="1">
+              <a:rPr lang="en-US" sz="1050" b="1" dirty="0">
                 <a:solidFill>
                   <a:schemeClr val="accent3">
                     <a:lumMod val="75000"/>
@@ -5710,7 +5568,7 @@
         </p:nvCxnSpPr>
         <p:spPr>
           <a:xfrm rot="16200000" flipH="1">
-            <a:off x="3630351" y="3091811"/>
+            <a:off x="3630351" y="2761601"/>
             <a:ext cx="201687" cy="799265"/>
           </a:xfrm>
           <a:prstGeom prst="bentConnector2">
@@ -5754,8 +5612,8 @@
         </p:nvSpPr>
         <p:spPr>
           <a:xfrm flipV="1">
-            <a:off x="4669355" y="3708134"/>
-            <a:ext cx="2768560" cy="165719"/>
+            <a:off x="5238053" y="3273957"/>
+            <a:ext cx="2199861" cy="599895"/>
           </a:xfrm>
           <a:custGeom>
             <a:avLst/>
@@ -5837,16 +5695,21 @@
               </a:ext>
             </a:extLst>
           </p:cNvPr>
-          <p:cNvCxnSpPr/>
+          <p:cNvCxnSpPr>
+            <a:cxnSpLocks/>
+            <a:endCxn id="45" idx="3"/>
+          </p:cNvCxnSpPr>
           <p:nvPr/>
         </p:nvCxnSpPr>
         <p:spPr>
-          <a:xfrm rot="5400000">
-            <a:off x="4409715" y="3410648"/>
-            <a:ext cx="790556" cy="1777057"/>
-          </a:xfrm>
-          <a:prstGeom prst="bentConnector2">
-            <a:avLst/>
+          <a:xfrm rot="10800000" flipV="1">
+            <a:off x="3916464" y="3573688"/>
+            <a:ext cx="1777061" cy="605190"/>
+          </a:xfrm>
+          <a:prstGeom prst="bentConnector3">
+            <a:avLst>
+              <a:gd name="adj1" fmla="val 161"/>
+            </a:avLst>
           </a:prstGeom>
           <a:ln w="6350">
             <a:solidFill>
@@ -5886,7 +5749,7 @@
         </p:nvSpPr>
         <p:spPr>
           <a:xfrm>
-            <a:off x="3949996" y="5287796"/>
+            <a:off x="3850274" y="4790717"/>
             <a:ext cx="1400347" cy="264169"/>
           </a:xfrm>
           <a:prstGeom prst="rect">
@@ -5919,14 +5782,14 @@
           <a:p>
             <a:pPr algn="ctr"/>
             <a:r>
-              <a:rPr lang="en-US" sz="1050" b="1" dirty="0" err="1">
+              <a:rPr lang="en-US" sz="1050" b="1" dirty="0">
                 <a:solidFill>
                   <a:schemeClr val="accent3">
                     <a:lumMod val="75000"/>
                   </a:schemeClr>
                 </a:solidFill>
               </a:rPr>
-              <a:t>DisplayListPanel</a:t>
+              <a:t>ChartListPanel</a:t>
             </a:r>
             <a:endParaRPr lang="en-SG" sz="1050" b="1" dirty="0">
               <a:solidFill>
@@ -5949,14 +5812,15 @@
           </p:cNvPr>
           <p:cNvCxnSpPr>
             <a:cxnSpLocks/>
+            <a:stCxn id="16" idx="3"/>
             <a:endCxn id="58" idx="3"/>
           </p:cNvCxnSpPr>
           <p:nvPr/>
         </p:nvCxnSpPr>
         <p:spPr>
           <a:xfrm rot="5400000">
-            <a:off x="3737045" y="3448795"/>
-            <a:ext cx="3584384" cy="357788"/>
+            <a:off x="3734572" y="2963851"/>
+            <a:ext cx="3475001" cy="442901"/>
           </a:xfrm>
           <a:prstGeom prst="bentConnector2">
             <a:avLst/>
@@ -6003,8 +5867,8 @@
         </p:nvCxnSpPr>
         <p:spPr>
           <a:xfrm rot="16200000" flipH="1">
-            <a:off x="3340013" y="4809897"/>
-            <a:ext cx="593517" cy="626450"/>
+            <a:off x="3284998" y="4357526"/>
+            <a:ext cx="611840" cy="518712"/>
           </a:xfrm>
           <a:prstGeom prst="bentConnector2">
             <a:avLst/>
@@ -6047,8 +5911,8 @@
         </p:nvSpPr>
         <p:spPr>
           <a:xfrm>
-            <a:off x="5350343" y="4546864"/>
-            <a:ext cx="2069262" cy="703441"/>
+            <a:off x="5250620" y="4294556"/>
+            <a:ext cx="2168985" cy="611840"/>
           </a:xfrm>
           <a:custGeom>
             <a:avLst/>
@@ -6135,7 +5999,7 @@
         </p:nvSpPr>
         <p:spPr>
           <a:xfrm>
-            <a:off x="5006387" y="5628641"/>
+            <a:off x="4953434" y="5154979"/>
             <a:ext cx="1400347" cy="264169"/>
           </a:xfrm>
           <a:prstGeom prst="rect">
@@ -6168,14 +6032,14 @@
           <a:p>
             <a:pPr algn="ctr"/>
             <a:r>
-              <a:rPr lang="en-US" sz="1050" b="1" dirty="0" err="1">
+              <a:rPr lang="en-US" sz="1050" b="1" dirty="0">
                 <a:solidFill>
                   <a:schemeClr val="accent3">
                     <a:lumMod val="75000"/>
                   </a:schemeClr>
                 </a:solidFill>
               </a:rPr>
-              <a:t>DisplayCard</a:t>
+              <a:t>ChartCard</a:t>
             </a:r>
             <a:endParaRPr lang="en-SG" sz="1050" b="1" dirty="0">
               <a:solidFill>
@@ -6205,8 +6069,8 @@
         </p:nvCxnSpPr>
         <p:spPr>
           <a:xfrm rot="16200000" flipH="1">
-            <a:off x="4723898" y="5478236"/>
-            <a:ext cx="208761" cy="356217"/>
+            <a:off x="4635852" y="4969482"/>
+            <a:ext cx="232178" cy="402986"/>
           </a:xfrm>
           <a:prstGeom prst="bentConnector2">
             <a:avLst/>
@@ -6249,8 +6113,8 @@
         </p:nvSpPr>
         <p:spPr>
           <a:xfrm>
-            <a:off x="5947575" y="4368206"/>
-            <a:ext cx="1490340" cy="1260434"/>
+            <a:off x="6353779" y="4495801"/>
+            <a:ext cx="1084135" cy="791264"/>
           </a:xfrm>
           <a:custGeom>
             <a:avLst/>

--- a/docs/diagrams/UiComponentClassDiagram.pptx
+++ b/docs/diagrams/UiComponentClassDiagram.pptx
@@ -208,7 +208,7 @@
           <a:p>
             <a:fld id="{F5CC4B3F-88C1-4FFA-B1B6-F41C21DC6924}" type="datetimeFigureOut">
               <a:rPr lang="en-US" smtClean="0"/>
-              <a:t>4/1/2019</a:t>
+              <a:t>4/11/2019</a:t>
             </a:fld>
             <a:endParaRPr lang="en-US"/>
           </a:p>
@@ -654,7 +654,7 @@
           <a:p>
             <a:fld id="{78C97017-6FC3-485B-9764-EAC9E56C1D49}" type="datetimeFigureOut">
               <a:rPr lang="en-US" smtClean="0"/>
-              <a:t>4/1/2019</a:t>
+              <a:t>4/11/2019</a:t>
             </a:fld>
             <a:endParaRPr lang="en-US"/>
           </a:p>
@@ -822,7 +822,7 @@
           <a:p>
             <a:fld id="{78C97017-6FC3-485B-9764-EAC9E56C1D49}" type="datetimeFigureOut">
               <a:rPr lang="en-US" smtClean="0"/>
-              <a:t>4/1/2019</a:t>
+              <a:t>4/11/2019</a:t>
             </a:fld>
             <a:endParaRPr lang="en-US"/>
           </a:p>
@@ -1000,7 +1000,7 @@
           <a:p>
             <a:fld id="{78C97017-6FC3-485B-9764-EAC9E56C1D49}" type="datetimeFigureOut">
               <a:rPr lang="en-US" smtClean="0"/>
-              <a:t>4/1/2019</a:t>
+              <a:t>4/11/2019</a:t>
             </a:fld>
             <a:endParaRPr lang="en-US"/>
           </a:p>
@@ -1168,7 +1168,7 @@
           <a:p>
             <a:fld id="{78C97017-6FC3-485B-9764-EAC9E56C1D49}" type="datetimeFigureOut">
               <a:rPr lang="en-US" smtClean="0"/>
-              <a:t>4/1/2019</a:t>
+              <a:t>4/11/2019</a:t>
             </a:fld>
             <a:endParaRPr lang="en-US"/>
           </a:p>
@@ -1413,7 +1413,7 @@
           <a:p>
             <a:fld id="{78C97017-6FC3-485B-9764-EAC9E56C1D49}" type="datetimeFigureOut">
               <a:rPr lang="en-US" smtClean="0"/>
-              <a:t>4/1/2019</a:t>
+              <a:t>4/11/2019</a:t>
             </a:fld>
             <a:endParaRPr lang="en-US"/>
           </a:p>
@@ -1698,7 +1698,7 @@
           <a:p>
             <a:fld id="{78C97017-6FC3-485B-9764-EAC9E56C1D49}" type="datetimeFigureOut">
               <a:rPr lang="en-US" smtClean="0"/>
-              <a:t>4/1/2019</a:t>
+              <a:t>4/11/2019</a:t>
             </a:fld>
             <a:endParaRPr lang="en-US"/>
           </a:p>
@@ -2117,7 +2117,7 @@
           <a:p>
             <a:fld id="{78C97017-6FC3-485B-9764-EAC9E56C1D49}" type="datetimeFigureOut">
               <a:rPr lang="en-US" smtClean="0"/>
-              <a:t>4/1/2019</a:t>
+              <a:t>4/11/2019</a:t>
             </a:fld>
             <a:endParaRPr lang="en-US"/>
           </a:p>
@@ -2234,7 +2234,7 @@
           <a:p>
             <a:fld id="{78C97017-6FC3-485B-9764-EAC9E56C1D49}" type="datetimeFigureOut">
               <a:rPr lang="en-US" smtClean="0"/>
-              <a:t>4/1/2019</a:t>
+              <a:t>4/11/2019</a:t>
             </a:fld>
             <a:endParaRPr lang="en-US"/>
           </a:p>
@@ -2329,7 +2329,7 @@
           <a:p>
             <a:fld id="{78C97017-6FC3-485B-9764-EAC9E56C1D49}" type="datetimeFigureOut">
               <a:rPr lang="en-US" smtClean="0"/>
-              <a:t>4/1/2019</a:t>
+              <a:t>4/11/2019</a:t>
             </a:fld>
             <a:endParaRPr lang="en-US"/>
           </a:p>
@@ -2604,7 +2604,7 @@
           <a:p>
             <a:fld id="{78C97017-6FC3-485B-9764-EAC9E56C1D49}" type="datetimeFigureOut">
               <a:rPr lang="en-US" smtClean="0"/>
-              <a:t>4/1/2019</a:t>
+              <a:t>4/11/2019</a:t>
             </a:fld>
             <a:endParaRPr lang="en-US"/>
           </a:p>
@@ -2856,7 +2856,7 @@
           <a:p>
             <a:fld id="{78C97017-6FC3-485B-9764-EAC9E56C1D49}" type="datetimeFigureOut">
               <a:rPr lang="en-US" smtClean="0"/>
-              <a:t>4/1/2019</a:t>
+              <a:t>4/11/2019</a:t>
             </a:fld>
             <a:endParaRPr lang="en-US"/>
           </a:p>
@@ -3067,7 +3067,7 @@
           <a:p>
             <a:fld id="{78C97017-6FC3-485B-9764-EAC9E56C1D49}" type="datetimeFigureOut">
               <a:rPr lang="en-US" smtClean="0"/>
-              <a:t>4/1/2019</a:t>
+              <a:t>4/11/2019</a:t>
             </a:fld>
             <a:endParaRPr lang="en-US"/>
           </a:p>
@@ -3450,8 +3450,8 @@
         </p:nvSpPr>
         <p:spPr>
           <a:xfrm>
-            <a:off x="1217465" y="1447800"/>
-            <a:ext cx="4917083" cy="3962400"/>
+            <a:off x="1217465" y="1447799"/>
+            <a:ext cx="4917083" cy="4571989"/>
           </a:xfrm>
           <a:prstGeom prst="roundRect">
             <a:avLst>
@@ -3945,7 +3945,7 @@
         </p:nvSpPr>
         <p:spPr>
           <a:xfrm>
-            <a:off x="2592527" y="4563759"/>
+            <a:off x="2595950" y="4586434"/>
             <a:ext cx="1093635" cy="236841"/>
           </a:xfrm>
           <a:prstGeom prst="rect">
@@ -4125,7 +4125,7 @@
         </p:nvSpPr>
         <p:spPr>
           <a:xfrm>
-            <a:off x="2592528" y="4966000"/>
+            <a:off x="2590797" y="5654591"/>
             <a:ext cx="1093635" cy="236841"/>
           </a:xfrm>
           <a:prstGeom prst="rect">
@@ -4419,8 +4419,8 @@
         </p:nvCxnSpPr>
         <p:spPr>
           <a:xfrm rot="16200000" flipH="1">
-            <a:off x="1597249" y="3686901"/>
-            <a:ext cx="1814155" cy="176401"/>
+            <a:off x="1587623" y="3696528"/>
+            <a:ext cx="1836830" cy="179824"/>
           </a:xfrm>
           <a:prstGeom prst="bentConnector2">
             <a:avLst/>
@@ -4453,14 +4453,15 @@
         <p:nvCxnSpPr>
           <p:cNvPr id="53" name="Elbow Connector 63"/>
           <p:cNvCxnSpPr>
+            <a:cxnSpLocks/>
             <a:endCxn id="38" idx="1"/>
           </p:cNvCxnSpPr>
           <p:nvPr/>
         </p:nvCxnSpPr>
         <p:spPr>
           <a:xfrm rot="16200000" flipH="1">
-            <a:off x="1184119" y="3676012"/>
-            <a:ext cx="2396440" cy="420377"/>
+            <a:off x="830342" y="4012557"/>
+            <a:ext cx="3096406" cy="424503"/>
           </a:xfrm>
           <a:prstGeom prst="bentConnector2">
             <a:avLst/>
@@ -4743,8 +4744,8 @@
         </p:nvCxnSpPr>
         <p:spPr>
           <a:xfrm rot="5400000">
-            <a:off x="3409976" y="2562187"/>
-            <a:ext cx="2396180" cy="1843807"/>
+            <a:off x="3400350" y="2575235"/>
+            <a:ext cx="2418855" cy="1840384"/>
           </a:xfrm>
           <a:prstGeom prst="bentConnector2">
             <a:avLst/>
@@ -4784,8 +4785,8 @@
         </p:nvCxnSpPr>
         <p:spPr>
           <a:xfrm rot="5400000">
-            <a:off x="3208856" y="2763307"/>
-            <a:ext cx="2798421" cy="1843806"/>
+            <a:off x="2863695" y="3106738"/>
+            <a:ext cx="3487012" cy="1845537"/>
           </a:xfrm>
           <a:prstGeom prst="bentConnector2">
             <a:avLst/>
@@ -4863,8 +4864,8 @@
         </p:nvSpPr>
         <p:spPr>
           <a:xfrm rot="16200000">
-            <a:off x="6213739" y="4560376"/>
-            <a:ext cx="1371599" cy="328045"/>
+            <a:off x="5908944" y="4865170"/>
+            <a:ext cx="1981189" cy="328045"/>
           </a:xfrm>
           <a:prstGeom prst="roundRect">
             <a:avLst/>
@@ -5436,6 +5437,498 @@
           <a:xfrm flipV="1">
             <a:off x="4114799" y="4472708"/>
             <a:ext cx="2642195" cy="101600"/>
+          </a:xfrm>
+          <a:custGeom>
+            <a:avLst/>
+            <a:gdLst>
+              <a:gd name="connsiteX0" fmla="*/ 0 w 3048000"/>
+              <a:gd name="connsiteY0" fmla="*/ 203200 h 203200"/>
+              <a:gd name="connsiteX1" fmla="*/ 221673 w 3048000"/>
+              <a:gd name="connsiteY1" fmla="*/ 0 h 203200"/>
+              <a:gd name="connsiteX2" fmla="*/ 3048000 w 3048000"/>
+              <a:gd name="connsiteY2" fmla="*/ 0 h 203200"/>
+            </a:gdLst>
+            <a:ahLst/>
+            <a:cxnLst>
+              <a:cxn ang="0">
+                <a:pos x="connsiteX0" y="connsiteY0"/>
+              </a:cxn>
+              <a:cxn ang="0">
+                <a:pos x="connsiteX1" y="connsiteY1"/>
+              </a:cxn>
+              <a:cxn ang="0">
+                <a:pos x="connsiteX2" y="connsiteY2"/>
+              </a:cxn>
+            </a:cxnLst>
+            <a:rect l="l" t="t" r="r" b="b"/>
+            <a:pathLst>
+              <a:path w="3048000" h="203200">
+                <a:moveTo>
+                  <a:pt x="0" y="203200"/>
+                </a:moveTo>
+                <a:lnTo>
+                  <a:pt x="221673" y="0"/>
+                </a:lnTo>
+                <a:lnTo>
+                  <a:pt x="3048000" y="0"/>
+                </a:lnTo>
+              </a:path>
+            </a:pathLst>
+          </a:custGeom>
+          <a:noFill/>
+          <a:ln w="19050">
+            <a:solidFill>
+              <a:schemeClr val="accent3"/>
+            </a:solidFill>
+            <a:prstDash val="sysDot"/>
+            <a:headEnd type="none" w="med" len="med"/>
+            <a:tailEnd type="arrow" w="med" len="med"/>
+          </a:ln>
+          <a:effectLst/>
+        </p:spPr>
+        <p:style>
+          <a:lnRef idx="1">
+            <a:schemeClr val="accent2"/>
+          </a:lnRef>
+          <a:fillRef idx="2">
+            <a:schemeClr val="accent2"/>
+          </a:fillRef>
+          <a:effectRef idx="1">
+            <a:schemeClr val="accent2"/>
+          </a:effectRef>
+          <a:fontRef idx="minor">
+            <a:schemeClr val="dk1"/>
+          </a:fontRef>
+        </p:style>
+        <p:txBody>
+          <a:bodyPr rtlCol="0" anchor="ctr"/>
+          <a:lstStyle/>
+          <a:p>
+            <a:pPr algn="ctr"/>
+            <a:endParaRPr lang="en-SG"/>
+          </a:p>
+        </p:txBody>
+      </p:sp>
+      <p:sp>
+        <p:nvSpPr>
+          <p:cNvPr id="56" name="Rectangle 11">
+            <a:extLst>
+              <a:ext uri="{FF2B5EF4-FFF2-40B4-BE49-F238E27FC236}">
+                <a16:creationId xmlns:a16="http://schemas.microsoft.com/office/drawing/2014/main" id="{EEE768CA-57A4-4DC3-8E2C-56E01E07A3FA}"/>
+              </a:ext>
+            </a:extLst>
+          </p:cNvPr>
+          <p:cNvSpPr/>
+          <p:nvPr/>
+        </p:nvSpPr>
+        <p:spPr>
+          <a:xfrm>
+            <a:off x="2589067" y="4947087"/>
+            <a:ext cx="1093635" cy="236841"/>
+          </a:xfrm>
+          <a:prstGeom prst="rect">
+            <a:avLst/>
+          </a:prstGeom>
+          <a:ln w="19050">
+            <a:solidFill>
+              <a:schemeClr val="accent3"/>
+            </a:solidFill>
+          </a:ln>
+          <a:effectLst/>
+        </p:spPr>
+        <p:style>
+          <a:lnRef idx="1">
+            <a:schemeClr val="accent3"/>
+          </a:lnRef>
+          <a:fillRef idx="2">
+            <a:schemeClr val="accent3"/>
+          </a:fillRef>
+          <a:effectRef idx="1">
+            <a:schemeClr val="accent3"/>
+          </a:effectRef>
+          <a:fontRef idx="minor">
+            <a:schemeClr val="dk1"/>
+          </a:fontRef>
+        </p:style>
+        <p:txBody>
+          <a:bodyPr rtlCol="0" anchor="ctr"/>
+          <a:lstStyle/>
+          <a:p>
+            <a:pPr algn="ctr"/>
+            <a:r>
+              <a:rPr lang="en-US" sz="1050" b="1" dirty="0" err="1">
+                <a:solidFill>
+                  <a:schemeClr val="accent3">
+                    <a:lumMod val="75000"/>
+                  </a:schemeClr>
+                </a:solidFill>
+              </a:rPr>
+              <a:t>BudgetPanel</a:t>
+            </a:r>
+            <a:endParaRPr lang="en-SG" sz="1050" b="1" dirty="0">
+              <a:solidFill>
+                <a:schemeClr val="accent3">
+                  <a:lumMod val="75000"/>
+                </a:schemeClr>
+              </a:solidFill>
+            </a:endParaRPr>
+          </a:p>
+        </p:txBody>
+      </p:sp>
+      <p:cxnSp>
+        <p:nvCxnSpPr>
+          <p:cNvPr id="57" name="Elbow Connector 63">
+            <a:extLst>
+              <a:ext uri="{FF2B5EF4-FFF2-40B4-BE49-F238E27FC236}">
+                <a16:creationId xmlns:a16="http://schemas.microsoft.com/office/drawing/2014/main" id="{D760BF2A-59FB-4996-8EAA-A19C0D9B3AF2}"/>
+              </a:ext>
+            </a:extLst>
+          </p:cNvPr>
+          <p:cNvCxnSpPr>
+            <a:endCxn id="56" idx="1"/>
+          </p:cNvCxnSpPr>
+          <p:nvPr/>
+        </p:nvCxnSpPr>
+        <p:spPr>
+          <a:xfrm rot="16200000" flipH="1">
+            <a:off x="2050989" y="4527429"/>
+            <a:ext cx="899755" cy="176402"/>
+          </a:xfrm>
+          <a:prstGeom prst="bentConnector2">
+            <a:avLst/>
+          </a:prstGeom>
+          <a:ln w="19050">
+            <a:solidFill>
+              <a:schemeClr val="accent3"/>
+            </a:solidFill>
+            <a:headEnd type="none" w="med" len="med"/>
+            <a:tailEnd type="arrow" w="med" len="med"/>
+          </a:ln>
+          <a:effectLst/>
+        </p:spPr>
+        <p:style>
+          <a:lnRef idx="1">
+            <a:schemeClr val="accent2"/>
+          </a:lnRef>
+          <a:fillRef idx="2">
+            <a:schemeClr val="accent2"/>
+          </a:fillRef>
+          <a:effectRef idx="1">
+            <a:schemeClr val="accent2"/>
+          </a:effectRef>
+          <a:fontRef idx="minor">
+            <a:schemeClr val="dk1"/>
+          </a:fontRef>
+        </p:style>
+      </p:cxnSp>
+      <p:sp>
+        <p:nvSpPr>
+          <p:cNvPr id="58" name="Rectangle 11">
+            <a:extLst>
+              <a:ext uri="{FF2B5EF4-FFF2-40B4-BE49-F238E27FC236}">
+                <a16:creationId xmlns:a16="http://schemas.microsoft.com/office/drawing/2014/main" id="{EF1B31F6-A59F-4393-B5E9-89CBF101E3B1}"/>
+              </a:ext>
+            </a:extLst>
+          </p:cNvPr>
+          <p:cNvSpPr/>
+          <p:nvPr/>
+        </p:nvSpPr>
+        <p:spPr>
+          <a:xfrm>
+            <a:off x="2585644" y="5302348"/>
+            <a:ext cx="1093635" cy="236841"/>
+          </a:xfrm>
+          <a:prstGeom prst="rect">
+            <a:avLst/>
+          </a:prstGeom>
+          <a:ln w="19050">
+            <a:solidFill>
+              <a:schemeClr val="accent3"/>
+            </a:solidFill>
+          </a:ln>
+          <a:effectLst/>
+        </p:spPr>
+        <p:style>
+          <a:lnRef idx="1">
+            <a:schemeClr val="accent3"/>
+          </a:lnRef>
+          <a:fillRef idx="2">
+            <a:schemeClr val="accent3"/>
+          </a:fillRef>
+          <a:effectRef idx="1">
+            <a:schemeClr val="accent3"/>
+          </a:effectRef>
+          <a:fontRef idx="minor">
+            <a:schemeClr val="dk1"/>
+          </a:fontRef>
+        </p:style>
+        <p:txBody>
+          <a:bodyPr rtlCol="0" anchor="ctr"/>
+          <a:lstStyle/>
+          <a:p>
+            <a:pPr algn="ctr"/>
+            <a:r>
+              <a:rPr lang="en-US" sz="1050" b="1" dirty="0" err="1">
+                <a:solidFill>
+                  <a:schemeClr val="accent3">
+                    <a:lumMod val="75000"/>
+                  </a:schemeClr>
+                </a:solidFill>
+              </a:rPr>
+              <a:t>SummaryPanel</a:t>
+            </a:r>
+            <a:endParaRPr lang="en-US" sz="1050" b="1" dirty="0">
+              <a:solidFill>
+                <a:schemeClr val="accent3">
+                  <a:lumMod val="75000"/>
+                </a:schemeClr>
+              </a:solidFill>
+            </a:endParaRPr>
+          </a:p>
+        </p:txBody>
+      </p:sp>
+      <p:cxnSp>
+        <p:nvCxnSpPr>
+          <p:cNvPr id="59" name="Elbow Connector 63">
+            <a:extLst>
+              <a:ext uri="{FF2B5EF4-FFF2-40B4-BE49-F238E27FC236}">
+                <a16:creationId xmlns:a16="http://schemas.microsoft.com/office/drawing/2014/main" id="{6D5B516B-050C-464B-935F-0FAE146897DF}"/>
+              </a:ext>
+            </a:extLst>
+          </p:cNvPr>
+          <p:cNvCxnSpPr>
+            <a:endCxn id="58" idx="1"/>
+          </p:cNvCxnSpPr>
+          <p:nvPr/>
+        </p:nvCxnSpPr>
+        <p:spPr>
+          <a:xfrm rot="16200000" flipH="1">
+            <a:off x="2047566" y="4882690"/>
+            <a:ext cx="899755" cy="176402"/>
+          </a:xfrm>
+          <a:prstGeom prst="bentConnector2">
+            <a:avLst/>
+          </a:prstGeom>
+          <a:ln w="19050">
+            <a:solidFill>
+              <a:schemeClr val="accent3"/>
+            </a:solidFill>
+            <a:headEnd type="none" w="med" len="med"/>
+            <a:tailEnd type="arrow" w="med" len="med"/>
+          </a:ln>
+          <a:effectLst/>
+        </p:spPr>
+        <p:style>
+          <a:lnRef idx="1">
+            <a:schemeClr val="accent2"/>
+          </a:lnRef>
+          <a:fillRef idx="2">
+            <a:schemeClr val="accent2"/>
+          </a:fillRef>
+          <a:effectRef idx="1">
+            <a:schemeClr val="accent2"/>
+          </a:effectRef>
+          <a:fontRef idx="minor">
+            <a:schemeClr val="dk1"/>
+          </a:fontRef>
+        </p:style>
+      </p:cxnSp>
+      <p:cxnSp>
+        <p:nvCxnSpPr>
+          <p:cNvPr id="60" name="Elbow Connector 63">
+            <a:extLst>
+              <a:ext uri="{FF2B5EF4-FFF2-40B4-BE49-F238E27FC236}">
+                <a16:creationId xmlns:a16="http://schemas.microsoft.com/office/drawing/2014/main" id="{CBF7D48D-177C-4DDC-AC30-ADC17CAE8EE3}"/>
+              </a:ext>
+            </a:extLst>
+          </p:cNvPr>
+          <p:cNvCxnSpPr>
+            <a:cxnSpLocks/>
+          </p:cNvCxnSpPr>
+          <p:nvPr/>
+        </p:nvCxnSpPr>
+        <p:spPr>
+          <a:xfrm rot="5400000">
+            <a:off x="3217697" y="2844142"/>
+            <a:ext cx="2777291" cy="1846651"/>
+          </a:xfrm>
+          <a:prstGeom prst="bentConnector3">
+            <a:avLst>
+              <a:gd name="adj1" fmla="val 50000"/>
+            </a:avLst>
+          </a:prstGeom>
+          <a:ln w="6350">
+            <a:solidFill>
+              <a:schemeClr val="accent3"/>
+            </a:solidFill>
+            <a:headEnd type="none" w="med" len="med"/>
+            <a:tailEnd type="none" w="med" len="med"/>
+          </a:ln>
+          <a:effectLst/>
+        </p:spPr>
+        <p:style>
+          <a:lnRef idx="1">
+            <a:schemeClr val="accent2"/>
+          </a:lnRef>
+          <a:fillRef idx="2">
+            <a:schemeClr val="accent2"/>
+          </a:fillRef>
+          <a:effectRef idx="1">
+            <a:schemeClr val="accent2"/>
+          </a:effectRef>
+          <a:fontRef idx="minor">
+            <a:schemeClr val="dk1"/>
+          </a:fontRef>
+        </p:style>
+      </p:cxnSp>
+      <p:cxnSp>
+        <p:nvCxnSpPr>
+          <p:cNvPr id="61" name="Elbow Connector 63">
+            <a:extLst>
+              <a:ext uri="{FF2B5EF4-FFF2-40B4-BE49-F238E27FC236}">
+                <a16:creationId xmlns:a16="http://schemas.microsoft.com/office/drawing/2014/main" id="{714D2E90-8F5F-4D11-ABD6-52CBE2F447CA}"/>
+              </a:ext>
+            </a:extLst>
+          </p:cNvPr>
+          <p:cNvCxnSpPr/>
+          <p:nvPr/>
+        </p:nvCxnSpPr>
+        <p:spPr>
+          <a:xfrm rot="5400000">
+            <a:off x="3398257" y="3297235"/>
+            <a:ext cx="2418855" cy="1840384"/>
+          </a:xfrm>
+          <a:prstGeom prst="bentConnector2">
+            <a:avLst/>
+          </a:prstGeom>
+          <a:ln w="6350">
+            <a:solidFill>
+              <a:schemeClr val="accent3"/>
+            </a:solidFill>
+            <a:headEnd type="none" w="med" len="med"/>
+            <a:tailEnd type="none" w="med" len="med"/>
+          </a:ln>
+          <a:effectLst/>
+        </p:spPr>
+        <p:style>
+          <a:lnRef idx="1">
+            <a:schemeClr val="accent2"/>
+          </a:lnRef>
+          <a:fillRef idx="2">
+            <a:schemeClr val="accent2"/>
+          </a:fillRef>
+          <a:effectRef idx="1">
+            <a:schemeClr val="accent2"/>
+          </a:effectRef>
+          <a:fontRef idx="minor">
+            <a:schemeClr val="dk1"/>
+          </a:fontRef>
+        </p:style>
+      </p:cxnSp>
+      <p:sp>
+        <p:nvSpPr>
+          <p:cNvPr id="62" name="Freeform 117">
+            <a:extLst>
+              <a:ext uri="{FF2B5EF4-FFF2-40B4-BE49-F238E27FC236}">
+                <a16:creationId xmlns:a16="http://schemas.microsoft.com/office/drawing/2014/main" id="{38C23337-FDA6-4FFB-BA1E-99074838D69A}"/>
+              </a:ext>
+            </a:extLst>
+          </p:cNvPr>
+          <p:cNvSpPr/>
+          <p:nvPr/>
+        </p:nvSpPr>
+        <p:spPr>
+          <a:xfrm flipV="1">
+            <a:off x="3286103" y="5195375"/>
+            <a:ext cx="3449412" cy="45719"/>
+          </a:xfrm>
+          <a:custGeom>
+            <a:avLst/>
+            <a:gdLst>
+              <a:gd name="connsiteX0" fmla="*/ 0 w 3048000"/>
+              <a:gd name="connsiteY0" fmla="*/ 203200 h 203200"/>
+              <a:gd name="connsiteX1" fmla="*/ 221673 w 3048000"/>
+              <a:gd name="connsiteY1" fmla="*/ 0 h 203200"/>
+              <a:gd name="connsiteX2" fmla="*/ 3048000 w 3048000"/>
+              <a:gd name="connsiteY2" fmla="*/ 0 h 203200"/>
+            </a:gdLst>
+            <a:ahLst/>
+            <a:cxnLst>
+              <a:cxn ang="0">
+                <a:pos x="connsiteX0" y="connsiteY0"/>
+              </a:cxn>
+              <a:cxn ang="0">
+                <a:pos x="connsiteX1" y="connsiteY1"/>
+              </a:cxn>
+              <a:cxn ang="0">
+                <a:pos x="connsiteX2" y="connsiteY2"/>
+              </a:cxn>
+            </a:cxnLst>
+            <a:rect l="l" t="t" r="r" b="b"/>
+            <a:pathLst>
+              <a:path w="3048000" h="203200">
+                <a:moveTo>
+                  <a:pt x="0" y="203200"/>
+                </a:moveTo>
+                <a:lnTo>
+                  <a:pt x="221673" y="0"/>
+                </a:lnTo>
+                <a:lnTo>
+                  <a:pt x="3048000" y="0"/>
+                </a:lnTo>
+              </a:path>
+            </a:pathLst>
+          </a:custGeom>
+          <a:noFill/>
+          <a:ln w="19050">
+            <a:solidFill>
+              <a:schemeClr val="accent3"/>
+            </a:solidFill>
+            <a:prstDash val="sysDot"/>
+            <a:headEnd type="none" w="med" len="med"/>
+            <a:tailEnd type="arrow" w="med" len="med"/>
+          </a:ln>
+          <a:effectLst/>
+        </p:spPr>
+        <p:style>
+          <a:lnRef idx="1">
+            <a:schemeClr val="accent2"/>
+          </a:lnRef>
+          <a:fillRef idx="2">
+            <a:schemeClr val="accent2"/>
+          </a:fillRef>
+          <a:effectRef idx="1">
+            <a:schemeClr val="accent2"/>
+          </a:effectRef>
+          <a:fontRef idx="minor">
+            <a:schemeClr val="dk1"/>
+          </a:fontRef>
+        </p:style>
+        <p:txBody>
+          <a:bodyPr rtlCol="0" anchor="ctr"/>
+          <a:lstStyle/>
+          <a:p>
+            <a:pPr algn="ctr"/>
+            <a:endParaRPr lang="en-SG"/>
+          </a:p>
+        </p:txBody>
+      </p:sp>
+      <p:sp>
+        <p:nvSpPr>
+          <p:cNvPr id="63" name="Freeform 117">
+            <a:extLst>
+              <a:ext uri="{FF2B5EF4-FFF2-40B4-BE49-F238E27FC236}">
+                <a16:creationId xmlns:a16="http://schemas.microsoft.com/office/drawing/2014/main" id="{91A600B8-5CD0-4BA2-95AA-B8A8B3CD1D7F}"/>
+              </a:ext>
+            </a:extLst>
+          </p:cNvPr>
+          <p:cNvSpPr/>
+          <p:nvPr/>
+        </p:nvSpPr>
+        <p:spPr>
+          <a:xfrm flipV="1">
+            <a:off x="3286103" y="5558939"/>
+            <a:ext cx="3449412" cy="45719"/>
           </a:xfrm>
           <a:custGeom>
             <a:avLst/>

--- a/docs/diagrams/UiComponentClassDiagram.pptx
+++ b/docs/diagrams/UiComponentClassDiagram.pptx
@@ -208,7 +208,7 @@
           <a:p>
             <a:fld id="{F5CC4B3F-88C1-4FFA-B1B6-F41C21DC6924}" type="datetimeFigureOut">
               <a:rPr lang="en-US" smtClean="0"/>
-              <a:t>4/2/19</a:t>
+              <a:t>4/12/2019</a:t>
             </a:fld>
             <a:endParaRPr lang="en-US"/>
           </a:p>
@@ -654,7 +654,7 @@
           <a:p>
             <a:fld id="{78C97017-6FC3-485B-9764-EAC9E56C1D49}" type="datetimeFigureOut">
               <a:rPr lang="en-US" smtClean="0"/>
-              <a:t>4/2/19</a:t>
+              <a:t>4/12/2019</a:t>
             </a:fld>
             <a:endParaRPr lang="en-US"/>
           </a:p>
@@ -822,7 +822,7 @@
           <a:p>
             <a:fld id="{78C97017-6FC3-485B-9764-EAC9E56C1D49}" type="datetimeFigureOut">
               <a:rPr lang="en-US" smtClean="0"/>
-              <a:t>4/2/19</a:t>
+              <a:t>4/12/2019</a:t>
             </a:fld>
             <a:endParaRPr lang="en-US"/>
           </a:p>
@@ -1000,7 +1000,7 @@
           <a:p>
             <a:fld id="{78C97017-6FC3-485B-9764-EAC9E56C1D49}" type="datetimeFigureOut">
               <a:rPr lang="en-US" smtClean="0"/>
-              <a:t>4/2/19</a:t>
+              <a:t>4/12/2019</a:t>
             </a:fld>
             <a:endParaRPr lang="en-US"/>
           </a:p>
@@ -1168,7 +1168,7 @@
           <a:p>
             <a:fld id="{78C97017-6FC3-485B-9764-EAC9E56C1D49}" type="datetimeFigureOut">
               <a:rPr lang="en-US" smtClean="0"/>
-              <a:t>4/2/19</a:t>
+              <a:t>4/12/2019</a:t>
             </a:fld>
             <a:endParaRPr lang="en-US"/>
           </a:p>
@@ -1413,7 +1413,7 @@
           <a:p>
             <a:fld id="{78C97017-6FC3-485B-9764-EAC9E56C1D49}" type="datetimeFigureOut">
               <a:rPr lang="en-US" smtClean="0"/>
-              <a:t>4/2/19</a:t>
+              <a:t>4/12/2019</a:t>
             </a:fld>
             <a:endParaRPr lang="en-US"/>
           </a:p>
@@ -1698,7 +1698,7 @@
           <a:p>
             <a:fld id="{78C97017-6FC3-485B-9764-EAC9E56C1D49}" type="datetimeFigureOut">
               <a:rPr lang="en-US" smtClean="0"/>
-              <a:t>4/2/19</a:t>
+              <a:t>4/12/2019</a:t>
             </a:fld>
             <a:endParaRPr lang="en-US"/>
           </a:p>
@@ -2117,7 +2117,7 @@
           <a:p>
             <a:fld id="{78C97017-6FC3-485B-9764-EAC9E56C1D49}" type="datetimeFigureOut">
               <a:rPr lang="en-US" smtClean="0"/>
-              <a:t>4/2/19</a:t>
+              <a:t>4/12/2019</a:t>
             </a:fld>
             <a:endParaRPr lang="en-US"/>
           </a:p>
@@ -2234,7 +2234,7 @@
           <a:p>
             <a:fld id="{78C97017-6FC3-485B-9764-EAC9E56C1D49}" type="datetimeFigureOut">
               <a:rPr lang="en-US" smtClean="0"/>
-              <a:t>4/2/19</a:t>
+              <a:t>4/12/2019</a:t>
             </a:fld>
             <a:endParaRPr lang="en-US"/>
           </a:p>
@@ -2329,7 +2329,7 @@
           <a:p>
             <a:fld id="{78C97017-6FC3-485B-9764-EAC9E56C1D49}" type="datetimeFigureOut">
               <a:rPr lang="en-US" smtClean="0"/>
-              <a:t>4/2/19</a:t>
+              <a:t>4/12/2019</a:t>
             </a:fld>
             <a:endParaRPr lang="en-US"/>
           </a:p>
@@ -2604,7 +2604,7 @@
           <a:p>
             <a:fld id="{78C97017-6FC3-485B-9764-EAC9E56C1D49}" type="datetimeFigureOut">
               <a:rPr lang="en-US" smtClean="0"/>
-              <a:t>4/2/19</a:t>
+              <a:t>4/12/2019</a:t>
             </a:fld>
             <a:endParaRPr lang="en-US"/>
           </a:p>
@@ -2856,7 +2856,7 @@
           <a:p>
             <a:fld id="{78C97017-6FC3-485B-9764-EAC9E56C1D49}" type="datetimeFigureOut">
               <a:rPr lang="en-US" smtClean="0"/>
-              <a:t>4/2/19</a:t>
+              <a:t>4/12/2019</a:t>
             </a:fld>
             <a:endParaRPr lang="en-US"/>
           </a:p>
@@ -3067,7 +3067,7 @@
           <a:p>
             <a:fld id="{78C97017-6FC3-485B-9764-EAC9E56C1D49}" type="datetimeFigureOut">
               <a:rPr lang="en-US" smtClean="0"/>
-              <a:t>4/2/19</a:t>
+              <a:t>4/12/2019</a:t>
             </a:fld>
             <a:endParaRPr lang="en-US"/>
           </a:p>
@@ -3885,8 +3885,8 @@
         </p:nvSpPr>
         <p:spPr>
           <a:xfrm>
-            <a:off x="2592527" y="3649359"/>
-            <a:ext cx="1246795" cy="236841"/>
+            <a:off x="2592527" y="3629633"/>
+            <a:ext cx="1369873" cy="256567"/>
           </a:xfrm>
           <a:prstGeom prst="rect">
             <a:avLst/>
@@ -3925,7 +3925,7 @@
                   </a:schemeClr>
                 </a:solidFill>
               </a:rPr>
-              <a:t>BookBrowserPanel</a:t>
+              <a:t>ReviewBrowserPanel</a:t>
             </a:r>
             <a:endParaRPr lang="en-SG" sz="1050" b="1" dirty="0">
               <a:solidFill>
@@ -4338,8 +4338,8 @@
         </p:nvCxnSpPr>
         <p:spPr>
           <a:xfrm rot="16200000" flipH="1">
-            <a:off x="2054449" y="3229701"/>
-            <a:ext cx="899755" cy="176401"/>
+            <a:off x="2059380" y="3224770"/>
+            <a:ext cx="889892" cy="176401"/>
           </a:xfrm>
           <a:prstGeom prst="bentConnector2">
             <a:avLst/>
@@ -4664,8 +4664,8 @@
         </p:nvCxnSpPr>
         <p:spPr>
           <a:xfrm rot="5400000">
-            <a:off x="3943756" y="2181567"/>
-            <a:ext cx="1481780" cy="1690647"/>
+            <a:off x="4010227" y="2238174"/>
+            <a:ext cx="1471917" cy="1567569"/>
           </a:xfrm>
           <a:prstGeom prst="bentConnector2">
             <a:avLst/>
@@ -5803,6 +5803,52 @@
             </a:solidFill>
             <a:headEnd type="none" w="med" len="med"/>
             <a:tailEnd type="none" w="med" len="med"/>
+          </a:ln>
+          <a:effectLst/>
+        </p:spPr>
+        <p:style>
+          <a:lnRef idx="1">
+            <a:schemeClr val="accent2"/>
+          </a:lnRef>
+          <a:fillRef idx="2">
+            <a:schemeClr val="accent2"/>
+          </a:fillRef>
+          <a:effectRef idx="1">
+            <a:schemeClr val="accent2"/>
+          </a:effectRef>
+          <a:fontRef idx="minor">
+            <a:schemeClr val="dk1"/>
+          </a:fontRef>
+        </p:style>
+      </p:cxnSp>
+      <p:cxnSp>
+        <p:nvCxnSpPr>
+          <p:cNvPr id="48" name="Elbow Connector 63">
+            <a:extLst>
+              <a:ext uri="{FF2B5EF4-FFF2-40B4-BE49-F238E27FC236}">
+                <a16:creationId xmlns:a16="http://schemas.microsoft.com/office/drawing/2014/main" id="{B97C9E66-D4ED-464C-A688-418306FAAA16}"/>
+              </a:ext>
+            </a:extLst>
+          </p:cNvPr>
+          <p:cNvCxnSpPr>
+            <a:cxnSpLocks/>
+          </p:cNvCxnSpPr>
+          <p:nvPr/>
+        </p:nvCxnSpPr>
+        <p:spPr>
+          <a:xfrm rot="16200000" flipH="1">
+            <a:off x="1594992" y="3686741"/>
+            <a:ext cx="1820392" cy="178128"/>
+          </a:xfrm>
+          <a:prstGeom prst="bentConnector2">
+            <a:avLst/>
+          </a:prstGeom>
+          <a:ln w="19050">
+            <a:solidFill>
+              <a:schemeClr val="accent3"/>
+            </a:solidFill>
+            <a:headEnd type="none" w="med" len="med"/>
+            <a:tailEnd type="arrow" w="med" len="med"/>
           </a:ln>
           <a:effectLst/>
         </p:spPr>

--- a/docs/diagrams/UiComponentClassDiagram.pptx
+++ b/docs/diagrams/UiComponentClassDiagram.pptx
@@ -208,7 +208,7 @@
           <a:p>
             <a:fld id="{F5CC4B3F-88C1-4FFA-B1B6-F41C21DC6924}" type="datetimeFigureOut">
               <a:rPr lang="en-US" smtClean="0"/>
-              <a:t>3/5/2019</a:t>
+              <a:t>4/13/2019</a:t>
             </a:fld>
             <a:endParaRPr lang="en-US"/>
           </a:p>
@@ -738,7 +738,7 @@
           <a:p>
             <a:fld id="{78C97017-6FC3-485B-9764-EAC9E56C1D49}" type="datetimeFigureOut">
               <a:rPr lang="en-US" smtClean="0"/>
-              <a:t>3/5/2019</a:t>
+              <a:t>4/13/2019</a:t>
             </a:fld>
             <a:endParaRPr lang="en-US"/>
           </a:p>
@@ -906,7 +906,7 @@
           <a:p>
             <a:fld id="{78C97017-6FC3-485B-9764-EAC9E56C1D49}" type="datetimeFigureOut">
               <a:rPr lang="en-US" smtClean="0"/>
-              <a:t>3/5/2019</a:t>
+              <a:t>4/13/2019</a:t>
             </a:fld>
             <a:endParaRPr lang="en-US"/>
           </a:p>
@@ -1084,7 +1084,7 @@
           <a:p>
             <a:fld id="{78C97017-6FC3-485B-9764-EAC9E56C1D49}" type="datetimeFigureOut">
               <a:rPr lang="en-US" smtClean="0"/>
-              <a:t>3/5/2019</a:t>
+              <a:t>4/13/2019</a:t>
             </a:fld>
             <a:endParaRPr lang="en-US"/>
           </a:p>
@@ -1252,7 +1252,7 @@
           <a:p>
             <a:fld id="{78C97017-6FC3-485B-9764-EAC9E56C1D49}" type="datetimeFigureOut">
               <a:rPr lang="en-US" smtClean="0"/>
-              <a:t>3/5/2019</a:t>
+              <a:t>4/13/2019</a:t>
             </a:fld>
             <a:endParaRPr lang="en-US"/>
           </a:p>
@@ -1497,7 +1497,7 @@
           <a:p>
             <a:fld id="{78C97017-6FC3-485B-9764-EAC9E56C1D49}" type="datetimeFigureOut">
               <a:rPr lang="en-US" smtClean="0"/>
-              <a:t>3/5/2019</a:t>
+              <a:t>4/13/2019</a:t>
             </a:fld>
             <a:endParaRPr lang="en-US"/>
           </a:p>
@@ -1782,7 +1782,7 @@
           <a:p>
             <a:fld id="{78C97017-6FC3-485B-9764-EAC9E56C1D49}" type="datetimeFigureOut">
               <a:rPr lang="en-US" smtClean="0"/>
-              <a:t>3/5/2019</a:t>
+              <a:t>4/13/2019</a:t>
             </a:fld>
             <a:endParaRPr lang="en-US"/>
           </a:p>
@@ -2201,7 +2201,7 @@
           <a:p>
             <a:fld id="{78C97017-6FC3-485B-9764-EAC9E56C1D49}" type="datetimeFigureOut">
               <a:rPr lang="en-US" smtClean="0"/>
-              <a:t>3/5/2019</a:t>
+              <a:t>4/13/2019</a:t>
             </a:fld>
             <a:endParaRPr lang="en-US"/>
           </a:p>
@@ -2318,7 +2318,7 @@
           <a:p>
             <a:fld id="{78C97017-6FC3-485B-9764-EAC9E56C1D49}" type="datetimeFigureOut">
               <a:rPr lang="en-US" smtClean="0"/>
-              <a:t>3/5/2019</a:t>
+              <a:t>4/13/2019</a:t>
             </a:fld>
             <a:endParaRPr lang="en-US"/>
           </a:p>
@@ -2413,7 +2413,7 @@
           <a:p>
             <a:fld id="{78C97017-6FC3-485B-9764-EAC9E56C1D49}" type="datetimeFigureOut">
               <a:rPr lang="en-US" smtClean="0"/>
-              <a:t>3/5/2019</a:t>
+              <a:t>4/13/2019</a:t>
             </a:fld>
             <a:endParaRPr lang="en-US"/>
           </a:p>
@@ -2688,7 +2688,7 @@
           <a:p>
             <a:fld id="{78C97017-6FC3-485B-9764-EAC9E56C1D49}" type="datetimeFigureOut">
               <a:rPr lang="en-US" smtClean="0"/>
-              <a:t>3/5/2019</a:t>
+              <a:t>4/13/2019</a:t>
             </a:fld>
             <a:endParaRPr lang="en-US"/>
           </a:p>
@@ -2940,7 +2940,7 @@
           <a:p>
             <a:fld id="{78C97017-6FC3-485B-9764-EAC9E56C1D49}" type="datetimeFigureOut">
               <a:rPr lang="en-US" smtClean="0"/>
-              <a:t>3/5/2019</a:t>
+              <a:t>4/13/2019</a:t>
             </a:fld>
             <a:endParaRPr lang="en-US"/>
           </a:p>
@@ -3005,9 +3005,14 @@
 <p:sldMaster xmlns:a="http://schemas.openxmlformats.org/drawingml/2006/main" xmlns:r="http://schemas.openxmlformats.org/officeDocument/2006/relationships" xmlns:p="http://schemas.openxmlformats.org/presentationml/2006/main">
   <p:cSld>
     <p:bg>
-      <p:bgRef idx="1001">
-        <a:schemeClr val="bg1"/>
-      </p:bgRef>
+      <p:bgPr>
+        <a:solidFill>
+          <a:schemeClr val="bg1">
+            <a:alpha val="0"/>
+          </a:schemeClr>
+        </a:solidFill>
+        <a:effectLst/>
+      </p:bgPr>
     </p:bg>
     <p:spTree>
       <p:nvGrpSpPr>
@@ -3151,7 +3156,7 @@
           <a:p>
             <a:fld id="{78C97017-6FC3-485B-9764-EAC9E56C1D49}" type="datetimeFigureOut">
               <a:rPr lang="en-US" smtClean="0"/>
-              <a:t>3/5/2019</a:t>
+              <a:t>4/13/2019</a:t>
             </a:fld>
             <a:endParaRPr lang="en-US"/>
           </a:p>
@@ -3510,7 +3515,7 @@
 </file>
 
 <file path=ppt/slides/slide1.xml><?xml version="1.0" encoding="utf-8"?>
-<p:sld xmlns:a="http://schemas.openxmlformats.org/drawingml/2006/main" xmlns:r="http://schemas.openxmlformats.org/officeDocument/2006/relationships" xmlns:p="http://schemas.openxmlformats.org/presentationml/2006/main">
+<p:sld xmlns:a="http://schemas.openxmlformats.org/drawingml/2006/main" xmlns:r="http://schemas.openxmlformats.org/officeDocument/2006/relationships" xmlns:p="http://schemas.openxmlformats.org/presentationml/2006/main" showMasterSp="0">
   <p:cSld>
     <p:spTree>
       <p:nvGrpSpPr>
@@ -3534,8 +3539,8 @@
         </p:nvSpPr>
         <p:spPr>
           <a:xfrm>
-            <a:off x="1524000" y="685800"/>
-            <a:ext cx="5200755" cy="5105401"/>
+            <a:off x="499138" y="94272"/>
+            <a:ext cx="7578062" cy="6611326"/>
           </a:xfrm>
           <a:prstGeom prst="roundRect">
             <a:avLst>
@@ -3596,7 +3601,7 @@
         </p:nvSpPr>
         <p:spPr>
           <a:xfrm>
-            <a:off x="2402483" y="1579221"/>
+            <a:off x="1451213" y="844795"/>
             <a:ext cx="1093635" cy="346760"/>
           </a:xfrm>
           <a:prstGeom prst="rect">
@@ -3656,8 +3661,8 @@
         </p:nvSpPr>
         <p:spPr>
           <a:xfrm>
-            <a:off x="2899063" y="2209801"/>
-            <a:ext cx="1252769" cy="236841"/>
+            <a:off x="2678527" y="1140663"/>
+            <a:ext cx="1620222" cy="295107"/>
           </a:xfrm>
           <a:prstGeom prst="rect">
             <a:avLst/>
@@ -3716,7 +3721,7 @@
         </p:nvSpPr>
         <p:spPr>
           <a:xfrm>
-            <a:off x="2399377" y="1008925"/>
+            <a:off x="1454941" y="304800"/>
             <a:ext cx="1093635" cy="346760"/>
           </a:xfrm>
           <a:prstGeom prst="rect">
@@ -3771,14 +3776,14 @@
         <p:nvCxnSpPr>
           <p:cNvPr id="10" name="Elbow Connector 63"/>
           <p:cNvCxnSpPr>
-            <a:stCxn id="9" idx="2"/>
+            <a:cxnSpLocks/>
             <a:endCxn id="2" idx="0"/>
           </p:cNvCxnSpPr>
           <p:nvPr/>
         </p:nvCxnSpPr>
         <p:spPr>
           <a:xfrm rot="16200000" flipH="1">
-            <a:off x="2835980" y="1465900"/>
+            <a:off x="1884710" y="731474"/>
             <a:ext cx="223536" cy="3106"/>
           </a:xfrm>
           <a:prstGeom prst="bentConnector3">
@@ -3818,7 +3823,7 @@
         </p:nvSpPr>
         <p:spPr>
           <a:xfrm rot="10800000" flipV="1">
-            <a:off x="5701252" y="1348478"/>
+            <a:off x="7260982" y="632564"/>
             <a:ext cx="270504" cy="175523"/>
           </a:xfrm>
           <a:prstGeom prst="triangle">
@@ -3861,13 +3866,15 @@
       <p:cxnSp>
         <p:nvCxnSpPr>
           <p:cNvPr id="19" name="Elbow Connector 122"/>
-          <p:cNvCxnSpPr/>
+          <p:cNvCxnSpPr>
+            <a:cxnSpLocks/>
+          </p:cNvCxnSpPr>
           <p:nvPr/>
         </p:nvCxnSpPr>
         <p:spPr>
-          <a:xfrm flipV="1">
-            <a:off x="951270" y="2229938"/>
-            <a:ext cx="684904" cy="1"/>
+          <a:xfrm>
+            <a:off x="245013" y="1219200"/>
+            <a:ext cx="439891" cy="1"/>
           </a:xfrm>
           <a:prstGeom prst="bentConnector3">
             <a:avLst>
@@ -3909,8 +3916,8 @@
         </p:nvSpPr>
         <p:spPr>
           <a:xfrm rot="16200000">
-            <a:off x="6031474" y="1681767"/>
-            <a:ext cx="2319981" cy="328045"/>
+            <a:off x="7456316" y="954670"/>
+            <a:ext cx="2076269" cy="355473"/>
           </a:xfrm>
           <a:prstGeom prst="roundRect">
             <a:avLst/>
@@ -3969,8 +3976,8 @@
         </p:nvSpPr>
         <p:spPr>
           <a:xfrm>
-            <a:off x="2899063" y="2887360"/>
-            <a:ext cx="1266077" cy="236841"/>
+            <a:off x="2690199" y="1906325"/>
+            <a:ext cx="1588760" cy="264218"/>
           </a:xfrm>
           <a:prstGeom prst="rect">
             <a:avLst/>
@@ -4009,7 +4016,7 @@
                   </a:schemeClr>
                 </a:solidFill>
               </a:rPr>
-              <a:t>TableBrowserPanel</a:t>
+              <a:t>OrderItemListPanel</a:t>
             </a:r>
             <a:endParaRPr lang="en-SG" sz="1050" b="1" dirty="0">
               <a:solidFill>
@@ -4029,8 +4036,8 @@
         </p:nvSpPr>
         <p:spPr>
           <a:xfrm>
-            <a:off x="2899062" y="4999719"/>
-            <a:ext cx="1274955" cy="236841"/>
+            <a:off x="2691115" y="6048744"/>
+            <a:ext cx="1578727" cy="244524"/>
           </a:xfrm>
           <a:prstGeom prst="rect">
             <a:avLst/>
@@ -4083,14 +4090,14 @@
       </p:sp>
       <p:sp>
         <p:nvSpPr>
-          <p:cNvPr id="36" name="Rectangle 11"/>
+          <p:cNvPr id="38" name="Rectangle 11"/>
           <p:cNvSpPr/>
           <p:nvPr/>
         </p:nvSpPr>
         <p:spPr>
           <a:xfrm>
-            <a:off x="2899061" y="3915762"/>
-            <a:ext cx="1264463" cy="236841"/>
+            <a:off x="2699228" y="6373401"/>
+            <a:ext cx="1578726" cy="253364"/>
           </a:xfrm>
           <a:prstGeom prst="rect">
             <a:avLst/>
@@ -4122,66 +4129,6 @@
           <a:p>
             <a:pPr algn="ctr"/>
             <a:r>
-              <a:rPr lang="en-US" sz="1050" b="1" dirty="0" err="1">
-                <a:solidFill>
-                  <a:schemeClr val="accent3">
-                    <a:lumMod val="75000"/>
-                  </a:schemeClr>
-                </a:solidFill>
-              </a:rPr>
-              <a:t>OrderItemListPanel</a:t>
-            </a:r>
-            <a:endParaRPr lang="en-SG" sz="1050" b="1" dirty="0">
-              <a:solidFill>
-                <a:schemeClr val="accent3">
-                  <a:lumMod val="75000"/>
-                </a:schemeClr>
-              </a:solidFill>
-            </a:endParaRPr>
-          </a:p>
-        </p:txBody>
-      </p:sp>
-      <p:sp>
-        <p:nvSpPr>
-          <p:cNvPr id="38" name="Rectangle 11"/>
-          <p:cNvSpPr/>
-          <p:nvPr/>
-        </p:nvSpPr>
-        <p:spPr>
-          <a:xfrm>
-            <a:off x="2899063" y="5401960"/>
-            <a:ext cx="1274954" cy="236841"/>
-          </a:xfrm>
-          <a:prstGeom prst="rect">
-            <a:avLst/>
-          </a:prstGeom>
-          <a:ln w="19050">
-            <a:solidFill>
-              <a:schemeClr val="accent3"/>
-            </a:solidFill>
-          </a:ln>
-          <a:effectLst/>
-        </p:spPr>
-        <p:style>
-          <a:lnRef idx="1">
-            <a:schemeClr val="accent3"/>
-          </a:lnRef>
-          <a:fillRef idx="2">
-            <a:schemeClr val="accent3"/>
-          </a:fillRef>
-          <a:effectRef idx="1">
-            <a:schemeClr val="accent3"/>
-          </a:effectRef>
-          <a:fontRef idx="minor">
-            <a:schemeClr val="dk1"/>
-          </a:fontRef>
-        </p:style>
-        <p:txBody>
-          <a:bodyPr rtlCol="0" anchor="ctr"/>
-          <a:lstStyle/>
-          <a:p>
-            <a:pPr algn="ctr"/>
-            <a:r>
               <a:rPr lang="en-US" sz="1050" b="1" dirty="0">
                 <a:solidFill>
                   <a:schemeClr val="accent3">
@@ -4209,7 +4156,7 @@
         </p:nvSpPr>
         <p:spPr>
           <a:xfrm>
-            <a:off x="2631083" y="1944453"/>
+            <a:off x="1679813" y="1210027"/>
             <a:ext cx="183156" cy="161573"/>
           </a:xfrm>
           <a:prstGeom prst="flowChartDecision">
@@ -4254,18 +4201,20 @@
           <p:cNvPr id="40" name="Elbow Connector 63"/>
           <p:cNvCxnSpPr>
             <a:cxnSpLocks/>
-            <a:stCxn id="39" idx="2"/>
+            <a:stCxn id="39" idx="3"/>
             <a:endCxn id="3" idx="1"/>
           </p:cNvCxnSpPr>
           <p:nvPr/>
         </p:nvCxnSpPr>
         <p:spPr>
-          <a:xfrm rot="16200000" flipH="1">
-            <a:off x="2699764" y="2128923"/>
-            <a:ext cx="222196" cy="176402"/>
-          </a:xfrm>
-          <a:prstGeom prst="bentConnector2">
-            <a:avLst/>
+          <a:xfrm flipV="1">
+            <a:off x="1862969" y="1288217"/>
+            <a:ext cx="815558" cy="2597"/>
+          </a:xfrm>
+          <a:prstGeom prst="bentConnector3">
+            <a:avLst>
+              <a:gd name="adj1" fmla="val 50000"/>
+            </a:avLst>
           </a:prstGeom>
           <a:ln w="19050">
             <a:solidFill>
@@ -4299,8 +4248,8 @@
         </p:nvSpPr>
         <p:spPr>
           <a:xfrm>
-            <a:off x="2897334" y="2542309"/>
-            <a:ext cx="1261208" cy="236841"/>
+            <a:off x="2681398" y="1580823"/>
+            <a:ext cx="1590751" cy="250386"/>
           </a:xfrm>
           <a:prstGeom prst="rect">
             <a:avLst/>
@@ -4363,50 +4312,8 @@
         </p:nvCxnSpPr>
         <p:spPr>
           <a:xfrm rot="16200000" flipH="1">
-            <a:off x="2360985" y="2467702"/>
-            <a:ext cx="899755" cy="176402"/>
-          </a:xfrm>
-          <a:prstGeom prst="bentConnector2">
-            <a:avLst/>
-          </a:prstGeom>
-          <a:ln w="19050">
-            <a:solidFill>
-              <a:schemeClr val="accent3"/>
-            </a:solidFill>
-            <a:headEnd type="none" w="med" len="med"/>
-            <a:tailEnd type="arrow" w="med" len="med"/>
-          </a:ln>
-          <a:effectLst/>
-        </p:spPr>
-        <p:style>
-          <a:lnRef idx="1">
-            <a:schemeClr val="accent2"/>
-          </a:lnRef>
-          <a:fillRef idx="2">
-            <a:schemeClr val="accent2"/>
-          </a:fillRef>
-          <a:effectRef idx="1">
-            <a:schemeClr val="accent2"/>
-          </a:effectRef>
-          <a:fontRef idx="minor">
-            <a:schemeClr val="dk1"/>
-          </a:fontRef>
-        </p:style>
-      </p:cxnSp>
-      <p:cxnSp>
-        <p:nvCxnSpPr>
-          <p:cNvPr id="47" name="Elbow Connector 63"/>
-          <p:cNvCxnSpPr>
-            <a:cxnSpLocks/>
-            <a:stCxn id="39" idx="2"/>
-            <a:endCxn id="36" idx="1"/>
-          </p:cNvCxnSpPr>
-          <p:nvPr/>
-        </p:nvCxnSpPr>
-        <p:spPr>
-          <a:xfrm rot="16200000" flipH="1">
-            <a:off x="1846783" y="2981904"/>
-            <a:ext cx="1928157" cy="176400"/>
+            <a:off x="1897378" y="1245613"/>
+            <a:ext cx="666834" cy="918808"/>
           </a:xfrm>
           <a:prstGeom prst="bentConnector2">
             <a:avLst/>
@@ -4447,8 +4354,8 @@
         </p:nvCxnSpPr>
         <p:spPr>
           <a:xfrm rot="16200000" flipH="1">
-            <a:off x="1304804" y="3523882"/>
-            <a:ext cx="3012114" cy="176401"/>
+            <a:off x="-168450" y="3311441"/>
+            <a:ext cx="4799406" cy="919724"/>
           </a:xfrm>
           <a:prstGeom prst="bentConnector2">
             <a:avLst/>
@@ -4488,8 +4395,8 @@
         </p:nvCxnSpPr>
         <p:spPr>
           <a:xfrm rot="16200000" flipH="1">
-            <a:off x="909661" y="3530979"/>
-            <a:ext cx="3594398" cy="384406"/>
+            <a:off x="-545547" y="3255308"/>
+            <a:ext cx="5308528" cy="1181021"/>
           </a:xfrm>
           <a:prstGeom prst="bentConnector2">
             <a:avLst/>
@@ -4526,7 +4433,7 @@
         </p:nvSpPr>
         <p:spPr>
           <a:xfrm>
-            <a:off x="5450483" y="1008925"/>
+            <a:off x="7010400" y="304800"/>
             <a:ext cx="772043" cy="346760"/>
           </a:xfrm>
           <a:prstGeom prst="rect">
@@ -4609,50 +4516,8 @@
         </p:nvCxnSpPr>
         <p:spPr>
           <a:xfrm flipV="1">
-            <a:off x="4158542" y="1524001"/>
-            <a:ext cx="1677962" cy="1136729"/>
-          </a:xfrm>
-          <a:prstGeom prst="bentConnector2">
-            <a:avLst/>
-          </a:prstGeom>
-          <a:ln w="6350">
-            <a:solidFill>
-              <a:schemeClr val="accent3"/>
-            </a:solidFill>
-            <a:headEnd type="none" w="med" len="med"/>
-            <a:tailEnd type="none" w="med" len="med"/>
-          </a:ln>
-          <a:effectLst/>
-        </p:spPr>
-        <p:style>
-          <a:lnRef idx="1">
-            <a:schemeClr val="accent2"/>
-          </a:lnRef>
-          <a:fillRef idx="2">
-            <a:schemeClr val="accent2"/>
-          </a:fillRef>
-          <a:effectRef idx="1">
-            <a:schemeClr val="accent2"/>
-          </a:effectRef>
-          <a:fontRef idx="minor">
-            <a:schemeClr val="dk1"/>
-          </a:fontRef>
-        </p:style>
-      </p:cxnSp>
-      <p:cxnSp>
-        <p:nvCxnSpPr>
-          <p:cNvPr id="77" name="Elbow Connector 63"/>
-          <p:cNvCxnSpPr>
-            <a:cxnSpLocks/>
-            <a:stCxn id="16" idx="3"/>
-            <a:endCxn id="52" idx="3"/>
-          </p:cNvCxnSpPr>
-          <p:nvPr/>
-        </p:nvCxnSpPr>
-        <p:spPr>
-          <a:xfrm rot="5400000">
-            <a:off x="4330794" y="2748827"/>
-            <a:ext cx="2730536" cy="280885"/>
+            <a:off x="4272149" y="808087"/>
+            <a:ext cx="3124085" cy="897929"/>
           </a:xfrm>
           <a:prstGeom prst="bentConnector2">
             <a:avLst/>
@@ -4693,8 +4558,8 @@
         </p:nvCxnSpPr>
         <p:spPr>
           <a:xfrm rot="5400000">
-            <a:off x="4259932" y="1429209"/>
-            <a:ext cx="1481780" cy="1671364"/>
+            <a:off x="5222424" y="-135377"/>
+            <a:ext cx="1230347" cy="3117275"/>
           </a:xfrm>
           <a:prstGeom prst="bentConnector2">
             <a:avLst/>
@@ -4727,6 +4592,7 @@
         <p:nvCxnSpPr>
           <p:cNvPr id="88" name="Elbow Connector 63"/>
           <p:cNvCxnSpPr>
+            <a:cxnSpLocks/>
             <a:stCxn id="2" idx="3"/>
             <a:endCxn id="16" idx="3"/>
           </p:cNvCxnSpPr>
@@ -4734,8 +4600,8 @@
         </p:nvCxnSpPr>
         <p:spPr>
           <a:xfrm flipV="1">
-            <a:off x="3496118" y="1524001"/>
-            <a:ext cx="2340386" cy="228600"/>
+            <a:off x="2544848" y="808087"/>
+            <a:ext cx="4851386" cy="210088"/>
           </a:xfrm>
           <a:prstGeom prst="bentConnector2">
             <a:avLst/>
@@ -4769,14 +4635,15 @@
           <p:cNvPr id="91" name="Elbow Connector 63"/>
           <p:cNvCxnSpPr>
             <a:cxnSpLocks/>
+            <a:stCxn id="16" idx="3"/>
             <a:endCxn id="35" idx="3"/>
           </p:cNvCxnSpPr>
           <p:nvPr/>
         </p:nvCxnSpPr>
         <p:spPr>
           <a:xfrm rot="5400000">
-            <a:off x="3807172" y="3088806"/>
-            <a:ext cx="2396180" cy="1662489"/>
+            <a:off x="3151579" y="1926350"/>
+            <a:ext cx="5362919" cy="3126392"/>
           </a:xfrm>
           <a:prstGeom prst="bentConnector2">
             <a:avLst/>
@@ -4810,14 +4677,15 @@
           <p:cNvPr id="94" name="Elbow Connector 63"/>
           <p:cNvCxnSpPr>
             <a:cxnSpLocks/>
+            <a:stCxn id="16" idx="3"/>
             <a:endCxn id="38" idx="3"/>
           </p:cNvCxnSpPr>
           <p:nvPr/>
         </p:nvCxnSpPr>
         <p:spPr>
           <a:xfrm rot="5400000">
-            <a:off x="3606050" y="3289926"/>
-            <a:ext cx="2798422" cy="1662488"/>
+            <a:off x="2991096" y="2094945"/>
+            <a:ext cx="5691996" cy="3118280"/>
           </a:xfrm>
           <a:prstGeom prst="bentConnector2">
             <a:avLst/>
@@ -4850,14 +4718,14 @@
         <p:nvCxnSpPr>
           <p:cNvPr id="107" name="Elbow Connector 106"/>
           <p:cNvCxnSpPr>
-            <a:stCxn id="9" idx="0"/>
+            <a:cxnSpLocks/>
           </p:cNvCxnSpPr>
           <p:nvPr/>
         </p:nvCxnSpPr>
         <p:spPr>
           <a:xfrm rot="5400000" flipH="1" flipV="1">
-            <a:off x="4901456" y="-1117060"/>
-            <a:ext cx="170724" cy="4081246"/>
+            <a:off x="5103751" y="-2873392"/>
+            <a:ext cx="125274" cy="6329259"/>
           </a:xfrm>
           <a:prstGeom prst="bentConnector2">
             <a:avLst/>
@@ -4895,8 +4763,8 @@
         </p:nvSpPr>
         <p:spPr>
           <a:xfrm rot="16200000">
-            <a:off x="5870143" y="4291246"/>
-            <a:ext cx="2671863" cy="328045"/>
+            <a:off x="6286812" y="4293517"/>
+            <a:ext cx="4444503" cy="355475"/>
           </a:xfrm>
           <a:prstGeom prst="roundRect">
             <a:avLst/>
@@ -4955,7 +4823,7 @@
         </p:nvSpPr>
         <p:spPr>
           <a:xfrm rot="16200000">
-            <a:off x="1262737" y="2099203"/>
+            <a:off x="311467" y="1386919"/>
             <a:ext cx="1093635" cy="346760"/>
           </a:xfrm>
           <a:prstGeom prst="rect">
@@ -5025,7 +4893,7 @@
         </p:nvSpPr>
         <p:spPr>
           <a:xfrm flipV="1">
-            <a:off x="1674302" y="1524002"/>
+            <a:off x="723032" y="838200"/>
             <a:ext cx="270504" cy="175523"/>
           </a:xfrm>
           <a:prstGeom prst="triangle">
@@ -5069,14 +4937,14 @@
         <p:nvCxnSpPr>
           <p:cNvPr id="121" name="Elbow Connector 63"/>
           <p:cNvCxnSpPr>
-            <a:stCxn id="9" idx="1"/>
+            <a:cxnSpLocks/>
             <a:endCxn id="120" idx="3"/>
           </p:cNvCxnSpPr>
           <p:nvPr/>
         </p:nvCxnSpPr>
         <p:spPr>
           <a:xfrm rot="10800000" flipV="1">
-            <a:off x="1809555" y="1182304"/>
+            <a:off x="858285" y="496502"/>
             <a:ext cx="589823" cy="341697"/>
           </a:xfrm>
           <a:prstGeom prst="bentConnector2">
@@ -5119,8 +4987,8 @@
         </p:nvCxnSpPr>
         <p:spPr>
           <a:xfrm rot="16200000" flipH="1">
-            <a:off x="2532645" y="2296041"/>
-            <a:ext cx="554704" cy="174673"/>
+            <a:off x="2059186" y="1083804"/>
+            <a:ext cx="334416" cy="910007"/>
           </a:xfrm>
           <a:prstGeom prst="bentConnector2">
             <a:avLst/>
@@ -5155,17 +5023,19 @@
           <p:cNvCxnSpPr>
             <a:cxnSpLocks/>
             <a:stCxn id="16" idx="3"/>
-            <a:endCxn id="3" idx="3"/>
+            <a:endCxn id="3" idx="2"/>
           </p:cNvCxnSpPr>
           <p:nvPr/>
         </p:nvCxnSpPr>
         <p:spPr>
           <a:xfrm rot="5400000">
-            <a:off x="4592058" y="1083775"/>
-            <a:ext cx="804221" cy="1684672"/>
-          </a:xfrm>
-          <a:prstGeom prst="bentConnector2">
-            <a:avLst/>
+            <a:off x="5128595" y="-831870"/>
+            <a:ext cx="627683" cy="3907596"/>
+          </a:xfrm>
+          <a:prstGeom prst="bentConnector3">
+            <a:avLst>
+              <a:gd name="adj1" fmla="val 112390"/>
+            </a:avLst>
           </a:prstGeom>
           <a:ln w="6350">
             <a:solidFill>
@@ -5191,143 +5061,6 @@
           </a:fontRef>
         </p:style>
       </p:cxnSp>
-      <p:cxnSp>
-        <p:nvCxnSpPr>
-          <p:cNvPr id="137" name="Elbow Connector 136"/>
-          <p:cNvCxnSpPr>
-            <a:cxnSpLocks/>
-            <a:stCxn id="36" idx="2"/>
-            <a:endCxn id="52" idx="1"/>
-          </p:cNvCxnSpPr>
-          <p:nvPr/>
-        </p:nvCxnSpPr>
-        <p:spPr>
-          <a:xfrm rot="16200000" flipH="1">
-            <a:off x="3855011" y="3828884"/>
-            <a:ext cx="101934" cy="749371"/>
-          </a:xfrm>
-          <a:prstGeom prst="bentConnector2">
-            <a:avLst/>
-          </a:prstGeom>
-          <a:ln w="19050">
-            <a:solidFill>
-              <a:schemeClr val="accent3"/>
-            </a:solidFill>
-            <a:headEnd type="none" w="med" len="med"/>
-            <a:tailEnd type="arrow" w="med" len="med"/>
-          </a:ln>
-          <a:effectLst/>
-        </p:spPr>
-        <p:style>
-          <a:lnRef idx="1">
-            <a:schemeClr val="accent2"/>
-          </a:lnRef>
-          <a:fillRef idx="2">
-            <a:schemeClr val="accent2"/>
-          </a:fillRef>
-          <a:effectRef idx="1">
-            <a:schemeClr val="accent2"/>
-          </a:effectRef>
-          <a:fontRef idx="minor">
-            <a:schemeClr val="dk1"/>
-          </a:fontRef>
-        </p:style>
-      </p:cxnSp>
-      <p:cxnSp>
-        <p:nvCxnSpPr>
-          <p:cNvPr id="140" name="Elbow Connector 63"/>
-          <p:cNvCxnSpPr>
-            <a:cxnSpLocks/>
-            <a:stCxn id="16" idx="3"/>
-            <a:endCxn id="36" idx="3"/>
-          </p:cNvCxnSpPr>
-          <p:nvPr/>
-        </p:nvCxnSpPr>
-        <p:spPr>
-          <a:xfrm rot="5400000">
-            <a:off x="3744923" y="1942602"/>
-            <a:ext cx="2510182" cy="1672980"/>
-          </a:xfrm>
-          <a:prstGeom prst="bentConnector2">
-            <a:avLst/>
-          </a:prstGeom>
-          <a:ln w="6350">
-            <a:solidFill>
-              <a:schemeClr val="accent3"/>
-            </a:solidFill>
-            <a:headEnd type="none" w="med" len="med"/>
-            <a:tailEnd type="none" w="med" len="med"/>
-          </a:ln>
-          <a:effectLst/>
-        </p:spPr>
-        <p:style>
-          <a:lnRef idx="1">
-            <a:schemeClr val="accent2"/>
-          </a:lnRef>
-          <a:fillRef idx="2">
-            <a:schemeClr val="accent2"/>
-          </a:fillRef>
-          <a:effectRef idx="1">
-            <a:schemeClr val="accent2"/>
-          </a:effectRef>
-          <a:fontRef idx="minor">
-            <a:schemeClr val="dk1"/>
-          </a:fontRef>
-        </p:style>
-      </p:cxnSp>
-      <p:sp>
-        <p:nvSpPr>
-          <p:cNvPr id="143" name="Rectangle 142"/>
-          <p:cNvSpPr/>
-          <p:nvPr/>
-        </p:nvSpPr>
-        <p:spPr>
-          <a:xfrm>
-            <a:off x="5728583" y="1577336"/>
-            <a:ext cx="229325" cy="166560"/>
-          </a:xfrm>
-          <a:prstGeom prst="rect">
-            <a:avLst/>
-          </a:prstGeom>
-          <a:solidFill>
-            <a:schemeClr val="accent3">
-              <a:lumMod val="20000"/>
-              <a:lumOff val="80000"/>
-              <a:alpha val="80000"/>
-            </a:schemeClr>
-          </a:solidFill>
-          <a:ln>
-            <a:noFill/>
-          </a:ln>
-          <a:effectLst>
-            <a:softEdge rad="31750"/>
-          </a:effectLst>
-        </p:spPr>
-        <p:style>
-          <a:lnRef idx="2">
-            <a:schemeClr val="accent1">
-              <a:shade val="50000"/>
-            </a:schemeClr>
-          </a:lnRef>
-          <a:fillRef idx="1">
-            <a:schemeClr val="accent1"/>
-          </a:fillRef>
-          <a:effectRef idx="0">
-            <a:schemeClr val="accent1"/>
-          </a:effectRef>
-          <a:fontRef idx="minor">
-            <a:schemeClr val="lt1"/>
-          </a:fontRef>
-        </p:style>
-        <p:txBody>
-          <a:bodyPr rtlCol="0" anchor="ctr"/>
-          <a:lstStyle/>
-          <a:p>
-            <a:pPr algn="ctr"/>
-            <a:endParaRPr lang="en-SG"/>
-          </a:p>
-        </p:txBody>
-      </p:sp>
       <p:sp>
         <p:nvSpPr>
           <p:cNvPr id="116" name="Freeform 115"/>
@@ -5336,8 +5069,8 @@
         </p:nvSpPr>
         <p:spPr>
           <a:xfrm>
-            <a:off x="3493012" y="1643682"/>
-            <a:ext cx="3537529" cy="45719"/>
+            <a:off x="2544847" y="914400"/>
+            <a:ext cx="5786477" cy="58925"/>
           </a:xfrm>
           <a:custGeom>
             <a:avLst/>
@@ -5465,14 +5198,20 @@
       </p:sp>
       <p:sp>
         <p:nvSpPr>
-          <p:cNvPr id="118" name="Freeform 117"/>
+          <p:cNvPr id="45" name="Freeform 117">
+            <a:extLst>
+              <a:ext uri="{FF2B5EF4-FFF2-40B4-BE49-F238E27FC236}">
+                <a16:creationId xmlns:a16="http://schemas.microsoft.com/office/drawing/2014/main" id="{07A19E23-C4A7-4A7D-9549-AE5EB1EB8940}"/>
+              </a:ext>
+            </a:extLst>
+          </p:cNvPr>
           <p:cNvSpPr/>
           <p:nvPr/>
         </p:nvSpPr>
         <p:spPr>
           <a:xfrm flipV="1">
-            <a:off x="4421334" y="4396510"/>
-            <a:ext cx="2642195" cy="101600"/>
+            <a:off x="5726658" y="2327518"/>
+            <a:ext cx="2604360" cy="140996"/>
           </a:xfrm>
           <a:custGeom>
             <a:avLst/>
@@ -5547,10 +5286,10 @@
       </p:sp>
       <p:sp>
         <p:nvSpPr>
-          <p:cNvPr id="42" name="Rectangle 11">
+          <p:cNvPr id="48" name="Freeform 117">
             <a:extLst>
               <a:ext uri="{FF2B5EF4-FFF2-40B4-BE49-F238E27FC236}">
-                <a16:creationId xmlns:a16="http://schemas.microsoft.com/office/drawing/2014/main" id="{93275EE9-C2B9-422D-9421-63CBC62A18E4}"/>
+                <a16:creationId xmlns:a16="http://schemas.microsoft.com/office/drawing/2014/main" id="{A5F759FE-52CA-423A-A4E8-77CB6F4F5A5B}"/>
               </a:ext>
             </a:extLst>
           </p:cNvPr>
@@ -5558,75 +5297,9 @@
           <p:nvPr/>
         </p:nvSpPr>
         <p:spPr>
-          <a:xfrm>
-            <a:off x="4283752" y="3119337"/>
-            <a:ext cx="1274954" cy="230829"/>
-          </a:xfrm>
-          <a:prstGeom prst="rect">
-            <a:avLst/>
-          </a:prstGeom>
-          <a:ln w="19050">
-            <a:solidFill>
-              <a:schemeClr val="accent3"/>
-            </a:solidFill>
-          </a:ln>
-          <a:effectLst/>
-        </p:spPr>
-        <p:style>
-          <a:lnRef idx="1">
-            <a:schemeClr val="accent3"/>
-          </a:lnRef>
-          <a:fillRef idx="2">
-            <a:schemeClr val="accent3"/>
-          </a:fillRef>
-          <a:effectRef idx="1">
-            <a:schemeClr val="accent3"/>
-          </a:effectRef>
-          <a:fontRef idx="minor">
-            <a:schemeClr val="dk1"/>
-          </a:fontRef>
-        </p:style>
-        <p:txBody>
-          <a:bodyPr rtlCol="0" anchor="ctr"/>
-          <a:lstStyle/>
-          <a:p>
-            <a:pPr algn="ctr"/>
-            <a:r>
-              <a:rPr lang="en-US" sz="1050" b="1" dirty="0">
-                <a:solidFill>
-                  <a:schemeClr val="accent3">
-                    <a:lumMod val="75000"/>
-                  </a:schemeClr>
-                </a:solidFill>
-              </a:rPr>
-              <a:t>TableCard</a:t>
-            </a:r>
-            <a:endParaRPr lang="en-SG" sz="1050" b="1" dirty="0">
-              <a:solidFill>
-                <a:schemeClr val="accent3">
-                  <a:lumMod val="75000"/>
-                </a:schemeClr>
-              </a:solidFill>
-            </a:endParaRPr>
-          </a:p>
-        </p:txBody>
-      </p:sp>
-      <p:sp>
-        <p:nvSpPr>
-          <p:cNvPr id="45" name="Freeform 117">
-            <a:extLst>
-              <a:ext uri="{FF2B5EF4-FFF2-40B4-BE49-F238E27FC236}">
-                <a16:creationId xmlns:a16="http://schemas.microsoft.com/office/drawing/2014/main" id="{07A19E23-C4A7-4A7D-9549-AE5EB1EB8940}"/>
-              </a:ext>
-            </a:extLst>
-          </p:cNvPr>
-          <p:cNvSpPr/>
-          <p:nvPr/>
-        </p:nvSpPr>
-        <p:spPr>
           <a:xfrm flipV="1">
-            <a:off x="4421334" y="3363244"/>
-            <a:ext cx="2642195" cy="101600"/>
+            <a:off x="5752864" y="2825175"/>
+            <a:ext cx="2588149" cy="176739"/>
           </a:xfrm>
           <a:custGeom>
             <a:avLst/>
@@ -5699,12 +5372,108 @@
           </a:p>
         </p:txBody>
       </p:sp>
-      <p:sp>
-        <p:nvSpPr>
-          <p:cNvPr id="46" name="Rectangle 11">
+      <p:cxnSp>
+        <p:nvCxnSpPr>
+          <p:cNvPr id="54" name="Elbow Connector 136">
             <a:extLst>
               <a:ext uri="{FF2B5EF4-FFF2-40B4-BE49-F238E27FC236}">
-                <a16:creationId xmlns:a16="http://schemas.microsoft.com/office/drawing/2014/main" id="{CF41DF3E-BFEE-446C-AD0E-7A6DA7A36889}"/>
+                <a16:creationId xmlns:a16="http://schemas.microsoft.com/office/drawing/2014/main" id="{5A1C362D-D0D2-4BE7-8125-B31F0A7D7C40}"/>
+              </a:ext>
+            </a:extLst>
+          </p:cNvPr>
+          <p:cNvCxnSpPr>
+            <a:cxnSpLocks/>
+            <a:stCxn id="34" idx="2"/>
+            <a:endCxn id="239" idx="1"/>
+          </p:cNvCxnSpPr>
+          <p:nvPr/>
+        </p:nvCxnSpPr>
+        <p:spPr>
+          <a:xfrm rot="16200000" flipH="1">
+            <a:off x="4426657" y="1228464"/>
+            <a:ext cx="78461" cy="1962617"/>
+          </a:xfrm>
+          <a:prstGeom prst="bentConnector2">
+            <a:avLst/>
+          </a:prstGeom>
+          <a:ln w="19050">
+            <a:solidFill>
+              <a:schemeClr val="accent3"/>
+            </a:solidFill>
+            <a:headEnd type="none" w="med" len="med"/>
+            <a:tailEnd type="arrow" w="med" len="med"/>
+          </a:ln>
+          <a:effectLst/>
+        </p:spPr>
+        <p:style>
+          <a:lnRef idx="1">
+            <a:schemeClr val="accent2"/>
+          </a:lnRef>
+          <a:fillRef idx="2">
+            <a:schemeClr val="accent2"/>
+          </a:fillRef>
+          <a:effectRef idx="1">
+            <a:schemeClr val="accent2"/>
+          </a:effectRef>
+          <a:fontRef idx="minor">
+            <a:schemeClr val="dk1"/>
+          </a:fontRef>
+        </p:style>
+      </p:cxnSp>
+      <p:cxnSp>
+        <p:nvCxnSpPr>
+          <p:cNvPr id="55" name="Elbow Connector 136">
+            <a:extLst>
+              <a:ext uri="{FF2B5EF4-FFF2-40B4-BE49-F238E27FC236}">
+                <a16:creationId xmlns:a16="http://schemas.microsoft.com/office/drawing/2014/main" id="{125553B7-4DAF-44A8-B43F-E765662E772E}"/>
+              </a:ext>
+            </a:extLst>
+          </p:cNvPr>
+          <p:cNvCxnSpPr>
+            <a:cxnSpLocks/>
+            <a:stCxn id="85" idx="2"/>
+            <a:endCxn id="238" idx="1"/>
+          </p:cNvCxnSpPr>
+          <p:nvPr/>
+        </p:nvCxnSpPr>
+        <p:spPr>
+          <a:xfrm rot="16200000" flipH="1">
+            <a:off x="4414339" y="1753329"/>
+            <a:ext cx="100614" cy="1951406"/>
+          </a:xfrm>
+          <a:prstGeom prst="bentConnector2">
+            <a:avLst/>
+          </a:prstGeom>
+          <a:ln w="19050">
+            <a:solidFill>
+              <a:schemeClr val="accent3"/>
+            </a:solidFill>
+            <a:headEnd type="none" w="med" len="med"/>
+            <a:tailEnd type="arrow" w="med" len="med"/>
+          </a:ln>
+          <a:effectLst/>
+        </p:spPr>
+        <p:style>
+          <a:lnRef idx="1">
+            <a:schemeClr val="accent2"/>
+          </a:lnRef>
+          <a:fillRef idx="2">
+            <a:schemeClr val="accent2"/>
+          </a:fillRef>
+          <a:effectRef idx="1">
+            <a:schemeClr val="accent2"/>
+          </a:effectRef>
+          <a:fontRef idx="minor">
+            <a:schemeClr val="dk1"/>
+          </a:fontRef>
+        </p:style>
+      </p:cxnSp>
+      <p:sp>
+        <p:nvSpPr>
+          <p:cNvPr id="85" name="Rectangle 11">
+            <a:extLst>
+              <a:ext uri="{FF2B5EF4-FFF2-40B4-BE49-F238E27FC236}">
+                <a16:creationId xmlns:a16="http://schemas.microsoft.com/office/drawing/2014/main" id="{C3EDF5F5-0B9A-4EC0-BFD0-5772AB173BAE}"/>
               </a:ext>
             </a:extLst>
           </p:cNvPr>
@@ -5713,8 +5482,8 @@
         </p:nvSpPr>
         <p:spPr>
           <a:xfrm>
-            <a:off x="4283752" y="3561235"/>
-            <a:ext cx="1274955" cy="230829"/>
+            <a:off x="2702982" y="2431146"/>
+            <a:ext cx="1571921" cy="247579"/>
           </a:xfrm>
           <a:prstGeom prst="rect">
             <a:avLst/>
@@ -5746,14 +5515,14 @@
           <a:p>
             <a:pPr algn="ctr"/>
             <a:r>
-              <a:rPr lang="en-US" sz="1050" b="1">
+              <a:rPr lang="en-US" sz="1050" b="1" dirty="0" err="1">
                 <a:solidFill>
                   <a:schemeClr val="accent3">
                     <a:lumMod val="75000"/>
                   </a:schemeClr>
                 </a:solidFill>
               </a:rPr>
-              <a:t>StatsCard</a:t>
+              <a:t>TableFlowPanel</a:t>
             </a:r>
             <a:endParaRPr lang="en-SG" sz="1050" b="1" dirty="0">
               <a:solidFill>
@@ -5765,12 +5534,60 @@
           </a:p>
         </p:txBody>
       </p:sp>
-      <p:sp>
-        <p:nvSpPr>
-          <p:cNvPr id="48" name="Freeform 117">
+      <p:cxnSp>
+        <p:nvCxnSpPr>
+          <p:cNvPr id="92" name="Elbow Connector 63">
             <a:extLst>
               <a:ext uri="{FF2B5EF4-FFF2-40B4-BE49-F238E27FC236}">
-                <a16:creationId xmlns:a16="http://schemas.microsoft.com/office/drawing/2014/main" id="{A5F759FE-52CA-423A-A4E8-77CB6F4F5A5B}"/>
+                <a16:creationId xmlns:a16="http://schemas.microsoft.com/office/drawing/2014/main" id="{18D81F03-E483-46FA-B8C6-7780BD6E5D61}"/>
+              </a:ext>
+            </a:extLst>
+          </p:cNvPr>
+          <p:cNvCxnSpPr>
+            <a:cxnSpLocks/>
+            <a:stCxn id="39" idx="2"/>
+            <a:endCxn id="85" idx="1"/>
+          </p:cNvCxnSpPr>
+          <p:nvPr/>
+        </p:nvCxnSpPr>
+        <p:spPr>
+          <a:xfrm rot="16200000" flipH="1">
+            <a:off x="1645518" y="1497472"/>
+            <a:ext cx="1183336" cy="931591"/>
+          </a:xfrm>
+          <a:prstGeom prst="bentConnector2">
+            <a:avLst/>
+          </a:prstGeom>
+          <a:ln w="19050">
+            <a:solidFill>
+              <a:schemeClr val="accent3"/>
+            </a:solidFill>
+            <a:headEnd type="none" w="med" len="med"/>
+            <a:tailEnd type="arrow" w="med" len="med"/>
+          </a:ln>
+          <a:effectLst/>
+        </p:spPr>
+        <p:style>
+          <a:lnRef idx="1">
+            <a:schemeClr val="accent2"/>
+          </a:lnRef>
+          <a:fillRef idx="2">
+            <a:schemeClr val="accent2"/>
+          </a:fillRef>
+          <a:effectRef idx="1">
+            <a:schemeClr val="accent2"/>
+          </a:effectRef>
+          <a:fontRef idx="minor">
+            <a:schemeClr val="dk1"/>
+          </a:fontRef>
+        </p:style>
+      </p:cxnSp>
+      <p:sp>
+        <p:nvSpPr>
+          <p:cNvPr id="93" name="Rectangle 11">
+            <a:extLst>
+              <a:ext uri="{FF2B5EF4-FFF2-40B4-BE49-F238E27FC236}">
+                <a16:creationId xmlns:a16="http://schemas.microsoft.com/office/drawing/2014/main" id="{E92BEE96-F82B-471A-AE47-9BBF5440458F}"/>
               </a:ext>
             </a:extLst>
           </p:cNvPr>
@@ -5778,9 +5595,1145 @@
           <p:nvPr/>
         </p:nvSpPr>
         <p:spPr>
+          <a:xfrm>
+            <a:off x="2673003" y="5486400"/>
+            <a:ext cx="1604097" cy="230631"/>
+          </a:xfrm>
+          <a:prstGeom prst="rect">
+            <a:avLst/>
+          </a:prstGeom>
+          <a:ln w="19050">
+            <a:solidFill>
+              <a:schemeClr val="accent3"/>
+            </a:solidFill>
+          </a:ln>
+          <a:effectLst/>
+        </p:spPr>
+        <p:style>
+          <a:lnRef idx="1">
+            <a:schemeClr val="accent3"/>
+          </a:lnRef>
+          <a:fillRef idx="2">
+            <a:schemeClr val="accent3"/>
+          </a:fillRef>
+          <a:effectRef idx="1">
+            <a:schemeClr val="accent3"/>
+          </a:effectRef>
+          <a:fontRef idx="minor">
+            <a:schemeClr val="dk1"/>
+          </a:fontRef>
+        </p:style>
+        <p:txBody>
+          <a:bodyPr rtlCol="0" anchor="ctr"/>
+          <a:lstStyle/>
+          <a:p>
+            <a:pPr algn="ctr"/>
+            <a:r>
+              <a:rPr lang="en-US" sz="1050" b="1" dirty="0" err="1">
+                <a:solidFill>
+                  <a:schemeClr val="accent3">
+                    <a:lumMod val="75000"/>
+                  </a:schemeClr>
+                </a:solidFill>
+              </a:rPr>
+              <a:t>StatisticsFlowPanel</a:t>
+            </a:r>
+            <a:endParaRPr lang="en-SG" sz="1050" b="1" dirty="0">
+              <a:solidFill>
+                <a:schemeClr val="accent3">
+                  <a:lumMod val="75000"/>
+                </a:schemeClr>
+              </a:solidFill>
+            </a:endParaRPr>
+          </a:p>
+        </p:txBody>
+      </p:sp>
+      <p:sp>
+        <p:nvSpPr>
+          <p:cNvPr id="105" name="Rectangle 11">
+            <a:extLst>
+              <a:ext uri="{FF2B5EF4-FFF2-40B4-BE49-F238E27FC236}">
+                <a16:creationId xmlns:a16="http://schemas.microsoft.com/office/drawing/2014/main" id="{557A4EA9-6E95-4E05-8D2A-6BCCE49D546F}"/>
+              </a:ext>
+            </a:extLst>
+          </p:cNvPr>
+          <p:cNvSpPr/>
+          <p:nvPr/>
+        </p:nvSpPr>
+        <p:spPr>
+          <a:xfrm>
+            <a:off x="2677444" y="4419600"/>
+            <a:ext cx="1583943" cy="228600"/>
+          </a:xfrm>
+          <a:prstGeom prst="rect">
+            <a:avLst/>
+          </a:prstGeom>
+          <a:ln w="19050">
+            <a:solidFill>
+              <a:schemeClr val="accent3"/>
+            </a:solidFill>
+          </a:ln>
+          <a:effectLst/>
+        </p:spPr>
+        <p:style>
+          <a:lnRef idx="1">
+            <a:schemeClr val="accent3"/>
+          </a:lnRef>
+          <a:fillRef idx="2">
+            <a:schemeClr val="accent3"/>
+          </a:fillRef>
+          <a:effectRef idx="1">
+            <a:schemeClr val="accent3"/>
+          </a:effectRef>
+          <a:fontRef idx="minor">
+            <a:schemeClr val="dk1"/>
+          </a:fontRef>
+        </p:style>
+        <p:txBody>
+          <a:bodyPr rtlCol="0" anchor="ctr"/>
+          <a:lstStyle/>
+          <a:p>
+            <a:pPr algn="ctr"/>
+            <a:r>
+              <a:rPr lang="en-US" sz="1050" b="1" dirty="0" err="1">
+                <a:solidFill>
+                  <a:schemeClr val="accent3">
+                    <a:lumMod val="75000"/>
+                  </a:schemeClr>
+                </a:solidFill>
+              </a:rPr>
+              <a:t>BillPanel</a:t>
+            </a:r>
+            <a:endParaRPr lang="en-SG" sz="1050" b="1" dirty="0">
+              <a:solidFill>
+                <a:schemeClr val="accent3">
+                  <a:lumMod val="75000"/>
+                </a:schemeClr>
+              </a:solidFill>
+            </a:endParaRPr>
+          </a:p>
+        </p:txBody>
+      </p:sp>
+      <p:cxnSp>
+        <p:nvCxnSpPr>
+          <p:cNvPr id="186" name="Elbow Connector 63">
+            <a:extLst>
+              <a:ext uri="{FF2B5EF4-FFF2-40B4-BE49-F238E27FC236}">
+                <a16:creationId xmlns:a16="http://schemas.microsoft.com/office/drawing/2014/main" id="{4817D36C-CB6A-4B14-885E-1F5FCC59BD57}"/>
+              </a:ext>
+            </a:extLst>
+          </p:cNvPr>
+          <p:cNvCxnSpPr>
+            <a:cxnSpLocks/>
+            <a:stCxn id="16" idx="3"/>
+            <a:endCxn id="105" idx="3"/>
+          </p:cNvCxnSpPr>
+          <p:nvPr/>
+        </p:nvCxnSpPr>
+        <p:spPr>
+          <a:xfrm rot="5400000">
+            <a:off x="3965905" y="1103570"/>
+            <a:ext cx="3725813" cy="3134847"/>
+          </a:xfrm>
+          <a:prstGeom prst="bentConnector2">
+            <a:avLst/>
+          </a:prstGeom>
+          <a:ln w="6350">
+            <a:solidFill>
+              <a:schemeClr val="accent3"/>
+            </a:solidFill>
+            <a:headEnd type="none" w="med" len="med"/>
+            <a:tailEnd type="none" w="med" len="med"/>
+          </a:ln>
+          <a:effectLst/>
+        </p:spPr>
+        <p:style>
+          <a:lnRef idx="1">
+            <a:schemeClr val="accent2"/>
+          </a:lnRef>
+          <a:fillRef idx="2">
+            <a:schemeClr val="accent2"/>
+          </a:fillRef>
+          <a:effectRef idx="1">
+            <a:schemeClr val="accent2"/>
+          </a:effectRef>
+          <a:fontRef idx="minor">
+            <a:schemeClr val="dk1"/>
+          </a:fontRef>
+        </p:style>
+      </p:cxnSp>
+      <p:cxnSp>
+        <p:nvCxnSpPr>
+          <p:cNvPr id="189" name="Elbow Connector 63">
+            <a:extLst>
+              <a:ext uri="{FF2B5EF4-FFF2-40B4-BE49-F238E27FC236}">
+                <a16:creationId xmlns:a16="http://schemas.microsoft.com/office/drawing/2014/main" id="{2B1E7F3B-0ABC-4F02-9C61-11217F7B11F7}"/>
+              </a:ext>
+            </a:extLst>
+          </p:cNvPr>
+          <p:cNvCxnSpPr>
+            <a:cxnSpLocks/>
+            <a:stCxn id="39" idx="2"/>
+            <a:endCxn id="105" idx="1"/>
+          </p:cNvCxnSpPr>
+          <p:nvPr/>
+        </p:nvCxnSpPr>
+        <p:spPr>
+          <a:xfrm rot="16200000" flipH="1">
+            <a:off x="643267" y="2499723"/>
+            <a:ext cx="3162300" cy="906053"/>
+          </a:xfrm>
+          <a:prstGeom prst="bentConnector2">
+            <a:avLst/>
+          </a:prstGeom>
+          <a:ln w="19050">
+            <a:solidFill>
+              <a:schemeClr val="accent3"/>
+            </a:solidFill>
+            <a:headEnd type="none" w="med" len="med"/>
+            <a:tailEnd type="arrow" w="med" len="med"/>
+          </a:ln>
+          <a:effectLst/>
+        </p:spPr>
+        <p:style>
+          <a:lnRef idx="1">
+            <a:schemeClr val="accent2"/>
+          </a:lnRef>
+          <a:fillRef idx="2">
+            <a:schemeClr val="accent2"/>
+          </a:fillRef>
+          <a:effectRef idx="1">
+            <a:schemeClr val="accent2"/>
+          </a:effectRef>
+          <a:fontRef idx="minor">
+            <a:schemeClr val="dk1"/>
+          </a:fontRef>
+        </p:style>
+      </p:cxnSp>
+      <p:sp>
+        <p:nvSpPr>
+          <p:cNvPr id="238" name="Rectangle 11">
+            <a:extLst>
+              <a:ext uri="{FF2B5EF4-FFF2-40B4-BE49-F238E27FC236}">
+                <a16:creationId xmlns:a16="http://schemas.microsoft.com/office/drawing/2014/main" id="{0CCFDB88-F73F-476C-AA5F-AD1309D87FA2}"/>
+              </a:ext>
+            </a:extLst>
+          </p:cNvPr>
+          <p:cNvSpPr/>
+          <p:nvPr/>
+        </p:nvSpPr>
+        <p:spPr>
+          <a:xfrm>
+            <a:off x="5440349" y="2638345"/>
+            <a:ext cx="1591912" cy="281987"/>
+          </a:xfrm>
+          <a:prstGeom prst="rect">
+            <a:avLst/>
+          </a:prstGeom>
+          <a:ln w="19050">
+            <a:solidFill>
+              <a:schemeClr val="accent3"/>
+            </a:solidFill>
+          </a:ln>
+          <a:effectLst/>
+        </p:spPr>
+        <p:style>
+          <a:lnRef idx="1">
+            <a:schemeClr val="accent3"/>
+          </a:lnRef>
+          <a:fillRef idx="2">
+            <a:schemeClr val="accent3"/>
+          </a:fillRef>
+          <a:effectRef idx="1">
+            <a:schemeClr val="accent3"/>
+          </a:effectRef>
+          <a:fontRef idx="minor">
+            <a:schemeClr val="dk1"/>
+          </a:fontRef>
+        </p:style>
+        <p:txBody>
+          <a:bodyPr rtlCol="0" anchor="ctr"/>
+          <a:lstStyle/>
+          <a:p>
+            <a:pPr algn="ctr"/>
+            <a:r>
+              <a:rPr lang="en-US" sz="1050" b="1" dirty="0" err="1">
+                <a:solidFill>
+                  <a:schemeClr val="accent3">
+                    <a:lumMod val="75000"/>
+                  </a:schemeClr>
+                </a:solidFill>
+              </a:rPr>
+              <a:t>TableCard</a:t>
+            </a:r>
+            <a:endParaRPr lang="en-SG" sz="1050" b="1" dirty="0">
+              <a:solidFill>
+                <a:schemeClr val="accent3">
+                  <a:lumMod val="75000"/>
+                </a:schemeClr>
+              </a:solidFill>
+            </a:endParaRPr>
+          </a:p>
+        </p:txBody>
+      </p:sp>
+      <p:sp>
+        <p:nvSpPr>
+          <p:cNvPr id="239" name="Rectangle 11">
+            <a:extLst>
+              <a:ext uri="{FF2B5EF4-FFF2-40B4-BE49-F238E27FC236}">
+                <a16:creationId xmlns:a16="http://schemas.microsoft.com/office/drawing/2014/main" id="{322B0B19-1502-41EE-90C0-63DF0C4212D9}"/>
+              </a:ext>
+            </a:extLst>
+          </p:cNvPr>
+          <p:cNvSpPr/>
+          <p:nvPr/>
+        </p:nvSpPr>
+        <p:spPr>
+          <a:xfrm>
+            <a:off x="5447196" y="2107336"/>
+            <a:ext cx="1585065" cy="283335"/>
+          </a:xfrm>
+          <a:prstGeom prst="rect">
+            <a:avLst/>
+          </a:prstGeom>
+          <a:ln w="19050">
+            <a:solidFill>
+              <a:schemeClr val="accent3"/>
+            </a:solidFill>
+          </a:ln>
+          <a:effectLst/>
+        </p:spPr>
+        <p:style>
+          <a:lnRef idx="1">
+            <a:schemeClr val="accent3"/>
+          </a:lnRef>
+          <a:fillRef idx="2">
+            <a:schemeClr val="accent3"/>
+          </a:fillRef>
+          <a:effectRef idx="1">
+            <a:schemeClr val="accent3"/>
+          </a:effectRef>
+          <a:fontRef idx="minor">
+            <a:schemeClr val="dk1"/>
+          </a:fontRef>
+        </p:style>
+        <p:txBody>
+          <a:bodyPr rtlCol="0" anchor="ctr"/>
+          <a:lstStyle/>
+          <a:p>
+            <a:pPr algn="ctr"/>
+            <a:r>
+              <a:rPr lang="en-US" sz="1050" b="1" dirty="0" err="1">
+                <a:solidFill>
+                  <a:schemeClr val="accent3">
+                    <a:lumMod val="75000"/>
+                  </a:schemeClr>
+                </a:solidFill>
+              </a:rPr>
+              <a:t>OrderItemCard</a:t>
+            </a:r>
+            <a:endParaRPr lang="en-SG" sz="1050" b="1" dirty="0">
+              <a:solidFill>
+                <a:schemeClr val="accent3">
+                  <a:lumMod val="75000"/>
+                </a:schemeClr>
+              </a:solidFill>
+            </a:endParaRPr>
+          </a:p>
+        </p:txBody>
+      </p:sp>
+      <p:sp>
+        <p:nvSpPr>
+          <p:cNvPr id="243" name="Rectangle 11">
+            <a:extLst>
+              <a:ext uri="{FF2B5EF4-FFF2-40B4-BE49-F238E27FC236}">
+                <a16:creationId xmlns:a16="http://schemas.microsoft.com/office/drawing/2014/main" id="{72AA3FF6-BB33-4CB5-8BD7-6553507AE728}"/>
+              </a:ext>
+            </a:extLst>
+          </p:cNvPr>
+          <p:cNvSpPr/>
+          <p:nvPr/>
+        </p:nvSpPr>
+        <p:spPr>
+          <a:xfrm>
+            <a:off x="2708344" y="2925713"/>
+            <a:ext cx="1563805" cy="328325"/>
+          </a:xfrm>
+          <a:prstGeom prst="rect">
+            <a:avLst/>
+          </a:prstGeom>
+          <a:ln w="19050">
+            <a:solidFill>
+              <a:schemeClr val="accent3"/>
+            </a:solidFill>
+          </a:ln>
+          <a:effectLst/>
+        </p:spPr>
+        <p:style>
+          <a:lnRef idx="1">
+            <a:schemeClr val="accent3"/>
+          </a:lnRef>
+          <a:fillRef idx="2">
+            <a:schemeClr val="accent3"/>
+          </a:fillRef>
+          <a:effectRef idx="1">
+            <a:schemeClr val="accent3"/>
+          </a:effectRef>
+          <a:fontRef idx="minor">
+            <a:schemeClr val="dk1"/>
+          </a:fontRef>
+        </p:style>
+        <p:txBody>
+          <a:bodyPr rtlCol="0" anchor="ctr"/>
+          <a:lstStyle/>
+          <a:p>
+            <a:pPr algn="ctr"/>
+            <a:r>
+              <a:rPr lang="en-US" sz="1050" b="1" dirty="0" err="1">
+                <a:solidFill>
+                  <a:schemeClr val="accent3">
+                    <a:lumMod val="75000"/>
+                  </a:schemeClr>
+                </a:solidFill>
+              </a:rPr>
+              <a:t>MenuItemFlowPanel</a:t>
+            </a:r>
+            <a:endParaRPr lang="en-SG" sz="1050" b="1" dirty="0">
+              <a:solidFill>
+                <a:schemeClr val="accent3">
+                  <a:lumMod val="75000"/>
+                </a:schemeClr>
+              </a:solidFill>
+            </a:endParaRPr>
+          </a:p>
+        </p:txBody>
+      </p:sp>
+      <p:sp>
+        <p:nvSpPr>
+          <p:cNvPr id="246" name="Rectangle 11">
+            <a:extLst>
+              <a:ext uri="{FF2B5EF4-FFF2-40B4-BE49-F238E27FC236}">
+                <a16:creationId xmlns:a16="http://schemas.microsoft.com/office/drawing/2014/main" id="{47A45DE4-02E9-4216-B5C3-DE366F2B26A3}"/>
+              </a:ext>
+            </a:extLst>
+          </p:cNvPr>
+          <p:cNvSpPr/>
+          <p:nvPr/>
+        </p:nvSpPr>
+        <p:spPr>
+          <a:xfrm>
+            <a:off x="2696343" y="3507996"/>
+            <a:ext cx="1586560" cy="305100"/>
+          </a:xfrm>
+          <a:prstGeom prst="rect">
+            <a:avLst/>
+          </a:prstGeom>
+          <a:ln w="19050">
+            <a:solidFill>
+              <a:schemeClr val="accent3"/>
+            </a:solidFill>
+          </a:ln>
+          <a:effectLst/>
+        </p:spPr>
+        <p:style>
+          <a:lnRef idx="1">
+            <a:schemeClr val="accent3"/>
+          </a:lnRef>
+          <a:fillRef idx="2">
+            <a:schemeClr val="accent3"/>
+          </a:fillRef>
+          <a:effectRef idx="1">
+            <a:schemeClr val="accent3"/>
+          </a:effectRef>
+          <a:fontRef idx="minor">
+            <a:schemeClr val="dk1"/>
+          </a:fontRef>
+        </p:style>
+        <p:txBody>
+          <a:bodyPr rtlCol="0" anchor="ctr"/>
+          <a:lstStyle/>
+          <a:p>
+            <a:pPr algn="ctr"/>
+            <a:r>
+              <a:rPr lang="en-US" sz="1050" b="1" dirty="0" err="1">
+                <a:solidFill>
+                  <a:schemeClr val="accent3">
+                    <a:lumMod val="75000"/>
+                  </a:schemeClr>
+                </a:solidFill>
+              </a:rPr>
+              <a:t>MenuListPanel</a:t>
+            </a:r>
+            <a:endParaRPr lang="en-SG" sz="1050" b="1" dirty="0">
+              <a:solidFill>
+                <a:schemeClr val="accent3">
+                  <a:lumMod val="75000"/>
+                </a:schemeClr>
+              </a:solidFill>
+            </a:endParaRPr>
+          </a:p>
+        </p:txBody>
+      </p:sp>
+      <p:sp>
+        <p:nvSpPr>
+          <p:cNvPr id="247" name="Rectangle 11">
+            <a:extLst>
+              <a:ext uri="{FF2B5EF4-FFF2-40B4-BE49-F238E27FC236}">
+                <a16:creationId xmlns:a16="http://schemas.microsoft.com/office/drawing/2014/main" id="{6F4AF6F8-0600-4B76-8610-44C85CFCA376}"/>
+              </a:ext>
+            </a:extLst>
+          </p:cNvPr>
+          <p:cNvSpPr/>
+          <p:nvPr/>
+        </p:nvSpPr>
+        <p:spPr>
+          <a:xfrm>
+            <a:off x="2708344" y="3977258"/>
+            <a:ext cx="1553043" cy="289942"/>
+          </a:xfrm>
+          <a:prstGeom prst="rect">
+            <a:avLst/>
+          </a:prstGeom>
+          <a:ln w="19050">
+            <a:solidFill>
+              <a:schemeClr val="accent3"/>
+            </a:solidFill>
+          </a:ln>
+          <a:effectLst/>
+        </p:spPr>
+        <p:style>
+          <a:lnRef idx="1">
+            <a:schemeClr val="accent3"/>
+          </a:lnRef>
+          <a:fillRef idx="2">
+            <a:schemeClr val="accent3"/>
+          </a:fillRef>
+          <a:effectRef idx="1">
+            <a:schemeClr val="accent3"/>
+          </a:effectRef>
+          <a:fontRef idx="minor">
+            <a:schemeClr val="dk1"/>
+          </a:fontRef>
+        </p:style>
+        <p:txBody>
+          <a:bodyPr rtlCol="0" anchor="ctr"/>
+          <a:lstStyle/>
+          <a:p>
+            <a:pPr algn="ctr"/>
+            <a:r>
+              <a:rPr lang="en-US" sz="1050" b="1" dirty="0" err="1">
+                <a:solidFill>
+                  <a:schemeClr val="accent3">
+                    <a:lumMod val="75000"/>
+                  </a:schemeClr>
+                </a:solidFill>
+              </a:rPr>
+              <a:t>PopularMenuListPanel</a:t>
+            </a:r>
+            <a:endParaRPr lang="en-SG" sz="1050" b="1" dirty="0">
+              <a:solidFill>
+                <a:schemeClr val="accent3">
+                  <a:lumMod val="75000"/>
+                </a:schemeClr>
+              </a:solidFill>
+            </a:endParaRPr>
+          </a:p>
+        </p:txBody>
+      </p:sp>
+      <p:cxnSp>
+        <p:nvCxnSpPr>
+          <p:cNvPr id="253" name="Elbow Connector 63">
+            <a:extLst>
+              <a:ext uri="{FF2B5EF4-FFF2-40B4-BE49-F238E27FC236}">
+                <a16:creationId xmlns:a16="http://schemas.microsoft.com/office/drawing/2014/main" id="{CD323D01-5F2D-40F6-892F-AFE1E579F8E2}"/>
+              </a:ext>
+            </a:extLst>
+          </p:cNvPr>
+          <p:cNvCxnSpPr>
+            <a:cxnSpLocks/>
+            <a:stCxn id="39" idx="2"/>
+            <a:endCxn id="243" idx="1"/>
+          </p:cNvCxnSpPr>
+          <p:nvPr/>
+        </p:nvCxnSpPr>
+        <p:spPr>
+          <a:xfrm rot="16200000" flipH="1">
+            <a:off x="1380729" y="1762261"/>
+            <a:ext cx="1718276" cy="936953"/>
+          </a:xfrm>
+          <a:prstGeom prst="bentConnector2">
+            <a:avLst/>
+          </a:prstGeom>
+          <a:ln w="19050">
+            <a:solidFill>
+              <a:schemeClr val="accent3"/>
+            </a:solidFill>
+            <a:headEnd type="none" w="med" len="med"/>
+            <a:tailEnd type="arrow" w="med" len="med"/>
+          </a:ln>
+          <a:effectLst/>
+        </p:spPr>
+        <p:style>
+          <a:lnRef idx="1">
+            <a:schemeClr val="accent2"/>
+          </a:lnRef>
+          <a:fillRef idx="2">
+            <a:schemeClr val="accent2"/>
+          </a:fillRef>
+          <a:effectRef idx="1">
+            <a:schemeClr val="accent2"/>
+          </a:effectRef>
+          <a:fontRef idx="minor">
+            <a:schemeClr val="dk1"/>
+          </a:fontRef>
+        </p:style>
+      </p:cxnSp>
+      <p:cxnSp>
+        <p:nvCxnSpPr>
+          <p:cNvPr id="256" name="Elbow Connector 63">
+            <a:extLst>
+              <a:ext uri="{FF2B5EF4-FFF2-40B4-BE49-F238E27FC236}">
+                <a16:creationId xmlns:a16="http://schemas.microsoft.com/office/drawing/2014/main" id="{67FBEB2C-FABE-4506-B256-F931F6597970}"/>
+              </a:ext>
+            </a:extLst>
+          </p:cNvPr>
+          <p:cNvCxnSpPr>
+            <a:cxnSpLocks/>
+            <a:stCxn id="39" idx="2"/>
+            <a:endCxn id="246" idx="1"/>
+          </p:cNvCxnSpPr>
+          <p:nvPr/>
+        </p:nvCxnSpPr>
+        <p:spPr>
+          <a:xfrm rot="16200000" flipH="1">
+            <a:off x="1089394" y="2053597"/>
+            <a:ext cx="2288946" cy="924952"/>
+          </a:xfrm>
+          <a:prstGeom prst="bentConnector2">
+            <a:avLst/>
+          </a:prstGeom>
+          <a:ln w="19050">
+            <a:solidFill>
+              <a:schemeClr val="accent3"/>
+            </a:solidFill>
+            <a:headEnd type="none" w="med" len="med"/>
+            <a:tailEnd type="arrow" w="med" len="med"/>
+          </a:ln>
+          <a:effectLst/>
+        </p:spPr>
+        <p:style>
+          <a:lnRef idx="1">
+            <a:schemeClr val="accent2"/>
+          </a:lnRef>
+          <a:fillRef idx="2">
+            <a:schemeClr val="accent2"/>
+          </a:fillRef>
+          <a:effectRef idx="1">
+            <a:schemeClr val="accent2"/>
+          </a:effectRef>
+          <a:fontRef idx="minor">
+            <a:schemeClr val="dk1"/>
+          </a:fontRef>
+        </p:style>
+      </p:cxnSp>
+      <p:cxnSp>
+        <p:nvCxnSpPr>
+          <p:cNvPr id="259" name="Elbow Connector 63">
+            <a:extLst>
+              <a:ext uri="{FF2B5EF4-FFF2-40B4-BE49-F238E27FC236}">
+                <a16:creationId xmlns:a16="http://schemas.microsoft.com/office/drawing/2014/main" id="{9E7612D7-4993-4445-A8B1-7803430F3002}"/>
+              </a:ext>
+            </a:extLst>
+          </p:cNvPr>
+          <p:cNvCxnSpPr>
+            <a:cxnSpLocks/>
+            <a:stCxn id="39" idx="2"/>
+            <a:endCxn id="247" idx="1"/>
+          </p:cNvCxnSpPr>
+          <p:nvPr/>
+        </p:nvCxnSpPr>
+        <p:spPr>
+          <a:xfrm rot="16200000" flipH="1">
+            <a:off x="864553" y="2278437"/>
+            <a:ext cx="2750629" cy="936953"/>
+          </a:xfrm>
+          <a:prstGeom prst="bentConnector2">
+            <a:avLst/>
+          </a:prstGeom>
+          <a:ln w="19050">
+            <a:solidFill>
+              <a:schemeClr val="accent3"/>
+            </a:solidFill>
+            <a:headEnd type="none" w="med" len="med"/>
+            <a:tailEnd type="arrow" w="med" len="med"/>
+          </a:ln>
+          <a:effectLst/>
+        </p:spPr>
+        <p:style>
+          <a:lnRef idx="1">
+            <a:schemeClr val="accent2"/>
+          </a:lnRef>
+          <a:fillRef idx="2">
+            <a:schemeClr val="accent2"/>
+          </a:fillRef>
+          <a:effectRef idx="1">
+            <a:schemeClr val="accent2"/>
+          </a:effectRef>
+          <a:fontRef idx="minor">
+            <a:schemeClr val="dk1"/>
+          </a:fontRef>
+        </p:style>
+      </p:cxnSp>
+      <p:cxnSp>
+        <p:nvCxnSpPr>
+          <p:cNvPr id="262" name="Elbow Connector 63">
+            <a:extLst>
+              <a:ext uri="{FF2B5EF4-FFF2-40B4-BE49-F238E27FC236}">
+                <a16:creationId xmlns:a16="http://schemas.microsoft.com/office/drawing/2014/main" id="{9A6AC780-0938-4899-83CB-69343BFC240B}"/>
+              </a:ext>
+            </a:extLst>
+          </p:cNvPr>
+          <p:cNvCxnSpPr>
+            <a:cxnSpLocks/>
+            <a:stCxn id="39" idx="2"/>
+            <a:endCxn id="93" idx="1"/>
+          </p:cNvCxnSpPr>
+          <p:nvPr/>
+        </p:nvCxnSpPr>
+        <p:spPr>
+          <a:xfrm rot="16200000" flipH="1">
+            <a:off x="107139" y="3035852"/>
+            <a:ext cx="4230116" cy="901612"/>
+          </a:xfrm>
+          <a:prstGeom prst="bentConnector2">
+            <a:avLst/>
+          </a:prstGeom>
+          <a:ln w="19050">
+            <a:solidFill>
+              <a:schemeClr val="accent3"/>
+            </a:solidFill>
+            <a:headEnd type="none" w="med" len="med"/>
+            <a:tailEnd type="arrow" w="med" len="med"/>
+          </a:ln>
+          <a:effectLst/>
+        </p:spPr>
+        <p:style>
+          <a:lnRef idx="1">
+            <a:schemeClr val="accent2"/>
+          </a:lnRef>
+          <a:fillRef idx="2">
+            <a:schemeClr val="accent2"/>
+          </a:fillRef>
+          <a:effectRef idx="1">
+            <a:schemeClr val="accent2"/>
+          </a:effectRef>
+          <a:fontRef idx="minor">
+            <a:schemeClr val="dk1"/>
+          </a:fontRef>
+        </p:style>
+      </p:cxnSp>
+      <p:cxnSp>
+        <p:nvCxnSpPr>
+          <p:cNvPr id="282" name="Elbow Connector 136">
+            <a:extLst>
+              <a:ext uri="{FF2B5EF4-FFF2-40B4-BE49-F238E27FC236}">
+                <a16:creationId xmlns:a16="http://schemas.microsoft.com/office/drawing/2014/main" id="{494B3B67-9945-49B9-BF10-74276DE35E9C}"/>
+              </a:ext>
+            </a:extLst>
+          </p:cNvPr>
+          <p:cNvCxnSpPr>
+            <a:cxnSpLocks/>
+            <a:stCxn id="93" idx="0"/>
+            <a:endCxn id="226" idx="1"/>
+          </p:cNvCxnSpPr>
+          <p:nvPr/>
+        </p:nvCxnSpPr>
+        <p:spPr>
+          <a:xfrm rot="5400000" flipH="1" flipV="1">
+            <a:off x="4350058" y="4382260"/>
+            <a:ext cx="229135" cy="1979146"/>
+          </a:xfrm>
+          <a:prstGeom prst="bentConnector2">
+            <a:avLst/>
+          </a:prstGeom>
+          <a:ln w="19050">
+            <a:solidFill>
+              <a:schemeClr val="accent3"/>
+            </a:solidFill>
+            <a:headEnd type="none" w="med" len="med"/>
+            <a:tailEnd type="arrow" w="med" len="med"/>
+          </a:ln>
+          <a:effectLst/>
+        </p:spPr>
+        <p:style>
+          <a:lnRef idx="1">
+            <a:schemeClr val="accent2"/>
+          </a:lnRef>
+          <a:fillRef idx="2">
+            <a:schemeClr val="accent2"/>
+          </a:fillRef>
+          <a:effectRef idx="1">
+            <a:schemeClr val="accent2"/>
+          </a:effectRef>
+          <a:fontRef idx="minor">
+            <a:schemeClr val="dk1"/>
+          </a:fontRef>
+        </p:style>
+      </p:cxnSp>
+      <p:cxnSp>
+        <p:nvCxnSpPr>
+          <p:cNvPr id="289" name="Elbow Connector 136">
+            <a:extLst>
+              <a:ext uri="{FF2B5EF4-FFF2-40B4-BE49-F238E27FC236}">
+                <a16:creationId xmlns:a16="http://schemas.microsoft.com/office/drawing/2014/main" id="{0CD3730A-366E-4E98-B779-D16D22FBB15D}"/>
+              </a:ext>
+            </a:extLst>
+          </p:cNvPr>
+          <p:cNvCxnSpPr>
+            <a:cxnSpLocks/>
+            <a:stCxn id="227" idx="1"/>
+            <a:endCxn id="81" idx="1"/>
+          </p:cNvCxnSpPr>
+          <p:nvPr/>
+        </p:nvCxnSpPr>
+        <p:spPr>
+          <a:xfrm rot="10800000">
+            <a:off x="5446816" y="4782566"/>
+            <a:ext cx="7383" cy="894322"/>
+          </a:xfrm>
+          <a:prstGeom prst="bentConnector3">
+            <a:avLst>
+              <a:gd name="adj1" fmla="val 8175918"/>
+            </a:avLst>
+          </a:prstGeom>
+          <a:ln w="19050">
+            <a:solidFill>
+              <a:schemeClr val="accent3"/>
+            </a:solidFill>
+            <a:headEnd type="arrow" w="med" len="med"/>
+            <a:tailEnd type="arrow" w="med" len="med"/>
+          </a:ln>
+          <a:effectLst/>
+        </p:spPr>
+        <p:style>
+          <a:lnRef idx="1">
+            <a:schemeClr val="accent2"/>
+          </a:lnRef>
+          <a:fillRef idx="2">
+            <a:schemeClr val="accent2"/>
+          </a:fillRef>
+          <a:effectRef idx="1">
+            <a:schemeClr val="accent2"/>
+          </a:effectRef>
+          <a:fontRef idx="minor">
+            <a:schemeClr val="dk1"/>
+          </a:fontRef>
+        </p:style>
+      </p:cxnSp>
+      <p:cxnSp>
+        <p:nvCxnSpPr>
+          <p:cNvPr id="317" name="Elbow Connector 63">
+            <a:extLst>
+              <a:ext uri="{FF2B5EF4-FFF2-40B4-BE49-F238E27FC236}">
+                <a16:creationId xmlns:a16="http://schemas.microsoft.com/office/drawing/2014/main" id="{83E83CCD-8152-405C-B225-69F90FC2722D}"/>
+              </a:ext>
+            </a:extLst>
+          </p:cNvPr>
+          <p:cNvCxnSpPr>
+            <a:cxnSpLocks/>
+            <a:stCxn id="16" idx="3"/>
+            <a:endCxn id="227" idx="3"/>
+          </p:cNvCxnSpPr>
+          <p:nvPr/>
+        </p:nvCxnSpPr>
+        <p:spPr>
+          <a:xfrm rot="5400000">
+            <a:off x="4786710" y="3067363"/>
+            <a:ext cx="4868801" cy="350248"/>
+          </a:xfrm>
+          <a:prstGeom prst="bentConnector2">
+            <a:avLst/>
+          </a:prstGeom>
+          <a:ln w="6350">
+            <a:solidFill>
+              <a:schemeClr val="accent3"/>
+            </a:solidFill>
+            <a:headEnd type="none" w="med" len="med"/>
+            <a:tailEnd type="none" w="med" len="med"/>
+          </a:ln>
+          <a:effectLst/>
+        </p:spPr>
+        <p:style>
+          <a:lnRef idx="1">
+            <a:schemeClr val="accent2"/>
+          </a:lnRef>
+          <a:fillRef idx="2">
+            <a:schemeClr val="accent2"/>
+          </a:fillRef>
+          <a:effectRef idx="1">
+            <a:schemeClr val="accent2"/>
+          </a:effectRef>
+          <a:fontRef idx="minor">
+            <a:schemeClr val="dk1"/>
+          </a:fontRef>
+        </p:style>
+      </p:cxnSp>
+      <p:cxnSp>
+        <p:nvCxnSpPr>
+          <p:cNvPr id="320" name="Elbow Connector 63">
+            <a:extLst>
+              <a:ext uri="{FF2B5EF4-FFF2-40B4-BE49-F238E27FC236}">
+                <a16:creationId xmlns:a16="http://schemas.microsoft.com/office/drawing/2014/main" id="{5E23CEB9-D0EF-4AEE-81D4-4362973C75DC}"/>
+              </a:ext>
+            </a:extLst>
+          </p:cNvPr>
+          <p:cNvCxnSpPr>
+            <a:cxnSpLocks/>
+            <a:stCxn id="16" idx="3"/>
+            <a:endCxn id="226" idx="3"/>
+          </p:cNvCxnSpPr>
+          <p:nvPr/>
+        </p:nvCxnSpPr>
+        <p:spPr>
+          <a:xfrm rot="5400000">
+            <a:off x="4996521" y="2857552"/>
+            <a:ext cx="4449178" cy="350249"/>
+          </a:xfrm>
+          <a:prstGeom prst="bentConnector2">
+            <a:avLst/>
+          </a:prstGeom>
+          <a:ln w="6350">
+            <a:solidFill>
+              <a:schemeClr val="accent3"/>
+            </a:solidFill>
+            <a:headEnd type="none" w="med" len="med"/>
+            <a:tailEnd type="none" w="med" len="med"/>
+          </a:ln>
+          <a:effectLst/>
+        </p:spPr>
+        <p:style>
+          <a:lnRef idx="1">
+            <a:schemeClr val="accent2"/>
+          </a:lnRef>
+          <a:fillRef idx="2">
+            <a:schemeClr val="accent2"/>
+          </a:fillRef>
+          <a:effectRef idx="1">
+            <a:schemeClr val="accent2"/>
+          </a:effectRef>
+          <a:fontRef idx="minor">
+            <a:schemeClr val="dk1"/>
+          </a:fontRef>
+        </p:style>
+      </p:cxnSp>
+      <p:cxnSp>
+        <p:nvCxnSpPr>
+          <p:cNvPr id="323" name="Elbow Connector 63">
+            <a:extLst>
+              <a:ext uri="{FF2B5EF4-FFF2-40B4-BE49-F238E27FC236}">
+                <a16:creationId xmlns:a16="http://schemas.microsoft.com/office/drawing/2014/main" id="{462A5438-9907-4A45-916F-7095D4005230}"/>
+              </a:ext>
+            </a:extLst>
+          </p:cNvPr>
+          <p:cNvCxnSpPr>
+            <a:cxnSpLocks/>
+            <a:stCxn id="16" idx="3"/>
+            <a:endCxn id="81" idx="3"/>
+          </p:cNvCxnSpPr>
+          <p:nvPr/>
+        </p:nvCxnSpPr>
+        <p:spPr>
+          <a:xfrm rot="5400000">
+            <a:off x="5232169" y="2618500"/>
+            <a:ext cx="3974479" cy="353652"/>
+          </a:xfrm>
+          <a:prstGeom prst="bentConnector2">
+            <a:avLst/>
+          </a:prstGeom>
+          <a:ln w="6350">
+            <a:solidFill>
+              <a:schemeClr val="accent3"/>
+            </a:solidFill>
+            <a:headEnd type="none" w="med" len="med"/>
+            <a:tailEnd type="none" w="med" len="med"/>
+          </a:ln>
+          <a:effectLst/>
+        </p:spPr>
+        <p:style>
+          <a:lnRef idx="1">
+            <a:schemeClr val="accent2"/>
+          </a:lnRef>
+          <a:fillRef idx="2">
+            <a:schemeClr val="accent2"/>
+          </a:fillRef>
+          <a:effectRef idx="1">
+            <a:schemeClr val="accent2"/>
+          </a:effectRef>
+          <a:fontRef idx="minor">
+            <a:schemeClr val="dk1"/>
+          </a:fontRef>
+        </p:style>
+      </p:cxnSp>
+      <p:cxnSp>
+        <p:nvCxnSpPr>
+          <p:cNvPr id="326" name="Elbow Connector 63">
+            <a:extLst>
+              <a:ext uri="{FF2B5EF4-FFF2-40B4-BE49-F238E27FC236}">
+                <a16:creationId xmlns:a16="http://schemas.microsoft.com/office/drawing/2014/main" id="{B806FF3F-C41C-42DE-9695-1CB793FE4CAB}"/>
+              </a:ext>
+            </a:extLst>
+          </p:cNvPr>
+          <p:cNvCxnSpPr>
+            <a:cxnSpLocks/>
+            <a:stCxn id="16" idx="3"/>
+            <a:endCxn id="237" idx="3"/>
+          </p:cNvCxnSpPr>
+          <p:nvPr/>
+        </p:nvCxnSpPr>
+        <p:spPr>
+          <a:xfrm rot="5400000">
+            <a:off x="5937996" y="1898321"/>
+            <a:ext cx="2548473" cy="368005"/>
+          </a:xfrm>
+          <a:prstGeom prst="bentConnector2">
+            <a:avLst/>
+          </a:prstGeom>
+          <a:ln w="6350">
+            <a:solidFill>
+              <a:schemeClr val="accent3"/>
+            </a:solidFill>
+            <a:headEnd type="none" w="med" len="med"/>
+            <a:tailEnd type="none" w="med" len="med"/>
+          </a:ln>
+          <a:effectLst/>
+        </p:spPr>
+        <p:style>
+          <a:lnRef idx="1">
+            <a:schemeClr val="accent2"/>
+          </a:lnRef>
+          <a:fillRef idx="2">
+            <a:schemeClr val="accent2"/>
+          </a:fillRef>
+          <a:effectRef idx="1">
+            <a:schemeClr val="accent2"/>
+          </a:effectRef>
+          <a:fontRef idx="minor">
+            <a:schemeClr val="dk1"/>
+          </a:fontRef>
+        </p:style>
+      </p:cxnSp>
+      <p:cxnSp>
+        <p:nvCxnSpPr>
+          <p:cNvPr id="342" name="Elbow Connector 63">
+            <a:extLst>
+              <a:ext uri="{FF2B5EF4-FFF2-40B4-BE49-F238E27FC236}">
+                <a16:creationId xmlns:a16="http://schemas.microsoft.com/office/drawing/2014/main" id="{EB895C31-9270-461E-A97C-8E35CE3DAA10}"/>
+              </a:ext>
+            </a:extLst>
+          </p:cNvPr>
+          <p:cNvCxnSpPr>
+            <a:cxnSpLocks/>
+            <a:stCxn id="16" idx="3"/>
+            <a:endCxn id="238" idx="3"/>
+          </p:cNvCxnSpPr>
+          <p:nvPr/>
+        </p:nvCxnSpPr>
+        <p:spPr>
+          <a:xfrm rot="5400000">
+            <a:off x="6228622" y="1611727"/>
+            <a:ext cx="1971252" cy="363973"/>
+          </a:xfrm>
+          <a:prstGeom prst="bentConnector2">
+            <a:avLst/>
+          </a:prstGeom>
+          <a:ln w="6350">
+            <a:solidFill>
+              <a:schemeClr val="accent3"/>
+            </a:solidFill>
+            <a:headEnd type="none" w="med" len="med"/>
+            <a:tailEnd type="none" w="med" len="med"/>
+          </a:ln>
+          <a:effectLst/>
+        </p:spPr>
+        <p:style>
+          <a:lnRef idx="1">
+            <a:schemeClr val="accent2"/>
+          </a:lnRef>
+          <a:fillRef idx="2">
+            <a:schemeClr val="accent2"/>
+          </a:fillRef>
+          <a:effectRef idx="1">
+            <a:schemeClr val="accent2"/>
+          </a:effectRef>
+          <a:fontRef idx="minor">
+            <a:schemeClr val="dk1"/>
+          </a:fontRef>
+        </p:style>
+      </p:cxnSp>
+      <p:cxnSp>
+        <p:nvCxnSpPr>
+          <p:cNvPr id="345" name="Elbow Connector 63">
+            <a:extLst>
+              <a:ext uri="{FF2B5EF4-FFF2-40B4-BE49-F238E27FC236}">
+                <a16:creationId xmlns:a16="http://schemas.microsoft.com/office/drawing/2014/main" id="{861C14FF-977A-49B5-A819-A875F15D9D17}"/>
+              </a:ext>
+            </a:extLst>
+          </p:cNvPr>
+          <p:cNvCxnSpPr>
+            <a:cxnSpLocks/>
+            <a:stCxn id="16" idx="3"/>
+            <a:endCxn id="239" idx="3"/>
+          </p:cNvCxnSpPr>
+          <p:nvPr/>
+        </p:nvCxnSpPr>
+        <p:spPr>
+          <a:xfrm rot="5400000">
+            <a:off x="6493790" y="1346559"/>
+            <a:ext cx="1440917" cy="363973"/>
+          </a:xfrm>
+          <a:prstGeom prst="bentConnector2">
+            <a:avLst/>
+          </a:prstGeom>
+          <a:ln w="6350">
+            <a:solidFill>
+              <a:schemeClr val="accent3"/>
+            </a:solidFill>
+            <a:headEnd type="none" w="med" len="med"/>
+            <a:tailEnd type="none" w="med" len="med"/>
+          </a:ln>
+          <a:effectLst/>
+        </p:spPr>
+        <p:style>
+          <a:lnRef idx="1">
+            <a:schemeClr val="accent2"/>
+          </a:lnRef>
+          <a:fillRef idx="2">
+            <a:schemeClr val="accent2"/>
+          </a:fillRef>
+          <a:effectRef idx="1">
+            <a:schemeClr val="accent2"/>
+          </a:effectRef>
+          <a:fontRef idx="minor">
+            <a:schemeClr val="dk1"/>
+          </a:fontRef>
+        </p:style>
+      </p:cxnSp>
+      <p:sp>
+        <p:nvSpPr>
+          <p:cNvPr id="364" name="Freeform 117">
+            <a:extLst>
+              <a:ext uri="{FF2B5EF4-FFF2-40B4-BE49-F238E27FC236}">
+                <a16:creationId xmlns:a16="http://schemas.microsoft.com/office/drawing/2014/main" id="{224F70B3-6C2F-43BD-89E8-75CE26AA7457}"/>
+              </a:ext>
+            </a:extLst>
+          </p:cNvPr>
+          <p:cNvSpPr/>
+          <p:nvPr/>
+        </p:nvSpPr>
+        <p:spPr>
           <a:xfrm flipV="1">
-            <a:off x="4421334" y="3786994"/>
-            <a:ext cx="2642195" cy="101600"/>
+            <a:off x="5752864" y="3411060"/>
+            <a:ext cx="2588149" cy="176739"/>
           </a:xfrm>
           <a:custGeom>
             <a:avLst/>
@@ -5853,60 +6806,12 @@
           </a:p>
         </p:txBody>
       </p:sp>
-      <p:cxnSp>
-        <p:nvCxnSpPr>
-          <p:cNvPr id="49" name="Elbow Connector 63">
+      <p:sp>
+        <p:nvSpPr>
+          <p:cNvPr id="237" name="Rectangle 11">
             <a:extLst>
               <a:ext uri="{FF2B5EF4-FFF2-40B4-BE49-F238E27FC236}">
-                <a16:creationId xmlns:a16="http://schemas.microsoft.com/office/drawing/2014/main" id="{D729A16D-6DF1-4745-81BF-08712270C5A9}"/>
-              </a:ext>
-            </a:extLst>
-          </p:cNvPr>
-          <p:cNvCxnSpPr>
-            <a:cxnSpLocks/>
-            <a:stCxn id="16" idx="3"/>
-            <a:endCxn id="42" idx="3"/>
-          </p:cNvCxnSpPr>
-          <p:nvPr/>
-        </p:nvCxnSpPr>
-        <p:spPr>
-          <a:xfrm rot="5400000">
-            <a:off x="4842230" y="2240477"/>
-            <a:ext cx="1710751" cy="277798"/>
-          </a:xfrm>
-          <a:prstGeom prst="bentConnector2">
-            <a:avLst/>
-          </a:prstGeom>
-          <a:ln w="6350">
-            <a:solidFill>
-              <a:schemeClr val="accent3"/>
-            </a:solidFill>
-            <a:headEnd type="none" w="med" len="med"/>
-            <a:tailEnd type="none" w="med" len="med"/>
-          </a:ln>
-          <a:effectLst/>
-        </p:spPr>
-        <p:style>
-          <a:lnRef idx="1">
-            <a:schemeClr val="accent2"/>
-          </a:lnRef>
-          <a:fillRef idx="2">
-            <a:schemeClr val="accent2"/>
-          </a:fillRef>
-          <a:effectRef idx="1">
-            <a:schemeClr val="accent2"/>
-          </a:effectRef>
-          <a:fontRef idx="minor">
-            <a:schemeClr val="dk1"/>
-          </a:fontRef>
-        </p:style>
-      </p:cxnSp>
-      <p:sp>
-        <p:nvSpPr>
-          <p:cNvPr id="51" name="Rectangle 11">
-            <a:extLst>
-              <a:ext uri="{FF2B5EF4-FFF2-40B4-BE49-F238E27FC236}">
-                <a16:creationId xmlns:a16="http://schemas.microsoft.com/office/drawing/2014/main" id="{55C6CD0E-EF3E-488F-BC5C-7DD4EAD4C902}"/>
+                <a16:creationId xmlns:a16="http://schemas.microsoft.com/office/drawing/2014/main" id="{056C86EB-14AB-49AF-B338-DE12B12644BC}"/>
               </a:ext>
             </a:extLst>
           </p:cNvPr>
@@ -5915,8 +6820,8 @@
         </p:nvSpPr>
         <p:spPr>
           <a:xfrm>
-            <a:off x="4287645" y="4589073"/>
-            <a:ext cx="1274955" cy="230829"/>
+            <a:off x="5444380" y="3224178"/>
+            <a:ext cx="1583849" cy="264763"/>
           </a:xfrm>
           <a:prstGeom prst="rect">
             <a:avLst/>
@@ -5955,7 +6860,7 @@
                   </a:schemeClr>
                 </a:solidFill>
               </a:rPr>
-              <a:t>MenuItemListCard</a:t>
+              <a:t>MenuItemCard</a:t>
             </a:r>
             <a:endParaRPr lang="en-SG" sz="1050" b="1" dirty="0">
               <a:solidFill>
@@ -5969,10 +6874,10 @@
       </p:sp>
       <p:sp>
         <p:nvSpPr>
-          <p:cNvPr id="52" name="Rectangle 11">
+          <p:cNvPr id="365" name="Freeform 117">
             <a:extLst>
               <a:ext uri="{FF2B5EF4-FFF2-40B4-BE49-F238E27FC236}">
-                <a16:creationId xmlns:a16="http://schemas.microsoft.com/office/drawing/2014/main" id="{8DEC7023-A1BB-441D-896A-AA4D0F2A9C58}"/>
+                <a16:creationId xmlns:a16="http://schemas.microsoft.com/office/drawing/2014/main" id="{4D22FF41-7FC1-421F-8077-2472A0FDCA68}"/>
               </a:ext>
             </a:extLst>
           </p:cNvPr>
@@ -5980,267 +6885,9 @@
           <p:nvPr/>
         </p:nvSpPr>
         <p:spPr>
-          <a:xfrm>
-            <a:off x="4280664" y="4139122"/>
-            <a:ext cx="1274955" cy="230829"/>
-          </a:xfrm>
-          <a:prstGeom prst="rect">
-            <a:avLst/>
-          </a:prstGeom>
-          <a:ln w="19050">
-            <a:solidFill>
-              <a:schemeClr val="accent3"/>
-            </a:solidFill>
-          </a:ln>
-          <a:effectLst/>
-        </p:spPr>
-        <p:style>
-          <a:lnRef idx="1">
-            <a:schemeClr val="accent3"/>
-          </a:lnRef>
-          <a:fillRef idx="2">
-            <a:schemeClr val="accent3"/>
-          </a:fillRef>
-          <a:effectRef idx="1">
-            <a:schemeClr val="accent3"/>
-          </a:effectRef>
-          <a:fontRef idx="minor">
-            <a:schemeClr val="dk1"/>
-          </a:fontRef>
-        </p:style>
-        <p:txBody>
-          <a:bodyPr rtlCol="0" anchor="ctr"/>
-          <a:lstStyle/>
-          <a:p>
-            <a:pPr algn="ctr"/>
-            <a:r>
-              <a:rPr lang="en-US" sz="1050" b="1" dirty="0" err="1">
-                <a:solidFill>
-                  <a:schemeClr val="accent3">
-                    <a:lumMod val="75000"/>
-                  </a:schemeClr>
-                </a:solidFill>
-              </a:rPr>
-              <a:t>OrderItemListCard</a:t>
-            </a:r>
-            <a:endParaRPr lang="en-SG" sz="1050" b="1" dirty="0">
-              <a:solidFill>
-                <a:schemeClr val="accent3">
-                  <a:lumMod val="75000"/>
-                </a:schemeClr>
-              </a:solidFill>
-            </a:endParaRPr>
-          </a:p>
-        </p:txBody>
-      </p:sp>
-      <p:cxnSp>
-        <p:nvCxnSpPr>
-          <p:cNvPr id="54" name="Elbow Connector 136">
-            <a:extLst>
-              <a:ext uri="{FF2B5EF4-FFF2-40B4-BE49-F238E27FC236}">
-                <a16:creationId xmlns:a16="http://schemas.microsoft.com/office/drawing/2014/main" id="{5A1C362D-D0D2-4BE7-8125-B31F0A7D7C40}"/>
-              </a:ext>
-            </a:extLst>
-          </p:cNvPr>
-          <p:cNvCxnSpPr>
-            <a:cxnSpLocks/>
-            <a:stCxn id="34" idx="2"/>
-            <a:endCxn id="42" idx="1"/>
-          </p:cNvCxnSpPr>
-          <p:nvPr/>
-        </p:nvCxnSpPr>
-        <p:spPr>
-          <a:xfrm rot="16200000" flipH="1">
-            <a:off x="3852652" y="2803651"/>
-            <a:ext cx="110551" cy="751650"/>
-          </a:xfrm>
-          <a:prstGeom prst="bentConnector2">
-            <a:avLst/>
-          </a:prstGeom>
-          <a:ln w="19050">
-            <a:solidFill>
-              <a:schemeClr val="accent3"/>
-            </a:solidFill>
-            <a:headEnd type="none" w="med" len="med"/>
-            <a:tailEnd type="arrow" w="med" len="med"/>
-          </a:ln>
-          <a:effectLst/>
-        </p:spPr>
-        <p:style>
-          <a:lnRef idx="1">
-            <a:schemeClr val="accent2"/>
-          </a:lnRef>
-          <a:fillRef idx="2">
-            <a:schemeClr val="accent2"/>
-          </a:fillRef>
-          <a:effectRef idx="1">
-            <a:schemeClr val="accent2"/>
-          </a:effectRef>
-          <a:fontRef idx="minor">
-            <a:schemeClr val="dk1"/>
-          </a:fontRef>
-        </p:style>
-      </p:cxnSp>
-      <p:cxnSp>
-        <p:nvCxnSpPr>
-          <p:cNvPr id="55" name="Elbow Connector 136">
-            <a:extLst>
-              <a:ext uri="{FF2B5EF4-FFF2-40B4-BE49-F238E27FC236}">
-                <a16:creationId xmlns:a16="http://schemas.microsoft.com/office/drawing/2014/main" id="{125553B7-4DAF-44A8-B43F-E765662E772E}"/>
-              </a:ext>
-            </a:extLst>
-          </p:cNvPr>
-          <p:cNvCxnSpPr>
-            <a:cxnSpLocks/>
-            <a:stCxn id="85" idx="2"/>
-            <a:endCxn id="46" idx="1"/>
-          </p:cNvCxnSpPr>
-          <p:nvPr/>
-        </p:nvCxnSpPr>
-        <p:spPr>
-          <a:xfrm rot="16200000" flipH="1">
-            <a:off x="3858411" y="3251308"/>
-            <a:ext cx="107907" cy="742775"/>
-          </a:xfrm>
-          <a:prstGeom prst="bentConnector2">
-            <a:avLst/>
-          </a:prstGeom>
-          <a:ln w="19050">
-            <a:solidFill>
-              <a:schemeClr val="accent3"/>
-            </a:solidFill>
-            <a:headEnd type="none" w="med" len="med"/>
-            <a:tailEnd type="arrow" w="med" len="med"/>
-          </a:ln>
-          <a:effectLst/>
-        </p:spPr>
-        <p:style>
-          <a:lnRef idx="1">
-            <a:schemeClr val="accent2"/>
-          </a:lnRef>
-          <a:fillRef idx="2">
-            <a:schemeClr val="accent2"/>
-          </a:fillRef>
-          <a:effectRef idx="1">
-            <a:schemeClr val="accent2"/>
-          </a:effectRef>
-          <a:fontRef idx="minor">
-            <a:schemeClr val="dk1"/>
-          </a:fontRef>
-        </p:style>
-      </p:cxnSp>
-      <p:cxnSp>
-        <p:nvCxnSpPr>
-          <p:cNvPr id="56" name="Elbow Connector 136">
-            <a:extLst>
-              <a:ext uri="{FF2B5EF4-FFF2-40B4-BE49-F238E27FC236}">
-                <a16:creationId xmlns:a16="http://schemas.microsoft.com/office/drawing/2014/main" id="{172C5460-9344-46BB-B3E6-5C357372E854}"/>
-              </a:ext>
-            </a:extLst>
-          </p:cNvPr>
-          <p:cNvCxnSpPr>
-            <a:cxnSpLocks/>
-            <a:stCxn id="57" idx="2"/>
-            <a:endCxn id="51" idx="1"/>
-          </p:cNvCxnSpPr>
-          <p:nvPr/>
-        </p:nvCxnSpPr>
-        <p:spPr>
-          <a:xfrm rot="16200000" flipH="1">
-            <a:off x="3853856" y="4270699"/>
-            <a:ext cx="118964" cy="748614"/>
-          </a:xfrm>
-          <a:prstGeom prst="bentConnector2">
-            <a:avLst/>
-          </a:prstGeom>
-          <a:ln w="19050">
-            <a:solidFill>
-              <a:schemeClr val="accent3"/>
-            </a:solidFill>
-            <a:headEnd type="none" w="med" len="med"/>
-            <a:tailEnd type="arrow" w="med" len="med"/>
-          </a:ln>
-          <a:effectLst/>
-        </p:spPr>
-        <p:style>
-          <a:lnRef idx="1">
-            <a:schemeClr val="accent2"/>
-          </a:lnRef>
-          <a:fillRef idx="2">
-            <a:schemeClr val="accent2"/>
-          </a:fillRef>
-          <a:effectRef idx="1">
-            <a:schemeClr val="accent2"/>
-          </a:effectRef>
-          <a:fontRef idx="minor">
-            <a:schemeClr val="dk1"/>
-          </a:fontRef>
-        </p:style>
-      </p:cxnSp>
-      <p:cxnSp>
-        <p:nvCxnSpPr>
-          <p:cNvPr id="59" name="Elbow Connector 63">
-            <a:extLst>
-              <a:ext uri="{FF2B5EF4-FFF2-40B4-BE49-F238E27FC236}">
-                <a16:creationId xmlns:a16="http://schemas.microsoft.com/office/drawing/2014/main" id="{A4E57D68-2F40-4A50-A623-C5C83666B367}"/>
-              </a:ext>
-            </a:extLst>
-          </p:cNvPr>
-          <p:cNvCxnSpPr>
-            <a:cxnSpLocks/>
-            <a:stCxn id="16" idx="3"/>
-            <a:endCxn id="46" idx="3"/>
-          </p:cNvCxnSpPr>
-          <p:nvPr/>
-        </p:nvCxnSpPr>
-        <p:spPr>
-          <a:xfrm rot="5400000">
-            <a:off x="4621282" y="2461427"/>
-            <a:ext cx="2152649" cy="277797"/>
-          </a:xfrm>
-          <a:prstGeom prst="bentConnector2">
-            <a:avLst/>
-          </a:prstGeom>
-          <a:ln w="6350">
-            <a:solidFill>
-              <a:schemeClr val="accent3"/>
-            </a:solidFill>
-            <a:headEnd type="none" w="med" len="med"/>
-            <a:tailEnd type="none" w="med" len="med"/>
-          </a:ln>
-          <a:effectLst/>
-        </p:spPr>
-        <p:style>
-          <a:lnRef idx="1">
-            <a:schemeClr val="accent2"/>
-          </a:lnRef>
-          <a:fillRef idx="2">
-            <a:schemeClr val="accent2"/>
-          </a:fillRef>
-          <a:effectRef idx="1">
-            <a:schemeClr val="accent2"/>
-          </a:effectRef>
-          <a:fontRef idx="minor">
-            <a:schemeClr val="dk1"/>
-          </a:fontRef>
-        </p:style>
-      </p:cxnSp>
-      <p:sp>
-        <p:nvSpPr>
-          <p:cNvPr id="70" name="Freeform 117">
-            <a:extLst>
-              <a:ext uri="{FF2B5EF4-FFF2-40B4-BE49-F238E27FC236}">
-                <a16:creationId xmlns:a16="http://schemas.microsoft.com/office/drawing/2014/main" id="{9219A4AD-9F36-4897-B46C-B8CC38C338E8}"/>
-              </a:ext>
-            </a:extLst>
-          </p:cNvPr>
-          <p:cNvSpPr/>
-          <p:nvPr/>
-        </p:nvSpPr>
-        <p:spPr>
           <a:xfrm flipV="1">
-            <a:off x="4421334" y="4819902"/>
-            <a:ext cx="2642195" cy="101600"/>
+            <a:off x="5752864" y="4828399"/>
+            <a:ext cx="2588149" cy="176739"/>
           </a:xfrm>
           <a:custGeom>
             <a:avLst/>
@@ -6313,60 +6960,12 @@
           </a:p>
         </p:txBody>
       </p:sp>
-      <p:cxnSp>
-        <p:nvCxnSpPr>
-          <p:cNvPr id="83" name="Elbow Connector 63">
+      <p:sp>
+        <p:nvSpPr>
+          <p:cNvPr id="81" name="Rectangle 11">
             <a:extLst>
               <a:ext uri="{FF2B5EF4-FFF2-40B4-BE49-F238E27FC236}">
-                <a16:creationId xmlns:a16="http://schemas.microsoft.com/office/drawing/2014/main" id="{A415BA0D-3B6A-42AD-B798-04580504534D}"/>
-              </a:ext>
-            </a:extLst>
-          </p:cNvPr>
-          <p:cNvCxnSpPr>
-            <a:cxnSpLocks/>
-            <a:stCxn id="16" idx="3"/>
-            <a:endCxn id="51" idx="3"/>
-          </p:cNvCxnSpPr>
-          <p:nvPr/>
-        </p:nvCxnSpPr>
-        <p:spPr>
-          <a:xfrm rot="5400000">
-            <a:off x="4109309" y="2977292"/>
-            <a:ext cx="3180487" cy="273904"/>
-          </a:xfrm>
-          <a:prstGeom prst="bentConnector2">
-            <a:avLst/>
-          </a:prstGeom>
-          <a:ln w="6350">
-            <a:solidFill>
-              <a:schemeClr val="accent3"/>
-            </a:solidFill>
-            <a:headEnd type="none" w="med" len="med"/>
-            <a:tailEnd type="none" w="med" len="med"/>
-          </a:ln>
-          <a:effectLst/>
-        </p:spPr>
-        <p:style>
-          <a:lnRef idx="1">
-            <a:schemeClr val="accent2"/>
-          </a:lnRef>
-          <a:fillRef idx="2">
-            <a:schemeClr val="accent2"/>
-          </a:fillRef>
-          <a:effectRef idx="1">
-            <a:schemeClr val="accent2"/>
-          </a:effectRef>
-          <a:fontRef idx="minor">
-            <a:schemeClr val="dk1"/>
-          </a:fontRef>
-        </p:style>
-      </p:cxnSp>
-      <p:sp>
-        <p:nvSpPr>
-          <p:cNvPr id="57" name="Rectangle 11">
-            <a:extLst>
-              <a:ext uri="{FF2B5EF4-FFF2-40B4-BE49-F238E27FC236}">
-                <a16:creationId xmlns:a16="http://schemas.microsoft.com/office/drawing/2014/main" id="{7C771CC9-4ADE-4720-A0A8-7B2F37E0F687}"/>
+                <a16:creationId xmlns:a16="http://schemas.microsoft.com/office/drawing/2014/main" id="{E3EC05C9-8682-4AEA-ACD7-523B64E2EF14}"/>
               </a:ext>
             </a:extLst>
           </p:cNvPr>
@@ -6375,8 +6974,8 @@
         </p:nvSpPr>
         <p:spPr>
           <a:xfrm>
-            <a:off x="2904044" y="4348683"/>
-            <a:ext cx="1269973" cy="236841"/>
+            <a:off x="5446815" y="4648200"/>
+            <a:ext cx="1595767" cy="268731"/>
           </a:xfrm>
           <a:prstGeom prst="rect">
             <a:avLst/>
@@ -6415,7 +7014,7 @@
                   </a:schemeClr>
                 </a:solidFill>
               </a:rPr>
-              <a:t>MenuListPanel</a:t>
+              <a:t>DailyStatisticsCard</a:t>
             </a:r>
             <a:endParaRPr lang="en-SG" sz="1050" b="1" dirty="0">
               <a:solidFill>
@@ -6427,34 +7026,66 @@
           </a:p>
         </p:txBody>
       </p:sp>
-      <p:cxnSp>
-        <p:nvCxnSpPr>
-          <p:cNvPr id="58" name="Elbow Connector 63">
+      <p:sp>
+        <p:nvSpPr>
+          <p:cNvPr id="366" name="Freeform 117">
             <a:extLst>
               <a:ext uri="{FF2B5EF4-FFF2-40B4-BE49-F238E27FC236}">
-                <a16:creationId xmlns:a16="http://schemas.microsoft.com/office/drawing/2014/main" id="{B68EFAD5-3CFD-4058-847C-84EE3C3F8822}"/>
+                <a16:creationId xmlns:a16="http://schemas.microsoft.com/office/drawing/2014/main" id="{EB89D904-DC19-4CB5-91CE-723D68508E37}"/>
               </a:ext>
             </a:extLst>
           </p:cNvPr>
-          <p:cNvCxnSpPr>
-            <a:cxnSpLocks/>
-            <a:stCxn id="39" idx="2"/>
-            <a:endCxn id="57" idx="1"/>
-          </p:cNvCxnSpPr>
+          <p:cNvSpPr/>
           <p:nvPr/>
-        </p:nvCxnSpPr>
-        <p:spPr>
-          <a:xfrm rot="16200000" flipH="1">
-            <a:off x="1632813" y="3195873"/>
-            <a:ext cx="2361078" cy="181383"/>
-          </a:xfrm>
-          <a:prstGeom prst="bentConnector2">
+        </p:nvSpPr>
+        <p:spPr>
+          <a:xfrm flipV="1">
+            <a:off x="5771202" y="5282227"/>
+            <a:ext cx="2588149" cy="176739"/>
+          </a:xfrm>
+          <a:custGeom>
             <a:avLst/>
-          </a:prstGeom>
+            <a:gdLst>
+              <a:gd name="connsiteX0" fmla="*/ 0 w 3048000"/>
+              <a:gd name="connsiteY0" fmla="*/ 203200 h 203200"/>
+              <a:gd name="connsiteX1" fmla="*/ 221673 w 3048000"/>
+              <a:gd name="connsiteY1" fmla="*/ 0 h 203200"/>
+              <a:gd name="connsiteX2" fmla="*/ 3048000 w 3048000"/>
+              <a:gd name="connsiteY2" fmla="*/ 0 h 203200"/>
+            </a:gdLst>
+            <a:ahLst/>
+            <a:cxnLst>
+              <a:cxn ang="0">
+                <a:pos x="connsiteX0" y="connsiteY0"/>
+              </a:cxn>
+              <a:cxn ang="0">
+                <a:pos x="connsiteX1" y="connsiteY1"/>
+              </a:cxn>
+              <a:cxn ang="0">
+                <a:pos x="connsiteX2" y="connsiteY2"/>
+              </a:cxn>
+            </a:cxnLst>
+            <a:rect l="l" t="t" r="r" b="b"/>
+            <a:pathLst>
+              <a:path w="3048000" h="203200">
+                <a:moveTo>
+                  <a:pt x="0" y="203200"/>
+                </a:moveTo>
+                <a:lnTo>
+                  <a:pt x="221673" y="0"/>
+                </a:lnTo>
+                <a:lnTo>
+                  <a:pt x="3048000" y="0"/>
+                </a:lnTo>
+              </a:path>
+            </a:pathLst>
+          </a:custGeom>
+          <a:noFill/>
           <a:ln w="19050">
             <a:solidFill>
               <a:schemeClr val="accent3"/>
             </a:solidFill>
+            <a:prstDash val="sysDot"/>
             <a:headEnd type="none" w="med" len="med"/>
             <a:tailEnd type="arrow" w="med" len="med"/>
           </a:ln>
@@ -6474,13 +7105,21 @@
             <a:schemeClr val="dk1"/>
           </a:fontRef>
         </p:style>
-      </p:cxnSp>
-      <p:sp>
-        <p:nvSpPr>
-          <p:cNvPr id="85" name="Rectangle 11">
+        <p:txBody>
+          <a:bodyPr rtlCol="0" anchor="ctr"/>
+          <a:lstStyle/>
+          <a:p>
+            <a:pPr algn="ctr"/>
+            <a:endParaRPr lang="en-SG"/>
+          </a:p>
+        </p:txBody>
+      </p:sp>
+      <p:sp>
+        <p:nvSpPr>
+          <p:cNvPr id="226" name="Rectangle 11">
             <a:extLst>
               <a:ext uri="{FF2B5EF4-FFF2-40B4-BE49-F238E27FC236}">
-                <a16:creationId xmlns:a16="http://schemas.microsoft.com/office/drawing/2014/main" id="{C3EDF5F5-0B9A-4EC0-BFD0-5772AB173BAE}"/>
+                <a16:creationId xmlns:a16="http://schemas.microsoft.com/office/drawing/2014/main" id="{49AD6FB9-54D7-451A-AF26-D94AC216CAEA}"/>
               </a:ext>
             </a:extLst>
           </p:cNvPr>
@@ -6489,8 +7128,8 @@
         </p:nvSpPr>
         <p:spPr>
           <a:xfrm>
-            <a:off x="2907938" y="3331902"/>
-            <a:ext cx="1266077" cy="236841"/>
+            <a:off x="5454198" y="5126866"/>
+            <a:ext cx="1591787" cy="260798"/>
           </a:xfrm>
           <a:prstGeom prst="rect">
             <a:avLst/>
@@ -6529,7 +7168,7 @@
                   </a:schemeClr>
                 </a:solidFill>
               </a:rPr>
-              <a:t>StatsBrowserPanel</a:t>
+              <a:t>MonthlyStatisticsCard</a:t>
             </a:r>
             <a:endParaRPr lang="en-SG" sz="1050" b="1" dirty="0">
               <a:solidFill>
@@ -6541,26 +7180,490 @@
           </a:p>
         </p:txBody>
       </p:sp>
+      <p:sp>
+        <p:nvSpPr>
+          <p:cNvPr id="367" name="Freeform 117">
+            <a:extLst>
+              <a:ext uri="{FF2B5EF4-FFF2-40B4-BE49-F238E27FC236}">
+                <a16:creationId xmlns:a16="http://schemas.microsoft.com/office/drawing/2014/main" id="{112155A0-76A9-437D-8D28-7CF82FE4EF9F}"/>
+              </a:ext>
+            </a:extLst>
+          </p:cNvPr>
+          <p:cNvSpPr/>
+          <p:nvPr/>
+        </p:nvSpPr>
+        <p:spPr>
+          <a:xfrm flipV="1">
+            <a:off x="5771202" y="5717031"/>
+            <a:ext cx="2588149" cy="176739"/>
+          </a:xfrm>
+          <a:custGeom>
+            <a:avLst/>
+            <a:gdLst>
+              <a:gd name="connsiteX0" fmla="*/ 0 w 3048000"/>
+              <a:gd name="connsiteY0" fmla="*/ 203200 h 203200"/>
+              <a:gd name="connsiteX1" fmla="*/ 221673 w 3048000"/>
+              <a:gd name="connsiteY1" fmla="*/ 0 h 203200"/>
+              <a:gd name="connsiteX2" fmla="*/ 3048000 w 3048000"/>
+              <a:gd name="connsiteY2" fmla="*/ 0 h 203200"/>
+            </a:gdLst>
+            <a:ahLst/>
+            <a:cxnLst>
+              <a:cxn ang="0">
+                <a:pos x="connsiteX0" y="connsiteY0"/>
+              </a:cxn>
+              <a:cxn ang="0">
+                <a:pos x="connsiteX1" y="connsiteY1"/>
+              </a:cxn>
+              <a:cxn ang="0">
+                <a:pos x="connsiteX2" y="connsiteY2"/>
+              </a:cxn>
+            </a:cxnLst>
+            <a:rect l="l" t="t" r="r" b="b"/>
+            <a:pathLst>
+              <a:path w="3048000" h="203200">
+                <a:moveTo>
+                  <a:pt x="0" y="203200"/>
+                </a:moveTo>
+                <a:lnTo>
+                  <a:pt x="221673" y="0"/>
+                </a:lnTo>
+                <a:lnTo>
+                  <a:pt x="3048000" y="0"/>
+                </a:lnTo>
+              </a:path>
+            </a:pathLst>
+          </a:custGeom>
+          <a:noFill/>
+          <a:ln w="19050">
+            <a:solidFill>
+              <a:schemeClr val="accent3"/>
+            </a:solidFill>
+            <a:prstDash val="sysDot"/>
+            <a:headEnd type="none" w="med" len="med"/>
+            <a:tailEnd type="arrow" w="med" len="med"/>
+          </a:ln>
+          <a:effectLst/>
+        </p:spPr>
+        <p:style>
+          <a:lnRef idx="1">
+            <a:schemeClr val="accent2"/>
+          </a:lnRef>
+          <a:fillRef idx="2">
+            <a:schemeClr val="accent2"/>
+          </a:fillRef>
+          <a:effectRef idx="1">
+            <a:schemeClr val="accent2"/>
+          </a:effectRef>
+          <a:fontRef idx="minor">
+            <a:schemeClr val="dk1"/>
+          </a:fontRef>
+        </p:style>
+        <p:txBody>
+          <a:bodyPr rtlCol="0" anchor="ctr"/>
+          <a:lstStyle/>
+          <a:p>
+            <a:pPr algn="ctr"/>
+            <a:endParaRPr lang="en-SG"/>
+          </a:p>
+        </p:txBody>
+      </p:sp>
+      <p:sp>
+        <p:nvSpPr>
+          <p:cNvPr id="227" name="Rectangle 11">
+            <a:extLst>
+              <a:ext uri="{FF2B5EF4-FFF2-40B4-BE49-F238E27FC236}">
+                <a16:creationId xmlns:a16="http://schemas.microsoft.com/office/drawing/2014/main" id="{6BB6E17B-2E06-494F-8F3C-D20EB35C488B}"/>
+              </a:ext>
+            </a:extLst>
+          </p:cNvPr>
+          <p:cNvSpPr/>
+          <p:nvPr/>
+        </p:nvSpPr>
+        <p:spPr>
+          <a:xfrm>
+            <a:off x="5454198" y="5535220"/>
+            <a:ext cx="1591788" cy="283335"/>
+          </a:xfrm>
+          <a:prstGeom prst="rect">
+            <a:avLst/>
+          </a:prstGeom>
+          <a:ln w="19050">
+            <a:solidFill>
+              <a:schemeClr val="accent3"/>
+            </a:solidFill>
+          </a:ln>
+          <a:effectLst/>
+        </p:spPr>
+        <p:style>
+          <a:lnRef idx="1">
+            <a:schemeClr val="accent3"/>
+          </a:lnRef>
+          <a:fillRef idx="2">
+            <a:schemeClr val="accent3"/>
+          </a:fillRef>
+          <a:effectRef idx="1">
+            <a:schemeClr val="accent3"/>
+          </a:effectRef>
+          <a:fontRef idx="minor">
+            <a:schemeClr val="dk1"/>
+          </a:fontRef>
+        </p:style>
+        <p:txBody>
+          <a:bodyPr rtlCol="0" anchor="ctr"/>
+          <a:lstStyle/>
+          <a:p>
+            <a:pPr algn="ctr"/>
+            <a:r>
+              <a:rPr lang="en-US" sz="1050" b="1" dirty="0" err="1">
+                <a:solidFill>
+                  <a:schemeClr val="accent3">
+                    <a:lumMod val="75000"/>
+                  </a:schemeClr>
+                </a:solidFill>
+              </a:rPr>
+              <a:t>YearlyStatisticsCard</a:t>
+            </a:r>
+            <a:endParaRPr lang="en-SG" sz="1050" b="1" dirty="0">
+              <a:solidFill>
+                <a:schemeClr val="accent3">
+                  <a:lumMod val="75000"/>
+                </a:schemeClr>
+              </a:solidFill>
+            </a:endParaRPr>
+          </a:p>
+        </p:txBody>
+      </p:sp>
       <p:cxnSp>
         <p:nvCxnSpPr>
-          <p:cNvPr id="92" name="Elbow Connector 63">
+          <p:cNvPr id="72" name="Elbow Connector 136">
             <a:extLst>
               <a:ext uri="{FF2B5EF4-FFF2-40B4-BE49-F238E27FC236}">
-                <a16:creationId xmlns:a16="http://schemas.microsoft.com/office/drawing/2014/main" id="{18D81F03-E483-46FA-B8C6-7780BD6E5D61}"/>
+                <a16:creationId xmlns:a16="http://schemas.microsoft.com/office/drawing/2014/main" id="{A318E624-186C-499F-BFD3-1A2E7B0E9896}"/>
               </a:ext>
             </a:extLst>
           </p:cNvPr>
           <p:cNvCxnSpPr>
             <a:cxnSpLocks/>
-            <a:stCxn id="39" idx="2"/>
-            <a:endCxn id="85" idx="1"/>
+            <a:stCxn id="3" idx="3"/>
+            <a:endCxn id="75" idx="1"/>
           </p:cNvCxnSpPr>
           <p:nvPr/>
         </p:nvCxnSpPr>
         <p:spPr>
+          <a:xfrm>
+            <a:off x="4298749" y="1288217"/>
+            <a:ext cx="1154796" cy="1215"/>
+          </a:xfrm>
+          <a:prstGeom prst="bentConnector3">
+            <a:avLst>
+              <a:gd name="adj1" fmla="val 50000"/>
+            </a:avLst>
+          </a:prstGeom>
+          <a:ln w="19050">
+            <a:solidFill>
+              <a:schemeClr val="accent3"/>
+            </a:solidFill>
+            <a:headEnd type="none" w="med" len="med"/>
+            <a:tailEnd type="arrow" w="med" len="med"/>
+          </a:ln>
+          <a:effectLst/>
+        </p:spPr>
+        <p:style>
+          <a:lnRef idx="1">
+            <a:schemeClr val="accent2"/>
+          </a:lnRef>
+          <a:fillRef idx="2">
+            <a:schemeClr val="accent2"/>
+          </a:fillRef>
+          <a:effectRef idx="1">
+            <a:schemeClr val="accent2"/>
+          </a:effectRef>
+          <a:fontRef idx="minor">
+            <a:schemeClr val="dk1"/>
+          </a:fontRef>
+        </p:style>
+      </p:cxnSp>
+      <p:sp>
+        <p:nvSpPr>
+          <p:cNvPr id="75" name="Rectangle 11">
+            <a:extLst>
+              <a:ext uri="{FF2B5EF4-FFF2-40B4-BE49-F238E27FC236}">
+                <a16:creationId xmlns:a16="http://schemas.microsoft.com/office/drawing/2014/main" id="{733B14E4-8CB2-41B8-9266-C4D05EE4EFCA}"/>
+              </a:ext>
+            </a:extLst>
+          </p:cNvPr>
+          <p:cNvSpPr/>
+          <p:nvPr/>
+        </p:nvSpPr>
+        <p:spPr>
+          <a:xfrm>
+            <a:off x="5453545" y="1147764"/>
+            <a:ext cx="1585065" cy="283335"/>
+          </a:xfrm>
+          <a:prstGeom prst="rect">
+            <a:avLst/>
+          </a:prstGeom>
+          <a:ln w="19050">
+            <a:solidFill>
+              <a:schemeClr val="accent3"/>
+            </a:solidFill>
+          </a:ln>
+          <a:effectLst/>
+        </p:spPr>
+        <p:style>
+          <a:lnRef idx="1">
+            <a:schemeClr val="accent3"/>
+          </a:lnRef>
+          <a:fillRef idx="2">
+            <a:schemeClr val="accent3"/>
+          </a:fillRef>
+          <a:effectRef idx="1">
+            <a:schemeClr val="accent3"/>
+          </a:effectRef>
+          <a:fontRef idx="minor">
+            <a:schemeClr val="dk1"/>
+          </a:fontRef>
+        </p:style>
+        <p:txBody>
+          <a:bodyPr rtlCol="0" anchor="ctr"/>
+          <a:lstStyle/>
+          <a:p>
+            <a:pPr algn="ctr"/>
+            <a:r>
+              <a:rPr lang="en-US" sz="1050" b="1" dirty="0" err="1">
+                <a:solidFill>
+                  <a:schemeClr val="accent3">
+                    <a:lumMod val="75000"/>
+                  </a:schemeClr>
+                </a:solidFill>
+              </a:rPr>
+              <a:t>ListElementPointer</a:t>
+            </a:r>
+            <a:endParaRPr lang="en-SG" sz="1050" b="1" dirty="0">
+              <a:solidFill>
+                <a:schemeClr val="accent3">
+                  <a:lumMod val="75000"/>
+                </a:schemeClr>
+              </a:solidFill>
+            </a:endParaRPr>
+          </a:p>
+        </p:txBody>
+      </p:sp>
+      <p:cxnSp>
+        <p:nvCxnSpPr>
+          <p:cNvPr id="79" name="Elbow Connector 63">
+            <a:extLst>
+              <a:ext uri="{FF2B5EF4-FFF2-40B4-BE49-F238E27FC236}">
+                <a16:creationId xmlns:a16="http://schemas.microsoft.com/office/drawing/2014/main" id="{E43E1E03-FE28-4B0B-8C6E-0115F4B3E7A8}"/>
+              </a:ext>
+            </a:extLst>
+          </p:cNvPr>
+          <p:cNvCxnSpPr>
+            <a:cxnSpLocks/>
+            <a:stCxn id="16" idx="3"/>
+            <a:endCxn id="85" idx="3"/>
+          </p:cNvCxnSpPr>
+          <p:nvPr/>
+        </p:nvCxnSpPr>
+        <p:spPr>
+          <a:xfrm rot="5400000">
+            <a:off x="4962145" y="120846"/>
+            <a:ext cx="1746849" cy="3121331"/>
+          </a:xfrm>
+          <a:prstGeom prst="bentConnector2">
+            <a:avLst/>
+          </a:prstGeom>
+          <a:ln w="6350">
+            <a:solidFill>
+              <a:schemeClr val="accent3"/>
+            </a:solidFill>
+            <a:headEnd type="none" w="med" len="med"/>
+            <a:tailEnd type="none" w="med" len="med"/>
+          </a:ln>
+          <a:effectLst/>
+        </p:spPr>
+        <p:style>
+          <a:lnRef idx="1">
+            <a:schemeClr val="accent2"/>
+          </a:lnRef>
+          <a:fillRef idx="2">
+            <a:schemeClr val="accent2"/>
+          </a:fillRef>
+          <a:effectRef idx="1">
+            <a:schemeClr val="accent2"/>
+          </a:effectRef>
+          <a:fontRef idx="minor">
+            <a:schemeClr val="dk1"/>
+          </a:fontRef>
+        </p:style>
+      </p:cxnSp>
+      <p:cxnSp>
+        <p:nvCxnSpPr>
+          <p:cNvPr id="95" name="Elbow Connector 63">
+            <a:extLst>
+              <a:ext uri="{FF2B5EF4-FFF2-40B4-BE49-F238E27FC236}">
+                <a16:creationId xmlns:a16="http://schemas.microsoft.com/office/drawing/2014/main" id="{79BBF7DB-52E5-4132-B210-D564D614EADA}"/>
+              </a:ext>
+            </a:extLst>
+          </p:cNvPr>
+          <p:cNvCxnSpPr>
+            <a:cxnSpLocks/>
+            <a:stCxn id="16" idx="3"/>
+            <a:endCxn id="243" idx="3"/>
+          </p:cNvCxnSpPr>
+          <p:nvPr/>
+        </p:nvCxnSpPr>
+        <p:spPr>
+          <a:xfrm rot="5400000">
+            <a:off x="4693298" y="386939"/>
+            <a:ext cx="2281789" cy="3124085"/>
+          </a:xfrm>
+          <a:prstGeom prst="bentConnector2">
+            <a:avLst/>
+          </a:prstGeom>
+          <a:ln w="6350">
+            <a:solidFill>
+              <a:schemeClr val="accent3"/>
+            </a:solidFill>
+            <a:headEnd type="none" w="med" len="med"/>
+            <a:tailEnd type="none" w="med" len="med"/>
+          </a:ln>
+          <a:effectLst/>
+        </p:spPr>
+        <p:style>
+          <a:lnRef idx="1">
+            <a:schemeClr val="accent2"/>
+          </a:lnRef>
+          <a:fillRef idx="2">
+            <a:schemeClr val="accent2"/>
+          </a:fillRef>
+          <a:effectRef idx="1">
+            <a:schemeClr val="accent2"/>
+          </a:effectRef>
+          <a:fontRef idx="minor">
+            <a:schemeClr val="dk1"/>
+          </a:fontRef>
+        </p:style>
+      </p:cxnSp>
+      <p:cxnSp>
+        <p:nvCxnSpPr>
+          <p:cNvPr id="103" name="Elbow Connector 63">
+            <a:extLst>
+              <a:ext uri="{FF2B5EF4-FFF2-40B4-BE49-F238E27FC236}">
+                <a16:creationId xmlns:a16="http://schemas.microsoft.com/office/drawing/2014/main" id="{E734C0A5-BE58-47A9-8807-085D5D4E4C85}"/>
+              </a:ext>
+            </a:extLst>
+          </p:cNvPr>
+          <p:cNvCxnSpPr>
+            <a:cxnSpLocks/>
+            <a:stCxn id="16" idx="3"/>
+            <a:endCxn id="246" idx="2"/>
+          </p:cNvCxnSpPr>
+          <p:nvPr/>
+        </p:nvCxnSpPr>
+        <p:spPr>
+          <a:xfrm rot="5400000">
+            <a:off x="3940425" y="357286"/>
+            <a:ext cx="3005009" cy="3906611"/>
+          </a:xfrm>
+          <a:prstGeom prst="bentConnector3">
+            <a:avLst>
+              <a:gd name="adj1" fmla="val 102588"/>
+            </a:avLst>
+          </a:prstGeom>
+          <a:ln w="6350">
+            <a:solidFill>
+              <a:schemeClr val="accent3"/>
+            </a:solidFill>
+            <a:headEnd type="none" w="med" len="med"/>
+            <a:tailEnd type="none" w="med" len="med"/>
+          </a:ln>
+          <a:effectLst/>
+        </p:spPr>
+        <p:style>
+          <a:lnRef idx="1">
+            <a:schemeClr val="accent2"/>
+          </a:lnRef>
+          <a:fillRef idx="2">
+            <a:schemeClr val="accent2"/>
+          </a:fillRef>
+          <a:effectRef idx="1">
+            <a:schemeClr val="accent2"/>
+          </a:effectRef>
+          <a:fontRef idx="minor">
+            <a:schemeClr val="dk1"/>
+          </a:fontRef>
+        </p:style>
+      </p:cxnSp>
+      <p:cxnSp>
+        <p:nvCxnSpPr>
+          <p:cNvPr id="108" name="Elbow Connector 63">
+            <a:extLst>
+              <a:ext uri="{FF2B5EF4-FFF2-40B4-BE49-F238E27FC236}">
+                <a16:creationId xmlns:a16="http://schemas.microsoft.com/office/drawing/2014/main" id="{3262ED26-76D8-42D9-9E13-0BF06151A0B0}"/>
+              </a:ext>
+            </a:extLst>
+          </p:cNvPr>
+          <p:cNvCxnSpPr>
+            <a:cxnSpLocks/>
+          </p:cNvCxnSpPr>
+          <p:nvPr/>
+        </p:nvCxnSpPr>
+        <p:spPr>
+          <a:xfrm rot="5400000">
+            <a:off x="3712719" y="583684"/>
+            <a:ext cx="3458104" cy="3908927"/>
+          </a:xfrm>
+          <a:prstGeom prst="bentConnector3">
+            <a:avLst>
+              <a:gd name="adj1" fmla="val 101704"/>
+            </a:avLst>
+          </a:prstGeom>
+          <a:ln w="6350">
+            <a:solidFill>
+              <a:schemeClr val="accent3"/>
+            </a:solidFill>
+            <a:headEnd type="none" w="med" len="med"/>
+            <a:tailEnd type="none" w="med" len="med"/>
+          </a:ln>
+          <a:effectLst/>
+        </p:spPr>
+        <p:style>
+          <a:lnRef idx="1">
+            <a:schemeClr val="accent2"/>
+          </a:lnRef>
+          <a:fillRef idx="2">
+            <a:schemeClr val="accent2"/>
+          </a:fillRef>
+          <a:effectRef idx="1">
+            <a:schemeClr val="accent2"/>
+          </a:effectRef>
+          <a:fontRef idx="minor">
+            <a:schemeClr val="dk1"/>
+          </a:fontRef>
+        </p:style>
+      </p:cxnSp>
+      <p:cxnSp>
+        <p:nvCxnSpPr>
+          <p:cNvPr id="111" name="Elbow Connector 136">
+            <a:extLst>
+              <a:ext uri="{FF2B5EF4-FFF2-40B4-BE49-F238E27FC236}">
+                <a16:creationId xmlns:a16="http://schemas.microsoft.com/office/drawing/2014/main" id="{94611D28-3BD8-4654-83F4-B89EFA915B6F}"/>
+              </a:ext>
+            </a:extLst>
+          </p:cNvPr>
+          <p:cNvCxnSpPr>
+            <a:cxnSpLocks/>
+            <a:stCxn id="243" idx="2"/>
+            <a:endCxn id="237" idx="1"/>
+          </p:cNvCxnSpPr>
+          <p:nvPr/>
+        </p:nvCxnSpPr>
+        <p:spPr>
           <a:xfrm rot="16200000" flipH="1">
-            <a:off x="2143151" y="2685535"/>
-            <a:ext cx="1344297" cy="185277"/>
+            <a:off x="4416052" y="2328232"/>
+            <a:ext cx="102522" cy="1954133"/>
           </a:xfrm>
           <a:prstGeom prst="bentConnector2">
             <a:avLst/>
@@ -6570,7 +7673,157 @@
               <a:schemeClr val="accent3"/>
             </a:solidFill>
             <a:headEnd type="none" w="med" len="med"/>
+            <a:tailEnd type="none" w="med" len="med"/>
+          </a:ln>
+          <a:effectLst/>
+        </p:spPr>
+        <p:style>
+          <a:lnRef idx="1">
+            <a:schemeClr val="accent2"/>
+          </a:lnRef>
+          <a:fillRef idx="2">
+            <a:schemeClr val="accent2"/>
+          </a:fillRef>
+          <a:effectRef idx="1">
+            <a:schemeClr val="accent2"/>
+          </a:effectRef>
+          <a:fontRef idx="minor">
+            <a:schemeClr val="dk1"/>
+          </a:fontRef>
+        </p:style>
+      </p:cxnSp>
+      <p:cxnSp>
+        <p:nvCxnSpPr>
+          <p:cNvPr id="115" name="Elbow Connector 136">
+            <a:extLst>
+              <a:ext uri="{FF2B5EF4-FFF2-40B4-BE49-F238E27FC236}">
+                <a16:creationId xmlns:a16="http://schemas.microsoft.com/office/drawing/2014/main" id="{A2E6A0A1-F9DA-4D33-800D-581712C3736F}"/>
+              </a:ext>
+            </a:extLst>
+          </p:cNvPr>
+          <p:cNvCxnSpPr>
+            <a:cxnSpLocks/>
+            <a:stCxn id="247" idx="3"/>
+            <a:endCxn id="237" idx="1"/>
+          </p:cNvCxnSpPr>
+          <p:nvPr/>
+        </p:nvCxnSpPr>
+        <p:spPr>
+          <a:xfrm flipV="1">
+            <a:off x="4261387" y="3356560"/>
+            <a:ext cx="1182993" cy="765669"/>
+          </a:xfrm>
+          <a:prstGeom prst="bentConnector3">
+            <a:avLst>
+              <a:gd name="adj1" fmla="val 50797"/>
+            </a:avLst>
+          </a:prstGeom>
+          <a:ln w="19050">
+            <a:solidFill>
+              <a:schemeClr val="accent3"/>
+            </a:solidFill>
+            <a:headEnd type="none" w="med" len="med"/>
             <a:tailEnd type="arrow" w="med" len="med"/>
+          </a:ln>
+          <a:effectLst/>
+        </p:spPr>
+        <p:style>
+          <a:lnRef idx="1">
+            <a:schemeClr val="accent2"/>
+          </a:lnRef>
+          <a:fillRef idx="2">
+            <a:schemeClr val="accent2"/>
+          </a:fillRef>
+          <a:effectRef idx="1">
+            <a:schemeClr val="accent2"/>
+          </a:effectRef>
+          <a:fontRef idx="minor">
+            <a:schemeClr val="dk1"/>
+          </a:fontRef>
+        </p:style>
+      </p:cxnSp>
+      <p:cxnSp>
+        <p:nvCxnSpPr>
+          <p:cNvPr id="359" name="Elbow Connector 136">
+            <a:extLst>
+              <a:ext uri="{FF2B5EF4-FFF2-40B4-BE49-F238E27FC236}">
+                <a16:creationId xmlns:a16="http://schemas.microsoft.com/office/drawing/2014/main" id="{B6614D5B-DC8B-4A8A-B911-18BD383EF8CF}"/>
+              </a:ext>
+            </a:extLst>
+          </p:cNvPr>
+          <p:cNvCxnSpPr>
+            <a:cxnSpLocks/>
+            <a:stCxn id="246" idx="3"/>
+            <a:endCxn id="237" idx="1"/>
+          </p:cNvCxnSpPr>
+          <p:nvPr/>
+        </p:nvCxnSpPr>
+        <p:spPr>
+          <a:xfrm flipV="1">
+            <a:off x="4282903" y="3356560"/>
+            <a:ext cx="1161477" cy="303986"/>
+          </a:xfrm>
+          <a:prstGeom prst="bentConnector3">
+            <a:avLst>
+              <a:gd name="adj1" fmla="val 50000"/>
+            </a:avLst>
+          </a:prstGeom>
+          <a:ln w="19050">
+            <a:solidFill>
+              <a:schemeClr val="accent3"/>
+            </a:solidFill>
+            <a:headEnd type="none" w="med" len="med"/>
+            <a:tailEnd type="none" w="med" len="med"/>
+          </a:ln>
+          <a:effectLst/>
+        </p:spPr>
+        <p:style>
+          <a:lnRef idx="1">
+            <a:schemeClr val="accent2"/>
+          </a:lnRef>
+          <a:fillRef idx="2">
+            <a:schemeClr val="accent2"/>
+          </a:fillRef>
+          <a:effectRef idx="1">
+            <a:schemeClr val="accent2"/>
+          </a:effectRef>
+          <a:fontRef idx="minor">
+            <a:schemeClr val="dk1"/>
+          </a:fontRef>
+        </p:style>
+      </p:cxnSp>
+      <p:cxnSp>
+        <p:nvCxnSpPr>
+          <p:cNvPr id="383" name="Elbow Connector 63">
+            <a:extLst>
+              <a:ext uri="{FF2B5EF4-FFF2-40B4-BE49-F238E27FC236}">
+                <a16:creationId xmlns:a16="http://schemas.microsoft.com/office/drawing/2014/main" id="{7A48FCA3-D9C5-47C8-84C8-85304EC1F9C0}"/>
+              </a:ext>
+            </a:extLst>
+          </p:cNvPr>
+          <p:cNvCxnSpPr>
+            <a:cxnSpLocks/>
+            <a:stCxn id="16" idx="3"/>
+            <a:endCxn id="93" idx="2"/>
+          </p:cNvCxnSpPr>
+          <p:nvPr/>
+        </p:nvCxnSpPr>
+        <p:spPr>
+          <a:xfrm rot="5400000">
+            <a:off x="2981171" y="1301968"/>
+            <a:ext cx="4908944" cy="3921182"/>
+          </a:xfrm>
+          <a:prstGeom prst="bentConnector3">
+            <a:avLst>
+              <a:gd name="adj1" fmla="val 105233"/>
+            </a:avLst>
+          </a:prstGeom>
+          <a:ln w="6350">
+            <a:solidFill>
+              <a:schemeClr val="accent3"/>
+            </a:solidFill>
+            <a:headEnd type="none" w="med" len="med"/>
+            <a:tailEnd type="none" w="med" len="med"/>
           </a:ln>
           <a:effectLst/>
         </p:spPr>

--- a/docs/diagrams/UiComponentClassDiagram.pptx
+++ b/docs/diagrams/UiComponentClassDiagram.pptx
@@ -8,7 +8,7 @@
     <p:notesMasterId r:id="rId3"/>
   </p:notesMasterIdLst>
   <p:sldIdLst>
-    <p:sldId id="260" r:id="rId2"/>
+    <p:sldId id="261" r:id="rId2"/>
   </p:sldIdLst>
   <p:sldSz cx="9144000" cy="6858000" type="screen4x3"/>
   <p:notesSz cx="6858000" cy="9144000"/>
@@ -175,7 +175,7 @@
             </a:lvl1pPr>
           </a:lstStyle>
           <a:p>
-            <a:endParaRPr lang="en-US"/>
+            <a:endParaRPr lang="en-US" dirty="0"/>
           </a:p>
         </p:txBody>
       </p:sp>
@@ -208,9 +208,9 @@
           <a:p>
             <a:fld id="{F5CC4B3F-88C1-4FFA-B1B6-F41C21DC6924}" type="datetimeFigureOut">
               <a:rPr lang="en-US" smtClean="0"/>
-              <a:t>12/15/2018</a:t>
+              <a:t>4/13/19</a:t>
             </a:fld>
-            <a:endParaRPr lang="en-US"/>
+            <a:endParaRPr lang="en-US" dirty="0"/>
           </a:p>
         </p:txBody>
       </p:sp>
@@ -243,7 +243,7 @@
           <a:bodyPr vert="horz" lIns="91440" tIns="45720" rIns="91440" bIns="45720" rtlCol="0" anchor="ctr"/>
           <a:lstStyle/>
           <a:p>
-            <a:endParaRPr lang="en-US"/>
+            <a:endParaRPr lang="en-US" dirty="0"/>
           </a:p>
         </p:txBody>
       </p:sp>
@@ -333,7 +333,7 @@
             </a:lvl1pPr>
           </a:lstStyle>
           <a:p>
-            <a:endParaRPr lang="en-US"/>
+            <a:endParaRPr lang="en-US" dirty="0"/>
           </a:p>
         </p:txBody>
       </p:sp>
@@ -368,7 +368,7 @@
               <a:rPr lang="en-US" smtClean="0"/>
               <a:t>‹#›</a:t>
             </a:fld>
-            <a:endParaRPr lang="en-US"/>
+            <a:endParaRPr lang="en-US" dirty="0"/>
           </a:p>
         </p:txBody>
       </p:sp>
@@ -475,6 +475,90 @@
 </p:notesMaster>
 </file>
 
+<file path=ppt/notesSlides/notesSlide1.xml><?xml version="1.0" encoding="utf-8"?>
+<p:notes xmlns:a="http://schemas.openxmlformats.org/drawingml/2006/main" xmlns:r="http://schemas.openxmlformats.org/officeDocument/2006/relationships" xmlns:p="http://schemas.openxmlformats.org/presentationml/2006/main">
+  <p:cSld>
+    <p:spTree>
+      <p:nvGrpSpPr>
+        <p:cNvPr id="1" name=""/>
+        <p:cNvGrpSpPr/>
+        <p:nvPr/>
+      </p:nvGrpSpPr>
+      <p:grpSpPr>
+        <a:xfrm>
+          <a:off x="0" y="0"/>
+          <a:ext cx="0" cy="0"/>
+          <a:chOff x="0" y="0"/>
+          <a:chExt cx="0" cy="0"/>
+        </a:xfrm>
+      </p:grpSpPr>
+      <p:sp>
+        <p:nvSpPr>
+          <p:cNvPr id="2" name="Slide Image Placeholder 1"/>
+          <p:cNvSpPr>
+            <a:spLocks noGrp="1" noRot="1" noChangeAspect="1"/>
+          </p:cNvSpPr>
+          <p:nvPr>
+            <p:ph type="sldImg"/>
+          </p:nvPr>
+        </p:nvSpPr>
+        <p:spPr/>
+      </p:sp>
+      <p:sp>
+        <p:nvSpPr>
+          <p:cNvPr id="3" name="Notes Placeholder 2"/>
+          <p:cNvSpPr>
+            <a:spLocks noGrp="1"/>
+          </p:cNvSpPr>
+          <p:nvPr>
+            <p:ph type="body" idx="1"/>
+          </p:nvPr>
+        </p:nvSpPr>
+        <p:spPr/>
+        <p:txBody>
+          <a:bodyPr/>
+          <a:lstStyle/>
+          <a:p>
+            <a:endParaRPr lang="en-US" dirty="0"/>
+          </a:p>
+        </p:txBody>
+      </p:sp>
+      <p:sp>
+        <p:nvSpPr>
+          <p:cNvPr id="4" name="Slide Number Placeholder 3"/>
+          <p:cNvSpPr>
+            <a:spLocks noGrp="1"/>
+          </p:cNvSpPr>
+          <p:nvPr>
+            <p:ph type="sldNum" sz="quarter" idx="5"/>
+          </p:nvPr>
+        </p:nvSpPr>
+        <p:spPr/>
+        <p:txBody>
+          <a:bodyPr/>
+          <a:lstStyle/>
+          <a:p>
+            <a:fld id="{5A7AB025-77E3-4BD1-A2FD-B3183DBA47A3}" type="slidenum">
+              <a:rPr lang="en-US" smtClean="0"/>
+              <a:t>1</a:t>
+            </a:fld>
+            <a:endParaRPr lang="en-US" dirty="0"/>
+          </a:p>
+        </p:txBody>
+      </p:sp>
+    </p:spTree>
+    <p:extLst>
+      <p:ext uri="{BB962C8B-B14F-4D97-AF65-F5344CB8AC3E}">
+        <p14:creationId xmlns:p14="http://schemas.microsoft.com/office/powerpoint/2010/main" val="4279728485"/>
+      </p:ext>
+    </p:extLst>
+  </p:cSld>
+  <p:clrMapOvr>
+    <a:masterClrMapping/>
+  </p:clrMapOvr>
+</p:notes>
+</file>
+
 <file path=ppt/slideLayouts/slideLayout1.xml><?xml version="1.0" encoding="utf-8"?>
 <p:sldLayout xmlns:a="http://schemas.openxmlformats.org/drawingml/2006/main" xmlns:r="http://schemas.openxmlformats.org/officeDocument/2006/relationships" xmlns:p="http://schemas.openxmlformats.org/presentationml/2006/main" type="title" preserve="1">
   <p:cSld name="Title Slide">
@@ -654,9 +738,9 @@
           <a:p>
             <a:fld id="{78C97017-6FC3-485B-9764-EAC9E56C1D49}" type="datetimeFigureOut">
               <a:rPr lang="en-US" smtClean="0"/>
-              <a:t>12/15/2018</a:t>
+              <a:t>4/13/19</a:t>
             </a:fld>
-            <a:endParaRPr lang="en-US"/>
+            <a:endParaRPr lang="en-US" dirty="0"/>
           </a:p>
         </p:txBody>
       </p:sp>
@@ -675,7 +759,7 @@
           <a:bodyPr/>
           <a:lstStyle/>
           <a:p>
-            <a:endParaRPr lang="en-US"/>
+            <a:endParaRPr lang="en-US" dirty="0"/>
           </a:p>
         </p:txBody>
       </p:sp>
@@ -698,7 +782,7 @@
               <a:rPr lang="en-US" smtClean="0"/>
               <a:t>‹#›</a:t>
             </a:fld>
-            <a:endParaRPr lang="en-US"/>
+            <a:endParaRPr lang="en-US" dirty="0"/>
           </a:p>
         </p:txBody>
       </p:sp>
@@ -822,9 +906,9 @@
           <a:p>
             <a:fld id="{78C97017-6FC3-485B-9764-EAC9E56C1D49}" type="datetimeFigureOut">
               <a:rPr lang="en-US" smtClean="0"/>
-              <a:t>12/15/2018</a:t>
+              <a:t>4/13/19</a:t>
             </a:fld>
-            <a:endParaRPr lang="en-US"/>
+            <a:endParaRPr lang="en-US" dirty="0"/>
           </a:p>
         </p:txBody>
       </p:sp>
@@ -843,7 +927,7 @@
           <a:bodyPr/>
           <a:lstStyle/>
           <a:p>
-            <a:endParaRPr lang="en-US"/>
+            <a:endParaRPr lang="en-US" dirty="0"/>
           </a:p>
         </p:txBody>
       </p:sp>
@@ -866,7 +950,7 @@
               <a:rPr lang="en-US" smtClean="0"/>
               <a:t>‹#›</a:t>
             </a:fld>
-            <a:endParaRPr lang="en-US"/>
+            <a:endParaRPr lang="en-US" dirty="0"/>
           </a:p>
         </p:txBody>
       </p:sp>
@@ -1000,9 +1084,9 @@
           <a:p>
             <a:fld id="{78C97017-6FC3-485B-9764-EAC9E56C1D49}" type="datetimeFigureOut">
               <a:rPr lang="en-US" smtClean="0"/>
-              <a:t>12/15/2018</a:t>
+              <a:t>4/13/19</a:t>
             </a:fld>
-            <a:endParaRPr lang="en-US"/>
+            <a:endParaRPr lang="en-US" dirty="0"/>
           </a:p>
         </p:txBody>
       </p:sp>
@@ -1021,7 +1105,7 @@
           <a:bodyPr/>
           <a:lstStyle/>
           <a:p>
-            <a:endParaRPr lang="en-US"/>
+            <a:endParaRPr lang="en-US" dirty="0"/>
           </a:p>
         </p:txBody>
       </p:sp>
@@ -1044,7 +1128,7 @@
               <a:rPr lang="en-US" smtClean="0"/>
               <a:t>‹#›</a:t>
             </a:fld>
-            <a:endParaRPr lang="en-US"/>
+            <a:endParaRPr lang="en-US" dirty="0"/>
           </a:p>
         </p:txBody>
       </p:sp>
@@ -1168,9 +1252,9 @@
           <a:p>
             <a:fld id="{78C97017-6FC3-485B-9764-EAC9E56C1D49}" type="datetimeFigureOut">
               <a:rPr lang="en-US" smtClean="0"/>
-              <a:t>12/15/2018</a:t>
+              <a:t>4/13/19</a:t>
             </a:fld>
-            <a:endParaRPr lang="en-US"/>
+            <a:endParaRPr lang="en-US" dirty="0"/>
           </a:p>
         </p:txBody>
       </p:sp>
@@ -1189,7 +1273,7 @@
           <a:bodyPr/>
           <a:lstStyle/>
           <a:p>
-            <a:endParaRPr lang="en-US"/>
+            <a:endParaRPr lang="en-US" dirty="0"/>
           </a:p>
         </p:txBody>
       </p:sp>
@@ -1212,7 +1296,7 @@
               <a:rPr lang="en-US" smtClean="0"/>
               <a:t>‹#›</a:t>
             </a:fld>
-            <a:endParaRPr lang="en-US"/>
+            <a:endParaRPr lang="en-US" dirty="0"/>
           </a:p>
         </p:txBody>
       </p:sp>
@@ -1413,9 +1497,9 @@
           <a:p>
             <a:fld id="{78C97017-6FC3-485B-9764-EAC9E56C1D49}" type="datetimeFigureOut">
               <a:rPr lang="en-US" smtClean="0"/>
-              <a:t>12/15/2018</a:t>
+              <a:t>4/13/19</a:t>
             </a:fld>
-            <a:endParaRPr lang="en-US"/>
+            <a:endParaRPr lang="en-US" dirty="0"/>
           </a:p>
         </p:txBody>
       </p:sp>
@@ -1434,7 +1518,7 @@
           <a:bodyPr/>
           <a:lstStyle/>
           <a:p>
-            <a:endParaRPr lang="en-US"/>
+            <a:endParaRPr lang="en-US" dirty="0"/>
           </a:p>
         </p:txBody>
       </p:sp>
@@ -1457,7 +1541,7 @@
               <a:rPr lang="en-US" smtClean="0"/>
               <a:t>‹#›</a:t>
             </a:fld>
-            <a:endParaRPr lang="en-US"/>
+            <a:endParaRPr lang="en-US" dirty="0"/>
           </a:p>
         </p:txBody>
       </p:sp>
@@ -1698,9 +1782,9 @@
           <a:p>
             <a:fld id="{78C97017-6FC3-485B-9764-EAC9E56C1D49}" type="datetimeFigureOut">
               <a:rPr lang="en-US" smtClean="0"/>
-              <a:t>12/15/2018</a:t>
+              <a:t>4/13/19</a:t>
             </a:fld>
-            <a:endParaRPr lang="en-US"/>
+            <a:endParaRPr lang="en-US" dirty="0"/>
           </a:p>
         </p:txBody>
       </p:sp>
@@ -1719,7 +1803,7 @@
           <a:bodyPr/>
           <a:lstStyle/>
           <a:p>
-            <a:endParaRPr lang="en-US"/>
+            <a:endParaRPr lang="en-US" dirty="0"/>
           </a:p>
         </p:txBody>
       </p:sp>
@@ -1742,7 +1826,7 @@
               <a:rPr lang="en-US" smtClean="0"/>
               <a:t>‹#›</a:t>
             </a:fld>
-            <a:endParaRPr lang="en-US"/>
+            <a:endParaRPr lang="en-US" dirty="0"/>
           </a:p>
         </p:txBody>
       </p:sp>
@@ -2117,9 +2201,9 @@
           <a:p>
             <a:fld id="{78C97017-6FC3-485B-9764-EAC9E56C1D49}" type="datetimeFigureOut">
               <a:rPr lang="en-US" smtClean="0"/>
-              <a:t>12/15/2018</a:t>
+              <a:t>4/13/19</a:t>
             </a:fld>
-            <a:endParaRPr lang="en-US"/>
+            <a:endParaRPr lang="en-US" dirty="0"/>
           </a:p>
         </p:txBody>
       </p:sp>
@@ -2138,7 +2222,7 @@
           <a:bodyPr/>
           <a:lstStyle/>
           <a:p>
-            <a:endParaRPr lang="en-US"/>
+            <a:endParaRPr lang="en-US" dirty="0"/>
           </a:p>
         </p:txBody>
       </p:sp>
@@ -2161,7 +2245,7 @@
               <a:rPr lang="en-US" smtClean="0"/>
               <a:t>‹#›</a:t>
             </a:fld>
-            <a:endParaRPr lang="en-US"/>
+            <a:endParaRPr lang="en-US" dirty="0"/>
           </a:p>
         </p:txBody>
       </p:sp>
@@ -2234,9 +2318,9 @@
           <a:p>
             <a:fld id="{78C97017-6FC3-485B-9764-EAC9E56C1D49}" type="datetimeFigureOut">
               <a:rPr lang="en-US" smtClean="0"/>
-              <a:t>12/15/2018</a:t>
+              <a:t>4/13/19</a:t>
             </a:fld>
-            <a:endParaRPr lang="en-US"/>
+            <a:endParaRPr lang="en-US" dirty="0"/>
           </a:p>
         </p:txBody>
       </p:sp>
@@ -2255,7 +2339,7 @@
           <a:bodyPr/>
           <a:lstStyle/>
           <a:p>
-            <a:endParaRPr lang="en-US"/>
+            <a:endParaRPr lang="en-US" dirty="0"/>
           </a:p>
         </p:txBody>
       </p:sp>
@@ -2278,7 +2362,7 @@
               <a:rPr lang="en-US" smtClean="0"/>
               <a:t>‹#›</a:t>
             </a:fld>
-            <a:endParaRPr lang="en-US"/>
+            <a:endParaRPr lang="en-US" dirty="0"/>
           </a:p>
         </p:txBody>
       </p:sp>
@@ -2329,9 +2413,9 @@
           <a:p>
             <a:fld id="{78C97017-6FC3-485B-9764-EAC9E56C1D49}" type="datetimeFigureOut">
               <a:rPr lang="en-US" smtClean="0"/>
-              <a:t>12/15/2018</a:t>
+              <a:t>4/13/19</a:t>
             </a:fld>
-            <a:endParaRPr lang="en-US"/>
+            <a:endParaRPr lang="en-US" dirty="0"/>
           </a:p>
         </p:txBody>
       </p:sp>
@@ -2350,7 +2434,7 @@
           <a:bodyPr/>
           <a:lstStyle/>
           <a:p>
-            <a:endParaRPr lang="en-US"/>
+            <a:endParaRPr lang="en-US" dirty="0"/>
           </a:p>
         </p:txBody>
       </p:sp>
@@ -2373,7 +2457,7 @@
               <a:rPr lang="en-US" smtClean="0"/>
               <a:t>‹#›</a:t>
             </a:fld>
-            <a:endParaRPr lang="en-US"/>
+            <a:endParaRPr lang="en-US" dirty="0"/>
           </a:p>
         </p:txBody>
       </p:sp>
@@ -2604,9 +2688,9 @@
           <a:p>
             <a:fld id="{78C97017-6FC3-485B-9764-EAC9E56C1D49}" type="datetimeFigureOut">
               <a:rPr lang="en-US" smtClean="0"/>
-              <a:t>12/15/2018</a:t>
+              <a:t>4/13/19</a:t>
             </a:fld>
-            <a:endParaRPr lang="en-US"/>
+            <a:endParaRPr lang="en-US" dirty="0"/>
           </a:p>
         </p:txBody>
       </p:sp>
@@ -2625,7 +2709,7 @@
           <a:bodyPr/>
           <a:lstStyle/>
           <a:p>
-            <a:endParaRPr lang="en-US"/>
+            <a:endParaRPr lang="en-US" dirty="0"/>
           </a:p>
         </p:txBody>
       </p:sp>
@@ -2648,7 +2732,7 @@
               <a:rPr lang="en-US" smtClean="0"/>
               <a:t>‹#›</a:t>
             </a:fld>
-            <a:endParaRPr lang="en-US"/>
+            <a:endParaRPr lang="en-US" dirty="0"/>
           </a:p>
         </p:txBody>
       </p:sp>
@@ -2770,7 +2854,7 @@
             </a:lvl9pPr>
           </a:lstStyle>
           <a:p>
-            <a:endParaRPr lang="en-US"/>
+            <a:endParaRPr lang="en-US" dirty="0"/>
           </a:p>
         </p:txBody>
       </p:sp>
@@ -2856,9 +2940,9 @@
           <a:p>
             <a:fld id="{78C97017-6FC3-485B-9764-EAC9E56C1D49}" type="datetimeFigureOut">
               <a:rPr lang="en-US" smtClean="0"/>
-              <a:t>12/15/2018</a:t>
+              <a:t>4/13/19</a:t>
             </a:fld>
-            <a:endParaRPr lang="en-US"/>
+            <a:endParaRPr lang="en-US" dirty="0"/>
           </a:p>
         </p:txBody>
       </p:sp>
@@ -2877,7 +2961,7 @@
           <a:bodyPr/>
           <a:lstStyle/>
           <a:p>
-            <a:endParaRPr lang="en-US"/>
+            <a:endParaRPr lang="en-US" dirty="0"/>
           </a:p>
         </p:txBody>
       </p:sp>
@@ -2900,7 +2984,7 @@
               <a:rPr lang="en-US" smtClean="0"/>
               <a:t>‹#›</a:t>
             </a:fld>
-            <a:endParaRPr lang="en-US"/>
+            <a:endParaRPr lang="en-US" dirty="0"/>
           </a:p>
         </p:txBody>
       </p:sp>
@@ -3067,9 +3151,9 @@
           <a:p>
             <a:fld id="{78C97017-6FC3-485B-9764-EAC9E56C1D49}" type="datetimeFigureOut">
               <a:rPr lang="en-US" smtClean="0"/>
-              <a:t>12/15/2018</a:t>
+              <a:t>4/13/19</a:t>
             </a:fld>
-            <a:endParaRPr lang="en-US"/>
+            <a:endParaRPr lang="en-US" dirty="0"/>
           </a:p>
         </p:txBody>
       </p:sp>
@@ -3106,7 +3190,7 @@
             </a:lvl1pPr>
           </a:lstStyle>
           <a:p>
-            <a:endParaRPr lang="en-US"/>
+            <a:endParaRPr lang="en-US" dirty="0"/>
           </a:p>
         </p:txBody>
       </p:sp>
@@ -3147,7 +3231,7 @@
               <a:rPr lang="en-US" smtClean="0"/>
               <a:t>‹#›</a:t>
             </a:fld>
-            <a:endParaRPr lang="en-US"/>
+            <a:endParaRPr lang="en-US" dirty="0"/>
           </a:p>
         </p:txBody>
       </p:sp>
@@ -3444,14 +3528,20 @@
       </p:grpSpPr>
       <p:sp>
         <p:nvSpPr>
-          <p:cNvPr id="23" name="Rectangle 65"/>
+          <p:cNvPr id="2" name="Rectangle 65">
+            <a:extLst>
+              <a:ext uri="{FF2B5EF4-FFF2-40B4-BE49-F238E27FC236}">
+                <a16:creationId xmlns:a16="http://schemas.microsoft.com/office/drawing/2014/main" id="{261760EA-6F18-B242-ACF4-7410F87DFDCD}"/>
+              </a:ext>
+            </a:extLst>
+          </p:cNvPr>
           <p:cNvSpPr/>
           <p:nvPr/>
         </p:nvSpPr>
         <p:spPr>
           <a:xfrm>
-            <a:off x="1217465" y="1447800"/>
-            <a:ext cx="4917083" cy="3962400"/>
+            <a:off x="114748" y="76155"/>
+            <a:ext cx="7581451" cy="6781845"/>
           </a:xfrm>
           <a:prstGeom prst="roundRect">
             <a:avLst>
@@ -3504,198 +3594,22 @@
           </a:p>
         </p:txBody>
       </p:sp>
-      <p:sp>
-        <p:nvSpPr>
-          <p:cNvPr id="2" name="Rectangle 8"/>
-          <p:cNvSpPr/>
-          <p:nvPr/>
-        </p:nvSpPr>
-        <p:spPr>
-          <a:xfrm>
-            <a:off x="2095948" y="2341220"/>
-            <a:ext cx="1093635" cy="346760"/>
-          </a:xfrm>
-          <a:prstGeom prst="rect">
-            <a:avLst/>
-          </a:prstGeom>
-          <a:ln w="19050">
-            <a:solidFill>
-              <a:schemeClr val="accent3"/>
-            </a:solidFill>
-          </a:ln>
-          <a:effectLst/>
-        </p:spPr>
-        <p:style>
-          <a:lnRef idx="1">
-            <a:schemeClr val="accent3"/>
-          </a:lnRef>
-          <a:fillRef idx="2">
-            <a:schemeClr val="accent3"/>
-          </a:fillRef>
-          <a:effectRef idx="1">
-            <a:schemeClr val="accent3"/>
-          </a:effectRef>
-          <a:fontRef idx="minor">
-            <a:schemeClr val="dk1"/>
-          </a:fontRef>
-        </p:style>
-        <p:txBody>
-          <a:bodyPr rtlCol="0" anchor="ctr"/>
-          <a:lstStyle/>
-          <a:p>
-            <a:pPr algn="ctr"/>
-            <a:r>
-              <a:rPr lang="en-US" sz="1050" b="1" dirty="0" err="1">
-                <a:solidFill>
-                  <a:schemeClr val="accent3">
-                    <a:lumMod val="75000"/>
-                  </a:schemeClr>
-                </a:solidFill>
-              </a:rPr>
-              <a:t>MainWindow</a:t>
-            </a:r>
-            <a:endParaRPr lang="en-SG" sz="1050" b="1" dirty="0">
-              <a:solidFill>
-                <a:schemeClr val="accent3">
-                  <a:lumMod val="75000"/>
-                </a:schemeClr>
-              </a:solidFill>
-            </a:endParaRPr>
-          </a:p>
-        </p:txBody>
-      </p:sp>
-      <p:sp>
-        <p:nvSpPr>
-          <p:cNvPr id="3" name="Rectangle 11"/>
-          <p:cNvSpPr/>
-          <p:nvPr/>
-        </p:nvSpPr>
-        <p:spPr>
-          <a:xfrm>
-            <a:off x="2592528" y="2971800"/>
-            <a:ext cx="1093635" cy="236841"/>
-          </a:xfrm>
-          <a:prstGeom prst="rect">
-            <a:avLst/>
-          </a:prstGeom>
-          <a:ln w="19050">
-            <a:solidFill>
-              <a:schemeClr val="accent3"/>
-            </a:solidFill>
-          </a:ln>
-          <a:effectLst/>
-        </p:spPr>
-        <p:style>
-          <a:lnRef idx="1">
-            <a:schemeClr val="accent3"/>
-          </a:lnRef>
-          <a:fillRef idx="2">
-            <a:schemeClr val="accent3"/>
-          </a:fillRef>
-          <a:effectRef idx="1">
-            <a:schemeClr val="accent3"/>
-          </a:effectRef>
-          <a:fontRef idx="minor">
-            <a:schemeClr val="dk1"/>
-          </a:fontRef>
-        </p:style>
-        <p:txBody>
-          <a:bodyPr rtlCol="0" anchor="ctr"/>
-          <a:lstStyle/>
-          <a:p>
-            <a:pPr algn="ctr"/>
-            <a:r>
-              <a:rPr lang="en-US" sz="1050" b="1" dirty="0" err="1">
-                <a:solidFill>
-                  <a:schemeClr val="accent3">
-                    <a:lumMod val="75000"/>
-                  </a:schemeClr>
-                </a:solidFill>
-              </a:rPr>
-              <a:t>CommandBox</a:t>
-            </a:r>
-            <a:endParaRPr lang="en-SG" sz="1050" b="1" dirty="0">
-              <a:solidFill>
-                <a:schemeClr val="accent3">
-                  <a:lumMod val="75000"/>
-                </a:schemeClr>
-              </a:solidFill>
-            </a:endParaRPr>
-          </a:p>
-        </p:txBody>
-      </p:sp>
-      <p:sp>
-        <p:nvSpPr>
-          <p:cNvPr id="9" name="Rectangle 62"/>
-          <p:cNvSpPr/>
-          <p:nvPr/>
-        </p:nvSpPr>
-        <p:spPr>
-          <a:xfrm>
-            <a:off x="2092842" y="1770924"/>
-            <a:ext cx="1093635" cy="346760"/>
-          </a:xfrm>
-          <a:prstGeom prst="rect">
-            <a:avLst/>
-          </a:prstGeom>
-          <a:solidFill>
-            <a:srgbClr val="00B050"/>
-          </a:solidFill>
-          <a:ln w="19050">
-            <a:solidFill>
-              <a:srgbClr val="00B050"/>
-            </a:solidFill>
-          </a:ln>
-          <a:effectLst/>
-        </p:spPr>
-        <p:style>
-          <a:lnRef idx="1">
-            <a:schemeClr val="accent2"/>
-          </a:lnRef>
-          <a:fillRef idx="2">
-            <a:schemeClr val="accent2"/>
-          </a:fillRef>
-          <a:effectRef idx="1">
-            <a:schemeClr val="accent2"/>
-          </a:effectRef>
-          <a:fontRef idx="minor">
-            <a:schemeClr val="dk1"/>
-          </a:fontRef>
-        </p:style>
-        <p:txBody>
-          <a:bodyPr rtlCol="0" anchor="ctr"/>
-          <a:lstStyle/>
-          <a:p>
-            <a:pPr algn="ctr"/>
-            <a:r>
-              <a:rPr lang="en-US" sz="1050" dirty="0" err="1">
-                <a:solidFill>
-                  <a:schemeClr val="bg1"/>
-                </a:solidFill>
-              </a:rPr>
-              <a:t>UiManager</a:t>
-            </a:r>
-            <a:endParaRPr lang="en-SG" sz="1050" dirty="0">
-              <a:solidFill>
-                <a:schemeClr val="bg1"/>
-              </a:solidFill>
-            </a:endParaRPr>
-          </a:p>
-        </p:txBody>
-      </p:sp>
       <p:cxnSp>
         <p:nvCxnSpPr>
-          <p:cNvPr id="10" name="Elbow Connector 63"/>
-          <p:cNvCxnSpPr>
-            <a:stCxn id="9" idx="2"/>
-            <a:endCxn id="2" idx="0"/>
-          </p:cNvCxnSpPr>
+          <p:cNvPr id="3" name="Elbow Connector 122">
+            <a:extLst>
+              <a:ext uri="{FF2B5EF4-FFF2-40B4-BE49-F238E27FC236}">
+                <a16:creationId xmlns:a16="http://schemas.microsoft.com/office/drawing/2014/main" id="{F3803FE9-E27A-0F47-B4AF-B156F3273EE2}"/>
+              </a:ext>
+            </a:extLst>
+          </p:cNvPr>
+          <p:cNvCxnSpPr/>
           <p:nvPr/>
         </p:nvCxnSpPr>
         <p:spPr>
-          <a:xfrm rot="16200000" flipH="1">
-            <a:off x="2529445" y="2227899"/>
-            <a:ext cx="223536" cy="3106"/>
+          <a:xfrm flipV="1">
+            <a:off x="114748" y="3352800"/>
+            <a:ext cx="684904" cy="1"/>
           </a:xfrm>
           <a:prstGeom prst="bentConnector3">
             <a:avLst>
@@ -3704,8 +3618,11 @@
           </a:prstGeom>
           <a:ln w="19050">
             <a:solidFill>
-              <a:srgbClr val="00B050"/>
+              <a:schemeClr val="bg1">
+                <a:lumMod val="75000"/>
+              </a:schemeClr>
             </a:solidFill>
+            <a:prstDash val="sysDot"/>
             <a:headEnd type="none" w="med" len="med"/>
             <a:tailEnd type="arrow" w="med" len="med"/>
           </a:ln>
@@ -3728,77 +3645,31 @@
       </p:cxnSp>
       <p:sp>
         <p:nvSpPr>
-          <p:cNvPr id="16" name="Isosceles Triangle 102"/>
+          <p:cNvPr id="4" name="Rectangle 62">
+            <a:extLst>
+              <a:ext uri="{FF2B5EF4-FFF2-40B4-BE49-F238E27FC236}">
+                <a16:creationId xmlns:a16="http://schemas.microsoft.com/office/drawing/2014/main" id="{A2629682-C98F-8243-B8FA-8C31FA10AE42}"/>
+              </a:ext>
+            </a:extLst>
+          </p:cNvPr>
           <p:cNvSpPr/>
           <p:nvPr/>
         </p:nvSpPr>
         <p:spPr>
-          <a:xfrm rot="10800000" flipV="1">
-            <a:off x="5394717" y="2110477"/>
-            <a:ext cx="270504" cy="175523"/>
-          </a:xfrm>
-          <a:prstGeom prst="triangle">
+          <a:xfrm rot="16200000">
+            <a:off x="421907" y="3179419"/>
+            <a:ext cx="1093635" cy="346760"/>
+          </a:xfrm>
+          <a:prstGeom prst="rect">
             <a:avLst/>
           </a:prstGeom>
-          <a:ln w="6350">
-            <a:solidFill>
-              <a:schemeClr val="accent3"/>
-            </a:solidFill>
-          </a:ln>
-          <a:effectLst/>
-        </p:spPr>
-        <p:style>
-          <a:lnRef idx="1">
-            <a:schemeClr val="accent3"/>
-          </a:lnRef>
-          <a:fillRef idx="2">
-            <a:schemeClr val="accent3"/>
-          </a:fillRef>
-          <a:effectRef idx="1">
-            <a:schemeClr val="accent3"/>
-          </a:effectRef>
-          <a:fontRef idx="minor">
-            <a:schemeClr val="dk1"/>
-          </a:fontRef>
-        </p:style>
-        <p:txBody>
-          <a:bodyPr rtlCol="0" anchor="ctr"/>
-          <a:lstStyle/>
-          <a:p>
-            <a:pPr algn="ctr"/>
-            <a:endParaRPr lang="en-SG" sz="1050" b="1">
-              <a:solidFill>
-                <a:srgbClr val="92D050"/>
-              </a:solidFill>
-            </a:endParaRPr>
-          </a:p>
-        </p:txBody>
-      </p:sp>
-      <p:cxnSp>
-        <p:nvCxnSpPr>
-          <p:cNvPr id="19" name="Elbow Connector 122"/>
-          <p:cNvCxnSpPr/>
-          <p:nvPr/>
-        </p:nvCxnSpPr>
-        <p:spPr>
-          <a:xfrm flipV="1">
-            <a:off x="644735" y="2991937"/>
-            <a:ext cx="684904" cy="1"/>
-          </a:xfrm>
-          <a:prstGeom prst="bentConnector3">
-            <a:avLst>
-              <a:gd name="adj1" fmla="val 50000"/>
-            </a:avLst>
-          </a:prstGeom>
+          <a:solidFill>
+            <a:srgbClr val="00B050"/>
+          </a:solidFill>
           <a:ln w="19050">
             <a:solidFill>
-              <a:schemeClr val="bg1">
-                <a:lumMod val="75000"/>
-              </a:schemeClr>
+              <a:srgbClr val="00B050"/>
             </a:solidFill>
-            <a:prstDash val="sysDot"/>
-            <a:headEnd type="none" w="med" len="med"/>
-            <a:tailEnd type="arrow" w="med" len="med"/>
           </a:ln>
           <a:effectLst/>
         </p:spPr>
@@ -3816,29 +3687,119 @@
             <a:schemeClr val="dk1"/>
           </a:fontRef>
         </p:style>
-      </p:cxnSp>
-      <p:sp>
-        <p:nvSpPr>
-          <p:cNvPr id="22" name="Rectangle 65"/>
+        <p:txBody>
+          <a:bodyPr rtlCol="0" anchor="ctr"/>
+          <a:lstStyle/>
+          <a:p>
+            <a:pPr algn="ctr"/>
+            <a:r>
+              <a:rPr lang="en-US" sz="1050" dirty="0">
+                <a:solidFill>
+                  <a:schemeClr val="bg1"/>
+                </a:solidFill>
+              </a:rPr>
+              <a:t>&lt;&lt;interface&gt;&gt;</a:t>
+            </a:r>
+          </a:p>
+          <a:p>
+            <a:pPr algn="ctr"/>
+            <a:r>
+              <a:rPr lang="en-US" sz="1050" dirty="0">
+                <a:solidFill>
+                  <a:schemeClr val="bg1"/>
+                </a:solidFill>
+              </a:rPr>
+              <a:t>Ui</a:t>
+            </a:r>
+            <a:endParaRPr lang="en-SG" sz="1050" dirty="0">
+              <a:solidFill>
+                <a:schemeClr val="bg1"/>
+              </a:solidFill>
+            </a:endParaRPr>
+          </a:p>
+        </p:txBody>
+      </p:sp>
+      <p:sp>
+        <p:nvSpPr>
+          <p:cNvPr id="5" name="Isosceles Triangle 102">
+            <a:extLst>
+              <a:ext uri="{FF2B5EF4-FFF2-40B4-BE49-F238E27FC236}">
+                <a16:creationId xmlns:a16="http://schemas.microsoft.com/office/drawing/2014/main" id="{A8C0E359-F755-DA4A-B479-8BC9230A8549}"/>
+              </a:ext>
+            </a:extLst>
+          </p:cNvPr>
           <p:cNvSpPr/>
           <p:nvPr/>
         </p:nvSpPr>
         <p:spPr>
-          <a:xfrm rot="16200000">
-            <a:off x="5703829" y="2464877"/>
-            <a:ext cx="2362201" cy="328045"/>
-          </a:xfrm>
-          <a:prstGeom prst="roundRect">
+          <a:xfrm flipV="1">
+            <a:off x="833472" y="2630458"/>
+            <a:ext cx="270504" cy="175523"/>
+          </a:xfrm>
+          <a:prstGeom prst="triangle">
             <a:avLst/>
           </a:prstGeom>
+          <a:ln w="19050">
+            <a:solidFill>
+              <a:srgbClr val="00B050"/>
+            </a:solidFill>
+          </a:ln>
+          <a:effectLst/>
+        </p:spPr>
+        <p:style>
+          <a:lnRef idx="1">
+            <a:schemeClr val="accent3"/>
+          </a:lnRef>
+          <a:fillRef idx="2">
+            <a:schemeClr val="accent3"/>
+          </a:fillRef>
+          <a:effectRef idx="1">
+            <a:schemeClr val="accent3"/>
+          </a:effectRef>
+          <a:fontRef idx="minor">
+            <a:schemeClr val="dk1"/>
+          </a:fontRef>
+        </p:style>
+        <p:txBody>
+          <a:bodyPr rtlCol="0" anchor="ctr"/>
+          <a:lstStyle/>
+          <a:p>
+            <a:pPr algn="ctr"/>
+            <a:endParaRPr lang="en-SG" sz="1050" b="1" dirty="0">
+              <a:solidFill>
+                <a:srgbClr val="92D050"/>
+              </a:solidFill>
+            </a:endParaRPr>
+          </a:p>
+        </p:txBody>
+      </p:sp>
+      <p:sp>
+        <p:nvSpPr>
+          <p:cNvPr id="6" name="Rectangle 62">
+            <a:extLst>
+              <a:ext uri="{FF2B5EF4-FFF2-40B4-BE49-F238E27FC236}">
+                <a16:creationId xmlns:a16="http://schemas.microsoft.com/office/drawing/2014/main" id="{140DD81B-21F1-8B41-B167-4426801F8438}"/>
+              </a:ext>
+            </a:extLst>
+          </p:cNvPr>
+          <p:cNvSpPr/>
+          <p:nvPr/>
+        </p:nvSpPr>
+        <p:spPr>
+          <a:xfrm>
+            <a:off x="1059587" y="466590"/>
+            <a:ext cx="1093635" cy="346760"/>
+          </a:xfrm>
+          <a:prstGeom prst="rect">
+            <a:avLst/>
+          </a:prstGeom>
           <a:solidFill>
-            <a:schemeClr val="accent1">
-              <a:lumMod val="20000"/>
-              <a:lumOff val="80000"/>
-            </a:schemeClr>
+            <a:srgbClr val="00B050"/>
           </a:solidFill>
           <a:ln w="19050">
-            <a:noFill/>
+            <a:solidFill>
+              <a:srgbClr val="00B050"/>
+            </a:solidFill>
           </a:ln>
           <a:effectLst/>
         </p:spPr>
@@ -3862,14 +3823,14 @@
           <a:p>
             <a:pPr algn="ctr"/>
             <a:r>
-              <a:rPr lang="en-US" sz="1100" b="1" dirty="0">
+              <a:rPr lang="en-US" sz="1050" dirty="0">
                 <a:solidFill>
                   <a:schemeClr val="bg1"/>
                 </a:solidFill>
               </a:rPr>
-              <a:t>Logic</a:t>
-            </a:r>
-            <a:endParaRPr lang="en-SG" sz="1100" b="1" dirty="0">
+              <a:t>UiManager</a:t>
+            </a:r>
+            <a:endParaRPr lang="en-SG" sz="1050" dirty="0">
               <a:solidFill>
                 <a:schemeClr val="bg1"/>
               </a:solidFill>
@@ -3879,14 +3840,20 @@
       </p:sp>
       <p:sp>
         <p:nvSpPr>
-          <p:cNvPr id="34" name="Rectangle 11"/>
+          <p:cNvPr id="7" name="Rectangle 8">
+            <a:extLst>
+              <a:ext uri="{FF2B5EF4-FFF2-40B4-BE49-F238E27FC236}">
+                <a16:creationId xmlns:a16="http://schemas.microsoft.com/office/drawing/2014/main" id="{B41903BE-BB36-E049-BB23-E37D317E91E9}"/>
+              </a:ext>
+            </a:extLst>
+          </p:cNvPr>
           <p:cNvSpPr/>
           <p:nvPr/>
         </p:nvSpPr>
         <p:spPr>
           <a:xfrm>
-            <a:off x="2592528" y="3649359"/>
-            <a:ext cx="1093635" cy="236841"/>
+            <a:off x="1103976" y="1051834"/>
+            <a:ext cx="1093635" cy="346760"/>
           </a:xfrm>
           <a:prstGeom prst="rect">
             <a:avLst/>
@@ -3918,14 +3885,14 @@
           <a:p>
             <a:pPr algn="ctr"/>
             <a:r>
-              <a:rPr lang="en-US" sz="1050" b="1" dirty="0" err="1">
+              <a:rPr lang="en-US" sz="1050" b="1" dirty="0">
                 <a:solidFill>
                   <a:schemeClr val="accent3">
                     <a:lumMod val="75000"/>
                   </a:schemeClr>
                 </a:solidFill>
               </a:rPr>
-              <a:t>BrowserPanel</a:t>
+              <a:t>MainWindow</a:t>
             </a:r>
             <a:endParaRPr lang="en-SG" sz="1050" b="1" dirty="0">
               <a:solidFill>
@@ -3937,415 +3904,34 @@
           </a:p>
         </p:txBody>
       </p:sp>
-      <p:sp>
-        <p:nvSpPr>
-          <p:cNvPr id="35" name="Rectangle 11"/>
-          <p:cNvSpPr/>
-          <p:nvPr/>
-        </p:nvSpPr>
-        <p:spPr>
-          <a:xfrm>
-            <a:off x="2592527" y="4563759"/>
-            <a:ext cx="1093635" cy="236841"/>
-          </a:xfrm>
-          <a:prstGeom prst="rect">
-            <a:avLst/>
-          </a:prstGeom>
-          <a:ln w="19050">
-            <a:solidFill>
-              <a:schemeClr val="accent3"/>
-            </a:solidFill>
-          </a:ln>
-          <a:effectLst/>
-        </p:spPr>
-        <p:style>
-          <a:lnRef idx="1">
-            <a:schemeClr val="accent3"/>
-          </a:lnRef>
-          <a:fillRef idx="2">
-            <a:schemeClr val="accent3"/>
-          </a:fillRef>
-          <a:effectRef idx="1">
-            <a:schemeClr val="accent3"/>
-          </a:effectRef>
-          <a:fontRef idx="minor">
-            <a:schemeClr val="dk1"/>
-          </a:fontRef>
-        </p:style>
-        <p:txBody>
-          <a:bodyPr rtlCol="0" anchor="ctr"/>
-          <a:lstStyle/>
-          <a:p>
-            <a:pPr algn="ctr"/>
-            <a:r>
-              <a:rPr lang="en-US" sz="1050" b="1" dirty="0" err="1">
-                <a:solidFill>
-                  <a:schemeClr val="accent3">
-                    <a:lumMod val="75000"/>
-                  </a:schemeClr>
-                </a:solidFill>
-              </a:rPr>
-              <a:t>StatusBarFooter</a:t>
-            </a:r>
-            <a:endParaRPr lang="en-SG" sz="1050" b="1" dirty="0">
-              <a:solidFill>
-                <a:schemeClr val="accent3">
-                  <a:lumMod val="75000"/>
-                </a:schemeClr>
-              </a:solidFill>
-            </a:endParaRPr>
-          </a:p>
-        </p:txBody>
-      </p:sp>
-      <p:sp>
-        <p:nvSpPr>
-          <p:cNvPr id="36" name="Rectangle 11"/>
-          <p:cNvSpPr/>
-          <p:nvPr/>
-        </p:nvSpPr>
-        <p:spPr>
-          <a:xfrm>
-            <a:off x="2592526" y="3991960"/>
-            <a:ext cx="1093635" cy="236841"/>
-          </a:xfrm>
-          <a:prstGeom prst="rect">
-            <a:avLst/>
-          </a:prstGeom>
-          <a:ln w="19050">
-            <a:solidFill>
-              <a:schemeClr val="accent3"/>
-            </a:solidFill>
-          </a:ln>
-          <a:effectLst/>
-        </p:spPr>
-        <p:style>
-          <a:lnRef idx="1">
-            <a:schemeClr val="accent3"/>
-          </a:lnRef>
-          <a:fillRef idx="2">
-            <a:schemeClr val="accent3"/>
-          </a:fillRef>
-          <a:effectRef idx="1">
-            <a:schemeClr val="accent3"/>
-          </a:effectRef>
-          <a:fontRef idx="minor">
-            <a:schemeClr val="dk1"/>
-          </a:fontRef>
-        </p:style>
-        <p:txBody>
-          <a:bodyPr rtlCol="0" anchor="ctr"/>
-          <a:lstStyle/>
-          <a:p>
-            <a:pPr algn="ctr"/>
-            <a:r>
-              <a:rPr lang="en-US" sz="1050" b="1" dirty="0" err="1">
-                <a:solidFill>
-                  <a:schemeClr val="accent3">
-                    <a:lumMod val="75000"/>
-                  </a:schemeClr>
-                </a:solidFill>
-              </a:rPr>
-              <a:t>PersonListPanel</a:t>
-            </a:r>
-            <a:endParaRPr lang="en-SG" sz="1050" b="1" dirty="0">
-              <a:solidFill>
-                <a:schemeClr val="accent3">
-                  <a:lumMod val="75000"/>
-                </a:schemeClr>
-              </a:solidFill>
-            </a:endParaRPr>
-          </a:p>
-        </p:txBody>
-      </p:sp>
-      <p:sp>
-        <p:nvSpPr>
-          <p:cNvPr id="37" name="Rectangle 11"/>
-          <p:cNvSpPr/>
-          <p:nvPr/>
-        </p:nvSpPr>
-        <p:spPr>
-          <a:xfrm>
-            <a:off x="3839323" y="4228801"/>
-            <a:ext cx="1040906" cy="236841"/>
-          </a:xfrm>
-          <a:prstGeom prst="rect">
-            <a:avLst/>
-          </a:prstGeom>
-          <a:ln w="19050">
-            <a:solidFill>
-              <a:schemeClr val="accent3"/>
-            </a:solidFill>
-          </a:ln>
-          <a:effectLst/>
-        </p:spPr>
-        <p:style>
-          <a:lnRef idx="1">
-            <a:schemeClr val="accent3"/>
-          </a:lnRef>
-          <a:fillRef idx="2">
-            <a:schemeClr val="accent3"/>
-          </a:fillRef>
-          <a:effectRef idx="1">
-            <a:schemeClr val="accent3"/>
-          </a:effectRef>
-          <a:fontRef idx="minor">
-            <a:schemeClr val="dk1"/>
-          </a:fontRef>
-        </p:style>
-        <p:txBody>
-          <a:bodyPr rtlCol="0" anchor="ctr"/>
-          <a:lstStyle/>
-          <a:p>
-            <a:pPr algn="ctr"/>
-            <a:r>
-              <a:rPr lang="en-US" sz="1050" b="1" dirty="0" err="1">
-                <a:solidFill>
-                  <a:schemeClr val="accent3">
-                    <a:lumMod val="75000"/>
-                  </a:schemeClr>
-                </a:solidFill>
-              </a:rPr>
-              <a:t>PersonCard</a:t>
-            </a:r>
-            <a:endParaRPr lang="en-SG" sz="1050" b="1" dirty="0">
-              <a:solidFill>
-                <a:schemeClr val="accent3">
-                  <a:lumMod val="75000"/>
-                </a:schemeClr>
-              </a:solidFill>
-            </a:endParaRPr>
-          </a:p>
-        </p:txBody>
-      </p:sp>
-      <p:sp>
-        <p:nvSpPr>
-          <p:cNvPr id="38" name="Rectangle 11"/>
-          <p:cNvSpPr/>
-          <p:nvPr/>
-        </p:nvSpPr>
-        <p:spPr>
-          <a:xfrm>
-            <a:off x="2592528" y="4966000"/>
-            <a:ext cx="1093635" cy="236841"/>
-          </a:xfrm>
-          <a:prstGeom prst="rect">
-            <a:avLst/>
-          </a:prstGeom>
-          <a:ln w="19050">
-            <a:solidFill>
-              <a:schemeClr val="accent3"/>
-            </a:solidFill>
-          </a:ln>
-          <a:effectLst/>
-        </p:spPr>
-        <p:style>
-          <a:lnRef idx="1">
-            <a:schemeClr val="accent3"/>
-          </a:lnRef>
-          <a:fillRef idx="2">
-            <a:schemeClr val="accent3"/>
-          </a:fillRef>
-          <a:effectRef idx="1">
-            <a:schemeClr val="accent3"/>
-          </a:effectRef>
-          <a:fontRef idx="minor">
-            <a:schemeClr val="dk1"/>
-          </a:fontRef>
-        </p:style>
-        <p:txBody>
-          <a:bodyPr rtlCol="0" anchor="ctr"/>
-          <a:lstStyle/>
-          <a:p>
-            <a:pPr algn="ctr"/>
-            <a:r>
-              <a:rPr lang="en-US" sz="1050" b="1" dirty="0" err="1">
-                <a:solidFill>
-                  <a:schemeClr val="accent3">
-                    <a:lumMod val="75000"/>
-                  </a:schemeClr>
-                </a:solidFill>
-              </a:rPr>
-              <a:t>HelpWindow</a:t>
-            </a:r>
-            <a:endParaRPr lang="en-SG" sz="1050" b="1" dirty="0">
-              <a:solidFill>
-                <a:schemeClr val="accent3">
-                  <a:lumMod val="75000"/>
-                </a:schemeClr>
-              </a:solidFill>
-            </a:endParaRPr>
-          </a:p>
-        </p:txBody>
-      </p:sp>
-      <p:sp>
-        <p:nvSpPr>
-          <p:cNvPr id="39" name="Flowchart: Decision 38"/>
-          <p:cNvSpPr/>
-          <p:nvPr/>
-        </p:nvSpPr>
-        <p:spPr>
-          <a:xfrm>
-            <a:off x="2324548" y="2706452"/>
-            <a:ext cx="183156" cy="161573"/>
-          </a:xfrm>
-          <a:prstGeom prst="flowChartDecision">
-            <a:avLst/>
-          </a:prstGeom>
-          <a:solidFill>
-            <a:schemeClr val="accent3"/>
-          </a:solidFill>
-          <a:ln>
-            <a:solidFill>
-              <a:schemeClr val="accent3"/>
-            </a:solidFill>
-          </a:ln>
-        </p:spPr>
-        <p:style>
-          <a:lnRef idx="2">
-            <a:schemeClr val="accent1">
-              <a:shade val="50000"/>
-            </a:schemeClr>
-          </a:lnRef>
-          <a:fillRef idx="1">
-            <a:schemeClr val="accent1"/>
-          </a:fillRef>
-          <a:effectRef idx="0">
-            <a:schemeClr val="accent1"/>
-          </a:effectRef>
-          <a:fontRef idx="minor">
-            <a:schemeClr val="lt1"/>
-          </a:fontRef>
-        </p:style>
-        <p:txBody>
-          <a:bodyPr rtlCol="0" anchor="ctr"/>
-          <a:lstStyle/>
-          <a:p>
-            <a:pPr algn="ctr"/>
-            <a:endParaRPr lang="en-SG"/>
-          </a:p>
-        </p:txBody>
-      </p:sp>
       <p:cxnSp>
         <p:nvCxnSpPr>
-          <p:cNvPr id="40" name="Elbow Connector 63"/>
+          <p:cNvPr id="8" name="Elbow Connector 63">
+            <a:extLst>
+              <a:ext uri="{FF2B5EF4-FFF2-40B4-BE49-F238E27FC236}">
+                <a16:creationId xmlns:a16="http://schemas.microsoft.com/office/drawing/2014/main" id="{8764A947-AC60-7542-8D90-9758C3A82427}"/>
+              </a:ext>
+            </a:extLst>
+          </p:cNvPr>
           <p:cNvCxnSpPr>
-            <a:stCxn id="39" idx="2"/>
-            <a:endCxn id="3" idx="1"/>
+            <a:cxnSpLocks/>
+            <a:endCxn id="7" idx="0"/>
           </p:cNvCxnSpPr>
           <p:nvPr/>
         </p:nvCxnSpPr>
         <p:spPr>
-          <a:xfrm rot="16200000" flipH="1">
-            <a:off x="2393229" y="2890922"/>
-            <a:ext cx="222196" cy="176402"/>
-          </a:xfrm>
-          <a:prstGeom prst="bentConnector2">
-            <a:avLst/>
+          <a:xfrm rot="5400000" flipH="1" flipV="1">
+            <a:off x="1642909" y="1059718"/>
+            <a:ext cx="15768" cy="1"/>
+          </a:xfrm>
+          <a:prstGeom prst="bentConnector3">
+            <a:avLst>
+              <a:gd name="adj1" fmla="val 1549772"/>
+            </a:avLst>
           </a:prstGeom>
           <a:ln w="19050">
             <a:solidFill>
-              <a:schemeClr val="accent3"/>
-            </a:solidFill>
-            <a:headEnd type="none" w="med" len="med"/>
-            <a:tailEnd type="arrow" w="med" len="med"/>
-          </a:ln>
-          <a:effectLst/>
-        </p:spPr>
-        <p:style>
-          <a:lnRef idx="1">
-            <a:schemeClr val="accent2"/>
-          </a:lnRef>
-          <a:fillRef idx="2">
-            <a:schemeClr val="accent2"/>
-          </a:fillRef>
-          <a:effectRef idx="1">
-            <a:schemeClr val="accent2"/>
-          </a:effectRef>
-          <a:fontRef idx="minor">
-            <a:schemeClr val="dk1"/>
-          </a:fontRef>
-        </p:style>
-      </p:cxnSp>
-      <p:sp>
-        <p:nvSpPr>
-          <p:cNvPr id="43" name="Rectangle 11"/>
-          <p:cNvSpPr/>
-          <p:nvPr/>
-        </p:nvSpPr>
-        <p:spPr>
-          <a:xfrm>
-            <a:off x="2590799" y="3304308"/>
-            <a:ext cx="1095361" cy="236841"/>
-          </a:xfrm>
-          <a:prstGeom prst="rect">
-            <a:avLst/>
-          </a:prstGeom>
-          <a:ln w="19050">
-            <a:solidFill>
-              <a:schemeClr val="accent3"/>
-            </a:solidFill>
-          </a:ln>
-          <a:effectLst/>
-        </p:spPr>
-        <p:style>
-          <a:lnRef idx="1">
-            <a:schemeClr val="accent3"/>
-          </a:lnRef>
-          <a:fillRef idx="2">
-            <a:schemeClr val="accent3"/>
-          </a:fillRef>
-          <a:effectRef idx="1">
-            <a:schemeClr val="accent3"/>
-          </a:effectRef>
-          <a:fontRef idx="minor">
-            <a:schemeClr val="dk1"/>
-          </a:fontRef>
-        </p:style>
-        <p:txBody>
-          <a:bodyPr rtlCol="0" anchor="ctr"/>
-          <a:lstStyle/>
-          <a:p>
-            <a:pPr algn="ctr"/>
-            <a:r>
-              <a:rPr lang="en-US" sz="1050" b="1" dirty="0" err="1">
-                <a:solidFill>
-                  <a:schemeClr val="accent3">
-                    <a:lumMod val="75000"/>
-                  </a:schemeClr>
-                </a:solidFill>
-              </a:rPr>
-              <a:t>ResultDisplay</a:t>
-            </a:r>
-            <a:endParaRPr lang="en-SG" sz="1050" b="1" dirty="0">
-              <a:solidFill>
-                <a:schemeClr val="accent3">
-                  <a:lumMod val="75000"/>
-                </a:schemeClr>
-              </a:solidFill>
-            </a:endParaRPr>
-          </a:p>
-        </p:txBody>
-      </p:sp>
-      <p:cxnSp>
-        <p:nvCxnSpPr>
-          <p:cNvPr id="44" name="Elbow Connector 63"/>
-          <p:cNvCxnSpPr>
-            <a:stCxn id="39" idx="2"/>
-            <a:endCxn id="34" idx="1"/>
-          </p:cNvCxnSpPr>
-          <p:nvPr/>
-        </p:nvCxnSpPr>
-        <p:spPr>
-          <a:xfrm rot="16200000" flipH="1">
-            <a:off x="2054450" y="3229701"/>
-            <a:ext cx="899755" cy="176402"/>
-          </a:xfrm>
-          <a:prstGeom prst="bentConnector2">
-            <a:avLst/>
-          </a:prstGeom>
-          <a:ln w="19050">
-            <a:solidFill>
-              <a:schemeClr val="accent3"/>
+              <a:srgbClr val="00B050"/>
             </a:solidFill>
             <a:headEnd type="none" w="med" len="med"/>
             <a:tailEnd type="arrow" w="med" len="med"/>
@@ -4369,25 +3955,2091 @@
       </p:cxnSp>
       <p:cxnSp>
         <p:nvCxnSpPr>
-          <p:cNvPr id="47" name="Elbow Connector 63"/>
+          <p:cNvPr id="13" name="Elbow Connector 63">
+            <a:extLst>
+              <a:ext uri="{FF2B5EF4-FFF2-40B4-BE49-F238E27FC236}">
+                <a16:creationId xmlns:a16="http://schemas.microsoft.com/office/drawing/2014/main" id="{BA6E7D1D-EE54-9749-B361-DFC6E2F5F3A0}"/>
+              </a:ext>
+            </a:extLst>
+          </p:cNvPr>
           <p:cNvCxnSpPr>
-            <a:stCxn id="39" idx="2"/>
-            <a:endCxn id="36" idx="1"/>
+            <a:cxnSpLocks/>
+            <a:stCxn id="6" idx="1"/>
+            <a:endCxn id="5" idx="3"/>
           </p:cNvCxnSpPr>
           <p:nvPr/>
         </p:nvCxnSpPr>
         <p:spPr>
-          <a:xfrm rot="16200000" flipH="1">
-            <a:off x="1883148" y="3401003"/>
-            <a:ext cx="1242356" cy="176400"/>
+          <a:xfrm rot="10800000" flipV="1">
+            <a:off x="968725" y="639970"/>
+            <a:ext cx="90863" cy="1990488"/>
           </a:xfrm>
           <a:prstGeom prst="bentConnector2">
+            <a:avLst/>
+          </a:prstGeom>
+          <a:ln w="19050">
+            <a:solidFill>
+              <a:srgbClr val="00B050"/>
+            </a:solidFill>
+            <a:prstDash val="sysDot"/>
+            <a:headEnd type="none" w="med" len="med"/>
+            <a:tailEnd type="none" w="med" len="med"/>
+          </a:ln>
+          <a:effectLst/>
+        </p:spPr>
+        <p:style>
+          <a:lnRef idx="1">
+            <a:schemeClr val="accent2"/>
+          </a:lnRef>
+          <a:fillRef idx="2">
+            <a:schemeClr val="accent2"/>
+          </a:fillRef>
+          <a:effectRef idx="1">
+            <a:schemeClr val="accent2"/>
+          </a:effectRef>
+          <a:fontRef idx="minor">
+            <a:schemeClr val="dk1"/>
+          </a:fontRef>
+        </p:style>
+      </p:cxnSp>
+      <p:sp>
+        <p:nvSpPr>
+          <p:cNvPr id="22" name="Flowchart: Decision 38">
+            <a:extLst>
+              <a:ext uri="{FF2B5EF4-FFF2-40B4-BE49-F238E27FC236}">
+                <a16:creationId xmlns:a16="http://schemas.microsoft.com/office/drawing/2014/main" id="{409F0760-5243-E74C-B1C0-C72CF46F3D9E}"/>
+              </a:ext>
+            </a:extLst>
+          </p:cNvPr>
+          <p:cNvSpPr/>
+          <p:nvPr/>
+        </p:nvSpPr>
+        <p:spPr>
+          <a:xfrm>
+            <a:off x="1287503" y="1404689"/>
+            <a:ext cx="183156" cy="161573"/>
+          </a:xfrm>
+          <a:prstGeom prst="flowChartDecision">
+            <a:avLst/>
+          </a:prstGeom>
+          <a:solidFill>
+            <a:schemeClr val="accent3"/>
+          </a:solidFill>
+          <a:ln>
+            <a:solidFill>
+              <a:schemeClr val="accent3"/>
+            </a:solidFill>
+          </a:ln>
+        </p:spPr>
+        <p:style>
+          <a:lnRef idx="2">
+            <a:schemeClr val="accent1">
+              <a:shade val="50000"/>
+            </a:schemeClr>
+          </a:lnRef>
+          <a:fillRef idx="1">
+            <a:schemeClr val="accent1"/>
+          </a:fillRef>
+          <a:effectRef idx="0">
+            <a:schemeClr val="accent1"/>
+          </a:effectRef>
+          <a:fontRef idx="minor">
+            <a:schemeClr val="lt1"/>
+          </a:fontRef>
+        </p:style>
+        <p:txBody>
+          <a:bodyPr rtlCol="0" anchor="ctr"/>
+          <a:lstStyle/>
+          <a:p>
+            <a:pPr algn="ctr"/>
+            <a:endParaRPr lang="en-SG" dirty="0"/>
+          </a:p>
+        </p:txBody>
+      </p:sp>
+      <p:sp>
+        <p:nvSpPr>
+          <p:cNvPr id="23" name="Rectangle 11">
+            <a:extLst>
+              <a:ext uri="{FF2B5EF4-FFF2-40B4-BE49-F238E27FC236}">
+                <a16:creationId xmlns:a16="http://schemas.microsoft.com/office/drawing/2014/main" id="{A0213B3F-77D5-F541-BF1B-D220361CD27B}"/>
+              </a:ext>
+            </a:extLst>
+          </p:cNvPr>
+          <p:cNvSpPr/>
+          <p:nvPr/>
+        </p:nvSpPr>
+        <p:spPr>
+          <a:xfrm>
+            <a:off x="1961324" y="1683572"/>
+            <a:ext cx="1565055" cy="255145"/>
+          </a:xfrm>
+          <a:prstGeom prst="rect">
             <a:avLst/>
           </a:prstGeom>
           <a:ln w="19050">
             <a:solidFill>
               <a:schemeClr val="accent3"/>
             </a:solidFill>
+          </a:ln>
+          <a:effectLst/>
+        </p:spPr>
+        <p:style>
+          <a:lnRef idx="1">
+            <a:schemeClr val="accent3"/>
+          </a:lnRef>
+          <a:fillRef idx="2">
+            <a:schemeClr val="accent3"/>
+          </a:fillRef>
+          <a:effectRef idx="1">
+            <a:schemeClr val="accent3"/>
+          </a:effectRef>
+          <a:fontRef idx="minor">
+            <a:schemeClr val="dk1"/>
+          </a:fontRef>
+        </p:style>
+        <p:txBody>
+          <a:bodyPr rtlCol="0" anchor="ctr"/>
+          <a:lstStyle/>
+          <a:p>
+            <a:pPr algn="ctr"/>
+            <a:r>
+              <a:rPr lang="en-US" sz="1050" b="1" dirty="0">
+                <a:solidFill>
+                  <a:schemeClr val="accent3">
+                    <a:lumMod val="75000"/>
+                  </a:schemeClr>
+                </a:solidFill>
+              </a:rPr>
+              <a:t>HelpWindow</a:t>
+            </a:r>
+            <a:endParaRPr lang="en-SG" sz="1050" b="1" dirty="0">
+              <a:solidFill>
+                <a:schemeClr val="accent3">
+                  <a:lumMod val="75000"/>
+                </a:schemeClr>
+              </a:solidFill>
+            </a:endParaRPr>
+          </a:p>
+        </p:txBody>
+      </p:sp>
+      <p:sp>
+        <p:nvSpPr>
+          <p:cNvPr id="24" name="Rectangle 11">
+            <a:extLst>
+              <a:ext uri="{FF2B5EF4-FFF2-40B4-BE49-F238E27FC236}">
+                <a16:creationId xmlns:a16="http://schemas.microsoft.com/office/drawing/2014/main" id="{326CB16D-CE8F-8E43-89BF-58F006C16671}"/>
+              </a:ext>
+            </a:extLst>
+          </p:cNvPr>
+          <p:cNvSpPr/>
+          <p:nvPr/>
+        </p:nvSpPr>
+        <p:spPr>
+          <a:xfrm>
+            <a:off x="1961325" y="1996419"/>
+            <a:ext cx="1525726" cy="232289"/>
+          </a:xfrm>
+          <a:prstGeom prst="rect">
+            <a:avLst/>
+          </a:prstGeom>
+          <a:ln w="19050">
+            <a:solidFill>
+              <a:schemeClr val="accent3"/>
+            </a:solidFill>
+          </a:ln>
+          <a:effectLst/>
+        </p:spPr>
+        <p:style>
+          <a:lnRef idx="1">
+            <a:schemeClr val="accent3"/>
+          </a:lnRef>
+          <a:fillRef idx="2">
+            <a:schemeClr val="accent3"/>
+          </a:fillRef>
+          <a:effectRef idx="1">
+            <a:schemeClr val="accent3"/>
+          </a:effectRef>
+          <a:fontRef idx="minor">
+            <a:schemeClr val="dk1"/>
+          </a:fontRef>
+        </p:style>
+        <p:txBody>
+          <a:bodyPr rtlCol="0" anchor="ctr"/>
+          <a:lstStyle/>
+          <a:p>
+            <a:pPr algn="ctr"/>
+            <a:r>
+              <a:rPr lang="en-US" sz="1050" b="1" dirty="0">
+                <a:solidFill>
+                  <a:schemeClr val="accent3">
+                    <a:lumMod val="75000"/>
+                  </a:schemeClr>
+                </a:solidFill>
+              </a:rPr>
+              <a:t>CommandBox</a:t>
+            </a:r>
+            <a:endParaRPr lang="en-SG" sz="1050" b="1" dirty="0">
+              <a:solidFill>
+                <a:schemeClr val="accent3">
+                  <a:lumMod val="75000"/>
+                </a:schemeClr>
+              </a:solidFill>
+            </a:endParaRPr>
+          </a:p>
+        </p:txBody>
+      </p:sp>
+      <p:sp>
+        <p:nvSpPr>
+          <p:cNvPr id="40" name="Rectangle 11">
+            <a:extLst>
+              <a:ext uri="{FF2B5EF4-FFF2-40B4-BE49-F238E27FC236}">
+                <a16:creationId xmlns:a16="http://schemas.microsoft.com/office/drawing/2014/main" id="{46CD3760-6BA5-6145-9B85-7254A9A1AA8F}"/>
+              </a:ext>
+            </a:extLst>
+          </p:cNvPr>
+          <p:cNvSpPr/>
+          <p:nvPr/>
+        </p:nvSpPr>
+        <p:spPr>
+          <a:xfrm>
+            <a:off x="1941071" y="3065994"/>
+            <a:ext cx="1525726" cy="275798"/>
+          </a:xfrm>
+          <a:prstGeom prst="rect">
+            <a:avLst/>
+          </a:prstGeom>
+          <a:ln w="19050">
+            <a:solidFill>
+              <a:schemeClr val="accent3"/>
+            </a:solidFill>
+          </a:ln>
+          <a:effectLst/>
+        </p:spPr>
+        <p:style>
+          <a:lnRef idx="1">
+            <a:schemeClr val="accent3"/>
+          </a:lnRef>
+          <a:fillRef idx="2">
+            <a:schemeClr val="accent3"/>
+          </a:fillRef>
+          <a:effectRef idx="1">
+            <a:schemeClr val="accent3"/>
+          </a:effectRef>
+          <a:fontRef idx="minor">
+            <a:schemeClr val="dk1"/>
+          </a:fontRef>
+        </p:style>
+        <p:txBody>
+          <a:bodyPr rtlCol="0" anchor="ctr"/>
+          <a:lstStyle/>
+          <a:p>
+            <a:pPr algn="ctr"/>
+            <a:r>
+              <a:rPr lang="en-US" sz="1050" b="1" dirty="0">
+                <a:solidFill>
+                  <a:schemeClr val="accent3">
+                    <a:lumMod val="75000"/>
+                  </a:schemeClr>
+                </a:solidFill>
+              </a:rPr>
+              <a:t>BookingAndReservationPanel</a:t>
+            </a:r>
+            <a:endParaRPr lang="en-SG" sz="1050" b="1" dirty="0">
+              <a:solidFill>
+                <a:schemeClr val="accent3">
+                  <a:lumMod val="75000"/>
+                </a:schemeClr>
+              </a:solidFill>
+            </a:endParaRPr>
+          </a:p>
+        </p:txBody>
+      </p:sp>
+      <p:sp>
+        <p:nvSpPr>
+          <p:cNvPr id="42" name="Rectangle 11">
+            <a:extLst>
+              <a:ext uri="{FF2B5EF4-FFF2-40B4-BE49-F238E27FC236}">
+                <a16:creationId xmlns:a16="http://schemas.microsoft.com/office/drawing/2014/main" id="{F840BF25-7149-BB42-BAD0-E196BE175342}"/>
+              </a:ext>
+            </a:extLst>
+          </p:cNvPr>
+          <p:cNvSpPr/>
+          <p:nvPr/>
+        </p:nvSpPr>
+        <p:spPr>
+          <a:xfrm>
+            <a:off x="1885125" y="6398606"/>
+            <a:ext cx="1601926" cy="239590"/>
+          </a:xfrm>
+          <a:prstGeom prst="rect">
+            <a:avLst/>
+          </a:prstGeom>
+          <a:ln w="19050">
+            <a:solidFill>
+              <a:schemeClr val="accent3"/>
+            </a:solidFill>
+          </a:ln>
+          <a:effectLst/>
+        </p:spPr>
+        <p:style>
+          <a:lnRef idx="1">
+            <a:schemeClr val="accent3"/>
+          </a:lnRef>
+          <a:fillRef idx="2">
+            <a:schemeClr val="accent3"/>
+          </a:fillRef>
+          <a:effectRef idx="1">
+            <a:schemeClr val="accent3"/>
+          </a:effectRef>
+          <a:fontRef idx="minor">
+            <a:schemeClr val="dk1"/>
+          </a:fontRef>
+        </p:style>
+        <p:txBody>
+          <a:bodyPr rtlCol="0" anchor="ctr"/>
+          <a:lstStyle/>
+          <a:p>
+            <a:pPr algn="ctr"/>
+            <a:r>
+              <a:rPr lang="en-US" sz="1000" b="1" dirty="0">
+                <a:solidFill>
+                  <a:schemeClr val="accent3">
+                    <a:lumMod val="75000"/>
+                  </a:schemeClr>
+                </a:solidFill>
+              </a:rPr>
+              <a:t>CustomerListPanel</a:t>
+            </a:r>
+            <a:endParaRPr lang="en-SG" sz="1000" b="1" dirty="0">
+              <a:solidFill>
+                <a:schemeClr val="accent3">
+                  <a:lumMod val="75000"/>
+                </a:schemeClr>
+              </a:solidFill>
+            </a:endParaRPr>
+          </a:p>
+        </p:txBody>
+      </p:sp>
+      <p:sp>
+        <p:nvSpPr>
+          <p:cNvPr id="43" name="Rectangle 11">
+            <a:extLst>
+              <a:ext uri="{FF2B5EF4-FFF2-40B4-BE49-F238E27FC236}">
+                <a16:creationId xmlns:a16="http://schemas.microsoft.com/office/drawing/2014/main" id="{77BCA69D-3A05-F94A-B0EE-9F9A8817F0A6}"/>
+              </a:ext>
+            </a:extLst>
+          </p:cNvPr>
+          <p:cNvSpPr/>
+          <p:nvPr/>
+        </p:nvSpPr>
+        <p:spPr>
+          <a:xfrm>
+            <a:off x="1900016" y="5044370"/>
+            <a:ext cx="1601926" cy="257669"/>
+          </a:xfrm>
+          <a:prstGeom prst="rect">
+            <a:avLst/>
+          </a:prstGeom>
+          <a:ln w="19050">
+            <a:solidFill>
+              <a:schemeClr val="accent3"/>
+            </a:solidFill>
+          </a:ln>
+          <a:effectLst/>
+        </p:spPr>
+        <p:style>
+          <a:lnRef idx="1">
+            <a:schemeClr val="accent3"/>
+          </a:lnRef>
+          <a:fillRef idx="2">
+            <a:schemeClr val="accent3"/>
+          </a:fillRef>
+          <a:effectRef idx="1">
+            <a:schemeClr val="accent3"/>
+          </a:effectRef>
+          <a:fontRef idx="minor">
+            <a:schemeClr val="dk1"/>
+          </a:fontRef>
+        </p:style>
+        <p:txBody>
+          <a:bodyPr rtlCol="0" anchor="ctr"/>
+          <a:lstStyle/>
+          <a:p>
+            <a:pPr algn="ctr"/>
+            <a:r>
+              <a:rPr lang="en-SG" sz="1000" b="1" dirty="0">
+                <a:solidFill>
+                  <a:schemeClr val="accent3">
+                    <a:lumMod val="75000"/>
+                  </a:schemeClr>
+                </a:solidFill>
+              </a:rPr>
+              <a:t>ServiceTypeAndRoomTypePanel</a:t>
+            </a:r>
+          </a:p>
+        </p:txBody>
+      </p:sp>
+      <p:sp>
+        <p:nvSpPr>
+          <p:cNvPr id="44" name="Rectangle 11">
+            <a:extLst>
+              <a:ext uri="{FF2B5EF4-FFF2-40B4-BE49-F238E27FC236}">
+                <a16:creationId xmlns:a16="http://schemas.microsoft.com/office/drawing/2014/main" id="{1DFCEE79-8A78-9F4A-B3A7-D5472DE34F02}"/>
+              </a:ext>
+            </a:extLst>
+          </p:cNvPr>
+          <p:cNvSpPr/>
+          <p:nvPr/>
+        </p:nvSpPr>
+        <p:spPr>
+          <a:xfrm>
+            <a:off x="1954344" y="2723702"/>
+            <a:ext cx="1525726" cy="224944"/>
+          </a:xfrm>
+          <a:prstGeom prst="rect">
+            <a:avLst/>
+          </a:prstGeom>
+          <a:ln w="19050">
+            <a:solidFill>
+              <a:schemeClr val="accent3"/>
+            </a:solidFill>
+          </a:ln>
+          <a:effectLst/>
+        </p:spPr>
+        <p:style>
+          <a:lnRef idx="1">
+            <a:schemeClr val="accent3"/>
+          </a:lnRef>
+          <a:fillRef idx="2">
+            <a:schemeClr val="accent3"/>
+          </a:fillRef>
+          <a:effectRef idx="1">
+            <a:schemeClr val="accent3"/>
+          </a:effectRef>
+          <a:fontRef idx="minor">
+            <a:schemeClr val="dk1"/>
+          </a:fontRef>
+        </p:style>
+        <p:txBody>
+          <a:bodyPr lIns="90000" rtlCol="0" anchor="ctr"/>
+          <a:lstStyle/>
+          <a:p>
+            <a:pPr algn="ctr"/>
+            <a:r>
+              <a:rPr lang="en-US" sz="1050" b="1" dirty="0">
+                <a:solidFill>
+                  <a:schemeClr val="accent3">
+                    <a:lumMod val="75000"/>
+                  </a:schemeClr>
+                </a:solidFill>
+              </a:rPr>
+              <a:t>StatusBarFooter</a:t>
+            </a:r>
+            <a:endParaRPr lang="en-SG" sz="1050" b="1" dirty="0">
+              <a:solidFill>
+                <a:schemeClr val="accent3">
+                  <a:lumMod val="75000"/>
+                </a:schemeClr>
+              </a:solidFill>
+            </a:endParaRPr>
+          </a:p>
+        </p:txBody>
+      </p:sp>
+      <p:sp>
+        <p:nvSpPr>
+          <p:cNvPr id="45" name="Rectangle 11">
+            <a:extLst>
+              <a:ext uri="{FF2B5EF4-FFF2-40B4-BE49-F238E27FC236}">
+                <a16:creationId xmlns:a16="http://schemas.microsoft.com/office/drawing/2014/main" id="{7025838F-D6D5-9B4B-A323-4A19968ACE61}"/>
+              </a:ext>
+            </a:extLst>
+          </p:cNvPr>
+          <p:cNvSpPr/>
+          <p:nvPr/>
+        </p:nvSpPr>
+        <p:spPr>
+          <a:xfrm>
+            <a:off x="1961325" y="2344305"/>
+            <a:ext cx="1525726" cy="232289"/>
+          </a:xfrm>
+          <a:prstGeom prst="rect">
+            <a:avLst/>
+          </a:prstGeom>
+          <a:ln w="19050">
+            <a:solidFill>
+              <a:schemeClr val="accent3"/>
+            </a:solidFill>
+          </a:ln>
+          <a:effectLst/>
+        </p:spPr>
+        <p:style>
+          <a:lnRef idx="1">
+            <a:schemeClr val="accent3"/>
+          </a:lnRef>
+          <a:fillRef idx="2">
+            <a:schemeClr val="accent3"/>
+          </a:fillRef>
+          <a:effectRef idx="1">
+            <a:schemeClr val="accent3"/>
+          </a:effectRef>
+          <a:fontRef idx="minor">
+            <a:schemeClr val="dk1"/>
+          </a:fontRef>
+        </p:style>
+        <p:txBody>
+          <a:bodyPr rtlCol="0" anchor="ctr"/>
+          <a:lstStyle/>
+          <a:p>
+            <a:pPr algn="ctr"/>
+            <a:r>
+              <a:rPr lang="en-SG" sz="1050" b="1" dirty="0">
+                <a:solidFill>
+                  <a:schemeClr val="accent3">
+                    <a:lumMod val="75000"/>
+                  </a:schemeClr>
+                </a:solidFill>
+              </a:rPr>
+              <a:t>ResultDisplay</a:t>
+            </a:r>
+          </a:p>
+        </p:txBody>
+      </p:sp>
+      <p:sp>
+        <p:nvSpPr>
+          <p:cNvPr id="46" name="Rectangle 11">
+            <a:extLst>
+              <a:ext uri="{FF2B5EF4-FFF2-40B4-BE49-F238E27FC236}">
+                <a16:creationId xmlns:a16="http://schemas.microsoft.com/office/drawing/2014/main" id="{96B50C85-B570-2F42-BF78-9ABE02DC3B46}"/>
+              </a:ext>
+            </a:extLst>
+          </p:cNvPr>
+          <p:cNvSpPr/>
+          <p:nvPr/>
+        </p:nvSpPr>
+        <p:spPr>
+          <a:xfrm>
+            <a:off x="2822071" y="4708509"/>
+            <a:ext cx="1533609" cy="216364"/>
+          </a:xfrm>
+          <a:prstGeom prst="rect">
+            <a:avLst/>
+          </a:prstGeom>
+          <a:ln w="19050">
+            <a:solidFill>
+              <a:schemeClr val="accent3"/>
+            </a:solidFill>
+          </a:ln>
+          <a:effectLst/>
+        </p:spPr>
+        <p:style>
+          <a:lnRef idx="1">
+            <a:schemeClr val="accent3"/>
+          </a:lnRef>
+          <a:fillRef idx="2">
+            <a:schemeClr val="accent3"/>
+          </a:fillRef>
+          <a:effectRef idx="1">
+            <a:schemeClr val="accent3"/>
+          </a:effectRef>
+          <a:fontRef idx="minor">
+            <a:schemeClr val="dk1"/>
+          </a:fontRef>
+        </p:style>
+        <p:txBody>
+          <a:bodyPr rtlCol="0" anchor="ctr"/>
+          <a:lstStyle/>
+          <a:p>
+            <a:pPr algn="ctr"/>
+            <a:r>
+              <a:rPr lang="en-US" sz="1050" b="1" dirty="0">
+                <a:solidFill>
+                  <a:schemeClr val="accent3">
+                    <a:lumMod val="75000"/>
+                  </a:schemeClr>
+                </a:solidFill>
+              </a:rPr>
+              <a:t>BillPanel</a:t>
+            </a:r>
+            <a:endParaRPr lang="en-SG" sz="1050" b="1" dirty="0">
+              <a:solidFill>
+                <a:schemeClr val="accent3">
+                  <a:lumMod val="75000"/>
+                </a:schemeClr>
+              </a:solidFill>
+            </a:endParaRPr>
+          </a:p>
+        </p:txBody>
+      </p:sp>
+      <p:sp>
+        <p:nvSpPr>
+          <p:cNvPr id="47" name="Rectangle 11">
+            <a:extLst>
+              <a:ext uri="{FF2B5EF4-FFF2-40B4-BE49-F238E27FC236}">
+                <a16:creationId xmlns:a16="http://schemas.microsoft.com/office/drawing/2014/main" id="{C5A1AABB-D8A2-5248-A6A5-E93FAB835438}"/>
+              </a:ext>
+            </a:extLst>
+          </p:cNvPr>
+          <p:cNvSpPr/>
+          <p:nvPr/>
+        </p:nvSpPr>
+        <p:spPr>
+          <a:xfrm>
+            <a:off x="2822071" y="3423657"/>
+            <a:ext cx="1525726" cy="232289"/>
+          </a:xfrm>
+          <a:prstGeom prst="rect">
+            <a:avLst/>
+          </a:prstGeom>
+          <a:ln w="19050">
+            <a:solidFill>
+              <a:schemeClr val="accent3"/>
+            </a:solidFill>
+          </a:ln>
+          <a:effectLst/>
+        </p:spPr>
+        <p:style>
+          <a:lnRef idx="1">
+            <a:schemeClr val="accent3"/>
+          </a:lnRef>
+          <a:fillRef idx="2">
+            <a:schemeClr val="accent3"/>
+          </a:fillRef>
+          <a:effectRef idx="1">
+            <a:schemeClr val="accent3"/>
+          </a:effectRef>
+          <a:fontRef idx="minor">
+            <a:schemeClr val="dk1"/>
+          </a:fontRef>
+        </p:style>
+        <p:txBody>
+          <a:bodyPr rtlCol="0" anchor="ctr"/>
+          <a:lstStyle/>
+          <a:p>
+            <a:pPr algn="ctr"/>
+            <a:r>
+              <a:rPr lang="en-SG" sz="1050" b="1" dirty="0">
+                <a:solidFill>
+                  <a:schemeClr val="accent3">
+                    <a:lumMod val="75000"/>
+                  </a:schemeClr>
+                </a:solidFill>
+              </a:rPr>
+              <a:t>BookingListPanel</a:t>
+            </a:r>
+          </a:p>
+        </p:txBody>
+      </p:sp>
+      <p:sp>
+        <p:nvSpPr>
+          <p:cNvPr id="48" name="Rectangle 11">
+            <a:extLst>
+              <a:ext uri="{FF2B5EF4-FFF2-40B4-BE49-F238E27FC236}">
+                <a16:creationId xmlns:a16="http://schemas.microsoft.com/office/drawing/2014/main" id="{1F0CF977-1FAE-9A4F-9D69-7E35AAA06335}"/>
+              </a:ext>
+            </a:extLst>
+          </p:cNvPr>
+          <p:cNvSpPr/>
+          <p:nvPr/>
+        </p:nvSpPr>
+        <p:spPr>
+          <a:xfrm>
+            <a:off x="2759557" y="4046973"/>
+            <a:ext cx="1525726" cy="232289"/>
+          </a:xfrm>
+          <a:prstGeom prst="rect">
+            <a:avLst/>
+          </a:prstGeom>
+          <a:ln w="19050">
+            <a:solidFill>
+              <a:schemeClr val="accent3"/>
+            </a:solidFill>
+          </a:ln>
+          <a:effectLst/>
+        </p:spPr>
+        <p:style>
+          <a:lnRef idx="1">
+            <a:schemeClr val="accent3"/>
+          </a:lnRef>
+          <a:fillRef idx="2">
+            <a:schemeClr val="accent3"/>
+          </a:fillRef>
+          <a:effectRef idx="1">
+            <a:schemeClr val="accent3"/>
+          </a:effectRef>
+          <a:fontRef idx="minor">
+            <a:schemeClr val="dk1"/>
+          </a:fontRef>
+        </p:style>
+        <p:txBody>
+          <a:bodyPr rtlCol="0" anchor="ctr"/>
+          <a:lstStyle/>
+          <a:p>
+            <a:pPr algn="ctr"/>
+            <a:r>
+              <a:rPr lang="en-SG" sz="1050" b="1" dirty="0">
+                <a:solidFill>
+                  <a:schemeClr val="accent3">
+                    <a:lumMod val="75000"/>
+                  </a:schemeClr>
+                </a:solidFill>
+              </a:rPr>
+              <a:t>ReservationListPanel</a:t>
+            </a:r>
+          </a:p>
+        </p:txBody>
+      </p:sp>
+      <p:sp>
+        <p:nvSpPr>
+          <p:cNvPr id="51" name="Rectangle 11">
+            <a:extLst>
+              <a:ext uri="{FF2B5EF4-FFF2-40B4-BE49-F238E27FC236}">
+                <a16:creationId xmlns:a16="http://schemas.microsoft.com/office/drawing/2014/main" id="{E7770AB9-F6E3-FF4B-BB90-B134C7C7074B}"/>
+              </a:ext>
+            </a:extLst>
+          </p:cNvPr>
+          <p:cNvSpPr/>
+          <p:nvPr/>
+        </p:nvSpPr>
+        <p:spPr>
+          <a:xfrm>
+            <a:off x="3611654" y="6578516"/>
+            <a:ext cx="1525726" cy="232289"/>
+          </a:xfrm>
+          <a:prstGeom prst="rect">
+            <a:avLst/>
+          </a:prstGeom>
+          <a:ln w="19050">
+            <a:solidFill>
+              <a:schemeClr val="accent3"/>
+            </a:solidFill>
+          </a:ln>
+          <a:effectLst/>
+        </p:spPr>
+        <p:style>
+          <a:lnRef idx="1">
+            <a:schemeClr val="accent3"/>
+          </a:lnRef>
+          <a:fillRef idx="2">
+            <a:schemeClr val="accent3"/>
+          </a:fillRef>
+          <a:effectRef idx="1">
+            <a:schemeClr val="accent3"/>
+          </a:effectRef>
+          <a:fontRef idx="minor">
+            <a:schemeClr val="dk1"/>
+          </a:fontRef>
+        </p:style>
+        <p:txBody>
+          <a:bodyPr rtlCol="0" anchor="ctr"/>
+          <a:lstStyle/>
+          <a:p>
+            <a:pPr algn="ctr"/>
+            <a:r>
+              <a:rPr lang="en-SG" sz="1050" b="1" dirty="0">
+                <a:solidFill>
+                  <a:schemeClr val="accent3">
+                    <a:lumMod val="75000"/>
+                  </a:schemeClr>
+                </a:solidFill>
+              </a:rPr>
+              <a:t>CustomerCard</a:t>
+            </a:r>
+          </a:p>
+        </p:txBody>
+      </p:sp>
+      <p:sp>
+        <p:nvSpPr>
+          <p:cNvPr id="53" name="Rectangle 11">
+            <a:extLst>
+              <a:ext uri="{FF2B5EF4-FFF2-40B4-BE49-F238E27FC236}">
+                <a16:creationId xmlns:a16="http://schemas.microsoft.com/office/drawing/2014/main" id="{F5D2FED8-62F0-DE45-927F-CD7E0C657BDF}"/>
+              </a:ext>
+            </a:extLst>
+          </p:cNvPr>
+          <p:cNvSpPr/>
+          <p:nvPr/>
+        </p:nvSpPr>
+        <p:spPr>
+          <a:xfrm>
+            <a:off x="3630047" y="4401327"/>
+            <a:ext cx="1525726" cy="232289"/>
+          </a:xfrm>
+          <a:prstGeom prst="rect">
+            <a:avLst/>
+          </a:prstGeom>
+          <a:ln w="19050">
+            <a:solidFill>
+              <a:schemeClr val="accent3"/>
+            </a:solidFill>
+          </a:ln>
+          <a:effectLst/>
+        </p:spPr>
+        <p:style>
+          <a:lnRef idx="1">
+            <a:schemeClr val="accent3"/>
+          </a:lnRef>
+          <a:fillRef idx="2">
+            <a:schemeClr val="accent3"/>
+          </a:fillRef>
+          <a:effectRef idx="1">
+            <a:schemeClr val="accent3"/>
+          </a:effectRef>
+          <a:fontRef idx="minor">
+            <a:schemeClr val="dk1"/>
+          </a:fontRef>
+        </p:style>
+        <p:txBody>
+          <a:bodyPr rtlCol="0" anchor="ctr"/>
+          <a:lstStyle/>
+          <a:p>
+            <a:pPr algn="ctr"/>
+            <a:r>
+              <a:rPr lang="en-SG" sz="1050" b="1" dirty="0">
+                <a:solidFill>
+                  <a:schemeClr val="accent3">
+                    <a:lumMod val="75000"/>
+                  </a:schemeClr>
+                </a:solidFill>
+              </a:rPr>
+              <a:t>ReservationCard</a:t>
+            </a:r>
+          </a:p>
+        </p:txBody>
+      </p:sp>
+      <p:sp>
+        <p:nvSpPr>
+          <p:cNvPr id="54" name="Rectangle 11">
+            <a:extLst>
+              <a:ext uri="{FF2B5EF4-FFF2-40B4-BE49-F238E27FC236}">
+                <a16:creationId xmlns:a16="http://schemas.microsoft.com/office/drawing/2014/main" id="{D3CEE3E7-2128-CB4B-8F11-24BE00CCD248}"/>
+              </a:ext>
+            </a:extLst>
+          </p:cNvPr>
+          <p:cNvSpPr/>
+          <p:nvPr/>
+        </p:nvSpPr>
+        <p:spPr>
+          <a:xfrm>
+            <a:off x="2822071" y="5378369"/>
+            <a:ext cx="1525726" cy="232289"/>
+          </a:xfrm>
+          <a:prstGeom prst="rect">
+            <a:avLst/>
+          </a:prstGeom>
+          <a:ln w="19050">
+            <a:solidFill>
+              <a:schemeClr val="accent3"/>
+            </a:solidFill>
+          </a:ln>
+          <a:effectLst/>
+        </p:spPr>
+        <p:style>
+          <a:lnRef idx="1">
+            <a:schemeClr val="accent3"/>
+          </a:lnRef>
+          <a:fillRef idx="2">
+            <a:schemeClr val="accent3"/>
+          </a:fillRef>
+          <a:effectRef idx="1">
+            <a:schemeClr val="accent3"/>
+          </a:effectRef>
+          <a:fontRef idx="minor">
+            <a:schemeClr val="dk1"/>
+          </a:fontRef>
+        </p:style>
+        <p:txBody>
+          <a:bodyPr rtlCol="0" anchor="ctr"/>
+          <a:lstStyle/>
+          <a:p>
+            <a:pPr algn="ctr"/>
+            <a:r>
+              <a:rPr lang="en-SG" sz="1050" b="1" dirty="0">
+                <a:solidFill>
+                  <a:schemeClr val="accent3">
+                    <a:lumMod val="75000"/>
+                  </a:schemeClr>
+                </a:solidFill>
+              </a:rPr>
+              <a:t>ServiceTypeListPanel</a:t>
+            </a:r>
+          </a:p>
+        </p:txBody>
+      </p:sp>
+      <p:sp>
+        <p:nvSpPr>
+          <p:cNvPr id="56" name="Rectangle 11">
+            <a:extLst>
+              <a:ext uri="{FF2B5EF4-FFF2-40B4-BE49-F238E27FC236}">
+                <a16:creationId xmlns:a16="http://schemas.microsoft.com/office/drawing/2014/main" id="{7A7CE558-21C2-7B4D-AA59-A2740B2BF5E6}"/>
+              </a:ext>
+            </a:extLst>
+          </p:cNvPr>
+          <p:cNvSpPr/>
+          <p:nvPr/>
+        </p:nvSpPr>
+        <p:spPr>
+          <a:xfrm>
+            <a:off x="2822071" y="5946513"/>
+            <a:ext cx="1525726" cy="232289"/>
+          </a:xfrm>
+          <a:prstGeom prst="rect">
+            <a:avLst/>
+          </a:prstGeom>
+          <a:ln w="19050">
+            <a:solidFill>
+              <a:schemeClr val="accent3"/>
+            </a:solidFill>
+          </a:ln>
+          <a:effectLst/>
+        </p:spPr>
+        <p:style>
+          <a:lnRef idx="1">
+            <a:schemeClr val="accent3"/>
+          </a:lnRef>
+          <a:fillRef idx="2">
+            <a:schemeClr val="accent3"/>
+          </a:fillRef>
+          <a:effectRef idx="1">
+            <a:schemeClr val="accent3"/>
+          </a:effectRef>
+          <a:fontRef idx="minor">
+            <a:schemeClr val="dk1"/>
+          </a:fontRef>
+        </p:style>
+        <p:txBody>
+          <a:bodyPr rtlCol="0" anchor="ctr"/>
+          <a:lstStyle/>
+          <a:p>
+            <a:pPr algn="ctr"/>
+            <a:r>
+              <a:rPr lang="en-SG" sz="1050" b="1" dirty="0">
+                <a:solidFill>
+                  <a:schemeClr val="accent3">
+                    <a:lumMod val="75000"/>
+                  </a:schemeClr>
+                </a:solidFill>
+              </a:rPr>
+              <a:t>RoomTypeListPanel</a:t>
+            </a:r>
+          </a:p>
+        </p:txBody>
+      </p:sp>
+      <p:sp>
+        <p:nvSpPr>
+          <p:cNvPr id="57" name="Rectangle 11">
+            <a:extLst>
+              <a:ext uri="{FF2B5EF4-FFF2-40B4-BE49-F238E27FC236}">
+                <a16:creationId xmlns:a16="http://schemas.microsoft.com/office/drawing/2014/main" id="{3F85985F-1348-0845-87AA-43EDEA18BA89}"/>
+              </a:ext>
+            </a:extLst>
+          </p:cNvPr>
+          <p:cNvSpPr/>
+          <p:nvPr/>
+        </p:nvSpPr>
+        <p:spPr>
+          <a:xfrm>
+            <a:off x="3630047" y="3744538"/>
+            <a:ext cx="1525726" cy="232289"/>
+          </a:xfrm>
+          <a:prstGeom prst="rect">
+            <a:avLst/>
+          </a:prstGeom>
+          <a:ln w="19050">
+            <a:solidFill>
+              <a:schemeClr val="accent3"/>
+            </a:solidFill>
+          </a:ln>
+          <a:effectLst/>
+        </p:spPr>
+        <p:style>
+          <a:lnRef idx="1">
+            <a:schemeClr val="accent3"/>
+          </a:lnRef>
+          <a:fillRef idx="2">
+            <a:schemeClr val="accent3"/>
+          </a:fillRef>
+          <a:effectRef idx="1">
+            <a:schemeClr val="accent3"/>
+          </a:effectRef>
+          <a:fontRef idx="minor">
+            <a:schemeClr val="dk1"/>
+          </a:fontRef>
+        </p:style>
+        <p:txBody>
+          <a:bodyPr rtlCol="0" anchor="ctr"/>
+          <a:lstStyle/>
+          <a:p>
+            <a:pPr algn="ctr"/>
+            <a:r>
+              <a:rPr lang="en-SG" sz="1050" b="1" dirty="0">
+                <a:solidFill>
+                  <a:schemeClr val="accent3">
+                    <a:lumMod val="75000"/>
+                  </a:schemeClr>
+                </a:solidFill>
+              </a:rPr>
+              <a:t>BookingCard</a:t>
+            </a:r>
+          </a:p>
+        </p:txBody>
+      </p:sp>
+      <p:sp>
+        <p:nvSpPr>
+          <p:cNvPr id="58" name="Rectangle 11">
+            <a:extLst>
+              <a:ext uri="{FF2B5EF4-FFF2-40B4-BE49-F238E27FC236}">
+                <a16:creationId xmlns:a16="http://schemas.microsoft.com/office/drawing/2014/main" id="{68B1777A-D3AD-1D42-851A-28595FE3A92B}"/>
+              </a:ext>
+            </a:extLst>
+          </p:cNvPr>
+          <p:cNvSpPr/>
+          <p:nvPr/>
+        </p:nvSpPr>
+        <p:spPr>
+          <a:xfrm>
+            <a:off x="3630047" y="5679481"/>
+            <a:ext cx="1525726" cy="232289"/>
+          </a:xfrm>
+          <a:prstGeom prst="rect">
+            <a:avLst/>
+          </a:prstGeom>
+          <a:ln w="19050">
+            <a:solidFill>
+              <a:schemeClr val="accent3"/>
+            </a:solidFill>
+          </a:ln>
+          <a:effectLst/>
+        </p:spPr>
+        <p:style>
+          <a:lnRef idx="1">
+            <a:schemeClr val="accent3"/>
+          </a:lnRef>
+          <a:fillRef idx="2">
+            <a:schemeClr val="accent3"/>
+          </a:fillRef>
+          <a:effectRef idx="1">
+            <a:schemeClr val="accent3"/>
+          </a:effectRef>
+          <a:fontRef idx="minor">
+            <a:schemeClr val="dk1"/>
+          </a:fontRef>
+        </p:style>
+        <p:txBody>
+          <a:bodyPr rtlCol="0" anchor="ctr"/>
+          <a:lstStyle/>
+          <a:p>
+            <a:pPr algn="ctr"/>
+            <a:r>
+              <a:rPr lang="en-SG" sz="1050" b="1" dirty="0">
+                <a:solidFill>
+                  <a:schemeClr val="accent3">
+                    <a:lumMod val="75000"/>
+                  </a:schemeClr>
+                </a:solidFill>
+              </a:rPr>
+              <a:t>ServiceTypeListCard</a:t>
+            </a:r>
+          </a:p>
+        </p:txBody>
+      </p:sp>
+      <p:sp>
+        <p:nvSpPr>
+          <p:cNvPr id="59" name="Rectangle 11">
+            <a:extLst>
+              <a:ext uri="{FF2B5EF4-FFF2-40B4-BE49-F238E27FC236}">
+                <a16:creationId xmlns:a16="http://schemas.microsoft.com/office/drawing/2014/main" id="{074A8131-32E6-5F4C-83E7-B616AAA690D4}"/>
+              </a:ext>
+            </a:extLst>
+          </p:cNvPr>
+          <p:cNvSpPr/>
+          <p:nvPr/>
+        </p:nvSpPr>
+        <p:spPr>
+          <a:xfrm>
+            <a:off x="3622164" y="6236503"/>
+            <a:ext cx="1525726" cy="232289"/>
+          </a:xfrm>
+          <a:prstGeom prst="rect">
+            <a:avLst/>
+          </a:prstGeom>
+          <a:ln w="19050">
+            <a:solidFill>
+              <a:schemeClr val="accent3"/>
+            </a:solidFill>
+          </a:ln>
+          <a:effectLst/>
+        </p:spPr>
+        <p:style>
+          <a:lnRef idx="1">
+            <a:schemeClr val="accent3"/>
+          </a:lnRef>
+          <a:fillRef idx="2">
+            <a:schemeClr val="accent3"/>
+          </a:fillRef>
+          <a:effectRef idx="1">
+            <a:schemeClr val="accent3"/>
+          </a:effectRef>
+          <a:fontRef idx="minor">
+            <a:schemeClr val="dk1"/>
+          </a:fontRef>
+        </p:style>
+        <p:txBody>
+          <a:bodyPr rtlCol="0" anchor="ctr"/>
+          <a:lstStyle/>
+          <a:p>
+            <a:pPr algn="ctr"/>
+            <a:r>
+              <a:rPr lang="en-SG" sz="1050" b="1" dirty="0">
+                <a:solidFill>
+                  <a:schemeClr val="accent3">
+                    <a:lumMod val="75000"/>
+                  </a:schemeClr>
+                </a:solidFill>
+              </a:rPr>
+              <a:t>RoomTypeListCard</a:t>
+            </a:r>
+          </a:p>
+        </p:txBody>
+      </p:sp>
+      <p:sp>
+        <p:nvSpPr>
+          <p:cNvPr id="61" name="Rectangle 62">
+            <a:extLst>
+              <a:ext uri="{FF2B5EF4-FFF2-40B4-BE49-F238E27FC236}">
+                <a16:creationId xmlns:a16="http://schemas.microsoft.com/office/drawing/2014/main" id="{E6122BE6-AD15-AA4C-A3AF-0F165E07E42B}"/>
+              </a:ext>
+            </a:extLst>
+          </p:cNvPr>
+          <p:cNvSpPr/>
+          <p:nvPr/>
+        </p:nvSpPr>
+        <p:spPr>
+          <a:xfrm>
+            <a:off x="6118118" y="332106"/>
+            <a:ext cx="772043" cy="346760"/>
+          </a:xfrm>
+          <a:prstGeom prst="rect">
+            <a:avLst/>
+          </a:prstGeom>
+          <a:ln w="6350">
+            <a:solidFill>
+              <a:schemeClr val="accent3"/>
+            </a:solidFill>
+          </a:ln>
+          <a:effectLst/>
+        </p:spPr>
+        <p:style>
+          <a:lnRef idx="1">
+            <a:schemeClr val="accent3"/>
+          </a:lnRef>
+          <a:fillRef idx="2">
+            <a:schemeClr val="accent3"/>
+          </a:fillRef>
+          <a:effectRef idx="1">
+            <a:schemeClr val="accent3"/>
+          </a:effectRef>
+          <a:fontRef idx="minor">
+            <a:schemeClr val="dk1"/>
+          </a:fontRef>
+        </p:style>
+        <p:txBody>
+          <a:bodyPr rtlCol="0" anchor="ctr"/>
+          <a:lstStyle/>
+          <a:p>
+            <a:pPr algn="ctr"/>
+            <a:r>
+              <a:rPr lang="en-US" sz="1050" b="1" dirty="0">
+                <a:solidFill>
+                  <a:schemeClr val="accent3">
+                    <a:lumMod val="75000"/>
+                  </a:schemeClr>
+                </a:solidFill>
+              </a:rPr>
+              <a:t>{abstract}</a:t>
+            </a:r>
+            <a:br>
+              <a:rPr lang="en-US" sz="1050" b="1" dirty="0">
+                <a:solidFill>
+                  <a:schemeClr val="accent3">
+                    <a:lumMod val="75000"/>
+                  </a:schemeClr>
+                </a:solidFill>
+              </a:rPr>
+            </a:br>
+            <a:r>
+              <a:rPr lang="en-US" sz="1050" b="1" dirty="0">
+                <a:solidFill>
+                  <a:schemeClr val="accent3">
+                    <a:lumMod val="75000"/>
+                  </a:schemeClr>
+                </a:solidFill>
+              </a:rPr>
+              <a:t>UiPart</a:t>
+            </a:r>
+            <a:endParaRPr lang="en-SG" sz="1050" b="1" dirty="0">
+              <a:solidFill>
+                <a:schemeClr val="accent3">
+                  <a:lumMod val="75000"/>
+                </a:schemeClr>
+              </a:solidFill>
+            </a:endParaRPr>
+          </a:p>
+        </p:txBody>
+      </p:sp>
+      <p:sp>
+        <p:nvSpPr>
+          <p:cNvPr id="62" name="Rectangle 65">
+            <a:extLst>
+              <a:ext uri="{FF2B5EF4-FFF2-40B4-BE49-F238E27FC236}">
+                <a16:creationId xmlns:a16="http://schemas.microsoft.com/office/drawing/2014/main" id="{30D7CD33-4A96-2145-AA25-C6643D353029}"/>
+              </a:ext>
+            </a:extLst>
+          </p:cNvPr>
+          <p:cNvSpPr/>
+          <p:nvPr/>
+        </p:nvSpPr>
+        <p:spPr>
+          <a:xfrm rot="16200000">
+            <a:off x="7138232" y="1046207"/>
+            <a:ext cx="2268149" cy="328045"/>
+          </a:xfrm>
+          <a:prstGeom prst="roundRect">
+            <a:avLst/>
+          </a:prstGeom>
+          <a:solidFill>
+            <a:schemeClr val="accent1">
+              <a:lumMod val="20000"/>
+              <a:lumOff val="80000"/>
+            </a:schemeClr>
+          </a:solidFill>
+          <a:ln w="19050">
+            <a:noFill/>
+          </a:ln>
+          <a:effectLst/>
+        </p:spPr>
+        <p:style>
+          <a:lnRef idx="1">
+            <a:schemeClr val="accent2"/>
+          </a:lnRef>
+          <a:fillRef idx="2">
+            <a:schemeClr val="accent2"/>
+          </a:fillRef>
+          <a:effectRef idx="1">
+            <a:schemeClr val="accent2"/>
+          </a:effectRef>
+          <a:fontRef idx="minor">
+            <a:schemeClr val="dk1"/>
+          </a:fontRef>
+        </p:style>
+        <p:txBody>
+          <a:bodyPr rtlCol="0" anchor="ctr"/>
+          <a:lstStyle/>
+          <a:p>
+            <a:pPr algn="ctr"/>
+            <a:r>
+              <a:rPr lang="en-US" sz="1100" b="1" dirty="0">
+                <a:solidFill>
+                  <a:schemeClr val="bg1"/>
+                </a:solidFill>
+              </a:rPr>
+              <a:t>Logic</a:t>
+            </a:r>
+            <a:endParaRPr lang="en-SG" sz="1100" b="1" dirty="0">
+              <a:solidFill>
+                <a:schemeClr val="bg1"/>
+              </a:solidFill>
+            </a:endParaRPr>
+          </a:p>
+        </p:txBody>
+      </p:sp>
+      <p:sp>
+        <p:nvSpPr>
+          <p:cNvPr id="63" name="Rectangle 65">
+            <a:extLst>
+              <a:ext uri="{FF2B5EF4-FFF2-40B4-BE49-F238E27FC236}">
+                <a16:creationId xmlns:a16="http://schemas.microsoft.com/office/drawing/2014/main" id="{4FEF123D-63E0-AE49-B59E-93A9368A4103}"/>
+              </a:ext>
+            </a:extLst>
+          </p:cNvPr>
+          <p:cNvSpPr/>
+          <p:nvPr/>
+        </p:nvSpPr>
+        <p:spPr>
+          <a:xfrm rot="16200000">
+            <a:off x="6278239" y="4556607"/>
+            <a:ext cx="4180349" cy="328045"/>
+          </a:xfrm>
+          <a:prstGeom prst="roundRect">
+            <a:avLst/>
+          </a:prstGeom>
+          <a:solidFill>
+            <a:schemeClr val="accent4">
+              <a:lumMod val="20000"/>
+              <a:lumOff val="80000"/>
+            </a:schemeClr>
+          </a:solidFill>
+          <a:ln w="19050">
+            <a:noFill/>
+          </a:ln>
+          <a:effectLst/>
+        </p:spPr>
+        <p:style>
+          <a:lnRef idx="1">
+            <a:schemeClr val="accent2"/>
+          </a:lnRef>
+          <a:fillRef idx="2">
+            <a:schemeClr val="accent2"/>
+          </a:fillRef>
+          <a:effectRef idx="1">
+            <a:schemeClr val="accent2"/>
+          </a:effectRef>
+          <a:fontRef idx="minor">
+            <a:schemeClr val="dk1"/>
+          </a:fontRef>
+        </p:style>
+        <p:txBody>
+          <a:bodyPr rtlCol="0" anchor="ctr"/>
+          <a:lstStyle/>
+          <a:p>
+            <a:pPr algn="ctr"/>
+            <a:r>
+              <a:rPr lang="en-US" sz="1100" b="1" dirty="0">
+                <a:solidFill>
+                  <a:schemeClr val="bg1"/>
+                </a:solidFill>
+              </a:rPr>
+              <a:t>Model</a:t>
+            </a:r>
+            <a:endParaRPr lang="en-SG" sz="1100" b="1" dirty="0">
+              <a:solidFill>
+                <a:schemeClr val="bg1"/>
+              </a:solidFill>
+            </a:endParaRPr>
+          </a:p>
+        </p:txBody>
+      </p:sp>
+      <p:sp>
+        <p:nvSpPr>
+          <p:cNvPr id="66" name="Isosceles Triangle 102">
+            <a:extLst>
+              <a:ext uri="{FF2B5EF4-FFF2-40B4-BE49-F238E27FC236}">
+                <a16:creationId xmlns:a16="http://schemas.microsoft.com/office/drawing/2014/main" id="{55D7448F-339B-A545-B91C-BA76E324EFD7}"/>
+              </a:ext>
+            </a:extLst>
+          </p:cNvPr>
+          <p:cNvSpPr/>
+          <p:nvPr/>
+        </p:nvSpPr>
+        <p:spPr>
+          <a:xfrm rot="10800000" flipV="1">
+            <a:off x="6361869" y="678866"/>
+            <a:ext cx="270504" cy="175523"/>
+          </a:xfrm>
+          <a:prstGeom prst="triangle">
+            <a:avLst/>
+          </a:prstGeom>
+          <a:ln w="6350">
+            <a:solidFill>
+              <a:schemeClr val="accent3"/>
+            </a:solidFill>
+          </a:ln>
+          <a:effectLst/>
+        </p:spPr>
+        <p:style>
+          <a:lnRef idx="1">
+            <a:schemeClr val="accent3"/>
+          </a:lnRef>
+          <a:fillRef idx="2">
+            <a:schemeClr val="accent3"/>
+          </a:fillRef>
+          <a:effectRef idx="1">
+            <a:schemeClr val="accent3"/>
+          </a:effectRef>
+          <a:fontRef idx="minor">
+            <a:schemeClr val="dk1"/>
+          </a:fontRef>
+        </p:style>
+        <p:txBody>
+          <a:bodyPr rtlCol="0" anchor="ctr"/>
+          <a:lstStyle/>
+          <a:p>
+            <a:pPr algn="ctr"/>
+            <a:endParaRPr lang="en-SG" sz="1050" b="1" dirty="0">
+              <a:solidFill>
+                <a:srgbClr val="92D050"/>
+              </a:solidFill>
+            </a:endParaRPr>
+          </a:p>
+        </p:txBody>
+      </p:sp>
+      <p:cxnSp>
+        <p:nvCxnSpPr>
+          <p:cNvPr id="68" name="Straight Connector 67">
+            <a:extLst>
+              <a:ext uri="{FF2B5EF4-FFF2-40B4-BE49-F238E27FC236}">
+                <a16:creationId xmlns:a16="http://schemas.microsoft.com/office/drawing/2014/main" id="{025E3EA2-2523-2A48-9318-24BA07B55CD5}"/>
+              </a:ext>
+            </a:extLst>
+          </p:cNvPr>
+          <p:cNvCxnSpPr>
+            <a:cxnSpLocks/>
+          </p:cNvCxnSpPr>
+          <p:nvPr/>
+        </p:nvCxnSpPr>
+        <p:spPr>
+          <a:xfrm>
+            <a:off x="3526379" y="1889531"/>
+            <a:ext cx="2969877" cy="0"/>
+          </a:xfrm>
+          <a:prstGeom prst="line">
+            <a:avLst/>
+          </a:prstGeom>
+        </p:spPr>
+        <p:style>
+          <a:lnRef idx="1">
+            <a:schemeClr val="accent3"/>
+          </a:lnRef>
+          <a:fillRef idx="0">
+            <a:schemeClr val="accent3"/>
+          </a:fillRef>
+          <a:effectRef idx="0">
+            <a:schemeClr val="accent3"/>
+          </a:effectRef>
+          <a:fontRef idx="minor">
+            <a:schemeClr val="tx1"/>
+          </a:fontRef>
+        </p:style>
+      </p:cxnSp>
+      <p:cxnSp>
+        <p:nvCxnSpPr>
+          <p:cNvPr id="70" name="Straight Connector 69">
+            <a:extLst>
+              <a:ext uri="{FF2B5EF4-FFF2-40B4-BE49-F238E27FC236}">
+                <a16:creationId xmlns:a16="http://schemas.microsoft.com/office/drawing/2014/main" id="{6BB1A542-52B6-124C-BA3D-6B58D2E8053D}"/>
+              </a:ext>
+            </a:extLst>
+          </p:cNvPr>
+          <p:cNvCxnSpPr>
+            <a:cxnSpLocks/>
+            <a:stCxn id="24" idx="3"/>
+          </p:cNvCxnSpPr>
+          <p:nvPr/>
+        </p:nvCxnSpPr>
+        <p:spPr>
+          <a:xfrm>
+            <a:off x="3487051" y="2112564"/>
+            <a:ext cx="3010931" cy="0"/>
+          </a:xfrm>
+          <a:prstGeom prst="line">
+            <a:avLst/>
+          </a:prstGeom>
+        </p:spPr>
+        <p:style>
+          <a:lnRef idx="1">
+            <a:schemeClr val="accent3"/>
+          </a:lnRef>
+          <a:fillRef idx="0">
+            <a:schemeClr val="accent3"/>
+          </a:fillRef>
+          <a:effectRef idx="0">
+            <a:schemeClr val="accent3"/>
+          </a:effectRef>
+          <a:fontRef idx="minor">
+            <a:schemeClr val="tx1"/>
+          </a:fontRef>
+        </p:style>
+      </p:cxnSp>
+      <p:cxnSp>
+        <p:nvCxnSpPr>
+          <p:cNvPr id="74" name="Straight Connector 73">
+            <a:extLst>
+              <a:ext uri="{FF2B5EF4-FFF2-40B4-BE49-F238E27FC236}">
+                <a16:creationId xmlns:a16="http://schemas.microsoft.com/office/drawing/2014/main" id="{36CB89C8-370A-B84C-BD1A-CCBBCD9AFA62}"/>
+              </a:ext>
+            </a:extLst>
+          </p:cNvPr>
+          <p:cNvCxnSpPr>
+            <a:cxnSpLocks/>
+            <a:stCxn id="66" idx="3"/>
+          </p:cNvCxnSpPr>
+          <p:nvPr/>
+        </p:nvCxnSpPr>
+        <p:spPr>
+          <a:xfrm flipH="1">
+            <a:off x="6495396" y="854389"/>
+            <a:ext cx="1725" cy="5608935"/>
+          </a:xfrm>
+          <a:prstGeom prst="line">
+            <a:avLst/>
+          </a:prstGeom>
+        </p:spPr>
+        <p:style>
+          <a:lnRef idx="1">
+            <a:schemeClr val="accent3"/>
+          </a:lnRef>
+          <a:fillRef idx="0">
+            <a:schemeClr val="accent3"/>
+          </a:fillRef>
+          <a:effectRef idx="0">
+            <a:schemeClr val="accent3"/>
+          </a:effectRef>
+          <a:fontRef idx="minor">
+            <a:schemeClr val="tx1"/>
+          </a:fontRef>
+        </p:style>
+      </p:cxnSp>
+      <p:cxnSp>
+        <p:nvCxnSpPr>
+          <p:cNvPr id="78" name="Straight Connector 77">
+            <a:extLst>
+              <a:ext uri="{FF2B5EF4-FFF2-40B4-BE49-F238E27FC236}">
+                <a16:creationId xmlns:a16="http://schemas.microsoft.com/office/drawing/2014/main" id="{BDD23B18-558B-2941-AEE7-DF8EB25B1775}"/>
+              </a:ext>
+            </a:extLst>
+          </p:cNvPr>
+          <p:cNvCxnSpPr>
+            <a:cxnSpLocks/>
+            <a:stCxn id="45" idx="3"/>
+          </p:cNvCxnSpPr>
+          <p:nvPr/>
+        </p:nvCxnSpPr>
+        <p:spPr>
+          <a:xfrm>
+            <a:off x="3487051" y="2460450"/>
+            <a:ext cx="3012657" cy="6627"/>
+          </a:xfrm>
+          <a:prstGeom prst="line">
+            <a:avLst/>
+          </a:prstGeom>
+        </p:spPr>
+        <p:style>
+          <a:lnRef idx="1">
+            <a:schemeClr val="accent3"/>
+          </a:lnRef>
+          <a:fillRef idx="0">
+            <a:schemeClr val="accent3"/>
+          </a:fillRef>
+          <a:effectRef idx="0">
+            <a:schemeClr val="accent3"/>
+          </a:effectRef>
+          <a:fontRef idx="minor">
+            <a:schemeClr val="tx1"/>
+          </a:fontRef>
+        </p:style>
+      </p:cxnSp>
+      <p:cxnSp>
+        <p:nvCxnSpPr>
+          <p:cNvPr id="83" name="Straight Connector 82">
+            <a:extLst>
+              <a:ext uri="{FF2B5EF4-FFF2-40B4-BE49-F238E27FC236}">
+                <a16:creationId xmlns:a16="http://schemas.microsoft.com/office/drawing/2014/main" id="{97BAFAF0-2FD7-104F-B47B-2D3288BF0D59}"/>
+              </a:ext>
+            </a:extLst>
+          </p:cNvPr>
+          <p:cNvCxnSpPr>
+            <a:stCxn id="44" idx="3"/>
+          </p:cNvCxnSpPr>
+          <p:nvPr/>
+        </p:nvCxnSpPr>
+        <p:spPr>
+          <a:xfrm>
+            <a:off x="3480070" y="2836174"/>
+            <a:ext cx="3016187" cy="1797"/>
+          </a:xfrm>
+          <a:prstGeom prst="line">
+            <a:avLst/>
+          </a:prstGeom>
+        </p:spPr>
+        <p:style>
+          <a:lnRef idx="1">
+            <a:schemeClr val="accent3"/>
+          </a:lnRef>
+          <a:fillRef idx="0">
+            <a:schemeClr val="accent3"/>
+          </a:fillRef>
+          <a:effectRef idx="0">
+            <a:schemeClr val="accent3"/>
+          </a:effectRef>
+          <a:fontRef idx="minor">
+            <a:schemeClr val="tx1"/>
+          </a:fontRef>
+        </p:style>
+      </p:cxnSp>
+      <p:cxnSp>
+        <p:nvCxnSpPr>
+          <p:cNvPr id="85" name="Straight Connector 84">
+            <a:extLst>
+              <a:ext uri="{FF2B5EF4-FFF2-40B4-BE49-F238E27FC236}">
+                <a16:creationId xmlns:a16="http://schemas.microsoft.com/office/drawing/2014/main" id="{07E307B6-CDDE-764B-AC9C-74FEFD906751}"/>
+              </a:ext>
+            </a:extLst>
+          </p:cNvPr>
+          <p:cNvCxnSpPr>
+            <a:stCxn id="40" idx="3"/>
+          </p:cNvCxnSpPr>
+          <p:nvPr/>
+        </p:nvCxnSpPr>
+        <p:spPr>
+          <a:xfrm flipV="1">
+            <a:off x="3466797" y="3202781"/>
+            <a:ext cx="3029460" cy="1112"/>
+          </a:xfrm>
+          <a:prstGeom prst="line">
+            <a:avLst/>
+          </a:prstGeom>
+        </p:spPr>
+        <p:style>
+          <a:lnRef idx="1">
+            <a:schemeClr val="accent3"/>
+          </a:lnRef>
+          <a:fillRef idx="0">
+            <a:schemeClr val="accent3"/>
+          </a:fillRef>
+          <a:effectRef idx="0">
+            <a:schemeClr val="accent3"/>
+          </a:effectRef>
+          <a:fontRef idx="minor">
+            <a:schemeClr val="tx1"/>
+          </a:fontRef>
+        </p:style>
+      </p:cxnSp>
+      <p:cxnSp>
+        <p:nvCxnSpPr>
+          <p:cNvPr id="88" name="Straight Connector 87">
+            <a:extLst>
+              <a:ext uri="{FF2B5EF4-FFF2-40B4-BE49-F238E27FC236}">
+                <a16:creationId xmlns:a16="http://schemas.microsoft.com/office/drawing/2014/main" id="{A96FEF47-FE7C-6141-BE0E-CBFD1CC4198B}"/>
+              </a:ext>
+            </a:extLst>
+          </p:cNvPr>
+          <p:cNvCxnSpPr>
+            <a:stCxn id="47" idx="3"/>
+          </p:cNvCxnSpPr>
+          <p:nvPr/>
+        </p:nvCxnSpPr>
+        <p:spPr>
+          <a:xfrm flipV="1">
+            <a:off x="4347797" y="3539801"/>
+            <a:ext cx="2148460" cy="1"/>
+          </a:xfrm>
+          <a:prstGeom prst="line">
+            <a:avLst/>
+          </a:prstGeom>
+        </p:spPr>
+        <p:style>
+          <a:lnRef idx="1">
+            <a:schemeClr val="accent3"/>
+          </a:lnRef>
+          <a:fillRef idx="0">
+            <a:schemeClr val="accent3"/>
+          </a:fillRef>
+          <a:effectRef idx="0">
+            <a:schemeClr val="accent3"/>
+          </a:effectRef>
+          <a:fontRef idx="minor">
+            <a:schemeClr val="tx1"/>
+          </a:fontRef>
+        </p:style>
+      </p:cxnSp>
+      <p:cxnSp>
+        <p:nvCxnSpPr>
+          <p:cNvPr id="89" name="Straight Connector 88">
+            <a:extLst>
+              <a:ext uri="{FF2B5EF4-FFF2-40B4-BE49-F238E27FC236}">
+                <a16:creationId xmlns:a16="http://schemas.microsoft.com/office/drawing/2014/main" id="{5FA34076-B316-7F48-BCBC-09F86C426DFD}"/>
+              </a:ext>
+            </a:extLst>
+          </p:cNvPr>
+          <p:cNvCxnSpPr>
+            <a:cxnSpLocks/>
+            <a:stCxn id="48" idx="3"/>
+          </p:cNvCxnSpPr>
+          <p:nvPr/>
+        </p:nvCxnSpPr>
+        <p:spPr>
+          <a:xfrm>
+            <a:off x="4285283" y="4163118"/>
+            <a:ext cx="2203091" cy="13565"/>
+          </a:xfrm>
+          <a:prstGeom prst="line">
+            <a:avLst/>
+          </a:prstGeom>
+        </p:spPr>
+        <p:style>
+          <a:lnRef idx="1">
+            <a:schemeClr val="accent3"/>
+          </a:lnRef>
+          <a:fillRef idx="0">
+            <a:schemeClr val="accent3"/>
+          </a:fillRef>
+          <a:effectRef idx="0">
+            <a:schemeClr val="accent3"/>
+          </a:effectRef>
+          <a:fontRef idx="minor">
+            <a:schemeClr val="tx1"/>
+          </a:fontRef>
+        </p:style>
+      </p:cxnSp>
+      <p:cxnSp>
+        <p:nvCxnSpPr>
+          <p:cNvPr id="90" name="Straight Connector 89">
+            <a:extLst>
+              <a:ext uri="{FF2B5EF4-FFF2-40B4-BE49-F238E27FC236}">
+                <a16:creationId xmlns:a16="http://schemas.microsoft.com/office/drawing/2014/main" id="{0C64FBA2-C521-594C-9288-64791B8CBEAF}"/>
+              </a:ext>
+            </a:extLst>
+          </p:cNvPr>
+          <p:cNvCxnSpPr/>
+          <p:nvPr/>
+        </p:nvCxnSpPr>
+        <p:spPr>
+          <a:xfrm flipV="1">
+            <a:off x="4337287" y="4812335"/>
+            <a:ext cx="2148460" cy="1"/>
+          </a:xfrm>
+          <a:prstGeom prst="line">
+            <a:avLst/>
+          </a:prstGeom>
+        </p:spPr>
+        <p:style>
+          <a:lnRef idx="1">
+            <a:schemeClr val="accent3"/>
+          </a:lnRef>
+          <a:fillRef idx="0">
+            <a:schemeClr val="accent3"/>
+          </a:fillRef>
+          <a:effectRef idx="0">
+            <a:schemeClr val="accent3"/>
+          </a:effectRef>
+          <a:fontRef idx="minor">
+            <a:schemeClr val="tx1"/>
+          </a:fontRef>
+        </p:style>
+      </p:cxnSp>
+      <p:cxnSp>
+        <p:nvCxnSpPr>
+          <p:cNvPr id="91" name="Straight Connector 90">
+            <a:extLst>
+              <a:ext uri="{FF2B5EF4-FFF2-40B4-BE49-F238E27FC236}">
+                <a16:creationId xmlns:a16="http://schemas.microsoft.com/office/drawing/2014/main" id="{14D847E5-6F5C-FF45-9D99-B2F6C938D998}"/>
+              </a:ext>
+            </a:extLst>
+          </p:cNvPr>
+          <p:cNvCxnSpPr/>
+          <p:nvPr/>
+        </p:nvCxnSpPr>
+        <p:spPr>
+          <a:xfrm flipV="1">
+            <a:off x="4355680" y="5494513"/>
+            <a:ext cx="2148460" cy="1"/>
+          </a:xfrm>
+          <a:prstGeom prst="line">
+            <a:avLst/>
+          </a:prstGeom>
+        </p:spPr>
+        <p:style>
+          <a:lnRef idx="1">
+            <a:schemeClr val="accent3"/>
+          </a:lnRef>
+          <a:fillRef idx="0">
+            <a:schemeClr val="accent3"/>
+          </a:fillRef>
+          <a:effectRef idx="0">
+            <a:schemeClr val="accent3"/>
+          </a:effectRef>
+          <a:fontRef idx="minor">
+            <a:schemeClr val="tx1"/>
+          </a:fontRef>
+        </p:style>
+      </p:cxnSp>
+      <p:cxnSp>
+        <p:nvCxnSpPr>
+          <p:cNvPr id="92" name="Straight Connector 91">
+            <a:extLst>
+              <a:ext uri="{FF2B5EF4-FFF2-40B4-BE49-F238E27FC236}">
+                <a16:creationId xmlns:a16="http://schemas.microsoft.com/office/drawing/2014/main" id="{501D2582-543F-064B-B4DC-2D434C771D97}"/>
+              </a:ext>
+            </a:extLst>
+          </p:cNvPr>
+          <p:cNvCxnSpPr/>
+          <p:nvPr/>
+        </p:nvCxnSpPr>
+        <p:spPr>
+          <a:xfrm flipV="1">
+            <a:off x="4337287" y="6069077"/>
+            <a:ext cx="2148460" cy="1"/>
+          </a:xfrm>
+          <a:prstGeom prst="line">
+            <a:avLst/>
+          </a:prstGeom>
+        </p:spPr>
+        <p:style>
+          <a:lnRef idx="1">
+            <a:schemeClr val="accent3"/>
+          </a:lnRef>
+          <a:fillRef idx="0">
+            <a:schemeClr val="accent3"/>
+          </a:fillRef>
+          <a:effectRef idx="0">
+            <a:schemeClr val="accent3"/>
+          </a:effectRef>
+          <a:fontRef idx="minor">
+            <a:schemeClr val="tx1"/>
+          </a:fontRef>
+        </p:style>
+      </p:cxnSp>
+      <p:cxnSp>
+        <p:nvCxnSpPr>
+          <p:cNvPr id="94" name="Straight Connector 93">
+            <a:extLst>
+              <a:ext uri="{FF2B5EF4-FFF2-40B4-BE49-F238E27FC236}">
+                <a16:creationId xmlns:a16="http://schemas.microsoft.com/office/drawing/2014/main" id="{7C49DAD1-C922-8741-BD23-C306FFC6C31D}"/>
+              </a:ext>
+            </a:extLst>
+          </p:cNvPr>
+          <p:cNvCxnSpPr/>
+          <p:nvPr/>
+        </p:nvCxnSpPr>
+        <p:spPr>
+          <a:xfrm>
+            <a:off x="5155773" y="3758434"/>
+            <a:ext cx="1348367" cy="0"/>
+          </a:xfrm>
+          <a:prstGeom prst="line">
+            <a:avLst/>
+          </a:prstGeom>
+        </p:spPr>
+        <p:style>
+          <a:lnRef idx="1">
+            <a:schemeClr val="accent3"/>
+          </a:lnRef>
+          <a:fillRef idx="0">
+            <a:schemeClr val="accent3"/>
+          </a:fillRef>
+          <a:effectRef idx="0">
+            <a:schemeClr val="accent3"/>
+          </a:effectRef>
+          <a:fontRef idx="minor">
+            <a:schemeClr val="tx1"/>
+          </a:fontRef>
+        </p:style>
+      </p:cxnSp>
+      <p:cxnSp>
+        <p:nvCxnSpPr>
+          <p:cNvPr id="95" name="Straight Connector 94">
+            <a:extLst>
+              <a:ext uri="{FF2B5EF4-FFF2-40B4-BE49-F238E27FC236}">
+                <a16:creationId xmlns:a16="http://schemas.microsoft.com/office/drawing/2014/main" id="{7671BFC6-1A68-404A-8BA1-7DDF53DD7087}"/>
+              </a:ext>
+            </a:extLst>
+          </p:cNvPr>
+          <p:cNvCxnSpPr/>
+          <p:nvPr/>
+        </p:nvCxnSpPr>
+        <p:spPr>
+          <a:xfrm>
+            <a:off x="5137380" y="4505091"/>
+            <a:ext cx="1348367" cy="0"/>
+          </a:xfrm>
+          <a:prstGeom prst="line">
+            <a:avLst/>
+          </a:prstGeom>
+        </p:spPr>
+        <p:style>
+          <a:lnRef idx="1">
+            <a:schemeClr val="accent3"/>
+          </a:lnRef>
+          <a:fillRef idx="0">
+            <a:schemeClr val="accent3"/>
+          </a:fillRef>
+          <a:effectRef idx="0">
+            <a:schemeClr val="accent3"/>
+          </a:effectRef>
+          <a:fontRef idx="minor">
+            <a:schemeClr val="tx1"/>
+          </a:fontRef>
+        </p:style>
+      </p:cxnSp>
+      <p:cxnSp>
+        <p:nvCxnSpPr>
+          <p:cNvPr id="96" name="Straight Connector 95">
+            <a:extLst>
+              <a:ext uri="{FF2B5EF4-FFF2-40B4-BE49-F238E27FC236}">
+                <a16:creationId xmlns:a16="http://schemas.microsoft.com/office/drawing/2014/main" id="{32C718D7-3651-BA4E-8623-0A9FB15015C6}"/>
+              </a:ext>
+            </a:extLst>
+          </p:cNvPr>
+          <p:cNvCxnSpPr>
+            <a:cxnSpLocks/>
+          </p:cNvCxnSpPr>
+          <p:nvPr/>
+        </p:nvCxnSpPr>
+        <p:spPr>
+          <a:xfrm>
+            <a:off x="5155773" y="5795625"/>
+            <a:ext cx="1340483" cy="0"/>
+          </a:xfrm>
+          <a:prstGeom prst="line">
+            <a:avLst/>
+          </a:prstGeom>
+        </p:spPr>
+        <p:style>
+          <a:lnRef idx="1">
+            <a:schemeClr val="accent3"/>
+          </a:lnRef>
+          <a:fillRef idx="0">
+            <a:schemeClr val="accent3"/>
+          </a:fillRef>
+          <a:effectRef idx="0">
+            <a:schemeClr val="accent3"/>
+          </a:effectRef>
+          <a:fontRef idx="minor">
+            <a:schemeClr val="tx1"/>
+          </a:fontRef>
+        </p:style>
+      </p:cxnSp>
+      <p:cxnSp>
+        <p:nvCxnSpPr>
+          <p:cNvPr id="98" name="Straight Connector 97">
+            <a:extLst>
+              <a:ext uri="{FF2B5EF4-FFF2-40B4-BE49-F238E27FC236}">
+                <a16:creationId xmlns:a16="http://schemas.microsoft.com/office/drawing/2014/main" id="{6C9D1682-EAE5-6E46-9655-3FE633B68746}"/>
+              </a:ext>
+            </a:extLst>
+          </p:cNvPr>
+          <p:cNvCxnSpPr/>
+          <p:nvPr/>
+        </p:nvCxnSpPr>
+        <p:spPr>
+          <a:xfrm>
+            <a:off x="5147889" y="6694660"/>
+            <a:ext cx="1348367" cy="0"/>
+          </a:xfrm>
+          <a:prstGeom prst="line">
+            <a:avLst/>
+          </a:prstGeom>
+        </p:spPr>
+        <p:style>
+          <a:lnRef idx="1">
+            <a:schemeClr val="accent3"/>
+          </a:lnRef>
+          <a:fillRef idx="0">
+            <a:schemeClr val="accent3"/>
+          </a:fillRef>
+          <a:effectRef idx="0">
+            <a:schemeClr val="accent3"/>
+          </a:effectRef>
+          <a:fontRef idx="minor">
+            <a:schemeClr val="tx1"/>
+          </a:fontRef>
+        </p:style>
+      </p:cxnSp>
+      <p:cxnSp>
+        <p:nvCxnSpPr>
+          <p:cNvPr id="99" name="Straight Connector 98">
+            <a:extLst>
+              <a:ext uri="{FF2B5EF4-FFF2-40B4-BE49-F238E27FC236}">
+                <a16:creationId xmlns:a16="http://schemas.microsoft.com/office/drawing/2014/main" id="{0D84A35F-2BC3-054E-8F50-281C04359E9E}"/>
+              </a:ext>
+            </a:extLst>
+          </p:cNvPr>
+          <p:cNvCxnSpPr>
+            <a:cxnSpLocks/>
+          </p:cNvCxnSpPr>
+          <p:nvPr/>
+        </p:nvCxnSpPr>
+        <p:spPr>
+          <a:xfrm>
+            <a:off x="3492743" y="5174316"/>
+            <a:ext cx="3003513" cy="7027"/>
+          </a:xfrm>
+          <a:prstGeom prst="line">
+            <a:avLst/>
+          </a:prstGeom>
+        </p:spPr>
+        <p:style>
+          <a:lnRef idx="1">
+            <a:schemeClr val="accent3"/>
+          </a:lnRef>
+          <a:fillRef idx="0">
+            <a:schemeClr val="accent3"/>
+          </a:fillRef>
+          <a:effectRef idx="0">
+            <a:schemeClr val="accent3"/>
+          </a:effectRef>
+          <a:fontRef idx="minor">
+            <a:schemeClr val="tx1"/>
+          </a:fontRef>
+        </p:style>
+      </p:cxnSp>
+      <p:cxnSp>
+        <p:nvCxnSpPr>
+          <p:cNvPr id="106" name="Straight Connector 105">
+            <a:extLst>
+              <a:ext uri="{FF2B5EF4-FFF2-40B4-BE49-F238E27FC236}">
+                <a16:creationId xmlns:a16="http://schemas.microsoft.com/office/drawing/2014/main" id="{690D6FAF-3CF0-484A-9091-89FF180F385F}"/>
+              </a:ext>
+            </a:extLst>
+          </p:cNvPr>
+          <p:cNvCxnSpPr>
+            <a:cxnSpLocks/>
+            <a:stCxn id="42" idx="3"/>
+          </p:cNvCxnSpPr>
+          <p:nvPr/>
+        </p:nvCxnSpPr>
+        <p:spPr>
+          <a:xfrm>
+            <a:off x="3487051" y="6518401"/>
+            <a:ext cx="3029460" cy="8093"/>
+          </a:xfrm>
+          <a:prstGeom prst="line">
+            <a:avLst/>
+          </a:prstGeom>
+        </p:spPr>
+        <p:style>
+          <a:lnRef idx="1">
+            <a:schemeClr val="accent3"/>
+          </a:lnRef>
+          <a:fillRef idx="0">
+            <a:schemeClr val="accent3"/>
+          </a:fillRef>
+          <a:effectRef idx="0">
+            <a:schemeClr val="accent3"/>
+          </a:effectRef>
+          <a:fontRef idx="minor">
+            <a:schemeClr val="tx1"/>
+          </a:fontRef>
+        </p:style>
+      </p:cxnSp>
+      <p:cxnSp>
+        <p:nvCxnSpPr>
+          <p:cNvPr id="110" name="Elbow Connector 109">
+            <a:extLst>
+              <a:ext uri="{FF2B5EF4-FFF2-40B4-BE49-F238E27FC236}">
+                <a16:creationId xmlns:a16="http://schemas.microsoft.com/office/drawing/2014/main" id="{F3F6E130-4795-9249-A4ED-1528EB1162FC}"/>
+              </a:ext>
+            </a:extLst>
+          </p:cNvPr>
+          <p:cNvCxnSpPr>
+            <a:cxnSpLocks/>
+          </p:cNvCxnSpPr>
+          <p:nvPr/>
+        </p:nvCxnSpPr>
+        <p:spPr>
+          <a:xfrm flipV="1">
+            <a:off x="2153221" y="206048"/>
+            <a:ext cx="5968367" cy="285542"/>
+          </a:xfrm>
+          <a:prstGeom prst="bentConnector3">
+            <a:avLst>
+              <a:gd name="adj1" fmla="val 47006"/>
+            </a:avLst>
+          </a:prstGeom>
+          <a:ln w="19050">
+            <a:solidFill>
+              <a:srgbClr val="00B050"/>
+            </a:solidFill>
+            <a:prstDash val="solid"/>
             <a:headEnd type="none" w="med" len="med"/>
             <a:tailEnd type="arrow" w="med" len="med"/>
           </a:ln>
@@ -4410,100 +6062,1068 @@
       </p:cxnSp>
       <p:cxnSp>
         <p:nvCxnSpPr>
-          <p:cNvPr id="50" name="Elbow Connector 63"/>
+          <p:cNvPr id="117" name="Elbow Connector 116">
+            <a:extLst>
+              <a:ext uri="{FF2B5EF4-FFF2-40B4-BE49-F238E27FC236}">
+                <a16:creationId xmlns:a16="http://schemas.microsoft.com/office/drawing/2014/main" id="{76C4A4C1-1F08-4D47-B7B5-5B62D2826A4C}"/>
+              </a:ext>
+            </a:extLst>
+          </p:cNvPr>
           <p:cNvCxnSpPr>
-            <a:stCxn id="39" idx="2"/>
-            <a:endCxn id="35" idx="1"/>
+            <a:cxnSpLocks/>
+            <a:stCxn id="22" idx="2"/>
+            <a:endCxn id="42" idx="1"/>
           </p:cNvCxnSpPr>
           <p:nvPr/>
         </p:nvCxnSpPr>
         <p:spPr>
           <a:xfrm rot="16200000" flipH="1">
-            <a:off x="1597249" y="3686901"/>
-            <a:ext cx="1814155" cy="176401"/>
+            <a:off x="-843966" y="3789309"/>
+            <a:ext cx="4952139" cy="506044"/>
           </a:xfrm>
           <a:prstGeom prst="bentConnector2">
             <a:avLst/>
           </a:prstGeom>
-          <a:ln w="19050">
-            <a:solidFill>
-              <a:schemeClr val="accent3"/>
-            </a:solidFill>
-            <a:headEnd type="none" w="med" len="med"/>
-            <a:tailEnd type="arrow" w="med" len="med"/>
+          <a:ln>
+            <a:tailEnd type="triangle"/>
           </a:ln>
-          <a:effectLst/>
         </p:spPr>
         <p:style>
-          <a:lnRef idx="1">
-            <a:schemeClr val="accent2"/>
+          <a:lnRef idx="2">
+            <a:schemeClr val="accent3"/>
           </a:lnRef>
-          <a:fillRef idx="2">
-            <a:schemeClr val="accent2"/>
+          <a:fillRef idx="0">
+            <a:schemeClr val="accent3"/>
           </a:fillRef>
           <a:effectRef idx="1">
-            <a:schemeClr val="accent2"/>
+            <a:schemeClr val="accent3"/>
           </a:effectRef>
           <a:fontRef idx="minor">
-            <a:schemeClr val="dk1"/>
+            <a:schemeClr val="tx1"/>
           </a:fontRef>
         </p:style>
       </p:cxnSp>
       <p:cxnSp>
         <p:nvCxnSpPr>
-          <p:cNvPr id="53" name="Elbow Connector 63"/>
+          <p:cNvPr id="121" name="Elbow Connector 120">
+            <a:extLst>
+              <a:ext uri="{FF2B5EF4-FFF2-40B4-BE49-F238E27FC236}">
+                <a16:creationId xmlns:a16="http://schemas.microsoft.com/office/drawing/2014/main" id="{BB597B5E-2383-2C47-8B55-ADD78ABAB5C1}"/>
+              </a:ext>
+            </a:extLst>
+          </p:cNvPr>
           <p:cNvCxnSpPr>
-            <a:endCxn id="38" idx="1"/>
+            <a:cxnSpLocks/>
+            <a:endCxn id="23" idx="1"/>
           </p:cNvCxnSpPr>
           <p:nvPr/>
         </p:nvCxnSpPr>
         <p:spPr>
           <a:xfrm rot="16200000" flipH="1">
-            <a:off x="1184119" y="3676012"/>
-            <a:ext cx="2396440" cy="420377"/>
+            <a:off x="1599781" y="1449602"/>
+            <a:ext cx="412552" cy="310533"/>
           </a:xfrm>
           <a:prstGeom prst="bentConnector2">
             <a:avLst/>
           </a:prstGeom>
-          <a:ln w="19050">
+          <a:ln>
+            <a:tailEnd type="triangle"/>
+          </a:ln>
+        </p:spPr>
+        <p:style>
+          <a:lnRef idx="2">
+            <a:schemeClr val="accent3"/>
+          </a:lnRef>
+          <a:fillRef idx="0">
+            <a:schemeClr val="accent3"/>
+          </a:fillRef>
+          <a:effectRef idx="1">
+            <a:schemeClr val="accent3"/>
+          </a:effectRef>
+          <a:fontRef idx="minor">
+            <a:schemeClr val="tx1"/>
+          </a:fontRef>
+        </p:style>
+      </p:cxnSp>
+      <p:cxnSp>
+        <p:nvCxnSpPr>
+          <p:cNvPr id="125" name="Elbow Connector 124">
+            <a:extLst>
+              <a:ext uri="{FF2B5EF4-FFF2-40B4-BE49-F238E27FC236}">
+                <a16:creationId xmlns:a16="http://schemas.microsoft.com/office/drawing/2014/main" id="{EE09B0D3-624B-3E43-B176-0B56DAF656F2}"/>
+              </a:ext>
+            </a:extLst>
+          </p:cNvPr>
+          <p:cNvCxnSpPr>
+            <a:endCxn id="24" idx="1"/>
+          </p:cNvCxnSpPr>
+          <p:nvPr/>
+        </p:nvCxnSpPr>
+        <p:spPr>
+          <a:xfrm>
+            <a:off x="1365930" y="1596325"/>
+            <a:ext cx="595395" cy="516239"/>
+          </a:xfrm>
+          <a:prstGeom prst="bentConnector3">
+            <a:avLst>
+              <a:gd name="adj1" fmla="val 2338"/>
+            </a:avLst>
+          </a:prstGeom>
+          <a:ln>
+            <a:tailEnd type="triangle"/>
+          </a:ln>
+        </p:spPr>
+        <p:style>
+          <a:lnRef idx="2">
+            <a:schemeClr val="accent3"/>
+          </a:lnRef>
+          <a:fillRef idx="0">
+            <a:schemeClr val="accent3"/>
+          </a:fillRef>
+          <a:effectRef idx="1">
+            <a:schemeClr val="accent3"/>
+          </a:effectRef>
+          <a:fontRef idx="minor">
+            <a:schemeClr val="tx1"/>
+          </a:fontRef>
+        </p:style>
+      </p:cxnSp>
+      <p:cxnSp>
+        <p:nvCxnSpPr>
+          <p:cNvPr id="130" name="Elbow Connector 129">
+            <a:extLst>
+              <a:ext uri="{FF2B5EF4-FFF2-40B4-BE49-F238E27FC236}">
+                <a16:creationId xmlns:a16="http://schemas.microsoft.com/office/drawing/2014/main" id="{F58A1DB2-673B-6943-8924-301EC8F5C1F4}"/>
+              </a:ext>
+            </a:extLst>
+          </p:cNvPr>
+          <p:cNvCxnSpPr>
+            <a:endCxn id="45" idx="1"/>
+          </p:cNvCxnSpPr>
+          <p:nvPr/>
+        </p:nvCxnSpPr>
+        <p:spPr>
+          <a:xfrm rot="16200000" flipH="1">
+            <a:off x="1223109" y="1722233"/>
+            <a:ext cx="894189" cy="582244"/>
+          </a:xfrm>
+          <a:prstGeom prst="bentConnector2">
+            <a:avLst/>
+          </a:prstGeom>
+          <a:ln>
+            <a:tailEnd type="triangle"/>
+          </a:ln>
+        </p:spPr>
+        <p:style>
+          <a:lnRef idx="2">
+            <a:schemeClr val="accent3"/>
+          </a:lnRef>
+          <a:fillRef idx="0">
+            <a:schemeClr val="accent3"/>
+          </a:fillRef>
+          <a:effectRef idx="1">
+            <a:schemeClr val="accent3"/>
+          </a:effectRef>
+          <a:fontRef idx="minor">
+            <a:schemeClr val="tx1"/>
+          </a:fontRef>
+        </p:style>
+      </p:cxnSp>
+      <p:cxnSp>
+        <p:nvCxnSpPr>
+          <p:cNvPr id="132" name="Elbow Connector 131">
+            <a:extLst>
+              <a:ext uri="{FF2B5EF4-FFF2-40B4-BE49-F238E27FC236}">
+                <a16:creationId xmlns:a16="http://schemas.microsoft.com/office/drawing/2014/main" id="{278AC323-E6D3-6548-8E62-AD0B4AC294D6}"/>
+              </a:ext>
+            </a:extLst>
+          </p:cNvPr>
+          <p:cNvCxnSpPr>
+            <a:endCxn id="44" idx="1"/>
+          </p:cNvCxnSpPr>
+          <p:nvPr/>
+        </p:nvCxnSpPr>
+        <p:spPr>
+          <a:xfrm rot="16200000" flipH="1">
+            <a:off x="1046788" y="1928617"/>
+            <a:ext cx="1239849" cy="575263"/>
+          </a:xfrm>
+          <a:prstGeom prst="bentConnector2">
+            <a:avLst/>
+          </a:prstGeom>
+          <a:ln>
+            <a:tailEnd type="triangle"/>
+          </a:ln>
+        </p:spPr>
+        <p:style>
+          <a:lnRef idx="2">
+            <a:schemeClr val="accent3"/>
+          </a:lnRef>
+          <a:fillRef idx="0">
+            <a:schemeClr val="accent3"/>
+          </a:fillRef>
+          <a:effectRef idx="1">
+            <a:schemeClr val="accent3"/>
+          </a:effectRef>
+          <a:fontRef idx="minor">
+            <a:schemeClr val="tx1"/>
+          </a:fontRef>
+        </p:style>
+      </p:cxnSp>
+      <p:cxnSp>
+        <p:nvCxnSpPr>
+          <p:cNvPr id="134" name="Elbow Connector 133">
+            <a:extLst>
+              <a:ext uri="{FF2B5EF4-FFF2-40B4-BE49-F238E27FC236}">
+                <a16:creationId xmlns:a16="http://schemas.microsoft.com/office/drawing/2014/main" id="{B4CD1A4C-8AF4-494A-A560-C8672A2E9D10}"/>
+              </a:ext>
+            </a:extLst>
+          </p:cNvPr>
+          <p:cNvCxnSpPr>
+            <a:stCxn id="22" idx="2"/>
+            <a:endCxn id="40" idx="1"/>
+          </p:cNvCxnSpPr>
+          <p:nvPr/>
+        </p:nvCxnSpPr>
+        <p:spPr>
+          <a:xfrm rot="16200000" flipH="1">
+            <a:off x="841261" y="2104082"/>
+            <a:ext cx="1637631" cy="561990"/>
+          </a:xfrm>
+          <a:prstGeom prst="bentConnector2">
+            <a:avLst/>
+          </a:prstGeom>
+          <a:ln>
+            <a:tailEnd type="triangle"/>
+          </a:ln>
+        </p:spPr>
+        <p:style>
+          <a:lnRef idx="2">
+            <a:schemeClr val="accent3"/>
+          </a:lnRef>
+          <a:fillRef idx="0">
+            <a:schemeClr val="accent3"/>
+          </a:fillRef>
+          <a:effectRef idx="1">
+            <a:schemeClr val="accent3"/>
+          </a:effectRef>
+          <a:fontRef idx="minor">
+            <a:schemeClr val="tx1"/>
+          </a:fontRef>
+        </p:style>
+      </p:cxnSp>
+      <p:cxnSp>
+        <p:nvCxnSpPr>
+          <p:cNvPr id="136" name="Elbow Connector 135">
+            <a:extLst>
+              <a:ext uri="{FF2B5EF4-FFF2-40B4-BE49-F238E27FC236}">
+                <a16:creationId xmlns:a16="http://schemas.microsoft.com/office/drawing/2014/main" id="{A80D84D7-97E7-024B-9537-E6011208E3F6}"/>
+              </a:ext>
+            </a:extLst>
+          </p:cNvPr>
+          <p:cNvCxnSpPr>
+            <a:stCxn id="22" idx="2"/>
+            <a:endCxn id="43" idx="1"/>
+          </p:cNvCxnSpPr>
+          <p:nvPr/>
+        </p:nvCxnSpPr>
+        <p:spPr>
+          <a:xfrm rot="16200000" flipH="1">
+            <a:off x="-163923" y="3109265"/>
+            <a:ext cx="3606943" cy="520935"/>
+          </a:xfrm>
+          <a:prstGeom prst="bentConnector2">
+            <a:avLst/>
+          </a:prstGeom>
+          <a:ln>
+            <a:tailEnd type="triangle"/>
+          </a:ln>
+        </p:spPr>
+        <p:style>
+          <a:lnRef idx="2">
+            <a:schemeClr val="accent3"/>
+          </a:lnRef>
+          <a:fillRef idx="0">
+            <a:schemeClr val="accent3"/>
+          </a:fillRef>
+          <a:effectRef idx="1">
+            <a:schemeClr val="accent3"/>
+          </a:effectRef>
+          <a:fontRef idx="minor">
+            <a:schemeClr val="tx1"/>
+          </a:fontRef>
+        </p:style>
+      </p:cxnSp>
+      <p:cxnSp>
+        <p:nvCxnSpPr>
+          <p:cNvPr id="140" name="Elbow Connector 139">
+            <a:extLst>
+              <a:ext uri="{FF2B5EF4-FFF2-40B4-BE49-F238E27FC236}">
+                <a16:creationId xmlns:a16="http://schemas.microsoft.com/office/drawing/2014/main" id="{F653ACB6-4163-334A-8AC0-2F26440451F7}"/>
+              </a:ext>
+            </a:extLst>
+          </p:cNvPr>
+          <p:cNvCxnSpPr>
+            <a:cxnSpLocks/>
+            <a:stCxn id="23" idx="3"/>
+          </p:cNvCxnSpPr>
+          <p:nvPr/>
+        </p:nvCxnSpPr>
+        <p:spPr>
+          <a:xfrm flipV="1">
+            <a:off x="3526379" y="1683572"/>
+            <a:ext cx="4581905" cy="127573"/>
+          </a:xfrm>
+          <a:prstGeom prst="bentConnector3">
+            <a:avLst>
+              <a:gd name="adj1" fmla="val 50000"/>
+            </a:avLst>
+          </a:prstGeom>
+          <a:ln w="25400">
+            <a:tailEnd type="triangle"/>
+          </a:ln>
+        </p:spPr>
+        <p:style>
+          <a:lnRef idx="2">
+            <a:schemeClr val="accent3"/>
+          </a:lnRef>
+          <a:fillRef idx="0">
+            <a:schemeClr val="accent3"/>
+          </a:fillRef>
+          <a:effectRef idx="1">
+            <a:schemeClr val="accent3"/>
+          </a:effectRef>
+          <a:fontRef idx="minor">
+            <a:schemeClr val="tx1"/>
+          </a:fontRef>
+        </p:style>
+      </p:cxnSp>
+      <p:cxnSp>
+        <p:nvCxnSpPr>
+          <p:cNvPr id="147" name="Elbow Connector 146">
+            <a:extLst>
+              <a:ext uri="{FF2B5EF4-FFF2-40B4-BE49-F238E27FC236}">
+                <a16:creationId xmlns:a16="http://schemas.microsoft.com/office/drawing/2014/main" id="{AD71E59E-7596-074D-91E7-0B76DB86D6EB}"/>
+              </a:ext>
+            </a:extLst>
+          </p:cNvPr>
+          <p:cNvCxnSpPr>
+            <a:cxnSpLocks/>
+            <a:stCxn id="40" idx="2"/>
+            <a:endCxn id="47" idx="1"/>
+          </p:cNvCxnSpPr>
+          <p:nvPr/>
+        </p:nvCxnSpPr>
+        <p:spPr>
+          <a:xfrm rot="16200000" flipH="1">
+            <a:off x="2663997" y="3381728"/>
+            <a:ext cx="198010" cy="118137"/>
+          </a:xfrm>
+          <a:prstGeom prst="bentConnector2">
+            <a:avLst/>
+          </a:prstGeom>
+          <a:ln>
+            <a:tailEnd type="triangle"/>
+          </a:ln>
+        </p:spPr>
+        <p:style>
+          <a:lnRef idx="2">
+            <a:schemeClr val="accent3"/>
+          </a:lnRef>
+          <a:fillRef idx="0">
+            <a:schemeClr val="accent3"/>
+          </a:fillRef>
+          <a:effectRef idx="1">
+            <a:schemeClr val="accent3"/>
+          </a:effectRef>
+          <a:fontRef idx="minor">
+            <a:schemeClr val="tx1"/>
+          </a:fontRef>
+        </p:style>
+      </p:cxnSp>
+      <p:cxnSp>
+        <p:nvCxnSpPr>
+          <p:cNvPr id="149" name="Elbow Connector 148">
+            <a:extLst>
+              <a:ext uri="{FF2B5EF4-FFF2-40B4-BE49-F238E27FC236}">
+                <a16:creationId xmlns:a16="http://schemas.microsoft.com/office/drawing/2014/main" id="{70F2771D-6AFC-6045-AF32-93DFD6A6DE13}"/>
+              </a:ext>
+            </a:extLst>
+          </p:cNvPr>
+          <p:cNvCxnSpPr>
+            <a:cxnSpLocks/>
+            <a:endCxn id="48" idx="1"/>
+          </p:cNvCxnSpPr>
+          <p:nvPr/>
+        </p:nvCxnSpPr>
+        <p:spPr>
+          <a:xfrm rot="16200000" flipH="1">
+            <a:off x="2152716" y="3556276"/>
+            <a:ext cx="823443" cy="390239"/>
+          </a:xfrm>
+          <a:prstGeom prst="bentConnector2">
+            <a:avLst/>
+          </a:prstGeom>
+          <a:ln>
+            <a:tailEnd type="triangle"/>
+          </a:ln>
+        </p:spPr>
+        <p:style>
+          <a:lnRef idx="2">
+            <a:schemeClr val="accent3"/>
+          </a:lnRef>
+          <a:fillRef idx="0">
+            <a:schemeClr val="accent3"/>
+          </a:fillRef>
+          <a:effectRef idx="1">
+            <a:schemeClr val="accent3"/>
+          </a:effectRef>
+          <a:fontRef idx="minor">
+            <a:schemeClr val="tx1"/>
+          </a:fontRef>
+        </p:style>
+      </p:cxnSp>
+      <p:cxnSp>
+        <p:nvCxnSpPr>
+          <p:cNvPr id="156" name="Elbow Connector 155">
+            <a:extLst>
+              <a:ext uri="{FF2B5EF4-FFF2-40B4-BE49-F238E27FC236}">
+                <a16:creationId xmlns:a16="http://schemas.microsoft.com/office/drawing/2014/main" id="{551D20C4-5F10-9243-AC9E-B71EF5BEBA96}"/>
+              </a:ext>
+            </a:extLst>
+          </p:cNvPr>
+          <p:cNvCxnSpPr>
+            <a:endCxn id="46" idx="1"/>
+          </p:cNvCxnSpPr>
+          <p:nvPr/>
+        </p:nvCxnSpPr>
+        <p:spPr>
+          <a:xfrm rot="16200000" flipH="1">
+            <a:off x="1750196" y="3744816"/>
+            <a:ext cx="1474900" cy="668849"/>
+          </a:xfrm>
+          <a:prstGeom prst="bentConnector2">
+            <a:avLst/>
+          </a:prstGeom>
+          <a:ln>
+            <a:tailEnd type="triangle"/>
+          </a:ln>
+        </p:spPr>
+        <p:style>
+          <a:lnRef idx="2">
+            <a:schemeClr val="accent3"/>
+          </a:lnRef>
+          <a:fillRef idx="0">
+            <a:schemeClr val="accent3"/>
+          </a:fillRef>
+          <a:effectRef idx="1">
+            <a:schemeClr val="accent3"/>
+          </a:effectRef>
+          <a:fontRef idx="minor">
+            <a:schemeClr val="tx1"/>
+          </a:fontRef>
+        </p:style>
+      </p:cxnSp>
+      <p:cxnSp>
+        <p:nvCxnSpPr>
+          <p:cNvPr id="158" name="Elbow Connector 157">
+            <a:extLst>
+              <a:ext uri="{FF2B5EF4-FFF2-40B4-BE49-F238E27FC236}">
+                <a16:creationId xmlns:a16="http://schemas.microsoft.com/office/drawing/2014/main" id="{31F5EDD9-70D1-0746-9997-7E9A15E0191E}"/>
+              </a:ext>
+            </a:extLst>
+          </p:cNvPr>
+          <p:cNvCxnSpPr>
+            <a:cxnSpLocks/>
+            <a:stCxn id="43" idx="2"/>
+            <a:endCxn id="54" idx="1"/>
+          </p:cNvCxnSpPr>
+          <p:nvPr/>
+        </p:nvCxnSpPr>
+        <p:spPr>
+          <a:xfrm rot="16200000" flipH="1">
+            <a:off x="2665288" y="5337730"/>
+            <a:ext cx="192475" cy="121092"/>
+          </a:xfrm>
+          <a:prstGeom prst="bentConnector2">
+            <a:avLst/>
+          </a:prstGeom>
+          <a:ln>
+            <a:tailEnd type="triangle"/>
+          </a:ln>
+        </p:spPr>
+        <p:style>
+          <a:lnRef idx="2">
+            <a:schemeClr val="accent3"/>
+          </a:lnRef>
+          <a:fillRef idx="0">
+            <a:schemeClr val="accent3"/>
+          </a:fillRef>
+          <a:effectRef idx="1">
+            <a:schemeClr val="accent3"/>
+          </a:effectRef>
+          <a:fontRef idx="minor">
+            <a:schemeClr val="tx1"/>
+          </a:fontRef>
+        </p:style>
+      </p:cxnSp>
+      <p:cxnSp>
+        <p:nvCxnSpPr>
+          <p:cNvPr id="162" name="Elbow Connector 161">
+            <a:extLst>
+              <a:ext uri="{FF2B5EF4-FFF2-40B4-BE49-F238E27FC236}">
+                <a16:creationId xmlns:a16="http://schemas.microsoft.com/office/drawing/2014/main" id="{2C05CEB6-2EB3-F34C-A608-762CACC9AC93}"/>
+              </a:ext>
+            </a:extLst>
+          </p:cNvPr>
+          <p:cNvCxnSpPr>
+            <a:endCxn id="56" idx="1"/>
+          </p:cNvCxnSpPr>
+          <p:nvPr/>
+        </p:nvCxnSpPr>
+        <p:spPr>
+          <a:xfrm rot="16200000" flipH="1">
+            <a:off x="2091777" y="5332363"/>
+            <a:ext cx="760619" cy="699969"/>
+          </a:xfrm>
+          <a:prstGeom prst="bentConnector2">
+            <a:avLst/>
+          </a:prstGeom>
+          <a:ln>
+            <a:tailEnd type="triangle"/>
+          </a:ln>
+        </p:spPr>
+        <p:style>
+          <a:lnRef idx="2">
+            <a:schemeClr val="accent3"/>
+          </a:lnRef>
+          <a:fillRef idx="0">
+            <a:schemeClr val="accent3"/>
+          </a:fillRef>
+          <a:effectRef idx="1">
+            <a:schemeClr val="accent3"/>
+          </a:effectRef>
+          <a:fontRef idx="minor">
+            <a:schemeClr val="tx1"/>
+          </a:fontRef>
+        </p:style>
+      </p:cxnSp>
+      <p:cxnSp>
+        <p:nvCxnSpPr>
+          <p:cNvPr id="165" name="Elbow Connector 164">
+            <a:extLst>
+              <a:ext uri="{FF2B5EF4-FFF2-40B4-BE49-F238E27FC236}">
+                <a16:creationId xmlns:a16="http://schemas.microsoft.com/office/drawing/2014/main" id="{597D4985-6098-BC41-9C13-F0D9A1DAA3BF}"/>
+              </a:ext>
+            </a:extLst>
+          </p:cNvPr>
+          <p:cNvCxnSpPr>
+            <a:stCxn id="42" idx="2"/>
+            <a:endCxn id="51" idx="1"/>
+          </p:cNvCxnSpPr>
+          <p:nvPr/>
+        </p:nvCxnSpPr>
+        <p:spPr>
+          <a:xfrm rot="16200000" flipH="1">
+            <a:off x="3120639" y="6203645"/>
+            <a:ext cx="56465" cy="925566"/>
+          </a:xfrm>
+          <a:prstGeom prst="bentConnector2">
+            <a:avLst/>
+          </a:prstGeom>
+          <a:ln>
+            <a:tailEnd type="triangle"/>
+          </a:ln>
+        </p:spPr>
+        <p:style>
+          <a:lnRef idx="2">
+            <a:schemeClr val="accent3"/>
+          </a:lnRef>
+          <a:fillRef idx="0">
+            <a:schemeClr val="accent3"/>
+          </a:fillRef>
+          <a:effectRef idx="1">
+            <a:schemeClr val="accent3"/>
+          </a:effectRef>
+          <a:fontRef idx="minor">
+            <a:schemeClr val="tx1"/>
+          </a:fontRef>
+        </p:style>
+      </p:cxnSp>
+      <p:cxnSp>
+        <p:nvCxnSpPr>
+          <p:cNvPr id="167" name="Elbow Connector 166">
+            <a:extLst>
+              <a:ext uri="{FF2B5EF4-FFF2-40B4-BE49-F238E27FC236}">
+                <a16:creationId xmlns:a16="http://schemas.microsoft.com/office/drawing/2014/main" id="{21AF491A-CF84-B841-A4A0-D73A38B72B1A}"/>
+              </a:ext>
+            </a:extLst>
+          </p:cNvPr>
+          <p:cNvCxnSpPr>
+            <a:cxnSpLocks/>
+            <a:endCxn id="57" idx="1"/>
+          </p:cNvCxnSpPr>
+          <p:nvPr/>
+        </p:nvCxnSpPr>
+        <p:spPr>
+          <a:xfrm rot="16200000" flipH="1">
+            <a:off x="3446053" y="3676689"/>
+            <a:ext cx="204738" cy="163249"/>
+          </a:xfrm>
+          <a:prstGeom prst="bentConnector2">
+            <a:avLst/>
+          </a:prstGeom>
+          <a:ln>
+            <a:tailEnd type="triangle"/>
+          </a:ln>
+        </p:spPr>
+        <p:style>
+          <a:lnRef idx="2">
+            <a:schemeClr val="accent3"/>
+          </a:lnRef>
+          <a:fillRef idx="0">
+            <a:schemeClr val="accent3"/>
+          </a:fillRef>
+          <a:effectRef idx="1">
+            <a:schemeClr val="accent3"/>
+          </a:effectRef>
+          <a:fontRef idx="minor">
+            <a:schemeClr val="tx1"/>
+          </a:fontRef>
+        </p:style>
+      </p:cxnSp>
+      <p:cxnSp>
+        <p:nvCxnSpPr>
+          <p:cNvPr id="170" name="Elbow Connector 169">
+            <a:extLst>
+              <a:ext uri="{FF2B5EF4-FFF2-40B4-BE49-F238E27FC236}">
+                <a16:creationId xmlns:a16="http://schemas.microsoft.com/office/drawing/2014/main" id="{987D734A-BF2A-044B-A8D6-9C8466D878AA}"/>
+              </a:ext>
+            </a:extLst>
+          </p:cNvPr>
+          <p:cNvCxnSpPr>
+            <a:endCxn id="53" idx="1"/>
+          </p:cNvCxnSpPr>
+          <p:nvPr/>
+        </p:nvCxnSpPr>
+        <p:spPr>
+          <a:xfrm rot="16200000" flipH="1">
+            <a:off x="3434388" y="4321812"/>
+            <a:ext cx="228069" cy="163250"/>
+          </a:xfrm>
+          <a:prstGeom prst="bentConnector2">
+            <a:avLst/>
+          </a:prstGeom>
+          <a:ln>
+            <a:tailEnd type="triangle"/>
+          </a:ln>
+        </p:spPr>
+        <p:style>
+          <a:lnRef idx="2">
+            <a:schemeClr val="accent3"/>
+          </a:lnRef>
+          <a:fillRef idx="0">
+            <a:schemeClr val="accent3"/>
+          </a:fillRef>
+          <a:effectRef idx="1">
+            <a:schemeClr val="accent3"/>
+          </a:effectRef>
+          <a:fontRef idx="minor">
+            <a:schemeClr val="tx1"/>
+          </a:fontRef>
+        </p:style>
+      </p:cxnSp>
+      <p:cxnSp>
+        <p:nvCxnSpPr>
+          <p:cNvPr id="172" name="Elbow Connector 171">
+            <a:extLst>
+              <a:ext uri="{FF2B5EF4-FFF2-40B4-BE49-F238E27FC236}">
+                <a16:creationId xmlns:a16="http://schemas.microsoft.com/office/drawing/2014/main" id="{2F206554-E372-2C4D-A5BA-C07AFE160BF6}"/>
+              </a:ext>
+            </a:extLst>
+          </p:cNvPr>
+          <p:cNvCxnSpPr>
+            <a:endCxn id="58" idx="1"/>
+          </p:cNvCxnSpPr>
+          <p:nvPr/>
+        </p:nvCxnSpPr>
+        <p:spPr>
+          <a:xfrm rot="16200000" flipH="1">
+            <a:off x="3455938" y="5621517"/>
+            <a:ext cx="184968" cy="163250"/>
+          </a:xfrm>
+          <a:prstGeom prst="bentConnector2">
+            <a:avLst/>
+          </a:prstGeom>
+          <a:ln>
+            <a:tailEnd type="triangle"/>
+          </a:ln>
+        </p:spPr>
+        <p:style>
+          <a:lnRef idx="2">
+            <a:schemeClr val="accent3"/>
+          </a:lnRef>
+          <a:fillRef idx="0">
+            <a:schemeClr val="accent3"/>
+          </a:fillRef>
+          <a:effectRef idx="1">
+            <a:schemeClr val="accent3"/>
+          </a:effectRef>
+          <a:fontRef idx="minor">
+            <a:schemeClr val="tx1"/>
+          </a:fontRef>
+        </p:style>
+      </p:cxnSp>
+      <p:cxnSp>
+        <p:nvCxnSpPr>
+          <p:cNvPr id="174" name="Elbow Connector 173">
+            <a:extLst>
+              <a:ext uri="{FF2B5EF4-FFF2-40B4-BE49-F238E27FC236}">
+                <a16:creationId xmlns:a16="http://schemas.microsoft.com/office/drawing/2014/main" id="{1A912DB6-4AAF-6745-8F84-BFF3ACC071DF}"/>
+              </a:ext>
+            </a:extLst>
+          </p:cNvPr>
+          <p:cNvCxnSpPr>
+            <a:cxnSpLocks/>
+          </p:cNvCxnSpPr>
+          <p:nvPr/>
+        </p:nvCxnSpPr>
+        <p:spPr>
+          <a:xfrm>
+            <a:off x="2971800" y="6184481"/>
+            <a:ext cx="639854" cy="129183"/>
+          </a:xfrm>
+          <a:prstGeom prst="bentConnector3">
+            <a:avLst>
+              <a:gd name="adj1" fmla="val 4007"/>
+            </a:avLst>
+          </a:prstGeom>
+          <a:ln>
+            <a:tailEnd type="triangle"/>
+          </a:ln>
+        </p:spPr>
+        <p:style>
+          <a:lnRef idx="2">
+            <a:schemeClr val="accent3"/>
+          </a:lnRef>
+          <a:fillRef idx="0">
+            <a:schemeClr val="accent3"/>
+          </a:fillRef>
+          <a:effectRef idx="1">
+            <a:schemeClr val="accent3"/>
+          </a:effectRef>
+          <a:fontRef idx="minor">
+            <a:schemeClr val="tx1"/>
+          </a:fontRef>
+        </p:style>
+      </p:cxnSp>
+      <p:cxnSp>
+        <p:nvCxnSpPr>
+          <p:cNvPr id="193" name="Elbow Connector 192">
+            <a:extLst>
+              <a:ext uri="{FF2B5EF4-FFF2-40B4-BE49-F238E27FC236}">
+                <a16:creationId xmlns:a16="http://schemas.microsoft.com/office/drawing/2014/main" id="{3A9FADCA-92C9-7F45-B55D-AC0F9FCAD8A1}"/>
+              </a:ext>
+            </a:extLst>
+          </p:cNvPr>
+          <p:cNvCxnSpPr>
+            <a:cxnSpLocks/>
+            <a:stCxn id="57" idx="3"/>
+          </p:cNvCxnSpPr>
+          <p:nvPr/>
+        </p:nvCxnSpPr>
+        <p:spPr>
+          <a:xfrm>
+            <a:off x="5155773" y="3860683"/>
+            <a:ext cx="3048618" cy="186290"/>
+          </a:xfrm>
+          <a:prstGeom prst="bentConnector3">
+            <a:avLst>
+              <a:gd name="adj1" fmla="val 50000"/>
+            </a:avLst>
+          </a:prstGeom>
+          <a:ln w="9525" cap="flat" cmpd="sng" algn="ctr">
             <a:solidFill>
               <a:schemeClr val="accent3"/>
             </a:solidFill>
+            <a:prstDash val="dash"/>
+            <a:round/>
             <a:headEnd type="none" w="med" len="med"/>
-            <a:tailEnd type="arrow" w="med" len="med"/>
+            <a:tailEnd type="stealth" w="lg" len="lg"/>
           </a:ln>
-          <a:effectLst/>
         </p:spPr>
         <p:style>
-          <a:lnRef idx="1">
-            <a:schemeClr val="accent2"/>
+          <a:lnRef idx="0">
+            <a:scrgbClr r="0" g="0" b="0"/>
           </a:lnRef>
-          <a:fillRef idx="2">
-            <a:schemeClr val="accent2"/>
+          <a:fillRef idx="0">
+            <a:scrgbClr r="0" g="0" b="0"/>
           </a:fillRef>
-          <a:effectRef idx="1">
-            <a:schemeClr val="accent2"/>
+          <a:effectRef idx="0">
+            <a:scrgbClr r="0" g="0" b="0"/>
           </a:effectRef>
           <a:fontRef idx="minor">
-            <a:schemeClr val="dk1"/>
+            <a:schemeClr val="tx1"/>
           </a:fontRef>
         </p:style>
       </p:cxnSp>
-      <p:sp>
-        <p:nvSpPr>
-          <p:cNvPr id="73" name="Rectangle 62"/>
+      <p:cxnSp>
+        <p:nvCxnSpPr>
+          <p:cNvPr id="202" name="Elbow Connector 201">
+            <a:extLst>
+              <a:ext uri="{FF2B5EF4-FFF2-40B4-BE49-F238E27FC236}">
+                <a16:creationId xmlns:a16="http://schemas.microsoft.com/office/drawing/2014/main" id="{9520BA47-67BA-2946-A431-7551E07F8BF1}"/>
+              </a:ext>
+            </a:extLst>
+          </p:cNvPr>
+          <p:cNvCxnSpPr>
+            <a:cxnSpLocks/>
+            <a:endCxn id="63" idx="0"/>
+          </p:cNvCxnSpPr>
+          <p:nvPr/>
+        </p:nvCxnSpPr>
+        <p:spPr>
+          <a:xfrm>
+            <a:off x="5188543" y="4633616"/>
+            <a:ext cx="3015848" cy="87013"/>
+          </a:xfrm>
+          <a:prstGeom prst="bentConnector3">
+            <a:avLst>
+              <a:gd name="adj1" fmla="val 50000"/>
+            </a:avLst>
+          </a:prstGeom>
+          <a:ln w="9525" cap="flat" cmpd="sng" algn="ctr">
+            <a:solidFill>
+              <a:schemeClr val="accent3"/>
+            </a:solidFill>
+            <a:prstDash val="dash"/>
+            <a:round/>
+            <a:headEnd type="none" w="med" len="med"/>
+            <a:tailEnd type="stealth" w="lg" len="lg"/>
+          </a:ln>
+        </p:spPr>
+        <p:style>
+          <a:lnRef idx="0">
+            <a:scrgbClr r="0" g="0" b="0"/>
+          </a:lnRef>
+          <a:fillRef idx="0">
+            <a:scrgbClr r="0" g="0" b="0"/>
+          </a:fillRef>
+          <a:effectRef idx="0">
+            <a:scrgbClr r="0" g="0" b="0"/>
+          </a:effectRef>
+          <a:fontRef idx="minor">
+            <a:schemeClr val="tx1"/>
+          </a:fontRef>
+        </p:style>
+      </p:cxnSp>
+      <p:cxnSp>
+        <p:nvCxnSpPr>
+          <p:cNvPr id="203" name="Elbow Connector 202">
+            <a:extLst>
+              <a:ext uri="{FF2B5EF4-FFF2-40B4-BE49-F238E27FC236}">
+                <a16:creationId xmlns:a16="http://schemas.microsoft.com/office/drawing/2014/main" id="{EC97BD3F-DFA0-554B-A917-5A626BBB3BF6}"/>
+              </a:ext>
+            </a:extLst>
+          </p:cNvPr>
+          <p:cNvCxnSpPr>
+            <a:cxnSpLocks/>
+          </p:cNvCxnSpPr>
+          <p:nvPr/>
+        </p:nvCxnSpPr>
+        <p:spPr>
+          <a:xfrm>
+            <a:off x="5011317" y="5911770"/>
+            <a:ext cx="3193074" cy="122564"/>
+          </a:xfrm>
+          <a:prstGeom prst="bentConnector3">
+            <a:avLst>
+              <a:gd name="adj1" fmla="val 50000"/>
+            </a:avLst>
+          </a:prstGeom>
+          <a:ln w="9525" cap="flat" cmpd="sng" algn="ctr">
+            <a:solidFill>
+              <a:schemeClr val="accent3"/>
+            </a:solidFill>
+            <a:prstDash val="dash"/>
+            <a:round/>
+            <a:headEnd type="none" w="med" len="med"/>
+            <a:tailEnd type="stealth" w="lg" len="lg"/>
+          </a:ln>
+        </p:spPr>
+        <p:style>
+          <a:lnRef idx="0">
+            <a:scrgbClr r="0" g="0" b="0"/>
+          </a:lnRef>
+          <a:fillRef idx="0">
+            <a:scrgbClr r="0" g="0" b="0"/>
+          </a:fillRef>
+          <a:effectRef idx="0">
+            <a:scrgbClr r="0" g="0" b="0"/>
+          </a:effectRef>
+          <a:fontRef idx="minor">
+            <a:schemeClr val="tx1"/>
+          </a:fontRef>
+        </p:style>
+      </p:cxnSp>
+      <p:cxnSp>
+        <p:nvCxnSpPr>
+          <p:cNvPr id="209" name="Elbow Connector 208">
+            <a:extLst>
+              <a:ext uri="{FF2B5EF4-FFF2-40B4-BE49-F238E27FC236}">
+                <a16:creationId xmlns:a16="http://schemas.microsoft.com/office/drawing/2014/main" id="{4B3A22F6-31F5-934E-9991-F52EC80A2185}"/>
+              </a:ext>
+            </a:extLst>
+          </p:cNvPr>
+          <p:cNvCxnSpPr>
+            <a:stCxn id="59" idx="3"/>
+          </p:cNvCxnSpPr>
+          <p:nvPr/>
+        </p:nvCxnSpPr>
+        <p:spPr>
+          <a:xfrm flipV="1">
+            <a:off x="5147890" y="6301366"/>
+            <a:ext cx="3074895" cy="51282"/>
+          </a:xfrm>
+          <a:prstGeom prst="bentConnector3">
+            <a:avLst/>
+          </a:prstGeom>
+          <a:ln w="9525" cap="flat" cmpd="sng" algn="ctr">
+            <a:solidFill>
+              <a:schemeClr val="accent3"/>
+            </a:solidFill>
+            <a:prstDash val="dash"/>
+            <a:round/>
+            <a:headEnd type="none" w="med" len="med"/>
+            <a:tailEnd type="stealth" w="lg" len="lg"/>
+          </a:ln>
+        </p:spPr>
+        <p:style>
+          <a:lnRef idx="0">
+            <a:scrgbClr r="0" g="0" b="0"/>
+          </a:lnRef>
+          <a:fillRef idx="0">
+            <a:scrgbClr r="0" g="0" b="0"/>
+          </a:fillRef>
+          <a:effectRef idx="0">
+            <a:scrgbClr r="0" g="0" b="0"/>
+          </a:effectRef>
+          <a:fontRef idx="minor">
+            <a:schemeClr val="tx1"/>
+          </a:fontRef>
+        </p:style>
+      </p:cxnSp>
+      <p:cxnSp>
+        <p:nvCxnSpPr>
+          <p:cNvPr id="211" name="Elbow Connector 210">
+            <a:extLst>
+              <a:ext uri="{FF2B5EF4-FFF2-40B4-BE49-F238E27FC236}">
+                <a16:creationId xmlns:a16="http://schemas.microsoft.com/office/drawing/2014/main" id="{4F13B831-BF71-DC4E-A926-2A229156A1DC}"/>
+              </a:ext>
+            </a:extLst>
+          </p:cNvPr>
+          <p:cNvCxnSpPr>
+            <a:cxnSpLocks/>
+          </p:cNvCxnSpPr>
+          <p:nvPr/>
+        </p:nvCxnSpPr>
+        <p:spPr>
+          <a:xfrm flipV="1">
+            <a:off x="5147889" y="6578516"/>
+            <a:ext cx="3056502" cy="202533"/>
+          </a:xfrm>
+          <a:prstGeom prst="bentConnector3">
+            <a:avLst/>
+          </a:prstGeom>
+          <a:ln w="9525" cap="flat" cmpd="sng" algn="ctr">
+            <a:solidFill>
+              <a:schemeClr val="accent3"/>
+            </a:solidFill>
+            <a:prstDash val="dash"/>
+            <a:round/>
+            <a:headEnd type="none" w="med" len="med"/>
+            <a:tailEnd type="stealth" w="lg" len="lg"/>
+          </a:ln>
+        </p:spPr>
+        <p:style>
+          <a:lnRef idx="0">
+            <a:scrgbClr r="0" g="0" b="0"/>
+          </a:lnRef>
+          <a:fillRef idx="0">
+            <a:scrgbClr r="0" g="0" b="0"/>
+          </a:fillRef>
+          <a:effectRef idx="0">
+            <a:scrgbClr r="0" g="0" b="0"/>
+          </a:effectRef>
+          <a:fontRef idx="minor">
+            <a:schemeClr val="tx1"/>
+          </a:fontRef>
+        </p:style>
+      </p:cxnSp>
+      <p:cxnSp>
+        <p:nvCxnSpPr>
+          <p:cNvPr id="11" name="Elbow Connector 10">
+            <a:extLst>
+              <a:ext uri="{FF2B5EF4-FFF2-40B4-BE49-F238E27FC236}">
+                <a16:creationId xmlns:a16="http://schemas.microsoft.com/office/drawing/2014/main" id="{0CB04D20-D20D-A54E-A854-27FCBBF43F79}"/>
+              </a:ext>
+            </a:extLst>
+          </p:cNvPr>
+          <p:cNvCxnSpPr>
+            <a:cxnSpLocks/>
+          </p:cNvCxnSpPr>
+          <p:nvPr/>
+        </p:nvCxnSpPr>
+        <p:spPr>
+          <a:xfrm>
+            <a:off x="2208094" y="1109445"/>
+            <a:ext cx="5879589" cy="173378"/>
+          </a:xfrm>
+          <a:prstGeom prst="bentConnector3">
+            <a:avLst>
+              <a:gd name="adj1" fmla="val 86109"/>
+            </a:avLst>
+          </a:prstGeom>
+          <a:ln>
+            <a:tailEnd type="triangle"/>
+          </a:ln>
+        </p:spPr>
+        <p:style>
+          <a:lnRef idx="2">
+            <a:schemeClr val="accent3"/>
+          </a:lnRef>
+          <a:fillRef idx="0">
+            <a:schemeClr val="accent3"/>
+          </a:fillRef>
+          <a:effectRef idx="1">
+            <a:schemeClr val="accent3"/>
+          </a:effectRef>
+          <a:fontRef idx="minor">
+            <a:schemeClr val="tx1"/>
+          </a:fontRef>
+        </p:style>
+      </p:cxnSp>
+      <p:sp>
+        <p:nvSpPr>
+          <p:cNvPr id="82" name="Rectangle 11">
+            <a:extLst>
+              <a:ext uri="{FF2B5EF4-FFF2-40B4-BE49-F238E27FC236}">
+                <a16:creationId xmlns:a16="http://schemas.microsoft.com/office/drawing/2014/main" id="{F06B506C-AF64-8F4B-B0DE-D20BF49B4FFC}"/>
+              </a:ext>
+            </a:extLst>
+          </p:cNvPr>
           <p:cNvSpPr/>
           <p:nvPr/>
         </p:nvSpPr>
         <p:spPr>
           <a:xfrm>
-            <a:off x="5143948" y="1770924"/>
-            <a:ext cx="772043" cy="346760"/>
+            <a:off x="2378275" y="1342502"/>
+            <a:ext cx="1565055" cy="255145"/>
           </a:xfrm>
           <a:prstGeom prst="rect">
             <a:avLst/>
           </a:prstGeom>
-          <a:ln w="6350">
+          <a:ln w="19050">
             <a:solidFill>
               <a:schemeClr val="accent3"/>
             </a:solidFill>
@@ -4537,26 +7157,7 @@
                   </a:schemeClr>
                 </a:solidFill>
               </a:rPr>
-              <a:t>{abstract}</a:t>
-            </a:r>
-            <a:br>
-              <a:rPr lang="en-US" sz="1050" b="1" dirty="0">
-                <a:solidFill>
-                  <a:schemeClr val="accent3">
-                    <a:lumMod val="75000"/>
-                  </a:schemeClr>
-                </a:solidFill>
-              </a:rPr>
-            </a:br>
-            <a:r>
-              <a:rPr lang="en-US" sz="1050" b="1" dirty="0" err="1">
-                <a:solidFill>
-                  <a:schemeClr val="accent3">
-                    <a:lumMod val="75000"/>
-                  </a:schemeClr>
-                </a:solidFill>
-              </a:rPr>
-              <a:t>UiPart</a:t>
+              <a:t>StatsWindow</a:t>
             </a:r>
             <a:endParaRPr lang="en-SG" sz="1050" b="1" dirty="0">
               <a:solidFill>
@@ -4570,949 +7171,91 @@
       </p:sp>
       <p:cxnSp>
         <p:nvCxnSpPr>
-          <p:cNvPr id="74" name="Elbow Connector 63"/>
+          <p:cNvPr id="19" name="Elbow Connector 18">
+            <a:extLst>
+              <a:ext uri="{FF2B5EF4-FFF2-40B4-BE49-F238E27FC236}">
+                <a16:creationId xmlns:a16="http://schemas.microsoft.com/office/drawing/2014/main" id="{15D05078-EE3A-BD44-AA2A-C316F6A51972}"/>
+              </a:ext>
+            </a:extLst>
+          </p:cNvPr>
           <p:cNvCxnSpPr>
-            <a:stCxn id="43" idx="3"/>
-            <a:endCxn id="16" idx="3"/>
+            <a:stCxn id="7" idx="2"/>
+            <a:endCxn id="82" idx="1"/>
           </p:cNvCxnSpPr>
           <p:nvPr/>
         </p:nvCxnSpPr>
         <p:spPr>
-          <a:xfrm flipV="1">
-            <a:off x="3686160" y="2286000"/>
-            <a:ext cx="1843809" cy="1136729"/>
+          <a:xfrm rot="16200000" flipH="1">
+            <a:off x="1978794" y="1070593"/>
+            <a:ext cx="71481" cy="727481"/>
           </a:xfrm>
           <a:prstGeom prst="bentConnector2">
             <a:avLst/>
           </a:prstGeom>
-          <a:ln w="6350">
-            <a:solidFill>
-              <a:schemeClr val="accent3"/>
-            </a:solidFill>
-            <a:headEnd type="none" w="med" len="med"/>
-            <a:tailEnd type="none" w="med" len="med"/>
+          <a:ln>
+            <a:tailEnd type="triangle"/>
           </a:ln>
-          <a:effectLst/>
         </p:spPr>
         <p:style>
-          <a:lnRef idx="1">
-            <a:schemeClr val="accent2"/>
+          <a:lnRef idx="2">
+            <a:schemeClr val="accent3"/>
           </a:lnRef>
-          <a:fillRef idx="2">
-            <a:schemeClr val="accent2"/>
+          <a:fillRef idx="0">
+            <a:schemeClr val="accent3"/>
           </a:fillRef>
           <a:effectRef idx="1">
-            <a:schemeClr val="accent2"/>
+            <a:schemeClr val="accent3"/>
           </a:effectRef>
           <a:fontRef idx="minor">
-            <a:schemeClr val="dk1"/>
+            <a:schemeClr val="tx1"/>
           </a:fontRef>
         </p:style>
       </p:cxnSp>
       <p:cxnSp>
         <p:nvCxnSpPr>
-          <p:cNvPr id="77" name="Elbow Connector 63"/>
+          <p:cNvPr id="25" name="Elbow Connector 24">
+            <a:extLst>
+              <a:ext uri="{FF2B5EF4-FFF2-40B4-BE49-F238E27FC236}">
+                <a16:creationId xmlns:a16="http://schemas.microsoft.com/office/drawing/2014/main" id="{2E43E0BD-83FB-DC40-B1B1-645E6DCB356C}"/>
+              </a:ext>
+            </a:extLst>
+          </p:cNvPr>
           <p:cNvCxnSpPr>
-            <a:stCxn id="16" idx="3"/>
-            <a:endCxn id="37" idx="3"/>
+            <a:stCxn id="82" idx="3"/>
           </p:cNvCxnSpPr>
           <p:nvPr/>
         </p:nvCxnSpPr>
         <p:spPr>
-          <a:xfrm rot="5400000">
-            <a:off x="4174488" y="2991741"/>
-            <a:ext cx="2061222" cy="649740"/>
-          </a:xfrm>
-          <a:prstGeom prst="bentConnector2">
+          <a:xfrm flipV="1">
+            <a:off x="3943330" y="1470074"/>
+            <a:ext cx="4144353" cy="1"/>
+          </a:xfrm>
+          <a:prstGeom prst="bentConnector3">
             <a:avLst/>
           </a:prstGeom>
-          <a:ln w="6350">
-            <a:solidFill>
-              <a:schemeClr val="accent3"/>
-            </a:solidFill>
-            <a:headEnd type="none" w="med" len="med"/>
-            <a:tailEnd type="none" w="med" len="med"/>
+          <a:ln>
+            <a:tailEnd type="triangle"/>
           </a:ln>
-          <a:effectLst/>
         </p:spPr>
         <p:style>
-          <a:lnRef idx="1">
-            <a:schemeClr val="accent2"/>
+          <a:lnRef idx="2">
+            <a:schemeClr val="accent3"/>
           </a:lnRef>
-          <a:fillRef idx="2">
-            <a:schemeClr val="accent2"/>
+          <a:fillRef idx="0">
+            <a:schemeClr val="accent3"/>
           </a:fillRef>
           <a:effectRef idx="1">
-            <a:schemeClr val="accent2"/>
+            <a:schemeClr val="accent3"/>
           </a:effectRef>
           <a:fontRef idx="minor">
-            <a:schemeClr val="dk1"/>
+            <a:schemeClr val="tx1"/>
           </a:fontRef>
         </p:style>
       </p:cxnSp>
-      <p:cxnSp>
-        <p:nvCxnSpPr>
-          <p:cNvPr id="82" name="Elbow Connector 63"/>
-          <p:cNvCxnSpPr>
-            <a:stCxn id="16" idx="3"/>
-            <a:endCxn id="34" idx="3"/>
-          </p:cNvCxnSpPr>
-          <p:nvPr/>
-        </p:nvCxnSpPr>
-        <p:spPr>
-          <a:xfrm rot="5400000">
-            <a:off x="3867176" y="2104987"/>
-            <a:ext cx="1481780" cy="1843806"/>
-          </a:xfrm>
-          <a:prstGeom prst="bentConnector2">
-            <a:avLst/>
-          </a:prstGeom>
-          <a:ln w="6350">
-            <a:solidFill>
-              <a:schemeClr val="accent3"/>
-            </a:solidFill>
-            <a:headEnd type="none" w="med" len="med"/>
-            <a:tailEnd type="none" w="med" len="med"/>
-          </a:ln>
-          <a:effectLst/>
-        </p:spPr>
-        <p:style>
-          <a:lnRef idx="1">
-            <a:schemeClr val="accent2"/>
-          </a:lnRef>
-          <a:fillRef idx="2">
-            <a:schemeClr val="accent2"/>
-          </a:fillRef>
-          <a:effectRef idx="1">
-            <a:schemeClr val="accent2"/>
-          </a:effectRef>
-          <a:fontRef idx="minor">
-            <a:schemeClr val="dk1"/>
-          </a:fontRef>
-        </p:style>
-      </p:cxnSp>
-      <p:cxnSp>
-        <p:nvCxnSpPr>
-          <p:cNvPr id="88" name="Elbow Connector 63"/>
-          <p:cNvCxnSpPr>
-            <a:stCxn id="2" idx="3"/>
-            <a:endCxn id="16" idx="3"/>
-          </p:cNvCxnSpPr>
-          <p:nvPr/>
-        </p:nvCxnSpPr>
-        <p:spPr>
-          <a:xfrm flipV="1">
-            <a:off x="3189583" y="2286000"/>
-            <a:ext cx="2340386" cy="228600"/>
-          </a:xfrm>
-          <a:prstGeom prst="bentConnector2">
-            <a:avLst/>
-          </a:prstGeom>
-          <a:ln w="6350">
-            <a:solidFill>
-              <a:schemeClr val="accent3"/>
-            </a:solidFill>
-            <a:headEnd type="none" w="med" len="med"/>
-            <a:tailEnd type="none" w="med" len="med"/>
-          </a:ln>
-          <a:effectLst/>
-        </p:spPr>
-        <p:style>
-          <a:lnRef idx="1">
-            <a:schemeClr val="accent2"/>
-          </a:lnRef>
-          <a:fillRef idx="2">
-            <a:schemeClr val="accent2"/>
-          </a:fillRef>
-          <a:effectRef idx="1">
-            <a:schemeClr val="accent2"/>
-          </a:effectRef>
-          <a:fontRef idx="minor">
-            <a:schemeClr val="dk1"/>
-          </a:fontRef>
-        </p:style>
-      </p:cxnSp>
-      <p:cxnSp>
-        <p:nvCxnSpPr>
-          <p:cNvPr id="91" name="Elbow Connector 63"/>
-          <p:cNvCxnSpPr>
-            <a:stCxn id="16" idx="3"/>
-            <a:endCxn id="35" idx="3"/>
-          </p:cNvCxnSpPr>
-          <p:nvPr/>
-        </p:nvCxnSpPr>
-        <p:spPr>
-          <a:xfrm rot="5400000">
-            <a:off x="3409976" y="2562187"/>
-            <a:ext cx="2396180" cy="1843807"/>
-          </a:xfrm>
-          <a:prstGeom prst="bentConnector2">
-            <a:avLst/>
-          </a:prstGeom>
-          <a:ln w="6350">
-            <a:solidFill>
-              <a:schemeClr val="accent3"/>
-            </a:solidFill>
-            <a:headEnd type="none" w="med" len="med"/>
-            <a:tailEnd type="none" w="med" len="med"/>
-          </a:ln>
-          <a:effectLst/>
-        </p:spPr>
-        <p:style>
-          <a:lnRef idx="1">
-            <a:schemeClr val="accent2"/>
-          </a:lnRef>
-          <a:fillRef idx="2">
-            <a:schemeClr val="accent2"/>
-          </a:fillRef>
-          <a:effectRef idx="1">
-            <a:schemeClr val="accent2"/>
-          </a:effectRef>
-          <a:fontRef idx="minor">
-            <a:schemeClr val="dk1"/>
-          </a:fontRef>
-        </p:style>
-      </p:cxnSp>
-      <p:cxnSp>
-        <p:nvCxnSpPr>
-          <p:cNvPr id="94" name="Elbow Connector 63"/>
-          <p:cNvCxnSpPr>
-            <a:stCxn id="16" idx="3"/>
-            <a:endCxn id="38" idx="3"/>
-          </p:cNvCxnSpPr>
-          <p:nvPr/>
-        </p:nvCxnSpPr>
-        <p:spPr>
-          <a:xfrm rot="5400000">
-            <a:off x="3208856" y="2763307"/>
-            <a:ext cx="2798421" cy="1843806"/>
-          </a:xfrm>
-          <a:prstGeom prst="bentConnector2">
-            <a:avLst/>
-          </a:prstGeom>
-          <a:ln w="6350">
-            <a:solidFill>
-              <a:schemeClr val="accent3"/>
-            </a:solidFill>
-            <a:headEnd type="none" w="med" len="med"/>
-            <a:tailEnd type="none" w="med" len="med"/>
-          </a:ln>
-          <a:effectLst/>
-        </p:spPr>
-        <p:style>
-          <a:lnRef idx="1">
-            <a:schemeClr val="accent2"/>
-          </a:lnRef>
-          <a:fillRef idx="2">
-            <a:schemeClr val="accent2"/>
-          </a:fillRef>
-          <a:effectRef idx="1">
-            <a:schemeClr val="accent2"/>
-          </a:effectRef>
-          <a:fontRef idx="minor">
-            <a:schemeClr val="dk1"/>
-          </a:fontRef>
-        </p:style>
-      </p:cxnSp>
-      <p:cxnSp>
-        <p:nvCxnSpPr>
-          <p:cNvPr id="107" name="Elbow Connector 106"/>
-          <p:cNvCxnSpPr>
-            <a:stCxn id="9" idx="0"/>
-          </p:cNvCxnSpPr>
-          <p:nvPr/>
-        </p:nvCxnSpPr>
-        <p:spPr>
-          <a:xfrm rot="5400000" flipH="1" flipV="1">
-            <a:off x="4594921" y="-355061"/>
-            <a:ext cx="170724" cy="4081246"/>
-          </a:xfrm>
-          <a:prstGeom prst="bentConnector2">
-            <a:avLst/>
-          </a:prstGeom>
-          <a:ln w="19050">
-            <a:solidFill>
-              <a:srgbClr val="00B050"/>
-            </a:solidFill>
-            <a:prstDash val="solid"/>
-            <a:headEnd type="none" w="med" len="med"/>
-            <a:tailEnd type="arrow" w="med" len="med"/>
-          </a:ln>
-          <a:effectLst/>
-        </p:spPr>
-        <p:style>
-          <a:lnRef idx="1">
-            <a:schemeClr val="accent2"/>
-          </a:lnRef>
-          <a:fillRef idx="2">
-            <a:schemeClr val="accent2"/>
-          </a:fillRef>
-          <a:effectRef idx="1">
-            <a:schemeClr val="accent2"/>
-          </a:effectRef>
-          <a:fontRef idx="minor">
-            <a:schemeClr val="dk1"/>
-          </a:fontRef>
-        </p:style>
-      </p:cxnSp>
-      <p:sp>
-        <p:nvSpPr>
-          <p:cNvPr id="117" name="Rectangle 65"/>
-          <p:cNvSpPr/>
-          <p:nvPr/>
-        </p:nvSpPr>
-        <p:spPr>
-          <a:xfrm rot="16200000">
-            <a:off x="6213739" y="4560376"/>
-            <a:ext cx="1371599" cy="328045"/>
-          </a:xfrm>
-          <a:prstGeom prst="roundRect">
-            <a:avLst/>
-          </a:prstGeom>
-          <a:solidFill>
-            <a:schemeClr val="accent4">
-              <a:lumMod val="20000"/>
-              <a:lumOff val="80000"/>
-            </a:schemeClr>
-          </a:solidFill>
-          <a:ln w="19050">
-            <a:noFill/>
-          </a:ln>
-          <a:effectLst/>
-        </p:spPr>
-        <p:style>
-          <a:lnRef idx="1">
-            <a:schemeClr val="accent2"/>
-          </a:lnRef>
-          <a:fillRef idx="2">
-            <a:schemeClr val="accent2"/>
-          </a:fillRef>
-          <a:effectRef idx="1">
-            <a:schemeClr val="accent2"/>
-          </a:effectRef>
-          <a:fontRef idx="minor">
-            <a:schemeClr val="dk1"/>
-          </a:fontRef>
-        </p:style>
-        <p:txBody>
-          <a:bodyPr rtlCol="0" anchor="ctr"/>
-          <a:lstStyle/>
-          <a:p>
-            <a:pPr algn="ctr"/>
-            <a:r>
-              <a:rPr lang="en-US" sz="1100" b="1" dirty="0">
-                <a:solidFill>
-                  <a:schemeClr val="bg1"/>
-                </a:solidFill>
-              </a:rPr>
-              <a:t>Model</a:t>
-            </a:r>
-            <a:endParaRPr lang="en-SG" sz="1100" b="1" dirty="0">
-              <a:solidFill>
-                <a:schemeClr val="bg1"/>
-              </a:solidFill>
-            </a:endParaRPr>
-          </a:p>
-        </p:txBody>
-      </p:sp>
-      <p:sp>
-        <p:nvSpPr>
-          <p:cNvPr id="119" name="Rectangle 62"/>
-          <p:cNvSpPr/>
-          <p:nvPr/>
-        </p:nvSpPr>
-        <p:spPr>
-          <a:xfrm rot="16200000">
-            <a:off x="956202" y="2861202"/>
-            <a:ext cx="1093635" cy="346760"/>
-          </a:xfrm>
-          <a:prstGeom prst="rect">
-            <a:avLst/>
-          </a:prstGeom>
-          <a:solidFill>
-            <a:srgbClr val="00B050"/>
-          </a:solidFill>
-          <a:ln w="19050">
-            <a:solidFill>
-              <a:srgbClr val="00B050"/>
-            </a:solidFill>
-          </a:ln>
-          <a:effectLst/>
-        </p:spPr>
-        <p:style>
-          <a:lnRef idx="1">
-            <a:schemeClr val="accent2"/>
-          </a:lnRef>
-          <a:fillRef idx="2">
-            <a:schemeClr val="accent2"/>
-          </a:fillRef>
-          <a:effectRef idx="1">
-            <a:schemeClr val="accent2"/>
-          </a:effectRef>
-          <a:fontRef idx="minor">
-            <a:schemeClr val="dk1"/>
-          </a:fontRef>
-        </p:style>
-        <p:txBody>
-          <a:bodyPr rtlCol="0" anchor="ctr"/>
-          <a:lstStyle/>
-          <a:p>
-            <a:pPr algn="ctr"/>
-            <a:r>
-              <a:rPr lang="en-US" sz="1050" dirty="0">
-                <a:solidFill>
-                  <a:schemeClr val="bg1"/>
-                </a:solidFill>
-              </a:rPr>
-              <a:t>&lt;&lt;interface&gt;&gt;</a:t>
-            </a:r>
-          </a:p>
-          <a:p>
-            <a:pPr algn="ctr"/>
-            <a:r>
-              <a:rPr lang="en-US" sz="1050" dirty="0" err="1">
-                <a:solidFill>
-                  <a:schemeClr val="bg1"/>
-                </a:solidFill>
-              </a:rPr>
-              <a:t>Ui</a:t>
-            </a:r>
-            <a:endParaRPr lang="en-SG" sz="1050" dirty="0">
-              <a:solidFill>
-                <a:schemeClr val="bg1"/>
-              </a:solidFill>
-            </a:endParaRPr>
-          </a:p>
-        </p:txBody>
-      </p:sp>
-      <p:sp>
-        <p:nvSpPr>
-          <p:cNvPr id="120" name="Isosceles Triangle 102"/>
-          <p:cNvSpPr/>
-          <p:nvPr/>
-        </p:nvSpPr>
-        <p:spPr>
-          <a:xfrm flipV="1">
-            <a:off x="1367767" y="2286001"/>
-            <a:ext cx="270504" cy="175523"/>
-          </a:xfrm>
-          <a:prstGeom prst="triangle">
-            <a:avLst/>
-          </a:prstGeom>
-          <a:ln w="19050">
-            <a:solidFill>
-              <a:srgbClr val="00B050"/>
-            </a:solidFill>
-          </a:ln>
-          <a:effectLst/>
-        </p:spPr>
-        <p:style>
-          <a:lnRef idx="1">
-            <a:schemeClr val="accent3"/>
-          </a:lnRef>
-          <a:fillRef idx="2">
-            <a:schemeClr val="accent3"/>
-          </a:fillRef>
-          <a:effectRef idx="1">
-            <a:schemeClr val="accent3"/>
-          </a:effectRef>
-          <a:fontRef idx="minor">
-            <a:schemeClr val="dk1"/>
-          </a:fontRef>
-        </p:style>
-        <p:txBody>
-          <a:bodyPr rtlCol="0" anchor="ctr"/>
-          <a:lstStyle/>
-          <a:p>
-            <a:pPr algn="ctr"/>
-            <a:endParaRPr lang="en-SG" sz="1050" b="1">
-              <a:solidFill>
-                <a:srgbClr val="92D050"/>
-              </a:solidFill>
-            </a:endParaRPr>
-          </a:p>
-        </p:txBody>
-      </p:sp>
-      <p:cxnSp>
-        <p:nvCxnSpPr>
-          <p:cNvPr id="121" name="Elbow Connector 63"/>
-          <p:cNvCxnSpPr>
-            <a:stCxn id="9" idx="1"/>
-            <a:endCxn id="120" idx="3"/>
-          </p:cNvCxnSpPr>
-          <p:nvPr/>
-        </p:nvCxnSpPr>
-        <p:spPr>
-          <a:xfrm rot="10800000" flipV="1">
-            <a:off x="1503020" y="1944303"/>
-            <a:ext cx="589823" cy="341697"/>
-          </a:xfrm>
-          <a:prstGeom prst="bentConnector2">
-            <a:avLst/>
-          </a:prstGeom>
-          <a:ln w="19050">
-            <a:solidFill>
-              <a:srgbClr val="00B050"/>
-            </a:solidFill>
-            <a:prstDash val="sysDot"/>
-            <a:headEnd type="none" w="med" len="med"/>
-            <a:tailEnd type="none" w="med" len="med"/>
-          </a:ln>
-          <a:effectLst/>
-        </p:spPr>
-        <p:style>
-          <a:lnRef idx="1">
-            <a:schemeClr val="accent2"/>
-          </a:lnRef>
-          <a:fillRef idx="2">
-            <a:schemeClr val="accent2"/>
-          </a:fillRef>
-          <a:effectRef idx="1">
-            <a:schemeClr val="accent2"/>
-          </a:effectRef>
-          <a:fontRef idx="minor">
-            <a:schemeClr val="dk1"/>
-          </a:fontRef>
-        </p:style>
-      </p:cxnSp>
-      <p:cxnSp>
-        <p:nvCxnSpPr>
-          <p:cNvPr id="131" name="Elbow Connector 130"/>
-          <p:cNvCxnSpPr>
-            <a:stCxn id="39" idx="2"/>
-            <a:endCxn id="43" idx="1"/>
-          </p:cNvCxnSpPr>
-          <p:nvPr/>
-        </p:nvCxnSpPr>
-        <p:spPr>
-          <a:xfrm rot="16200000" flipH="1">
-            <a:off x="2226110" y="3058040"/>
-            <a:ext cx="554704" cy="174673"/>
-          </a:xfrm>
-          <a:prstGeom prst="bentConnector2">
-            <a:avLst/>
-          </a:prstGeom>
-          <a:ln w="19050">
-            <a:solidFill>
-              <a:schemeClr val="accent3"/>
-            </a:solidFill>
-            <a:headEnd type="none" w="med" len="med"/>
-            <a:tailEnd type="arrow" w="med" len="med"/>
-          </a:ln>
-          <a:effectLst/>
-        </p:spPr>
-        <p:style>
-          <a:lnRef idx="1">
-            <a:schemeClr val="accent2"/>
-          </a:lnRef>
-          <a:fillRef idx="2">
-            <a:schemeClr val="accent2"/>
-          </a:fillRef>
-          <a:effectRef idx="1">
-            <a:schemeClr val="accent2"/>
-          </a:effectRef>
-          <a:fontRef idx="minor">
-            <a:schemeClr val="dk1"/>
-          </a:fontRef>
-        </p:style>
-      </p:cxnSp>
-      <p:cxnSp>
-        <p:nvCxnSpPr>
-          <p:cNvPr id="132" name="Elbow Connector 63"/>
-          <p:cNvCxnSpPr>
-            <a:stCxn id="16" idx="3"/>
-            <a:endCxn id="3" idx="3"/>
-          </p:cNvCxnSpPr>
-          <p:nvPr/>
-        </p:nvCxnSpPr>
-        <p:spPr>
-          <a:xfrm rot="5400000">
-            <a:off x="4205956" y="1766207"/>
-            <a:ext cx="804221" cy="1843806"/>
-          </a:xfrm>
-          <a:prstGeom prst="bentConnector2">
-            <a:avLst/>
-          </a:prstGeom>
-          <a:ln w="6350">
-            <a:solidFill>
-              <a:schemeClr val="accent3"/>
-            </a:solidFill>
-            <a:headEnd type="none" w="med" len="med"/>
-            <a:tailEnd type="none" w="med" len="med"/>
-          </a:ln>
-          <a:effectLst/>
-        </p:spPr>
-        <p:style>
-          <a:lnRef idx="1">
-            <a:schemeClr val="accent2"/>
-          </a:lnRef>
-          <a:fillRef idx="2">
-            <a:schemeClr val="accent2"/>
-          </a:fillRef>
-          <a:effectRef idx="1">
-            <a:schemeClr val="accent2"/>
-          </a:effectRef>
-          <a:fontRef idx="minor">
-            <a:schemeClr val="dk1"/>
-          </a:fontRef>
-        </p:style>
-      </p:cxnSp>
-      <p:cxnSp>
-        <p:nvCxnSpPr>
-          <p:cNvPr id="137" name="Elbow Connector 136"/>
-          <p:cNvCxnSpPr>
-            <a:stCxn id="36" idx="2"/>
-            <a:endCxn id="37" idx="1"/>
-          </p:cNvCxnSpPr>
-          <p:nvPr/>
-        </p:nvCxnSpPr>
-        <p:spPr>
-          <a:xfrm rot="16200000" flipH="1">
-            <a:off x="3430123" y="3938021"/>
-            <a:ext cx="118421" cy="699979"/>
-          </a:xfrm>
-          <a:prstGeom prst="bentConnector2">
-            <a:avLst/>
-          </a:prstGeom>
-          <a:ln w="19050">
-            <a:solidFill>
-              <a:schemeClr val="accent3"/>
-            </a:solidFill>
-            <a:headEnd type="none" w="med" len="med"/>
-            <a:tailEnd type="arrow" w="med" len="med"/>
-          </a:ln>
-          <a:effectLst/>
-        </p:spPr>
-        <p:style>
-          <a:lnRef idx="1">
-            <a:schemeClr val="accent2"/>
-          </a:lnRef>
-          <a:fillRef idx="2">
-            <a:schemeClr val="accent2"/>
-          </a:fillRef>
-          <a:effectRef idx="1">
-            <a:schemeClr val="accent2"/>
-          </a:effectRef>
-          <a:fontRef idx="minor">
-            <a:schemeClr val="dk1"/>
-          </a:fontRef>
-        </p:style>
-      </p:cxnSp>
-      <p:cxnSp>
-        <p:nvCxnSpPr>
-          <p:cNvPr id="140" name="Elbow Connector 63"/>
-          <p:cNvCxnSpPr>
-            <a:stCxn id="16" idx="3"/>
-            <a:endCxn id="36" idx="3"/>
-          </p:cNvCxnSpPr>
-          <p:nvPr/>
-        </p:nvCxnSpPr>
-        <p:spPr>
-          <a:xfrm rot="5400000">
-            <a:off x="3695875" y="2276286"/>
-            <a:ext cx="1824381" cy="1843808"/>
-          </a:xfrm>
-          <a:prstGeom prst="bentConnector2">
-            <a:avLst/>
-          </a:prstGeom>
-          <a:ln w="6350">
-            <a:solidFill>
-              <a:schemeClr val="accent3"/>
-            </a:solidFill>
-            <a:headEnd type="none" w="med" len="med"/>
-            <a:tailEnd type="none" w="med" len="med"/>
-          </a:ln>
-          <a:effectLst/>
-        </p:spPr>
-        <p:style>
-          <a:lnRef idx="1">
-            <a:schemeClr val="accent2"/>
-          </a:lnRef>
-          <a:fillRef idx="2">
-            <a:schemeClr val="accent2"/>
-          </a:fillRef>
-          <a:effectRef idx="1">
-            <a:schemeClr val="accent2"/>
-          </a:effectRef>
-          <a:fontRef idx="minor">
-            <a:schemeClr val="dk1"/>
-          </a:fontRef>
-        </p:style>
-      </p:cxnSp>
-      <p:sp>
-        <p:nvSpPr>
-          <p:cNvPr id="143" name="Rectangle 142"/>
-          <p:cNvSpPr/>
-          <p:nvPr/>
-        </p:nvSpPr>
-        <p:spPr>
-          <a:xfrm>
-            <a:off x="5422048" y="2339335"/>
-            <a:ext cx="229325" cy="166560"/>
-          </a:xfrm>
-          <a:prstGeom prst="rect">
-            <a:avLst/>
-          </a:prstGeom>
-          <a:solidFill>
-            <a:schemeClr val="accent3">
-              <a:lumMod val="20000"/>
-              <a:lumOff val="80000"/>
-              <a:alpha val="80000"/>
-            </a:schemeClr>
-          </a:solidFill>
-          <a:ln>
-            <a:noFill/>
-          </a:ln>
-          <a:effectLst>
-            <a:softEdge rad="31750"/>
-          </a:effectLst>
-        </p:spPr>
-        <p:style>
-          <a:lnRef idx="2">
-            <a:schemeClr val="accent1">
-              <a:shade val="50000"/>
-            </a:schemeClr>
-          </a:lnRef>
-          <a:fillRef idx="1">
-            <a:schemeClr val="accent1"/>
-          </a:fillRef>
-          <a:effectRef idx="0">
-            <a:schemeClr val="accent1"/>
-          </a:effectRef>
-          <a:fontRef idx="minor">
-            <a:schemeClr val="lt1"/>
-          </a:fontRef>
-        </p:style>
-        <p:txBody>
-          <a:bodyPr rtlCol="0" anchor="ctr"/>
-          <a:lstStyle/>
-          <a:p>
-            <a:pPr algn="ctr"/>
-            <a:endParaRPr lang="en-SG"/>
-          </a:p>
-        </p:txBody>
-      </p:sp>
-      <p:sp>
-        <p:nvSpPr>
-          <p:cNvPr id="116" name="Freeform 115"/>
-          <p:cNvSpPr/>
-          <p:nvPr/>
-        </p:nvSpPr>
-        <p:spPr>
-          <a:xfrm>
-            <a:off x="3186477" y="2405681"/>
-            <a:ext cx="3537529" cy="45719"/>
-          </a:xfrm>
-          <a:custGeom>
-            <a:avLst/>
-            <a:gdLst>
-              <a:gd name="connsiteX0" fmla="*/ 0 w 3048000"/>
-              <a:gd name="connsiteY0" fmla="*/ 203200 h 203200"/>
-              <a:gd name="connsiteX1" fmla="*/ 221673 w 3048000"/>
-              <a:gd name="connsiteY1" fmla="*/ 0 h 203200"/>
-              <a:gd name="connsiteX2" fmla="*/ 3048000 w 3048000"/>
-              <a:gd name="connsiteY2" fmla="*/ 0 h 203200"/>
-            </a:gdLst>
-            <a:ahLst/>
-            <a:cxnLst>
-              <a:cxn ang="0">
-                <a:pos x="connsiteX0" y="connsiteY0"/>
-              </a:cxn>
-              <a:cxn ang="0">
-                <a:pos x="connsiteX1" y="connsiteY1"/>
-              </a:cxn>
-              <a:cxn ang="0">
-                <a:pos x="connsiteX2" y="connsiteY2"/>
-              </a:cxn>
-            </a:cxnLst>
-            <a:rect l="l" t="t" r="r" b="b"/>
-            <a:pathLst>
-              <a:path w="3048000" h="203200">
-                <a:moveTo>
-                  <a:pt x="0" y="203200"/>
-                </a:moveTo>
-                <a:lnTo>
-                  <a:pt x="221673" y="0"/>
-                </a:lnTo>
-                <a:lnTo>
-                  <a:pt x="3048000" y="0"/>
-                </a:lnTo>
-              </a:path>
-            </a:pathLst>
-          </a:custGeom>
-          <a:noFill/>
-          <a:ln w="19050">
-            <a:solidFill>
-              <a:schemeClr val="accent3"/>
-            </a:solidFill>
-            <a:prstDash val="solid"/>
-            <a:headEnd type="none" w="med" len="med"/>
-            <a:tailEnd type="arrow" w="med" len="med"/>
-          </a:ln>
-          <a:effectLst/>
-        </p:spPr>
-        <p:style>
-          <a:lnRef idx="1">
-            <a:schemeClr val="accent2"/>
-          </a:lnRef>
-          <a:fillRef idx="2">
-            <a:schemeClr val="accent2"/>
-          </a:fillRef>
-          <a:effectRef idx="1">
-            <a:schemeClr val="accent2"/>
-          </a:effectRef>
-          <a:fontRef idx="minor">
-            <a:schemeClr val="dk1"/>
-          </a:fontRef>
-        </p:style>
-        <p:txBody>
-          <a:bodyPr rtlCol="0" anchor="ctr"/>
-          <a:lstStyle/>
-          <a:p>
-            <a:pPr algn="ctr"/>
-            <a:endParaRPr lang="en-SG"/>
-          </a:p>
-        </p:txBody>
-      </p:sp>
-      <p:sp>
-        <p:nvSpPr>
-          <p:cNvPr id="144" name="Rectangle 143"/>
-          <p:cNvSpPr/>
-          <p:nvPr/>
-        </p:nvSpPr>
-        <p:spPr>
-          <a:xfrm>
-            <a:off x="5431573" y="4488138"/>
-            <a:ext cx="229325" cy="160062"/>
-          </a:xfrm>
-          <a:prstGeom prst="rect">
-            <a:avLst/>
-          </a:prstGeom>
-          <a:solidFill>
-            <a:schemeClr val="accent3">
-              <a:lumMod val="20000"/>
-              <a:lumOff val="80000"/>
-              <a:alpha val="80000"/>
-            </a:schemeClr>
-          </a:solidFill>
-          <a:ln>
-            <a:noFill/>
-          </a:ln>
-          <a:effectLst>
-            <a:softEdge rad="31750"/>
-          </a:effectLst>
-        </p:spPr>
-        <p:style>
-          <a:lnRef idx="2">
-            <a:schemeClr val="accent1">
-              <a:shade val="50000"/>
-            </a:schemeClr>
-          </a:lnRef>
-          <a:fillRef idx="1">
-            <a:schemeClr val="accent1"/>
-          </a:fillRef>
-          <a:effectRef idx="0">
-            <a:schemeClr val="accent1"/>
-          </a:effectRef>
-          <a:fontRef idx="minor">
-            <a:schemeClr val="lt1"/>
-          </a:fontRef>
-        </p:style>
-        <p:txBody>
-          <a:bodyPr rtlCol="0" anchor="ctr"/>
-          <a:lstStyle/>
-          <a:p>
-            <a:pPr algn="ctr"/>
-            <a:endParaRPr lang="en-SG"/>
-          </a:p>
-        </p:txBody>
-      </p:sp>
-      <p:sp>
-        <p:nvSpPr>
-          <p:cNvPr id="118" name="Freeform 117"/>
-          <p:cNvSpPr/>
-          <p:nvPr/>
-        </p:nvSpPr>
-        <p:spPr>
-          <a:xfrm flipV="1">
-            <a:off x="4114799" y="4472708"/>
-            <a:ext cx="2642195" cy="101600"/>
-          </a:xfrm>
-          <a:custGeom>
-            <a:avLst/>
-            <a:gdLst>
-              <a:gd name="connsiteX0" fmla="*/ 0 w 3048000"/>
-              <a:gd name="connsiteY0" fmla="*/ 203200 h 203200"/>
-              <a:gd name="connsiteX1" fmla="*/ 221673 w 3048000"/>
-              <a:gd name="connsiteY1" fmla="*/ 0 h 203200"/>
-              <a:gd name="connsiteX2" fmla="*/ 3048000 w 3048000"/>
-              <a:gd name="connsiteY2" fmla="*/ 0 h 203200"/>
-            </a:gdLst>
-            <a:ahLst/>
-            <a:cxnLst>
-              <a:cxn ang="0">
-                <a:pos x="connsiteX0" y="connsiteY0"/>
-              </a:cxn>
-              <a:cxn ang="0">
-                <a:pos x="connsiteX1" y="connsiteY1"/>
-              </a:cxn>
-              <a:cxn ang="0">
-                <a:pos x="connsiteX2" y="connsiteY2"/>
-              </a:cxn>
-            </a:cxnLst>
-            <a:rect l="l" t="t" r="r" b="b"/>
-            <a:pathLst>
-              <a:path w="3048000" h="203200">
-                <a:moveTo>
-                  <a:pt x="0" y="203200"/>
-                </a:moveTo>
-                <a:lnTo>
-                  <a:pt x="221673" y="0"/>
-                </a:lnTo>
-                <a:lnTo>
-                  <a:pt x="3048000" y="0"/>
-                </a:lnTo>
-              </a:path>
-            </a:pathLst>
-          </a:custGeom>
-          <a:noFill/>
-          <a:ln w="19050">
-            <a:solidFill>
-              <a:schemeClr val="accent3"/>
-            </a:solidFill>
-            <a:prstDash val="sysDot"/>
-            <a:headEnd type="none" w="med" len="med"/>
-            <a:tailEnd type="arrow" w="med" len="med"/>
-          </a:ln>
-          <a:effectLst/>
-        </p:spPr>
-        <p:style>
-          <a:lnRef idx="1">
-            <a:schemeClr val="accent2"/>
-          </a:lnRef>
-          <a:fillRef idx="2">
-            <a:schemeClr val="accent2"/>
-          </a:fillRef>
-          <a:effectRef idx="1">
-            <a:schemeClr val="accent2"/>
-          </a:effectRef>
-          <a:fontRef idx="minor">
-            <a:schemeClr val="dk1"/>
-          </a:fontRef>
-        </p:style>
-        <p:txBody>
-          <a:bodyPr rtlCol="0" anchor="ctr"/>
-          <a:lstStyle/>
-          <a:p>
-            <a:pPr algn="ctr"/>
-            <a:endParaRPr lang="en-SG"/>
-          </a:p>
-        </p:txBody>
-      </p:sp>
     </p:spTree>
     <p:extLst>
       <p:ext uri="{BB962C8B-B14F-4D97-AF65-F5344CB8AC3E}">
-        <p14:creationId xmlns:p14="http://schemas.microsoft.com/office/powerpoint/2010/main" val="2776882492"/>
+        <p14:creationId xmlns:p14="http://schemas.microsoft.com/office/powerpoint/2010/main" val="2395788791"/>
       </p:ext>
     </p:extLst>
   </p:cSld>

--- a/docs/diagrams/UiComponentClassDiagram.pptx
+++ b/docs/diagrams/UiComponentClassDiagram.pptx
@@ -208,7 +208,7 @@
           <a:p>
             <a:fld id="{F5CC4B3F-88C1-4FFA-B1B6-F41C21DC6924}" type="datetimeFigureOut">
               <a:rPr lang="en-US" smtClean="0"/>
-              <a:t>12/15/2018</a:t>
+              <a:t>4/14/19</a:t>
             </a:fld>
             <a:endParaRPr lang="en-US"/>
           </a:p>
@@ -654,7 +654,7 @@
           <a:p>
             <a:fld id="{78C97017-6FC3-485B-9764-EAC9E56C1D49}" type="datetimeFigureOut">
               <a:rPr lang="en-US" smtClean="0"/>
-              <a:t>12/15/2018</a:t>
+              <a:t>4/14/19</a:t>
             </a:fld>
             <a:endParaRPr lang="en-US"/>
           </a:p>
@@ -822,7 +822,7 @@
           <a:p>
             <a:fld id="{78C97017-6FC3-485B-9764-EAC9E56C1D49}" type="datetimeFigureOut">
               <a:rPr lang="en-US" smtClean="0"/>
-              <a:t>12/15/2018</a:t>
+              <a:t>4/14/19</a:t>
             </a:fld>
             <a:endParaRPr lang="en-US"/>
           </a:p>
@@ -1000,7 +1000,7 @@
           <a:p>
             <a:fld id="{78C97017-6FC3-485B-9764-EAC9E56C1D49}" type="datetimeFigureOut">
               <a:rPr lang="en-US" smtClean="0"/>
-              <a:t>12/15/2018</a:t>
+              <a:t>4/14/19</a:t>
             </a:fld>
             <a:endParaRPr lang="en-US"/>
           </a:p>
@@ -1168,7 +1168,7 @@
           <a:p>
             <a:fld id="{78C97017-6FC3-485B-9764-EAC9E56C1D49}" type="datetimeFigureOut">
               <a:rPr lang="en-US" smtClean="0"/>
-              <a:t>12/15/2018</a:t>
+              <a:t>4/14/19</a:t>
             </a:fld>
             <a:endParaRPr lang="en-US"/>
           </a:p>
@@ -1413,7 +1413,7 @@
           <a:p>
             <a:fld id="{78C97017-6FC3-485B-9764-EAC9E56C1D49}" type="datetimeFigureOut">
               <a:rPr lang="en-US" smtClean="0"/>
-              <a:t>12/15/2018</a:t>
+              <a:t>4/14/19</a:t>
             </a:fld>
             <a:endParaRPr lang="en-US"/>
           </a:p>
@@ -1698,7 +1698,7 @@
           <a:p>
             <a:fld id="{78C97017-6FC3-485B-9764-EAC9E56C1D49}" type="datetimeFigureOut">
               <a:rPr lang="en-US" smtClean="0"/>
-              <a:t>12/15/2018</a:t>
+              <a:t>4/14/19</a:t>
             </a:fld>
             <a:endParaRPr lang="en-US"/>
           </a:p>
@@ -2117,7 +2117,7 @@
           <a:p>
             <a:fld id="{78C97017-6FC3-485B-9764-EAC9E56C1D49}" type="datetimeFigureOut">
               <a:rPr lang="en-US" smtClean="0"/>
-              <a:t>12/15/2018</a:t>
+              <a:t>4/14/19</a:t>
             </a:fld>
             <a:endParaRPr lang="en-US"/>
           </a:p>
@@ -2234,7 +2234,7 @@
           <a:p>
             <a:fld id="{78C97017-6FC3-485B-9764-EAC9E56C1D49}" type="datetimeFigureOut">
               <a:rPr lang="en-US" smtClean="0"/>
-              <a:t>12/15/2018</a:t>
+              <a:t>4/14/19</a:t>
             </a:fld>
             <a:endParaRPr lang="en-US"/>
           </a:p>
@@ -2329,7 +2329,7 @@
           <a:p>
             <a:fld id="{78C97017-6FC3-485B-9764-EAC9E56C1D49}" type="datetimeFigureOut">
               <a:rPr lang="en-US" smtClean="0"/>
-              <a:t>12/15/2018</a:t>
+              <a:t>4/14/19</a:t>
             </a:fld>
             <a:endParaRPr lang="en-US"/>
           </a:p>
@@ -2604,7 +2604,7 @@
           <a:p>
             <a:fld id="{78C97017-6FC3-485B-9764-EAC9E56C1D49}" type="datetimeFigureOut">
               <a:rPr lang="en-US" smtClean="0"/>
-              <a:t>12/15/2018</a:t>
+              <a:t>4/14/19</a:t>
             </a:fld>
             <a:endParaRPr lang="en-US"/>
           </a:p>
@@ -2856,7 +2856,7 @@
           <a:p>
             <a:fld id="{78C97017-6FC3-485B-9764-EAC9E56C1D49}" type="datetimeFigureOut">
               <a:rPr lang="en-US" smtClean="0"/>
-              <a:t>12/15/2018</a:t>
+              <a:t>4/14/19</a:t>
             </a:fld>
             <a:endParaRPr lang="en-US"/>
           </a:p>
@@ -3067,7 +3067,7 @@
           <a:p>
             <a:fld id="{78C97017-6FC3-485B-9764-EAC9E56C1D49}" type="datetimeFigureOut">
               <a:rPr lang="en-US" smtClean="0"/>
-              <a:t>12/15/2018</a:t>
+              <a:t>4/14/19</a:t>
             </a:fld>
             <a:endParaRPr lang="en-US"/>
           </a:p>
@@ -3451,7 +3451,7 @@
         <p:spPr>
           <a:xfrm>
             <a:off x="1217465" y="1447800"/>
-            <a:ext cx="4917083" cy="3962400"/>
+            <a:ext cx="4917083" cy="4876800"/>
           </a:xfrm>
           <a:prstGeom prst="roundRect">
             <a:avLst>
@@ -3572,8 +3572,8 @@
         </p:nvSpPr>
         <p:spPr>
           <a:xfrm>
-            <a:off x="2592528" y="2971800"/>
-            <a:ext cx="1093635" cy="236841"/>
+            <a:off x="2592528" y="2971801"/>
+            <a:ext cx="1296000" cy="234000"/>
           </a:xfrm>
           <a:prstGeom prst="rect">
             <a:avLst/>
@@ -3885,8 +3885,8 @@
         </p:nvSpPr>
         <p:spPr>
           <a:xfrm>
-            <a:off x="2592528" y="3649359"/>
-            <a:ext cx="1093635" cy="236841"/>
+            <a:off x="2592528" y="3649360"/>
+            <a:ext cx="1296000" cy="234000"/>
           </a:xfrm>
           <a:prstGeom prst="rect">
             <a:avLst/>
@@ -3918,14 +3918,14 @@
           <a:p>
             <a:pPr algn="ctr"/>
             <a:r>
-              <a:rPr lang="en-US" sz="1050" b="1" dirty="0" err="1">
+              <a:rPr lang="en-SG" sz="1050" b="1" dirty="0" err="1">
                 <a:solidFill>
                   <a:schemeClr val="accent3">
                     <a:lumMod val="75000"/>
                   </a:schemeClr>
                 </a:solidFill>
               </a:rPr>
-              <a:t>BrowserPanel</a:t>
+              <a:t>CardViewPanel</a:t>
             </a:r>
             <a:endParaRPr lang="en-SG" sz="1050" b="1" dirty="0">
               <a:solidFill>
@@ -3945,8 +3945,8 @@
         </p:nvSpPr>
         <p:spPr>
           <a:xfrm>
-            <a:off x="2592527" y="4563759"/>
-            <a:ext cx="1093635" cy="236841"/>
+            <a:off x="2592526" y="5533040"/>
+            <a:ext cx="1296000" cy="234000"/>
           </a:xfrm>
           <a:prstGeom prst="rect">
             <a:avLst/>
@@ -4005,8 +4005,8 @@
         </p:nvSpPr>
         <p:spPr>
           <a:xfrm>
-            <a:off x="2592526" y="3991960"/>
-            <a:ext cx="1093635" cy="236841"/>
+            <a:off x="2592525" y="4343400"/>
+            <a:ext cx="1296000" cy="234000"/>
           </a:xfrm>
           <a:prstGeom prst="rect">
             <a:avLst/>
@@ -4045,7 +4045,7 @@
                   </a:schemeClr>
                 </a:solidFill>
               </a:rPr>
-              <a:t>PersonListPanel</a:t>
+              <a:t>FlashcardListPanel</a:t>
             </a:r>
             <a:endParaRPr lang="en-SG" sz="1050" b="1" dirty="0">
               <a:solidFill>
@@ -4065,8 +4065,8 @@
         </p:nvSpPr>
         <p:spPr>
           <a:xfrm>
-            <a:off x="3839323" y="4228801"/>
-            <a:ext cx="1040906" cy="236841"/>
+            <a:off x="4038600" y="4580241"/>
+            <a:ext cx="1296000" cy="216000"/>
           </a:xfrm>
           <a:prstGeom prst="rect">
             <a:avLst/>
@@ -4105,7 +4105,7 @@
                   </a:schemeClr>
                 </a:solidFill>
               </a:rPr>
-              <a:t>PersonCard</a:t>
+              <a:t>FlashcardCardList</a:t>
             </a:r>
             <a:endParaRPr lang="en-SG" sz="1050" b="1" dirty="0">
               <a:solidFill>
@@ -4125,8 +4125,8 @@
         </p:nvSpPr>
         <p:spPr>
           <a:xfrm>
-            <a:off x="2592528" y="4966000"/>
-            <a:ext cx="1093635" cy="236841"/>
+            <a:off x="2592527" y="5888892"/>
+            <a:ext cx="1296000" cy="234000"/>
           </a:xfrm>
           <a:prstGeom prst="rect">
             <a:avLst/>
@@ -4229,6 +4229,7 @@
         <p:nvCxnSpPr>
           <p:cNvPr id="40" name="Elbow Connector 63"/>
           <p:cNvCxnSpPr>
+            <a:cxnSpLocks/>
             <a:stCxn id="39" idx="2"/>
             <a:endCxn id="3" idx="1"/>
           </p:cNvCxnSpPr>
@@ -4236,8 +4237,8 @@
         </p:nvCxnSpPr>
         <p:spPr>
           <a:xfrm rot="16200000" flipH="1">
-            <a:off x="2393229" y="2890922"/>
-            <a:ext cx="222196" cy="176402"/>
+            <a:off x="2393939" y="2890212"/>
+            <a:ext cx="220776" cy="176402"/>
           </a:xfrm>
           <a:prstGeom prst="bentConnector2">
             <a:avLst/>
@@ -4275,7 +4276,7 @@
         <p:spPr>
           <a:xfrm>
             <a:off x="2590799" y="3304308"/>
-            <a:ext cx="1095361" cy="236841"/>
+            <a:ext cx="1296000" cy="234000"/>
           </a:xfrm>
           <a:prstGeom prst="rect">
             <a:avLst/>
@@ -4330,6 +4331,7 @@
         <p:nvCxnSpPr>
           <p:cNvPr id="44" name="Elbow Connector 63"/>
           <p:cNvCxnSpPr>
+            <a:cxnSpLocks/>
             <a:stCxn id="39" idx="2"/>
             <a:endCxn id="34" idx="1"/>
           </p:cNvCxnSpPr>
@@ -4337,8 +4339,8 @@
         </p:nvCxnSpPr>
         <p:spPr>
           <a:xfrm rot="16200000" flipH="1">
-            <a:off x="2054450" y="3229701"/>
-            <a:ext cx="899755" cy="176402"/>
+            <a:off x="2055160" y="3228991"/>
+            <a:ext cx="898335" cy="176402"/>
           </a:xfrm>
           <a:prstGeom prst="bentConnector2">
             <a:avLst/>
@@ -4378,8 +4380,8 @@
         </p:nvCxnSpPr>
         <p:spPr>
           <a:xfrm rot="16200000" flipH="1">
-            <a:off x="1883148" y="3401003"/>
-            <a:ext cx="1242356" cy="176400"/>
+            <a:off x="1708138" y="3576012"/>
+            <a:ext cx="1592375" cy="176399"/>
           </a:xfrm>
           <a:prstGeom prst="bentConnector2">
             <a:avLst/>
@@ -4412,6 +4414,7 @@
         <p:nvCxnSpPr>
           <p:cNvPr id="50" name="Elbow Connector 63"/>
           <p:cNvCxnSpPr>
+            <a:cxnSpLocks/>
             <a:stCxn id="39" idx="2"/>
             <a:endCxn id="35" idx="1"/>
           </p:cNvCxnSpPr>
@@ -4419,8 +4422,8 @@
         </p:nvCxnSpPr>
         <p:spPr>
           <a:xfrm rot="16200000" flipH="1">
-            <a:off x="1597249" y="3686901"/>
-            <a:ext cx="1814155" cy="176401"/>
+            <a:off x="1113319" y="4170832"/>
+            <a:ext cx="2782015" cy="176400"/>
           </a:xfrm>
           <a:prstGeom prst="bentConnector2">
             <a:avLst/>
@@ -4453,14 +4456,16 @@
         <p:nvCxnSpPr>
           <p:cNvPr id="53" name="Elbow Connector 63"/>
           <p:cNvCxnSpPr>
+            <a:cxnSpLocks/>
+            <a:stCxn id="39" idx="2"/>
             <a:endCxn id="38" idx="1"/>
           </p:cNvCxnSpPr>
           <p:nvPr/>
         </p:nvCxnSpPr>
         <p:spPr>
           <a:xfrm rot="16200000" flipH="1">
-            <a:off x="1184119" y="3676012"/>
-            <a:ext cx="2396440" cy="420377"/>
+            <a:off x="935393" y="4348757"/>
+            <a:ext cx="3137867" cy="176401"/>
           </a:xfrm>
           <a:prstGeom prst="bentConnector2">
             <a:avLst/>
@@ -4572,6 +4577,7 @@
         <p:nvCxnSpPr>
           <p:cNvPr id="74" name="Elbow Connector 63"/>
           <p:cNvCxnSpPr>
+            <a:cxnSpLocks/>
             <a:stCxn id="43" idx="3"/>
             <a:endCxn id="16" idx="3"/>
           </p:cNvCxnSpPr>
@@ -4579,8 +4585,8 @@
         </p:nvCxnSpPr>
         <p:spPr>
           <a:xfrm flipV="1">
-            <a:off x="3686160" y="2286000"/>
-            <a:ext cx="1843809" cy="1136729"/>
+            <a:off x="3886799" y="2286000"/>
+            <a:ext cx="1643170" cy="1135308"/>
           </a:xfrm>
           <a:prstGeom prst="bentConnector2">
             <a:avLst/>
@@ -4613,6 +4619,7 @@
         <p:nvCxnSpPr>
           <p:cNvPr id="77" name="Elbow Connector 63"/>
           <p:cNvCxnSpPr>
+            <a:cxnSpLocks/>
             <a:stCxn id="16" idx="3"/>
             <a:endCxn id="37" idx="3"/>
           </p:cNvCxnSpPr>
@@ -4620,8 +4627,8 @@
         </p:nvCxnSpPr>
         <p:spPr>
           <a:xfrm rot="5400000">
-            <a:off x="4174488" y="2991741"/>
-            <a:ext cx="2061222" cy="649740"/>
+            <a:off x="4231165" y="3389436"/>
+            <a:ext cx="2402241" cy="195369"/>
           </a:xfrm>
           <a:prstGeom prst="bentConnector2">
             <a:avLst/>
@@ -4654,6 +4661,7 @@
         <p:nvCxnSpPr>
           <p:cNvPr id="82" name="Elbow Connector 63"/>
           <p:cNvCxnSpPr>
+            <a:cxnSpLocks/>
             <a:stCxn id="16" idx="3"/>
             <a:endCxn id="34" idx="3"/>
           </p:cNvCxnSpPr>
@@ -4661,8 +4669,8 @@
         </p:nvCxnSpPr>
         <p:spPr>
           <a:xfrm rot="5400000">
-            <a:off x="3867176" y="2104987"/>
-            <a:ext cx="1481780" cy="1843806"/>
+            <a:off x="3969069" y="2205460"/>
+            <a:ext cx="1480360" cy="1641441"/>
           </a:xfrm>
           <a:prstGeom prst="bentConnector2">
             <a:avLst/>
@@ -4743,8 +4751,8 @@
         </p:nvCxnSpPr>
         <p:spPr>
           <a:xfrm rot="5400000">
-            <a:off x="3409976" y="2562187"/>
-            <a:ext cx="2396180" cy="1843807"/>
+            <a:off x="3027228" y="3147299"/>
+            <a:ext cx="3364040" cy="1641443"/>
           </a:xfrm>
           <a:prstGeom prst="bentConnector2">
             <a:avLst/>
@@ -4784,8 +4792,8 @@
         </p:nvCxnSpPr>
         <p:spPr>
           <a:xfrm rot="5400000">
-            <a:off x="3208856" y="2763307"/>
-            <a:ext cx="2798421" cy="1843806"/>
+            <a:off x="2849302" y="3325225"/>
+            <a:ext cx="3719892" cy="1641442"/>
           </a:xfrm>
           <a:prstGeom prst="bentConnector2">
             <a:avLst/>
@@ -5079,6 +5087,7 @@
         <p:nvCxnSpPr>
           <p:cNvPr id="131" name="Elbow Connector 130"/>
           <p:cNvCxnSpPr>
+            <a:cxnSpLocks/>
             <a:stCxn id="39" idx="2"/>
             <a:endCxn id="43" idx="1"/>
           </p:cNvCxnSpPr>
@@ -5086,8 +5095,8 @@
         </p:nvCxnSpPr>
         <p:spPr>
           <a:xfrm rot="16200000" flipH="1">
-            <a:off x="2226110" y="3058040"/>
-            <a:ext cx="554704" cy="174673"/>
+            <a:off x="2226821" y="3057329"/>
+            <a:ext cx="553283" cy="174673"/>
           </a:xfrm>
           <a:prstGeom prst="bentConnector2">
             <a:avLst/>
@@ -5120,6 +5129,7 @@
         <p:nvCxnSpPr>
           <p:cNvPr id="132" name="Elbow Connector 63"/>
           <p:cNvCxnSpPr>
+            <a:cxnSpLocks/>
             <a:stCxn id="16" idx="3"/>
             <a:endCxn id="3" idx="3"/>
           </p:cNvCxnSpPr>
@@ -5127,8 +5137,8 @@
         </p:nvCxnSpPr>
         <p:spPr>
           <a:xfrm rot="5400000">
-            <a:off x="4205956" y="1766207"/>
-            <a:ext cx="804221" cy="1843806"/>
+            <a:off x="4307849" y="1866680"/>
+            <a:ext cx="802801" cy="1641441"/>
           </a:xfrm>
           <a:prstGeom prst="bentConnector2">
             <a:avLst/>
@@ -5161,6 +5171,7 @@
         <p:nvCxnSpPr>
           <p:cNvPr id="137" name="Elbow Connector 136"/>
           <p:cNvCxnSpPr>
+            <a:cxnSpLocks/>
             <a:stCxn id="36" idx="2"/>
             <a:endCxn id="37" idx="1"/>
           </p:cNvCxnSpPr>
@@ -5168,8 +5179,8 @@
         </p:nvCxnSpPr>
         <p:spPr>
           <a:xfrm rot="16200000" flipH="1">
-            <a:off x="3430123" y="3938021"/>
-            <a:ext cx="118421" cy="699979"/>
+            <a:off x="3584142" y="4233782"/>
+            <a:ext cx="110841" cy="798075"/>
           </a:xfrm>
           <a:prstGeom prst="bentConnector2">
             <a:avLst/>
@@ -5209,8 +5220,8 @@
         </p:nvCxnSpPr>
         <p:spPr>
           <a:xfrm rot="5400000">
-            <a:off x="3695875" y="2276286"/>
-            <a:ext cx="1824381" cy="1843808"/>
+            <a:off x="3622047" y="2552478"/>
+            <a:ext cx="2174400" cy="1641444"/>
           </a:xfrm>
           <a:prstGeom prst="bentConnector2">
             <a:avLst/>
@@ -5435,8 +5446,8 @@
         </p:nvSpPr>
         <p:spPr>
           <a:xfrm flipV="1">
-            <a:off x="4114799" y="4472708"/>
-            <a:ext cx="2642195" cy="101600"/>
+            <a:off x="4618284" y="4191000"/>
+            <a:ext cx="2087316" cy="228600"/>
           </a:xfrm>
           <a:custGeom>
             <a:avLst/>
@@ -5509,6 +5520,580 @@
           </a:p>
         </p:txBody>
       </p:sp>
+      <p:sp>
+        <p:nvSpPr>
+          <p:cNvPr id="57" name="Rectangle 11">
+            <a:extLst>
+              <a:ext uri="{FF2B5EF4-FFF2-40B4-BE49-F238E27FC236}">
+                <a16:creationId xmlns:a16="http://schemas.microsoft.com/office/drawing/2014/main" id="{652F24E1-8208-3843-9DA5-567B7A5714EF}"/>
+              </a:ext>
+            </a:extLst>
+          </p:cNvPr>
+          <p:cNvSpPr/>
+          <p:nvPr/>
+        </p:nvSpPr>
+        <p:spPr>
+          <a:xfrm>
+            <a:off x="2590799" y="4826188"/>
+            <a:ext cx="1296000" cy="234000"/>
+          </a:xfrm>
+          <a:prstGeom prst="rect">
+            <a:avLst/>
+          </a:prstGeom>
+          <a:ln w="19050">
+            <a:solidFill>
+              <a:schemeClr val="accent3"/>
+            </a:solidFill>
+          </a:ln>
+          <a:effectLst/>
+        </p:spPr>
+        <p:style>
+          <a:lnRef idx="1">
+            <a:schemeClr val="accent3"/>
+          </a:lnRef>
+          <a:fillRef idx="2">
+            <a:schemeClr val="accent3"/>
+          </a:fillRef>
+          <a:effectRef idx="1">
+            <a:schemeClr val="accent3"/>
+          </a:effectRef>
+          <a:fontRef idx="minor">
+            <a:schemeClr val="dk1"/>
+          </a:fontRef>
+        </p:style>
+        <p:txBody>
+          <a:bodyPr rtlCol="0" anchor="ctr"/>
+          <a:lstStyle/>
+          <a:p>
+            <a:pPr algn="ctr"/>
+            <a:r>
+              <a:rPr lang="en-US" sz="1050" b="1" dirty="0" err="1">
+                <a:solidFill>
+                  <a:schemeClr val="accent3">
+                    <a:lumMod val="75000"/>
+                  </a:schemeClr>
+                </a:solidFill>
+              </a:rPr>
+              <a:t>QuizPanel</a:t>
+            </a:r>
+            <a:endParaRPr lang="en-SG" sz="1050" b="1" dirty="0">
+              <a:solidFill>
+                <a:schemeClr val="accent3">
+                  <a:lumMod val="75000"/>
+                </a:schemeClr>
+              </a:solidFill>
+            </a:endParaRPr>
+          </a:p>
+        </p:txBody>
+      </p:sp>
+      <p:sp>
+        <p:nvSpPr>
+          <p:cNvPr id="58" name="Rectangle 11">
+            <a:extLst>
+              <a:ext uri="{FF2B5EF4-FFF2-40B4-BE49-F238E27FC236}">
+                <a16:creationId xmlns:a16="http://schemas.microsoft.com/office/drawing/2014/main" id="{7FC5D146-35CB-8F4F-9830-397A32FC48DF}"/>
+              </a:ext>
+            </a:extLst>
+          </p:cNvPr>
+          <p:cNvSpPr/>
+          <p:nvPr/>
+        </p:nvSpPr>
+        <p:spPr>
+          <a:xfrm>
+            <a:off x="2583719" y="5188315"/>
+            <a:ext cx="1296000" cy="234000"/>
+          </a:xfrm>
+          <a:prstGeom prst="rect">
+            <a:avLst/>
+          </a:prstGeom>
+          <a:ln w="19050">
+            <a:solidFill>
+              <a:schemeClr val="accent3"/>
+            </a:solidFill>
+          </a:ln>
+          <a:effectLst/>
+        </p:spPr>
+        <p:style>
+          <a:lnRef idx="1">
+            <a:schemeClr val="accent3"/>
+          </a:lnRef>
+          <a:fillRef idx="2">
+            <a:schemeClr val="accent3"/>
+          </a:fillRef>
+          <a:effectRef idx="1">
+            <a:schemeClr val="accent3"/>
+          </a:effectRef>
+          <a:fontRef idx="minor">
+            <a:schemeClr val="dk1"/>
+          </a:fontRef>
+        </p:style>
+        <p:txBody>
+          <a:bodyPr rtlCol="0" anchor="ctr"/>
+          <a:lstStyle/>
+          <a:p>
+            <a:pPr algn="ctr"/>
+            <a:r>
+              <a:rPr lang="en-US" sz="1050" b="1" dirty="0">
+                <a:solidFill>
+                  <a:schemeClr val="accent3">
+                    <a:lumMod val="75000"/>
+                  </a:schemeClr>
+                </a:solidFill>
+              </a:rPr>
+              <a:t>Toolbar</a:t>
+            </a:r>
+            <a:endParaRPr lang="en-SG" sz="1050" b="1" dirty="0">
+              <a:solidFill>
+                <a:schemeClr val="accent3">
+                  <a:lumMod val="75000"/>
+                </a:schemeClr>
+              </a:solidFill>
+            </a:endParaRPr>
+          </a:p>
+        </p:txBody>
+      </p:sp>
+      <p:cxnSp>
+        <p:nvCxnSpPr>
+          <p:cNvPr id="59" name="Elbow Connector 63">
+            <a:extLst>
+              <a:ext uri="{FF2B5EF4-FFF2-40B4-BE49-F238E27FC236}">
+                <a16:creationId xmlns:a16="http://schemas.microsoft.com/office/drawing/2014/main" id="{2D0EA431-B419-3540-A26A-246F8E4D1016}"/>
+              </a:ext>
+            </a:extLst>
+          </p:cNvPr>
+          <p:cNvCxnSpPr>
+            <a:cxnSpLocks/>
+            <a:stCxn id="39" idx="2"/>
+            <a:endCxn id="57" idx="1"/>
+          </p:cNvCxnSpPr>
+          <p:nvPr/>
+        </p:nvCxnSpPr>
+        <p:spPr>
+          <a:xfrm rot="16200000" flipH="1">
+            <a:off x="1465881" y="3818269"/>
+            <a:ext cx="2075163" cy="174673"/>
+          </a:xfrm>
+          <a:prstGeom prst="bentConnector2">
+            <a:avLst/>
+          </a:prstGeom>
+          <a:ln w="19050">
+            <a:solidFill>
+              <a:schemeClr val="accent3"/>
+            </a:solidFill>
+            <a:headEnd type="none" w="med" len="med"/>
+            <a:tailEnd type="arrow" w="med" len="med"/>
+          </a:ln>
+          <a:effectLst/>
+        </p:spPr>
+        <p:style>
+          <a:lnRef idx="1">
+            <a:schemeClr val="accent2"/>
+          </a:lnRef>
+          <a:fillRef idx="2">
+            <a:schemeClr val="accent2"/>
+          </a:fillRef>
+          <a:effectRef idx="1">
+            <a:schemeClr val="accent2"/>
+          </a:effectRef>
+          <a:fontRef idx="minor">
+            <a:schemeClr val="dk1"/>
+          </a:fontRef>
+        </p:style>
+      </p:cxnSp>
+      <p:cxnSp>
+        <p:nvCxnSpPr>
+          <p:cNvPr id="62" name="Elbow Connector 63">
+            <a:extLst>
+              <a:ext uri="{FF2B5EF4-FFF2-40B4-BE49-F238E27FC236}">
+                <a16:creationId xmlns:a16="http://schemas.microsoft.com/office/drawing/2014/main" id="{42EFE43B-0B2D-5F49-8C4F-EF08F3470AB6}"/>
+              </a:ext>
+            </a:extLst>
+          </p:cNvPr>
+          <p:cNvCxnSpPr>
+            <a:cxnSpLocks/>
+            <a:stCxn id="39" idx="2"/>
+            <a:endCxn id="58" idx="1"/>
+          </p:cNvCxnSpPr>
+          <p:nvPr/>
+        </p:nvCxnSpPr>
+        <p:spPr>
+          <a:xfrm rot="16200000" flipH="1">
+            <a:off x="1281277" y="4002873"/>
+            <a:ext cx="2437290" cy="167593"/>
+          </a:xfrm>
+          <a:prstGeom prst="bentConnector2">
+            <a:avLst/>
+          </a:prstGeom>
+          <a:ln w="19050">
+            <a:solidFill>
+              <a:schemeClr val="accent3"/>
+            </a:solidFill>
+            <a:headEnd type="none" w="med" len="med"/>
+            <a:tailEnd type="arrow" w="med" len="med"/>
+          </a:ln>
+          <a:effectLst/>
+        </p:spPr>
+        <p:style>
+          <a:lnRef idx="1">
+            <a:schemeClr val="accent2"/>
+          </a:lnRef>
+          <a:fillRef idx="2">
+            <a:schemeClr val="accent2"/>
+          </a:fillRef>
+          <a:effectRef idx="1">
+            <a:schemeClr val="accent2"/>
+          </a:effectRef>
+          <a:fontRef idx="minor">
+            <a:schemeClr val="dk1"/>
+          </a:fontRef>
+        </p:style>
+      </p:cxnSp>
+      <p:sp>
+        <p:nvSpPr>
+          <p:cNvPr id="70" name="Rectangle 11">
+            <a:extLst>
+              <a:ext uri="{FF2B5EF4-FFF2-40B4-BE49-F238E27FC236}">
+                <a16:creationId xmlns:a16="http://schemas.microsoft.com/office/drawing/2014/main" id="{CE682CBF-E13E-0947-B19A-5FAFEE13AB93}"/>
+              </a:ext>
+            </a:extLst>
+          </p:cNvPr>
+          <p:cNvSpPr/>
+          <p:nvPr/>
+        </p:nvSpPr>
+        <p:spPr>
+          <a:xfrm>
+            <a:off x="4032283" y="3973122"/>
+            <a:ext cx="1296000" cy="216000"/>
+          </a:xfrm>
+          <a:prstGeom prst="rect">
+            <a:avLst/>
+          </a:prstGeom>
+          <a:ln w="19050">
+            <a:solidFill>
+              <a:schemeClr val="accent3"/>
+            </a:solidFill>
+          </a:ln>
+          <a:effectLst/>
+        </p:spPr>
+        <p:style>
+          <a:lnRef idx="1">
+            <a:schemeClr val="accent3"/>
+          </a:lnRef>
+          <a:fillRef idx="2">
+            <a:schemeClr val="accent3"/>
+          </a:fillRef>
+          <a:effectRef idx="1">
+            <a:schemeClr val="accent3"/>
+          </a:effectRef>
+          <a:fontRef idx="minor">
+            <a:schemeClr val="dk1"/>
+          </a:fontRef>
+        </p:style>
+        <p:txBody>
+          <a:bodyPr rtlCol="0" anchor="ctr"/>
+          <a:lstStyle/>
+          <a:p>
+            <a:pPr algn="ctr"/>
+            <a:r>
+              <a:rPr lang="en-US" sz="1050" b="1" dirty="0" err="1">
+                <a:solidFill>
+                  <a:schemeClr val="accent3">
+                    <a:lumMod val="75000"/>
+                  </a:schemeClr>
+                </a:solidFill>
+              </a:rPr>
+              <a:t>FlashcardCardView</a:t>
+            </a:r>
+            <a:endParaRPr lang="en-SG" sz="1050" b="1" dirty="0">
+              <a:solidFill>
+                <a:schemeClr val="accent3">
+                  <a:lumMod val="75000"/>
+                </a:schemeClr>
+              </a:solidFill>
+            </a:endParaRPr>
+          </a:p>
+        </p:txBody>
+      </p:sp>
+      <p:cxnSp>
+        <p:nvCxnSpPr>
+          <p:cNvPr id="71" name="Elbow Connector 70">
+            <a:extLst>
+              <a:ext uri="{FF2B5EF4-FFF2-40B4-BE49-F238E27FC236}">
+                <a16:creationId xmlns:a16="http://schemas.microsoft.com/office/drawing/2014/main" id="{5E0634BF-4F16-5541-B61F-4899D9569DE0}"/>
+              </a:ext>
+            </a:extLst>
+          </p:cNvPr>
+          <p:cNvCxnSpPr>
+            <a:cxnSpLocks/>
+            <a:stCxn id="34" idx="2"/>
+            <a:endCxn id="70" idx="1"/>
+          </p:cNvCxnSpPr>
+          <p:nvPr/>
+        </p:nvCxnSpPr>
+        <p:spPr>
+          <a:xfrm rot="16200000" flipH="1">
+            <a:off x="3537524" y="3586363"/>
+            <a:ext cx="197762" cy="791755"/>
+          </a:xfrm>
+          <a:prstGeom prst="bentConnector2">
+            <a:avLst/>
+          </a:prstGeom>
+          <a:ln w="19050">
+            <a:solidFill>
+              <a:schemeClr val="accent3"/>
+            </a:solidFill>
+            <a:headEnd type="none" w="med" len="med"/>
+            <a:tailEnd type="arrow" w="med" len="med"/>
+          </a:ln>
+          <a:effectLst/>
+        </p:spPr>
+        <p:style>
+          <a:lnRef idx="1">
+            <a:schemeClr val="accent2"/>
+          </a:lnRef>
+          <a:fillRef idx="2">
+            <a:schemeClr val="accent2"/>
+          </a:fillRef>
+          <a:effectRef idx="1">
+            <a:schemeClr val="accent2"/>
+          </a:effectRef>
+          <a:fontRef idx="minor">
+            <a:schemeClr val="dk1"/>
+          </a:fontRef>
+        </p:style>
+      </p:cxnSp>
+      <p:sp>
+        <p:nvSpPr>
+          <p:cNvPr id="75" name="Freeform 74">
+            <a:extLst>
+              <a:ext uri="{FF2B5EF4-FFF2-40B4-BE49-F238E27FC236}">
+                <a16:creationId xmlns:a16="http://schemas.microsoft.com/office/drawing/2014/main" id="{EDEEE1A4-B5E1-464F-AE96-5BDE8AFC46F7}"/>
+              </a:ext>
+            </a:extLst>
+          </p:cNvPr>
+          <p:cNvSpPr/>
+          <p:nvPr/>
+        </p:nvSpPr>
+        <p:spPr>
+          <a:xfrm flipV="1">
+            <a:off x="4648200" y="4802598"/>
+            <a:ext cx="2087316" cy="228600"/>
+          </a:xfrm>
+          <a:custGeom>
+            <a:avLst/>
+            <a:gdLst>
+              <a:gd name="connsiteX0" fmla="*/ 0 w 3048000"/>
+              <a:gd name="connsiteY0" fmla="*/ 203200 h 203200"/>
+              <a:gd name="connsiteX1" fmla="*/ 221673 w 3048000"/>
+              <a:gd name="connsiteY1" fmla="*/ 0 h 203200"/>
+              <a:gd name="connsiteX2" fmla="*/ 3048000 w 3048000"/>
+              <a:gd name="connsiteY2" fmla="*/ 0 h 203200"/>
+            </a:gdLst>
+            <a:ahLst/>
+            <a:cxnLst>
+              <a:cxn ang="0">
+                <a:pos x="connsiteX0" y="connsiteY0"/>
+              </a:cxn>
+              <a:cxn ang="0">
+                <a:pos x="connsiteX1" y="connsiteY1"/>
+              </a:cxn>
+              <a:cxn ang="0">
+                <a:pos x="connsiteX2" y="connsiteY2"/>
+              </a:cxn>
+            </a:cxnLst>
+            <a:rect l="l" t="t" r="r" b="b"/>
+            <a:pathLst>
+              <a:path w="3048000" h="203200">
+                <a:moveTo>
+                  <a:pt x="0" y="203200"/>
+                </a:moveTo>
+                <a:lnTo>
+                  <a:pt x="221673" y="0"/>
+                </a:lnTo>
+                <a:lnTo>
+                  <a:pt x="3048000" y="0"/>
+                </a:lnTo>
+              </a:path>
+            </a:pathLst>
+          </a:custGeom>
+          <a:noFill/>
+          <a:ln w="19050">
+            <a:solidFill>
+              <a:schemeClr val="accent3"/>
+            </a:solidFill>
+            <a:prstDash val="sysDot"/>
+            <a:headEnd type="none" w="med" len="med"/>
+            <a:tailEnd type="arrow" w="med" len="med"/>
+          </a:ln>
+          <a:effectLst/>
+        </p:spPr>
+        <p:style>
+          <a:lnRef idx="1">
+            <a:schemeClr val="accent2"/>
+          </a:lnRef>
+          <a:fillRef idx="2">
+            <a:schemeClr val="accent2"/>
+          </a:fillRef>
+          <a:effectRef idx="1">
+            <a:schemeClr val="accent2"/>
+          </a:effectRef>
+          <a:fontRef idx="minor">
+            <a:schemeClr val="dk1"/>
+          </a:fontRef>
+        </p:style>
+        <p:txBody>
+          <a:bodyPr rtlCol="0" anchor="ctr"/>
+          <a:lstStyle/>
+          <a:p>
+            <a:pPr algn="ctr"/>
+            <a:endParaRPr lang="en-SG"/>
+          </a:p>
+        </p:txBody>
+      </p:sp>
+      <p:cxnSp>
+        <p:nvCxnSpPr>
+          <p:cNvPr id="76" name="Elbow Connector 63">
+            <a:extLst>
+              <a:ext uri="{FF2B5EF4-FFF2-40B4-BE49-F238E27FC236}">
+                <a16:creationId xmlns:a16="http://schemas.microsoft.com/office/drawing/2014/main" id="{1778C539-D018-F547-855B-A8A177030BC6}"/>
+              </a:ext>
+            </a:extLst>
+          </p:cNvPr>
+          <p:cNvCxnSpPr>
+            <a:cxnSpLocks/>
+            <a:stCxn id="16" idx="3"/>
+            <a:endCxn id="58" idx="3"/>
+          </p:cNvCxnSpPr>
+          <p:nvPr/>
+        </p:nvCxnSpPr>
+        <p:spPr>
+          <a:xfrm rot="5400000">
+            <a:off x="3195187" y="2970532"/>
+            <a:ext cx="3019315" cy="1650250"/>
+          </a:xfrm>
+          <a:prstGeom prst="bentConnector2">
+            <a:avLst/>
+          </a:prstGeom>
+          <a:ln w="6350">
+            <a:solidFill>
+              <a:schemeClr val="accent3"/>
+            </a:solidFill>
+            <a:headEnd type="none" w="med" len="med"/>
+            <a:tailEnd type="none" w="med" len="med"/>
+          </a:ln>
+          <a:effectLst/>
+        </p:spPr>
+        <p:style>
+          <a:lnRef idx="1">
+            <a:schemeClr val="accent2"/>
+          </a:lnRef>
+          <a:fillRef idx="2">
+            <a:schemeClr val="accent2"/>
+          </a:fillRef>
+          <a:effectRef idx="1">
+            <a:schemeClr val="accent2"/>
+          </a:effectRef>
+          <a:fontRef idx="minor">
+            <a:schemeClr val="dk1"/>
+          </a:fontRef>
+        </p:style>
+      </p:cxnSp>
+      <p:cxnSp>
+        <p:nvCxnSpPr>
+          <p:cNvPr id="80" name="Elbow Connector 63">
+            <a:extLst>
+              <a:ext uri="{FF2B5EF4-FFF2-40B4-BE49-F238E27FC236}">
+                <a16:creationId xmlns:a16="http://schemas.microsoft.com/office/drawing/2014/main" id="{B06B5A4A-BC0C-4D43-A52A-0F2552CD084D}"/>
+              </a:ext>
+            </a:extLst>
+          </p:cNvPr>
+          <p:cNvCxnSpPr>
+            <a:cxnSpLocks/>
+            <a:stCxn id="16" idx="3"/>
+            <a:endCxn id="57" idx="3"/>
+          </p:cNvCxnSpPr>
+          <p:nvPr/>
+        </p:nvCxnSpPr>
+        <p:spPr>
+          <a:xfrm rot="5400000">
+            <a:off x="3379790" y="2793009"/>
+            <a:ext cx="2657188" cy="1643170"/>
+          </a:xfrm>
+          <a:prstGeom prst="bentConnector2">
+            <a:avLst/>
+          </a:prstGeom>
+          <a:ln w="6350">
+            <a:solidFill>
+              <a:schemeClr val="accent3"/>
+            </a:solidFill>
+            <a:headEnd type="none" w="med" len="med"/>
+            <a:tailEnd type="none" w="med" len="med"/>
+          </a:ln>
+          <a:effectLst/>
+        </p:spPr>
+        <p:style>
+          <a:lnRef idx="1">
+            <a:schemeClr val="accent2"/>
+          </a:lnRef>
+          <a:fillRef idx="2">
+            <a:schemeClr val="accent2"/>
+          </a:fillRef>
+          <a:effectRef idx="1">
+            <a:schemeClr val="accent2"/>
+          </a:effectRef>
+          <a:fontRef idx="minor">
+            <a:schemeClr val="dk1"/>
+          </a:fontRef>
+        </p:style>
+      </p:cxnSp>
+      <p:cxnSp>
+        <p:nvCxnSpPr>
+          <p:cNvPr id="83" name="Elbow Connector 63">
+            <a:extLst>
+              <a:ext uri="{FF2B5EF4-FFF2-40B4-BE49-F238E27FC236}">
+                <a16:creationId xmlns:a16="http://schemas.microsoft.com/office/drawing/2014/main" id="{552BAC92-5B8A-6A49-9C0E-219BD499539B}"/>
+              </a:ext>
+            </a:extLst>
+          </p:cNvPr>
+          <p:cNvCxnSpPr>
+            <a:cxnSpLocks/>
+            <a:stCxn id="16" idx="3"/>
+            <a:endCxn id="70" idx="3"/>
+          </p:cNvCxnSpPr>
+          <p:nvPr/>
+        </p:nvCxnSpPr>
+        <p:spPr>
+          <a:xfrm rot="5400000">
+            <a:off x="4531565" y="3082718"/>
+            <a:ext cx="1795122" cy="201686"/>
+          </a:xfrm>
+          <a:prstGeom prst="bentConnector2">
+            <a:avLst/>
+          </a:prstGeom>
+          <a:ln w="6350">
+            <a:solidFill>
+              <a:schemeClr val="accent3"/>
+            </a:solidFill>
+            <a:headEnd type="none" w="med" len="med"/>
+            <a:tailEnd type="none" w="med" len="med"/>
+          </a:ln>
+          <a:effectLst/>
+        </p:spPr>
+        <p:style>
+          <a:lnRef idx="1">
+            <a:schemeClr val="accent2"/>
+          </a:lnRef>
+          <a:fillRef idx="2">
+            <a:schemeClr val="accent2"/>
+          </a:fillRef>
+          <a:effectRef idx="1">
+            <a:schemeClr val="accent2"/>
+          </a:effectRef>
+          <a:fontRef idx="minor">
+            <a:schemeClr val="dk1"/>
+          </a:fontRef>
+        </p:style>
+      </p:cxnSp>
     </p:spTree>
     <p:extLst>
       <p:ext uri="{BB962C8B-B14F-4D97-AF65-F5344CB8AC3E}">

--- a/docs/diagrams/UiComponentClassDiagram.pptx
+++ b/docs/diagrams/UiComponentClassDiagram.pptx
@@ -109,7 +109,7 @@
   </p:defaultTextStyle>
   <p:extLst>
     <p:ext uri="{EFAFB233-063F-42B5-8137-9DF3F51BA10A}">
-      <p15:sldGuideLst xmlns:p15="http://schemas.microsoft.com/office/powerpoint/2012/main">
+      <p15:sldGuideLst xmlns:p15="http://schemas.microsoft.com/office/powerpoint/2012/main" xmlns="">
         <p15:guide id="1" orient="horz" pos="1488">
           <p15:clr>
             <a:srgbClr val="A4A3A4"/>
@@ -208,7 +208,8 @@
           <a:p>
             <a:fld id="{F5CC4B3F-88C1-4FFA-B1B6-F41C21DC6924}" type="datetimeFigureOut">
               <a:rPr lang="en-US" smtClean="0"/>
-              <a:t>12/15/2018</a:t>
+              <a:pPr/>
+              <a:t>4/14/2019</a:t>
             </a:fld>
             <a:endParaRPr lang="en-US"/>
           </a:p>
@@ -366,6 +367,7 @@
           <a:p>
             <a:fld id="{5A7AB025-77E3-4BD1-A2FD-B3183DBA47A3}" type="slidenum">
               <a:rPr lang="en-US" smtClean="0"/>
+              <a:pPr/>
               <a:t>‹#›</a:t>
             </a:fld>
             <a:endParaRPr lang="en-US"/>
@@ -375,7 +377,7 @@
     </p:spTree>
     <p:extLst>
       <p:ext uri="{BB962C8B-B14F-4D97-AF65-F5344CB8AC3E}">
-        <p14:creationId xmlns:p14="http://schemas.microsoft.com/office/powerpoint/2010/main" val="2023976206"/>
+        <p14:creationId xmlns:p14="http://schemas.microsoft.com/office/powerpoint/2010/main" xmlns="" val="2023976206"/>
       </p:ext>
     </p:extLst>
   </p:cSld>
@@ -654,7 +656,8 @@
           <a:p>
             <a:fld id="{78C97017-6FC3-485B-9764-EAC9E56C1D49}" type="datetimeFigureOut">
               <a:rPr lang="en-US" smtClean="0"/>
-              <a:t>12/15/2018</a:t>
+              <a:pPr/>
+              <a:t>4/14/2019</a:t>
             </a:fld>
             <a:endParaRPr lang="en-US"/>
           </a:p>
@@ -696,6 +699,7 @@
           <a:p>
             <a:fld id="{FB34683C-161B-4520-BF45-B179E228CF2A}" type="slidenum">
               <a:rPr lang="en-US" smtClean="0"/>
+              <a:pPr/>
               <a:t>‹#›</a:t>
             </a:fld>
             <a:endParaRPr lang="en-US"/>
@@ -705,7 +709,7 @@
     </p:spTree>
     <p:extLst>
       <p:ext uri="{BB962C8B-B14F-4D97-AF65-F5344CB8AC3E}">
-        <p14:creationId xmlns:p14="http://schemas.microsoft.com/office/powerpoint/2010/main" val="3246593157"/>
+        <p14:creationId xmlns:p14="http://schemas.microsoft.com/office/powerpoint/2010/main" xmlns="" val="3246593157"/>
       </p:ext>
     </p:extLst>
   </p:cSld>
@@ -822,7 +826,8 @@
           <a:p>
             <a:fld id="{78C97017-6FC3-485B-9764-EAC9E56C1D49}" type="datetimeFigureOut">
               <a:rPr lang="en-US" smtClean="0"/>
-              <a:t>12/15/2018</a:t>
+              <a:pPr/>
+              <a:t>4/14/2019</a:t>
             </a:fld>
             <a:endParaRPr lang="en-US"/>
           </a:p>
@@ -864,6 +869,7 @@
           <a:p>
             <a:fld id="{FB34683C-161B-4520-BF45-B179E228CF2A}" type="slidenum">
               <a:rPr lang="en-US" smtClean="0"/>
+              <a:pPr/>
               <a:t>‹#›</a:t>
             </a:fld>
             <a:endParaRPr lang="en-US"/>
@@ -873,7 +879,7 @@
     </p:spTree>
     <p:extLst>
       <p:ext uri="{BB962C8B-B14F-4D97-AF65-F5344CB8AC3E}">
-        <p14:creationId xmlns:p14="http://schemas.microsoft.com/office/powerpoint/2010/main" val="2707025021"/>
+        <p14:creationId xmlns:p14="http://schemas.microsoft.com/office/powerpoint/2010/main" xmlns="" val="2707025021"/>
       </p:ext>
     </p:extLst>
   </p:cSld>
@@ -1000,7 +1006,8 @@
           <a:p>
             <a:fld id="{78C97017-6FC3-485B-9764-EAC9E56C1D49}" type="datetimeFigureOut">
               <a:rPr lang="en-US" smtClean="0"/>
-              <a:t>12/15/2018</a:t>
+              <a:pPr/>
+              <a:t>4/14/2019</a:t>
             </a:fld>
             <a:endParaRPr lang="en-US"/>
           </a:p>
@@ -1042,6 +1049,7 @@
           <a:p>
             <a:fld id="{FB34683C-161B-4520-BF45-B179E228CF2A}" type="slidenum">
               <a:rPr lang="en-US" smtClean="0"/>
+              <a:pPr/>
               <a:t>‹#›</a:t>
             </a:fld>
             <a:endParaRPr lang="en-US"/>
@@ -1051,7 +1059,7 @@
     </p:spTree>
     <p:extLst>
       <p:ext uri="{BB962C8B-B14F-4D97-AF65-F5344CB8AC3E}">
-        <p14:creationId xmlns:p14="http://schemas.microsoft.com/office/powerpoint/2010/main" val="568378986"/>
+        <p14:creationId xmlns:p14="http://schemas.microsoft.com/office/powerpoint/2010/main" xmlns="" val="568378986"/>
       </p:ext>
     </p:extLst>
   </p:cSld>
@@ -1168,7 +1176,8 @@
           <a:p>
             <a:fld id="{78C97017-6FC3-485B-9764-EAC9E56C1D49}" type="datetimeFigureOut">
               <a:rPr lang="en-US" smtClean="0"/>
-              <a:t>12/15/2018</a:t>
+              <a:pPr/>
+              <a:t>4/14/2019</a:t>
             </a:fld>
             <a:endParaRPr lang="en-US"/>
           </a:p>
@@ -1210,6 +1219,7 @@
           <a:p>
             <a:fld id="{FB34683C-161B-4520-BF45-B179E228CF2A}" type="slidenum">
               <a:rPr lang="en-US" smtClean="0"/>
+              <a:pPr/>
               <a:t>‹#›</a:t>
             </a:fld>
             <a:endParaRPr lang="en-US"/>
@@ -1219,7 +1229,7 @@
     </p:spTree>
     <p:extLst>
       <p:ext uri="{BB962C8B-B14F-4D97-AF65-F5344CB8AC3E}">
-        <p14:creationId xmlns:p14="http://schemas.microsoft.com/office/powerpoint/2010/main" val="266658052"/>
+        <p14:creationId xmlns:p14="http://schemas.microsoft.com/office/powerpoint/2010/main" xmlns="" val="266658052"/>
       </p:ext>
     </p:extLst>
   </p:cSld>
@@ -1413,7 +1423,8 @@
           <a:p>
             <a:fld id="{78C97017-6FC3-485B-9764-EAC9E56C1D49}" type="datetimeFigureOut">
               <a:rPr lang="en-US" smtClean="0"/>
-              <a:t>12/15/2018</a:t>
+              <a:pPr/>
+              <a:t>4/14/2019</a:t>
             </a:fld>
             <a:endParaRPr lang="en-US"/>
           </a:p>
@@ -1455,6 +1466,7 @@
           <a:p>
             <a:fld id="{FB34683C-161B-4520-BF45-B179E228CF2A}" type="slidenum">
               <a:rPr lang="en-US" smtClean="0"/>
+              <a:pPr/>
               <a:t>‹#›</a:t>
             </a:fld>
             <a:endParaRPr lang="en-US"/>
@@ -1464,7 +1476,7 @@
     </p:spTree>
     <p:extLst>
       <p:ext uri="{BB962C8B-B14F-4D97-AF65-F5344CB8AC3E}">
-        <p14:creationId xmlns:p14="http://schemas.microsoft.com/office/powerpoint/2010/main" val="474686344"/>
+        <p14:creationId xmlns:p14="http://schemas.microsoft.com/office/powerpoint/2010/main" xmlns="" val="474686344"/>
       </p:ext>
     </p:extLst>
   </p:cSld>
@@ -1698,7 +1710,8 @@
           <a:p>
             <a:fld id="{78C97017-6FC3-485B-9764-EAC9E56C1D49}" type="datetimeFigureOut">
               <a:rPr lang="en-US" smtClean="0"/>
-              <a:t>12/15/2018</a:t>
+              <a:pPr/>
+              <a:t>4/14/2019</a:t>
             </a:fld>
             <a:endParaRPr lang="en-US"/>
           </a:p>
@@ -1740,6 +1753,7 @@
           <a:p>
             <a:fld id="{FB34683C-161B-4520-BF45-B179E228CF2A}" type="slidenum">
               <a:rPr lang="en-US" smtClean="0"/>
+              <a:pPr/>
               <a:t>‹#›</a:t>
             </a:fld>
             <a:endParaRPr lang="en-US"/>
@@ -1749,7 +1763,7 @@
     </p:spTree>
     <p:extLst>
       <p:ext uri="{BB962C8B-B14F-4D97-AF65-F5344CB8AC3E}">
-        <p14:creationId xmlns:p14="http://schemas.microsoft.com/office/powerpoint/2010/main" val="562293251"/>
+        <p14:creationId xmlns:p14="http://schemas.microsoft.com/office/powerpoint/2010/main" xmlns="" val="562293251"/>
       </p:ext>
     </p:extLst>
   </p:cSld>
@@ -2117,7 +2131,8 @@
           <a:p>
             <a:fld id="{78C97017-6FC3-485B-9764-EAC9E56C1D49}" type="datetimeFigureOut">
               <a:rPr lang="en-US" smtClean="0"/>
-              <a:t>12/15/2018</a:t>
+              <a:pPr/>
+              <a:t>4/14/2019</a:t>
             </a:fld>
             <a:endParaRPr lang="en-US"/>
           </a:p>
@@ -2159,6 +2174,7 @@
           <a:p>
             <a:fld id="{FB34683C-161B-4520-BF45-B179E228CF2A}" type="slidenum">
               <a:rPr lang="en-US" smtClean="0"/>
+              <a:pPr/>
               <a:t>‹#›</a:t>
             </a:fld>
             <a:endParaRPr lang="en-US"/>
@@ -2168,7 +2184,7 @@
     </p:spTree>
     <p:extLst>
       <p:ext uri="{BB962C8B-B14F-4D97-AF65-F5344CB8AC3E}">
-        <p14:creationId xmlns:p14="http://schemas.microsoft.com/office/powerpoint/2010/main" val="1126424250"/>
+        <p14:creationId xmlns:p14="http://schemas.microsoft.com/office/powerpoint/2010/main" xmlns="" val="1126424250"/>
       </p:ext>
     </p:extLst>
   </p:cSld>
@@ -2234,7 +2250,8 @@
           <a:p>
             <a:fld id="{78C97017-6FC3-485B-9764-EAC9E56C1D49}" type="datetimeFigureOut">
               <a:rPr lang="en-US" smtClean="0"/>
-              <a:t>12/15/2018</a:t>
+              <a:pPr/>
+              <a:t>4/14/2019</a:t>
             </a:fld>
             <a:endParaRPr lang="en-US"/>
           </a:p>
@@ -2276,6 +2293,7 @@
           <a:p>
             <a:fld id="{FB34683C-161B-4520-BF45-B179E228CF2A}" type="slidenum">
               <a:rPr lang="en-US" smtClean="0"/>
+              <a:pPr/>
               <a:t>‹#›</a:t>
             </a:fld>
             <a:endParaRPr lang="en-US"/>
@@ -2285,7 +2303,7 @@
     </p:spTree>
     <p:extLst>
       <p:ext uri="{BB962C8B-B14F-4D97-AF65-F5344CB8AC3E}">
-        <p14:creationId xmlns:p14="http://schemas.microsoft.com/office/powerpoint/2010/main" val="4159724230"/>
+        <p14:creationId xmlns:p14="http://schemas.microsoft.com/office/powerpoint/2010/main" xmlns="" val="4159724230"/>
       </p:ext>
     </p:extLst>
   </p:cSld>
@@ -2329,7 +2347,8 @@
           <a:p>
             <a:fld id="{78C97017-6FC3-485B-9764-EAC9E56C1D49}" type="datetimeFigureOut">
               <a:rPr lang="en-US" smtClean="0"/>
-              <a:t>12/15/2018</a:t>
+              <a:pPr/>
+              <a:t>4/14/2019</a:t>
             </a:fld>
             <a:endParaRPr lang="en-US"/>
           </a:p>
@@ -2371,6 +2390,7 @@
           <a:p>
             <a:fld id="{FB34683C-161B-4520-BF45-B179E228CF2A}" type="slidenum">
               <a:rPr lang="en-US" smtClean="0"/>
+              <a:pPr/>
               <a:t>‹#›</a:t>
             </a:fld>
             <a:endParaRPr lang="en-US"/>
@@ -2380,7 +2400,7 @@
     </p:spTree>
     <p:extLst>
       <p:ext uri="{BB962C8B-B14F-4D97-AF65-F5344CB8AC3E}">
-        <p14:creationId xmlns:p14="http://schemas.microsoft.com/office/powerpoint/2010/main" val="1793928710"/>
+        <p14:creationId xmlns:p14="http://schemas.microsoft.com/office/powerpoint/2010/main" xmlns="" val="1793928710"/>
       </p:ext>
     </p:extLst>
   </p:cSld>
@@ -2604,7 +2624,8 @@
           <a:p>
             <a:fld id="{78C97017-6FC3-485B-9764-EAC9E56C1D49}" type="datetimeFigureOut">
               <a:rPr lang="en-US" smtClean="0"/>
-              <a:t>12/15/2018</a:t>
+              <a:pPr/>
+              <a:t>4/14/2019</a:t>
             </a:fld>
             <a:endParaRPr lang="en-US"/>
           </a:p>
@@ -2646,6 +2667,7 @@
           <a:p>
             <a:fld id="{FB34683C-161B-4520-BF45-B179E228CF2A}" type="slidenum">
               <a:rPr lang="en-US" smtClean="0"/>
+              <a:pPr/>
               <a:t>‹#›</a:t>
             </a:fld>
             <a:endParaRPr lang="en-US"/>
@@ -2655,7 +2677,7 @@
     </p:spTree>
     <p:extLst>
       <p:ext uri="{BB962C8B-B14F-4D97-AF65-F5344CB8AC3E}">
-        <p14:creationId xmlns:p14="http://schemas.microsoft.com/office/powerpoint/2010/main" val="2076802089"/>
+        <p14:creationId xmlns:p14="http://schemas.microsoft.com/office/powerpoint/2010/main" xmlns="" val="2076802089"/>
       </p:ext>
     </p:extLst>
   </p:cSld>
@@ -2856,7 +2878,8 @@
           <a:p>
             <a:fld id="{78C97017-6FC3-485B-9764-EAC9E56C1D49}" type="datetimeFigureOut">
               <a:rPr lang="en-US" smtClean="0"/>
-              <a:t>12/15/2018</a:t>
+              <a:pPr/>
+              <a:t>4/14/2019</a:t>
             </a:fld>
             <a:endParaRPr lang="en-US"/>
           </a:p>
@@ -2898,6 +2921,7 @@
           <a:p>
             <a:fld id="{FB34683C-161B-4520-BF45-B179E228CF2A}" type="slidenum">
               <a:rPr lang="en-US" smtClean="0"/>
+              <a:pPr/>
               <a:t>‹#›</a:t>
             </a:fld>
             <a:endParaRPr lang="en-US"/>
@@ -2907,7 +2931,7 @@
     </p:spTree>
     <p:extLst>
       <p:ext uri="{BB962C8B-B14F-4D97-AF65-F5344CB8AC3E}">
-        <p14:creationId xmlns:p14="http://schemas.microsoft.com/office/powerpoint/2010/main" val="201835938"/>
+        <p14:creationId xmlns:p14="http://schemas.microsoft.com/office/powerpoint/2010/main" xmlns="" val="201835938"/>
       </p:ext>
     </p:extLst>
   </p:cSld>
@@ -3067,7 +3091,8 @@
           <a:p>
             <a:fld id="{78C97017-6FC3-485B-9764-EAC9E56C1D49}" type="datetimeFigureOut">
               <a:rPr lang="en-US" smtClean="0"/>
-              <a:t>12/15/2018</a:t>
+              <a:pPr/>
+              <a:t>4/14/2019</a:t>
             </a:fld>
             <a:endParaRPr lang="en-US"/>
           </a:p>
@@ -3145,6 +3170,7 @@
           <a:p>
             <a:fld id="{FB34683C-161B-4520-BF45-B179E228CF2A}" type="slidenum">
               <a:rPr lang="en-US" smtClean="0"/>
+              <a:pPr/>
               <a:t>‹#›</a:t>
             </a:fld>
             <a:endParaRPr lang="en-US"/>
@@ -3154,7 +3180,7 @@
     </p:spTree>
     <p:extLst>
       <p:ext uri="{BB962C8B-B14F-4D97-AF65-F5344CB8AC3E}">
-        <p14:creationId xmlns:p14="http://schemas.microsoft.com/office/powerpoint/2010/main" val="2341400630"/>
+        <p14:creationId xmlns:p14="http://schemas.microsoft.com/office/powerpoint/2010/main" xmlns="" val="2341400630"/>
       </p:ext>
     </p:extLst>
   </p:cSld>
@@ -4005,8 +4031,8 @@
         </p:nvSpPr>
         <p:spPr>
           <a:xfrm>
-            <a:off x="2592526" y="3991960"/>
-            <a:ext cx="1093635" cy="236841"/>
+            <a:off x="2592526" y="3962400"/>
+            <a:ext cx="1093635" cy="266401"/>
           </a:xfrm>
           <a:prstGeom prst="rect">
             <a:avLst/>
@@ -4038,14 +4064,34 @@
           <a:p>
             <a:pPr algn="ctr"/>
             <a:r>
-              <a:rPr lang="en-US" sz="1050" b="1" dirty="0" err="1">
+              <a:rPr lang="en-US" sz="1050" b="1" dirty="0" err="1" smtClean="0">
                 <a:solidFill>
                   <a:schemeClr val="accent3">
                     <a:lumMod val="75000"/>
                   </a:schemeClr>
                 </a:solidFill>
               </a:rPr>
-              <a:t>PersonListPanel</a:t>
+              <a:t>ModuleTaken</a:t>
+            </a:r>
+            <a:endParaRPr lang="en-US" sz="1050" b="1" dirty="0" smtClean="0">
+              <a:solidFill>
+                <a:schemeClr val="accent3">
+                  <a:lumMod val="75000"/>
+                </a:schemeClr>
+              </a:solidFill>
+            </a:endParaRPr>
+          </a:p>
+          <a:p>
+            <a:pPr algn="ctr"/>
+            <a:r>
+              <a:rPr lang="en-US" sz="1050" b="1" dirty="0" err="1" smtClean="0">
+                <a:solidFill>
+                  <a:schemeClr val="accent3">
+                    <a:lumMod val="75000"/>
+                  </a:schemeClr>
+                </a:solidFill>
+              </a:rPr>
+              <a:t>ListPanel</a:t>
             </a:r>
             <a:endParaRPr lang="en-SG" sz="1050" b="1" dirty="0">
               <a:solidFill>
@@ -4065,8 +4111,8 @@
         </p:nvSpPr>
         <p:spPr>
           <a:xfrm>
-            <a:off x="3839323" y="4228801"/>
-            <a:ext cx="1040906" cy="236841"/>
+            <a:off x="3839322" y="4228801"/>
+            <a:ext cx="1266077" cy="236841"/>
           </a:xfrm>
           <a:prstGeom prst="rect">
             <a:avLst/>
@@ -4098,14 +4144,14 @@
           <a:p>
             <a:pPr algn="ctr"/>
             <a:r>
-              <a:rPr lang="en-US" sz="1050" b="1" dirty="0" err="1">
+              <a:rPr lang="en-US" sz="1050" b="1" dirty="0" err="1" smtClean="0">
                 <a:solidFill>
                   <a:schemeClr val="accent3">
                     <a:lumMod val="75000"/>
                   </a:schemeClr>
                 </a:solidFill>
               </a:rPr>
-              <a:t>PersonCard</a:t>
+              <a:t>ModuleTakenCard</a:t>
             </a:r>
             <a:endParaRPr lang="en-SG" sz="1050" b="1" dirty="0">
               <a:solidFill>
@@ -4378,8 +4424,8 @@
         </p:nvCxnSpPr>
         <p:spPr>
           <a:xfrm rot="16200000" flipH="1">
-            <a:off x="1883148" y="3401003"/>
-            <a:ext cx="1242356" cy="176400"/>
+            <a:off x="1890538" y="3393613"/>
+            <a:ext cx="1227576" cy="176400"/>
           </a:xfrm>
           <a:prstGeom prst="bentConnector2">
             <a:avLst/>
@@ -4620,8 +4666,8 @@
         </p:nvCxnSpPr>
         <p:spPr>
           <a:xfrm rot="5400000">
-            <a:off x="4174488" y="2991741"/>
-            <a:ext cx="2061222" cy="649740"/>
+            <a:off x="4287073" y="3104326"/>
+            <a:ext cx="2061222" cy="424570"/>
           </a:xfrm>
           <a:prstGeom prst="bentConnector2">
             <a:avLst/>
@@ -5168,8 +5214,8 @@
         </p:nvCxnSpPr>
         <p:spPr>
           <a:xfrm rot="16200000" flipH="1">
-            <a:off x="3430123" y="3938021"/>
-            <a:ext cx="118421" cy="699979"/>
+            <a:off x="3430123" y="3938022"/>
+            <a:ext cx="118421" cy="699978"/>
           </a:xfrm>
           <a:prstGeom prst="bentConnector2">
             <a:avLst/>
@@ -5209,8 +5255,8 @@
         </p:nvCxnSpPr>
         <p:spPr>
           <a:xfrm rot="5400000">
-            <a:off x="3695875" y="2276286"/>
-            <a:ext cx="1824381" cy="1843808"/>
+            <a:off x="3703265" y="2268896"/>
+            <a:ext cx="1809601" cy="1843808"/>
           </a:xfrm>
           <a:prstGeom prst="bentConnector2">
             <a:avLst/>
@@ -5512,7 +5558,7 @@
     </p:spTree>
     <p:extLst>
       <p:ext uri="{BB962C8B-B14F-4D97-AF65-F5344CB8AC3E}">
-        <p14:creationId xmlns:p14="http://schemas.microsoft.com/office/powerpoint/2010/main" val="2776882492"/>
+        <p14:creationId xmlns:p14="http://schemas.microsoft.com/office/powerpoint/2010/main" xmlns="" val="2776882492"/>
       </p:ext>
     </p:extLst>
   </p:cSld>

--- a/docs/diagrams/UiComponentClassDiagram.pptx
+++ b/docs/diagrams/UiComponentClassDiagram.pptx
@@ -208,7 +208,7 @@
           <a:p>
             <a:fld id="{F5CC4B3F-88C1-4FFA-B1B6-F41C21DC6924}" type="datetimeFigureOut">
               <a:rPr lang="en-US" smtClean="0"/>
-              <a:t>12/15/2018</a:t>
+              <a:t>4/14/2019</a:t>
             </a:fld>
             <a:endParaRPr lang="en-US"/>
           </a:p>
@@ -654,7 +654,7 @@
           <a:p>
             <a:fld id="{78C97017-6FC3-485B-9764-EAC9E56C1D49}" type="datetimeFigureOut">
               <a:rPr lang="en-US" smtClean="0"/>
-              <a:t>12/15/2018</a:t>
+              <a:t>4/14/2019</a:t>
             </a:fld>
             <a:endParaRPr lang="en-US"/>
           </a:p>
@@ -822,7 +822,7 @@
           <a:p>
             <a:fld id="{78C97017-6FC3-485B-9764-EAC9E56C1D49}" type="datetimeFigureOut">
               <a:rPr lang="en-US" smtClean="0"/>
-              <a:t>12/15/2018</a:t>
+              <a:t>4/14/2019</a:t>
             </a:fld>
             <a:endParaRPr lang="en-US"/>
           </a:p>
@@ -1000,7 +1000,7 @@
           <a:p>
             <a:fld id="{78C97017-6FC3-485B-9764-EAC9E56C1D49}" type="datetimeFigureOut">
               <a:rPr lang="en-US" smtClean="0"/>
-              <a:t>12/15/2018</a:t>
+              <a:t>4/14/2019</a:t>
             </a:fld>
             <a:endParaRPr lang="en-US"/>
           </a:p>
@@ -1168,7 +1168,7 @@
           <a:p>
             <a:fld id="{78C97017-6FC3-485B-9764-EAC9E56C1D49}" type="datetimeFigureOut">
               <a:rPr lang="en-US" smtClean="0"/>
-              <a:t>12/15/2018</a:t>
+              <a:t>4/14/2019</a:t>
             </a:fld>
             <a:endParaRPr lang="en-US"/>
           </a:p>
@@ -1413,7 +1413,7 @@
           <a:p>
             <a:fld id="{78C97017-6FC3-485B-9764-EAC9E56C1D49}" type="datetimeFigureOut">
               <a:rPr lang="en-US" smtClean="0"/>
-              <a:t>12/15/2018</a:t>
+              <a:t>4/14/2019</a:t>
             </a:fld>
             <a:endParaRPr lang="en-US"/>
           </a:p>
@@ -1698,7 +1698,7 @@
           <a:p>
             <a:fld id="{78C97017-6FC3-485B-9764-EAC9E56C1D49}" type="datetimeFigureOut">
               <a:rPr lang="en-US" smtClean="0"/>
-              <a:t>12/15/2018</a:t>
+              <a:t>4/14/2019</a:t>
             </a:fld>
             <a:endParaRPr lang="en-US"/>
           </a:p>
@@ -2117,7 +2117,7 @@
           <a:p>
             <a:fld id="{78C97017-6FC3-485B-9764-EAC9E56C1D49}" type="datetimeFigureOut">
               <a:rPr lang="en-US" smtClean="0"/>
-              <a:t>12/15/2018</a:t>
+              <a:t>4/14/2019</a:t>
             </a:fld>
             <a:endParaRPr lang="en-US"/>
           </a:p>
@@ -2234,7 +2234,7 @@
           <a:p>
             <a:fld id="{78C97017-6FC3-485B-9764-EAC9E56C1D49}" type="datetimeFigureOut">
               <a:rPr lang="en-US" smtClean="0"/>
-              <a:t>12/15/2018</a:t>
+              <a:t>4/14/2019</a:t>
             </a:fld>
             <a:endParaRPr lang="en-US"/>
           </a:p>
@@ -2329,7 +2329,7 @@
           <a:p>
             <a:fld id="{78C97017-6FC3-485B-9764-EAC9E56C1D49}" type="datetimeFigureOut">
               <a:rPr lang="en-US" smtClean="0"/>
-              <a:t>12/15/2018</a:t>
+              <a:t>4/14/2019</a:t>
             </a:fld>
             <a:endParaRPr lang="en-US"/>
           </a:p>
@@ -2604,7 +2604,7 @@
           <a:p>
             <a:fld id="{78C97017-6FC3-485B-9764-EAC9E56C1D49}" type="datetimeFigureOut">
               <a:rPr lang="en-US" smtClean="0"/>
-              <a:t>12/15/2018</a:t>
+              <a:t>4/14/2019</a:t>
             </a:fld>
             <a:endParaRPr lang="en-US"/>
           </a:p>
@@ -2856,7 +2856,7 @@
           <a:p>
             <a:fld id="{78C97017-6FC3-485B-9764-EAC9E56C1D49}" type="datetimeFigureOut">
               <a:rPr lang="en-US" smtClean="0"/>
-              <a:t>12/15/2018</a:t>
+              <a:t>4/14/2019</a:t>
             </a:fld>
             <a:endParaRPr lang="en-US"/>
           </a:p>
@@ -3067,7 +3067,7 @@
           <a:p>
             <a:fld id="{78C97017-6FC3-485B-9764-EAC9E56C1D49}" type="datetimeFigureOut">
               <a:rPr lang="en-US" smtClean="0"/>
-              <a:t>12/15/2018</a:t>
+              <a:t>4/14/2019</a:t>
             </a:fld>
             <a:endParaRPr lang="en-US"/>
           </a:p>
@@ -3451,7 +3451,7 @@
         <p:spPr>
           <a:xfrm>
             <a:off x="1217465" y="1447800"/>
-            <a:ext cx="4917083" cy="3962400"/>
+            <a:ext cx="4917083" cy="4917600"/>
           </a:xfrm>
           <a:prstGeom prst="roundRect">
             <a:avLst>
@@ -3481,20 +3481,11 @@
           </a:fontRef>
         </p:style>
         <p:txBody>
-          <a:bodyPr rtlCol="0" anchor="t"/>
-          <a:lstStyle/>
-          <a:p>
-            <a:r>
-              <a:rPr lang="en-US" sz="1200" b="1" dirty="0">
-                <a:solidFill>
-                  <a:schemeClr val="accent3">
-                    <a:lumMod val="75000"/>
-                  </a:schemeClr>
-                </a:solidFill>
-              </a:rPr>
-              <a:t>UI</a:t>
-            </a:r>
-            <a:endParaRPr lang="en-SG" sz="1200" b="1" dirty="0">
+          <a:bodyPr rtlCol="0" anchor="ctr"/>
+          <a:lstStyle/>
+          <a:p>
+            <a:pPr algn="ctr"/>
+            <a:endParaRPr lang="en-SG" sz="1000" dirty="0">
               <a:solidFill>
                 <a:schemeClr val="accent3">
                   <a:lumMod val="75000"/>
@@ -3545,7 +3536,7 @@
           <a:p>
             <a:pPr algn="ctr"/>
             <a:r>
-              <a:rPr lang="en-US" sz="1050" b="1" dirty="0" err="1">
+              <a:rPr lang="en-US" sz="1000" dirty="0" err="1">
                 <a:solidFill>
                   <a:schemeClr val="accent3">
                     <a:lumMod val="75000"/>
@@ -3554,7 +3545,7 @@
               </a:rPr>
               <a:t>MainWindow</a:t>
             </a:r>
-            <a:endParaRPr lang="en-SG" sz="1050" b="1" dirty="0">
+            <a:endParaRPr lang="en-SG" sz="1000" dirty="0">
               <a:solidFill>
                 <a:schemeClr val="accent3">
                   <a:lumMod val="75000"/>
@@ -3605,7 +3596,7 @@
           <a:p>
             <a:pPr algn="ctr"/>
             <a:r>
-              <a:rPr lang="en-US" sz="1050" b="1" dirty="0" err="1">
+              <a:rPr lang="en-US" sz="1000" dirty="0" err="1">
                 <a:solidFill>
                   <a:schemeClr val="accent3">
                     <a:lumMod val="75000"/>
@@ -3614,7 +3605,7 @@
               </a:rPr>
               <a:t>CommandBox</a:t>
             </a:r>
-            <a:endParaRPr lang="en-SG" sz="1050" b="1" dirty="0">
+            <a:endParaRPr lang="en-SG" sz="1000" dirty="0">
               <a:solidFill>
                 <a:schemeClr val="accent3">
                   <a:lumMod val="75000"/>
@@ -3668,14 +3659,14 @@
           <a:p>
             <a:pPr algn="ctr"/>
             <a:r>
-              <a:rPr lang="en-US" sz="1050" dirty="0" err="1">
+              <a:rPr lang="en-US" sz="1000" dirty="0" err="1">
                 <a:solidFill>
                   <a:schemeClr val="bg1"/>
                 </a:solidFill>
               </a:rPr>
               <a:t>UiManager</a:t>
             </a:r>
-            <a:endParaRPr lang="en-SG" sz="1050" dirty="0">
+            <a:endParaRPr lang="en-SG" sz="1000" dirty="0">
               <a:solidFill>
                 <a:schemeClr val="bg1"/>
               </a:solidFill>
@@ -3766,7 +3757,7 @@
           <a:lstStyle/>
           <a:p>
             <a:pPr algn="ctr"/>
-            <a:endParaRPr lang="en-SG" sz="1050" b="1">
+            <a:endParaRPr lang="en-SG" sz="1000">
               <a:solidFill>
                 <a:srgbClr val="92D050"/>
               </a:solidFill>
@@ -3832,10 +3823,7 @@
             <a:avLst/>
           </a:prstGeom>
           <a:solidFill>
-            <a:schemeClr val="accent1">
-              <a:lumMod val="20000"/>
-              <a:lumOff val="80000"/>
-            </a:schemeClr>
+            <a:schemeClr val="accent1"/>
           </a:solidFill>
           <a:ln w="19050">
             <a:noFill/>
@@ -3862,14 +3850,14 @@
           <a:p>
             <a:pPr algn="ctr"/>
             <a:r>
-              <a:rPr lang="en-US" sz="1100" b="1" dirty="0">
+              <a:rPr lang="en-US" sz="1000" dirty="0">
                 <a:solidFill>
                   <a:schemeClr val="bg1"/>
                 </a:solidFill>
               </a:rPr>
               <a:t>Logic</a:t>
             </a:r>
-            <a:endParaRPr lang="en-SG" sz="1100" b="1" dirty="0">
+            <a:endParaRPr lang="en-SG" sz="1000" dirty="0">
               <a:solidFill>
                 <a:schemeClr val="bg1"/>
               </a:solidFill>
@@ -3918,16 +3906,16 @@
           <a:p>
             <a:pPr algn="ctr"/>
             <a:r>
-              <a:rPr lang="en-US" sz="1050" b="1" dirty="0" err="1">
+              <a:rPr lang="en-US" sz="1000" dirty="0" err="1">
                 <a:solidFill>
                   <a:schemeClr val="accent3">
                     <a:lumMod val="75000"/>
                   </a:schemeClr>
                 </a:solidFill>
               </a:rPr>
-              <a:t>BrowserPanel</a:t>
-            </a:r>
-            <a:endParaRPr lang="en-SG" sz="1050" b="1" dirty="0">
+              <a:t>ImagePanel</a:t>
+            </a:r>
+            <a:endParaRPr lang="en-SG" sz="1000" dirty="0">
               <a:solidFill>
                 <a:schemeClr val="accent3">
                   <a:lumMod val="75000"/>
@@ -3978,16 +3966,16 @@
           <a:p>
             <a:pPr algn="ctr"/>
             <a:r>
-              <a:rPr lang="en-US" sz="1050" b="1" dirty="0" err="1">
+              <a:rPr lang="en-US" sz="1000" dirty="0" err="1">
                 <a:solidFill>
                   <a:schemeClr val="accent3">
                     <a:lumMod val="75000"/>
                   </a:schemeClr>
                 </a:solidFill>
               </a:rPr>
-              <a:t>StatusBarFooter</a:t>
-            </a:r>
-            <a:endParaRPr lang="en-SG" sz="1050" b="1" dirty="0">
+              <a:t>InitPanel</a:t>
+            </a:r>
+            <a:endParaRPr lang="en-US" sz="1000" dirty="0">
               <a:solidFill>
                 <a:schemeClr val="accent3">
                   <a:lumMod val="75000"/>
@@ -4038,16 +4026,16 @@
           <a:p>
             <a:pPr algn="ctr"/>
             <a:r>
-              <a:rPr lang="en-US" sz="1050" b="1" dirty="0" err="1">
+              <a:rPr lang="en-US" sz="1000" dirty="0" err="1">
                 <a:solidFill>
                   <a:schemeClr val="accent3">
                     <a:lumMod val="75000"/>
                   </a:schemeClr>
                 </a:solidFill>
               </a:rPr>
-              <a:t>PersonListPanel</a:t>
-            </a:r>
-            <a:endParaRPr lang="en-SG" sz="1050" b="1" dirty="0">
+              <a:t>InformationPanel</a:t>
+            </a:r>
+            <a:endParaRPr lang="en-SG" sz="1000" dirty="0">
               <a:solidFill>
                 <a:schemeClr val="accent3">
                   <a:lumMod val="75000"/>
@@ -4098,16 +4086,16 @@
           <a:p>
             <a:pPr algn="ctr"/>
             <a:r>
-              <a:rPr lang="en-US" sz="1050" b="1" dirty="0" err="1">
+              <a:rPr lang="en-US" sz="1000" dirty="0" err="1">
                 <a:solidFill>
                   <a:schemeClr val="accent3">
                     <a:lumMod val="75000"/>
                   </a:schemeClr>
                 </a:solidFill>
               </a:rPr>
-              <a:t>PersonCard</a:t>
-            </a:r>
-            <a:endParaRPr lang="en-SG" sz="1050" b="1" dirty="0">
+              <a:t>ImageCard</a:t>
+            </a:r>
+            <a:endParaRPr lang="en-SG" sz="1000" dirty="0">
               <a:solidFill>
                 <a:schemeClr val="accent3">
                   <a:lumMod val="75000"/>
@@ -4158,16 +4146,16 @@
           <a:p>
             <a:pPr algn="ctr"/>
             <a:r>
-              <a:rPr lang="en-US" sz="1050" b="1" dirty="0" err="1">
+              <a:rPr lang="en-US" sz="1000" dirty="0" err="1">
                 <a:solidFill>
                   <a:schemeClr val="accent3">
                     <a:lumMod val="75000"/>
                   </a:schemeClr>
                 </a:solidFill>
               </a:rPr>
-              <a:t>HelpWindow</a:t>
-            </a:r>
-            <a:endParaRPr lang="en-SG" sz="1050" b="1" dirty="0">
+              <a:t>StatusBarFooter</a:t>
+            </a:r>
+            <a:endParaRPr lang="en-SG" sz="1000" dirty="0">
               <a:solidFill>
                 <a:schemeClr val="accent3">
                   <a:lumMod val="75000"/>
@@ -4221,7 +4209,7 @@
           <a:lstStyle/>
           <a:p>
             <a:pPr algn="ctr"/>
-            <a:endParaRPr lang="en-SG"/>
+            <a:endParaRPr lang="en-SG" sz="1000"/>
           </a:p>
         </p:txBody>
       </p:sp>
@@ -4307,7 +4295,7 @@
           <a:p>
             <a:pPr algn="ctr"/>
             <a:r>
-              <a:rPr lang="en-US" sz="1050" b="1" dirty="0" err="1">
+              <a:rPr lang="en-US" sz="1000" dirty="0" err="1">
                 <a:solidFill>
                   <a:schemeClr val="accent3">
                     <a:lumMod val="75000"/>
@@ -4316,7 +4304,7 @@
               </a:rPr>
               <a:t>ResultDisplay</a:t>
             </a:r>
-            <a:endParaRPr lang="en-SG" sz="1050" b="1" dirty="0">
+            <a:endParaRPr lang="en-SG" sz="1000" dirty="0">
               <a:solidFill>
                 <a:schemeClr val="accent3">
                   <a:lumMod val="75000"/>
@@ -4530,7 +4518,7 @@
           <a:p>
             <a:pPr algn="ctr"/>
             <a:r>
-              <a:rPr lang="en-US" sz="1050" b="1" dirty="0">
+              <a:rPr lang="en-US" sz="1000" dirty="0">
                 <a:solidFill>
                   <a:schemeClr val="accent3">
                     <a:lumMod val="75000"/>
@@ -4540,7 +4528,7 @@
               <a:t>{abstract}</a:t>
             </a:r>
             <a:br>
-              <a:rPr lang="en-US" sz="1050" b="1" dirty="0">
+              <a:rPr lang="en-US" sz="1000" dirty="0">
                 <a:solidFill>
                   <a:schemeClr val="accent3">
                     <a:lumMod val="75000"/>
@@ -4549,7 +4537,7 @@
               </a:rPr>
             </a:br>
             <a:r>
-              <a:rPr lang="en-US" sz="1050" b="1" dirty="0" err="1">
+              <a:rPr lang="en-US" sz="1000" dirty="0" err="1">
                 <a:solidFill>
                   <a:schemeClr val="accent3">
                     <a:lumMod val="75000"/>
@@ -4558,7 +4546,7 @@
               </a:rPr>
               <a:t>UiPart</a:t>
             </a:r>
-            <a:endParaRPr lang="en-SG" sz="1050" b="1" dirty="0">
+            <a:endParaRPr lang="en-SG" sz="1000" dirty="0">
               <a:solidFill>
                 <a:schemeClr val="accent3">
                   <a:lumMod val="75000"/>
@@ -4863,16 +4851,15 @@
         </p:nvSpPr>
         <p:spPr>
           <a:xfrm rot="16200000">
-            <a:off x="6213739" y="4560376"/>
+            <a:off x="6236778" y="4560376"/>
             <a:ext cx="1371599" cy="328045"/>
           </a:xfrm>
           <a:prstGeom prst="roundRect">
             <a:avLst/>
           </a:prstGeom>
           <a:solidFill>
-            <a:schemeClr val="accent4">
-              <a:lumMod val="20000"/>
-              <a:lumOff val="80000"/>
+            <a:schemeClr val="accent6">
+              <a:lumMod val="75000"/>
             </a:schemeClr>
           </a:solidFill>
           <a:ln w="19050">
@@ -4900,14 +4887,14 @@
           <a:p>
             <a:pPr algn="ctr"/>
             <a:r>
-              <a:rPr lang="en-US" sz="1100" b="1" dirty="0">
+              <a:rPr lang="en-US" sz="1000" dirty="0">
                 <a:solidFill>
                   <a:schemeClr val="bg1"/>
                 </a:solidFill>
               </a:rPr>
-              <a:t>Model</a:t>
-            </a:r>
-            <a:endParaRPr lang="en-SG" sz="1100" b="1" dirty="0">
+              <a:t>Album</a:t>
+            </a:r>
+            <a:endParaRPr lang="en-SG" sz="1000" dirty="0">
               <a:solidFill>
                 <a:schemeClr val="bg1"/>
               </a:solidFill>
@@ -4959,7 +4946,7 @@
           <a:p>
             <a:pPr algn="ctr"/>
             <a:r>
-              <a:rPr lang="en-US" sz="1050" dirty="0">
+              <a:rPr lang="en-US" sz="1000" dirty="0">
                 <a:solidFill>
                   <a:schemeClr val="bg1"/>
                 </a:solidFill>
@@ -4970,14 +4957,14 @@
           <a:p>
             <a:pPr algn="ctr"/>
             <a:r>
-              <a:rPr lang="en-US" sz="1050" dirty="0" err="1">
+              <a:rPr lang="en-US" sz="1000" dirty="0" err="1">
                 <a:solidFill>
                   <a:schemeClr val="bg1"/>
                 </a:solidFill>
               </a:rPr>
               <a:t>Ui</a:t>
             </a:r>
-            <a:endParaRPr lang="en-SG" sz="1050" dirty="0">
+            <a:endParaRPr lang="en-SG" sz="1000" dirty="0">
               <a:solidFill>
                 <a:schemeClr val="bg1"/>
               </a:solidFill>
@@ -5025,7 +5012,7 @@
           <a:lstStyle/>
           <a:p>
             <a:pPr algn="ctr"/>
-            <a:endParaRPr lang="en-SG" sz="1050" b="1">
+            <a:endParaRPr lang="en-SG" sz="1000">
               <a:solidFill>
                 <a:srgbClr val="92D050"/>
               </a:solidFill>
@@ -5288,7 +5275,7 @@
           <a:lstStyle/>
           <a:p>
             <a:pPr algn="ctr"/>
-            <a:endParaRPr lang="en-SG"/>
+            <a:endParaRPr lang="en-SG" sz="1000"/>
           </a:p>
         </p:txBody>
       </p:sp>
@@ -5370,7 +5357,7 @@
           <a:lstStyle/>
           <a:p>
             <a:pPr algn="ctr"/>
-            <a:endParaRPr lang="en-SG"/>
+            <a:endParaRPr lang="en-SG" sz="1000"/>
           </a:p>
         </p:txBody>
       </p:sp>
@@ -5423,7 +5410,7 @@
           <a:lstStyle/>
           <a:p>
             <a:pPr algn="ctr"/>
-            <a:endParaRPr lang="en-SG"/>
+            <a:endParaRPr lang="en-SG" sz="1000"/>
           </a:p>
         </p:txBody>
       </p:sp>
@@ -5505,10 +5492,285 @@
           <a:lstStyle/>
           <a:p>
             <a:pPr algn="ctr"/>
-            <a:endParaRPr lang="en-SG"/>
-          </a:p>
-        </p:txBody>
-      </p:sp>
+            <a:endParaRPr lang="en-SG" sz="1000"/>
+          </a:p>
+        </p:txBody>
+      </p:sp>
+      <p:sp>
+        <p:nvSpPr>
+          <p:cNvPr id="42" name="Rectangle 11">
+            <a:extLst>
+              <a:ext uri="{FF2B5EF4-FFF2-40B4-BE49-F238E27FC236}">
+                <a16:creationId xmlns:a16="http://schemas.microsoft.com/office/drawing/2014/main" id="{44F22BE3-8A29-4187-81DC-149BB2C4FA65}"/>
+              </a:ext>
+            </a:extLst>
+          </p:cNvPr>
+          <p:cNvSpPr/>
+          <p:nvPr/>
+        </p:nvSpPr>
+        <p:spPr>
+          <a:xfrm>
+            <a:off x="2592525" y="5374089"/>
+            <a:ext cx="1093635" cy="236841"/>
+          </a:xfrm>
+          <a:prstGeom prst="rect">
+            <a:avLst/>
+          </a:prstGeom>
+          <a:ln w="19050">
+            <a:solidFill>
+              <a:schemeClr val="accent3"/>
+            </a:solidFill>
+          </a:ln>
+          <a:effectLst/>
+        </p:spPr>
+        <p:style>
+          <a:lnRef idx="1">
+            <a:schemeClr val="accent3"/>
+          </a:lnRef>
+          <a:fillRef idx="2">
+            <a:schemeClr val="accent3"/>
+          </a:fillRef>
+          <a:effectRef idx="1">
+            <a:schemeClr val="accent3"/>
+          </a:effectRef>
+          <a:fontRef idx="minor">
+            <a:schemeClr val="dk1"/>
+          </a:fontRef>
+        </p:style>
+        <p:txBody>
+          <a:bodyPr rtlCol="0" anchor="ctr"/>
+          <a:lstStyle/>
+          <a:p>
+            <a:pPr algn="ctr"/>
+            <a:r>
+              <a:rPr lang="en-US" sz="1000" dirty="0" err="1">
+                <a:solidFill>
+                  <a:schemeClr val="accent3">
+                    <a:lumMod val="75000"/>
+                  </a:schemeClr>
+                </a:solidFill>
+              </a:rPr>
+              <a:t>HelpWindow</a:t>
+            </a:r>
+            <a:endParaRPr lang="en-SG" sz="1000" dirty="0">
+              <a:solidFill>
+                <a:schemeClr val="accent3">
+                  <a:lumMod val="75000"/>
+                </a:schemeClr>
+              </a:solidFill>
+            </a:endParaRPr>
+          </a:p>
+        </p:txBody>
+      </p:sp>
+      <p:cxnSp>
+        <p:nvCxnSpPr>
+          <p:cNvPr id="45" name="Elbow Connector 63">
+            <a:extLst>
+              <a:ext uri="{FF2B5EF4-FFF2-40B4-BE49-F238E27FC236}">
+                <a16:creationId xmlns:a16="http://schemas.microsoft.com/office/drawing/2014/main" id="{62173593-D489-4E27-BD2A-147B547F209C}"/>
+              </a:ext>
+            </a:extLst>
+          </p:cNvPr>
+          <p:cNvCxnSpPr>
+            <a:cxnSpLocks/>
+            <a:endCxn id="42" idx="1"/>
+          </p:cNvCxnSpPr>
+          <p:nvPr/>
+        </p:nvCxnSpPr>
+        <p:spPr>
+          <a:xfrm rot="16200000" flipH="1">
+            <a:off x="2150683" y="5050668"/>
+            <a:ext cx="463310" cy="420374"/>
+          </a:xfrm>
+          <a:prstGeom prst="bentConnector2">
+            <a:avLst/>
+          </a:prstGeom>
+          <a:ln w="19050">
+            <a:solidFill>
+              <a:schemeClr val="accent3"/>
+            </a:solidFill>
+            <a:headEnd type="none" w="med" len="med"/>
+            <a:tailEnd type="arrow" w="med" len="med"/>
+          </a:ln>
+          <a:effectLst/>
+        </p:spPr>
+        <p:style>
+          <a:lnRef idx="1">
+            <a:schemeClr val="accent2"/>
+          </a:lnRef>
+          <a:fillRef idx="2">
+            <a:schemeClr val="accent2"/>
+          </a:fillRef>
+          <a:effectRef idx="1">
+            <a:schemeClr val="accent2"/>
+          </a:effectRef>
+          <a:fontRef idx="minor">
+            <a:schemeClr val="dk1"/>
+          </a:fontRef>
+        </p:style>
+      </p:cxnSp>
+      <p:cxnSp>
+        <p:nvCxnSpPr>
+          <p:cNvPr id="48" name="Elbow Connector 63">
+            <a:extLst>
+              <a:ext uri="{FF2B5EF4-FFF2-40B4-BE49-F238E27FC236}">
+                <a16:creationId xmlns:a16="http://schemas.microsoft.com/office/drawing/2014/main" id="{0A209381-872C-4C9B-875D-B3D4350F618B}"/>
+              </a:ext>
+            </a:extLst>
+          </p:cNvPr>
+          <p:cNvCxnSpPr>
+            <a:cxnSpLocks/>
+          </p:cNvCxnSpPr>
+          <p:nvPr/>
+        </p:nvCxnSpPr>
+        <p:spPr>
+          <a:xfrm rot="10800000" flipV="1">
+            <a:off x="3683055" y="5091486"/>
+            <a:ext cx="1846915" cy="401023"/>
+          </a:xfrm>
+          <a:prstGeom prst="bentConnector3">
+            <a:avLst>
+              <a:gd name="adj1" fmla="val 78"/>
+            </a:avLst>
+          </a:prstGeom>
+          <a:ln w="6350">
+            <a:solidFill>
+              <a:schemeClr val="accent3"/>
+            </a:solidFill>
+            <a:headEnd type="none" w="med" len="med"/>
+            <a:tailEnd type="none" w="med" len="med"/>
+          </a:ln>
+          <a:effectLst/>
+        </p:spPr>
+        <p:style>
+          <a:lnRef idx="1">
+            <a:schemeClr val="accent2"/>
+          </a:lnRef>
+          <a:fillRef idx="2">
+            <a:schemeClr val="accent2"/>
+          </a:fillRef>
+          <a:effectRef idx="1">
+            <a:schemeClr val="accent2"/>
+          </a:effectRef>
+          <a:fontRef idx="minor">
+            <a:schemeClr val="dk1"/>
+          </a:fontRef>
+        </p:style>
+      </p:cxnSp>
+      <p:sp>
+        <p:nvSpPr>
+          <p:cNvPr id="46" name="Rectangle 11">
+            <a:extLst>
+              <a:ext uri="{FF2B5EF4-FFF2-40B4-BE49-F238E27FC236}">
+                <a16:creationId xmlns:a16="http://schemas.microsoft.com/office/drawing/2014/main" id="{CF09B8AD-335D-4D85-AF4A-9CC13531F0A9}"/>
+              </a:ext>
+            </a:extLst>
+          </p:cNvPr>
+          <p:cNvSpPr/>
+          <p:nvPr/>
+        </p:nvSpPr>
+        <p:spPr>
+          <a:xfrm>
+            <a:off x="2592526" y="5755089"/>
+            <a:ext cx="1093635" cy="236841"/>
+          </a:xfrm>
+          <a:prstGeom prst="rect">
+            <a:avLst/>
+          </a:prstGeom>
+          <a:ln w="19050">
+            <a:solidFill>
+              <a:schemeClr val="accent3"/>
+            </a:solidFill>
+          </a:ln>
+          <a:effectLst/>
+        </p:spPr>
+        <p:style>
+          <a:lnRef idx="1">
+            <a:schemeClr val="accent3"/>
+          </a:lnRef>
+          <a:fillRef idx="2">
+            <a:schemeClr val="accent3"/>
+          </a:fillRef>
+          <a:effectRef idx="1">
+            <a:schemeClr val="accent3"/>
+          </a:effectRef>
+          <a:fontRef idx="minor">
+            <a:schemeClr val="dk1"/>
+          </a:fontRef>
+        </p:style>
+        <p:txBody>
+          <a:bodyPr rtlCol="0" anchor="ctr"/>
+          <a:lstStyle/>
+          <a:p>
+            <a:pPr algn="ctr"/>
+            <a:r>
+              <a:rPr lang="en-US" sz="1000" dirty="0">
+                <a:solidFill>
+                  <a:schemeClr val="accent3">
+                    <a:lumMod val="75000"/>
+                  </a:schemeClr>
+                </a:solidFill>
+              </a:rPr>
+              <a:t>Notifier</a:t>
+            </a:r>
+            <a:endParaRPr lang="en-SG" sz="1000" dirty="0">
+              <a:solidFill>
+                <a:schemeClr val="accent3">
+                  <a:lumMod val="75000"/>
+                </a:schemeClr>
+              </a:solidFill>
+            </a:endParaRPr>
+          </a:p>
+        </p:txBody>
+      </p:sp>
+      <p:cxnSp>
+        <p:nvCxnSpPr>
+          <p:cNvPr id="7" name="Connector: Elbow 6">
+            <a:extLst>
+              <a:ext uri="{FF2B5EF4-FFF2-40B4-BE49-F238E27FC236}">
+                <a16:creationId xmlns:a16="http://schemas.microsoft.com/office/drawing/2014/main" id="{3C317CB9-5D0A-419E-8303-1B8FA9AB6A1A}"/>
+              </a:ext>
+            </a:extLst>
+          </p:cNvPr>
+          <p:cNvCxnSpPr>
+            <a:cxnSpLocks/>
+          </p:cNvCxnSpPr>
+          <p:nvPr/>
+        </p:nvCxnSpPr>
+        <p:spPr>
+          <a:xfrm flipV="1">
+            <a:off x="3683054" y="5029200"/>
+            <a:ext cx="3073940" cy="844310"/>
+          </a:xfrm>
+          <a:prstGeom prst="bentConnector3">
+            <a:avLst>
+              <a:gd name="adj1" fmla="val 69831"/>
+            </a:avLst>
+          </a:prstGeom>
+          <a:ln w="19050">
+            <a:solidFill>
+              <a:schemeClr val="accent3"/>
+            </a:solidFill>
+            <a:prstDash val="sysDot"/>
+            <a:headEnd type="arrow" w="med" len="med"/>
+            <a:tailEnd type="none" w="med" len="med"/>
+          </a:ln>
+        </p:spPr>
+        <p:style>
+          <a:lnRef idx="1">
+            <a:schemeClr val="accent1"/>
+          </a:lnRef>
+          <a:fillRef idx="0">
+            <a:schemeClr val="accent1"/>
+          </a:fillRef>
+          <a:effectRef idx="0">
+            <a:schemeClr val="accent1"/>
+          </a:effectRef>
+          <a:fontRef idx="minor">
+            <a:schemeClr val="tx1"/>
+          </a:fontRef>
+        </p:style>
+      </p:cxnSp>
     </p:spTree>
     <p:extLst>
       <p:ext uri="{BB962C8B-B14F-4D97-AF65-F5344CB8AC3E}">

--- a/docs/diagrams/UiComponentClassDiagram.pptx
+++ b/docs/diagrams/UiComponentClassDiagram.pptx
@@ -208,7 +208,7 @@
           <a:p>
             <a:fld id="{F5CC4B3F-88C1-4FFA-B1B6-F41C21DC6924}" type="datetimeFigureOut">
               <a:rPr lang="en-US" smtClean="0"/>
-              <a:t>3/31/2019</a:t>
+              <a:t>4/14/2019</a:t>
             </a:fld>
             <a:endParaRPr lang="en-US"/>
           </a:p>
@@ -654,7 +654,7 @@
           <a:p>
             <a:fld id="{78C97017-6FC3-485B-9764-EAC9E56C1D49}" type="datetimeFigureOut">
               <a:rPr lang="en-US" smtClean="0"/>
-              <a:t>3/31/2019</a:t>
+              <a:t>4/14/2019</a:t>
             </a:fld>
             <a:endParaRPr lang="en-US"/>
           </a:p>
@@ -822,7 +822,7 @@
           <a:p>
             <a:fld id="{78C97017-6FC3-485B-9764-EAC9E56C1D49}" type="datetimeFigureOut">
               <a:rPr lang="en-US" smtClean="0"/>
-              <a:t>3/31/2019</a:t>
+              <a:t>4/14/2019</a:t>
             </a:fld>
             <a:endParaRPr lang="en-US"/>
           </a:p>
@@ -1000,7 +1000,7 @@
           <a:p>
             <a:fld id="{78C97017-6FC3-485B-9764-EAC9E56C1D49}" type="datetimeFigureOut">
               <a:rPr lang="en-US" smtClean="0"/>
-              <a:t>3/31/2019</a:t>
+              <a:t>4/14/2019</a:t>
             </a:fld>
             <a:endParaRPr lang="en-US"/>
           </a:p>
@@ -1168,7 +1168,7 @@
           <a:p>
             <a:fld id="{78C97017-6FC3-485B-9764-EAC9E56C1D49}" type="datetimeFigureOut">
               <a:rPr lang="en-US" smtClean="0"/>
-              <a:t>3/31/2019</a:t>
+              <a:t>4/14/2019</a:t>
             </a:fld>
             <a:endParaRPr lang="en-US"/>
           </a:p>
@@ -1413,7 +1413,7 @@
           <a:p>
             <a:fld id="{78C97017-6FC3-485B-9764-EAC9E56C1D49}" type="datetimeFigureOut">
               <a:rPr lang="en-US" smtClean="0"/>
-              <a:t>3/31/2019</a:t>
+              <a:t>4/14/2019</a:t>
             </a:fld>
             <a:endParaRPr lang="en-US"/>
           </a:p>
@@ -1698,7 +1698,7 @@
           <a:p>
             <a:fld id="{78C97017-6FC3-485B-9764-EAC9E56C1D49}" type="datetimeFigureOut">
               <a:rPr lang="en-US" smtClean="0"/>
-              <a:t>3/31/2019</a:t>
+              <a:t>4/14/2019</a:t>
             </a:fld>
             <a:endParaRPr lang="en-US"/>
           </a:p>
@@ -2117,7 +2117,7 @@
           <a:p>
             <a:fld id="{78C97017-6FC3-485B-9764-EAC9E56C1D49}" type="datetimeFigureOut">
               <a:rPr lang="en-US" smtClean="0"/>
-              <a:t>3/31/2019</a:t>
+              <a:t>4/14/2019</a:t>
             </a:fld>
             <a:endParaRPr lang="en-US"/>
           </a:p>
@@ -2234,7 +2234,7 @@
           <a:p>
             <a:fld id="{78C97017-6FC3-485B-9764-EAC9E56C1D49}" type="datetimeFigureOut">
               <a:rPr lang="en-US" smtClean="0"/>
-              <a:t>3/31/2019</a:t>
+              <a:t>4/14/2019</a:t>
             </a:fld>
             <a:endParaRPr lang="en-US"/>
           </a:p>
@@ -2329,7 +2329,7 @@
           <a:p>
             <a:fld id="{78C97017-6FC3-485B-9764-EAC9E56C1D49}" type="datetimeFigureOut">
               <a:rPr lang="en-US" smtClean="0"/>
-              <a:t>3/31/2019</a:t>
+              <a:t>4/14/2019</a:t>
             </a:fld>
             <a:endParaRPr lang="en-US"/>
           </a:p>
@@ -2604,7 +2604,7 @@
           <a:p>
             <a:fld id="{78C97017-6FC3-485B-9764-EAC9E56C1D49}" type="datetimeFigureOut">
               <a:rPr lang="en-US" smtClean="0"/>
-              <a:t>3/31/2019</a:t>
+              <a:t>4/14/2019</a:t>
             </a:fld>
             <a:endParaRPr lang="en-US"/>
           </a:p>
@@ -2856,7 +2856,7 @@
           <a:p>
             <a:fld id="{78C97017-6FC3-485B-9764-EAC9E56C1D49}" type="datetimeFigureOut">
               <a:rPr lang="en-US" smtClean="0"/>
-              <a:t>3/31/2019</a:t>
+              <a:t>4/14/2019</a:t>
             </a:fld>
             <a:endParaRPr lang="en-US"/>
           </a:p>
@@ -3067,7 +3067,7 @@
           <a:p>
             <a:fld id="{78C97017-6FC3-485B-9764-EAC9E56C1D49}" type="datetimeFigureOut">
               <a:rPr lang="en-US" smtClean="0"/>
-              <a:t>3/31/2019</a:t>
+              <a:t>4/14/2019</a:t>
             </a:fld>
             <a:endParaRPr lang="en-US"/>
           </a:p>
@@ -3450,8 +3450,8 @@
         </p:nvSpPr>
         <p:spPr>
           <a:xfrm>
-            <a:off x="1217465" y="1447800"/>
-            <a:ext cx="4917083" cy="3962400"/>
+            <a:off x="1217465" y="1371605"/>
+            <a:ext cx="4917083" cy="5029190"/>
           </a:xfrm>
           <a:prstGeom prst="roundRect">
             <a:avLst>
@@ -3504,6 +3504,102 @@
           </a:p>
         </p:txBody>
       </p:sp>
+      <p:cxnSp>
+        <p:nvCxnSpPr>
+          <p:cNvPr id="56" name="Elbow Connector 63">
+            <a:extLst>
+              <a:ext uri="{FF2B5EF4-FFF2-40B4-BE49-F238E27FC236}">
+                <a16:creationId xmlns:a16="http://schemas.microsoft.com/office/drawing/2014/main" id="{F94DCCB7-360C-4B1D-8AA7-244546E45F1C}"/>
+              </a:ext>
+            </a:extLst>
+          </p:cNvPr>
+          <p:cNvCxnSpPr>
+            <a:cxnSpLocks/>
+            <a:endCxn id="55" idx="3"/>
+          </p:cNvCxnSpPr>
+          <p:nvPr/>
+        </p:nvCxnSpPr>
+        <p:spPr>
+          <a:xfrm rot="10800000" flipV="1">
+            <a:off x="4880230" y="5428239"/>
+            <a:ext cx="645261" cy="5"/>
+          </a:xfrm>
+          <a:prstGeom prst="bentConnector3">
+            <a:avLst>
+              <a:gd name="adj1" fmla="val 50000"/>
+            </a:avLst>
+          </a:prstGeom>
+          <a:ln w="6350">
+            <a:solidFill>
+              <a:schemeClr val="accent3"/>
+            </a:solidFill>
+            <a:headEnd type="none" w="med" len="med"/>
+            <a:tailEnd type="none" w="med" len="med"/>
+          </a:ln>
+          <a:effectLst/>
+        </p:spPr>
+        <p:style>
+          <a:lnRef idx="1">
+            <a:schemeClr val="accent2"/>
+          </a:lnRef>
+          <a:fillRef idx="2">
+            <a:schemeClr val="accent2"/>
+          </a:fillRef>
+          <a:effectRef idx="1">
+            <a:schemeClr val="accent2"/>
+          </a:effectRef>
+          <a:fontRef idx="minor">
+            <a:schemeClr val="dk1"/>
+          </a:fontRef>
+        </p:style>
+      </p:cxnSp>
+      <p:cxnSp>
+        <p:nvCxnSpPr>
+          <p:cNvPr id="49" name="Elbow Connector 63">
+            <a:extLst>
+              <a:ext uri="{FF2B5EF4-FFF2-40B4-BE49-F238E27FC236}">
+                <a16:creationId xmlns:a16="http://schemas.microsoft.com/office/drawing/2014/main" id="{09C8FCF4-217A-473D-84A2-EA2DEF9DC690}"/>
+              </a:ext>
+            </a:extLst>
+          </p:cNvPr>
+          <p:cNvCxnSpPr>
+            <a:cxnSpLocks/>
+            <a:endCxn id="46" idx="3"/>
+          </p:cNvCxnSpPr>
+          <p:nvPr/>
+        </p:nvCxnSpPr>
+        <p:spPr>
+          <a:xfrm rot="5400000">
+            <a:off x="4590219" y="4254575"/>
+            <a:ext cx="29486" cy="1841056"/>
+          </a:xfrm>
+          <a:prstGeom prst="bentConnector2">
+            <a:avLst/>
+          </a:prstGeom>
+          <a:ln w="6350">
+            <a:solidFill>
+              <a:schemeClr val="accent3"/>
+            </a:solidFill>
+            <a:headEnd type="none" w="med" len="med"/>
+            <a:tailEnd type="none" w="med" len="med"/>
+          </a:ln>
+          <a:effectLst/>
+        </p:spPr>
+        <p:style>
+          <a:lnRef idx="1">
+            <a:schemeClr val="accent2"/>
+          </a:lnRef>
+          <a:fillRef idx="2">
+            <a:schemeClr val="accent2"/>
+          </a:fillRef>
+          <a:effectRef idx="1">
+            <a:schemeClr val="accent2"/>
+          </a:effectRef>
+          <a:fontRef idx="minor">
+            <a:schemeClr val="dk1"/>
+          </a:fontRef>
+        </p:style>
+      </p:cxnSp>
       <p:sp>
         <p:nvSpPr>
           <p:cNvPr id="2" name="Rectangle 8"/>
@@ -3518,6 +3614,9 @@
           <a:prstGeom prst="rect">
             <a:avLst/>
           </a:prstGeom>
+          <a:solidFill>
+            <a:srgbClr val="F2FFDF"/>
+          </a:solidFill>
           <a:ln w="19050">
             <a:solidFill>
               <a:schemeClr val="accent3"/>
@@ -3578,6 +3677,9 @@
           <a:prstGeom prst="rect">
             <a:avLst/>
           </a:prstGeom>
+          <a:solidFill>
+            <a:srgbClr val="F2FFDF"/>
+          </a:solidFill>
           <a:ln w="19050">
             <a:solidFill>
               <a:schemeClr val="accent3"/>
@@ -3825,8 +3927,8 @@
         </p:nvSpPr>
         <p:spPr>
           <a:xfrm rot="16200000">
-            <a:off x="5703829" y="2464877"/>
-            <a:ext cx="2362201" cy="328045"/>
+            <a:off x="4370335" y="3722175"/>
+            <a:ext cx="5029189" cy="328045"/>
           </a:xfrm>
           <a:prstGeom prst="roundRect">
             <a:avLst/>
@@ -3891,6 +3993,9 @@
           <a:prstGeom prst="rect">
             <a:avLst/>
           </a:prstGeom>
+          <a:solidFill>
+            <a:srgbClr val="F2FFDF"/>
+          </a:solidFill>
           <a:ln w="19050">
             <a:solidFill>
               <a:schemeClr val="accent3"/>
@@ -3945,12 +4050,15 @@
         </p:nvSpPr>
         <p:spPr>
           <a:xfrm>
-            <a:off x="2592527" y="4563759"/>
+            <a:off x="2592527" y="5648523"/>
             <a:ext cx="1093635" cy="236841"/>
           </a:xfrm>
           <a:prstGeom prst="rect">
             <a:avLst/>
           </a:prstGeom>
+          <a:solidFill>
+            <a:srgbClr val="F2FFDF"/>
+          </a:solidFill>
           <a:ln w="19050">
             <a:solidFill>
               <a:schemeClr val="accent3"/>
@@ -4011,6 +4119,9 @@
           <a:prstGeom prst="rect">
             <a:avLst/>
           </a:prstGeom>
+          <a:solidFill>
+            <a:srgbClr val="F2FFDF"/>
+          </a:solidFill>
           <a:ln w="19050">
             <a:solidFill>
               <a:schemeClr val="accent3"/>
@@ -4071,6 +4182,9 @@
           <a:prstGeom prst="rect">
             <a:avLst/>
           </a:prstGeom>
+          <a:solidFill>
+            <a:srgbClr val="F2FFDF"/>
+          </a:solidFill>
           <a:ln w="19050">
             <a:solidFill>
               <a:schemeClr val="accent3"/>
@@ -4105,7 +4219,7 @@
                   </a:schemeClr>
                 </a:solidFill>
               </a:rPr>
-              <a:t>Card</a:t>
+              <a:t>Lesson</a:t>
             </a:r>
             <a:endParaRPr lang="en-SG" sz="1050" b="1" dirty="0">
               <a:solidFill>
@@ -4125,12 +4239,15 @@
         </p:nvSpPr>
         <p:spPr>
           <a:xfrm>
-            <a:off x="2592528" y="4966000"/>
+            <a:off x="2592528" y="6050764"/>
             <a:ext cx="1093635" cy="236841"/>
           </a:xfrm>
           <a:prstGeom prst="rect">
             <a:avLst/>
           </a:prstGeom>
+          <a:solidFill>
+            <a:srgbClr val="F2FFDF"/>
+          </a:solidFill>
           <a:ln w="19050">
             <a:solidFill>
               <a:schemeClr val="accent3"/>
@@ -4280,6 +4397,9 @@
           <a:prstGeom prst="rect">
             <a:avLst/>
           </a:prstGeom>
+          <a:solidFill>
+            <a:srgbClr val="F2FFDF"/>
+          </a:solidFill>
           <a:ln w="19050">
             <a:solidFill>
               <a:schemeClr val="accent3"/>
@@ -4412,15 +4532,15 @@
         <p:nvCxnSpPr>
           <p:cNvPr id="50" name="Elbow Connector 63"/>
           <p:cNvCxnSpPr>
-            <a:stCxn id="39" idx="2"/>
+            <a:cxnSpLocks/>
             <a:endCxn id="35" idx="1"/>
           </p:cNvCxnSpPr>
           <p:nvPr/>
         </p:nvCxnSpPr>
         <p:spPr>
           <a:xfrm rot="16200000" flipH="1">
-            <a:off x="1597249" y="3686901"/>
-            <a:ext cx="1814155" cy="176401"/>
+            <a:off x="1434417" y="4608834"/>
+            <a:ext cx="2139818" cy="176401"/>
           </a:xfrm>
           <a:prstGeom prst="bentConnector2">
             <a:avLst/>
@@ -4453,14 +4573,15 @@
         <p:nvCxnSpPr>
           <p:cNvPr id="53" name="Elbow Connector 63"/>
           <p:cNvCxnSpPr>
+            <a:cxnSpLocks/>
             <a:endCxn id="38" idx="1"/>
           </p:cNvCxnSpPr>
           <p:nvPr/>
         </p:nvCxnSpPr>
         <p:spPr>
           <a:xfrm rot="16200000" flipH="1">
-            <a:off x="1184119" y="3676012"/>
-            <a:ext cx="2396440" cy="420377"/>
+            <a:off x="670540" y="4247196"/>
+            <a:ext cx="3481205" cy="362771"/>
           </a:xfrm>
           <a:prstGeom prst="bentConnector2">
             <a:avLst/>
@@ -4503,6 +4624,9 @@
           <a:prstGeom prst="rect">
             <a:avLst/>
           </a:prstGeom>
+          <a:solidFill>
+            <a:srgbClr val="F2FFDF"/>
+          </a:solidFill>
           <a:ln w="6350">
             <a:solidFill>
               <a:schemeClr val="accent3"/>
@@ -4572,18 +4696,20 @@
         <p:nvCxnSpPr>
           <p:cNvPr id="74" name="Elbow Connector 63"/>
           <p:cNvCxnSpPr>
+            <a:cxnSpLocks/>
             <a:stCxn id="43" idx="3"/>
-            <a:endCxn id="16" idx="3"/>
           </p:cNvCxnSpPr>
           <p:nvPr/>
         </p:nvCxnSpPr>
         <p:spPr>
           <a:xfrm flipV="1">
-            <a:off x="3686160" y="2286000"/>
-            <a:ext cx="1843809" cy="1136729"/>
-          </a:xfrm>
-          <a:prstGeom prst="bentConnector2">
-            <a:avLst/>
+            <a:off x="3686160" y="3422725"/>
+            <a:ext cx="1846912" cy="4"/>
+          </a:xfrm>
+          <a:prstGeom prst="bentConnector3">
+            <a:avLst>
+              <a:gd name="adj1" fmla="val 50000"/>
+            </a:avLst>
           </a:prstGeom>
           <a:ln w="6350">
             <a:solidFill>
@@ -4613,18 +4739,20 @@
         <p:nvCxnSpPr>
           <p:cNvPr id="77" name="Elbow Connector 63"/>
           <p:cNvCxnSpPr>
-            <a:stCxn id="16" idx="3"/>
+            <a:cxnSpLocks/>
             <a:endCxn id="37" idx="3"/>
           </p:cNvCxnSpPr>
           <p:nvPr/>
         </p:nvCxnSpPr>
         <p:spPr>
-          <a:xfrm rot="5400000">
-            <a:off x="4174488" y="2991741"/>
-            <a:ext cx="2061222" cy="649740"/>
-          </a:xfrm>
-          <a:prstGeom prst="bentConnector2">
-            <a:avLst/>
+          <a:xfrm rot="10800000" flipV="1">
+            <a:off x="4880229" y="4347218"/>
+            <a:ext cx="652846" cy="4"/>
+          </a:xfrm>
+          <a:prstGeom prst="bentConnector3">
+            <a:avLst>
+              <a:gd name="adj1" fmla="val 50000"/>
+            </a:avLst>
           </a:prstGeom>
           <a:ln w="6350">
             <a:solidFill>
@@ -4654,18 +4782,20 @@
         <p:nvCxnSpPr>
           <p:cNvPr id="82" name="Elbow Connector 63"/>
           <p:cNvCxnSpPr>
-            <a:stCxn id="16" idx="3"/>
+            <a:cxnSpLocks/>
             <a:endCxn id="34" idx="3"/>
           </p:cNvCxnSpPr>
           <p:nvPr/>
         </p:nvCxnSpPr>
         <p:spPr>
-          <a:xfrm rot="5400000">
-            <a:off x="3867176" y="2104987"/>
-            <a:ext cx="1481780" cy="1843806"/>
-          </a:xfrm>
-          <a:prstGeom prst="bentConnector2">
-            <a:avLst/>
+          <a:xfrm rot="10800000" flipV="1">
+            <a:off x="3686163" y="3767776"/>
+            <a:ext cx="1846912" cy="3"/>
+          </a:xfrm>
+          <a:prstGeom prst="bentConnector3">
+            <a:avLst>
+              <a:gd name="adj1" fmla="val 50000"/>
+            </a:avLst>
           </a:prstGeom>
           <a:ln w="6350">
             <a:solidFill>
@@ -4736,15 +4866,15 @@
         <p:nvCxnSpPr>
           <p:cNvPr id="91" name="Elbow Connector 63"/>
           <p:cNvCxnSpPr>
-            <a:stCxn id="16" idx="3"/>
+            <a:cxnSpLocks/>
             <a:endCxn id="35" idx="3"/>
           </p:cNvCxnSpPr>
           <p:nvPr/>
         </p:nvCxnSpPr>
         <p:spPr>
           <a:xfrm rot="5400000">
-            <a:off x="3409976" y="2562187"/>
-            <a:ext cx="2396180" cy="1843807"/>
+            <a:off x="4589090" y="4830544"/>
+            <a:ext cx="33472" cy="1839328"/>
           </a:xfrm>
           <a:prstGeom prst="bentConnector2">
             <a:avLst/>
@@ -4777,18 +4907,20 @@
         <p:nvCxnSpPr>
           <p:cNvPr id="94" name="Elbow Connector 63"/>
           <p:cNvCxnSpPr>
-            <a:stCxn id="16" idx="3"/>
+            <a:cxnSpLocks/>
             <a:endCxn id="38" idx="3"/>
           </p:cNvCxnSpPr>
           <p:nvPr/>
         </p:nvCxnSpPr>
         <p:spPr>
-          <a:xfrm rot="5400000">
-            <a:off x="3208856" y="2763307"/>
-            <a:ext cx="2798421" cy="1843806"/>
-          </a:xfrm>
-          <a:prstGeom prst="bentConnector2">
-            <a:avLst/>
+          <a:xfrm rot="10800000" flipV="1">
+            <a:off x="3686164" y="6169183"/>
+            <a:ext cx="1840701" cy="1"/>
+          </a:xfrm>
+          <a:prstGeom prst="bentConnector3">
+            <a:avLst>
+              <a:gd name="adj1" fmla="val 50000"/>
+            </a:avLst>
           </a:prstGeom>
           <a:ln w="6350">
             <a:solidFill>
@@ -4855,66 +4987,6 @@
           </a:fontRef>
         </p:style>
       </p:cxnSp>
-      <p:sp>
-        <p:nvSpPr>
-          <p:cNvPr id="117" name="Rectangle 65"/>
-          <p:cNvSpPr/>
-          <p:nvPr/>
-        </p:nvSpPr>
-        <p:spPr>
-          <a:xfrm rot="16200000">
-            <a:off x="6213739" y="4560376"/>
-            <a:ext cx="1371599" cy="328045"/>
-          </a:xfrm>
-          <a:prstGeom prst="roundRect">
-            <a:avLst/>
-          </a:prstGeom>
-          <a:solidFill>
-            <a:schemeClr val="accent4">
-              <a:lumMod val="20000"/>
-              <a:lumOff val="80000"/>
-            </a:schemeClr>
-          </a:solidFill>
-          <a:ln w="19050">
-            <a:noFill/>
-          </a:ln>
-          <a:effectLst/>
-        </p:spPr>
-        <p:style>
-          <a:lnRef idx="1">
-            <a:schemeClr val="accent2"/>
-          </a:lnRef>
-          <a:fillRef idx="2">
-            <a:schemeClr val="accent2"/>
-          </a:fillRef>
-          <a:effectRef idx="1">
-            <a:schemeClr val="accent2"/>
-          </a:effectRef>
-          <a:fontRef idx="minor">
-            <a:schemeClr val="dk1"/>
-          </a:fontRef>
-        </p:style>
-        <p:txBody>
-          <a:bodyPr rtlCol="0" anchor="ctr"/>
-          <a:lstStyle/>
-          <a:p>
-            <a:pPr algn="ctr"/>
-            <a:r>
-              <a:rPr lang="en-US" sz="1100" b="1" dirty="0">
-                <a:solidFill>
-                  <a:schemeClr val="bg1"/>
-                </a:solidFill>
-              </a:rPr>
-              <a:t>Model</a:t>
-            </a:r>
-            <a:endParaRPr lang="en-SG" sz="1100" b="1" dirty="0">
-              <a:solidFill>
-                <a:schemeClr val="bg1"/>
-              </a:solidFill>
-            </a:endParaRPr>
-          </a:p>
-        </p:txBody>
-      </p:sp>
       <p:sp>
         <p:nvSpPr>
           <p:cNvPr id="119" name="Rectangle 62"/>
@@ -5120,18 +5192,20 @@
         <p:nvCxnSpPr>
           <p:cNvPr id="132" name="Elbow Connector 63"/>
           <p:cNvCxnSpPr>
-            <a:stCxn id="16" idx="3"/>
+            <a:cxnSpLocks/>
             <a:endCxn id="3" idx="3"/>
           </p:cNvCxnSpPr>
           <p:nvPr/>
         </p:nvCxnSpPr>
         <p:spPr>
-          <a:xfrm rot="5400000">
-            <a:off x="4205956" y="1766207"/>
-            <a:ext cx="804221" cy="1843806"/>
-          </a:xfrm>
-          <a:prstGeom prst="bentConnector2">
-            <a:avLst/>
+          <a:xfrm rot="10800000">
+            <a:off x="3686164" y="3090221"/>
+            <a:ext cx="1840701" cy="2"/>
+          </a:xfrm>
+          <a:prstGeom prst="bentConnector3">
+            <a:avLst>
+              <a:gd name="adj1" fmla="val 50000"/>
+            </a:avLst>
           </a:prstGeom>
           <a:ln w="6350">
             <a:solidFill>
@@ -5202,18 +5276,20 @@
         <p:nvCxnSpPr>
           <p:cNvPr id="140" name="Elbow Connector 63"/>
           <p:cNvCxnSpPr>
-            <a:stCxn id="16" idx="3"/>
+            <a:cxnSpLocks/>
             <a:endCxn id="36" idx="3"/>
           </p:cNvCxnSpPr>
           <p:nvPr/>
         </p:nvCxnSpPr>
         <p:spPr>
-          <a:xfrm rot="5400000">
-            <a:off x="3695875" y="2276286"/>
-            <a:ext cx="1824381" cy="1843808"/>
-          </a:xfrm>
-          <a:prstGeom prst="bentConnector2">
-            <a:avLst/>
+          <a:xfrm rot="10800000">
+            <a:off x="3686162" y="4110381"/>
+            <a:ext cx="1840703" cy="2"/>
+          </a:xfrm>
+          <a:prstGeom prst="bentConnector3">
+            <a:avLst>
+              <a:gd name="adj1" fmla="val 50000"/>
+            </a:avLst>
           </a:prstGeom>
           <a:ln w="6350">
             <a:solidFill>
@@ -5288,7 +5364,7 @@
           <a:lstStyle/>
           <a:p>
             <a:pPr algn="ctr"/>
-            <a:endParaRPr lang="en-SG"/>
+            <a:endParaRPr lang="en-SG" dirty="0"/>
           </a:p>
         </p:txBody>
       </p:sp>
@@ -5376,111 +5452,442 @@
       </p:sp>
       <p:sp>
         <p:nvSpPr>
-          <p:cNvPr id="144" name="Rectangle 143"/>
+          <p:cNvPr id="46" name="Rectangle 11">
+            <a:extLst>
+              <a:ext uri="{FF2B5EF4-FFF2-40B4-BE49-F238E27FC236}">
+                <a16:creationId xmlns:a16="http://schemas.microsoft.com/office/drawing/2014/main" id="{C25BDB36-CE37-4F8C-ABEF-E43C8F117683}"/>
+              </a:ext>
+            </a:extLst>
+          </p:cNvPr>
           <p:cNvSpPr/>
           <p:nvPr/>
         </p:nvSpPr>
         <p:spPr>
           <a:xfrm>
-            <a:off x="5431573" y="4488138"/>
-            <a:ext cx="229325" cy="160062"/>
+            <a:off x="2590799" y="5071425"/>
+            <a:ext cx="1093635" cy="236841"/>
           </a:xfrm>
           <a:prstGeom prst="rect">
             <a:avLst/>
           </a:prstGeom>
           <a:solidFill>
-            <a:schemeClr val="accent3">
-              <a:lumMod val="20000"/>
-              <a:lumOff val="80000"/>
-              <a:alpha val="80000"/>
-            </a:schemeClr>
+            <a:srgbClr val="F2FFDF"/>
           </a:solidFill>
-          <a:ln>
-            <a:noFill/>
+          <a:ln w="19050">
+            <a:solidFill>
+              <a:schemeClr val="accent3"/>
+            </a:solidFill>
           </a:ln>
-          <a:effectLst>
-            <a:softEdge rad="31750"/>
-          </a:effectLst>
+          <a:effectLst/>
         </p:spPr>
         <p:style>
-          <a:lnRef idx="2">
-            <a:schemeClr val="accent1">
-              <a:shade val="50000"/>
-            </a:schemeClr>
+          <a:lnRef idx="1">
+            <a:schemeClr val="accent3"/>
           </a:lnRef>
-          <a:fillRef idx="1">
+          <a:fillRef idx="2">
+            <a:schemeClr val="accent3"/>
+          </a:fillRef>
+          <a:effectRef idx="1">
+            <a:schemeClr val="accent3"/>
+          </a:effectRef>
+          <a:fontRef idx="minor">
+            <a:schemeClr val="dk1"/>
+          </a:fontRef>
+        </p:style>
+        <p:txBody>
+          <a:bodyPr rtlCol="0" anchor="ctr"/>
+          <a:lstStyle/>
+          <a:p>
+            <a:pPr algn="ctr"/>
+            <a:r>
+              <a:rPr lang="en-US" sz="1050" b="1" dirty="0" err="1">
+                <a:solidFill>
+                  <a:schemeClr val="accent3">
+                    <a:lumMod val="75000"/>
+                  </a:schemeClr>
+                </a:solidFill>
+              </a:rPr>
+              <a:t>QuizResultPanel</a:t>
+            </a:r>
+            <a:endParaRPr lang="en-SG" sz="1050" b="1" dirty="0">
+              <a:solidFill>
+                <a:schemeClr val="accent3">
+                  <a:lumMod val="75000"/>
+                </a:schemeClr>
+              </a:solidFill>
+            </a:endParaRPr>
+          </a:p>
+        </p:txBody>
+      </p:sp>
+      <p:cxnSp>
+        <p:nvCxnSpPr>
+          <p:cNvPr id="48" name="Elbow Connector 63">
+            <a:extLst>
+              <a:ext uri="{FF2B5EF4-FFF2-40B4-BE49-F238E27FC236}">
+                <a16:creationId xmlns:a16="http://schemas.microsoft.com/office/drawing/2014/main" id="{222E55C7-9708-47C3-8845-38416C6BA11D}"/>
+              </a:ext>
+            </a:extLst>
+          </p:cNvPr>
+          <p:cNvCxnSpPr>
+            <a:endCxn id="46" idx="1"/>
+          </p:cNvCxnSpPr>
+          <p:nvPr/>
+        </p:nvCxnSpPr>
+        <p:spPr>
+          <a:xfrm rot="16200000" flipH="1">
+            <a:off x="2052721" y="4651767"/>
+            <a:ext cx="899755" cy="176402"/>
+          </a:xfrm>
+          <a:prstGeom prst="bentConnector2">
+            <a:avLst/>
+          </a:prstGeom>
+          <a:ln w="19050">
+            <a:solidFill>
+              <a:schemeClr val="accent3"/>
+            </a:solidFill>
+            <a:headEnd type="none" w="med" len="med"/>
+            <a:tailEnd type="arrow" w="med" len="med"/>
+          </a:ln>
+          <a:effectLst/>
+        </p:spPr>
+        <p:style>
+          <a:lnRef idx="1">
+            <a:schemeClr val="accent2"/>
+          </a:lnRef>
+          <a:fillRef idx="2">
+            <a:schemeClr val="accent2"/>
+          </a:fillRef>
+          <a:effectRef idx="1">
+            <a:schemeClr val="accent2"/>
+          </a:effectRef>
+          <a:fontRef idx="minor">
+            <a:schemeClr val="dk1"/>
+          </a:fontRef>
+        </p:style>
+      </p:cxnSp>
+      <p:sp>
+        <p:nvSpPr>
+          <p:cNvPr id="55" name="Rectangle 11">
+            <a:extLst>
+              <a:ext uri="{FF2B5EF4-FFF2-40B4-BE49-F238E27FC236}">
+                <a16:creationId xmlns:a16="http://schemas.microsoft.com/office/drawing/2014/main" id="{BB0ED633-3E77-44AF-AC7C-B687B30E18A2}"/>
+              </a:ext>
+            </a:extLst>
+          </p:cNvPr>
+          <p:cNvSpPr/>
+          <p:nvPr/>
+        </p:nvSpPr>
+        <p:spPr>
+          <a:xfrm>
+            <a:off x="3839323" y="5309824"/>
+            <a:ext cx="1040906" cy="236841"/>
+          </a:xfrm>
+          <a:prstGeom prst="rect">
+            <a:avLst/>
+          </a:prstGeom>
+          <a:solidFill>
+            <a:srgbClr val="F2FFDF"/>
+          </a:solidFill>
+          <a:ln w="19050">
+            <a:solidFill>
+              <a:schemeClr val="accent3"/>
+            </a:solidFill>
+          </a:ln>
+          <a:effectLst/>
+        </p:spPr>
+        <p:style>
+          <a:lnRef idx="1">
+            <a:schemeClr val="accent3"/>
+          </a:lnRef>
+          <a:fillRef idx="2">
+            <a:schemeClr val="accent3"/>
+          </a:fillRef>
+          <a:effectRef idx="1">
+            <a:schemeClr val="accent3"/>
+          </a:effectRef>
+          <a:fontRef idx="minor">
+            <a:schemeClr val="dk1"/>
+          </a:fontRef>
+        </p:style>
+        <p:txBody>
+          <a:bodyPr rtlCol="0" anchor="ctr"/>
+          <a:lstStyle/>
+          <a:p>
+            <a:pPr algn="ctr"/>
+            <a:r>
+              <a:rPr lang="en-US" sz="1050" b="1" dirty="0" err="1">
+                <a:solidFill>
+                  <a:schemeClr val="accent3">
+                    <a:lumMod val="75000"/>
+                  </a:schemeClr>
+                </a:solidFill>
+              </a:rPr>
+              <a:t>QuizCard</a:t>
+            </a:r>
+            <a:endParaRPr lang="en-SG" sz="1050" b="1" dirty="0">
+              <a:solidFill>
+                <a:schemeClr val="accent3">
+                  <a:lumMod val="75000"/>
+                </a:schemeClr>
+              </a:solidFill>
+            </a:endParaRPr>
+          </a:p>
+        </p:txBody>
+      </p:sp>
+      <p:cxnSp>
+        <p:nvCxnSpPr>
+          <p:cNvPr id="57" name="Elbow Connector 136">
+            <a:extLst>
+              <a:ext uri="{FF2B5EF4-FFF2-40B4-BE49-F238E27FC236}">
+                <a16:creationId xmlns:a16="http://schemas.microsoft.com/office/drawing/2014/main" id="{3377A2EB-124A-41E0-8E15-4A0257A2CC6B}"/>
+              </a:ext>
+            </a:extLst>
+          </p:cNvPr>
+          <p:cNvCxnSpPr>
+            <a:endCxn id="55" idx="1"/>
+          </p:cNvCxnSpPr>
+          <p:nvPr/>
+        </p:nvCxnSpPr>
+        <p:spPr>
+          <a:xfrm rot="16200000" flipH="1">
+            <a:off x="3430123" y="5019044"/>
+            <a:ext cx="118421" cy="699979"/>
+          </a:xfrm>
+          <a:prstGeom prst="bentConnector2">
+            <a:avLst/>
+          </a:prstGeom>
+          <a:ln w="19050">
+            <a:solidFill>
+              <a:schemeClr val="accent3"/>
+            </a:solidFill>
+            <a:headEnd type="none" w="med" len="med"/>
+            <a:tailEnd type="arrow" w="med" len="med"/>
+          </a:ln>
+          <a:effectLst/>
+        </p:spPr>
+        <p:style>
+          <a:lnRef idx="1">
+            <a:schemeClr val="accent2"/>
+          </a:lnRef>
+          <a:fillRef idx="2">
+            <a:schemeClr val="accent2"/>
+          </a:fillRef>
+          <a:effectRef idx="1">
+            <a:schemeClr val="accent2"/>
+          </a:effectRef>
+          <a:fontRef idx="minor">
+            <a:schemeClr val="dk1"/>
+          </a:fontRef>
+        </p:style>
+      </p:cxnSp>
+      <p:sp>
+        <p:nvSpPr>
+          <p:cNvPr id="65" name="Rectangle 11">
+            <a:extLst>
+              <a:ext uri="{FF2B5EF4-FFF2-40B4-BE49-F238E27FC236}">
+                <a16:creationId xmlns:a16="http://schemas.microsoft.com/office/drawing/2014/main" id="{939DFD90-B621-41BF-BA4F-8418315E3116}"/>
+              </a:ext>
+            </a:extLst>
+          </p:cNvPr>
+          <p:cNvSpPr/>
+          <p:nvPr/>
+        </p:nvSpPr>
+        <p:spPr>
+          <a:xfrm>
+            <a:off x="2592500" y="4502865"/>
+            <a:ext cx="1093635" cy="236841"/>
+          </a:xfrm>
+          <a:prstGeom prst="rect">
+            <a:avLst/>
+          </a:prstGeom>
+          <a:solidFill>
+            <a:srgbClr val="F2FFDF"/>
+          </a:solidFill>
+          <a:ln w="19050">
+            <a:solidFill>
+              <a:schemeClr val="accent3"/>
+            </a:solidFill>
+          </a:ln>
+          <a:effectLst/>
+        </p:spPr>
+        <p:style>
+          <a:lnRef idx="1">
+            <a:schemeClr val="accent3"/>
+          </a:lnRef>
+          <a:fillRef idx="2">
+            <a:schemeClr val="accent3"/>
+          </a:fillRef>
+          <a:effectRef idx="1">
+            <a:schemeClr val="accent3"/>
+          </a:effectRef>
+          <a:fontRef idx="minor">
+            <a:schemeClr val="dk1"/>
+          </a:fontRef>
+        </p:style>
+        <p:txBody>
+          <a:bodyPr rtlCol="0" anchor="ctr"/>
+          <a:lstStyle/>
+          <a:p>
+            <a:pPr algn="ctr"/>
+            <a:r>
+              <a:rPr lang="en-US" sz="1050" b="1" dirty="0" err="1">
+                <a:solidFill>
+                  <a:schemeClr val="accent3">
+                    <a:lumMod val="75000"/>
+                  </a:schemeClr>
+                </a:solidFill>
+              </a:rPr>
+              <a:t>FlashcardPanel</a:t>
+            </a:r>
+            <a:endParaRPr lang="en-SG" sz="1050" b="1" dirty="0">
+              <a:solidFill>
+                <a:schemeClr val="accent3">
+                  <a:lumMod val="75000"/>
+                </a:schemeClr>
+              </a:solidFill>
+            </a:endParaRPr>
+          </a:p>
+        </p:txBody>
+      </p:sp>
+      <p:sp>
+        <p:nvSpPr>
+          <p:cNvPr id="66" name="Rectangle 11">
+            <a:extLst>
+              <a:ext uri="{FF2B5EF4-FFF2-40B4-BE49-F238E27FC236}">
+                <a16:creationId xmlns:a16="http://schemas.microsoft.com/office/drawing/2014/main" id="{FC872D8E-7C6D-4A7E-8B46-CCB83ECF9961}"/>
+              </a:ext>
+            </a:extLst>
+          </p:cNvPr>
+          <p:cNvSpPr/>
+          <p:nvPr/>
+        </p:nvSpPr>
+        <p:spPr>
+          <a:xfrm>
+            <a:off x="3839297" y="4739706"/>
+            <a:ext cx="1040906" cy="236841"/>
+          </a:xfrm>
+          <a:prstGeom prst="rect">
+            <a:avLst/>
+          </a:prstGeom>
+          <a:solidFill>
+            <a:srgbClr val="F2FFDF"/>
+          </a:solidFill>
+          <a:ln w="19050">
+            <a:solidFill>
+              <a:schemeClr val="accent3"/>
+            </a:solidFill>
+          </a:ln>
+          <a:effectLst/>
+        </p:spPr>
+        <p:style>
+          <a:lnRef idx="1">
+            <a:schemeClr val="accent3"/>
+          </a:lnRef>
+          <a:fillRef idx="2">
+            <a:schemeClr val="accent3"/>
+          </a:fillRef>
+          <a:effectRef idx="1">
+            <a:schemeClr val="accent3"/>
+          </a:effectRef>
+          <a:fontRef idx="minor">
+            <a:schemeClr val="dk1"/>
+          </a:fontRef>
+        </p:style>
+        <p:txBody>
+          <a:bodyPr rtlCol="0" anchor="ctr"/>
+          <a:lstStyle/>
+          <a:p>
+            <a:pPr algn="ctr"/>
+            <a:r>
+              <a:rPr lang="en-US" sz="1050" b="1" dirty="0">
+                <a:solidFill>
+                  <a:schemeClr val="accent3">
+                    <a:lumMod val="75000"/>
+                  </a:schemeClr>
+                </a:solidFill>
+              </a:rPr>
+              <a:t>Card</a:t>
+            </a:r>
+            <a:endParaRPr lang="en-SG" sz="1050" b="1" dirty="0">
+              <a:solidFill>
+                <a:schemeClr val="accent3">
+                  <a:lumMod val="75000"/>
+                </a:schemeClr>
+              </a:solidFill>
+            </a:endParaRPr>
+          </a:p>
+        </p:txBody>
+      </p:sp>
+      <p:cxnSp>
+        <p:nvCxnSpPr>
+          <p:cNvPr id="42" name="Straight Connector 41">
+            <a:extLst>
+              <a:ext uri="{FF2B5EF4-FFF2-40B4-BE49-F238E27FC236}">
+                <a16:creationId xmlns:a16="http://schemas.microsoft.com/office/drawing/2014/main" id="{2AB92D3C-D5B1-48C1-A3A2-7C6DCFB71E72}"/>
+              </a:ext>
+            </a:extLst>
+          </p:cNvPr>
+          <p:cNvCxnSpPr>
+            <a:stCxn id="16" idx="3"/>
+          </p:cNvCxnSpPr>
+          <p:nvPr/>
+        </p:nvCxnSpPr>
+        <p:spPr>
+          <a:xfrm>
+            <a:off x="5529969" y="2286000"/>
+            <a:ext cx="3103" cy="3883183"/>
+          </a:xfrm>
+          <a:prstGeom prst="line">
+            <a:avLst/>
+          </a:prstGeom>
+          <a:ln w="19050">
+            <a:solidFill>
+              <a:srgbClr val="9BBB59"/>
+            </a:solidFill>
+          </a:ln>
+        </p:spPr>
+        <p:style>
+          <a:lnRef idx="1">
+            <a:schemeClr val="accent1"/>
+          </a:lnRef>
+          <a:fillRef idx="0">
             <a:schemeClr val="accent1"/>
           </a:fillRef>
           <a:effectRef idx="0">
             <a:schemeClr val="accent1"/>
           </a:effectRef>
           <a:fontRef idx="minor">
-            <a:schemeClr val="lt1"/>
+            <a:schemeClr val="tx1"/>
           </a:fontRef>
         </p:style>
-        <p:txBody>
-          <a:bodyPr rtlCol="0" anchor="ctr"/>
-          <a:lstStyle/>
-          <a:p>
-            <a:pPr algn="ctr"/>
-            <a:endParaRPr lang="en-SG"/>
-          </a:p>
-        </p:txBody>
-      </p:sp>
-      <p:sp>
-        <p:nvSpPr>
-          <p:cNvPr id="118" name="Freeform 117"/>
-          <p:cNvSpPr/>
+      </p:cxnSp>
+      <p:cxnSp>
+        <p:nvCxnSpPr>
+          <p:cNvPr id="67" name="Elbow Connector 136">
+            <a:extLst>
+              <a:ext uri="{FF2B5EF4-FFF2-40B4-BE49-F238E27FC236}">
+                <a16:creationId xmlns:a16="http://schemas.microsoft.com/office/drawing/2014/main" id="{9E5016AF-19D5-4939-A995-526ADCD32872}"/>
+              </a:ext>
+            </a:extLst>
+          </p:cNvPr>
+          <p:cNvCxnSpPr>
+            <a:stCxn id="65" idx="2"/>
+            <a:endCxn id="66" idx="1"/>
+          </p:cNvCxnSpPr>
           <p:nvPr/>
-        </p:nvSpPr>
-        <p:spPr>
-          <a:xfrm flipV="1">
-            <a:off x="4114799" y="4472708"/>
-            <a:ext cx="2642195" cy="101600"/>
-          </a:xfrm>
-          <a:custGeom>
+        </p:nvCxnSpPr>
+        <p:spPr>
+          <a:xfrm rot="16200000" flipH="1">
+            <a:off x="3430097" y="4448926"/>
+            <a:ext cx="118421" cy="699979"/>
+          </a:xfrm>
+          <a:prstGeom prst="bentConnector2">
             <a:avLst/>
-            <a:gdLst>
-              <a:gd name="connsiteX0" fmla="*/ 0 w 3048000"/>
-              <a:gd name="connsiteY0" fmla="*/ 203200 h 203200"/>
-              <a:gd name="connsiteX1" fmla="*/ 221673 w 3048000"/>
-              <a:gd name="connsiteY1" fmla="*/ 0 h 203200"/>
-              <a:gd name="connsiteX2" fmla="*/ 3048000 w 3048000"/>
-              <a:gd name="connsiteY2" fmla="*/ 0 h 203200"/>
-            </a:gdLst>
-            <a:ahLst/>
-            <a:cxnLst>
-              <a:cxn ang="0">
-                <a:pos x="connsiteX0" y="connsiteY0"/>
-              </a:cxn>
-              <a:cxn ang="0">
-                <a:pos x="connsiteX1" y="connsiteY1"/>
-              </a:cxn>
-              <a:cxn ang="0">
-                <a:pos x="connsiteX2" y="connsiteY2"/>
-              </a:cxn>
-            </a:cxnLst>
-            <a:rect l="l" t="t" r="r" b="b"/>
-            <a:pathLst>
-              <a:path w="3048000" h="203200">
-                <a:moveTo>
-                  <a:pt x="0" y="203200"/>
-                </a:moveTo>
-                <a:lnTo>
-                  <a:pt x="221673" y="0"/>
-                </a:lnTo>
-                <a:lnTo>
-                  <a:pt x="3048000" y="0"/>
-                </a:lnTo>
-              </a:path>
-            </a:pathLst>
-          </a:custGeom>
-          <a:noFill/>
+          </a:prstGeom>
           <a:ln w="19050">
             <a:solidFill>
               <a:schemeClr val="accent3"/>
             </a:solidFill>
-            <a:prstDash val="sysDot"/>
             <a:headEnd type="none" w="med" len="med"/>
             <a:tailEnd type="arrow" w="med" len="med"/>
           </a:ln>
@@ -5500,15 +5907,51 @@
             <a:schemeClr val="dk1"/>
           </a:fontRef>
         </p:style>
-        <p:txBody>
-          <a:bodyPr rtlCol="0" anchor="ctr"/>
-          <a:lstStyle/>
-          <a:p>
-            <a:pPr algn="ctr"/>
-            <a:endParaRPr lang="en-SG"/>
-          </a:p>
-        </p:txBody>
-      </p:sp>
+      </p:cxnSp>
+      <p:cxnSp>
+        <p:nvCxnSpPr>
+          <p:cNvPr id="60" name="Elbow Connector 63">
+            <a:extLst>
+              <a:ext uri="{FF2B5EF4-FFF2-40B4-BE49-F238E27FC236}">
+                <a16:creationId xmlns:a16="http://schemas.microsoft.com/office/drawing/2014/main" id="{27B76666-57D0-4815-962D-9B5C48ECB714}"/>
+              </a:ext>
+            </a:extLst>
+          </p:cNvPr>
+          <p:cNvCxnSpPr/>
+          <p:nvPr/>
+        </p:nvCxnSpPr>
+        <p:spPr>
+          <a:xfrm rot="16200000" flipH="1">
+            <a:off x="1881422" y="3921328"/>
+            <a:ext cx="1242356" cy="176400"/>
+          </a:xfrm>
+          <a:prstGeom prst="bentConnector2">
+            <a:avLst/>
+          </a:prstGeom>
+          <a:ln w="19050">
+            <a:solidFill>
+              <a:schemeClr val="accent3"/>
+            </a:solidFill>
+            <a:headEnd type="none" w="med" len="med"/>
+            <a:tailEnd type="arrow" w="med" len="med"/>
+          </a:ln>
+          <a:effectLst/>
+        </p:spPr>
+        <p:style>
+          <a:lnRef idx="1">
+            <a:schemeClr val="accent2"/>
+          </a:lnRef>
+          <a:fillRef idx="2">
+            <a:schemeClr val="accent2"/>
+          </a:fillRef>
+          <a:effectRef idx="1">
+            <a:schemeClr val="accent2"/>
+          </a:effectRef>
+          <a:fontRef idx="minor">
+            <a:schemeClr val="dk1"/>
+          </a:fontRef>
+        </p:style>
+      </p:cxnSp>
     </p:spTree>
     <p:extLst>
       <p:ext uri="{BB962C8B-B14F-4D97-AF65-F5344CB8AC3E}">

--- a/docs/diagrams/UiComponentClassDiagram.pptx
+++ b/docs/diagrams/UiComponentClassDiagram.pptx
@@ -208,7 +208,7 @@
           <a:p>
             <a:fld id="{F5CC4B3F-88C1-4FFA-B1B6-F41C21DC6924}" type="datetimeFigureOut">
               <a:rPr lang="en-US" smtClean="0"/>
-              <a:t>12/15/2018</a:t>
+              <a:t>4/15/2019</a:t>
             </a:fld>
             <a:endParaRPr lang="en-US"/>
           </a:p>
@@ -654,7 +654,7 @@
           <a:p>
             <a:fld id="{78C97017-6FC3-485B-9764-EAC9E56C1D49}" type="datetimeFigureOut">
               <a:rPr lang="en-US" smtClean="0"/>
-              <a:t>12/15/2018</a:t>
+              <a:t>4/15/2019</a:t>
             </a:fld>
             <a:endParaRPr lang="en-US"/>
           </a:p>
@@ -822,7 +822,7 @@
           <a:p>
             <a:fld id="{78C97017-6FC3-485B-9764-EAC9E56C1D49}" type="datetimeFigureOut">
               <a:rPr lang="en-US" smtClean="0"/>
-              <a:t>12/15/2018</a:t>
+              <a:t>4/15/2019</a:t>
             </a:fld>
             <a:endParaRPr lang="en-US"/>
           </a:p>
@@ -1000,7 +1000,7 @@
           <a:p>
             <a:fld id="{78C97017-6FC3-485B-9764-EAC9E56C1D49}" type="datetimeFigureOut">
               <a:rPr lang="en-US" smtClean="0"/>
-              <a:t>12/15/2018</a:t>
+              <a:t>4/15/2019</a:t>
             </a:fld>
             <a:endParaRPr lang="en-US"/>
           </a:p>
@@ -1168,7 +1168,7 @@
           <a:p>
             <a:fld id="{78C97017-6FC3-485B-9764-EAC9E56C1D49}" type="datetimeFigureOut">
               <a:rPr lang="en-US" smtClean="0"/>
-              <a:t>12/15/2018</a:t>
+              <a:t>4/15/2019</a:t>
             </a:fld>
             <a:endParaRPr lang="en-US"/>
           </a:p>
@@ -1413,7 +1413,7 @@
           <a:p>
             <a:fld id="{78C97017-6FC3-485B-9764-EAC9E56C1D49}" type="datetimeFigureOut">
               <a:rPr lang="en-US" smtClean="0"/>
-              <a:t>12/15/2018</a:t>
+              <a:t>4/15/2019</a:t>
             </a:fld>
             <a:endParaRPr lang="en-US"/>
           </a:p>
@@ -1698,7 +1698,7 @@
           <a:p>
             <a:fld id="{78C97017-6FC3-485B-9764-EAC9E56C1D49}" type="datetimeFigureOut">
               <a:rPr lang="en-US" smtClean="0"/>
-              <a:t>12/15/2018</a:t>
+              <a:t>4/15/2019</a:t>
             </a:fld>
             <a:endParaRPr lang="en-US"/>
           </a:p>
@@ -2117,7 +2117,7 @@
           <a:p>
             <a:fld id="{78C97017-6FC3-485B-9764-EAC9E56C1D49}" type="datetimeFigureOut">
               <a:rPr lang="en-US" smtClean="0"/>
-              <a:t>12/15/2018</a:t>
+              <a:t>4/15/2019</a:t>
             </a:fld>
             <a:endParaRPr lang="en-US"/>
           </a:p>
@@ -2234,7 +2234,7 @@
           <a:p>
             <a:fld id="{78C97017-6FC3-485B-9764-EAC9E56C1D49}" type="datetimeFigureOut">
               <a:rPr lang="en-US" smtClean="0"/>
-              <a:t>12/15/2018</a:t>
+              <a:t>4/15/2019</a:t>
             </a:fld>
             <a:endParaRPr lang="en-US"/>
           </a:p>
@@ -2329,7 +2329,7 @@
           <a:p>
             <a:fld id="{78C97017-6FC3-485B-9764-EAC9E56C1D49}" type="datetimeFigureOut">
               <a:rPr lang="en-US" smtClean="0"/>
-              <a:t>12/15/2018</a:t>
+              <a:t>4/15/2019</a:t>
             </a:fld>
             <a:endParaRPr lang="en-US"/>
           </a:p>
@@ -2604,7 +2604,7 @@
           <a:p>
             <a:fld id="{78C97017-6FC3-485B-9764-EAC9E56C1D49}" type="datetimeFigureOut">
               <a:rPr lang="en-US" smtClean="0"/>
-              <a:t>12/15/2018</a:t>
+              <a:t>4/15/2019</a:t>
             </a:fld>
             <a:endParaRPr lang="en-US"/>
           </a:p>
@@ -2856,7 +2856,7 @@
           <a:p>
             <a:fld id="{78C97017-6FC3-485B-9764-EAC9E56C1D49}" type="datetimeFigureOut">
               <a:rPr lang="en-US" smtClean="0"/>
-              <a:t>12/15/2018</a:t>
+              <a:t>4/15/2019</a:t>
             </a:fld>
             <a:endParaRPr lang="en-US"/>
           </a:p>
@@ -3067,7 +3067,7 @@
           <a:p>
             <a:fld id="{78C97017-6FC3-485B-9764-EAC9E56C1D49}" type="datetimeFigureOut">
               <a:rPr lang="en-US" smtClean="0"/>
-              <a:t>12/15/2018</a:t>
+              <a:t>4/15/2019</a:t>
             </a:fld>
             <a:endParaRPr lang="en-US"/>
           </a:p>
@@ -3450,8 +3450,8 @@
         </p:nvSpPr>
         <p:spPr>
           <a:xfrm>
-            <a:off x="1217465" y="1447800"/>
-            <a:ext cx="4917083" cy="3962400"/>
+            <a:off x="115530" y="304799"/>
+            <a:ext cx="7656870" cy="4895201"/>
           </a:xfrm>
           <a:prstGeom prst="roundRect">
             <a:avLst>
@@ -3512,7 +3512,7 @@
         </p:nvSpPr>
         <p:spPr>
           <a:xfrm>
-            <a:off x="2095948" y="2341220"/>
+            <a:off x="994013" y="1198220"/>
             <a:ext cx="1093635" cy="346760"/>
           </a:xfrm>
           <a:prstGeom prst="rect">
@@ -3572,7 +3572,7 @@
         </p:nvSpPr>
         <p:spPr>
           <a:xfrm>
-            <a:off x="2592528" y="2971800"/>
+            <a:off x="1490593" y="1828800"/>
             <a:ext cx="1093635" cy="236841"/>
           </a:xfrm>
           <a:prstGeom prst="rect">
@@ -3632,7 +3632,7 @@
         </p:nvSpPr>
         <p:spPr>
           <a:xfrm>
-            <a:off x="2092842" y="1770924"/>
+            <a:off x="990907" y="627924"/>
             <a:ext cx="1093635" cy="346760"/>
           </a:xfrm>
           <a:prstGeom prst="rect">
@@ -3694,7 +3694,7 @@
         </p:nvCxnSpPr>
         <p:spPr>
           <a:xfrm rot="16200000" flipH="1">
-            <a:off x="2529445" y="2227899"/>
+            <a:off x="1427510" y="1084899"/>
             <a:ext cx="223536" cy="3106"/>
           </a:xfrm>
           <a:prstGeom prst="bentConnector3">
@@ -3734,7 +3734,7 @@
         </p:nvSpPr>
         <p:spPr>
           <a:xfrm rot="10800000" flipV="1">
-            <a:off x="5394717" y="2110477"/>
+            <a:off x="4292782" y="967477"/>
             <a:ext cx="270504" cy="175523"/>
           </a:xfrm>
           <a:prstGeom prst="triangle">
@@ -3782,7 +3782,7 @@
         </p:nvCxnSpPr>
         <p:spPr>
           <a:xfrm flipV="1">
-            <a:off x="644735" y="2991937"/>
+            <a:off x="-457200" y="2687139"/>
             <a:ext cx="684904" cy="1"/>
           </a:xfrm>
           <a:prstGeom prst="bentConnector3">
@@ -3825,7 +3825,7 @@
         </p:nvSpPr>
         <p:spPr>
           <a:xfrm rot="16200000">
-            <a:off x="5703829" y="2464877"/>
+            <a:off x="7403268" y="1321878"/>
             <a:ext cx="2362201" cy="328045"/>
           </a:xfrm>
           <a:prstGeom prst="roundRect">
@@ -3885,7 +3885,7 @@
         </p:nvSpPr>
         <p:spPr>
           <a:xfrm>
-            <a:off x="2592528" y="3649359"/>
+            <a:off x="1490593" y="2506359"/>
             <a:ext cx="1093635" cy="236841"/>
           </a:xfrm>
           <a:prstGeom prst="rect">
@@ -3925,7 +3925,7 @@
                   </a:schemeClr>
                 </a:solidFill>
               </a:rPr>
-              <a:t>BrowserPanel</a:t>
+              <a:t>JobListPanel</a:t>
             </a:r>
             <a:endParaRPr lang="en-SG" sz="1050" b="1" dirty="0">
               <a:solidFill>
@@ -3945,7 +3945,7 @@
         </p:nvSpPr>
         <p:spPr>
           <a:xfrm>
-            <a:off x="2592527" y="4563759"/>
+            <a:off x="1490592" y="3420759"/>
             <a:ext cx="1093635" cy="236841"/>
           </a:xfrm>
           <a:prstGeom prst="rect">
@@ -4005,7 +4005,7 @@
         </p:nvSpPr>
         <p:spPr>
           <a:xfrm>
-            <a:off x="2592526" y="3991960"/>
+            <a:off x="1490591" y="2999052"/>
             <a:ext cx="1093635" cy="236841"/>
           </a:xfrm>
           <a:prstGeom prst="rect">
@@ -4065,7 +4065,7 @@
         </p:nvSpPr>
         <p:spPr>
           <a:xfrm>
-            <a:off x="3839323" y="4228801"/>
+            <a:off x="2737388" y="3235893"/>
             <a:ext cx="1040906" cy="236841"/>
           </a:xfrm>
           <a:prstGeom prst="rect">
@@ -4125,7 +4125,7 @@
         </p:nvSpPr>
         <p:spPr>
           <a:xfrm>
-            <a:off x="2592528" y="4966000"/>
+            <a:off x="1490593" y="3823000"/>
             <a:ext cx="1093635" cy="236841"/>
           </a:xfrm>
           <a:prstGeom prst="rect">
@@ -4185,7 +4185,7 @@
         </p:nvSpPr>
         <p:spPr>
           <a:xfrm>
-            <a:off x="2324548" y="2706452"/>
+            <a:off x="1222613" y="1563452"/>
             <a:ext cx="183156" cy="161573"/>
           </a:xfrm>
           <a:prstGeom prst="flowChartDecision">
@@ -4236,7 +4236,7 @@
         </p:nvCxnSpPr>
         <p:spPr>
           <a:xfrm rot="16200000" flipH="1">
-            <a:off x="2393229" y="2890922"/>
+            <a:off x="1291294" y="1747922"/>
             <a:ext cx="222196" cy="176402"/>
           </a:xfrm>
           <a:prstGeom prst="bentConnector2">
@@ -4274,7 +4274,7 @@
         </p:nvSpPr>
         <p:spPr>
           <a:xfrm>
-            <a:off x="2590799" y="3304308"/>
+            <a:off x="1488864" y="2161308"/>
             <a:ext cx="1095361" cy="236841"/>
           </a:xfrm>
           <a:prstGeom prst="rect">
@@ -4337,7 +4337,7 @@
         </p:nvCxnSpPr>
         <p:spPr>
           <a:xfrm rot="16200000" flipH="1">
-            <a:off x="2054450" y="3229701"/>
+            <a:off x="952515" y="2086701"/>
             <a:ext cx="899755" cy="176402"/>
           </a:xfrm>
           <a:prstGeom prst="bentConnector2">
@@ -4378,8 +4378,8 @@
         </p:nvCxnSpPr>
         <p:spPr>
           <a:xfrm rot="16200000" flipH="1">
-            <a:off x="1883148" y="3401003"/>
-            <a:ext cx="1242356" cy="176400"/>
+            <a:off x="706167" y="2333049"/>
+            <a:ext cx="1392448" cy="176400"/>
           </a:xfrm>
           <a:prstGeom prst="bentConnector2">
             <a:avLst/>
@@ -4419,7 +4419,7 @@
         </p:nvCxnSpPr>
         <p:spPr>
           <a:xfrm rot="16200000" flipH="1">
-            <a:off x="1597249" y="3686901"/>
+            <a:off x="495314" y="2543901"/>
             <a:ext cx="1814155" cy="176401"/>
           </a:xfrm>
           <a:prstGeom prst="bentConnector2">
@@ -4453,14 +4453,15 @@
         <p:nvCxnSpPr>
           <p:cNvPr id="53" name="Elbow Connector 63"/>
           <p:cNvCxnSpPr>
+            <a:cxnSpLocks/>
             <a:endCxn id="38" idx="1"/>
           </p:cNvCxnSpPr>
           <p:nvPr/>
         </p:nvCxnSpPr>
         <p:spPr>
           <a:xfrm rot="16200000" flipH="1">
-            <a:off x="1184119" y="3676012"/>
-            <a:ext cx="2396440" cy="420377"/>
+            <a:off x="136987" y="2587815"/>
+            <a:ext cx="2396440" cy="310772"/>
           </a:xfrm>
           <a:prstGeom prst="bentConnector2">
             <a:avLst/>
@@ -4497,7 +4498,7 @@
         </p:nvSpPr>
         <p:spPr>
           <a:xfrm>
-            <a:off x="5143948" y="1770924"/>
+            <a:off x="4042013" y="627924"/>
             <a:ext cx="772043" cy="346760"/>
           </a:xfrm>
           <a:prstGeom prst="rect">
@@ -4579,7 +4580,7 @@
         </p:nvCxnSpPr>
         <p:spPr>
           <a:xfrm flipV="1">
-            <a:off x="3686160" y="2286000"/>
+            <a:off x="2584225" y="1143000"/>
             <a:ext cx="1843809" cy="1136729"/>
           </a:xfrm>
           <a:prstGeom prst="bentConnector2">
@@ -4620,8 +4621,8 @@
         </p:nvCxnSpPr>
         <p:spPr>
           <a:xfrm rot="5400000">
-            <a:off x="4174488" y="2991741"/>
-            <a:ext cx="2061222" cy="649740"/>
+            <a:off x="2997507" y="1923787"/>
+            <a:ext cx="2211314" cy="649740"/>
           </a:xfrm>
           <a:prstGeom prst="bentConnector2">
             <a:avLst/>
@@ -4661,7 +4662,7 @@
         </p:nvCxnSpPr>
         <p:spPr>
           <a:xfrm rot="5400000">
-            <a:off x="3867176" y="2104987"/>
+            <a:off x="2765241" y="961987"/>
             <a:ext cx="1481780" cy="1843806"/>
           </a:xfrm>
           <a:prstGeom prst="bentConnector2">
@@ -4702,7 +4703,7 @@
         </p:nvCxnSpPr>
         <p:spPr>
           <a:xfrm flipV="1">
-            <a:off x="3189583" y="2286000"/>
+            <a:off x="2087648" y="1143000"/>
             <a:ext cx="2340386" cy="228600"/>
           </a:xfrm>
           <a:prstGeom prst="bentConnector2">
@@ -4743,7 +4744,7 @@
         </p:nvCxnSpPr>
         <p:spPr>
           <a:xfrm rot="5400000">
-            <a:off x="3409976" y="2562187"/>
+            <a:off x="2308041" y="1419187"/>
             <a:ext cx="2396180" cy="1843807"/>
           </a:xfrm>
           <a:prstGeom prst="bentConnector2">
@@ -4784,7 +4785,7 @@
         </p:nvCxnSpPr>
         <p:spPr>
           <a:xfrm rot="5400000">
-            <a:off x="3208856" y="2763307"/>
+            <a:off x="2106921" y="1620307"/>
             <a:ext cx="2798421" cy="1843806"/>
           </a:xfrm>
           <a:prstGeom prst="bentConnector2">
@@ -4818,14 +4819,15 @@
         <p:nvCxnSpPr>
           <p:cNvPr id="107" name="Elbow Connector 106"/>
           <p:cNvCxnSpPr>
+            <a:cxnSpLocks/>
             <a:stCxn id="9" idx="0"/>
           </p:cNvCxnSpPr>
           <p:nvPr/>
         </p:nvCxnSpPr>
         <p:spPr>
           <a:xfrm rot="5400000" flipH="1" flipV="1">
-            <a:off x="4594921" y="-355061"/>
-            <a:ext cx="170724" cy="4081246"/>
+            <a:off x="4931772" y="-2860649"/>
+            <a:ext cx="94526" cy="6882621"/>
           </a:xfrm>
           <a:prstGeom prst="bentConnector2">
             <a:avLst/>
@@ -4863,7 +4865,7 @@
         </p:nvSpPr>
         <p:spPr>
           <a:xfrm rot="16200000">
-            <a:off x="6213739" y="4560376"/>
+            <a:off x="7913178" y="3417377"/>
             <a:ext cx="1371599" cy="328045"/>
           </a:xfrm>
           <a:prstGeom prst="roundRect">
@@ -4923,7 +4925,7 @@
         </p:nvSpPr>
         <p:spPr>
           <a:xfrm rot="16200000">
-            <a:off x="956202" y="2861202"/>
+            <a:off x="-145733" y="1718202"/>
             <a:ext cx="1093635" cy="346760"/>
           </a:xfrm>
           <a:prstGeom prst="rect">
@@ -4993,7 +4995,7 @@
         </p:nvSpPr>
         <p:spPr>
           <a:xfrm flipV="1">
-            <a:off x="1367767" y="2286001"/>
+            <a:off x="265832" y="1143001"/>
             <a:ext cx="270504" cy="175523"/>
           </a:xfrm>
           <a:prstGeom prst="triangle">
@@ -5044,7 +5046,7 @@
         </p:nvCxnSpPr>
         <p:spPr>
           <a:xfrm rot="10800000" flipV="1">
-            <a:off x="1503020" y="1944303"/>
+            <a:off x="401085" y="801303"/>
             <a:ext cx="589823" cy="341697"/>
           </a:xfrm>
           <a:prstGeom prst="bentConnector2">
@@ -5086,7 +5088,7 @@
         </p:nvCxnSpPr>
         <p:spPr>
           <a:xfrm rot="16200000" flipH="1">
-            <a:off x="2226110" y="3058040"/>
+            <a:off x="1124175" y="1915040"/>
             <a:ext cx="554704" cy="174673"/>
           </a:xfrm>
           <a:prstGeom prst="bentConnector2">
@@ -5127,7 +5129,7 @@
         </p:nvCxnSpPr>
         <p:spPr>
           <a:xfrm rot="5400000">
-            <a:off x="4205956" y="1766207"/>
+            <a:off x="3104021" y="623207"/>
             <a:ext cx="804221" cy="1843806"/>
           </a:xfrm>
           <a:prstGeom prst="bentConnector2">
@@ -5168,7 +5170,7 @@
         </p:nvCxnSpPr>
         <p:spPr>
           <a:xfrm rot="16200000" flipH="1">
-            <a:off x="3430123" y="3938021"/>
+            <a:off x="2328188" y="2945113"/>
             <a:ext cx="118421" cy="699979"/>
           </a:xfrm>
           <a:prstGeom prst="bentConnector2">
@@ -5209,8 +5211,8 @@
         </p:nvCxnSpPr>
         <p:spPr>
           <a:xfrm rot="5400000">
-            <a:off x="3695875" y="2276286"/>
-            <a:ext cx="1824381" cy="1843808"/>
+            <a:off x="2518894" y="1208332"/>
+            <a:ext cx="1974473" cy="1843808"/>
           </a:xfrm>
           <a:prstGeom prst="bentConnector2">
             <a:avLst/>
@@ -5247,7 +5249,7 @@
         </p:nvSpPr>
         <p:spPr>
           <a:xfrm>
-            <a:off x="5422048" y="2339335"/>
+            <a:off x="4320113" y="1196335"/>
             <a:ext cx="229325" cy="166560"/>
           </a:xfrm>
           <a:prstGeom prst="rect">
@@ -5299,9 +5301,9 @@
           <p:nvPr/>
         </p:nvSpPr>
         <p:spPr>
-          <a:xfrm>
-            <a:off x="3186477" y="2405681"/>
-            <a:ext cx="3537529" cy="45719"/>
+          <a:xfrm flipV="1">
+            <a:off x="2590800" y="2385830"/>
+            <a:ext cx="5844154" cy="45719"/>
           </a:xfrm>
           <a:custGeom>
             <a:avLst/>
@@ -5382,7 +5384,7 @@
         </p:nvSpPr>
         <p:spPr>
           <a:xfrm>
-            <a:off x="5431573" y="4488138"/>
+            <a:off x="4329638" y="3345138"/>
             <a:ext cx="229325" cy="160062"/>
           </a:xfrm>
           <a:prstGeom prst="rect">
@@ -5435,8 +5437,8 @@
         </p:nvSpPr>
         <p:spPr>
           <a:xfrm flipV="1">
-            <a:off x="4114799" y="4472708"/>
-            <a:ext cx="2642195" cy="101600"/>
+            <a:off x="3266270" y="3496959"/>
+            <a:ext cx="5183992" cy="236841"/>
           </a:xfrm>
           <a:custGeom>
             <a:avLst/>
@@ -5509,6 +5511,579 @@
           </a:p>
         </p:txBody>
       </p:sp>
+      <p:sp>
+        <p:nvSpPr>
+          <p:cNvPr id="42" name="Rectangle 11">
+            <a:extLst>
+              <a:ext uri="{FF2B5EF4-FFF2-40B4-BE49-F238E27FC236}">
+                <a16:creationId xmlns:a16="http://schemas.microsoft.com/office/drawing/2014/main" id="{ED1AB0AC-381E-4E0D-9DA7-AE617FAA95CA}"/>
+              </a:ext>
+            </a:extLst>
+          </p:cNvPr>
+          <p:cNvSpPr/>
+          <p:nvPr/>
+        </p:nvSpPr>
+        <p:spPr>
+          <a:xfrm>
+            <a:off x="2707472" y="2743201"/>
+            <a:ext cx="1040906" cy="236841"/>
+          </a:xfrm>
+          <a:prstGeom prst="rect">
+            <a:avLst/>
+          </a:prstGeom>
+          <a:ln w="19050">
+            <a:solidFill>
+              <a:schemeClr val="accent3"/>
+            </a:solidFill>
+          </a:ln>
+          <a:effectLst/>
+        </p:spPr>
+        <p:style>
+          <a:lnRef idx="1">
+            <a:schemeClr val="accent3"/>
+          </a:lnRef>
+          <a:fillRef idx="2">
+            <a:schemeClr val="accent3"/>
+          </a:fillRef>
+          <a:effectRef idx="1">
+            <a:schemeClr val="accent3"/>
+          </a:effectRef>
+          <a:fontRef idx="minor">
+            <a:schemeClr val="dk1"/>
+          </a:fontRef>
+        </p:style>
+        <p:txBody>
+          <a:bodyPr rtlCol="0" anchor="ctr"/>
+          <a:lstStyle/>
+          <a:p>
+            <a:pPr algn="ctr"/>
+            <a:r>
+              <a:rPr lang="en-US" sz="1050" b="1" dirty="0" err="1">
+                <a:solidFill>
+                  <a:schemeClr val="accent3">
+                    <a:lumMod val="75000"/>
+                  </a:schemeClr>
+                </a:solidFill>
+              </a:rPr>
+              <a:t>JobCard</a:t>
+            </a:r>
+            <a:endParaRPr lang="en-SG" sz="1050" b="1" dirty="0">
+              <a:solidFill>
+                <a:schemeClr val="accent3">
+                  <a:lumMod val="75000"/>
+                </a:schemeClr>
+              </a:solidFill>
+            </a:endParaRPr>
+          </a:p>
+        </p:txBody>
+      </p:sp>
+      <p:cxnSp>
+        <p:nvCxnSpPr>
+          <p:cNvPr id="45" name="Elbow Connector 136">
+            <a:extLst>
+              <a:ext uri="{FF2B5EF4-FFF2-40B4-BE49-F238E27FC236}">
+                <a16:creationId xmlns:a16="http://schemas.microsoft.com/office/drawing/2014/main" id="{29508AB2-6552-49A5-A030-F222CD361796}"/>
+              </a:ext>
+            </a:extLst>
+          </p:cNvPr>
+          <p:cNvCxnSpPr>
+            <a:endCxn id="42" idx="1"/>
+          </p:cNvCxnSpPr>
+          <p:nvPr/>
+        </p:nvCxnSpPr>
+        <p:spPr>
+          <a:xfrm rot="16200000" flipH="1">
+            <a:off x="2298272" y="2452421"/>
+            <a:ext cx="118421" cy="699979"/>
+          </a:xfrm>
+          <a:prstGeom prst="bentConnector2">
+            <a:avLst/>
+          </a:prstGeom>
+          <a:ln w="19050">
+            <a:solidFill>
+              <a:schemeClr val="accent3"/>
+            </a:solidFill>
+            <a:headEnd type="none" w="med" len="med"/>
+            <a:tailEnd type="arrow" w="med" len="med"/>
+          </a:ln>
+          <a:effectLst/>
+        </p:spPr>
+        <p:style>
+          <a:lnRef idx="1">
+            <a:schemeClr val="accent2"/>
+          </a:lnRef>
+          <a:fillRef idx="2">
+            <a:schemeClr val="accent2"/>
+          </a:fillRef>
+          <a:effectRef idx="1">
+            <a:schemeClr val="accent2"/>
+          </a:effectRef>
+          <a:fontRef idx="minor">
+            <a:schemeClr val="dk1"/>
+          </a:fontRef>
+        </p:style>
+      </p:cxnSp>
+      <p:sp>
+        <p:nvSpPr>
+          <p:cNvPr id="46" name="Rectangle 45">
+            <a:extLst>
+              <a:ext uri="{FF2B5EF4-FFF2-40B4-BE49-F238E27FC236}">
+                <a16:creationId xmlns:a16="http://schemas.microsoft.com/office/drawing/2014/main" id="{CE843028-AA2E-46A2-8DC3-938386F39C13}"/>
+              </a:ext>
+            </a:extLst>
+          </p:cNvPr>
+          <p:cNvSpPr/>
+          <p:nvPr/>
+        </p:nvSpPr>
+        <p:spPr>
+          <a:xfrm>
+            <a:off x="4299722" y="2852446"/>
+            <a:ext cx="229325" cy="160062"/>
+          </a:xfrm>
+          <a:prstGeom prst="rect">
+            <a:avLst/>
+          </a:prstGeom>
+          <a:solidFill>
+            <a:schemeClr val="accent3">
+              <a:lumMod val="20000"/>
+              <a:lumOff val="80000"/>
+              <a:alpha val="80000"/>
+            </a:schemeClr>
+          </a:solidFill>
+          <a:ln>
+            <a:noFill/>
+          </a:ln>
+          <a:effectLst>
+            <a:softEdge rad="31750"/>
+          </a:effectLst>
+        </p:spPr>
+        <p:style>
+          <a:lnRef idx="2">
+            <a:schemeClr val="accent1">
+              <a:shade val="50000"/>
+            </a:schemeClr>
+          </a:lnRef>
+          <a:fillRef idx="1">
+            <a:schemeClr val="accent1"/>
+          </a:fillRef>
+          <a:effectRef idx="0">
+            <a:schemeClr val="accent1"/>
+          </a:effectRef>
+          <a:fontRef idx="minor">
+            <a:schemeClr val="lt1"/>
+          </a:fontRef>
+        </p:style>
+        <p:txBody>
+          <a:bodyPr rtlCol="0" anchor="ctr"/>
+          <a:lstStyle/>
+          <a:p>
+            <a:pPr algn="ctr"/>
+            <a:endParaRPr lang="en-SG"/>
+          </a:p>
+        </p:txBody>
+      </p:sp>
+      <p:sp>
+        <p:nvSpPr>
+          <p:cNvPr id="48" name="Freeform 117">
+            <a:extLst>
+              <a:ext uri="{FF2B5EF4-FFF2-40B4-BE49-F238E27FC236}">
+                <a16:creationId xmlns:a16="http://schemas.microsoft.com/office/drawing/2014/main" id="{0FB44C70-4CD9-4AEB-8C32-351A6B77D051}"/>
+              </a:ext>
+            </a:extLst>
+          </p:cNvPr>
+          <p:cNvSpPr/>
+          <p:nvPr/>
+        </p:nvSpPr>
+        <p:spPr>
+          <a:xfrm flipV="1">
+            <a:off x="3236354" y="3004267"/>
+            <a:ext cx="5183992" cy="236841"/>
+          </a:xfrm>
+          <a:custGeom>
+            <a:avLst/>
+            <a:gdLst>
+              <a:gd name="connsiteX0" fmla="*/ 0 w 3048000"/>
+              <a:gd name="connsiteY0" fmla="*/ 203200 h 203200"/>
+              <a:gd name="connsiteX1" fmla="*/ 221673 w 3048000"/>
+              <a:gd name="connsiteY1" fmla="*/ 0 h 203200"/>
+              <a:gd name="connsiteX2" fmla="*/ 3048000 w 3048000"/>
+              <a:gd name="connsiteY2" fmla="*/ 0 h 203200"/>
+            </a:gdLst>
+            <a:ahLst/>
+            <a:cxnLst>
+              <a:cxn ang="0">
+                <a:pos x="connsiteX0" y="connsiteY0"/>
+              </a:cxn>
+              <a:cxn ang="0">
+                <a:pos x="connsiteX1" y="connsiteY1"/>
+              </a:cxn>
+              <a:cxn ang="0">
+                <a:pos x="connsiteX2" y="connsiteY2"/>
+              </a:cxn>
+            </a:cxnLst>
+            <a:rect l="l" t="t" r="r" b="b"/>
+            <a:pathLst>
+              <a:path w="3048000" h="203200">
+                <a:moveTo>
+                  <a:pt x="0" y="203200"/>
+                </a:moveTo>
+                <a:lnTo>
+                  <a:pt x="221673" y="0"/>
+                </a:lnTo>
+                <a:lnTo>
+                  <a:pt x="3048000" y="0"/>
+                </a:lnTo>
+              </a:path>
+            </a:pathLst>
+          </a:custGeom>
+          <a:noFill/>
+          <a:ln w="19050">
+            <a:solidFill>
+              <a:schemeClr val="accent3"/>
+            </a:solidFill>
+            <a:prstDash val="sysDot"/>
+            <a:headEnd type="none" w="med" len="med"/>
+            <a:tailEnd type="arrow" w="med" len="med"/>
+          </a:ln>
+          <a:effectLst/>
+        </p:spPr>
+        <p:style>
+          <a:lnRef idx="1">
+            <a:schemeClr val="accent2"/>
+          </a:lnRef>
+          <a:fillRef idx="2">
+            <a:schemeClr val="accent2"/>
+          </a:fillRef>
+          <a:effectRef idx="1">
+            <a:schemeClr val="accent2"/>
+          </a:effectRef>
+          <a:fontRef idx="minor">
+            <a:schemeClr val="dk1"/>
+          </a:fontRef>
+        </p:style>
+        <p:txBody>
+          <a:bodyPr rtlCol="0" anchor="ctr"/>
+          <a:lstStyle/>
+          <a:p>
+            <a:pPr algn="ctr"/>
+            <a:endParaRPr lang="en-SG"/>
+          </a:p>
+        </p:txBody>
+      </p:sp>
+      <p:cxnSp>
+        <p:nvCxnSpPr>
+          <p:cNvPr id="49" name="Elbow Connector 63">
+            <a:extLst>
+              <a:ext uri="{FF2B5EF4-FFF2-40B4-BE49-F238E27FC236}">
+                <a16:creationId xmlns:a16="http://schemas.microsoft.com/office/drawing/2014/main" id="{D8353409-9EFF-49F7-B1EE-21FE4E8A1CF0}"/>
+              </a:ext>
+            </a:extLst>
+          </p:cNvPr>
+          <p:cNvCxnSpPr>
+            <a:cxnSpLocks/>
+          </p:cNvCxnSpPr>
+          <p:nvPr/>
+        </p:nvCxnSpPr>
+        <p:spPr>
+          <a:xfrm rot="16200000" flipH="1">
+            <a:off x="-76039" y="2745677"/>
+            <a:ext cx="2774479" cy="410027"/>
+          </a:xfrm>
+          <a:prstGeom prst="bentConnector3">
+            <a:avLst>
+              <a:gd name="adj1" fmla="val 99986"/>
+            </a:avLst>
+          </a:prstGeom>
+          <a:ln w="19050">
+            <a:solidFill>
+              <a:schemeClr val="accent3"/>
+            </a:solidFill>
+            <a:headEnd type="none" w="med" len="med"/>
+            <a:tailEnd type="arrow" w="med" len="med"/>
+          </a:ln>
+          <a:effectLst/>
+        </p:spPr>
+        <p:style>
+          <a:lnRef idx="1">
+            <a:schemeClr val="accent2"/>
+          </a:lnRef>
+          <a:fillRef idx="2">
+            <a:schemeClr val="accent2"/>
+          </a:fillRef>
+          <a:effectRef idx="1">
+            <a:schemeClr val="accent2"/>
+          </a:effectRef>
+          <a:fontRef idx="minor">
+            <a:schemeClr val="dk1"/>
+          </a:fontRef>
+        </p:style>
+      </p:cxnSp>
+      <p:sp>
+        <p:nvSpPr>
+          <p:cNvPr id="56" name="Rectangle 11">
+            <a:extLst>
+              <a:ext uri="{FF2B5EF4-FFF2-40B4-BE49-F238E27FC236}">
+                <a16:creationId xmlns:a16="http://schemas.microsoft.com/office/drawing/2014/main" id="{F202BD84-DC57-487E-B537-4118CAAEF0AE}"/>
+              </a:ext>
+            </a:extLst>
+          </p:cNvPr>
+          <p:cNvSpPr/>
+          <p:nvPr/>
+        </p:nvSpPr>
+        <p:spPr>
+          <a:xfrm>
+            <a:off x="1497165" y="4182759"/>
+            <a:ext cx="1093635" cy="236841"/>
+          </a:xfrm>
+          <a:prstGeom prst="rect">
+            <a:avLst/>
+          </a:prstGeom>
+          <a:ln w="19050">
+            <a:solidFill>
+              <a:schemeClr val="accent3"/>
+            </a:solidFill>
+          </a:ln>
+          <a:effectLst/>
+        </p:spPr>
+        <p:style>
+          <a:lnRef idx="1">
+            <a:schemeClr val="accent3"/>
+          </a:lnRef>
+          <a:fillRef idx="2">
+            <a:schemeClr val="accent3"/>
+          </a:fillRef>
+          <a:effectRef idx="1">
+            <a:schemeClr val="accent3"/>
+          </a:effectRef>
+          <a:fontRef idx="minor">
+            <a:schemeClr val="dk1"/>
+          </a:fontRef>
+        </p:style>
+        <p:txBody>
+          <a:bodyPr rtlCol="0" anchor="ctr"/>
+          <a:lstStyle/>
+          <a:p>
+            <a:pPr algn="ctr"/>
+            <a:r>
+              <a:rPr lang="en-US" sz="900" b="1" dirty="0" err="1">
+                <a:solidFill>
+                  <a:schemeClr val="accent3">
+                    <a:lumMod val="75000"/>
+                  </a:schemeClr>
+                </a:solidFill>
+              </a:rPr>
+              <a:t>AnalyticsWindow</a:t>
+            </a:r>
+            <a:endParaRPr lang="en-SG" sz="1050" b="1" dirty="0">
+              <a:solidFill>
+                <a:schemeClr val="accent3">
+                  <a:lumMod val="75000"/>
+                </a:schemeClr>
+              </a:solidFill>
+            </a:endParaRPr>
+          </a:p>
+        </p:txBody>
+      </p:sp>
+      <p:cxnSp>
+        <p:nvCxnSpPr>
+          <p:cNvPr id="59" name="Elbow Connector 63">
+            <a:extLst>
+              <a:ext uri="{FF2B5EF4-FFF2-40B4-BE49-F238E27FC236}">
+                <a16:creationId xmlns:a16="http://schemas.microsoft.com/office/drawing/2014/main" id="{80AD89D5-C5A2-4687-A21F-1DED6680BC13}"/>
+              </a:ext>
+            </a:extLst>
+          </p:cNvPr>
+          <p:cNvCxnSpPr>
+            <a:cxnSpLocks/>
+          </p:cNvCxnSpPr>
+          <p:nvPr/>
+        </p:nvCxnSpPr>
+        <p:spPr>
+          <a:xfrm rot="16200000" flipH="1">
+            <a:off x="-261533" y="2807833"/>
+            <a:ext cx="3042530" cy="474866"/>
+          </a:xfrm>
+          <a:prstGeom prst="bentConnector2">
+            <a:avLst/>
+          </a:prstGeom>
+          <a:ln w="19050">
+            <a:solidFill>
+              <a:schemeClr val="accent3"/>
+            </a:solidFill>
+            <a:headEnd type="none" w="med" len="med"/>
+            <a:tailEnd type="arrow" w="med" len="med"/>
+          </a:ln>
+          <a:effectLst/>
+        </p:spPr>
+        <p:style>
+          <a:lnRef idx="1">
+            <a:schemeClr val="accent2"/>
+          </a:lnRef>
+          <a:fillRef idx="2">
+            <a:schemeClr val="accent2"/>
+          </a:fillRef>
+          <a:effectRef idx="1">
+            <a:schemeClr val="accent2"/>
+          </a:effectRef>
+          <a:fontRef idx="minor">
+            <a:schemeClr val="dk1"/>
+          </a:fontRef>
+        </p:style>
+      </p:cxnSp>
+      <p:sp>
+        <p:nvSpPr>
+          <p:cNvPr id="62" name="Rectangle 11">
+            <a:extLst>
+              <a:ext uri="{FF2B5EF4-FFF2-40B4-BE49-F238E27FC236}">
+                <a16:creationId xmlns:a16="http://schemas.microsoft.com/office/drawing/2014/main" id="{6091F566-1581-4AFE-9B51-9E8E926766CD}"/>
+              </a:ext>
+            </a:extLst>
+          </p:cNvPr>
+          <p:cNvSpPr/>
+          <p:nvPr/>
+        </p:nvSpPr>
+        <p:spPr>
+          <a:xfrm>
+            <a:off x="1497165" y="4487559"/>
+            <a:ext cx="1093635" cy="236841"/>
+          </a:xfrm>
+          <a:prstGeom prst="rect">
+            <a:avLst/>
+          </a:prstGeom>
+          <a:ln w="19050">
+            <a:solidFill>
+              <a:schemeClr val="accent3"/>
+            </a:solidFill>
+          </a:ln>
+          <a:effectLst/>
+        </p:spPr>
+        <p:style>
+          <a:lnRef idx="1">
+            <a:schemeClr val="accent3"/>
+          </a:lnRef>
+          <a:fillRef idx="2">
+            <a:schemeClr val="accent3"/>
+          </a:fillRef>
+          <a:effectRef idx="1">
+            <a:schemeClr val="accent3"/>
+          </a:effectRef>
+          <a:fontRef idx="minor">
+            <a:schemeClr val="dk1"/>
+          </a:fontRef>
+        </p:style>
+        <p:txBody>
+          <a:bodyPr rtlCol="0" anchor="ctr"/>
+          <a:lstStyle/>
+          <a:p>
+            <a:pPr algn="ctr"/>
+            <a:r>
+              <a:rPr lang="en-US" sz="900" b="1" dirty="0" err="1">
+                <a:solidFill>
+                  <a:schemeClr val="accent3">
+                    <a:lumMod val="75000"/>
+                  </a:schemeClr>
+                </a:solidFill>
+              </a:rPr>
+              <a:t>InterviewWindow</a:t>
+            </a:r>
+            <a:endParaRPr lang="en-SG" sz="1050" b="1" dirty="0">
+              <a:solidFill>
+                <a:schemeClr val="accent3">
+                  <a:lumMod val="75000"/>
+                </a:schemeClr>
+              </a:solidFill>
+            </a:endParaRPr>
+          </a:p>
+        </p:txBody>
+      </p:sp>
+      <p:cxnSp>
+        <p:nvCxnSpPr>
+          <p:cNvPr id="69" name="Elbow Connector 63">
+            <a:extLst>
+              <a:ext uri="{FF2B5EF4-FFF2-40B4-BE49-F238E27FC236}">
+                <a16:creationId xmlns:a16="http://schemas.microsoft.com/office/drawing/2014/main" id="{340489D0-6E9F-41E0-A18D-F4C1B51AB330}"/>
+              </a:ext>
+            </a:extLst>
+          </p:cNvPr>
+          <p:cNvCxnSpPr/>
+          <p:nvPr/>
+        </p:nvCxnSpPr>
+        <p:spPr>
+          <a:xfrm rot="5400000">
+            <a:off x="2114225" y="2010574"/>
+            <a:ext cx="2798421" cy="1843806"/>
+          </a:xfrm>
+          <a:prstGeom prst="bentConnector2">
+            <a:avLst/>
+          </a:prstGeom>
+          <a:ln w="6350">
+            <a:solidFill>
+              <a:schemeClr val="accent3"/>
+            </a:solidFill>
+            <a:headEnd type="none" w="med" len="med"/>
+            <a:tailEnd type="none" w="med" len="med"/>
+          </a:ln>
+          <a:effectLst/>
+        </p:spPr>
+        <p:style>
+          <a:lnRef idx="1">
+            <a:schemeClr val="accent2"/>
+          </a:lnRef>
+          <a:fillRef idx="2">
+            <a:schemeClr val="accent2"/>
+          </a:fillRef>
+          <a:effectRef idx="1">
+            <a:schemeClr val="accent2"/>
+          </a:effectRef>
+          <a:fontRef idx="minor">
+            <a:schemeClr val="dk1"/>
+          </a:fontRef>
+        </p:style>
+      </p:cxnSp>
+      <p:cxnSp>
+        <p:nvCxnSpPr>
+          <p:cNvPr id="70" name="Elbow Connector 63">
+            <a:extLst>
+              <a:ext uri="{FF2B5EF4-FFF2-40B4-BE49-F238E27FC236}">
+                <a16:creationId xmlns:a16="http://schemas.microsoft.com/office/drawing/2014/main" id="{B3180CC6-5C2E-4FA0-A910-51A5AC396F93}"/>
+              </a:ext>
+            </a:extLst>
+          </p:cNvPr>
+          <p:cNvCxnSpPr/>
+          <p:nvPr/>
+        </p:nvCxnSpPr>
+        <p:spPr>
+          <a:xfrm rot="5400000">
+            <a:off x="2096924" y="2292880"/>
+            <a:ext cx="2798421" cy="1843806"/>
+          </a:xfrm>
+          <a:prstGeom prst="bentConnector2">
+            <a:avLst/>
+          </a:prstGeom>
+          <a:ln w="6350">
+            <a:solidFill>
+              <a:schemeClr val="accent3"/>
+            </a:solidFill>
+            <a:headEnd type="none" w="med" len="med"/>
+            <a:tailEnd type="none" w="med" len="med"/>
+          </a:ln>
+          <a:effectLst/>
+        </p:spPr>
+        <p:style>
+          <a:lnRef idx="1">
+            <a:schemeClr val="accent2"/>
+          </a:lnRef>
+          <a:fillRef idx="2">
+            <a:schemeClr val="accent2"/>
+          </a:fillRef>
+          <a:effectRef idx="1">
+            <a:schemeClr val="accent2"/>
+          </a:effectRef>
+          <a:fontRef idx="minor">
+            <a:schemeClr val="dk1"/>
+          </a:fontRef>
+        </p:style>
+      </p:cxnSp>
     </p:spTree>
     <p:extLst>
       <p:ext uri="{BB962C8B-B14F-4D97-AF65-F5344CB8AC3E}">

--- a/docs/diagrams/UiComponentClassDiagram.pptx
+++ b/docs/diagrams/UiComponentClassDiagram.pptx
@@ -208,7 +208,7 @@
           <a:p>
             <a:fld id="{F5CC4B3F-88C1-4FFA-B1B6-F41C21DC6924}" type="datetimeFigureOut">
               <a:rPr lang="en-US" smtClean="0"/>
-              <a:t>12/15/2018</a:t>
+              <a:t>4/15/2019</a:t>
             </a:fld>
             <a:endParaRPr lang="en-US"/>
           </a:p>
@@ -654,7 +654,7 @@
           <a:p>
             <a:fld id="{78C97017-6FC3-485B-9764-EAC9E56C1D49}" type="datetimeFigureOut">
               <a:rPr lang="en-US" smtClean="0"/>
-              <a:t>12/15/2018</a:t>
+              <a:t>4/15/2019</a:t>
             </a:fld>
             <a:endParaRPr lang="en-US"/>
           </a:p>
@@ -822,7 +822,7 @@
           <a:p>
             <a:fld id="{78C97017-6FC3-485B-9764-EAC9E56C1D49}" type="datetimeFigureOut">
               <a:rPr lang="en-US" smtClean="0"/>
-              <a:t>12/15/2018</a:t>
+              <a:t>4/15/2019</a:t>
             </a:fld>
             <a:endParaRPr lang="en-US"/>
           </a:p>
@@ -1000,7 +1000,7 @@
           <a:p>
             <a:fld id="{78C97017-6FC3-485B-9764-EAC9E56C1D49}" type="datetimeFigureOut">
               <a:rPr lang="en-US" smtClean="0"/>
-              <a:t>12/15/2018</a:t>
+              <a:t>4/15/2019</a:t>
             </a:fld>
             <a:endParaRPr lang="en-US"/>
           </a:p>
@@ -1168,7 +1168,7 @@
           <a:p>
             <a:fld id="{78C97017-6FC3-485B-9764-EAC9E56C1D49}" type="datetimeFigureOut">
               <a:rPr lang="en-US" smtClean="0"/>
-              <a:t>12/15/2018</a:t>
+              <a:t>4/15/2019</a:t>
             </a:fld>
             <a:endParaRPr lang="en-US"/>
           </a:p>
@@ -1413,7 +1413,7 @@
           <a:p>
             <a:fld id="{78C97017-6FC3-485B-9764-EAC9E56C1D49}" type="datetimeFigureOut">
               <a:rPr lang="en-US" smtClean="0"/>
-              <a:t>12/15/2018</a:t>
+              <a:t>4/15/2019</a:t>
             </a:fld>
             <a:endParaRPr lang="en-US"/>
           </a:p>
@@ -1698,7 +1698,7 @@
           <a:p>
             <a:fld id="{78C97017-6FC3-485B-9764-EAC9E56C1D49}" type="datetimeFigureOut">
               <a:rPr lang="en-US" smtClean="0"/>
-              <a:t>12/15/2018</a:t>
+              <a:t>4/15/2019</a:t>
             </a:fld>
             <a:endParaRPr lang="en-US"/>
           </a:p>
@@ -2117,7 +2117,7 @@
           <a:p>
             <a:fld id="{78C97017-6FC3-485B-9764-EAC9E56C1D49}" type="datetimeFigureOut">
               <a:rPr lang="en-US" smtClean="0"/>
-              <a:t>12/15/2018</a:t>
+              <a:t>4/15/2019</a:t>
             </a:fld>
             <a:endParaRPr lang="en-US"/>
           </a:p>
@@ -2234,7 +2234,7 @@
           <a:p>
             <a:fld id="{78C97017-6FC3-485B-9764-EAC9E56C1D49}" type="datetimeFigureOut">
               <a:rPr lang="en-US" smtClean="0"/>
-              <a:t>12/15/2018</a:t>
+              <a:t>4/15/2019</a:t>
             </a:fld>
             <a:endParaRPr lang="en-US"/>
           </a:p>
@@ -2329,7 +2329,7 @@
           <a:p>
             <a:fld id="{78C97017-6FC3-485B-9764-EAC9E56C1D49}" type="datetimeFigureOut">
               <a:rPr lang="en-US" smtClean="0"/>
-              <a:t>12/15/2018</a:t>
+              <a:t>4/15/2019</a:t>
             </a:fld>
             <a:endParaRPr lang="en-US"/>
           </a:p>
@@ -2604,7 +2604,7 @@
           <a:p>
             <a:fld id="{78C97017-6FC3-485B-9764-EAC9E56C1D49}" type="datetimeFigureOut">
               <a:rPr lang="en-US" smtClean="0"/>
-              <a:t>12/15/2018</a:t>
+              <a:t>4/15/2019</a:t>
             </a:fld>
             <a:endParaRPr lang="en-US"/>
           </a:p>
@@ -2856,7 +2856,7 @@
           <a:p>
             <a:fld id="{78C97017-6FC3-485B-9764-EAC9E56C1D49}" type="datetimeFigureOut">
               <a:rPr lang="en-US" smtClean="0"/>
-              <a:t>12/15/2018</a:t>
+              <a:t>4/15/2019</a:t>
             </a:fld>
             <a:endParaRPr lang="en-US"/>
           </a:p>
@@ -3067,7 +3067,7 @@
           <a:p>
             <a:fld id="{78C97017-6FC3-485B-9764-EAC9E56C1D49}" type="datetimeFigureOut">
               <a:rPr lang="en-US" smtClean="0"/>
-              <a:t>12/15/2018</a:t>
+              <a:t>4/15/2019</a:t>
             </a:fld>
             <a:endParaRPr lang="en-US"/>
           </a:p>
@@ -3450,8 +3450,8 @@
         </p:nvSpPr>
         <p:spPr>
           <a:xfrm>
-            <a:off x="1217465" y="1447800"/>
-            <a:ext cx="4917083" cy="3962400"/>
+            <a:off x="914400" y="990111"/>
+            <a:ext cx="6477000" cy="5182085"/>
           </a:xfrm>
           <a:prstGeom prst="roundRect">
             <a:avLst>
@@ -3572,8 +3572,8 @@
         </p:nvSpPr>
         <p:spPr>
           <a:xfrm>
-            <a:off x="2592528" y="2971800"/>
-            <a:ext cx="1093635" cy="236841"/>
+            <a:off x="2588726" y="2865524"/>
+            <a:ext cx="1635499" cy="277614"/>
           </a:xfrm>
           <a:prstGeom prst="rect">
             <a:avLst/>
@@ -3734,7 +3734,7 @@
         </p:nvSpPr>
         <p:spPr>
           <a:xfrm rot="10800000" flipV="1">
-            <a:off x="5394717" y="2110477"/>
+            <a:off x="5958634" y="2163812"/>
             <a:ext cx="270504" cy="175523"/>
           </a:xfrm>
           <a:prstGeom prst="triangle">
@@ -3777,13 +3777,15 @@
       <p:cxnSp>
         <p:nvCxnSpPr>
           <p:cNvPr id="19" name="Elbow Connector 122"/>
-          <p:cNvCxnSpPr/>
+          <p:cNvCxnSpPr>
+            <a:cxnSpLocks/>
+          </p:cNvCxnSpPr>
           <p:nvPr/>
         </p:nvCxnSpPr>
         <p:spPr>
-          <a:xfrm flipV="1">
-            <a:off x="644735" y="2991937"/>
-            <a:ext cx="684904" cy="1"/>
+          <a:xfrm>
+            <a:off x="419411" y="2991937"/>
+            <a:ext cx="910228" cy="1"/>
           </a:xfrm>
           <a:prstGeom prst="bentConnector3">
             <a:avLst>
@@ -3825,16 +3827,16 @@
         </p:nvSpPr>
         <p:spPr>
           <a:xfrm rot="16200000">
-            <a:off x="5703829" y="2464877"/>
+            <a:off x="5703992" y="2209739"/>
             <a:ext cx="2362201" cy="328045"/>
           </a:xfrm>
           <a:prstGeom prst="roundRect">
             <a:avLst/>
           </a:prstGeom>
           <a:solidFill>
-            <a:schemeClr val="accent1">
-              <a:lumMod val="20000"/>
-              <a:lumOff val="80000"/>
+            <a:schemeClr val="tx2">
+              <a:lumMod val="60000"/>
+              <a:lumOff val="40000"/>
             </a:schemeClr>
           </a:solidFill>
           <a:ln w="19050">
@@ -3885,8 +3887,8 @@
         </p:nvSpPr>
         <p:spPr>
           <a:xfrm>
-            <a:off x="2592528" y="3649359"/>
-            <a:ext cx="1093635" cy="236841"/>
+            <a:off x="2592529" y="3819884"/>
+            <a:ext cx="1632598" cy="258459"/>
           </a:xfrm>
           <a:prstGeom prst="rect">
             <a:avLst/>
@@ -3925,7 +3927,7 @@
                   </a:schemeClr>
                 </a:solidFill>
               </a:rPr>
-              <a:t>BrowserPanel</a:t>
+              <a:t>RequestListPanel</a:t>
             </a:r>
             <a:endParaRPr lang="en-SG" sz="1050" b="1" dirty="0">
               <a:solidFill>
@@ -3945,8 +3947,8 @@
         </p:nvSpPr>
         <p:spPr>
           <a:xfrm>
-            <a:off x="2592527" y="4563759"/>
-            <a:ext cx="1093635" cy="236841"/>
+            <a:off x="2603502" y="4764808"/>
+            <a:ext cx="1606849" cy="285116"/>
           </a:xfrm>
           <a:prstGeom prst="rect">
             <a:avLst/>
@@ -3985,7 +3987,7 @@
                   </a:schemeClr>
                 </a:solidFill>
               </a:rPr>
-              <a:t>StatusBarFooter</a:t>
+              <a:t>HealthWorkerListPanel</a:t>
             </a:r>
             <a:endParaRPr lang="en-SG" sz="1050" b="1" dirty="0">
               <a:solidFill>
@@ -4005,8 +4007,8 @@
         </p:nvSpPr>
         <p:spPr>
           <a:xfrm>
-            <a:off x="2592526" y="3991960"/>
-            <a:ext cx="1093635" cy="236841"/>
+            <a:off x="2600281" y="4391892"/>
+            <a:ext cx="1631155" cy="254862"/>
           </a:xfrm>
           <a:prstGeom prst="rect">
             <a:avLst/>
@@ -4045,7 +4047,7 @@
                   </a:schemeClr>
                 </a:solidFill>
               </a:rPr>
-              <a:t>PersonListPanel</a:t>
+              <a:t>InfoPanel</a:t>
             </a:r>
             <a:endParaRPr lang="en-SG" sz="1050" b="1" dirty="0">
               <a:solidFill>
@@ -4065,8 +4067,8 @@
         </p:nvSpPr>
         <p:spPr>
           <a:xfrm>
-            <a:off x="3839323" y="4228801"/>
-            <a:ext cx="1040906" cy="236841"/>
+            <a:off x="4319066" y="4049685"/>
+            <a:ext cx="1632598" cy="271855"/>
           </a:xfrm>
           <a:prstGeom prst="rect">
             <a:avLst/>
@@ -4105,7 +4107,7 @@
                   </a:schemeClr>
                 </a:solidFill>
               </a:rPr>
-              <a:t>PersonCard</a:t>
+              <a:t>RequestCard</a:t>
             </a:r>
             <a:endParaRPr lang="en-SG" sz="1050" b="1" dirty="0">
               <a:solidFill>
@@ -4125,8 +4127,8 @@
         </p:nvSpPr>
         <p:spPr>
           <a:xfrm>
-            <a:off x="2592528" y="4966000"/>
-            <a:ext cx="1093635" cy="236841"/>
+            <a:off x="2580002" y="5730808"/>
+            <a:ext cx="1659782" cy="274161"/>
           </a:xfrm>
           <a:prstGeom prst="rect">
             <a:avLst/>
@@ -4229,6 +4231,7 @@
         <p:nvCxnSpPr>
           <p:cNvPr id="40" name="Elbow Connector 63"/>
           <p:cNvCxnSpPr>
+            <a:cxnSpLocks/>
             <a:stCxn id="39" idx="2"/>
             <a:endCxn id="3" idx="1"/>
           </p:cNvCxnSpPr>
@@ -4236,8 +4239,8 @@
         </p:nvCxnSpPr>
         <p:spPr>
           <a:xfrm rot="16200000" flipH="1">
-            <a:off x="2393229" y="2890922"/>
-            <a:ext cx="222196" cy="176402"/>
+            <a:off x="2434273" y="2849878"/>
+            <a:ext cx="136306" cy="172600"/>
           </a:xfrm>
           <a:prstGeom prst="bentConnector2">
             <a:avLst/>
@@ -4274,8 +4277,8 @@
         </p:nvSpPr>
         <p:spPr>
           <a:xfrm>
-            <a:off x="2590799" y="3304308"/>
-            <a:ext cx="1095361" cy="236841"/>
+            <a:off x="2588727" y="3429000"/>
+            <a:ext cx="1636400" cy="264578"/>
           </a:xfrm>
           <a:prstGeom prst="rect">
             <a:avLst/>
@@ -4330,6 +4333,7 @@
         <p:nvCxnSpPr>
           <p:cNvPr id="44" name="Elbow Connector 63"/>
           <p:cNvCxnSpPr>
+            <a:cxnSpLocks/>
             <a:stCxn id="39" idx="2"/>
             <a:endCxn id="34" idx="1"/>
           </p:cNvCxnSpPr>
@@ -4337,8 +4341,8 @@
         </p:nvCxnSpPr>
         <p:spPr>
           <a:xfrm rot="16200000" flipH="1">
-            <a:off x="2054450" y="3229701"/>
-            <a:ext cx="899755" cy="176402"/>
+            <a:off x="1963783" y="3320367"/>
+            <a:ext cx="1081089" cy="176403"/>
           </a:xfrm>
           <a:prstGeom prst="bentConnector2">
             <a:avLst/>
@@ -4371,6 +4375,7 @@
         <p:nvCxnSpPr>
           <p:cNvPr id="47" name="Elbow Connector 63"/>
           <p:cNvCxnSpPr>
+            <a:cxnSpLocks/>
             <a:stCxn id="39" idx="2"/>
             <a:endCxn id="36" idx="1"/>
           </p:cNvCxnSpPr>
@@ -4378,8 +4383,8 @@
         </p:nvCxnSpPr>
         <p:spPr>
           <a:xfrm rot="16200000" flipH="1">
-            <a:off x="1883148" y="3401003"/>
-            <a:ext cx="1242356" cy="176400"/>
+            <a:off x="1682554" y="3601596"/>
+            <a:ext cx="1651298" cy="184155"/>
           </a:xfrm>
           <a:prstGeom prst="bentConnector2">
             <a:avLst/>
@@ -4412,6 +4417,7 @@
         <p:nvCxnSpPr>
           <p:cNvPr id="50" name="Elbow Connector 63"/>
           <p:cNvCxnSpPr>
+            <a:cxnSpLocks/>
             <a:stCxn id="39" idx="2"/>
             <a:endCxn id="35" idx="1"/>
           </p:cNvCxnSpPr>
@@ -4419,8 +4425,8 @@
         </p:nvCxnSpPr>
         <p:spPr>
           <a:xfrm rot="16200000" flipH="1">
-            <a:off x="1597249" y="3686901"/>
-            <a:ext cx="1814155" cy="176401"/>
+            <a:off x="1490144" y="3794007"/>
+            <a:ext cx="2039341" cy="187376"/>
           </a:xfrm>
           <a:prstGeom prst="bentConnector2">
             <a:avLst/>
@@ -4453,14 +4459,15 @@
         <p:nvCxnSpPr>
           <p:cNvPr id="53" name="Elbow Connector 63"/>
           <p:cNvCxnSpPr>
+            <a:cxnSpLocks/>
             <a:endCxn id="38" idx="1"/>
           </p:cNvCxnSpPr>
           <p:nvPr/>
         </p:nvCxnSpPr>
         <p:spPr>
           <a:xfrm rot="16200000" flipH="1">
-            <a:off x="1184119" y="3676012"/>
-            <a:ext cx="2396440" cy="420377"/>
+            <a:off x="816474" y="4104361"/>
+            <a:ext cx="3179910" cy="347146"/>
           </a:xfrm>
           <a:prstGeom prst="bentConnector2">
             <a:avLst/>
@@ -4497,7 +4504,7 @@
         </p:nvSpPr>
         <p:spPr>
           <a:xfrm>
-            <a:off x="5143948" y="1770924"/>
+            <a:off x="5648476" y="1800130"/>
             <a:ext cx="772043" cy="346760"/>
           </a:xfrm>
           <a:prstGeom prst="rect">
@@ -4572,6 +4579,7 @@
         <p:nvCxnSpPr>
           <p:cNvPr id="74" name="Elbow Connector 63"/>
           <p:cNvCxnSpPr>
+            <a:cxnSpLocks/>
             <a:stCxn id="43" idx="3"/>
             <a:endCxn id="16" idx="3"/>
           </p:cNvCxnSpPr>
@@ -4579,8 +4587,8 @@
         </p:nvCxnSpPr>
         <p:spPr>
           <a:xfrm flipV="1">
-            <a:off x="3686160" y="2286000"/>
-            <a:ext cx="1843809" cy="1136729"/>
+            <a:off x="4225127" y="2339335"/>
+            <a:ext cx="1868759" cy="1221954"/>
           </a:xfrm>
           <a:prstGeom prst="bentConnector2">
             <a:avLst/>
@@ -4611,17 +4619,18 @@
       </p:cxnSp>
       <p:cxnSp>
         <p:nvCxnSpPr>
-          <p:cNvPr id="77" name="Elbow Connector 63"/>
+          <p:cNvPr id="82" name="Elbow Connector 63"/>
           <p:cNvCxnSpPr>
+            <a:cxnSpLocks/>
             <a:stCxn id="16" idx="3"/>
-            <a:endCxn id="37" idx="3"/>
+            <a:endCxn id="34" idx="3"/>
           </p:cNvCxnSpPr>
           <p:nvPr/>
         </p:nvCxnSpPr>
         <p:spPr>
           <a:xfrm rot="5400000">
-            <a:off x="4174488" y="2991741"/>
-            <a:ext cx="2061222" cy="649740"/>
+            <a:off x="4354618" y="2209845"/>
+            <a:ext cx="1609779" cy="1868759"/>
           </a:xfrm>
           <a:prstGeom prst="bentConnector2">
             <a:avLst/>
@@ -4652,17 +4661,16 @@
       </p:cxnSp>
       <p:cxnSp>
         <p:nvCxnSpPr>
-          <p:cNvPr id="82" name="Elbow Connector 63"/>
+          <p:cNvPr id="88" name="Elbow Connector 63"/>
           <p:cNvCxnSpPr>
-            <a:stCxn id="16" idx="3"/>
-            <a:endCxn id="34" idx="3"/>
+            <a:cxnSpLocks/>
           </p:cNvCxnSpPr>
           <p:nvPr/>
         </p:nvCxnSpPr>
         <p:spPr>
-          <a:xfrm rot="5400000">
-            <a:off x="3867176" y="2104987"/>
-            <a:ext cx="1481780" cy="1843806"/>
+          <a:xfrm flipV="1">
+            <a:off x="3189583" y="2414843"/>
+            <a:ext cx="2904303" cy="175265"/>
           </a:xfrm>
           <a:prstGeom prst="bentConnector2">
             <a:avLst/>
@@ -4693,17 +4701,18 @@
       </p:cxnSp>
       <p:cxnSp>
         <p:nvCxnSpPr>
-          <p:cNvPr id="88" name="Elbow Connector 63"/>
+          <p:cNvPr id="91" name="Elbow Connector 63"/>
           <p:cNvCxnSpPr>
-            <a:stCxn id="2" idx="3"/>
-            <a:endCxn id="16" idx="3"/>
+            <a:cxnSpLocks/>
+            <a:stCxn id="16" idx="3"/>
+            <a:endCxn id="35" idx="3"/>
           </p:cNvCxnSpPr>
           <p:nvPr/>
         </p:nvCxnSpPr>
         <p:spPr>
-          <a:xfrm flipV="1">
-            <a:off x="3189583" y="2286000"/>
-            <a:ext cx="2340386" cy="228600"/>
+          <a:xfrm rot="5400000">
+            <a:off x="3868104" y="2681583"/>
+            <a:ext cx="2568031" cy="1883535"/>
           </a:xfrm>
           <a:prstGeom prst="bentConnector2">
             <a:avLst/>
@@ -4734,49 +4743,9 @@
       </p:cxnSp>
       <p:cxnSp>
         <p:nvCxnSpPr>
-          <p:cNvPr id="91" name="Elbow Connector 63"/>
-          <p:cNvCxnSpPr>
-            <a:stCxn id="16" idx="3"/>
-            <a:endCxn id="35" idx="3"/>
-          </p:cNvCxnSpPr>
-          <p:nvPr/>
-        </p:nvCxnSpPr>
-        <p:spPr>
-          <a:xfrm rot="5400000">
-            <a:off x="3409976" y="2562187"/>
-            <a:ext cx="2396180" cy="1843807"/>
-          </a:xfrm>
-          <a:prstGeom prst="bentConnector2">
-            <a:avLst/>
-          </a:prstGeom>
-          <a:ln w="6350">
-            <a:solidFill>
-              <a:schemeClr val="accent3"/>
-            </a:solidFill>
-            <a:headEnd type="none" w="med" len="med"/>
-            <a:tailEnd type="none" w="med" len="med"/>
-          </a:ln>
-          <a:effectLst/>
-        </p:spPr>
-        <p:style>
-          <a:lnRef idx="1">
-            <a:schemeClr val="accent2"/>
-          </a:lnRef>
-          <a:fillRef idx="2">
-            <a:schemeClr val="accent2"/>
-          </a:fillRef>
-          <a:effectRef idx="1">
-            <a:schemeClr val="accent2"/>
-          </a:effectRef>
-          <a:fontRef idx="minor">
-            <a:schemeClr val="dk1"/>
-          </a:fontRef>
-        </p:style>
-      </p:cxnSp>
-      <p:cxnSp>
-        <p:nvCxnSpPr>
           <p:cNvPr id="94" name="Elbow Connector 63"/>
           <p:cNvCxnSpPr>
+            <a:cxnSpLocks/>
             <a:stCxn id="16" idx="3"/>
             <a:endCxn id="38" idx="3"/>
           </p:cNvCxnSpPr>
@@ -4784,8 +4753,8 @@
         </p:nvCxnSpPr>
         <p:spPr>
           <a:xfrm rot="5400000">
-            <a:off x="3208856" y="2763307"/>
-            <a:ext cx="2798421" cy="1843806"/>
+            <a:off x="3402558" y="3176561"/>
+            <a:ext cx="3528554" cy="1854102"/>
           </a:xfrm>
           <a:prstGeom prst="bentConnector2">
             <a:avLst/>
@@ -4863,16 +4832,15 @@
         </p:nvSpPr>
         <p:spPr>
           <a:xfrm rot="16200000">
-            <a:off x="6213739" y="4560376"/>
-            <a:ext cx="1371599" cy="328045"/>
+            <a:off x="6062353" y="4717272"/>
+            <a:ext cx="1673923" cy="328045"/>
           </a:xfrm>
           <a:prstGeom prst="roundRect">
             <a:avLst/>
           </a:prstGeom>
           <a:solidFill>
             <a:schemeClr val="accent4">
-              <a:lumMod val="20000"/>
-              <a:lumOff val="80000"/>
+              <a:lumMod val="75000"/>
             </a:schemeClr>
           </a:solidFill>
           <a:ln w="19050">
@@ -5079,6 +5047,7 @@
         <p:nvCxnSpPr>
           <p:cNvPr id="131" name="Elbow Connector 130"/>
           <p:cNvCxnSpPr>
+            <a:cxnSpLocks/>
             <a:stCxn id="39" idx="2"/>
             <a:endCxn id="43" idx="1"/>
           </p:cNvCxnSpPr>
@@ -5086,8 +5055,8 @@
         </p:nvCxnSpPr>
         <p:spPr>
           <a:xfrm rot="16200000" flipH="1">
-            <a:off x="2226110" y="3058040"/>
-            <a:ext cx="554704" cy="174673"/>
+            <a:off x="2155794" y="3128356"/>
+            <a:ext cx="693264" cy="172601"/>
           </a:xfrm>
           <a:prstGeom prst="bentConnector2">
             <a:avLst/>
@@ -5120,6 +5089,7 @@
         <p:nvCxnSpPr>
           <p:cNvPr id="132" name="Elbow Connector 63"/>
           <p:cNvCxnSpPr>
+            <a:cxnSpLocks/>
             <a:stCxn id="16" idx="3"/>
             <a:endCxn id="3" idx="3"/>
           </p:cNvCxnSpPr>
@@ -5127,8 +5097,8 @@
         </p:nvCxnSpPr>
         <p:spPr>
           <a:xfrm rot="5400000">
-            <a:off x="4205956" y="1766207"/>
-            <a:ext cx="804221" cy="1843806"/>
+            <a:off x="4826558" y="1737003"/>
+            <a:ext cx="664996" cy="1869661"/>
           </a:xfrm>
           <a:prstGeom prst="bentConnector2">
             <a:avLst/>
@@ -5161,18 +5131,19 @@
         <p:nvCxnSpPr>
           <p:cNvPr id="137" name="Elbow Connector 136"/>
           <p:cNvCxnSpPr>
-            <a:stCxn id="36" idx="2"/>
-            <a:endCxn id="37" idx="1"/>
+            <a:cxnSpLocks/>
           </p:cNvCxnSpPr>
           <p:nvPr/>
         </p:nvCxnSpPr>
         <p:spPr>
-          <a:xfrm rot="16200000" flipH="1">
-            <a:off x="3430123" y="3938021"/>
-            <a:ext cx="118421" cy="699979"/>
-          </a:xfrm>
-          <a:prstGeom prst="bentConnector2">
-            <a:avLst/>
+          <a:xfrm>
+            <a:off x="3286385" y="4081621"/>
+            <a:ext cx="1040624" cy="100014"/>
+          </a:xfrm>
+          <a:prstGeom prst="bentConnector3">
+            <a:avLst>
+              <a:gd name="adj1" fmla="val 939"/>
+            </a:avLst>
           </a:prstGeom>
           <a:ln w="19050">
             <a:solidFill>
@@ -5202,15 +5173,14 @@
         <p:nvCxnSpPr>
           <p:cNvPr id="140" name="Elbow Connector 63"/>
           <p:cNvCxnSpPr>
-            <a:stCxn id="16" idx="3"/>
-            <a:endCxn id="36" idx="3"/>
+            <a:cxnSpLocks/>
           </p:cNvCxnSpPr>
           <p:nvPr/>
         </p:nvCxnSpPr>
         <p:spPr>
           <a:xfrm rot="5400000">
-            <a:off x="3695875" y="2276286"/>
-            <a:ext cx="1824381" cy="1843808"/>
+            <a:off x="4106357" y="2517267"/>
+            <a:ext cx="2140357" cy="1862453"/>
           </a:xfrm>
           <a:prstGeom prst="bentConnector2">
             <a:avLst/>
@@ -5300,7 +5270,7 @@
         </p:nvSpPr>
         <p:spPr>
           <a:xfrm>
-            <a:off x="3186477" y="2405681"/>
+            <a:off x="3178692" y="2459679"/>
             <a:ext cx="3537529" cy="45719"/>
           </a:xfrm>
           <a:custGeom>
@@ -5376,13 +5346,133 @@
       </p:sp>
       <p:sp>
         <p:nvSpPr>
-          <p:cNvPr id="144" name="Rectangle 143"/>
+          <p:cNvPr id="98" name="Rectangle 11">
+            <a:extLst>
+              <a:ext uri="{FF2B5EF4-FFF2-40B4-BE49-F238E27FC236}">
+                <a16:creationId xmlns:a16="http://schemas.microsoft.com/office/drawing/2014/main" id="{7F7C9473-BB79-4684-98E8-4808CB9D2895}"/>
+              </a:ext>
+            </a:extLst>
+          </p:cNvPr>
           <p:cNvSpPr/>
           <p:nvPr/>
         </p:nvSpPr>
         <p:spPr>
           <a:xfrm>
-            <a:off x="5431573" y="4488138"/>
+            <a:off x="4303826" y="5027993"/>
+            <a:ext cx="1641026" cy="294349"/>
+          </a:xfrm>
+          <a:prstGeom prst="rect">
+            <a:avLst/>
+          </a:prstGeom>
+          <a:ln w="19050">
+            <a:solidFill>
+              <a:schemeClr val="accent3"/>
+            </a:solidFill>
+          </a:ln>
+          <a:effectLst/>
+        </p:spPr>
+        <p:style>
+          <a:lnRef idx="1">
+            <a:schemeClr val="accent3"/>
+          </a:lnRef>
+          <a:fillRef idx="2">
+            <a:schemeClr val="accent3"/>
+          </a:fillRef>
+          <a:effectRef idx="1">
+            <a:schemeClr val="accent3"/>
+          </a:effectRef>
+          <a:fontRef idx="minor">
+            <a:schemeClr val="dk1"/>
+          </a:fontRef>
+        </p:style>
+        <p:txBody>
+          <a:bodyPr rtlCol="0" anchor="ctr"/>
+          <a:lstStyle/>
+          <a:p>
+            <a:pPr algn="ctr"/>
+            <a:r>
+              <a:rPr lang="en-US" sz="1050" b="1" dirty="0" err="1">
+                <a:solidFill>
+                  <a:schemeClr val="accent3">
+                    <a:lumMod val="75000"/>
+                  </a:schemeClr>
+                </a:solidFill>
+              </a:rPr>
+              <a:t>HealthWorkerCard</a:t>
+            </a:r>
+            <a:endParaRPr lang="en-SG" sz="1050" b="1" dirty="0">
+              <a:solidFill>
+                <a:schemeClr val="accent3">
+                  <a:lumMod val="75000"/>
+                </a:schemeClr>
+              </a:solidFill>
+            </a:endParaRPr>
+          </a:p>
+        </p:txBody>
+      </p:sp>
+      <p:cxnSp>
+        <p:nvCxnSpPr>
+          <p:cNvPr id="99" name="Elbow Connector 136">
+            <a:extLst>
+              <a:ext uri="{FF2B5EF4-FFF2-40B4-BE49-F238E27FC236}">
+                <a16:creationId xmlns:a16="http://schemas.microsoft.com/office/drawing/2014/main" id="{D87DE750-1131-46BE-9236-7D760C997B9D}"/>
+              </a:ext>
+            </a:extLst>
+          </p:cNvPr>
+          <p:cNvCxnSpPr>
+            <a:cxnSpLocks/>
+          </p:cNvCxnSpPr>
+          <p:nvPr/>
+        </p:nvCxnSpPr>
+        <p:spPr>
+          <a:xfrm>
+            <a:off x="3321787" y="5065021"/>
+            <a:ext cx="997279" cy="104300"/>
+          </a:xfrm>
+          <a:prstGeom prst="bentConnector3">
+            <a:avLst>
+              <a:gd name="adj1" fmla="val 335"/>
+            </a:avLst>
+          </a:prstGeom>
+          <a:ln w="19050">
+            <a:solidFill>
+              <a:schemeClr val="accent3"/>
+            </a:solidFill>
+            <a:headEnd type="none" w="med" len="med"/>
+            <a:tailEnd type="arrow" w="med" len="med"/>
+          </a:ln>
+          <a:effectLst/>
+        </p:spPr>
+        <p:style>
+          <a:lnRef idx="1">
+            <a:schemeClr val="accent2"/>
+          </a:lnRef>
+          <a:fillRef idx="2">
+            <a:schemeClr val="accent2"/>
+          </a:fillRef>
+          <a:effectRef idx="1">
+            <a:schemeClr val="accent2"/>
+          </a:effectRef>
+          <a:fontRef idx="minor">
+            <a:schemeClr val="dk1"/>
+          </a:fontRef>
+        </p:style>
+      </p:cxnSp>
+      <p:sp>
+        <p:nvSpPr>
+          <p:cNvPr id="109" name="Rectangle 108">
+            <a:extLst>
+              <a:ext uri="{FF2B5EF4-FFF2-40B4-BE49-F238E27FC236}">
+                <a16:creationId xmlns:a16="http://schemas.microsoft.com/office/drawing/2014/main" id="{2CC37C1C-1763-42C9-B1D1-E32885736802}"/>
+              </a:ext>
+            </a:extLst>
+          </p:cNvPr>
+          <p:cNvSpPr/>
+          <p:nvPr/>
+        </p:nvSpPr>
+        <p:spPr>
+          <a:xfrm>
+            <a:off x="6000309" y="5348429"/>
             <a:ext cx="229325" cy="160062"/>
           </a:xfrm>
           <a:prstGeom prst="rect">
@@ -5429,14 +5519,645 @@
       </p:sp>
       <p:sp>
         <p:nvSpPr>
+          <p:cNvPr id="108" name="Freeform 117">
+            <a:extLst>
+              <a:ext uri="{FF2B5EF4-FFF2-40B4-BE49-F238E27FC236}">
+                <a16:creationId xmlns:a16="http://schemas.microsoft.com/office/drawing/2014/main" id="{699EE91E-23A2-4D02-A8B0-36708B9FD2D2}"/>
+              </a:ext>
+            </a:extLst>
+          </p:cNvPr>
+          <p:cNvSpPr/>
+          <p:nvPr/>
+        </p:nvSpPr>
+        <p:spPr>
+          <a:xfrm flipV="1">
+            <a:off x="5017128" y="5324569"/>
+            <a:ext cx="1718387" cy="92313"/>
+          </a:xfrm>
+          <a:custGeom>
+            <a:avLst/>
+            <a:gdLst>
+              <a:gd name="connsiteX0" fmla="*/ 0 w 3048000"/>
+              <a:gd name="connsiteY0" fmla="*/ 203200 h 203200"/>
+              <a:gd name="connsiteX1" fmla="*/ 221673 w 3048000"/>
+              <a:gd name="connsiteY1" fmla="*/ 0 h 203200"/>
+              <a:gd name="connsiteX2" fmla="*/ 3048000 w 3048000"/>
+              <a:gd name="connsiteY2" fmla="*/ 0 h 203200"/>
+            </a:gdLst>
+            <a:ahLst/>
+            <a:cxnLst>
+              <a:cxn ang="0">
+                <a:pos x="connsiteX0" y="connsiteY0"/>
+              </a:cxn>
+              <a:cxn ang="0">
+                <a:pos x="connsiteX1" y="connsiteY1"/>
+              </a:cxn>
+              <a:cxn ang="0">
+                <a:pos x="connsiteX2" y="connsiteY2"/>
+              </a:cxn>
+            </a:cxnLst>
+            <a:rect l="l" t="t" r="r" b="b"/>
+            <a:pathLst>
+              <a:path w="3048000" h="203200">
+                <a:moveTo>
+                  <a:pt x="0" y="203200"/>
+                </a:moveTo>
+                <a:lnTo>
+                  <a:pt x="221673" y="0"/>
+                </a:lnTo>
+                <a:lnTo>
+                  <a:pt x="3048000" y="0"/>
+                </a:lnTo>
+              </a:path>
+            </a:pathLst>
+          </a:custGeom>
+          <a:noFill/>
+          <a:ln w="19050">
+            <a:solidFill>
+              <a:schemeClr val="accent3"/>
+            </a:solidFill>
+            <a:prstDash val="sysDot"/>
+            <a:headEnd type="none" w="med" len="med"/>
+            <a:tailEnd type="arrow" w="med" len="med"/>
+          </a:ln>
+          <a:effectLst/>
+        </p:spPr>
+        <p:style>
+          <a:lnRef idx="1">
+            <a:schemeClr val="accent2"/>
+          </a:lnRef>
+          <a:fillRef idx="2">
+            <a:schemeClr val="accent2"/>
+          </a:fillRef>
+          <a:effectRef idx="1">
+            <a:schemeClr val="accent2"/>
+          </a:effectRef>
+          <a:fontRef idx="minor">
+            <a:schemeClr val="dk1"/>
+          </a:fontRef>
+        </p:style>
+        <p:txBody>
+          <a:bodyPr rtlCol="0" anchor="ctr"/>
+          <a:lstStyle/>
+          <a:p>
+            <a:pPr algn="ctr"/>
+            <a:endParaRPr lang="en-SG"/>
+          </a:p>
+        </p:txBody>
+      </p:sp>
+      <p:sp>
+        <p:nvSpPr>
+          <p:cNvPr id="133" name="Rectangle 11">
+            <a:extLst>
+              <a:ext uri="{FF2B5EF4-FFF2-40B4-BE49-F238E27FC236}">
+                <a16:creationId xmlns:a16="http://schemas.microsoft.com/office/drawing/2014/main" id="{A512DAC4-0503-453F-81CD-4651D675098E}"/>
+              </a:ext>
+            </a:extLst>
+          </p:cNvPr>
+          <p:cNvSpPr/>
+          <p:nvPr/>
+        </p:nvSpPr>
+        <p:spPr>
+          <a:xfrm>
+            <a:off x="4359096" y="3109102"/>
+            <a:ext cx="1635499" cy="284960"/>
+          </a:xfrm>
+          <a:prstGeom prst="rect">
+            <a:avLst/>
+          </a:prstGeom>
+          <a:ln w="19050">
+            <a:solidFill>
+              <a:schemeClr val="accent3"/>
+            </a:solidFill>
+          </a:ln>
+          <a:effectLst/>
+        </p:spPr>
+        <p:style>
+          <a:lnRef idx="1">
+            <a:schemeClr val="accent3"/>
+          </a:lnRef>
+          <a:fillRef idx="2">
+            <a:schemeClr val="accent3"/>
+          </a:fillRef>
+          <a:effectRef idx="1">
+            <a:schemeClr val="accent3"/>
+          </a:effectRef>
+          <a:fontRef idx="minor">
+            <a:schemeClr val="dk1"/>
+          </a:fontRef>
+        </p:style>
+        <p:txBody>
+          <a:bodyPr rtlCol="0" anchor="ctr"/>
+          <a:lstStyle/>
+          <a:p>
+            <a:pPr algn="ctr"/>
+            <a:r>
+              <a:rPr lang="en-US" sz="1050" b="1" dirty="0" err="1">
+                <a:solidFill>
+                  <a:schemeClr val="accent3">
+                    <a:lumMod val="75000"/>
+                  </a:schemeClr>
+                </a:solidFill>
+              </a:rPr>
+              <a:t>AutoCompleteTextField</a:t>
+            </a:r>
+            <a:endParaRPr lang="en-SG" sz="1050" b="1" dirty="0">
+              <a:solidFill>
+                <a:schemeClr val="accent3">
+                  <a:lumMod val="75000"/>
+                </a:schemeClr>
+              </a:solidFill>
+            </a:endParaRPr>
+          </a:p>
+        </p:txBody>
+      </p:sp>
+      <p:cxnSp>
+        <p:nvCxnSpPr>
+          <p:cNvPr id="139" name="Elbow Connector 136">
+            <a:extLst>
+              <a:ext uri="{FF2B5EF4-FFF2-40B4-BE49-F238E27FC236}">
+                <a16:creationId xmlns:a16="http://schemas.microsoft.com/office/drawing/2014/main" id="{8AF393B4-57D7-43F6-856A-06DF7C7CFEBB}"/>
+              </a:ext>
+            </a:extLst>
+          </p:cNvPr>
+          <p:cNvCxnSpPr>
+            <a:cxnSpLocks/>
+            <a:endCxn id="133" idx="1"/>
+          </p:cNvCxnSpPr>
+          <p:nvPr/>
+        </p:nvCxnSpPr>
+        <p:spPr>
+          <a:xfrm>
+            <a:off x="3315742" y="3157765"/>
+            <a:ext cx="1043354" cy="93817"/>
+          </a:xfrm>
+          <a:prstGeom prst="bentConnector3">
+            <a:avLst>
+              <a:gd name="adj1" fmla="val 337"/>
+            </a:avLst>
+          </a:prstGeom>
+          <a:ln w="19050">
+            <a:solidFill>
+              <a:schemeClr val="accent3"/>
+            </a:solidFill>
+            <a:headEnd type="none" w="med" len="med"/>
+            <a:tailEnd type="arrow" w="med" len="med"/>
+          </a:ln>
+          <a:effectLst/>
+        </p:spPr>
+        <p:style>
+          <a:lnRef idx="1">
+            <a:schemeClr val="accent2"/>
+          </a:lnRef>
+          <a:fillRef idx="2">
+            <a:schemeClr val="accent2"/>
+          </a:fillRef>
+          <a:effectRef idx="1">
+            <a:schemeClr val="accent2"/>
+          </a:effectRef>
+          <a:fontRef idx="minor">
+            <a:schemeClr val="dk1"/>
+          </a:fontRef>
+        </p:style>
+      </p:cxnSp>
+      <p:sp>
+        <p:nvSpPr>
+          <p:cNvPr id="161" name="Rectangle 160">
+            <a:extLst>
+              <a:ext uri="{FF2B5EF4-FFF2-40B4-BE49-F238E27FC236}">
+                <a16:creationId xmlns:a16="http://schemas.microsoft.com/office/drawing/2014/main" id="{14DD2EAB-1DA8-4C9B-BE5F-AF4D2FCB6398}"/>
+              </a:ext>
+            </a:extLst>
+          </p:cNvPr>
+          <p:cNvSpPr/>
+          <p:nvPr/>
+        </p:nvSpPr>
+        <p:spPr>
+          <a:xfrm>
+            <a:off x="5979224" y="4348263"/>
+            <a:ext cx="229325" cy="160062"/>
+          </a:xfrm>
+          <a:prstGeom prst="rect">
+            <a:avLst/>
+          </a:prstGeom>
+          <a:solidFill>
+            <a:schemeClr val="accent3">
+              <a:lumMod val="20000"/>
+              <a:lumOff val="80000"/>
+              <a:alpha val="80000"/>
+            </a:schemeClr>
+          </a:solidFill>
+          <a:ln>
+            <a:noFill/>
+          </a:ln>
+          <a:effectLst>
+            <a:softEdge rad="31750"/>
+          </a:effectLst>
+        </p:spPr>
+        <p:style>
+          <a:lnRef idx="2">
+            <a:schemeClr val="accent1">
+              <a:shade val="50000"/>
+            </a:schemeClr>
+          </a:lnRef>
+          <a:fillRef idx="1">
+            <a:schemeClr val="accent1"/>
+          </a:fillRef>
+          <a:effectRef idx="0">
+            <a:schemeClr val="accent1"/>
+          </a:effectRef>
+          <a:fontRef idx="minor">
+            <a:schemeClr val="lt1"/>
+          </a:fontRef>
+        </p:style>
+        <p:txBody>
+          <a:bodyPr rtlCol="0" anchor="ctr"/>
+          <a:lstStyle/>
+          <a:p>
+            <a:pPr algn="ctr"/>
+            <a:endParaRPr lang="en-SG"/>
+          </a:p>
+        </p:txBody>
+      </p:sp>
+      <p:sp>
+        <p:nvSpPr>
           <p:cNvPr id="118" name="Freeform 117"/>
           <p:cNvSpPr/>
           <p:nvPr/>
         </p:nvSpPr>
         <p:spPr>
           <a:xfrm flipV="1">
-            <a:off x="4114799" y="4472708"/>
-            <a:ext cx="2642195" cy="101600"/>
+            <a:off x="5068603" y="4327261"/>
+            <a:ext cx="1666912" cy="92315"/>
+          </a:xfrm>
+          <a:custGeom>
+            <a:avLst/>
+            <a:gdLst>
+              <a:gd name="connsiteX0" fmla="*/ 0 w 3048000"/>
+              <a:gd name="connsiteY0" fmla="*/ 203200 h 203200"/>
+              <a:gd name="connsiteX1" fmla="*/ 221673 w 3048000"/>
+              <a:gd name="connsiteY1" fmla="*/ 0 h 203200"/>
+              <a:gd name="connsiteX2" fmla="*/ 3048000 w 3048000"/>
+              <a:gd name="connsiteY2" fmla="*/ 0 h 203200"/>
+            </a:gdLst>
+            <a:ahLst/>
+            <a:cxnLst>
+              <a:cxn ang="0">
+                <a:pos x="connsiteX0" y="connsiteY0"/>
+              </a:cxn>
+              <a:cxn ang="0">
+                <a:pos x="connsiteX1" y="connsiteY1"/>
+              </a:cxn>
+              <a:cxn ang="0">
+                <a:pos x="connsiteX2" y="connsiteY2"/>
+              </a:cxn>
+            </a:cxnLst>
+            <a:rect l="l" t="t" r="r" b="b"/>
+            <a:pathLst>
+              <a:path w="3048000" h="203200">
+                <a:moveTo>
+                  <a:pt x="0" y="203200"/>
+                </a:moveTo>
+                <a:lnTo>
+                  <a:pt x="221673" y="0"/>
+                </a:lnTo>
+                <a:lnTo>
+                  <a:pt x="3048000" y="0"/>
+                </a:lnTo>
+              </a:path>
+            </a:pathLst>
+          </a:custGeom>
+          <a:noFill/>
+          <a:ln w="19050">
+            <a:solidFill>
+              <a:schemeClr val="accent3"/>
+            </a:solidFill>
+            <a:prstDash val="sysDot"/>
+            <a:headEnd type="none" w="med" len="med"/>
+            <a:tailEnd type="arrow" w="med" len="med"/>
+          </a:ln>
+          <a:effectLst/>
+        </p:spPr>
+        <p:style>
+          <a:lnRef idx="1">
+            <a:schemeClr val="accent2"/>
+          </a:lnRef>
+          <a:fillRef idx="2">
+            <a:schemeClr val="accent2"/>
+          </a:fillRef>
+          <a:effectRef idx="1">
+            <a:schemeClr val="accent2"/>
+          </a:effectRef>
+          <a:fontRef idx="minor">
+            <a:schemeClr val="dk1"/>
+          </a:fontRef>
+        </p:style>
+        <p:txBody>
+          <a:bodyPr rtlCol="0" anchor="ctr"/>
+          <a:lstStyle/>
+          <a:p>
+            <a:pPr algn="ctr"/>
+            <a:endParaRPr lang="en-SG"/>
+          </a:p>
+        </p:txBody>
+      </p:sp>
+      <p:cxnSp>
+        <p:nvCxnSpPr>
+          <p:cNvPr id="164" name="Elbow Connector 63">
+            <a:extLst>
+              <a:ext uri="{FF2B5EF4-FFF2-40B4-BE49-F238E27FC236}">
+                <a16:creationId xmlns:a16="http://schemas.microsoft.com/office/drawing/2014/main" id="{82C46761-D459-4A1E-BA8E-A4DA26F0D3EE}"/>
+              </a:ext>
+            </a:extLst>
+          </p:cNvPr>
+          <p:cNvCxnSpPr>
+            <a:cxnSpLocks/>
+          </p:cNvCxnSpPr>
+          <p:nvPr/>
+        </p:nvCxnSpPr>
+        <p:spPr>
+          <a:xfrm rot="16200000" flipH="1">
+            <a:off x="1190424" y="4017527"/>
+            <a:ext cx="2618375" cy="166970"/>
+          </a:xfrm>
+          <a:prstGeom prst="bentConnector3">
+            <a:avLst>
+              <a:gd name="adj1" fmla="val 100055"/>
+            </a:avLst>
+          </a:prstGeom>
+          <a:ln w="19050">
+            <a:solidFill>
+              <a:schemeClr val="accent3"/>
+            </a:solidFill>
+            <a:headEnd type="none" w="med" len="med"/>
+            <a:tailEnd type="arrow" w="med" len="med"/>
+          </a:ln>
+          <a:effectLst/>
+        </p:spPr>
+        <p:style>
+          <a:lnRef idx="1">
+            <a:schemeClr val="accent2"/>
+          </a:lnRef>
+          <a:fillRef idx="2">
+            <a:schemeClr val="accent2"/>
+          </a:fillRef>
+          <a:effectRef idx="1">
+            <a:schemeClr val="accent2"/>
+          </a:effectRef>
+          <a:fontRef idx="minor">
+            <a:schemeClr val="dk1"/>
+          </a:fontRef>
+        </p:style>
+      </p:cxnSp>
+      <p:sp>
+        <p:nvSpPr>
+          <p:cNvPr id="175" name="Rectangle 11">
+            <a:extLst>
+              <a:ext uri="{FF2B5EF4-FFF2-40B4-BE49-F238E27FC236}">
+                <a16:creationId xmlns:a16="http://schemas.microsoft.com/office/drawing/2014/main" id="{F825866D-EA3D-4FFF-919A-9E19346021E6}"/>
+              </a:ext>
+            </a:extLst>
+          </p:cNvPr>
+          <p:cNvSpPr/>
+          <p:nvPr/>
+        </p:nvSpPr>
+        <p:spPr>
+          <a:xfrm>
+            <a:off x="2583765" y="5323282"/>
+            <a:ext cx="1656019" cy="274161"/>
+          </a:xfrm>
+          <a:prstGeom prst="rect">
+            <a:avLst/>
+          </a:prstGeom>
+          <a:ln w="19050">
+            <a:solidFill>
+              <a:schemeClr val="accent3"/>
+            </a:solidFill>
+          </a:ln>
+          <a:effectLst/>
+        </p:spPr>
+        <p:style>
+          <a:lnRef idx="1">
+            <a:schemeClr val="accent3"/>
+          </a:lnRef>
+          <a:fillRef idx="2">
+            <a:schemeClr val="accent3"/>
+          </a:fillRef>
+          <a:effectRef idx="1">
+            <a:schemeClr val="accent3"/>
+          </a:effectRef>
+          <a:fontRef idx="minor">
+            <a:schemeClr val="dk1"/>
+          </a:fontRef>
+        </p:style>
+        <p:txBody>
+          <a:bodyPr rtlCol="0" anchor="ctr"/>
+          <a:lstStyle/>
+          <a:p>
+            <a:pPr algn="ctr"/>
+            <a:r>
+              <a:rPr lang="en-US" sz="1050" b="1" dirty="0" err="1">
+                <a:solidFill>
+                  <a:schemeClr val="accent3">
+                    <a:lumMod val="75000"/>
+                  </a:schemeClr>
+                </a:solidFill>
+              </a:rPr>
+              <a:t>StatusBarFooter</a:t>
+            </a:r>
+            <a:endParaRPr lang="en-SG" sz="1050" b="1" dirty="0">
+              <a:solidFill>
+                <a:schemeClr val="accent3">
+                  <a:lumMod val="75000"/>
+                </a:schemeClr>
+              </a:solidFill>
+            </a:endParaRPr>
+          </a:p>
+        </p:txBody>
+      </p:sp>
+      <p:cxnSp>
+        <p:nvCxnSpPr>
+          <p:cNvPr id="202" name="Elbow Connector 63">
+            <a:extLst>
+              <a:ext uri="{FF2B5EF4-FFF2-40B4-BE49-F238E27FC236}">
+                <a16:creationId xmlns:a16="http://schemas.microsoft.com/office/drawing/2014/main" id="{3426813C-F5F1-44EF-B662-B8D65C9BAD31}"/>
+              </a:ext>
+            </a:extLst>
+          </p:cNvPr>
+          <p:cNvCxnSpPr>
+            <a:cxnSpLocks/>
+            <a:stCxn id="16" idx="3"/>
+          </p:cNvCxnSpPr>
+          <p:nvPr/>
+        </p:nvCxnSpPr>
+        <p:spPr>
+          <a:xfrm rot="5400000">
+            <a:off x="3589102" y="2990021"/>
+            <a:ext cx="3155471" cy="1854099"/>
+          </a:xfrm>
+          <a:prstGeom prst="bentConnector3">
+            <a:avLst>
+              <a:gd name="adj1" fmla="val 100953"/>
+            </a:avLst>
+          </a:prstGeom>
+          <a:ln w="6350">
+            <a:solidFill>
+              <a:schemeClr val="accent3"/>
+            </a:solidFill>
+            <a:headEnd type="none" w="med" len="med"/>
+            <a:tailEnd type="none" w="med" len="med"/>
+          </a:ln>
+          <a:effectLst/>
+        </p:spPr>
+        <p:style>
+          <a:lnRef idx="1">
+            <a:schemeClr val="accent2"/>
+          </a:lnRef>
+          <a:fillRef idx="2">
+            <a:schemeClr val="accent2"/>
+          </a:fillRef>
+          <a:effectRef idx="1">
+            <a:schemeClr val="accent2"/>
+          </a:effectRef>
+          <a:fontRef idx="minor">
+            <a:schemeClr val="dk1"/>
+          </a:fontRef>
+        </p:style>
+      </p:cxnSp>
+      <p:sp>
+        <p:nvSpPr>
+          <p:cNvPr id="212" name="Rectangle 211">
+            <a:extLst>
+              <a:ext uri="{FF2B5EF4-FFF2-40B4-BE49-F238E27FC236}">
+                <a16:creationId xmlns:a16="http://schemas.microsoft.com/office/drawing/2014/main" id="{89B37A7C-49EB-4B87-A7BE-257789F39F7C}"/>
+              </a:ext>
+            </a:extLst>
+          </p:cNvPr>
+          <p:cNvSpPr/>
+          <p:nvPr/>
+        </p:nvSpPr>
+        <p:spPr>
+          <a:xfrm>
+            <a:off x="6131624" y="4500662"/>
+            <a:ext cx="229325" cy="184061"/>
+          </a:xfrm>
+          <a:prstGeom prst="rect">
+            <a:avLst/>
+          </a:prstGeom>
+          <a:solidFill>
+            <a:schemeClr val="accent3">
+              <a:lumMod val="20000"/>
+              <a:lumOff val="80000"/>
+              <a:alpha val="80000"/>
+            </a:schemeClr>
+          </a:solidFill>
+          <a:ln>
+            <a:noFill/>
+          </a:ln>
+          <a:effectLst>
+            <a:softEdge rad="31750"/>
+          </a:effectLst>
+        </p:spPr>
+        <p:style>
+          <a:lnRef idx="2">
+            <a:schemeClr val="accent1">
+              <a:shade val="50000"/>
+            </a:schemeClr>
+          </a:lnRef>
+          <a:fillRef idx="1">
+            <a:schemeClr val="accent1"/>
+          </a:fillRef>
+          <a:effectRef idx="0">
+            <a:schemeClr val="accent1"/>
+          </a:effectRef>
+          <a:fontRef idx="minor">
+            <a:schemeClr val="lt1"/>
+          </a:fontRef>
+        </p:style>
+        <p:txBody>
+          <a:bodyPr rtlCol="0" anchor="ctr"/>
+          <a:lstStyle/>
+          <a:p>
+            <a:pPr algn="ctr"/>
+            <a:endParaRPr lang="en-SG"/>
+          </a:p>
+        </p:txBody>
+      </p:sp>
+      <p:sp>
+        <p:nvSpPr>
+          <p:cNvPr id="219" name="Rectangle 218">
+            <a:extLst>
+              <a:ext uri="{FF2B5EF4-FFF2-40B4-BE49-F238E27FC236}">
+                <a16:creationId xmlns:a16="http://schemas.microsoft.com/office/drawing/2014/main" id="{70246D69-F8E2-405E-A3F3-87DA0E112825}"/>
+              </a:ext>
+            </a:extLst>
+          </p:cNvPr>
+          <p:cNvSpPr/>
+          <p:nvPr/>
+        </p:nvSpPr>
+        <p:spPr>
+          <a:xfrm>
+            <a:off x="5960448" y="4673570"/>
+            <a:ext cx="229325" cy="160062"/>
+          </a:xfrm>
+          <a:prstGeom prst="rect">
+            <a:avLst/>
+          </a:prstGeom>
+          <a:solidFill>
+            <a:schemeClr val="accent3">
+              <a:lumMod val="20000"/>
+              <a:lumOff val="80000"/>
+              <a:alpha val="80000"/>
+            </a:schemeClr>
+          </a:solidFill>
+          <a:ln>
+            <a:noFill/>
+          </a:ln>
+          <a:effectLst>
+            <a:softEdge rad="31750"/>
+          </a:effectLst>
+        </p:spPr>
+        <p:style>
+          <a:lnRef idx="2">
+            <a:schemeClr val="accent1">
+              <a:shade val="50000"/>
+            </a:schemeClr>
+          </a:lnRef>
+          <a:fillRef idx="1">
+            <a:schemeClr val="accent1"/>
+          </a:fillRef>
+          <a:effectRef idx="0">
+            <a:schemeClr val="accent1"/>
+          </a:effectRef>
+          <a:fontRef idx="minor">
+            <a:schemeClr val="lt1"/>
+          </a:fontRef>
+        </p:style>
+        <p:txBody>
+          <a:bodyPr rtlCol="0" anchor="ctr"/>
+          <a:lstStyle/>
+          <a:p>
+            <a:pPr algn="ctr"/>
+            <a:endParaRPr lang="en-SG"/>
+          </a:p>
+        </p:txBody>
+      </p:sp>
+      <p:sp>
+        <p:nvSpPr>
+          <p:cNvPr id="218" name="Freeform 117">
+            <a:extLst>
+              <a:ext uri="{FF2B5EF4-FFF2-40B4-BE49-F238E27FC236}">
+                <a16:creationId xmlns:a16="http://schemas.microsoft.com/office/drawing/2014/main" id="{9FBBD50D-3DDD-4EDF-B20C-78B4DA6B594D}"/>
+              </a:ext>
+            </a:extLst>
+          </p:cNvPr>
+          <p:cNvSpPr/>
+          <p:nvPr/>
+        </p:nvSpPr>
+        <p:spPr>
+          <a:xfrm flipV="1">
+            <a:off x="4242879" y="4517524"/>
+            <a:ext cx="2504106" cy="237215"/>
           </a:xfrm>
           <a:custGeom>
             <a:avLst/>

--- a/docs/diagrams/UiComponentClassDiagram.pptx
+++ b/docs/diagrams/UiComponentClassDiagram.pptx
@@ -208,7 +208,7 @@
           <a:p>
             <a:fld id="{F5CC4B3F-88C1-4FFA-B1B6-F41C21DC6924}" type="datetimeFigureOut">
               <a:rPr lang="en-US" smtClean="0"/>
-              <a:t>09-Apr-19</a:t>
+              <a:t>15-Apr-19</a:t>
             </a:fld>
             <a:endParaRPr lang="en-US"/>
           </a:p>
@@ -654,7 +654,7 @@
           <a:p>
             <a:fld id="{78C97017-6FC3-485B-9764-EAC9E56C1D49}" type="datetimeFigureOut">
               <a:rPr lang="en-US" smtClean="0"/>
-              <a:t>09-Apr-19</a:t>
+              <a:t>15-Apr-19</a:t>
             </a:fld>
             <a:endParaRPr lang="en-US"/>
           </a:p>
@@ -822,7 +822,7 @@
           <a:p>
             <a:fld id="{78C97017-6FC3-485B-9764-EAC9E56C1D49}" type="datetimeFigureOut">
               <a:rPr lang="en-US" smtClean="0"/>
-              <a:t>09-Apr-19</a:t>
+              <a:t>15-Apr-19</a:t>
             </a:fld>
             <a:endParaRPr lang="en-US"/>
           </a:p>
@@ -1000,7 +1000,7 @@
           <a:p>
             <a:fld id="{78C97017-6FC3-485B-9764-EAC9E56C1D49}" type="datetimeFigureOut">
               <a:rPr lang="en-US" smtClean="0"/>
-              <a:t>09-Apr-19</a:t>
+              <a:t>15-Apr-19</a:t>
             </a:fld>
             <a:endParaRPr lang="en-US"/>
           </a:p>
@@ -1168,7 +1168,7 @@
           <a:p>
             <a:fld id="{78C97017-6FC3-485B-9764-EAC9E56C1D49}" type="datetimeFigureOut">
               <a:rPr lang="en-US" smtClean="0"/>
-              <a:t>09-Apr-19</a:t>
+              <a:t>15-Apr-19</a:t>
             </a:fld>
             <a:endParaRPr lang="en-US"/>
           </a:p>
@@ -1413,7 +1413,7 @@
           <a:p>
             <a:fld id="{78C97017-6FC3-485B-9764-EAC9E56C1D49}" type="datetimeFigureOut">
               <a:rPr lang="en-US" smtClean="0"/>
-              <a:t>09-Apr-19</a:t>
+              <a:t>15-Apr-19</a:t>
             </a:fld>
             <a:endParaRPr lang="en-US"/>
           </a:p>
@@ -1698,7 +1698,7 @@
           <a:p>
             <a:fld id="{78C97017-6FC3-485B-9764-EAC9E56C1D49}" type="datetimeFigureOut">
               <a:rPr lang="en-US" smtClean="0"/>
-              <a:t>09-Apr-19</a:t>
+              <a:t>15-Apr-19</a:t>
             </a:fld>
             <a:endParaRPr lang="en-US"/>
           </a:p>
@@ -2117,7 +2117,7 @@
           <a:p>
             <a:fld id="{78C97017-6FC3-485B-9764-EAC9E56C1D49}" type="datetimeFigureOut">
               <a:rPr lang="en-US" smtClean="0"/>
-              <a:t>09-Apr-19</a:t>
+              <a:t>15-Apr-19</a:t>
             </a:fld>
             <a:endParaRPr lang="en-US"/>
           </a:p>
@@ -2234,7 +2234,7 @@
           <a:p>
             <a:fld id="{78C97017-6FC3-485B-9764-EAC9E56C1D49}" type="datetimeFigureOut">
               <a:rPr lang="en-US" smtClean="0"/>
-              <a:t>09-Apr-19</a:t>
+              <a:t>15-Apr-19</a:t>
             </a:fld>
             <a:endParaRPr lang="en-US"/>
           </a:p>
@@ -2329,7 +2329,7 @@
           <a:p>
             <a:fld id="{78C97017-6FC3-485B-9764-EAC9E56C1D49}" type="datetimeFigureOut">
               <a:rPr lang="en-US" smtClean="0"/>
-              <a:t>09-Apr-19</a:t>
+              <a:t>15-Apr-19</a:t>
             </a:fld>
             <a:endParaRPr lang="en-US"/>
           </a:p>
@@ -2604,7 +2604,7 @@
           <a:p>
             <a:fld id="{78C97017-6FC3-485B-9764-EAC9E56C1D49}" type="datetimeFigureOut">
               <a:rPr lang="en-US" smtClean="0"/>
-              <a:t>09-Apr-19</a:t>
+              <a:t>15-Apr-19</a:t>
             </a:fld>
             <a:endParaRPr lang="en-US"/>
           </a:p>
@@ -2856,7 +2856,7 @@
           <a:p>
             <a:fld id="{78C97017-6FC3-485B-9764-EAC9E56C1D49}" type="datetimeFigureOut">
               <a:rPr lang="en-US" smtClean="0"/>
-              <a:t>09-Apr-19</a:t>
+              <a:t>15-Apr-19</a:t>
             </a:fld>
             <a:endParaRPr lang="en-US"/>
           </a:p>
@@ -3067,7 +3067,7 @@
           <a:p>
             <a:fld id="{78C97017-6FC3-485B-9764-EAC9E56C1D49}" type="datetimeFigureOut">
               <a:rPr lang="en-US" smtClean="0"/>
-              <a:t>09-Apr-19</a:t>
+              <a:t>15-Apr-19</a:t>
             </a:fld>
             <a:endParaRPr lang="en-US"/>
           </a:p>
@@ -3774,51 +3774,6 @@
           </a:p>
         </p:txBody>
       </p:sp>
-      <p:cxnSp>
-        <p:nvCxnSpPr>
-          <p:cNvPr id="19" name="Elbow Connector 122"/>
-          <p:cNvCxnSpPr>
-            <a:cxnSpLocks/>
-          </p:cNvCxnSpPr>
-          <p:nvPr/>
-        </p:nvCxnSpPr>
-        <p:spPr>
-          <a:xfrm>
-            <a:off x="533400" y="2131672"/>
-            <a:ext cx="935766" cy="12700"/>
-          </a:xfrm>
-          <a:prstGeom prst="bentConnector3">
-            <a:avLst>
-              <a:gd name="adj1" fmla="val 50000"/>
-            </a:avLst>
-          </a:prstGeom>
-          <a:ln w="19050">
-            <a:solidFill>
-              <a:schemeClr val="bg1">
-                <a:lumMod val="75000"/>
-              </a:schemeClr>
-            </a:solidFill>
-            <a:prstDash val="sysDot"/>
-            <a:headEnd type="none" w="med" len="med"/>
-            <a:tailEnd type="arrow" w="med" len="med"/>
-          </a:ln>
-          <a:effectLst/>
-        </p:spPr>
-        <p:style>
-          <a:lnRef idx="1">
-            <a:schemeClr val="accent2"/>
-          </a:lnRef>
-          <a:fillRef idx="2">
-            <a:schemeClr val="accent2"/>
-          </a:fillRef>
-          <a:effectRef idx="1">
-            <a:schemeClr val="accent2"/>
-          </a:effectRef>
-          <a:fontRef idx="minor">
-            <a:schemeClr val="dk1"/>
-          </a:fontRef>
-        </p:style>
-      </p:cxnSp>
       <p:sp>
         <p:nvSpPr>
           <p:cNvPr id="22" name="Rectangle 65"/>
@@ -4354,14 +4309,15 @@
         <p:nvCxnSpPr>
           <p:cNvPr id="53" name="Elbow Connector 63"/>
           <p:cNvCxnSpPr>
+            <a:cxnSpLocks/>
             <a:endCxn id="38" idx="1"/>
           </p:cNvCxnSpPr>
           <p:nvPr/>
         </p:nvCxnSpPr>
         <p:spPr>
           <a:xfrm rot="16200000" flipH="1">
-            <a:off x="1338913" y="2438642"/>
-            <a:ext cx="2382776" cy="420378"/>
+            <a:off x="1533467" y="2633195"/>
+            <a:ext cx="1990609" cy="423437"/>
           </a:xfrm>
           <a:prstGeom prst="bentConnector2">
             <a:avLst/>
@@ -4784,7 +4740,7 @@
         </p:nvSpPr>
         <p:spPr>
           <a:xfrm rot="16200000">
-            <a:off x="1059318" y="1947833"/>
+            <a:off x="1077126" y="1959725"/>
             <a:ext cx="1219824" cy="370910"/>
           </a:xfrm>
           <a:prstGeom prst="rect">
@@ -4854,11 +4810,13 @@
         </p:nvSpPr>
         <p:spPr>
           <a:xfrm flipV="1">
-            <a:off x="1521901" y="1427548"/>
+            <a:off x="1523198" y="1329659"/>
             <a:ext cx="289343" cy="195776"/>
           </a:xfrm>
           <a:prstGeom prst="triangle">
-            <a:avLst/>
+            <a:avLst>
+              <a:gd name="adj" fmla="val 52926"/>
+            </a:avLst>
           </a:prstGeom>
           <a:ln w="19050">
             <a:solidFill>
@@ -4905,8 +4863,8 @@
         </p:nvCxnSpPr>
         <p:spPr>
           <a:xfrm rot="10800000" flipV="1">
-            <a:off x="1666573" y="1086098"/>
-            <a:ext cx="580404" cy="341449"/>
+            <a:off x="1676337" y="1086099"/>
+            <a:ext cx="570641" cy="243560"/>
           </a:xfrm>
           <a:prstGeom prst="bentConnector2">
             <a:avLst/>
@@ -5454,8 +5412,8 @@
         </p:nvCxnSpPr>
         <p:spPr>
           <a:xfrm rot="16200000" flipH="1">
-            <a:off x="2223518" y="3655735"/>
-            <a:ext cx="884280" cy="162006"/>
+            <a:off x="2306971" y="3739188"/>
+            <a:ext cx="709356" cy="170023"/>
           </a:xfrm>
           <a:prstGeom prst="bentConnector2">
             <a:avLst/>
@@ -6187,6 +6145,56 @@
           </a:p>
         </p:txBody>
       </p:sp>
+      <p:cxnSp>
+        <p:nvCxnSpPr>
+          <p:cNvPr id="13" name="Straight Arrow Connector 12">
+            <a:extLst>
+              <a:ext uri="{FF2B5EF4-FFF2-40B4-BE49-F238E27FC236}">
+                <a16:creationId xmlns:a16="http://schemas.microsoft.com/office/drawing/2014/main" id="{E8C4A481-EDED-4C58-937A-323ECCC0AB53}"/>
+              </a:ext>
+            </a:extLst>
+          </p:cNvPr>
+          <p:cNvCxnSpPr>
+            <a:cxnSpLocks/>
+            <a:stCxn id="119" idx="0"/>
+          </p:cNvCxnSpPr>
+          <p:nvPr/>
+        </p:nvCxnSpPr>
+        <p:spPr>
+          <a:xfrm flipH="1">
+            <a:off x="577821" y="2145180"/>
+            <a:ext cx="923762" cy="0"/>
+          </a:xfrm>
+          <a:prstGeom prst="straightConnector1">
+            <a:avLst/>
+          </a:prstGeom>
+          <a:ln w="12700" cap="flat" cmpd="sng" algn="ctr">
+            <a:solidFill>
+              <a:schemeClr val="bg1">
+                <a:lumMod val="65000"/>
+              </a:schemeClr>
+            </a:solidFill>
+            <a:prstDash val="sysDash"/>
+            <a:round/>
+            <a:headEnd type="arrow" w="med" len="med"/>
+            <a:tailEnd type="none" w="med" len="med"/>
+          </a:ln>
+        </p:spPr>
+        <p:style>
+          <a:lnRef idx="0">
+            <a:scrgbClr r="0" g="0" b="0"/>
+          </a:lnRef>
+          <a:fillRef idx="0">
+            <a:scrgbClr r="0" g="0" b="0"/>
+          </a:fillRef>
+          <a:effectRef idx="0">
+            <a:scrgbClr r="0" g="0" b="0"/>
+          </a:effectRef>
+          <a:fontRef idx="minor">
+            <a:schemeClr val="tx1"/>
+          </a:fontRef>
+        </p:style>
+      </p:cxnSp>
     </p:spTree>
     <p:extLst>
       <p:ext uri="{BB962C8B-B14F-4D97-AF65-F5344CB8AC3E}">

--- a/docs/diagrams/UiComponentClassDiagram.pptx
+++ b/docs/diagrams/UiComponentClassDiagram.pptx
@@ -208,7 +208,7 @@
           <a:p>
             <a:fld id="{F5CC4B3F-88C1-4FFA-B1B6-F41C21DC6924}" type="datetimeFigureOut">
               <a:rPr lang="en-US" smtClean="0"/>
-              <a:t>4/13/19</a:t>
+              <a:t>4/15/2019</a:t>
             </a:fld>
             <a:endParaRPr lang="en-US" dirty="0"/>
           </a:p>
@@ -738,7 +738,7 @@
           <a:p>
             <a:fld id="{78C97017-6FC3-485B-9764-EAC9E56C1D49}" type="datetimeFigureOut">
               <a:rPr lang="en-US" smtClean="0"/>
-              <a:t>4/13/19</a:t>
+              <a:t>4/15/2019</a:t>
             </a:fld>
             <a:endParaRPr lang="en-US" dirty="0"/>
           </a:p>
@@ -906,7 +906,7 @@
           <a:p>
             <a:fld id="{78C97017-6FC3-485B-9764-EAC9E56C1D49}" type="datetimeFigureOut">
               <a:rPr lang="en-US" smtClean="0"/>
-              <a:t>4/13/19</a:t>
+              <a:t>4/15/2019</a:t>
             </a:fld>
             <a:endParaRPr lang="en-US" dirty="0"/>
           </a:p>
@@ -1084,7 +1084,7 @@
           <a:p>
             <a:fld id="{78C97017-6FC3-485B-9764-EAC9E56C1D49}" type="datetimeFigureOut">
               <a:rPr lang="en-US" smtClean="0"/>
-              <a:t>4/13/19</a:t>
+              <a:t>4/15/2019</a:t>
             </a:fld>
             <a:endParaRPr lang="en-US" dirty="0"/>
           </a:p>
@@ -1252,7 +1252,7 @@
           <a:p>
             <a:fld id="{78C97017-6FC3-485B-9764-EAC9E56C1D49}" type="datetimeFigureOut">
               <a:rPr lang="en-US" smtClean="0"/>
-              <a:t>4/13/19</a:t>
+              <a:t>4/15/2019</a:t>
             </a:fld>
             <a:endParaRPr lang="en-US" dirty="0"/>
           </a:p>
@@ -1497,7 +1497,7 @@
           <a:p>
             <a:fld id="{78C97017-6FC3-485B-9764-EAC9E56C1D49}" type="datetimeFigureOut">
               <a:rPr lang="en-US" smtClean="0"/>
-              <a:t>4/13/19</a:t>
+              <a:t>4/15/2019</a:t>
             </a:fld>
             <a:endParaRPr lang="en-US" dirty="0"/>
           </a:p>
@@ -1782,7 +1782,7 @@
           <a:p>
             <a:fld id="{78C97017-6FC3-485B-9764-EAC9E56C1D49}" type="datetimeFigureOut">
               <a:rPr lang="en-US" smtClean="0"/>
-              <a:t>4/13/19</a:t>
+              <a:t>4/15/2019</a:t>
             </a:fld>
             <a:endParaRPr lang="en-US" dirty="0"/>
           </a:p>
@@ -2201,7 +2201,7 @@
           <a:p>
             <a:fld id="{78C97017-6FC3-485B-9764-EAC9E56C1D49}" type="datetimeFigureOut">
               <a:rPr lang="en-US" smtClean="0"/>
-              <a:t>4/13/19</a:t>
+              <a:t>4/15/2019</a:t>
             </a:fld>
             <a:endParaRPr lang="en-US" dirty="0"/>
           </a:p>
@@ -2318,7 +2318,7 @@
           <a:p>
             <a:fld id="{78C97017-6FC3-485B-9764-EAC9E56C1D49}" type="datetimeFigureOut">
               <a:rPr lang="en-US" smtClean="0"/>
-              <a:t>4/13/19</a:t>
+              <a:t>4/15/2019</a:t>
             </a:fld>
             <a:endParaRPr lang="en-US" dirty="0"/>
           </a:p>
@@ -2413,7 +2413,7 @@
           <a:p>
             <a:fld id="{78C97017-6FC3-485B-9764-EAC9E56C1D49}" type="datetimeFigureOut">
               <a:rPr lang="en-US" smtClean="0"/>
-              <a:t>4/13/19</a:t>
+              <a:t>4/15/2019</a:t>
             </a:fld>
             <a:endParaRPr lang="en-US" dirty="0"/>
           </a:p>
@@ -2688,7 +2688,7 @@
           <a:p>
             <a:fld id="{78C97017-6FC3-485B-9764-EAC9E56C1D49}" type="datetimeFigureOut">
               <a:rPr lang="en-US" smtClean="0"/>
-              <a:t>4/13/19</a:t>
+              <a:t>4/15/2019</a:t>
             </a:fld>
             <a:endParaRPr lang="en-US" dirty="0"/>
           </a:p>
@@ -2940,7 +2940,7 @@
           <a:p>
             <a:fld id="{78C97017-6FC3-485B-9764-EAC9E56C1D49}" type="datetimeFigureOut">
               <a:rPr lang="en-US" smtClean="0"/>
-              <a:t>4/13/19</a:t>
+              <a:t>4/15/2019</a:t>
             </a:fld>
             <a:endParaRPr lang="en-US" dirty="0"/>
           </a:p>
@@ -3151,7 +3151,7 @@
           <a:p>
             <a:fld id="{78C97017-6FC3-485B-9764-EAC9E56C1D49}" type="datetimeFigureOut">
               <a:rPr lang="en-US" smtClean="0"/>
-              <a:t>4/13/19</a:t>
+              <a:t>4/15/2019</a:t>
             </a:fld>
             <a:endParaRPr lang="en-US" dirty="0"/>
           </a:p>
@@ -5200,7 +5200,7 @@
         </p:nvSpPr>
         <p:spPr>
           <a:xfrm rot="16200000">
-            <a:off x="7138232" y="1046207"/>
+            <a:off x="7230647" y="1046207"/>
             <a:ext cx="2268149" cy="328045"/>
           </a:xfrm>
           <a:prstGeom prst="roundRect">
@@ -5465,9 +5465,9 @@
           <p:nvPr/>
         </p:nvCxnSpPr>
         <p:spPr>
-          <a:xfrm flipH="1">
-            <a:off x="6495396" y="854389"/>
-            <a:ext cx="1725" cy="5608935"/>
+          <a:xfrm>
+            <a:off x="6497121" y="854389"/>
+            <a:ext cx="19390" cy="5840271"/>
           </a:xfrm>
           <a:prstGeom prst="line">
             <a:avLst/>
@@ -5613,14 +5613,15 @@
             </a:extLst>
           </p:cNvPr>
           <p:cNvCxnSpPr>
+            <a:cxnSpLocks/>
             <a:stCxn id="47" idx="3"/>
           </p:cNvCxnSpPr>
           <p:nvPr/>
         </p:nvCxnSpPr>
         <p:spPr>
-          <a:xfrm flipV="1">
-            <a:off x="4347797" y="3539801"/>
-            <a:ext cx="2148460" cy="1"/>
+          <a:xfrm>
+            <a:off x="4347797" y="3539802"/>
+            <a:ext cx="2156343" cy="0"/>
           </a:xfrm>
           <a:prstGeom prst="line">
             <a:avLst/>
@@ -5659,7 +5660,7 @@
         <p:spPr>
           <a:xfrm>
             <a:off x="4285283" y="4163118"/>
-            <a:ext cx="2203091" cy="13565"/>
+            <a:ext cx="2218857" cy="0"/>
           </a:xfrm>
           <a:prstGeom prst="line">
             <a:avLst/>
@@ -5689,13 +5690,15 @@
               </a:ext>
             </a:extLst>
           </p:cNvPr>
-          <p:cNvCxnSpPr/>
+          <p:cNvCxnSpPr>
+            <a:cxnSpLocks/>
+          </p:cNvCxnSpPr>
           <p:nvPr/>
         </p:nvCxnSpPr>
         <p:spPr>
           <a:xfrm flipV="1">
-            <a:off x="4337287" y="4812335"/>
-            <a:ext cx="2148460" cy="1"/>
+            <a:off x="4337287" y="4812336"/>
+            <a:ext cx="2179224" cy="1"/>
           </a:xfrm>
           <a:prstGeom prst="line">
             <a:avLst/>
@@ -5761,13 +5764,15 @@
               </a:ext>
             </a:extLst>
           </p:cNvPr>
-          <p:cNvCxnSpPr/>
+          <p:cNvCxnSpPr>
+            <a:cxnSpLocks/>
+          </p:cNvCxnSpPr>
           <p:nvPr/>
         </p:nvCxnSpPr>
         <p:spPr>
           <a:xfrm flipV="1">
-            <a:off x="4337287" y="6069077"/>
-            <a:ext cx="2148460" cy="1"/>
+            <a:off x="4337287" y="6069078"/>
+            <a:ext cx="2179224" cy="1"/>
           </a:xfrm>
           <a:prstGeom prst="line">
             <a:avLst/>
@@ -5833,13 +5838,15 @@
               </a:ext>
             </a:extLst>
           </p:cNvPr>
-          <p:cNvCxnSpPr/>
+          <p:cNvCxnSpPr>
+            <a:cxnSpLocks/>
+          </p:cNvCxnSpPr>
           <p:nvPr/>
         </p:nvCxnSpPr>
         <p:spPr>
           <a:xfrm>
             <a:off x="5137380" y="4505091"/>
-            <a:ext cx="1348367" cy="0"/>
+            <a:ext cx="1379131" cy="0"/>
           </a:xfrm>
           <a:prstGeom prst="line">
             <a:avLst/>
@@ -5877,7 +5884,7 @@
         <p:spPr>
           <a:xfrm>
             <a:off x="5155773" y="5795625"/>
-            <a:ext cx="1340483" cy="0"/>
+            <a:ext cx="1360738" cy="1"/>
           </a:xfrm>
           <a:prstGeom prst="line">
             <a:avLst/>
@@ -5907,13 +5914,15 @@
               </a:ext>
             </a:extLst>
           </p:cNvPr>
-          <p:cNvCxnSpPr/>
+          <p:cNvCxnSpPr>
+            <a:cxnSpLocks/>
+          </p:cNvCxnSpPr>
           <p:nvPr/>
         </p:nvCxnSpPr>
         <p:spPr>
           <a:xfrm>
             <a:off x="5147889" y="6694660"/>
-            <a:ext cx="1348367" cy="0"/>
+            <a:ext cx="1368622" cy="0"/>
           </a:xfrm>
           <a:prstGeom prst="line">
             <a:avLst/>
@@ -5949,9 +5958,9 @@
           <p:nvPr/>
         </p:nvCxnSpPr>
         <p:spPr>
-          <a:xfrm>
-            <a:off x="3492743" y="5174316"/>
-            <a:ext cx="3003513" cy="7027"/>
+          <a:xfrm flipV="1">
+            <a:off x="3492743" y="5173204"/>
+            <a:ext cx="3011397" cy="1112"/>
           </a:xfrm>
           <a:prstGeom prst="line">
             <a:avLst/>
@@ -6155,6 +6164,7 @@
             </a:extLst>
           </p:cNvPr>
           <p:cNvCxnSpPr>
+            <a:cxnSpLocks/>
             <a:endCxn id="24" idx="1"/>
           </p:cNvCxnSpPr>
           <p:nvPr/>
@@ -6198,6 +6208,7 @@
             </a:extLst>
           </p:cNvPr>
           <p:cNvCxnSpPr>
+            <a:cxnSpLocks/>
             <a:endCxn id="45" idx="1"/>
           </p:cNvCxnSpPr>
           <p:nvPr/>
@@ -6239,6 +6250,7 @@
             </a:extLst>
           </p:cNvPr>
           <p:cNvCxnSpPr>
+            <a:cxnSpLocks/>
             <a:endCxn id="44" idx="1"/>
           </p:cNvCxnSpPr>
           <p:nvPr/>
@@ -6280,6 +6292,7 @@
             </a:extLst>
           </p:cNvPr>
           <p:cNvCxnSpPr>
+            <a:cxnSpLocks/>
             <a:stCxn id="22" idx="2"/>
             <a:endCxn id="40" idx="1"/>
           </p:cNvCxnSpPr>
@@ -6322,6 +6335,7 @@
             </a:extLst>
           </p:cNvPr>
           <p:cNvCxnSpPr>
+            <a:cxnSpLocks/>
             <a:stCxn id="22" idx="2"/>
             <a:endCxn id="43" idx="1"/>
           </p:cNvCxnSpPr>
@@ -6371,8 +6385,8 @@
         </p:nvCxnSpPr>
         <p:spPr>
           <a:xfrm flipV="1">
-            <a:off x="3526379" y="1683572"/>
-            <a:ext cx="4581905" cy="127573"/>
+            <a:off x="3526379" y="1727469"/>
+            <a:ext cx="4674320" cy="83676"/>
           </a:xfrm>
           <a:prstGeom prst="bentConnector3">
             <a:avLst>
@@ -6889,7 +6903,7 @@
           </a:xfrm>
           <a:prstGeom prst="bentConnector3">
             <a:avLst>
-              <a:gd name="adj1" fmla="val 50000"/>
+              <a:gd name="adj1" fmla="val 50758"/>
             </a:avLst>
           </a:prstGeom>
           <a:ln w="9525" cap="flat" cmpd="sng" algn="ctr">
@@ -7077,11 +7091,11 @@
         <p:spPr>
           <a:xfrm>
             <a:off x="2208094" y="1109445"/>
-            <a:ext cx="5879589" cy="173378"/>
+            <a:ext cx="5992605" cy="236494"/>
           </a:xfrm>
           <a:prstGeom prst="bentConnector3">
             <a:avLst>
-              <a:gd name="adj1" fmla="val 86109"/>
+              <a:gd name="adj1" fmla="val 50000"/>
             </a:avLst>
           </a:prstGeom>
           <a:ln>
@@ -7221,14 +7235,15 @@
             </a:extLst>
           </p:cNvPr>
           <p:cNvCxnSpPr>
+            <a:cxnSpLocks/>
             <a:stCxn id="82" idx="3"/>
           </p:cNvCxnSpPr>
           <p:nvPr/>
         </p:nvCxnSpPr>
         <p:spPr>
-          <a:xfrm flipV="1">
-            <a:off x="3943330" y="1470074"/>
-            <a:ext cx="4144353" cy="1"/>
+          <a:xfrm>
+            <a:off x="3943330" y="1470075"/>
+            <a:ext cx="4257369" cy="83547"/>
           </a:xfrm>
           <a:prstGeom prst="bentConnector3">
             <a:avLst/>

--- a/docs/diagrams/UiComponentClassDiagram.pptx
+++ b/docs/diagrams/UiComponentClassDiagram.pptx
@@ -208,7 +208,7 @@
           <a:p>
             <a:fld id="{F5CC4B3F-88C1-4FFA-B1B6-F41C21DC6924}" type="datetimeFigureOut">
               <a:rPr lang="en-US" smtClean="0"/>
-              <a:t>4/13/19</a:t>
+              <a:t>4/14/19</a:t>
             </a:fld>
             <a:endParaRPr lang="en-US" dirty="0"/>
           </a:p>
@@ -738,7 +738,7 @@
           <a:p>
             <a:fld id="{78C97017-6FC3-485B-9764-EAC9E56C1D49}" type="datetimeFigureOut">
               <a:rPr lang="en-US" smtClean="0"/>
-              <a:t>4/13/19</a:t>
+              <a:t>4/14/19</a:t>
             </a:fld>
             <a:endParaRPr lang="en-US" dirty="0"/>
           </a:p>
@@ -906,7 +906,7 @@
           <a:p>
             <a:fld id="{78C97017-6FC3-485B-9764-EAC9E56C1D49}" type="datetimeFigureOut">
               <a:rPr lang="en-US" smtClean="0"/>
-              <a:t>4/13/19</a:t>
+              <a:t>4/14/19</a:t>
             </a:fld>
             <a:endParaRPr lang="en-US" dirty="0"/>
           </a:p>
@@ -1084,7 +1084,7 @@
           <a:p>
             <a:fld id="{78C97017-6FC3-485B-9764-EAC9E56C1D49}" type="datetimeFigureOut">
               <a:rPr lang="en-US" smtClean="0"/>
-              <a:t>4/13/19</a:t>
+              <a:t>4/14/19</a:t>
             </a:fld>
             <a:endParaRPr lang="en-US" dirty="0"/>
           </a:p>
@@ -1252,7 +1252,7 @@
           <a:p>
             <a:fld id="{78C97017-6FC3-485B-9764-EAC9E56C1D49}" type="datetimeFigureOut">
               <a:rPr lang="en-US" smtClean="0"/>
-              <a:t>4/13/19</a:t>
+              <a:t>4/14/19</a:t>
             </a:fld>
             <a:endParaRPr lang="en-US" dirty="0"/>
           </a:p>
@@ -1497,7 +1497,7 @@
           <a:p>
             <a:fld id="{78C97017-6FC3-485B-9764-EAC9E56C1D49}" type="datetimeFigureOut">
               <a:rPr lang="en-US" smtClean="0"/>
-              <a:t>4/13/19</a:t>
+              <a:t>4/14/19</a:t>
             </a:fld>
             <a:endParaRPr lang="en-US" dirty="0"/>
           </a:p>
@@ -1782,7 +1782,7 @@
           <a:p>
             <a:fld id="{78C97017-6FC3-485B-9764-EAC9E56C1D49}" type="datetimeFigureOut">
               <a:rPr lang="en-US" smtClean="0"/>
-              <a:t>4/13/19</a:t>
+              <a:t>4/14/19</a:t>
             </a:fld>
             <a:endParaRPr lang="en-US" dirty="0"/>
           </a:p>
@@ -2201,7 +2201,7 @@
           <a:p>
             <a:fld id="{78C97017-6FC3-485B-9764-EAC9E56C1D49}" type="datetimeFigureOut">
               <a:rPr lang="en-US" smtClean="0"/>
-              <a:t>4/13/19</a:t>
+              <a:t>4/14/19</a:t>
             </a:fld>
             <a:endParaRPr lang="en-US" dirty="0"/>
           </a:p>
@@ -2318,7 +2318,7 @@
           <a:p>
             <a:fld id="{78C97017-6FC3-485B-9764-EAC9E56C1D49}" type="datetimeFigureOut">
               <a:rPr lang="en-US" smtClean="0"/>
-              <a:t>4/13/19</a:t>
+              <a:t>4/14/19</a:t>
             </a:fld>
             <a:endParaRPr lang="en-US" dirty="0"/>
           </a:p>
@@ -2413,7 +2413,7 @@
           <a:p>
             <a:fld id="{78C97017-6FC3-485B-9764-EAC9E56C1D49}" type="datetimeFigureOut">
               <a:rPr lang="en-US" smtClean="0"/>
-              <a:t>4/13/19</a:t>
+              <a:t>4/14/19</a:t>
             </a:fld>
             <a:endParaRPr lang="en-US" dirty="0"/>
           </a:p>
@@ -2688,7 +2688,7 @@
           <a:p>
             <a:fld id="{78C97017-6FC3-485B-9764-EAC9E56C1D49}" type="datetimeFigureOut">
               <a:rPr lang="en-US" smtClean="0"/>
-              <a:t>4/13/19</a:t>
+              <a:t>4/14/19</a:t>
             </a:fld>
             <a:endParaRPr lang="en-US" dirty="0"/>
           </a:p>
@@ -2940,7 +2940,7 @@
           <a:p>
             <a:fld id="{78C97017-6FC3-485B-9764-EAC9E56C1D49}" type="datetimeFigureOut">
               <a:rPr lang="en-US" smtClean="0"/>
-              <a:t>4/13/19</a:t>
+              <a:t>4/14/19</a:t>
             </a:fld>
             <a:endParaRPr lang="en-US" dirty="0"/>
           </a:p>
@@ -3151,7 +3151,7 @@
           <a:p>
             <a:fld id="{78C97017-6FC3-485B-9764-EAC9E56C1D49}" type="datetimeFigureOut">
               <a:rPr lang="en-US" smtClean="0"/>
-              <a:t>4/13/19</a:t>
+              <a:t>4/14/19</a:t>
             </a:fld>
             <a:endParaRPr lang="en-US" dirty="0"/>
           </a:p>
@@ -3540,7 +3540,7 @@
         </p:nvSpPr>
         <p:spPr>
           <a:xfrm>
-            <a:off x="114748" y="76155"/>
+            <a:off x="289640" y="32734"/>
             <a:ext cx="7581451" cy="6781845"/>
           </a:xfrm>
           <a:prstGeom prst="roundRect">

--- a/docs/diagrams/UiComponentClassDiagram.pptx
+++ b/docs/diagrams/UiComponentClassDiagram.pptx
@@ -208,7 +208,7 @@
           <a:p>
             <a:fld id="{F5CC4B3F-88C1-4FFA-B1B6-F41C21DC6924}" type="datetimeFigureOut">
               <a:rPr lang="en-US" smtClean="0"/>
-              <a:t>12/15/2018</a:t>
+              <a:t>4/15/2019</a:t>
             </a:fld>
             <a:endParaRPr lang="en-US"/>
           </a:p>
@@ -654,7 +654,7 @@
           <a:p>
             <a:fld id="{78C97017-6FC3-485B-9764-EAC9E56C1D49}" type="datetimeFigureOut">
               <a:rPr lang="en-US" smtClean="0"/>
-              <a:t>12/15/2018</a:t>
+              <a:t>4/15/2019</a:t>
             </a:fld>
             <a:endParaRPr lang="en-US"/>
           </a:p>
@@ -822,7 +822,7 @@
           <a:p>
             <a:fld id="{78C97017-6FC3-485B-9764-EAC9E56C1D49}" type="datetimeFigureOut">
               <a:rPr lang="en-US" smtClean="0"/>
-              <a:t>12/15/2018</a:t>
+              <a:t>4/15/2019</a:t>
             </a:fld>
             <a:endParaRPr lang="en-US"/>
           </a:p>
@@ -1000,7 +1000,7 @@
           <a:p>
             <a:fld id="{78C97017-6FC3-485B-9764-EAC9E56C1D49}" type="datetimeFigureOut">
               <a:rPr lang="en-US" smtClean="0"/>
-              <a:t>12/15/2018</a:t>
+              <a:t>4/15/2019</a:t>
             </a:fld>
             <a:endParaRPr lang="en-US"/>
           </a:p>
@@ -1168,7 +1168,7 @@
           <a:p>
             <a:fld id="{78C97017-6FC3-485B-9764-EAC9E56C1D49}" type="datetimeFigureOut">
               <a:rPr lang="en-US" smtClean="0"/>
-              <a:t>12/15/2018</a:t>
+              <a:t>4/15/2019</a:t>
             </a:fld>
             <a:endParaRPr lang="en-US"/>
           </a:p>
@@ -1413,7 +1413,7 @@
           <a:p>
             <a:fld id="{78C97017-6FC3-485B-9764-EAC9E56C1D49}" type="datetimeFigureOut">
               <a:rPr lang="en-US" smtClean="0"/>
-              <a:t>12/15/2018</a:t>
+              <a:t>4/15/2019</a:t>
             </a:fld>
             <a:endParaRPr lang="en-US"/>
           </a:p>
@@ -1698,7 +1698,7 @@
           <a:p>
             <a:fld id="{78C97017-6FC3-485B-9764-EAC9E56C1D49}" type="datetimeFigureOut">
               <a:rPr lang="en-US" smtClean="0"/>
-              <a:t>12/15/2018</a:t>
+              <a:t>4/15/2019</a:t>
             </a:fld>
             <a:endParaRPr lang="en-US"/>
           </a:p>
@@ -2117,7 +2117,7 @@
           <a:p>
             <a:fld id="{78C97017-6FC3-485B-9764-EAC9E56C1D49}" type="datetimeFigureOut">
               <a:rPr lang="en-US" smtClean="0"/>
-              <a:t>12/15/2018</a:t>
+              <a:t>4/15/2019</a:t>
             </a:fld>
             <a:endParaRPr lang="en-US"/>
           </a:p>
@@ -2234,7 +2234,7 @@
           <a:p>
             <a:fld id="{78C97017-6FC3-485B-9764-EAC9E56C1D49}" type="datetimeFigureOut">
               <a:rPr lang="en-US" smtClean="0"/>
-              <a:t>12/15/2018</a:t>
+              <a:t>4/15/2019</a:t>
             </a:fld>
             <a:endParaRPr lang="en-US"/>
           </a:p>
@@ -2329,7 +2329,7 @@
           <a:p>
             <a:fld id="{78C97017-6FC3-485B-9764-EAC9E56C1D49}" type="datetimeFigureOut">
               <a:rPr lang="en-US" smtClean="0"/>
-              <a:t>12/15/2018</a:t>
+              <a:t>4/15/2019</a:t>
             </a:fld>
             <a:endParaRPr lang="en-US"/>
           </a:p>
@@ -2604,7 +2604,7 @@
           <a:p>
             <a:fld id="{78C97017-6FC3-485B-9764-EAC9E56C1D49}" type="datetimeFigureOut">
               <a:rPr lang="en-US" smtClean="0"/>
-              <a:t>12/15/2018</a:t>
+              <a:t>4/15/2019</a:t>
             </a:fld>
             <a:endParaRPr lang="en-US"/>
           </a:p>
@@ -2856,7 +2856,7 @@
           <a:p>
             <a:fld id="{78C97017-6FC3-485B-9764-EAC9E56C1D49}" type="datetimeFigureOut">
               <a:rPr lang="en-US" smtClean="0"/>
-              <a:t>12/15/2018</a:t>
+              <a:t>4/15/2019</a:t>
             </a:fld>
             <a:endParaRPr lang="en-US"/>
           </a:p>
@@ -3067,7 +3067,7 @@
           <a:p>
             <a:fld id="{78C97017-6FC3-485B-9764-EAC9E56C1D49}" type="datetimeFigureOut">
               <a:rPr lang="en-US" smtClean="0"/>
-              <a:t>12/15/2018</a:t>
+              <a:t>4/15/2019</a:t>
             </a:fld>
             <a:endParaRPr lang="en-US"/>
           </a:p>
@@ -3450,8 +3450,8 @@
         </p:nvSpPr>
         <p:spPr>
           <a:xfrm>
-            <a:off x="1217465" y="1447800"/>
-            <a:ext cx="4917083" cy="3962400"/>
+            <a:off x="1371600" y="304800"/>
+            <a:ext cx="4917083" cy="6323530"/>
           </a:xfrm>
           <a:prstGeom prst="roundRect">
             <a:avLst>
@@ -3512,7 +3512,7 @@
         </p:nvSpPr>
         <p:spPr>
           <a:xfrm>
-            <a:off x="2095948" y="2341220"/>
+            <a:off x="2244235" y="1198223"/>
             <a:ext cx="1093635" cy="346760"/>
           </a:xfrm>
           <a:prstGeom prst="rect">
@@ -3572,7 +3572,7 @@
         </p:nvSpPr>
         <p:spPr>
           <a:xfrm>
-            <a:off x="2592528" y="2971800"/>
+            <a:off x="2740815" y="1600203"/>
             <a:ext cx="1093635" cy="236841"/>
           </a:xfrm>
           <a:prstGeom prst="rect">
@@ -3632,7 +3632,7 @@
         </p:nvSpPr>
         <p:spPr>
           <a:xfrm>
-            <a:off x="2092842" y="1770924"/>
+            <a:off x="2241129" y="627927"/>
             <a:ext cx="1093635" cy="346760"/>
           </a:xfrm>
           <a:prstGeom prst="rect">
@@ -3694,7 +3694,7 @@
         </p:nvCxnSpPr>
         <p:spPr>
           <a:xfrm rot="16200000" flipH="1">
-            <a:off x="2529445" y="2227899"/>
+            <a:off x="2677732" y="1084902"/>
             <a:ext cx="223536" cy="3106"/>
           </a:xfrm>
           <a:prstGeom prst="bentConnector3">
@@ -3734,7 +3734,7 @@
         </p:nvSpPr>
         <p:spPr>
           <a:xfrm rot="10800000" flipV="1">
-            <a:off x="5394717" y="2110477"/>
+            <a:off x="5543004" y="967480"/>
             <a:ext cx="270504" cy="175523"/>
           </a:xfrm>
           <a:prstGeom prst="triangle">
@@ -3782,7 +3782,7 @@
         </p:nvCxnSpPr>
         <p:spPr>
           <a:xfrm flipV="1">
-            <a:off x="644735" y="2991937"/>
+            <a:off x="793022" y="1848940"/>
             <a:ext cx="684904" cy="1"/>
           </a:xfrm>
           <a:prstGeom prst="bentConnector3">
@@ -3825,8 +3825,8 @@
         </p:nvSpPr>
         <p:spPr>
           <a:xfrm rot="16200000">
-            <a:off x="5703829" y="2464877"/>
-            <a:ext cx="2362201" cy="328045"/>
+            <a:off x="6173906" y="1000090"/>
+            <a:ext cx="1718622" cy="328045"/>
           </a:xfrm>
           <a:prstGeom prst="roundRect">
             <a:avLst/>
@@ -3885,7 +3885,7 @@
         </p:nvSpPr>
         <p:spPr>
           <a:xfrm>
-            <a:off x="2592528" y="3649359"/>
+            <a:off x="2740815" y="2658759"/>
             <a:ext cx="1093635" cy="236841"/>
           </a:xfrm>
           <a:prstGeom prst="rect">
@@ -3945,7 +3945,7 @@
         </p:nvSpPr>
         <p:spPr>
           <a:xfrm>
-            <a:off x="2592527" y="4563759"/>
+            <a:off x="2741417" y="5982662"/>
             <a:ext cx="1093635" cy="236841"/>
           </a:xfrm>
           <a:prstGeom prst="rect">
@@ -4005,7 +4005,7 @@
         </p:nvSpPr>
         <p:spPr>
           <a:xfrm>
-            <a:off x="2592526" y="3991960"/>
+            <a:off x="2740813" y="4876800"/>
             <a:ext cx="1093635" cy="236841"/>
           </a:xfrm>
           <a:prstGeom prst="rect">
@@ -4045,7 +4045,7 @@
                   </a:schemeClr>
                 </a:solidFill>
               </a:rPr>
-              <a:t>PersonListPanel</a:t>
+              <a:t>PatientListPanel</a:t>
             </a:r>
             <a:endParaRPr lang="en-SG" sz="1050" b="1" dirty="0">
               <a:solidFill>
@@ -4065,7 +4065,7 @@
         </p:nvSpPr>
         <p:spPr>
           <a:xfrm>
-            <a:off x="3839323" y="4228801"/>
+            <a:off x="3994346" y="5058225"/>
             <a:ext cx="1040906" cy="236841"/>
           </a:xfrm>
           <a:prstGeom prst="rect">
@@ -4105,7 +4105,7 @@
                   </a:schemeClr>
                 </a:solidFill>
               </a:rPr>
-              <a:t>PersonCard</a:t>
+              <a:t>PatientCard</a:t>
             </a:r>
             <a:endParaRPr lang="en-SG" sz="1050" b="1" dirty="0">
               <a:solidFill>
@@ -4125,7 +4125,7 @@
         </p:nvSpPr>
         <p:spPr>
           <a:xfrm>
-            <a:off x="2592528" y="4966000"/>
+            <a:off x="2744973" y="6272703"/>
             <a:ext cx="1093635" cy="236841"/>
           </a:xfrm>
           <a:prstGeom prst="rect">
@@ -4185,7 +4185,7 @@
         </p:nvSpPr>
         <p:spPr>
           <a:xfrm>
-            <a:off x="2324548" y="2706452"/>
+            <a:off x="2472835" y="1563455"/>
             <a:ext cx="183156" cy="161573"/>
           </a:xfrm>
           <a:prstGeom prst="flowChartDecision">
@@ -4229,14 +4229,13 @@
         <p:nvCxnSpPr>
           <p:cNvPr id="40" name="Elbow Connector 63"/>
           <p:cNvCxnSpPr>
-            <a:stCxn id="39" idx="2"/>
-            <a:endCxn id="3" idx="1"/>
+            <a:cxnSpLocks/>
           </p:cNvCxnSpPr>
           <p:nvPr/>
         </p:nvCxnSpPr>
         <p:spPr>
           <a:xfrm rot="16200000" flipH="1">
-            <a:off x="2393229" y="2890922"/>
+            <a:off x="2542455" y="1594606"/>
             <a:ext cx="222196" cy="176402"/>
           </a:xfrm>
           <a:prstGeom prst="bentConnector2">
@@ -4274,7 +4273,7 @@
         </p:nvSpPr>
         <p:spPr>
           <a:xfrm>
-            <a:off x="2590799" y="3304308"/>
+            <a:off x="2739086" y="1905003"/>
             <a:ext cx="1095361" cy="236841"/>
           </a:xfrm>
           <a:prstGeom prst="rect">
@@ -4337,8 +4336,8 @@
         </p:nvCxnSpPr>
         <p:spPr>
           <a:xfrm rot="16200000" flipH="1">
-            <a:off x="2054450" y="3229701"/>
-            <a:ext cx="899755" cy="176402"/>
+            <a:off x="2126538" y="2162903"/>
+            <a:ext cx="1052152" cy="176402"/>
           </a:xfrm>
           <a:prstGeom prst="bentConnector2">
             <a:avLst/>
@@ -4371,6 +4370,7 @@
         <p:nvCxnSpPr>
           <p:cNvPr id="47" name="Elbow Connector 63"/>
           <p:cNvCxnSpPr>
+            <a:cxnSpLocks/>
             <a:stCxn id="39" idx="2"/>
             <a:endCxn id="36" idx="1"/>
           </p:cNvCxnSpPr>
@@ -4378,8 +4378,8 @@
         </p:nvCxnSpPr>
         <p:spPr>
           <a:xfrm rot="16200000" flipH="1">
-            <a:off x="1883148" y="3401003"/>
-            <a:ext cx="1242356" cy="176400"/>
+            <a:off x="1017517" y="3271924"/>
+            <a:ext cx="3270193" cy="176400"/>
           </a:xfrm>
           <a:prstGeom prst="bentConnector2">
             <a:avLst/>
@@ -4412,15 +4412,15 @@
         <p:nvCxnSpPr>
           <p:cNvPr id="50" name="Elbow Connector 63"/>
           <p:cNvCxnSpPr>
-            <a:stCxn id="39" idx="2"/>
-            <a:endCxn id="35" idx="1"/>
+            <a:cxnSpLocks/>
+            <a:endCxn id="48" idx="1"/>
           </p:cNvCxnSpPr>
           <p:nvPr/>
         </p:nvCxnSpPr>
         <p:spPr>
           <a:xfrm rot="16200000" flipH="1">
-            <a:off x="1597249" y="3686901"/>
-            <a:ext cx="1814155" cy="176401"/>
+            <a:off x="1663760" y="4300643"/>
+            <a:ext cx="1976230" cy="174926"/>
           </a:xfrm>
           <a:prstGeom prst="bentConnector2">
             <a:avLst/>
@@ -4453,14 +4453,15 @@
         <p:nvCxnSpPr>
           <p:cNvPr id="53" name="Elbow Connector 63"/>
           <p:cNvCxnSpPr>
+            <a:cxnSpLocks/>
             <a:endCxn id="38" idx="1"/>
           </p:cNvCxnSpPr>
           <p:nvPr/>
         </p:nvCxnSpPr>
         <p:spPr>
           <a:xfrm rot="16200000" flipH="1">
-            <a:off x="1184119" y="3676012"/>
-            <a:ext cx="2396440" cy="420377"/>
+            <a:off x="41648" y="3687798"/>
+            <a:ext cx="4998543" cy="408107"/>
           </a:xfrm>
           <a:prstGeom prst="bentConnector2">
             <a:avLst/>
@@ -4497,7 +4498,7 @@
         </p:nvSpPr>
         <p:spPr>
           <a:xfrm>
-            <a:off x="5143948" y="1770924"/>
+            <a:off x="5292235" y="627927"/>
             <a:ext cx="772043" cy="346760"/>
           </a:xfrm>
           <a:prstGeom prst="rect">
@@ -4579,8 +4580,8 @@
         </p:nvCxnSpPr>
         <p:spPr>
           <a:xfrm flipV="1">
-            <a:off x="3686160" y="2286000"/>
-            <a:ext cx="1843809" cy="1136729"/>
+            <a:off x="3834447" y="1143003"/>
+            <a:ext cx="1843809" cy="880421"/>
           </a:xfrm>
           <a:prstGeom prst="bentConnector2">
             <a:avLst/>
@@ -4620,8 +4621,8 @@
         </p:nvCxnSpPr>
         <p:spPr>
           <a:xfrm rot="5400000">
-            <a:off x="4174488" y="2991741"/>
-            <a:ext cx="2061222" cy="649740"/>
+            <a:off x="3339933" y="2838322"/>
+            <a:ext cx="4033643" cy="643004"/>
           </a:xfrm>
           <a:prstGeom prst="bentConnector2">
             <a:avLst/>
@@ -4654,15 +4655,15 @@
         <p:nvCxnSpPr>
           <p:cNvPr id="82" name="Elbow Connector 63"/>
           <p:cNvCxnSpPr>
-            <a:stCxn id="16" idx="3"/>
-            <a:endCxn id="34" idx="3"/>
+            <a:cxnSpLocks/>
+            <a:endCxn id="92" idx="3"/>
           </p:cNvCxnSpPr>
           <p:nvPr/>
         </p:nvCxnSpPr>
         <p:spPr>
           <a:xfrm rot="5400000">
-            <a:off x="3867176" y="2104987"/>
-            <a:ext cx="1481780" cy="1843806"/>
+            <a:off x="5172509" y="1747781"/>
+            <a:ext cx="833442" cy="175038"/>
           </a:xfrm>
           <a:prstGeom prst="bentConnector2">
             <a:avLst/>
@@ -4702,7 +4703,7 @@
         </p:nvCxnSpPr>
         <p:spPr>
           <a:xfrm flipV="1">
-            <a:off x="3189583" y="2286000"/>
+            <a:off x="3337870" y="1143003"/>
             <a:ext cx="2340386" cy="228600"/>
           </a:xfrm>
           <a:prstGeom prst="bentConnector2">
@@ -4743,8 +4744,8 @@
         </p:nvCxnSpPr>
         <p:spPr>
           <a:xfrm rot="5400000">
-            <a:off x="3409976" y="2562187"/>
-            <a:ext cx="2396180" cy="1843807"/>
+            <a:off x="2277614" y="2700441"/>
+            <a:ext cx="4958080" cy="1843204"/>
           </a:xfrm>
           <a:prstGeom prst="bentConnector2">
             <a:avLst/>
@@ -4777,15 +4778,15 @@
         <p:nvCxnSpPr>
           <p:cNvPr id="94" name="Elbow Connector 63"/>
           <p:cNvCxnSpPr>
-            <a:stCxn id="16" idx="3"/>
+            <a:cxnSpLocks/>
             <a:endCxn id="38" idx="3"/>
           </p:cNvCxnSpPr>
           <p:nvPr/>
         </p:nvCxnSpPr>
         <p:spPr>
           <a:xfrm rot="5400000">
-            <a:off x="3208856" y="2763307"/>
-            <a:ext cx="2798421" cy="1843806"/>
+            <a:off x="2058171" y="2771038"/>
+            <a:ext cx="5400523" cy="1839648"/>
           </a:xfrm>
           <a:prstGeom prst="bentConnector2">
             <a:avLst/>
@@ -4824,7 +4825,7 @@
         </p:nvCxnSpPr>
         <p:spPr>
           <a:xfrm rot="5400000" flipH="1" flipV="1">
-            <a:off x="4594921" y="-355061"/>
+            <a:off x="4743208" y="-1498058"/>
             <a:ext cx="170724" cy="4081246"/>
           </a:xfrm>
           <a:prstGeom prst="bentConnector2">
@@ -4863,8 +4864,8 @@
         </p:nvSpPr>
         <p:spPr>
           <a:xfrm rot="16200000">
-            <a:off x="6213739" y="4560376"/>
-            <a:ext cx="1371599" cy="328045"/>
+            <a:off x="4815658" y="4252788"/>
+            <a:ext cx="4423037" cy="328047"/>
           </a:xfrm>
           <a:prstGeom prst="roundRect">
             <a:avLst/>
@@ -4923,7 +4924,7 @@
         </p:nvSpPr>
         <p:spPr>
           <a:xfrm rot="16200000">
-            <a:off x="956202" y="2861202"/>
+            <a:off x="1104489" y="1718205"/>
             <a:ext cx="1093635" cy="346760"/>
           </a:xfrm>
           <a:prstGeom prst="rect">
@@ -4993,7 +4994,7 @@
         </p:nvSpPr>
         <p:spPr>
           <a:xfrm flipV="1">
-            <a:off x="1367767" y="2286001"/>
+            <a:off x="1516054" y="1143004"/>
             <a:ext cx="270504" cy="175523"/>
           </a:xfrm>
           <a:prstGeom prst="triangle">
@@ -5044,7 +5045,7 @@
         </p:nvCxnSpPr>
         <p:spPr>
           <a:xfrm rot="10800000" flipV="1">
-            <a:off x="1503020" y="1944303"/>
+            <a:off x="1651307" y="801306"/>
             <a:ext cx="589823" cy="341697"/>
           </a:xfrm>
           <a:prstGeom prst="bentConnector2">
@@ -5086,8 +5087,8 @@
         </p:nvCxnSpPr>
         <p:spPr>
           <a:xfrm rot="16200000" flipH="1">
-            <a:off x="2226110" y="3058040"/>
-            <a:ext cx="554704" cy="174673"/>
+            <a:off x="2502551" y="1786889"/>
+            <a:ext cx="298396" cy="174673"/>
           </a:xfrm>
           <a:prstGeom prst="bentConnector2">
             <a:avLst/>
@@ -5127,8 +5128,8 @@
         </p:nvCxnSpPr>
         <p:spPr>
           <a:xfrm rot="5400000">
-            <a:off x="4205956" y="1766207"/>
-            <a:ext cx="804221" cy="1843806"/>
+            <a:off x="4468543" y="508910"/>
+            <a:ext cx="575621" cy="1843806"/>
           </a:xfrm>
           <a:prstGeom prst="bentConnector2">
             <a:avLst/>
@@ -5168,8 +5169,8 @@
         </p:nvCxnSpPr>
         <p:spPr>
           <a:xfrm rot="16200000" flipH="1">
-            <a:off x="3430123" y="3938021"/>
-            <a:ext cx="118421" cy="699979"/>
+            <a:off x="3609486" y="4791785"/>
+            <a:ext cx="63005" cy="706715"/>
           </a:xfrm>
           <a:prstGeom prst="bentConnector2">
             <a:avLst/>
@@ -5209,8 +5210,8 @@
         </p:nvCxnSpPr>
         <p:spPr>
           <a:xfrm rot="5400000">
-            <a:off x="3695875" y="2276286"/>
-            <a:ext cx="1824381" cy="1843808"/>
+            <a:off x="2830243" y="2147208"/>
+            <a:ext cx="3852218" cy="1843808"/>
           </a:xfrm>
           <a:prstGeom prst="bentConnector2">
             <a:avLst/>
@@ -5247,7 +5248,7 @@
         </p:nvSpPr>
         <p:spPr>
           <a:xfrm>
-            <a:off x="5422048" y="2339335"/>
+            <a:off x="5570335" y="1196338"/>
             <a:ext cx="229325" cy="166560"/>
           </a:xfrm>
           <a:prstGeom prst="rect">
@@ -5300,7 +5301,7 @@
         </p:nvSpPr>
         <p:spPr>
           <a:xfrm>
-            <a:off x="3186477" y="2405681"/>
+            <a:off x="3334764" y="1262684"/>
             <a:ext cx="3537529" cy="45719"/>
           </a:xfrm>
           <a:custGeom>
@@ -5382,7 +5383,7 @@
         </p:nvSpPr>
         <p:spPr>
           <a:xfrm>
-            <a:off x="5431573" y="4488138"/>
+            <a:off x="5579860" y="3345141"/>
             <a:ext cx="229325" cy="160062"/>
           </a:xfrm>
           <a:prstGeom prst="rect">
@@ -5435,8 +5436,2289 @@
         </p:nvSpPr>
         <p:spPr>
           <a:xfrm flipV="1">
-            <a:off x="4114799" y="4472708"/>
+            <a:off x="4226998" y="5295066"/>
             <a:ext cx="2642195" cy="101600"/>
+          </a:xfrm>
+          <a:custGeom>
+            <a:avLst/>
+            <a:gdLst>
+              <a:gd name="connsiteX0" fmla="*/ 0 w 3048000"/>
+              <a:gd name="connsiteY0" fmla="*/ 203200 h 203200"/>
+              <a:gd name="connsiteX1" fmla="*/ 221673 w 3048000"/>
+              <a:gd name="connsiteY1" fmla="*/ 0 h 203200"/>
+              <a:gd name="connsiteX2" fmla="*/ 3048000 w 3048000"/>
+              <a:gd name="connsiteY2" fmla="*/ 0 h 203200"/>
+            </a:gdLst>
+            <a:ahLst/>
+            <a:cxnLst>
+              <a:cxn ang="0">
+                <a:pos x="connsiteX0" y="connsiteY0"/>
+              </a:cxn>
+              <a:cxn ang="0">
+                <a:pos x="connsiteX1" y="connsiteY1"/>
+              </a:cxn>
+              <a:cxn ang="0">
+                <a:pos x="connsiteX2" y="connsiteY2"/>
+              </a:cxn>
+            </a:cxnLst>
+            <a:rect l="l" t="t" r="r" b="b"/>
+            <a:pathLst>
+              <a:path w="3048000" h="203200">
+                <a:moveTo>
+                  <a:pt x="0" y="203200"/>
+                </a:moveTo>
+                <a:lnTo>
+                  <a:pt x="221673" y="0"/>
+                </a:lnTo>
+                <a:lnTo>
+                  <a:pt x="3048000" y="0"/>
+                </a:lnTo>
+              </a:path>
+            </a:pathLst>
+          </a:custGeom>
+          <a:noFill/>
+          <a:ln w="19050">
+            <a:solidFill>
+              <a:schemeClr val="accent3"/>
+            </a:solidFill>
+            <a:prstDash val="sysDot"/>
+            <a:headEnd type="none" w="med" len="med"/>
+            <a:tailEnd type="arrow" w="med" len="med"/>
+          </a:ln>
+          <a:effectLst/>
+        </p:spPr>
+        <p:style>
+          <a:lnRef idx="1">
+            <a:schemeClr val="accent2"/>
+          </a:lnRef>
+          <a:fillRef idx="2">
+            <a:schemeClr val="accent2"/>
+          </a:fillRef>
+          <a:effectRef idx="1">
+            <a:schemeClr val="accent2"/>
+          </a:effectRef>
+          <a:fontRef idx="minor">
+            <a:schemeClr val="dk1"/>
+          </a:fontRef>
+        </p:style>
+        <p:txBody>
+          <a:bodyPr rtlCol="0" anchor="ctr"/>
+          <a:lstStyle/>
+          <a:p>
+            <a:pPr algn="ctr"/>
+            <a:endParaRPr lang="en-SG"/>
+          </a:p>
+        </p:txBody>
+      </p:sp>
+      <p:cxnSp>
+        <p:nvCxnSpPr>
+          <p:cNvPr id="42" name="Elbow Connector 63">
+            <a:extLst>
+              <a:ext uri="{FF2B5EF4-FFF2-40B4-BE49-F238E27FC236}">
+                <a16:creationId xmlns:a16="http://schemas.microsoft.com/office/drawing/2014/main" id="{8D36ABBE-C61C-45DA-9BC4-B550B6F7BE3F}"/>
+              </a:ext>
+            </a:extLst>
+          </p:cNvPr>
+          <p:cNvCxnSpPr>
+            <a:cxnSpLocks/>
+            <a:endCxn id="35" idx="1"/>
+          </p:cNvCxnSpPr>
+          <p:nvPr/>
+        </p:nvCxnSpPr>
+        <p:spPr>
+          <a:xfrm rot="16200000" flipH="1">
+            <a:off x="1855994" y="5215660"/>
+            <a:ext cx="1597044" cy="173802"/>
+          </a:xfrm>
+          <a:prstGeom prst="bentConnector2">
+            <a:avLst/>
+          </a:prstGeom>
+          <a:ln w="19050">
+            <a:solidFill>
+              <a:schemeClr val="accent3"/>
+            </a:solidFill>
+            <a:headEnd type="none" w="med" len="med"/>
+            <a:tailEnd type="arrow" w="med" len="med"/>
+          </a:ln>
+          <a:effectLst/>
+        </p:spPr>
+        <p:style>
+          <a:lnRef idx="1">
+            <a:schemeClr val="accent2"/>
+          </a:lnRef>
+          <a:fillRef idx="2">
+            <a:schemeClr val="accent2"/>
+          </a:fillRef>
+          <a:effectRef idx="1">
+            <a:schemeClr val="accent2"/>
+          </a:effectRef>
+          <a:fontRef idx="minor">
+            <a:schemeClr val="dk1"/>
+          </a:fontRef>
+        </p:style>
+      </p:cxnSp>
+      <p:sp>
+        <p:nvSpPr>
+          <p:cNvPr id="48" name="Rectangle 11">
+            <a:extLst>
+              <a:ext uri="{FF2B5EF4-FFF2-40B4-BE49-F238E27FC236}">
+                <a16:creationId xmlns:a16="http://schemas.microsoft.com/office/drawing/2014/main" id="{7297C0FF-F8EA-4128-B346-05FD9A3A9231}"/>
+              </a:ext>
+            </a:extLst>
+          </p:cNvPr>
+          <p:cNvSpPr/>
+          <p:nvPr/>
+        </p:nvSpPr>
+        <p:spPr>
+          <a:xfrm>
+            <a:off x="2739338" y="5257800"/>
+            <a:ext cx="1093635" cy="236841"/>
+          </a:xfrm>
+          <a:prstGeom prst="rect">
+            <a:avLst/>
+          </a:prstGeom>
+          <a:ln w="19050">
+            <a:solidFill>
+              <a:schemeClr val="accent3"/>
+            </a:solidFill>
+          </a:ln>
+          <a:effectLst/>
+        </p:spPr>
+        <p:style>
+          <a:lnRef idx="1">
+            <a:schemeClr val="accent3"/>
+          </a:lnRef>
+          <a:fillRef idx="2">
+            <a:schemeClr val="accent3"/>
+          </a:fillRef>
+          <a:effectRef idx="1">
+            <a:schemeClr val="accent3"/>
+          </a:effectRef>
+          <a:fontRef idx="minor">
+            <a:schemeClr val="dk1"/>
+          </a:fontRef>
+        </p:style>
+        <p:txBody>
+          <a:bodyPr rtlCol="0" anchor="ctr"/>
+          <a:lstStyle/>
+          <a:p>
+            <a:pPr algn="ctr"/>
+            <a:r>
+              <a:rPr lang="en-US" sz="1050" b="1" dirty="0" err="1">
+                <a:solidFill>
+                  <a:schemeClr val="accent3">
+                    <a:lumMod val="75000"/>
+                  </a:schemeClr>
+                </a:solidFill>
+              </a:rPr>
+              <a:t>DoctorListPanel</a:t>
+            </a:r>
+            <a:endParaRPr lang="en-SG" sz="1050" b="1" dirty="0">
+              <a:solidFill>
+                <a:schemeClr val="accent3">
+                  <a:lumMod val="75000"/>
+                </a:schemeClr>
+              </a:solidFill>
+            </a:endParaRPr>
+          </a:p>
+        </p:txBody>
+      </p:sp>
+      <p:sp>
+        <p:nvSpPr>
+          <p:cNvPr id="49" name="Rectangle 11">
+            <a:extLst>
+              <a:ext uri="{FF2B5EF4-FFF2-40B4-BE49-F238E27FC236}">
+                <a16:creationId xmlns:a16="http://schemas.microsoft.com/office/drawing/2014/main" id="{C63E4E33-1835-4D5A-B183-6B0CBE8A5929}"/>
+              </a:ext>
+            </a:extLst>
+          </p:cNvPr>
+          <p:cNvSpPr/>
+          <p:nvPr/>
+        </p:nvSpPr>
+        <p:spPr>
+          <a:xfrm>
+            <a:off x="4011431" y="5430984"/>
+            <a:ext cx="1040906" cy="236841"/>
+          </a:xfrm>
+          <a:prstGeom prst="rect">
+            <a:avLst/>
+          </a:prstGeom>
+          <a:ln w="19050">
+            <a:solidFill>
+              <a:schemeClr val="accent3"/>
+            </a:solidFill>
+          </a:ln>
+          <a:effectLst/>
+        </p:spPr>
+        <p:style>
+          <a:lnRef idx="1">
+            <a:schemeClr val="accent3"/>
+          </a:lnRef>
+          <a:fillRef idx="2">
+            <a:schemeClr val="accent3"/>
+          </a:fillRef>
+          <a:effectRef idx="1">
+            <a:schemeClr val="accent3"/>
+          </a:effectRef>
+          <a:fontRef idx="minor">
+            <a:schemeClr val="dk1"/>
+          </a:fontRef>
+        </p:style>
+        <p:txBody>
+          <a:bodyPr rtlCol="0" anchor="ctr"/>
+          <a:lstStyle/>
+          <a:p>
+            <a:pPr algn="ctr"/>
+            <a:r>
+              <a:rPr lang="en-US" sz="1050" b="1" dirty="0" err="1">
+                <a:solidFill>
+                  <a:schemeClr val="accent3">
+                    <a:lumMod val="75000"/>
+                  </a:schemeClr>
+                </a:solidFill>
+              </a:rPr>
+              <a:t>DoctorCard</a:t>
+            </a:r>
+            <a:endParaRPr lang="en-SG" sz="1050" b="1" dirty="0">
+              <a:solidFill>
+                <a:schemeClr val="accent3">
+                  <a:lumMod val="75000"/>
+                </a:schemeClr>
+              </a:solidFill>
+            </a:endParaRPr>
+          </a:p>
+        </p:txBody>
+      </p:sp>
+      <p:cxnSp>
+        <p:nvCxnSpPr>
+          <p:cNvPr id="51" name="Elbow Connector 136">
+            <a:extLst>
+              <a:ext uri="{FF2B5EF4-FFF2-40B4-BE49-F238E27FC236}">
+                <a16:creationId xmlns:a16="http://schemas.microsoft.com/office/drawing/2014/main" id="{BEFD7A79-5ACB-43FD-BE34-E67ADBADA71E}"/>
+              </a:ext>
+            </a:extLst>
+          </p:cNvPr>
+          <p:cNvCxnSpPr>
+            <a:cxnSpLocks/>
+            <a:stCxn id="48" idx="2"/>
+            <a:endCxn id="49" idx="1"/>
+          </p:cNvCxnSpPr>
+          <p:nvPr/>
+        </p:nvCxnSpPr>
+        <p:spPr>
+          <a:xfrm rot="16200000" flipH="1">
+            <a:off x="3621411" y="5159385"/>
+            <a:ext cx="54764" cy="725275"/>
+          </a:xfrm>
+          <a:prstGeom prst="bentConnector2">
+            <a:avLst/>
+          </a:prstGeom>
+          <a:ln w="19050">
+            <a:solidFill>
+              <a:schemeClr val="accent3"/>
+            </a:solidFill>
+            <a:headEnd type="none" w="med" len="med"/>
+            <a:tailEnd type="arrow" w="med" len="med"/>
+          </a:ln>
+          <a:effectLst/>
+        </p:spPr>
+        <p:style>
+          <a:lnRef idx="1">
+            <a:schemeClr val="accent2"/>
+          </a:lnRef>
+          <a:fillRef idx="2">
+            <a:schemeClr val="accent2"/>
+          </a:fillRef>
+          <a:effectRef idx="1">
+            <a:schemeClr val="accent2"/>
+          </a:effectRef>
+          <a:fontRef idx="minor">
+            <a:schemeClr val="dk1"/>
+          </a:fontRef>
+        </p:style>
+      </p:cxnSp>
+      <p:sp>
+        <p:nvSpPr>
+          <p:cNvPr id="54" name="Freeform 117">
+            <a:extLst>
+              <a:ext uri="{FF2B5EF4-FFF2-40B4-BE49-F238E27FC236}">
+                <a16:creationId xmlns:a16="http://schemas.microsoft.com/office/drawing/2014/main" id="{9117C7A5-78AC-4383-BA2F-C27D0CB1224B}"/>
+              </a:ext>
+            </a:extLst>
+          </p:cNvPr>
+          <p:cNvSpPr/>
+          <p:nvPr/>
+        </p:nvSpPr>
+        <p:spPr>
+          <a:xfrm flipV="1">
+            <a:off x="4226999" y="5676198"/>
+            <a:ext cx="2642195" cy="101600"/>
+          </a:xfrm>
+          <a:custGeom>
+            <a:avLst/>
+            <a:gdLst>
+              <a:gd name="connsiteX0" fmla="*/ 0 w 3048000"/>
+              <a:gd name="connsiteY0" fmla="*/ 203200 h 203200"/>
+              <a:gd name="connsiteX1" fmla="*/ 221673 w 3048000"/>
+              <a:gd name="connsiteY1" fmla="*/ 0 h 203200"/>
+              <a:gd name="connsiteX2" fmla="*/ 3048000 w 3048000"/>
+              <a:gd name="connsiteY2" fmla="*/ 0 h 203200"/>
+            </a:gdLst>
+            <a:ahLst/>
+            <a:cxnLst>
+              <a:cxn ang="0">
+                <a:pos x="connsiteX0" y="connsiteY0"/>
+              </a:cxn>
+              <a:cxn ang="0">
+                <a:pos x="connsiteX1" y="connsiteY1"/>
+              </a:cxn>
+              <a:cxn ang="0">
+                <a:pos x="connsiteX2" y="connsiteY2"/>
+              </a:cxn>
+            </a:cxnLst>
+            <a:rect l="l" t="t" r="r" b="b"/>
+            <a:pathLst>
+              <a:path w="3048000" h="203200">
+                <a:moveTo>
+                  <a:pt x="0" y="203200"/>
+                </a:moveTo>
+                <a:lnTo>
+                  <a:pt x="221673" y="0"/>
+                </a:lnTo>
+                <a:lnTo>
+                  <a:pt x="3048000" y="0"/>
+                </a:lnTo>
+              </a:path>
+            </a:pathLst>
+          </a:custGeom>
+          <a:noFill/>
+          <a:ln w="19050">
+            <a:solidFill>
+              <a:schemeClr val="accent3"/>
+            </a:solidFill>
+            <a:prstDash val="sysDot"/>
+            <a:headEnd type="none" w="med" len="med"/>
+            <a:tailEnd type="arrow" w="med" len="med"/>
+          </a:ln>
+          <a:effectLst/>
+        </p:spPr>
+        <p:style>
+          <a:lnRef idx="1">
+            <a:schemeClr val="accent2"/>
+          </a:lnRef>
+          <a:fillRef idx="2">
+            <a:schemeClr val="accent2"/>
+          </a:fillRef>
+          <a:effectRef idx="1">
+            <a:schemeClr val="accent2"/>
+          </a:effectRef>
+          <a:fontRef idx="minor">
+            <a:schemeClr val="dk1"/>
+          </a:fontRef>
+        </p:style>
+        <p:txBody>
+          <a:bodyPr rtlCol="0" anchor="ctr"/>
+          <a:lstStyle/>
+          <a:p>
+            <a:pPr algn="ctr"/>
+            <a:endParaRPr lang="en-SG"/>
+          </a:p>
+        </p:txBody>
+      </p:sp>
+      <p:cxnSp>
+        <p:nvCxnSpPr>
+          <p:cNvPr id="55" name="Elbow Connector 63">
+            <a:extLst>
+              <a:ext uri="{FF2B5EF4-FFF2-40B4-BE49-F238E27FC236}">
+                <a16:creationId xmlns:a16="http://schemas.microsoft.com/office/drawing/2014/main" id="{17B8EDE1-EBFF-4360-8F75-7CF47344D6C2}"/>
+              </a:ext>
+            </a:extLst>
+          </p:cNvPr>
+          <p:cNvCxnSpPr>
+            <a:cxnSpLocks/>
+            <a:endCxn id="49" idx="3"/>
+          </p:cNvCxnSpPr>
+          <p:nvPr/>
+        </p:nvCxnSpPr>
+        <p:spPr>
+          <a:xfrm rot="5400000">
+            <a:off x="4517042" y="4381453"/>
+            <a:ext cx="1703247" cy="632656"/>
+          </a:xfrm>
+          <a:prstGeom prst="bentConnector2">
+            <a:avLst/>
+          </a:prstGeom>
+          <a:ln w="6350">
+            <a:solidFill>
+              <a:schemeClr val="accent3"/>
+            </a:solidFill>
+            <a:headEnd type="none" w="med" len="med"/>
+            <a:tailEnd type="none" w="med" len="med"/>
+          </a:ln>
+          <a:effectLst/>
+        </p:spPr>
+        <p:style>
+          <a:lnRef idx="1">
+            <a:schemeClr val="accent2"/>
+          </a:lnRef>
+          <a:fillRef idx="2">
+            <a:schemeClr val="accent2"/>
+          </a:fillRef>
+          <a:effectRef idx="1">
+            <a:schemeClr val="accent2"/>
+          </a:effectRef>
+          <a:fontRef idx="minor">
+            <a:schemeClr val="dk1"/>
+          </a:fontRef>
+        </p:style>
+      </p:cxnSp>
+      <p:sp>
+        <p:nvSpPr>
+          <p:cNvPr id="57" name="Flowchart: Decision 56">
+            <a:extLst>
+              <a:ext uri="{FF2B5EF4-FFF2-40B4-BE49-F238E27FC236}">
+                <a16:creationId xmlns:a16="http://schemas.microsoft.com/office/drawing/2014/main" id="{02999279-4429-46DC-8B54-D36794DD2121}"/>
+              </a:ext>
+            </a:extLst>
+          </p:cNvPr>
+          <p:cNvSpPr/>
+          <p:nvPr/>
+        </p:nvSpPr>
+        <p:spPr>
+          <a:xfrm>
+            <a:off x="3844404" y="2696392"/>
+            <a:ext cx="183156" cy="161573"/>
+          </a:xfrm>
+          <a:prstGeom prst="flowChartDecision">
+            <a:avLst/>
+          </a:prstGeom>
+          <a:solidFill>
+            <a:schemeClr val="accent3"/>
+          </a:solidFill>
+          <a:ln>
+            <a:solidFill>
+              <a:schemeClr val="accent3"/>
+            </a:solidFill>
+          </a:ln>
+        </p:spPr>
+        <p:style>
+          <a:lnRef idx="2">
+            <a:schemeClr val="accent1">
+              <a:shade val="50000"/>
+            </a:schemeClr>
+          </a:lnRef>
+          <a:fillRef idx="1">
+            <a:schemeClr val="accent1"/>
+          </a:fillRef>
+          <a:effectRef idx="0">
+            <a:schemeClr val="accent1"/>
+          </a:effectRef>
+          <a:fontRef idx="minor">
+            <a:schemeClr val="lt1"/>
+          </a:fontRef>
+        </p:style>
+        <p:txBody>
+          <a:bodyPr rtlCol="0" anchor="ctr"/>
+          <a:lstStyle/>
+          <a:p>
+            <a:pPr algn="ctr"/>
+            <a:endParaRPr lang="en-SG"/>
+          </a:p>
+        </p:txBody>
+      </p:sp>
+      <p:cxnSp>
+        <p:nvCxnSpPr>
+          <p:cNvPr id="70" name="Elbow Connector 63">
+            <a:extLst>
+              <a:ext uri="{FF2B5EF4-FFF2-40B4-BE49-F238E27FC236}">
+                <a16:creationId xmlns:a16="http://schemas.microsoft.com/office/drawing/2014/main" id="{571E156E-91A7-491D-B513-CD5F3565F209}"/>
+              </a:ext>
+            </a:extLst>
+          </p:cNvPr>
+          <p:cNvCxnSpPr>
+            <a:cxnSpLocks/>
+            <a:stCxn id="57" idx="0"/>
+            <a:endCxn id="92" idx="1"/>
+          </p:cNvCxnSpPr>
+          <p:nvPr/>
+        </p:nvCxnSpPr>
+        <p:spPr>
+          <a:xfrm rot="5400000" flipH="1" flipV="1">
+            <a:off x="3833961" y="2354043"/>
+            <a:ext cx="444371" cy="240329"/>
+          </a:xfrm>
+          <a:prstGeom prst="bentConnector2">
+            <a:avLst/>
+          </a:prstGeom>
+          <a:ln w="19050">
+            <a:solidFill>
+              <a:schemeClr val="accent3"/>
+            </a:solidFill>
+            <a:headEnd type="none" w="med" len="med"/>
+            <a:tailEnd type="arrow" w="med" len="med"/>
+          </a:ln>
+          <a:effectLst/>
+        </p:spPr>
+        <p:style>
+          <a:lnRef idx="1">
+            <a:schemeClr val="accent2"/>
+          </a:lnRef>
+          <a:fillRef idx="2">
+            <a:schemeClr val="accent2"/>
+          </a:fillRef>
+          <a:effectRef idx="1">
+            <a:schemeClr val="accent2"/>
+          </a:effectRef>
+          <a:fontRef idx="minor">
+            <a:schemeClr val="dk1"/>
+          </a:fontRef>
+        </p:style>
+      </p:cxnSp>
+      <p:cxnSp>
+        <p:nvCxnSpPr>
+          <p:cNvPr id="78" name="Elbow Connector 63">
+            <a:extLst>
+              <a:ext uri="{FF2B5EF4-FFF2-40B4-BE49-F238E27FC236}">
+                <a16:creationId xmlns:a16="http://schemas.microsoft.com/office/drawing/2014/main" id="{CF191709-E8E0-47D5-8C83-DE2E21BD42AC}"/>
+              </a:ext>
+            </a:extLst>
+          </p:cNvPr>
+          <p:cNvCxnSpPr>
+            <a:cxnSpLocks/>
+            <a:stCxn id="57" idx="0"/>
+            <a:endCxn id="95" idx="1"/>
+          </p:cNvCxnSpPr>
+          <p:nvPr/>
+        </p:nvCxnSpPr>
+        <p:spPr>
+          <a:xfrm rot="5400000" flipH="1" flipV="1">
+            <a:off x="4025544" y="2543460"/>
+            <a:ext cx="63371" cy="242494"/>
+          </a:xfrm>
+          <a:prstGeom prst="bentConnector2">
+            <a:avLst/>
+          </a:prstGeom>
+          <a:ln w="19050">
+            <a:solidFill>
+              <a:schemeClr val="accent3"/>
+            </a:solidFill>
+            <a:headEnd type="none" w="med" len="med"/>
+            <a:tailEnd type="arrow" w="med" len="med"/>
+          </a:ln>
+          <a:effectLst/>
+        </p:spPr>
+        <p:style>
+          <a:lnRef idx="1">
+            <a:schemeClr val="accent2"/>
+          </a:lnRef>
+          <a:fillRef idx="2">
+            <a:schemeClr val="accent2"/>
+          </a:fillRef>
+          <a:effectRef idx="1">
+            <a:schemeClr val="accent2"/>
+          </a:effectRef>
+          <a:fontRef idx="minor">
+            <a:schemeClr val="dk1"/>
+          </a:fontRef>
+        </p:style>
+      </p:cxnSp>
+      <p:sp>
+        <p:nvSpPr>
+          <p:cNvPr id="92" name="Rectangle 11">
+            <a:extLst>
+              <a:ext uri="{FF2B5EF4-FFF2-40B4-BE49-F238E27FC236}">
+                <a16:creationId xmlns:a16="http://schemas.microsoft.com/office/drawing/2014/main" id="{5D9716FD-7A21-43FC-8FE9-881D9FCF9675}"/>
+              </a:ext>
+            </a:extLst>
+          </p:cNvPr>
+          <p:cNvSpPr/>
+          <p:nvPr/>
+        </p:nvSpPr>
+        <p:spPr>
+          <a:xfrm>
+            <a:off x="4176311" y="2133600"/>
+            <a:ext cx="1325400" cy="236841"/>
+          </a:xfrm>
+          <a:prstGeom prst="rect">
+            <a:avLst/>
+          </a:prstGeom>
+          <a:ln w="19050">
+            <a:solidFill>
+              <a:schemeClr val="accent3"/>
+            </a:solidFill>
+          </a:ln>
+          <a:effectLst/>
+        </p:spPr>
+        <p:style>
+          <a:lnRef idx="1">
+            <a:schemeClr val="accent3"/>
+          </a:lnRef>
+          <a:fillRef idx="2">
+            <a:schemeClr val="accent3"/>
+          </a:fillRef>
+          <a:effectRef idx="1">
+            <a:schemeClr val="accent3"/>
+          </a:effectRef>
+          <a:fontRef idx="minor">
+            <a:schemeClr val="dk1"/>
+          </a:fontRef>
+        </p:style>
+        <p:txBody>
+          <a:bodyPr rtlCol="0" anchor="ctr"/>
+          <a:lstStyle/>
+          <a:p>
+            <a:pPr algn="ctr"/>
+            <a:r>
+              <a:rPr lang="en-US" sz="1050" b="1" dirty="0" err="1">
+                <a:solidFill>
+                  <a:schemeClr val="accent3">
+                    <a:lumMod val="75000"/>
+                  </a:schemeClr>
+                </a:solidFill>
+              </a:rPr>
+              <a:t>PatientBrowser</a:t>
+            </a:r>
+            <a:endParaRPr lang="en-SG" sz="1050" b="1" dirty="0">
+              <a:solidFill>
+                <a:schemeClr val="accent3">
+                  <a:lumMod val="75000"/>
+                </a:schemeClr>
+              </a:solidFill>
+            </a:endParaRPr>
+          </a:p>
+        </p:txBody>
+      </p:sp>
+      <p:sp>
+        <p:nvSpPr>
+          <p:cNvPr id="95" name="Rectangle 11">
+            <a:extLst>
+              <a:ext uri="{FF2B5EF4-FFF2-40B4-BE49-F238E27FC236}">
+                <a16:creationId xmlns:a16="http://schemas.microsoft.com/office/drawing/2014/main" id="{1B27A99A-167A-4945-A116-4A8E76D4E098}"/>
+              </a:ext>
+            </a:extLst>
+          </p:cNvPr>
+          <p:cNvSpPr/>
+          <p:nvPr/>
+        </p:nvSpPr>
+        <p:spPr>
+          <a:xfrm>
+            <a:off x="4178476" y="2514600"/>
+            <a:ext cx="1323235" cy="236841"/>
+          </a:xfrm>
+          <a:prstGeom prst="rect">
+            <a:avLst/>
+          </a:prstGeom>
+          <a:ln w="19050">
+            <a:solidFill>
+              <a:schemeClr val="accent3"/>
+            </a:solidFill>
+          </a:ln>
+          <a:effectLst/>
+        </p:spPr>
+        <p:style>
+          <a:lnRef idx="1">
+            <a:schemeClr val="accent3"/>
+          </a:lnRef>
+          <a:fillRef idx="2">
+            <a:schemeClr val="accent3"/>
+          </a:fillRef>
+          <a:effectRef idx="1">
+            <a:schemeClr val="accent3"/>
+          </a:effectRef>
+          <a:fontRef idx="minor">
+            <a:schemeClr val="dk1"/>
+          </a:fontRef>
+        </p:style>
+        <p:txBody>
+          <a:bodyPr rtlCol="0" anchor="ctr"/>
+          <a:lstStyle/>
+          <a:p>
+            <a:pPr algn="ctr"/>
+            <a:r>
+              <a:rPr lang="en-US" sz="1050" b="1" dirty="0" err="1">
+                <a:solidFill>
+                  <a:schemeClr val="accent3">
+                    <a:lumMod val="75000"/>
+                  </a:schemeClr>
+                </a:solidFill>
+              </a:rPr>
+              <a:t>DoctorBrowser</a:t>
+            </a:r>
+            <a:endParaRPr lang="en-SG" sz="1050" b="1" dirty="0">
+              <a:solidFill>
+                <a:schemeClr val="accent3">
+                  <a:lumMod val="75000"/>
+                </a:schemeClr>
+              </a:solidFill>
+            </a:endParaRPr>
+          </a:p>
+        </p:txBody>
+      </p:sp>
+      <p:cxnSp>
+        <p:nvCxnSpPr>
+          <p:cNvPr id="98" name="Elbow Connector 63">
+            <a:extLst>
+              <a:ext uri="{FF2B5EF4-FFF2-40B4-BE49-F238E27FC236}">
+                <a16:creationId xmlns:a16="http://schemas.microsoft.com/office/drawing/2014/main" id="{EFC5C591-0C8B-4C72-950D-631C6F4FFE21}"/>
+              </a:ext>
+            </a:extLst>
+          </p:cNvPr>
+          <p:cNvCxnSpPr>
+            <a:cxnSpLocks/>
+            <a:stCxn id="57" idx="2"/>
+            <a:endCxn id="100" idx="1"/>
+          </p:cNvCxnSpPr>
+          <p:nvPr/>
+        </p:nvCxnSpPr>
+        <p:spPr>
+          <a:xfrm rot="16200000" flipH="1">
+            <a:off x="3978118" y="2815828"/>
+            <a:ext cx="156056" cy="240329"/>
+          </a:xfrm>
+          <a:prstGeom prst="bentConnector2">
+            <a:avLst/>
+          </a:prstGeom>
+          <a:ln w="19050">
+            <a:solidFill>
+              <a:schemeClr val="accent3"/>
+            </a:solidFill>
+            <a:headEnd type="none" w="med" len="med"/>
+            <a:tailEnd type="arrow" w="med" len="med"/>
+          </a:ln>
+          <a:effectLst/>
+        </p:spPr>
+        <p:style>
+          <a:lnRef idx="1">
+            <a:schemeClr val="accent2"/>
+          </a:lnRef>
+          <a:fillRef idx="2">
+            <a:schemeClr val="accent2"/>
+          </a:fillRef>
+          <a:effectRef idx="1">
+            <a:schemeClr val="accent2"/>
+          </a:effectRef>
+          <a:fontRef idx="minor">
+            <a:schemeClr val="dk1"/>
+          </a:fontRef>
+        </p:style>
+      </p:cxnSp>
+      <p:cxnSp>
+        <p:nvCxnSpPr>
+          <p:cNvPr id="99" name="Elbow Connector 63">
+            <a:extLst>
+              <a:ext uri="{FF2B5EF4-FFF2-40B4-BE49-F238E27FC236}">
+                <a16:creationId xmlns:a16="http://schemas.microsoft.com/office/drawing/2014/main" id="{F1DB0F69-D008-4516-A9C6-B9ADAD35D79F}"/>
+              </a:ext>
+            </a:extLst>
+          </p:cNvPr>
+          <p:cNvCxnSpPr>
+            <a:cxnSpLocks/>
+            <a:stCxn id="57" idx="2"/>
+            <a:endCxn id="102" idx="1"/>
+          </p:cNvCxnSpPr>
+          <p:nvPr/>
+        </p:nvCxnSpPr>
+        <p:spPr>
+          <a:xfrm rot="16200000" flipH="1">
+            <a:off x="3791739" y="3002208"/>
+            <a:ext cx="528815" cy="240328"/>
+          </a:xfrm>
+          <a:prstGeom prst="bentConnector2">
+            <a:avLst/>
+          </a:prstGeom>
+          <a:ln w="19050">
+            <a:solidFill>
+              <a:schemeClr val="accent3"/>
+            </a:solidFill>
+            <a:headEnd type="none" w="med" len="med"/>
+            <a:tailEnd type="arrow" w="med" len="med"/>
+          </a:ln>
+          <a:effectLst/>
+        </p:spPr>
+        <p:style>
+          <a:lnRef idx="1">
+            <a:schemeClr val="accent2"/>
+          </a:lnRef>
+          <a:fillRef idx="2">
+            <a:schemeClr val="accent2"/>
+          </a:fillRef>
+          <a:effectRef idx="1">
+            <a:schemeClr val="accent2"/>
+          </a:effectRef>
+          <a:fontRef idx="minor">
+            <a:schemeClr val="dk1"/>
+          </a:fontRef>
+        </p:style>
+      </p:cxnSp>
+      <p:sp>
+        <p:nvSpPr>
+          <p:cNvPr id="100" name="Rectangle 11">
+            <a:extLst>
+              <a:ext uri="{FF2B5EF4-FFF2-40B4-BE49-F238E27FC236}">
+                <a16:creationId xmlns:a16="http://schemas.microsoft.com/office/drawing/2014/main" id="{02E585C1-2CE1-4915-BE1F-A00A431F7F76}"/>
+              </a:ext>
+            </a:extLst>
+          </p:cNvPr>
+          <p:cNvSpPr/>
+          <p:nvPr/>
+        </p:nvSpPr>
+        <p:spPr>
+          <a:xfrm>
+            <a:off x="4176311" y="2895600"/>
+            <a:ext cx="1323234" cy="236841"/>
+          </a:xfrm>
+          <a:prstGeom prst="rect">
+            <a:avLst/>
+          </a:prstGeom>
+          <a:ln w="19050">
+            <a:solidFill>
+              <a:schemeClr val="accent3"/>
+            </a:solidFill>
+          </a:ln>
+          <a:effectLst/>
+        </p:spPr>
+        <p:style>
+          <a:lnRef idx="1">
+            <a:schemeClr val="accent3"/>
+          </a:lnRef>
+          <a:fillRef idx="2">
+            <a:schemeClr val="accent3"/>
+          </a:fillRef>
+          <a:effectRef idx="1">
+            <a:schemeClr val="accent3"/>
+          </a:effectRef>
+          <a:fontRef idx="minor">
+            <a:schemeClr val="dk1"/>
+          </a:fontRef>
+        </p:style>
+        <p:txBody>
+          <a:bodyPr rtlCol="0" anchor="ctr"/>
+          <a:lstStyle/>
+          <a:p>
+            <a:pPr algn="ctr"/>
+            <a:r>
+              <a:rPr lang="en-US" sz="1050" b="1" dirty="0" err="1">
+                <a:solidFill>
+                  <a:schemeClr val="accent3">
+                    <a:lumMod val="75000"/>
+                  </a:schemeClr>
+                </a:solidFill>
+              </a:rPr>
+              <a:t>MedHistBrowser</a:t>
+            </a:r>
+            <a:endParaRPr lang="en-SG" sz="1050" b="1" dirty="0">
+              <a:solidFill>
+                <a:schemeClr val="accent3">
+                  <a:lumMod val="75000"/>
+                </a:schemeClr>
+              </a:solidFill>
+            </a:endParaRPr>
+          </a:p>
+        </p:txBody>
+      </p:sp>
+      <p:sp>
+        <p:nvSpPr>
+          <p:cNvPr id="102" name="Rectangle 11">
+            <a:extLst>
+              <a:ext uri="{FF2B5EF4-FFF2-40B4-BE49-F238E27FC236}">
+                <a16:creationId xmlns:a16="http://schemas.microsoft.com/office/drawing/2014/main" id="{F4D6030A-6AB5-4CE1-90F8-C54429078340}"/>
+              </a:ext>
+            </a:extLst>
+          </p:cNvPr>
+          <p:cNvSpPr/>
+          <p:nvPr/>
+        </p:nvSpPr>
+        <p:spPr>
+          <a:xfrm>
+            <a:off x="4176310" y="3268359"/>
+            <a:ext cx="1323234" cy="236841"/>
+          </a:xfrm>
+          <a:prstGeom prst="rect">
+            <a:avLst/>
+          </a:prstGeom>
+          <a:ln w="19050">
+            <a:solidFill>
+              <a:schemeClr val="accent3"/>
+            </a:solidFill>
+          </a:ln>
+          <a:effectLst/>
+        </p:spPr>
+        <p:style>
+          <a:lnRef idx="1">
+            <a:schemeClr val="accent3"/>
+          </a:lnRef>
+          <a:fillRef idx="2">
+            <a:schemeClr val="accent3"/>
+          </a:fillRef>
+          <a:effectRef idx="1">
+            <a:schemeClr val="accent3"/>
+          </a:effectRef>
+          <a:fontRef idx="minor">
+            <a:schemeClr val="dk1"/>
+          </a:fontRef>
+        </p:style>
+        <p:txBody>
+          <a:bodyPr rtlCol="0" anchor="ctr"/>
+          <a:lstStyle/>
+          <a:p>
+            <a:pPr algn="ctr"/>
+            <a:r>
+              <a:rPr lang="en-US" sz="1050" b="1" dirty="0" err="1">
+                <a:solidFill>
+                  <a:schemeClr val="accent3">
+                    <a:lumMod val="75000"/>
+                  </a:schemeClr>
+                </a:solidFill>
+              </a:rPr>
+              <a:t>PrescriptionBrowser</a:t>
+            </a:r>
+            <a:endParaRPr lang="en-SG" sz="1050" b="1" dirty="0">
+              <a:solidFill>
+                <a:schemeClr val="accent3">
+                  <a:lumMod val="75000"/>
+                </a:schemeClr>
+              </a:solidFill>
+            </a:endParaRPr>
+          </a:p>
+        </p:txBody>
+      </p:sp>
+      <p:cxnSp>
+        <p:nvCxnSpPr>
+          <p:cNvPr id="135" name="Elbow Connector 63">
+            <a:extLst>
+              <a:ext uri="{FF2B5EF4-FFF2-40B4-BE49-F238E27FC236}">
+                <a16:creationId xmlns:a16="http://schemas.microsoft.com/office/drawing/2014/main" id="{6B1A75F7-9D37-4A61-8412-EEB9F609AF4C}"/>
+              </a:ext>
+            </a:extLst>
+          </p:cNvPr>
+          <p:cNvCxnSpPr>
+            <a:cxnSpLocks/>
+            <a:endCxn id="138" idx="1"/>
+          </p:cNvCxnSpPr>
+          <p:nvPr/>
+        </p:nvCxnSpPr>
+        <p:spPr>
+          <a:xfrm rot="16200000" flipH="1">
+            <a:off x="1858457" y="3338728"/>
+            <a:ext cx="1583098" cy="173002"/>
+          </a:xfrm>
+          <a:prstGeom prst="bentConnector2">
+            <a:avLst/>
+          </a:prstGeom>
+          <a:ln w="19050">
+            <a:solidFill>
+              <a:schemeClr val="accent3"/>
+            </a:solidFill>
+            <a:headEnd type="none" w="med" len="med"/>
+            <a:tailEnd type="arrow" w="med" len="med"/>
+          </a:ln>
+          <a:effectLst/>
+        </p:spPr>
+        <p:style>
+          <a:lnRef idx="1">
+            <a:schemeClr val="accent2"/>
+          </a:lnRef>
+          <a:fillRef idx="2">
+            <a:schemeClr val="accent2"/>
+          </a:fillRef>
+          <a:effectRef idx="1">
+            <a:schemeClr val="accent2"/>
+          </a:effectRef>
+          <a:fontRef idx="minor">
+            <a:schemeClr val="dk1"/>
+          </a:fontRef>
+        </p:style>
+      </p:cxnSp>
+      <p:sp>
+        <p:nvSpPr>
+          <p:cNvPr id="138" name="Rectangle 11">
+            <a:extLst>
+              <a:ext uri="{FF2B5EF4-FFF2-40B4-BE49-F238E27FC236}">
+                <a16:creationId xmlns:a16="http://schemas.microsoft.com/office/drawing/2014/main" id="{60DC44A9-40F9-43AE-9483-B07E1B0765E1}"/>
+              </a:ext>
+            </a:extLst>
+          </p:cNvPr>
+          <p:cNvSpPr/>
+          <p:nvPr/>
+        </p:nvSpPr>
+        <p:spPr>
+          <a:xfrm>
+            <a:off x="2736507" y="4098357"/>
+            <a:ext cx="1093635" cy="236841"/>
+          </a:xfrm>
+          <a:prstGeom prst="rect">
+            <a:avLst/>
+          </a:prstGeom>
+          <a:ln w="19050">
+            <a:solidFill>
+              <a:schemeClr val="accent3"/>
+            </a:solidFill>
+          </a:ln>
+          <a:effectLst/>
+        </p:spPr>
+        <p:style>
+          <a:lnRef idx="1">
+            <a:schemeClr val="accent3"/>
+          </a:lnRef>
+          <a:fillRef idx="2">
+            <a:schemeClr val="accent3"/>
+          </a:fillRef>
+          <a:effectRef idx="1">
+            <a:schemeClr val="accent3"/>
+          </a:effectRef>
+          <a:fontRef idx="minor">
+            <a:schemeClr val="dk1"/>
+          </a:fontRef>
+        </p:style>
+        <p:txBody>
+          <a:bodyPr rtlCol="0" anchor="ctr"/>
+          <a:lstStyle/>
+          <a:p>
+            <a:pPr algn="ctr"/>
+            <a:r>
+              <a:rPr lang="en-US" sz="1050" b="1" dirty="0" err="1">
+                <a:solidFill>
+                  <a:schemeClr val="accent3">
+                    <a:lumMod val="75000"/>
+                  </a:schemeClr>
+                </a:solidFill>
+              </a:rPr>
+              <a:t>MiddleListPanel</a:t>
+            </a:r>
+            <a:endParaRPr lang="en-SG" sz="1050" b="1" dirty="0">
+              <a:solidFill>
+                <a:schemeClr val="accent3">
+                  <a:lumMod val="75000"/>
+                </a:schemeClr>
+              </a:solidFill>
+            </a:endParaRPr>
+          </a:p>
+        </p:txBody>
+      </p:sp>
+      <p:cxnSp>
+        <p:nvCxnSpPr>
+          <p:cNvPr id="180" name="Elbow Connector 63">
+            <a:extLst>
+              <a:ext uri="{FF2B5EF4-FFF2-40B4-BE49-F238E27FC236}">
+                <a16:creationId xmlns:a16="http://schemas.microsoft.com/office/drawing/2014/main" id="{BAA60F32-D994-4FDF-922F-4E2F5769D2FA}"/>
+              </a:ext>
+            </a:extLst>
+          </p:cNvPr>
+          <p:cNvCxnSpPr>
+            <a:cxnSpLocks/>
+            <a:endCxn id="95" idx="3"/>
+          </p:cNvCxnSpPr>
+          <p:nvPr/>
+        </p:nvCxnSpPr>
+        <p:spPr>
+          <a:xfrm rot="5400000">
+            <a:off x="5181240" y="2137511"/>
+            <a:ext cx="815982" cy="175039"/>
+          </a:xfrm>
+          <a:prstGeom prst="bentConnector2">
+            <a:avLst/>
+          </a:prstGeom>
+          <a:ln w="6350">
+            <a:solidFill>
+              <a:schemeClr val="accent3"/>
+            </a:solidFill>
+            <a:headEnd type="none" w="med" len="med"/>
+            <a:tailEnd type="none" w="med" len="med"/>
+          </a:ln>
+          <a:effectLst/>
+        </p:spPr>
+        <p:style>
+          <a:lnRef idx="1">
+            <a:schemeClr val="accent2"/>
+          </a:lnRef>
+          <a:fillRef idx="2">
+            <a:schemeClr val="accent2"/>
+          </a:fillRef>
+          <a:effectRef idx="1">
+            <a:schemeClr val="accent2"/>
+          </a:effectRef>
+          <a:fontRef idx="minor">
+            <a:schemeClr val="dk1"/>
+          </a:fontRef>
+        </p:style>
+      </p:cxnSp>
+      <p:cxnSp>
+        <p:nvCxnSpPr>
+          <p:cNvPr id="182" name="Elbow Connector 63">
+            <a:extLst>
+              <a:ext uri="{FF2B5EF4-FFF2-40B4-BE49-F238E27FC236}">
+                <a16:creationId xmlns:a16="http://schemas.microsoft.com/office/drawing/2014/main" id="{5795182E-B2C5-4C1A-8CFA-4BCA7F8C4543}"/>
+              </a:ext>
+            </a:extLst>
+          </p:cNvPr>
+          <p:cNvCxnSpPr>
+            <a:cxnSpLocks/>
+            <a:endCxn id="100" idx="3"/>
+          </p:cNvCxnSpPr>
+          <p:nvPr/>
+        </p:nvCxnSpPr>
+        <p:spPr>
+          <a:xfrm rot="5400000">
+            <a:off x="5183784" y="2521055"/>
+            <a:ext cx="808728" cy="177205"/>
+          </a:xfrm>
+          <a:prstGeom prst="bentConnector2">
+            <a:avLst/>
+          </a:prstGeom>
+          <a:ln w="6350">
+            <a:solidFill>
+              <a:schemeClr val="accent3"/>
+            </a:solidFill>
+            <a:headEnd type="none" w="med" len="med"/>
+            <a:tailEnd type="none" w="med" len="med"/>
+          </a:ln>
+          <a:effectLst/>
+        </p:spPr>
+        <p:style>
+          <a:lnRef idx="1">
+            <a:schemeClr val="accent2"/>
+          </a:lnRef>
+          <a:fillRef idx="2">
+            <a:schemeClr val="accent2"/>
+          </a:fillRef>
+          <a:effectRef idx="1">
+            <a:schemeClr val="accent2"/>
+          </a:effectRef>
+          <a:fontRef idx="minor">
+            <a:schemeClr val="dk1"/>
+          </a:fontRef>
+        </p:style>
+      </p:cxnSp>
+      <p:cxnSp>
+        <p:nvCxnSpPr>
+          <p:cNvPr id="184" name="Elbow Connector 63">
+            <a:extLst>
+              <a:ext uri="{FF2B5EF4-FFF2-40B4-BE49-F238E27FC236}">
+                <a16:creationId xmlns:a16="http://schemas.microsoft.com/office/drawing/2014/main" id="{A326080B-7B16-4EB1-B71F-DF4C254E7DDA}"/>
+              </a:ext>
+            </a:extLst>
+          </p:cNvPr>
+          <p:cNvCxnSpPr>
+            <a:cxnSpLocks/>
+            <a:endCxn id="102" idx="3"/>
+          </p:cNvCxnSpPr>
+          <p:nvPr/>
+        </p:nvCxnSpPr>
+        <p:spPr>
+          <a:xfrm rot="5400000">
+            <a:off x="5189566" y="2899596"/>
+            <a:ext cx="797162" cy="177206"/>
+          </a:xfrm>
+          <a:prstGeom prst="bentConnector2">
+            <a:avLst/>
+          </a:prstGeom>
+          <a:ln w="6350">
+            <a:solidFill>
+              <a:schemeClr val="accent3"/>
+            </a:solidFill>
+            <a:headEnd type="none" w="med" len="med"/>
+            <a:tailEnd type="none" w="med" len="med"/>
+          </a:ln>
+          <a:effectLst/>
+        </p:spPr>
+        <p:style>
+          <a:lnRef idx="1">
+            <a:schemeClr val="accent2"/>
+          </a:lnRef>
+          <a:fillRef idx="2">
+            <a:schemeClr val="accent2"/>
+          </a:fillRef>
+          <a:effectRef idx="1">
+            <a:schemeClr val="accent2"/>
+          </a:effectRef>
+          <a:fontRef idx="minor">
+            <a:schemeClr val="dk1"/>
+          </a:fontRef>
+        </p:style>
+      </p:cxnSp>
+      <p:sp>
+        <p:nvSpPr>
+          <p:cNvPr id="186" name="Flowchart: Decision 185">
+            <a:extLst>
+              <a:ext uri="{FF2B5EF4-FFF2-40B4-BE49-F238E27FC236}">
+                <a16:creationId xmlns:a16="http://schemas.microsoft.com/office/drawing/2014/main" id="{35A298F3-E641-4270-8271-B3DAD1D34533}"/>
+              </a:ext>
+            </a:extLst>
+          </p:cNvPr>
+          <p:cNvSpPr/>
+          <p:nvPr/>
+        </p:nvSpPr>
+        <p:spPr>
+          <a:xfrm>
+            <a:off x="3844404" y="4135958"/>
+            <a:ext cx="183156" cy="161573"/>
+          </a:xfrm>
+          <a:prstGeom prst="flowChartDecision">
+            <a:avLst/>
+          </a:prstGeom>
+          <a:solidFill>
+            <a:schemeClr val="accent3"/>
+          </a:solidFill>
+          <a:ln>
+            <a:solidFill>
+              <a:schemeClr val="accent3"/>
+            </a:solidFill>
+          </a:ln>
+        </p:spPr>
+        <p:style>
+          <a:lnRef idx="2">
+            <a:schemeClr val="accent1">
+              <a:shade val="50000"/>
+            </a:schemeClr>
+          </a:lnRef>
+          <a:fillRef idx="1">
+            <a:schemeClr val="accent1"/>
+          </a:fillRef>
+          <a:effectRef idx="0">
+            <a:schemeClr val="accent1"/>
+          </a:effectRef>
+          <a:fontRef idx="minor">
+            <a:schemeClr val="lt1"/>
+          </a:fontRef>
+        </p:style>
+        <p:txBody>
+          <a:bodyPr rtlCol="0" anchor="ctr"/>
+          <a:lstStyle/>
+          <a:p>
+            <a:pPr algn="ctr"/>
+            <a:endParaRPr lang="en-SG"/>
+          </a:p>
+        </p:txBody>
+      </p:sp>
+      <p:cxnSp>
+        <p:nvCxnSpPr>
+          <p:cNvPr id="187" name="Elbow Connector 63">
+            <a:extLst>
+              <a:ext uri="{FF2B5EF4-FFF2-40B4-BE49-F238E27FC236}">
+                <a16:creationId xmlns:a16="http://schemas.microsoft.com/office/drawing/2014/main" id="{2FBFC06F-5BDD-4848-BAEF-57E8254516C4}"/>
+              </a:ext>
+            </a:extLst>
+          </p:cNvPr>
+          <p:cNvCxnSpPr>
+            <a:cxnSpLocks/>
+            <a:stCxn id="186" idx="0"/>
+            <a:endCxn id="189" idx="1"/>
+          </p:cNvCxnSpPr>
+          <p:nvPr/>
+        </p:nvCxnSpPr>
+        <p:spPr>
+          <a:xfrm rot="5400000" flipH="1" flipV="1">
+            <a:off x="3918459" y="3869745"/>
+            <a:ext cx="283737" cy="248691"/>
+          </a:xfrm>
+          <a:prstGeom prst="bentConnector2">
+            <a:avLst/>
+          </a:prstGeom>
+          <a:ln w="19050">
+            <a:solidFill>
+              <a:schemeClr val="accent3"/>
+            </a:solidFill>
+            <a:headEnd type="none" w="med" len="med"/>
+            <a:tailEnd type="arrow" w="med" len="med"/>
+          </a:ln>
+          <a:effectLst/>
+        </p:spPr>
+        <p:style>
+          <a:lnRef idx="1">
+            <a:schemeClr val="accent2"/>
+          </a:lnRef>
+          <a:fillRef idx="2">
+            <a:schemeClr val="accent2"/>
+          </a:fillRef>
+          <a:effectRef idx="1">
+            <a:schemeClr val="accent2"/>
+          </a:effectRef>
+          <a:fontRef idx="minor">
+            <a:schemeClr val="dk1"/>
+          </a:fontRef>
+        </p:style>
+      </p:cxnSp>
+      <p:sp>
+        <p:nvSpPr>
+          <p:cNvPr id="189" name="Rectangle 11">
+            <a:extLst>
+              <a:ext uri="{FF2B5EF4-FFF2-40B4-BE49-F238E27FC236}">
+                <a16:creationId xmlns:a16="http://schemas.microsoft.com/office/drawing/2014/main" id="{86FEE7AC-3D88-4D41-8DF6-AAAFE818BB17}"/>
+              </a:ext>
+            </a:extLst>
+          </p:cNvPr>
+          <p:cNvSpPr/>
+          <p:nvPr/>
+        </p:nvSpPr>
+        <p:spPr>
+          <a:xfrm>
+            <a:off x="4184673" y="3733800"/>
+            <a:ext cx="1450014" cy="236841"/>
+          </a:xfrm>
+          <a:prstGeom prst="rect">
+            <a:avLst/>
+          </a:prstGeom>
+          <a:ln w="19050">
+            <a:solidFill>
+              <a:schemeClr val="accent3"/>
+            </a:solidFill>
+          </a:ln>
+          <a:effectLst/>
+        </p:spPr>
+        <p:style>
+          <a:lnRef idx="1">
+            <a:schemeClr val="accent3"/>
+          </a:lnRef>
+          <a:fillRef idx="2">
+            <a:schemeClr val="accent3"/>
+          </a:fillRef>
+          <a:effectRef idx="1">
+            <a:schemeClr val="accent3"/>
+          </a:effectRef>
+          <a:fontRef idx="minor">
+            <a:schemeClr val="dk1"/>
+          </a:fontRef>
+        </p:style>
+        <p:txBody>
+          <a:bodyPr rtlCol="0" anchor="ctr"/>
+          <a:lstStyle/>
+          <a:p>
+            <a:pPr algn="ctr"/>
+            <a:r>
+              <a:rPr lang="en-US" sz="1050" b="1" dirty="0" err="1">
+                <a:solidFill>
+                  <a:schemeClr val="accent3">
+                    <a:lumMod val="75000"/>
+                  </a:schemeClr>
+                </a:solidFill>
+              </a:rPr>
+              <a:t>MedHistListPanel</a:t>
+            </a:r>
+            <a:endParaRPr lang="en-SG" sz="1050" b="1" dirty="0">
+              <a:solidFill>
+                <a:schemeClr val="accent3">
+                  <a:lumMod val="75000"/>
+                </a:schemeClr>
+              </a:solidFill>
+            </a:endParaRPr>
+          </a:p>
+        </p:txBody>
+      </p:sp>
+      <p:sp>
+        <p:nvSpPr>
+          <p:cNvPr id="192" name="Rectangle 11">
+            <a:extLst>
+              <a:ext uri="{FF2B5EF4-FFF2-40B4-BE49-F238E27FC236}">
+                <a16:creationId xmlns:a16="http://schemas.microsoft.com/office/drawing/2014/main" id="{096D2DA7-B012-4C4F-8B30-768B8451B034}"/>
+              </a:ext>
+            </a:extLst>
+          </p:cNvPr>
+          <p:cNvSpPr/>
+          <p:nvPr/>
+        </p:nvSpPr>
+        <p:spPr>
+          <a:xfrm>
+            <a:off x="4184673" y="4094462"/>
+            <a:ext cx="1450014" cy="236841"/>
+          </a:xfrm>
+          <a:prstGeom prst="rect">
+            <a:avLst/>
+          </a:prstGeom>
+          <a:ln w="19050">
+            <a:solidFill>
+              <a:schemeClr val="accent3"/>
+            </a:solidFill>
+          </a:ln>
+          <a:effectLst/>
+        </p:spPr>
+        <p:style>
+          <a:lnRef idx="1">
+            <a:schemeClr val="accent3"/>
+          </a:lnRef>
+          <a:fillRef idx="2">
+            <a:schemeClr val="accent3"/>
+          </a:fillRef>
+          <a:effectRef idx="1">
+            <a:schemeClr val="accent3"/>
+          </a:effectRef>
+          <a:fontRef idx="minor">
+            <a:schemeClr val="dk1"/>
+          </a:fontRef>
+        </p:style>
+        <p:txBody>
+          <a:bodyPr rtlCol="0" anchor="ctr"/>
+          <a:lstStyle/>
+          <a:p>
+            <a:pPr algn="ctr"/>
+            <a:r>
+              <a:rPr lang="en-US" sz="1050" b="1" dirty="0" err="1">
+                <a:solidFill>
+                  <a:schemeClr val="accent3">
+                    <a:lumMod val="75000"/>
+                  </a:schemeClr>
+                </a:solidFill>
+              </a:rPr>
+              <a:t>AppointmentListPanel</a:t>
+            </a:r>
+            <a:endParaRPr lang="en-SG" sz="1050" b="1" dirty="0">
+              <a:solidFill>
+                <a:schemeClr val="accent3">
+                  <a:lumMod val="75000"/>
+                </a:schemeClr>
+              </a:solidFill>
+            </a:endParaRPr>
+          </a:p>
+        </p:txBody>
+      </p:sp>
+      <p:cxnSp>
+        <p:nvCxnSpPr>
+          <p:cNvPr id="195" name="Elbow Connector 63">
+            <a:extLst>
+              <a:ext uri="{FF2B5EF4-FFF2-40B4-BE49-F238E27FC236}">
+                <a16:creationId xmlns:a16="http://schemas.microsoft.com/office/drawing/2014/main" id="{1DB8E471-DD46-41E4-98B8-5E19101F60B9}"/>
+              </a:ext>
+            </a:extLst>
+          </p:cNvPr>
+          <p:cNvCxnSpPr>
+            <a:cxnSpLocks/>
+            <a:stCxn id="186" idx="3"/>
+            <a:endCxn id="192" idx="1"/>
+          </p:cNvCxnSpPr>
+          <p:nvPr/>
+        </p:nvCxnSpPr>
+        <p:spPr>
+          <a:xfrm flipV="1">
+            <a:off x="4027560" y="4212883"/>
+            <a:ext cx="157113" cy="3862"/>
+          </a:xfrm>
+          <a:prstGeom prst="bentConnector3">
+            <a:avLst>
+              <a:gd name="adj1" fmla="val 50000"/>
+            </a:avLst>
+          </a:prstGeom>
+          <a:ln w="19050">
+            <a:solidFill>
+              <a:schemeClr val="accent3"/>
+            </a:solidFill>
+            <a:headEnd type="none" w="med" len="med"/>
+            <a:tailEnd type="arrow" w="med" len="med"/>
+          </a:ln>
+          <a:effectLst/>
+        </p:spPr>
+        <p:style>
+          <a:lnRef idx="1">
+            <a:schemeClr val="accent2"/>
+          </a:lnRef>
+          <a:fillRef idx="2">
+            <a:schemeClr val="accent2"/>
+          </a:fillRef>
+          <a:effectRef idx="1">
+            <a:schemeClr val="accent2"/>
+          </a:effectRef>
+          <a:fontRef idx="minor">
+            <a:schemeClr val="dk1"/>
+          </a:fontRef>
+        </p:style>
+      </p:cxnSp>
+      <p:sp>
+        <p:nvSpPr>
+          <p:cNvPr id="199" name="Rectangle 11">
+            <a:extLst>
+              <a:ext uri="{FF2B5EF4-FFF2-40B4-BE49-F238E27FC236}">
+                <a16:creationId xmlns:a16="http://schemas.microsoft.com/office/drawing/2014/main" id="{17591223-CB7F-49FE-BB4E-6D9E2EA1D102}"/>
+              </a:ext>
+            </a:extLst>
+          </p:cNvPr>
+          <p:cNvSpPr/>
+          <p:nvPr/>
+        </p:nvSpPr>
+        <p:spPr>
+          <a:xfrm>
+            <a:off x="4181288" y="4449822"/>
+            <a:ext cx="1450014" cy="236841"/>
+          </a:xfrm>
+          <a:prstGeom prst="rect">
+            <a:avLst/>
+          </a:prstGeom>
+          <a:ln w="19050">
+            <a:solidFill>
+              <a:schemeClr val="accent3"/>
+            </a:solidFill>
+          </a:ln>
+          <a:effectLst/>
+        </p:spPr>
+        <p:style>
+          <a:lnRef idx="1">
+            <a:schemeClr val="accent3"/>
+          </a:lnRef>
+          <a:fillRef idx="2">
+            <a:schemeClr val="accent3"/>
+          </a:fillRef>
+          <a:effectRef idx="1">
+            <a:schemeClr val="accent3"/>
+          </a:effectRef>
+          <a:fontRef idx="minor">
+            <a:schemeClr val="dk1"/>
+          </a:fontRef>
+        </p:style>
+        <p:txBody>
+          <a:bodyPr rtlCol="0" anchor="ctr"/>
+          <a:lstStyle/>
+          <a:p>
+            <a:pPr algn="ctr"/>
+            <a:r>
+              <a:rPr lang="en-US" sz="1050" b="1" dirty="0" err="1">
+                <a:solidFill>
+                  <a:schemeClr val="accent3">
+                    <a:lumMod val="75000"/>
+                  </a:schemeClr>
+                </a:solidFill>
+              </a:rPr>
+              <a:t>PrescriptionListPanel</a:t>
+            </a:r>
+            <a:endParaRPr lang="en-SG" sz="1050" b="1" dirty="0">
+              <a:solidFill>
+                <a:schemeClr val="accent3">
+                  <a:lumMod val="75000"/>
+                </a:schemeClr>
+              </a:solidFill>
+            </a:endParaRPr>
+          </a:p>
+        </p:txBody>
+      </p:sp>
+      <p:cxnSp>
+        <p:nvCxnSpPr>
+          <p:cNvPr id="200" name="Elbow Connector 63">
+            <a:extLst>
+              <a:ext uri="{FF2B5EF4-FFF2-40B4-BE49-F238E27FC236}">
+                <a16:creationId xmlns:a16="http://schemas.microsoft.com/office/drawing/2014/main" id="{4BC5EC3D-9A19-4227-8B9F-6EBDDA75BD35}"/>
+              </a:ext>
+            </a:extLst>
+          </p:cNvPr>
+          <p:cNvCxnSpPr>
+            <a:cxnSpLocks/>
+            <a:stCxn id="186" idx="2"/>
+            <a:endCxn id="199" idx="1"/>
+          </p:cNvCxnSpPr>
+          <p:nvPr/>
+        </p:nvCxnSpPr>
+        <p:spPr>
+          <a:xfrm rot="16200000" flipH="1">
+            <a:off x="3923279" y="4310234"/>
+            <a:ext cx="270712" cy="245306"/>
+          </a:xfrm>
+          <a:prstGeom prst="bentConnector2">
+            <a:avLst/>
+          </a:prstGeom>
+          <a:ln w="19050">
+            <a:solidFill>
+              <a:schemeClr val="accent3"/>
+            </a:solidFill>
+            <a:headEnd type="none" w="med" len="med"/>
+            <a:tailEnd type="arrow" w="med" len="med"/>
+          </a:ln>
+          <a:effectLst/>
+        </p:spPr>
+        <p:style>
+          <a:lnRef idx="1">
+            <a:schemeClr val="accent2"/>
+          </a:lnRef>
+          <a:fillRef idx="2">
+            <a:schemeClr val="accent2"/>
+          </a:fillRef>
+          <a:effectRef idx="1">
+            <a:schemeClr val="accent2"/>
+          </a:effectRef>
+          <a:fontRef idx="minor">
+            <a:schemeClr val="dk1"/>
+          </a:fontRef>
+        </p:style>
+      </p:cxnSp>
+      <p:cxnSp>
+        <p:nvCxnSpPr>
+          <p:cNvPr id="206" name="Elbow Connector 63">
+            <a:extLst>
+              <a:ext uri="{FF2B5EF4-FFF2-40B4-BE49-F238E27FC236}">
+                <a16:creationId xmlns:a16="http://schemas.microsoft.com/office/drawing/2014/main" id="{C345AF36-9DEB-4E19-BF0F-B83A10AACB88}"/>
+              </a:ext>
+            </a:extLst>
+          </p:cNvPr>
+          <p:cNvCxnSpPr>
+            <a:cxnSpLocks/>
+            <a:endCxn id="189" idx="3"/>
+          </p:cNvCxnSpPr>
+          <p:nvPr/>
+        </p:nvCxnSpPr>
+        <p:spPr>
+          <a:xfrm rot="5400000">
+            <a:off x="5339726" y="3515194"/>
+            <a:ext cx="631989" cy="42065"/>
+          </a:xfrm>
+          <a:prstGeom prst="bentConnector2">
+            <a:avLst/>
+          </a:prstGeom>
+          <a:ln w="6350">
+            <a:solidFill>
+              <a:schemeClr val="accent3"/>
+            </a:solidFill>
+            <a:headEnd type="none" w="med" len="med"/>
+            <a:tailEnd type="none" w="med" len="med"/>
+          </a:ln>
+          <a:effectLst/>
+        </p:spPr>
+        <p:style>
+          <a:lnRef idx="1">
+            <a:schemeClr val="accent2"/>
+          </a:lnRef>
+          <a:fillRef idx="2">
+            <a:schemeClr val="accent2"/>
+          </a:fillRef>
+          <a:effectRef idx="1">
+            <a:schemeClr val="accent2"/>
+          </a:effectRef>
+          <a:fontRef idx="minor">
+            <a:schemeClr val="dk1"/>
+          </a:fontRef>
+        </p:style>
+      </p:cxnSp>
+      <p:cxnSp>
+        <p:nvCxnSpPr>
+          <p:cNvPr id="208" name="Elbow Connector 63">
+            <a:extLst>
+              <a:ext uri="{FF2B5EF4-FFF2-40B4-BE49-F238E27FC236}">
+                <a16:creationId xmlns:a16="http://schemas.microsoft.com/office/drawing/2014/main" id="{98E1FF84-45B5-43E5-88C4-CE8C11CAD21A}"/>
+              </a:ext>
+            </a:extLst>
+          </p:cNvPr>
+          <p:cNvCxnSpPr>
+            <a:cxnSpLocks/>
+            <a:endCxn id="192" idx="3"/>
+          </p:cNvCxnSpPr>
+          <p:nvPr/>
+        </p:nvCxnSpPr>
+        <p:spPr>
+          <a:xfrm rot="5400000">
+            <a:off x="5416784" y="3948604"/>
+            <a:ext cx="482183" cy="46375"/>
+          </a:xfrm>
+          <a:prstGeom prst="bentConnector2">
+            <a:avLst/>
+          </a:prstGeom>
+          <a:ln w="6350">
+            <a:solidFill>
+              <a:schemeClr val="accent3"/>
+            </a:solidFill>
+            <a:headEnd type="none" w="med" len="med"/>
+            <a:tailEnd type="none" w="med" len="med"/>
+          </a:ln>
+          <a:effectLst/>
+        </p:spPr>
+        <p:style>
+          <a:lnRef idx="1">
+            <a:schemeClr val="accent2"/>
+          </a:lnRef>
+          <a:fillRef idx="2">
+            <a:schemeClr val="accent2"/>
+          </a:fillRef>
+          <a:effectRef idx="1">
+            <a:schemeClr val="accent2"/>
+          </a:effectRef>
+          <a:fontRef idx="minor">
+            <a:schemeClr val="dk1"/>
+          </a:fontRef>
+        </p:style>
+      </p:cxnSp>
+      <p:cxnSp>
+        <p:nvCxnSpPr>
+          <p:cNvPr id="210" name="Elbow Connector 63">
+            <a:extLst>
+              <a:ext uri="{FF2B5EF4-FFF2-40B4-BE49-F238E27FC236}">
+                <a16:creationId xmlns:a16="http://schemas.microsoft.com/office/drawing/2014/main" id="{31ABCE48-71CF-417C-843D-8FC769E5D055}"/>
+              </a:ext>
+            </a:extLst>
+          </p:cNvPr>
+          <p:cNvCxnSpPr>
+            <a:cxnSpLocks/>
+            <a:endCxn id="199" idx="3"/>
+          </p:cNvCxnSpPr>
+          <p:nvPr/>
+        </p:nvCxnSpPr>
+        <p:spPr>
+          <a:xfrm rot="5400000">
+            <a:off x="5423811" y="4315776"/>
+            <a:ext cx="459959" cy="44975"/>
+          </a:xfrm>
+          <a:prstGeom prst="bentConnector2">
+            <a:avLst/>
+          </a:prstGeom>
+          <a:ln w="6350">
+            <a:solidFill>
+              <a:schemeClr val="accent3"/>
+            </a:solidFill>
+            <a:headEnd type="none" w="med" len="med"/>
+            <a:tailEnd type="none" w="med" len="med"/>
+          </a:ln>
+          <a:effectLst/>
+        </p:spPr>
+        <p:style>
+          <a:lnRef idx="1">
+            <a:schemeClr val="accent2"/>
+          </a:lnRef>
+          <a:fillRef idx="2">
+            <a:schemeClr val="accent2"/>
+          </a:fillRef>
+          <a:effectRef idx="1">
+            <a:schemeClr val="accent2"/>
+          </a:effectRef>
+          <a:fontRef idx="minor">
+            <a:schemeClr val="dk1"/>
+          </a:fontRef>
+        </p:style>
+      </p:cxnSp>
+      <p:sp>
+        <p:nvSpPr>
+          <p:cNvPr id="212" name="Freeform 117">
+            <a:extLst>
+              <a:ext uri="{FF2B5EF4-FFF2-40B4-BE49-F238E27FC236}">
+                <a16:creationId xmlns:a16="http://schemas.microsoft.com/office/drawing/2014/main" id="{95E1D211-FA06-4073-A9AB-20B564445A0B}"/>
+              </a:ext>
+            </a:extLst>
+          </p:cNvPr>
+          <p:cNvSpPr/>
+          <p:nvPr/>
+        </p:nvSpPr>
+        <p:spPr>
+          <a:xfrm flipV="1">
+            <a:off x="4520614" y="4341588"/>
+            <a:ext cx="2342536" cy="76735"/>
+          </a:xfrm>
+          <a:custGeom>
+            <a:avLst/>
+            <a:gdLst>
+              <a:gd name="connsiteX0" fmla="*/ 0 w 3048000"/>
+              <a:gd name="connsiteY0" fmla="*/ 203200 h 203200"/>
+              <a:gd name="connsiteX1" fmla="*/ 221673 w 3048000"/>
+              <a:gd name="connsiteY1" fmla="*/ 0 h 203200"/>
+              <a:gd name="connsiteX2" fmla="*/ 3048000 w 3048000"/>
+              <a:gd name="connsiteY2" fmla="*/ 0 h 203200"/>
+            </a:gdLst>
+            <a:ahLst/>
+            <a:cxnLst>
+              <a:cxn ang="0">
+                <a:pos x="connsiteX0" y="connsiteY0"/>
+              </a:cxn>
+              <a:cxn ang="0">
+                <a:pos x="connsiteX1" y="connsiteY1"/>
+              </a:cxn>
+              <a:cxn ang="0">
+                <a:pos x="connsiteX2" y="connsiteY2"/>
+              </a:cxn>
+            </a:cxnLst>
+            <a:rect l="l" t="t" r="r" b="b"/>
+            <a:pathLst>
+              <a:path w="3048000" h="203200">
+                <a:moveTo>
+                  <a:pt x="0" y="203200"/>
+                </a:moveTo>
+                <a:lnTo>
+                  <a:pt x="221673" y="0"/>
+                </a:lnTo>
+                <a:lnTo>
+                  <a:pt x="3048000" y="0"/>
+                </a:lnTo>
+              </a:path>
+            </a:pathLst>
+          </a:custGeom>
+          <a:noFill/>
+          <a:ln w="19050">
+            <a:solidFill>
+              <a:schemeClr val="accent3"/>
+            </a:solidFill>
+            <a:prstDash val="sysDot"/>
+            <a:headEnd type="none" w="med" len="med"/>
+            <a:tailEnd type="arrow" w="med" len="med"/>
+          </a:ln>
+          <a:effectLst/>
+        </p:spPr>
+        <p:style>
+          <a:lnRef idx="1">
+            <a:schemeClr val="accent2"/>
+          </a:lnRef>
+          <a:fillRef idx="2">
+            <a:schemeClr val="accent2"/>
+          </a:fillRef>
+          <a:effectRef idx="1">
+            <a:schemeClr val="accent2"/>
+          </a:effectRef>
+          <a:fontRef idx="minor">
+            <a:schemeClr val="dk1"/>
+          </a:fontRef>
+        </p:style>
+        <p:txBody>
+          <a:bodyPr rtlCol="0" anchor="ctr"/>
+          <a:lstStyle/>
+          <a:p>
+            <a:pPr algn="ctr"/>
+            <a:endParaRPr lang="en-SG"/>
+          </a:p>
+        </p:txBody>
+      </p:sp>
+      <p:sp>
+        <p:nvSpPr>
+          <p:cNvPr id="213" name="Freeform 117">
+            <a:extLst>
+              <a:ext uri="{FF2B5EF4-FFF2-40B4-BE49-F238E27FC236}">
+                <a16:creationId xmlns:a16="http://schemas.microsoft.com/office/drawing/2014/main" id="{047947A0-3BFF-46BF-BB40-87234D80F1C8}"/>
+              </a:ext>
+            </a:extLst>
+          </p:cNvPr>
+          <p:cNvSpPr/>
+          <p:nvPr/>
+        </p:nvSpPr>
+        <p:spPr>
+          <a:xfrm flipV="1">
+            <a:off x="4534092" y="4686932"/>
+            <a:ext cx="2342536" cy="76735"/>
+          </a:xfrm>
+          <a:custGeom>
+            <a:avLst/>
+            <a:gdLst>
+              <a:gd name="connsiteX0" fmla="*/ 0 w 3048000"/>
+              <a:gd name="connsiteY0" fmla="*/ 203200 h 203200"/>
+              <a:gd name="connsiteX1" fmla="*/ 221673 w 3048000"/>
+              <a:gd name="connsiteY1" fmla="*/ 0 h 203200"/>
+              <a:gd name="connsiteX2" fmla="*/ 3048000 w 3048000"/>
+              <a:gd name="connsiteY2" fmla="*/ 0 h 203200"/>
+            </a:gdLst>
+            <a:ahLst/>
+            <a:cxnLst>
+              <a:cxn ang="0">
+                <a:pos x="connsiteX0" y="connsiteY0"/>
+              </a:cxn>
+              <a:cxn ang="0">
+                <a:pos x="connsiteX1" y="connsiteY1"/>
+              </a:cxn>
+              <a:cxn ang="0">
+                <a:pos x="connsiteX2" y="connsiteY2"/>
+              </a:cxn>
+            </a:cxnLst>
+            <a:rect l="l" t="t" r="r" b="b"/>
+            <a:pathLst>
+              <a:path w="3048000" h="203200">
+                <a:moveTo>
+                  <a:pt x="0" y="203200"/>
+                </a:moveTo>
+                <a:lnTo>
+                  <a:pt x="221673" y="0"/>
+                </a:lnTo>
+                <a:lnTo>
+                  <a:pt x="3048000" y="0"/>
+                </a:lnTo>
+              </a:path>
+            </a:pathLst>
+          </a:custGeom>
+          <a:noFill/>
+          <a:ln w="19050">
+            <a:solidFill>
+              <a:schemeClr val="accent3"/>
+            </a:solidFill>
+            <a:prstDash val="sysDot"/>
+            <a:headEnd type="none" w="med" len="med"/>
+            <a:tailEnd type="arrow" w="med" len="med"/>
+          </a:ln>
+          <a:effectLst/>
+        </p:spPr>
+        <p:style>
+          <a:lnRef idx="1">
+            <a:schemeClr val="accent2"/>
+          </a:lnRef>
+          <a:fillRef idx="2">
+            <a:schemeClr val="accent2"/>
+          </a:fillRef>
+          <a:effectRef idx="1">
+            <a:schemeClr val="accent2"/>
+          </a:effectRef>
+          <a:fontRef idx="minor">
+            <a:schemeClr val="dk1"/>
+          </a:fontRef>
+        </p:style>
+        <p:txBody>
+          <a:bodyPr rtlCol="0" anchor="ctr"/>
+          <a:lstStyle/>
+          <a:p>
+            <a:pPr algn="ctr"/>
+            <a:endParaRPr lang="en-SG"/>
+          </a:p>
+        </p:txBody>
+      </p:sp>
+      <p:sp>
+        <p:nvSpPr>
+          <p:cNvPr id="214" name="Freeform 117">
+            <a:extLst>
+              <a:ext uri="{FF2B5EF4-FFF2-40B4-BE49-F238E27FC236}">
+                <a16:creationId xmlns:a16="http://schemas.microsoft.com/office/drawing/2014/main" id="{A9E6897B-55F0-4B38-A319-81F5B1B09340}"/>
+              </a:ext>
+            </a:extLst>
+          </p:cNvPr>
+          <p:cNvSpPr/>
+          <p:nvPr/>
+        </p:nvSpPr>
+        <p:spPr>
+          <a:xfrm flipV="1">
+            <a:off x="4534092" y="3982168"/>
+            <a:ext cx="2342536" cy="76735"/>
+          </a:xfrm>
+          <a:custGeom>
+            <a:avLst/>
+            <a:gdLst>
+              <a:gd name="connsiteX0" fmla="*/ 0 w 3048000"/>
+              <a:gd name="connsiteY0" fmla="*/ 203200 h 203200"/>
+              <a:gd name="connsiteX1" fmla="*/ 221673 w 3048000"/>
+              <a:gd name="connsiteY1" fmla="*/ 0 h 203200"/>
+              <a:gd name="connsiteX2" fmla="*/ 3048000 w 3048000"/>
+              <a:gd name="connsiteY2" fmla="*/ 0 h 203200"/>
+            </a:gdLst>
+            <a:ahLst/>
+            <a:cxnLst>
+              <a:cxn ang="0">
+                <a:pos x="connsiteX0" y="connsiteY0"/>
+              </a:cxn>
+              <a:cxn ang="0">
+                <a:pos x="connsiteX1" y="connsiteY1"/>
+              </a:cxn>
+              <a:cxn ang="0">
+                <a:pos x="connsiteX2" y="connsiteY2"/>
+              </a:cxn>
+            </a:cxnLst>
+            <a:rect l="l" t="t" r="r" b="b"/>
+            <a:pathLst>
+              <a:path w="3048000" h="203200">
+                <a:moveTo>
+                  <a:pt x="0" y="203200"/>
+                </a:moveTo>
+                <a:lnTo>
+                  <a:pt x="221673" y="0"/>
+                </a:lnTo>
+                <a:lnTo>
+                  <a:pt x="3048000" y="0"/>
+                </a:lnTo>
+              </a:path>
+            </a:pathLst>
+          </a:custGeom>
+          <a:noFill/>
+          <a:ln w="19050">
+            <a:solidFill>
+              <a:schemeClr val="accent3"/>
+            </a:solidFill>
+            <a:prstDash val="sysDot"/>
+            <a:headEnd type="none" w="med" len="med"/>
+            <a:tailEnd type="arrow" w="med" len="med"/>
+          </a:ln>
+          <a:effectLst/>
+        </p:spPr>
+        <p:style>
+          <a:lnRef idx="1">
+            <a:schemeClr val="accent2"/>
+          </a:lnRef>
+          <a:fillRef idx="2">
+            <a:schemeClr val="accent2"/>
+          </a:fillRef>
+          <a:effectRef idx="1">
+            <a:schemeClr val="accent2"/>
+          </a:effectRef>
+          <a:fontRef idx="minor">
+            <a:schemeClr val="dk1"/>
+          </a:fontRef>
+        </p:style>
+        <p:txBody>
+          <a:bodyPr rtlCol="0" anchor="ctr"/>
+          <a:lstStyle/>
+          <a:p>
+            <a:pPr algn="ctr"/>
+            <a:endParaRPr lang="en-SG"/>
+          </a:p>
+        </p:txBody>
+      </p:sp>
+      <p:sp>
+        <p:nvSpPr>
+          <p:cNvPr id="220" name="Freeform 117">
+            <a:extLst>
+              <a:ext uri="{FF2B5EF4-FFF2-40B4-BE49-F238E27FC236}">
+                <a16:creationId xmlns:a16="http://schemas.microsoft.com/office/drawing/2014/main" id="{7ECB788F-5693-4958-965B-163AF8830595}"/>
+              </a:ext>
+            </a:extLst>
+          </p:cNvPr>
+          <p:cNvSpPr/>
+          <p:nvPr/>
+        </p:nvSpPr>
+        <p:spPr>
+          <a:xfrm flipV="1">
+            <a:off x="4529757" y="3520133"/>
+            <a:ext cx="2342536" cy="76735"/>
+          </a:xfrm>
+          <a:custGeom>
+            <a:avLst/>
+            <a:gdLst>
+              <a:gd name="connsiteX0" fmla="*/ 0 w 3048000"/>
+              <a:gd name="connsiteY0" fmla="*/ 203200 h 203200"/>
+              <a:gd name="connsiteX1" fmla="*/ 221673 w 3048000"/>
+              <a:gd name="connsiteY1" fmla="*/ 0 h 203200"/>
+              <a:gd name="connsiteX2" fmla="*/ 3048000 w 3048000"/>
+              <a:gd name="connsiteY2" fmla="*/ 0 h 203200"/>
+            </a:gdLst>
+            <a:ahLst/>
+            <a:cxnLst>
+              <a:cxn ang="0">
+                <a:pos x="connsiteX0" y="connsiteY0"/>
+              </a:cxn>
+              <a:cxn ang="0">
+                <a:pos x="connsiteX1" y="connsiteY1"/>
+              </a:cxn>
+              <a:cxn ang="0">
+                <a:pos x="connsiteX2" y="connsiteY2"/>
+              </a:cxn>
+            </a:cxnLst>
+            <a:rect l="l" t="t" r="r" b="b"/>
+            <a:pathLst>
+              <a:path w="3048000" h="203200">
+                <a:moveTo>
+                  <a:pt x="0" y="203200"/>
+                </a:moveTo>
+                <a:lnTo>
+                  <a:pt x="221673" y="0"/>
+                </a:lnTo>
+                <a:lnTo>
+                  <a:pt x="3048000" y="0"/>
+                </a:lnTo>
+              </a:path>
+            </a:pathLst>
+          </a:custGeom>
+          <a:noFill/>
+          <a:ln w="19050">
+            <a:solidFill>
+              <a:schemeClr val="accent3"/>
+            </a:solidFill>
+            <a:prstDash val="sysDot"/>
+            <a:headEnd type="none" w="med" len="med"/>
+            <a:tailEnd type="arrow" w="med" len="med"/>
+          </a:ln>
+          <a:effectLst/>
+        </p:spPr>
+        <p:style>
+          <a:lnRef idx="1">
+            <a:schemeClr val="accent2"/>
+          </a:lnRef>
+          <a:fillRef idx="2">
+            <a:schemeClr val="accent2"/>
+          </a:fillRef>
+          <a:effectRef idx="1">
+            <a:schemeClr val="accent2"/>
+          </a:effectRef>
+          <a:fontRef idx="minor">
+            <a:schemeClr val="dk1"/>
+          </a:fontRef>
+        </p:style>
+        <p:txBody>
+          <a:bodyPr rtlCol="0" anchor="ctr"/>
+          <a:lstStyle/>
+          <a:p>
+            <a:pPr algn="ctr"/>
+            <a:endParaRPr lang="en-SG"/>
+          </a:p>
+        </p:txBody>
+      </p:sp>
+      <p:sp>
+        <p:nvSpPr>
+          <p:cNvPr id="221" name="Freeform 117">
+            <a:extLst>
+              <a:ext uri="{FF2B5EF4-FFF2-40B4-BE49-F238E27FC236}">
+                <a16:creationId xmlns:a16="http://schemas.microsoft.com/office/drawing/2014/main" id="{8009E659-041E-483F-ABED-85A09B269592}"/>
+              </a:ext>
+            </a:extLst>
+          </p:cNvPr>
+          <p:cNvSpPr/>
+          <p:nvPr/>
+        </p:nvSpPr>
+        <p:spPr>
+          <a:xfrm flipV="1">
+            <a:off x="4529757" y="3151639"/>
+            <a:ext cx="2342536" cy="76735"/>
+          </a:xfrm>
+          <a:custGeom>
+            <a:avLst/>
+            <a:gdLst>
+              <a:gd name="connsiteX0" fmla="*/ 0 w 3048000"/>
+              <a:gd name="connsiteY0" fmla="*/ 203200 h 203200"/>
+              <a:gd name="connsiteX1" fmla="*/ 221673 w 3048000"/>
+              <a:gd name="connsiteY1" fmla="*/ 0 h 203200"/>
+              <a:gd name="connsiteX2" fmla="*/ 3048000 w 3048000"/>
+              <a:gd name="connsiteY2" fmla="*/ 0 h 203200"/>
+            </a:gdLst>
+            <a:ahLst/>
+            <a:cxnLst>
+              <a:cxn ang="0">
+                <a:pos x="connsiteX0" y="connsiteY0"/>
+              </a:cxn>
+              <a:cxn ang="0">
+                <a:pos x="connsiteX1" y="connsiteY1"/>
+              </a:cxn>
+              <a:cxn ang="0">
+                <a:pos x="connsiteX2" y="connsiteY2"/>
+              </a:cxn>
+            </a:cxnLst>
+            <a:rect l="l" t="t" r="r" b="b"/>
+            <a:pathLst>
+              <a:path w="3048000" h="203200">
+                <a:moveTo>
+                  <a:pt x="0" y="203200"/>
+                </a:moveTo>
+                <a:lnTo>
+                  <a:pt x="221673" y="0"/>
+                </a:lnTo>
+                <a:lnTo>
+                  <a:pt x="3048000" y="0"/>
+                </a:lnTo>
+              </a:path>
+            </a:pathLst>
+          </a:custGeom>
+          <a:noFill/>
+          <a:ln w="19050">
+            <a:solidFill>
+              <a:schemeClr val="accent3"/>
+            </a:solidFill>
+            <a:prstDash val="sysDot"/>
+            <a:headEnd type="none" w="med" len="med"/>
+            <a:tailEnd type="arrow" w="med" len="med"/>
+          </a:ln>
+          <a:effectLst/>
+        </p:spPr>
+        <p:style>
+          <a:lnRef idx="1">
+            <a:schemeClr val="accent2"/>
+          </a:lnRef>
+          <a:fillRef idx="2">
+            <a:schemeClr val="accent2"/>
+          </a:fillRef>
+          <a:effectRef idx="1">
+            <a:schemeClr val="accent2"/>
+          </a:effectRef>
+          <a:fontRef idx="minor">
+            <a:schemeClr val="dk1"/>
+          </a:fontRef>
+        </p:style>
+        <p:txBody>
+          <a:bodyPr rtlCol="0" anchor="ctr"/>
+          <a:lstStyle/>
+          <a:p>
+            <a:pPr algn="ctr"/>
+            <a:endParaRPr lang="en-SG"/>
+          </a:p>
+        </p:txBody>
+      </p:sp>
+      <p:sp>
+        <p:nvSpPr>
+          <p:cNvPr id="222" name="Freeform 117">
+            <a:extLst>
+              <a:ext uri="{FF2B5EF4-FFF2-40B4-BE49-F238E27FC236}">
+                <a16:creationId xmlns:a16="http://schemas.microsoft.com/office/drawing/2014/main" id="{060881BF-8DEE-46F3-A3C9-E2E004823C2E}"/>
+              </a:ext>
+            </a:extLst>
+          </p:cNvPr>
+          <p:cNvSpPr/>
+          <p:nvPr/>
+        </p:nvSpPr>
+        <p:spPr>
+          <a:xfrm flipV="1">
+            <a:off x="4529757" y="2767403"/>
+            <a:ext cx="2342536" cy="76735"/>
+          </a:xfrm>
+          <a:custGeom>
+            <a:avLst/>
+            <a:gdLst>
+              <a:gd name="connsiteX0" fmla="*/ 0 w 3048000"/>
+              <a:gd name="connsiteY0" fmla="*/ 203200 h 203200"/>
+              <a:gd name="connsiteX1" fmla="*/ 221673 w 3048000"/>
+              <a:gd name="connsiteY1" fmla="*/ 0 h 203200"/>
+              <a:gd name="connsiteX2" fmla="*/ 3048000 w 3048000"/>
+              <a:gd name="connsiteY2" fmla="*/ 0 h 203200"/>
+            </a:gdLst>
+            <a:ahLst/>
+            <a:cxnLst>
+              <a:cxn ang="0">
+                <a:pos x="connsiteX0" y="connsiteY0"/>
+              </a:cxn>
+              <a:cxn ang="0">
+                <a:pos x="connsiteX1" y="connsiteY1"/>
+              </a:cxn>
+              <a:cxn ang="0">
+                <a:pos x="connsiteX2" y="connsiteY2"/>
+              </a:cxn>
+            </a:cxnLst>
+            <a:rect l="l" t="t" r="r" b="b"/>
+            <a:pathLst>
+              <a:path w="3048000" h="203200">
+                <a:moveTo>
+                  <a:pt x="0" y="203200"/>
+                </a:moveTo>
+                <a:lnTo>
+                  <a:pt x="221673" y="0"/>
+                </a:lnTo>
+                <a:lnTo>
+                  <a:pt x="3048000" y="0"/>
+                </a:lnTo>
+              </a:path>
+            </a:pathLst>
+          </a:custGeom>
+          <a:noFill/>
+          <a:ln w="19050">
+            <a:solidFill>
+              <a:schemeClr val="accent3"/>
+            </a:solidFill>
+            <a:prstDash val="sysDot"/>
+            <a:headEnd type="none" w="med" len="med"/>
+            <a:tailEnd type="arrow" w="med" len="med"/>
+          </a:ln>
+          <a:effectLst/>
+        </p:spPr>
+        <p:style>
+          <a:lnRef idx="1">
+            <a:schemeClr val="accent2"/>
+          </a:lnRef>
+          <a:fillRef idx="2">
+            <a:schemeClr val="accent2"/>
+          </a:fillRef>
+          <a:effectRef idx="1">
+            <a:schemeClr val="accent2"/>
+          </a:effectRef>
+          <a:fontRef idx="minor">
+            <a:schemeClr val="dk1"/>
+          </a:fontRef>
+        </p:style>
+        <p:txBody>
+          <a:bodyPr rtlCol="0" anchor="ctr"/>
+          <a:lstStyle/>
+          <a:p>
+            <a:pPr algn="ctr"/>
+            <a:endParaRPr lang="en-SG"/>
+          </a:p>
+        </p:txBody>
+      </p:sp>
+      <p:sp>
+        <p:nvSpPr>
+          <p:cNvPr id="223" name="Freeform 117">
+            <a:extLst>
+              <a:ext uri="{FF2B5EF4-FFF2-40B4-BE49-F238E27FC236}">
+                <a16:creationId xmlns:a16="http://schemas.microsoft.com/office/drawing/2014/main" id="{1B4E532D-FBD2-44DE-BBDA-338D47401CD7}"/>
+              </a:ext>
+            </a:extLst>
+          </p:cNvPr>
+          <p:cNvSpPr/>
+          <p:nvPr/>
+        </p:nvSpPr>
+        <p:spPr>
+          <a:xfrm flipV="1">
+            <a:off x="4529757" y="2382433"/>
+            <a:ext cx="2342536" cy="76735"/>
           </a:xfrm>
           <a:custGeom>
             <a:avLst/>
